--- a/Spring.pptx
+++ b/Spring.pptx
@@ -6,25 +6,33 @@
   </p:sldMasterIdLst>
   <p:sldIdLst>
     <p:sldId id="256" r:id="rId3"/>
-    <p:sldId id="257" r:id="rId4"/>
-    <p:sldId id="258" r:id="rId5"/>
-    <p:sldId id="259" r:id="rId6"/>
-    <p:sldId id="260" r:id="rId7"/>
-    <p:sldId id="261" r:id="rId8"/>
-    <p:sldId id="262" r:id="rId9"/>
-    <p:sldId id="263" r:id="rId10"/>
-    <p:sldId id="264" r:id="rId11"/>
-    <p:sldId id="265" r:id="rId12"/>
-    <p:sldId id="266" r:id="rId13"/>
-    <p:sldId id="267" r:id="rId14"/>
-    <p:sldId id="268" r:id="rId15"/>
-    <p:sldId id="269" r:id="rId16"/>
-    <p:sldId id="270" r:id="rId17"/>
-    <p:sldId id="271" r:id="rId18"/>
-    <p:sldId id="272" r:id="rId19"/>
-    <p:sldId id="273" r:id="rId20"/>
-    <p:sldId id="274" r:id="rId21"/>
-    <p:sldId id="275" r:id="rId22"/>
+    <p:sldId id="298" r:id="rId4"/>
+    <p:sldId id="299" r:id="rId5"/>
+    <p:sldId id="323" r:id="rId6"/>
+    <p:sldId id="324" r:id="rId7"/>
+    <p:sldId id="257" r:id="rId8"/>
+    <p:sldId id="295" r:id="rId9"/>
+    <p:sldId id="296" r:id="rId10"/>
+    <p:sldId id="276" r:id="rId11"/>
+    <p:sldId id="258" r:id="rId12"/>
+    <p:sldId id="259" r:id="rId13"/>
+    <p:sldId id="260" r:id="rId14"/>
+    <p:sldId id="297" r:id="rId15"/>
+    <p:sldId id="261" r:id="rId16"/>
+    <p:sldId id="262" r:id="rId17"/>
+    <p:sldId id="263" r:id="rId18"/>
+    <p:sldId id="264" r:id="rId19"/>
+    <p:sldId id="265" r:id="rId20"/>
+    <p:sldId id="266" r:id="rId21"/>
+    <p:sldId id="267" r:id="rId22"/>
+    <p:sldId id="268" r:id="rId23"/>
+    <p:sldId id="269" r:id="rId24"/>
+    <p:sldId id="270" r:id="rId25"/>
+    <p:sldId id="271" r:id="rId26"/>
+    <p:sldId id="272" r:id="rId27"/>
+    <p:sldId id="273" r:id="rId28"/>
+    <p:sldId id="274" r:id="rId29"/>
+    <p:sldId id="275" r:id="rId30"/>
   </p:sldIdLst>
   <p:sldSz cx="10080625" cy="7559675"/>
   <p:notesSz cx="7772400" cy="10058400"/>
@@ -1950,7 +1958,7 @@
         <p:spPr>
           <a:xfrm>
             <a:off x="915120" y="1573200"/>
-            <a:ext cx="8594640" cy="5376240"/>
+            <a:ext cx="8594640" cy="2581910"/>
           </a:xfrm>
           <a:prstGeom prst="rect">
             <a:avLst/>
@@ -1974,7 +1982,7 @@
               <a:rPr lang="en-US" sz="1800" b="0" strike="noStrike" spc="-1">
                 <a:latin typeface="Arial" panose="020B0604020202020204"/>
               </a:rPr>
-              <a:t>1. Annotation</a:t>
+              <a:t>1.Spring Bean</a:t>
             </a:r>
             <a:endParaRPr lang="en-US" sz="1800" b="0" strike="noStrike" spc="-1">
               <a:latin typeface="Arial" panose="020B0604020202020204"/>
@@ -1990,7 +1998,7 @@
               <a:rPr lang="en-US" sz="1800" b="0" strike="noStrike" spc="-1">
                 <a:latin typeface="Arial" panose="020B0604020202020204"/>
               </a:rPr>
-              <a:t>2. Spring JPA</a:t>
+              <a:t>2. Annotation</a:t>
             </a:r>
             <a:endParaRPr lang="en-US" sz="1800" b="0" strike="noStrike" spc="-1">
               <a:latin typeface="Arial" panose="020B0604020202020204"/>
@@ -2006,7 +2014,7 @@
               <a:rPr lang="en-US" sz="1800" b="0" strike="noStrike" spc="-1">
                 <a:latin typeface="Arial" panose="020B0604020202020204"/>
               </a:rPr>
-              <a:t>3. Spring Security (JWT)</a:t>
+              <a:t>3. Spring JPA</a:t>
             </a:r>
             <a:endParaRPr lang="en-US" sz="1800" b="0" strike="noStrike" spc="-1">
               <a:latin typeface="Arial" panose="020B0604020202020204"/>
@@ -2022,7 +2030,7 @@
               <a:rPr lang="en-US" sz="1800" b="0" strike="noStrike" spc="-1">
                 <a:latin typeface="Arial" panose="020B0604020202020204"/>
               </a:rPr>
-              <a:t>3. Oauth2</a:t>
+              <a:t>4. Spring Security (JWT)</a:t>
             </a:r>
             <a:endParaRPr lang="en-US" sz="1800" b="0" strike="noStrike" spc="-1">
               <a:latin typeface="Arial" panose="020B0604020202020204"/>
@@ -2038,7 +2046,23 @@
               <a:rPr lang="en-US" sz="1800" b="0" strike="noStrike" spc="-1">
                 <a:latin typeface="Arial" panose="020B0604020202020204"/>
               </a:rPr>
-              <a:t>4. JMS and ActiveMQ</a:t>
+              <a:t>5. Oauth2</a:t>
+            </a:r>
+            <a:endParaRPr lang="en-US" sz="1800" b="0" strike="noStrike" spc="-1">
+              <a:latin typeface="Arial" panose="020B0604020202020204"/>
+            </a:endParaRPr>
+          </a:p>
+          <a:p>
+            <a:pPr>
+              <a:lnSpc>
+                <a:spcPct val="150000"/>
+              </a:lnSpc>
+            </a:pPr>
+            <a:r>
+              <a:rPr lang="en-US" sz="1800" b="0" strike="noStrike" spc="-1">
+                <a:latin typeface="Arial" panose="020B0604020202020204"/>
+              </a:rPr>
+              <a:t>6. JMS and ActiveMQ</a:t>
             </a:r>
             <a:endParaRPr lang="en-US" sz="1800" b="0" strike="noStrike" spc="-1">
               <a:latin typeface="Arial" panose="020B0604020202020204"/>
@@ -2081,14 +2105,14 @@
       </p:grpSpPr>
       <p:sp>
         <p:nvSpPr>
-          <p:cNvPr id="64" name="TextShape 1"/>
+          <p:cNvPr id="45" name="TextShape 1"/>
           <p:cNvSpPr txBox="1"/>
           <p:nvPr/>
         </p:nvSpPr>
         <p:spPr>
           <a:xfrm>
             <a:off x="504000" y="301320"/>
-            <a:ext cx="9071640" cy="795960"/>
+            <a:ext cx="9071640" cy="1262160"/>
           </a:xfrm>
           <a:prstGeom prst="rect">
             <a:avLst/>
@@ -2108,7 +2132,7 @@
               <a:rPr lang="en-US" sz="4400" b="0" strike="noStrike" spc="-1">
                 <a:latin typeface="Arial" panose="020B0604020202020204"/>
               </a:rPr>
-              <a:t>Spring Security JWT</a:t>
+              <a:t>@Component </a:t>
             </a:r>
             <a:endParaRPr lang="en-US" sz="4400" b="0" strike="noStrike" spc="-1">
               <a:latin typeface="Arial" panose="020B0604020202020204"/>
@@ -2118,7 +2142,7 @@
       </p:sp>
       <p:pic>
         <p:nvPicPr>
-          <p:cNvPr id="65" name="Picture 64"/>
+          <p:cNvPr id="46" name="Picture 45"/>
           <p:cNvPicPr/>
           <p:nvPr/>
         </p:nvPicPr>
@@ -2130,8 +2154,33 @@
         </p:blipFill>
         <p:spPr>
           <a:xfrm>
-            <a:off x="91440" y="1236600"/>
-            <a:ext cx="9848520" cy="5438520"/>
+            <a:off x="731520" y="1661400"/>
+            <a:ext cx="8747280" cy="2361960"/>
+          </a:xfrm>
+          <a:prstGeom prst="rect">
+            <a:avLst/>
+          </a:prstGeom>
+          <a:ln>
+            <a:noFill/>
+          </a:ln>
+        </p:spPr>
+      </p:pic>
+      <p:pic>
+        <p:nvPicPr>
+          <p:cNvPr id="47" name="Picture 46"/>
+          <p:cNvPicPr/>
+          <p:nvPr/>
+        </p:nvPicPr>
+        <p:blipFill>
+          <a:blip r:embed="rId2"/>
+          <a:stretch>
+            <a:fillRect/>
+          </a:stretch>
+        </p:blipFill>
+        <p:spPr>
+          <a:xfrm>
+            <a:off x="1494000" y="4206240"/>
+            <a:ext cx="7467120" cy="2781000"/>
           </a:xfrm>
           <a:prstGeom prst="rect">
             <a:avLst/>
@@ -2176,14 +2225,14 @@
       </p:grpSpPr>
       <p:sp>
         <p:nvSpPr>
-          <p:cNvPr id="66" name="TextShape 1"/>
+          <p:cNvPr id="48" name="TextShape 1"/>
           <p:cNvSpPr txBox="1"/>
           <p:nvPr/>
         </p:nvSpPr>
         <p:spPr>
           <a:xfrm>
-            <a:off x="504000" y="295200"/>
-            <a:ext cx="9071640" cy="625320"/>
+            <a:off x="504000" y="301320"/>
+            <a:ext cx="9071640" cy="1262160"/>
           </a:xfrm>
           <a:prstGeom prst="rect">
             <a:avLst/>
@@ -2200,10 +2249,10 @@
           <a:p>
             <a:pPr algn="ctr"/>
             <a:r>
-              <a:rPr lang="en-US" sz="4400" b="1" strike="noStrike" spc="-1">
-                <a:latin typeface="Arial" panose="020B0604020202020204"/>
-              </a:rPr>
-              <a:t>OAuth2</a:t>
+              <a:rPr lang="en-US" sz="4400" b="0" strike="noStrike" spc="-1">
+                <a:latin typeface="Arial" panose="020B0604020202020204"/>
+              </a:rPr>
+              <a:t>@Service vs @Repository </a:t>
             </a:r>
             <a:endParaRPr lang="en-US" sz="4400" b="0" strike="noStrike" spc="-1">
               <a:latin typeface="Arial" panose="020B0604020202020204"/>
@@ -2213,14 +2262,14 @@
       </p:sp>
       <p:sp>
         <p:nvSpPr>
-          <p:cNvPr id="67" name="TextShape 2"/>
+          <p:cNvPr id="49" name="TextShape 2"/>
           <p:cNvSpPr txBox="1"/>
           <p:nvPr/>
         </p:nvSpPr>
         <p:spPr>
           <a:xfrm>
-            <a:off x="457200" y="920520"/>
-            <a:ext cx="9326880" cy="1565910"/>
+            <a:off x="554400" y="1920240"/>
+            <a:ext cx="8498160" cy="4227480"/>
           </a:xfrm>
           <a:prstGeom prst="rect">
             <a:avLst/>
@@ -2235,222 +2284,171 @@
             <a:spAutoFit/>
           </a:bodyPr>
           <a:p>
-            <a:pPr>
-              <a:lnSpc>
-                <a:spcPct val="150000"/>
-              </a:lnSpc>
-            </a:pPr>
-            <a:r>
-              <a:rPr lang="en-US" sz="1600" b="0" strike="noStrike" spc="-1">
-                <a:latin typeface="Arial" panose="020B0604020202020204"/>
-              </a:rPr>
-              <a:t>OAuth là một phương thức chứng thực giúp các ứng dụng có thể chia sẻ tài nguyên với nhau mà không cần chia sẻ thông tin username và password. Từ Auth ở đây mang 2 nghĩa:</a:t>
-            </a:r>
-            <a:endParaRPr lang="en-US" sz="1600" b="0" strike="noStrike" spc="-1">
-              <a:latin typeface="Arial" panose="020B0604020202020204"/>
-            </a:endParaRPr>
-          </a:p>
-          <a:p>
-            <a:pPr marL="215900" indent="-215900">
-              <a:lnSpc>
-                <a:spcPct val="150000"/>
-              </a:lnSpc>
-              <a:buClr>
-                <a:srgbClr val="000000"/>
-              </a:buClr>
-              <a:buSzPct val="45000"/>
-              <a:buFont typeface="Wingdings" panose="05000000000000000000" pitchFamily="2" charset="2"/>
-              <a:buChar char=""/>
-            </a:pPr>
-            <a:r>
-              <a:rPr lang="en-US" sz="1600" b="1" strike="noStrike" spc="-1">
-                <a:latin typeface="Arial" panose="020B0604020202020204"/>
-              </a:rPr>
-              <a:t>Authentication</a:t>
-            </a:r>
-            <a:r>
-              <a:rPr lang="en-US" sz="1600" b="0" strike="noStrike" spc="-1">
-                <a:latin typeface="Arial" panose="020B0604020202020204"/>
-              </a:rPr>
-              <a:t>: xác thực người dùng thông qua việc đăng nhập.</a:t>
-            </a:r>
-            <a:endParaRPr lang="en-US" sz="1600" b="0" strike="noStrike" spc="-1">
-              <a:latin typeface="Arial" panose="020B0604020202020204"/>
-            </a:endParaRPr>
-          </a:p>
-          <a:p>
-            <a:pPr marL="215900" indent="-215900">
-              <a:lnSpc>
-                <a:spcPct val="150000"/>
-              </a:lnSpc>
-              <a:buClr>
-                <a:srgbClr val="000000"/>
-              </a:buClr>
-              <a:buSzPct val="45000"/>
-              <a:buFont typeface="Wingdings" panose="05000000000000000000" pitchFamily="2" charset="2"/>
-              <a:buChar char=""/>
-            </a:pPr>
-            <a:r>
-              <a:rPr lang="en-US" sz="1600" b="1" strike="noStrike" spc="-1">
-                <a:latin typeface="Arial" panose="020B0604020202020204"/>
-              </a:rPr>
-              <a:t>Authorization</a:t>
-            </a:r>
-            <a:r>
-              <a:rPr lang="en-US" sz="1600" b="0" strike="noStrike" spc="-1">
-                <a:latin typeface="Arial" panose="020B0604020202020204"/>
-              </a:rPr>
-              <a:t>: cấp quyền truy cập vào các Resource.</a:t>
-            </a:r>
-            <a:endParaRPr lang="en-US" sz="1600" b="0" strike="noStrike" spc="-1">
-              <a:latin typeface="Arial" panose="020B0604020202020204"/>
-            </a:endParaRPr>
-          </a:p>
-        </p:txBody>
-      </p:sp>
-      <p:sp>
-        <p:nvSpPr>
-          <p:cNvPr id="68" name="TextShape 3"/>
-          <p:cNvSpPr txBox="1"/>
-          <p:nvPr/>
-        </p:nvSpPr>
-        <p:spPr>
-          <a:xfrm>
-            <a:off x="255905" y="2719775"/>
-            <a:ext cx="9422280" cy="4397375"/>
-          </a:xfrm>
-          <a:prstGeom prst="rect">
-            <a:avLst/>
-          </a:prstGeom>
-          <a:noFill/>
-          <a:ln>
-            <a:noFill/>
-          </a:ln>
-        </p:spPr>
-        <p:txBody>
-          <a:bodyPr lIns="90000" tIns="45000" rIns="90000" bIns="45000">
-            <a:spAutoFit/>
-          </a:bodyPr>
-          <a:p>
-            <a:r>
-              <a:rPr lang="en-US" sz="1600" b="0" strike="noStrike" spc="-1">
-                <a:latin typeface="Arial" panose="020B0604020202020204"/>
-              </a:rPr>
-              <a:t>OAuth2 làm việc với 4 đối tượng mang những vai trò riêng:</a:t>
-            </a:r>
-            <a:endParaRPr lang="en-US" sz="1600" b="0" strike="noStrike" spc="-1">
-              <a:latin typeface="Arial" panose="020B0604020202020204"/>
-            </a:endParaRPr>
-          </a:p>
-          <a:p>
-            <a:pPr marL="215900" indent="-215900">
-              <a:lnSpc>
-                <a:spcPct val="150000"/>
-              </a:lnSpc>
-              <a:buClr>
-                <a:srgbClr val="000000"/>
-              </a:buClr>
-              <a:buSzPct val="45000"/>
-              <a:buFont typeface="Wingdings" panose="05000000000000000000" pitchFamily="2" charset="2"/>
-              <a:buChar char=""/>
-            </a:pPr>
-            <a:r>
-              <a:rPr lang="en-US" sz="1600" b="1" strike="noStrike" spc="-1">
-                <a:latin typeface="Arial" panose="020B0604020202020204"/>
-              </a:rPr>
-              <a:t>Resource Owner</a:t>
-            </a:r>
-            <a:r>
-              <a:rPr lang="en-US" sz="1600" b="0" strike="noStrike" spc="-1">
-                <a:latin typeface="Arial" panose="020B0604020202020204"/>
-              </a:rPr>
-              <a:t> (User): Là những người dùng ủy quyền cho ứng dụng cho phép truy cập tài khoản của họ. Sau đó ứng dụng được phép truy cập vào những dữ liệu người dùng nhưng bị giới hạn bởi những phạm vi (scope) được cấp phép. (VD: chỉ đọc hay được quyền ghi dữ liệu) =&gt; chính là bạn.</a:t>
-            </a:r>
-            <a:endParaRPr lang="en-US" sz="1600" b="0" strike="noStrike" spc="-1">
-              <a:latin typeface="Arial" panose="020B0604020202020204"/>
-            </a:endParaRPr>
-          </a:p>
-          <a:p>
-            <a:pPr marL="215900" indent="-215900">
-              <a:lnSpc>
-                <a:spcPct val="150000"/>
-              </a:lnSpc>
-              <a:buClr>
-                <a:srgbClr val="000000"/>
-              </a:buClr>
-              <a:buSzPct val="45000"/>
-              <a:buFont typeface="Wingdings" panose="05000000000000000000" pitchFamily="2" charset="2"/>
-              <a:buChar char=""/>
-            </a:pPr>
-            <a:r>
-              <a:rPr lang="en-US" sz="1600" b="1" strike="noStrike" spc="-1">
-                <a:latin typeface="Arial" panose="020B0604020202020204"/>
-              </a:rPr>
-              <a:t>Client </a:t>
-            </a:r>
-            <a:r>
-              <a:rPr lang="en-US" sz="1600" b="0" strike="noStrike" spc="-1">
-                <a:latin typeface="Arial" panose="020B0604020202020204"/>
-              </a:rPr>
-              <a:t>(Application): Là những ứng dụng mong muốn truy cập vào dữ liệu người dùng. Trước khi được phép tương tác với dữ liệu thì ứng dụng này phải qua bước ủy quyền của User, và phải được kiểm tra xác nhận thông qua API. =&gt; Có thể hiểu là các ứng dụng sử dụng Facebook, Twitter, Google API chẳng hạn.</a:t>
-            </a:r>
-            <a:endParaRPr lang="en-US" sz="1600" b="0" strike="noStrike" spc="-1">
-              <a:latin typeface="Arial" panose="020B0604020202020204"/>
-            </a:endParaRPr>
-          </a:p>
-          <a:p>
-            <a:pPr marL="215900" indent="-215900">
-              <a:lnSpc>
-                <a:spcPct val="150000"/>
-              </a:lnSpc>
-              <a:buClr>
-                <a:srgbClr val="000000"/>
-              </a:buClr>
-              <a:buSzPct val="45000"/>
-              <a:buFont typeface="Wingdings" panose="05000000000000000000" pitchFamily="2" charset="2"/>
-              <a:buChar char=""/>
-            </a:pPr>
-            <a:r>
-              <a:rPr lang="en-US" sz="1600" b="1" strike="noStrike" spc="-1">
-                <a:latin typeface="Arial" panose="020B0604020202020204"/>
-              </a:rPr>
-              <a:t>Resource Server</a:t>
-            </a:r>
-            <a:r>
-              <a:rPr lang="en-US" sz="1600" b="0" strike="noStrike" spc="-1">
-                <a:latin typeface="Arial" panose="020B0604020202020204"/>
-              </a:rPr>
-              <a:t> (API): Nơi lưu trữ thông tin tài khoản của User và được bảo mật.</a:t>
-            </a:r>
-            <a:endParaRPr lang="en-US" sz="1600" b="0" strike="noStrike" spc="-1">
-              <a:latin typeface="Arial" panose="020B0604020202020204"/>
-            </a:endParaRPr>
-          </a:p>
-          <a:p>
-            <a:pPr marL="215900" indent="-215900">
-              <a:lnSpc>
-                <a:spcPct val="150000"/>
-              </a:lnSpc>
-              <a:buClr>
-                <a:srgbClr val="000000"/>
-              </a:buClr>
-              <a:buSzPct val="45000"/>
-              <a:buFont typeface="Wingdings" panose="05000000000000000000" pitchFamily="2" charset="2"/>
-              <a:buChar char=""/>
-            </a:pPr>
-            <a:r>
-              <a:rPr lang="en-US" sz="1600" b="1" strike="noStrike" spc="-1">
-                <a:latin typeface="Arial" panose="020B0604020202020204"/>
-              </a:rPr>
-              <a:t>Authorization Server</a:t>
-            </a:r>
-            <a:r>
-              <a:rPr lang="en-US" sz="1600" b="0" strike="noStrike" spc="-1">
-                <a:latin typeface="Arial" panose="020B0604020202020204"/>
-              </a:rPr>
-              <a:t> (API): làm nhiệm vụ kiểm tra thông tin user (VD: ID), sau đó cấp quyền truy cập cho Application thông qua việc phát sinh "access token".</a:t>
-            </a:r>
-            <a:endParaRPr lang="en-US" sz="1600" b="0" strike="noStrike" spc="-1">
+            <a:r>
+              <a:rPr lang="en-US" sz="1800" b="0" strike="noStrike" spc="-1">
+                <a:latin typeface="Arial" panose="020B0604020202020204"/>
+              </a:rPr>
+              <a:t>Về bản chất @Service và @Repository cũng chính là @Component. Nhưng đặt tên khác nhau để giúp chúng ta phân biệt các tầng với nhau.</a:t>
+            </a:r>
+            <a:endParaRPr lang="en-US" sz="1800" b="0" strike="noStrike" spc="-1">
+              <a:latin typeface="Arial" panose="020B0604020202020204"/>
+            </a:endParaRPr>
+          </a:p>
+          <a:p>
+            <a:endParaRPr lang="en-US" sz="1800" b="0" strike="noStrike" spc="-1">
+              <a:latin typeface="Arial" panose="020B0604020202020204"/>
+            </a:endParaRPr>
+          </a:p>
+          <a:p>
+            <a:r>
+              <a:rPr lang="en-US" sz="1800" b="0" strike="noStrike" spc="-1">
+                <a:latin typeface="Arial" panose="020B0604020202020204"/>
+              </a:rPr>
+              <a:t>Trong các bài đầu tiên chúng ta đã biết @Component đánh dấu cho Spring Boot biết Class đó là Bean</a:t>
+            </a:r>
+            <a:endParaRPr lang="en-US" sz="1800" b="0" strike="noStrike" spc="-1">
+              <a:latin typeface="Arial" panose="020B0604020202020204"/>
+            </a:endParaRPr>
+          </a:p>
+          <a:p>
+            <a:endParaRPr lang="en-US" sz="1800" b="0" strike="noStrike" spc="-1">
+              <a:latin typeface="Arial" panose="020B0604020202020204"/>
+            </a:endParaRPr>
+          </a:p>
+          <a:p>
+            <a:r>
+              <a:rPr lang="en-US" sz="1800" b="0" strike="noStrike" spc="-1">
+                <a:latin typeface="Arial" panose="020B0604020202020204"/>
+              </a:rPr>
+              <a:t>Về bản chất thì bạn có thể sử dụng thay thế 3 Annotation @</a:t>
+            </a:r>
+            <a:r>
+              <a:rPr lang="en-US" sz="1800" b="1" strike="noStrike" spc="-1">
+                <a:latin typeface="Arial" panose="020B0604020202020204"/>
+              </a:rPr>
+              <a:t>Component</a:t>
+            </a:r>
+            <a:r>
+              <a:rPr lang="en-US" sz="1800" b="0" strike="noStrike" spc="-1">
+                <a:latin typeface="Arial" panose="020B0604020202020204"/>
+              </a:rPr>
+              <a:t>, @</a:t>
+            </a:r>
+            <a:r>
+              <a:rPr lang="en-US" sz="1800" b="1" strike="noStrike" spc="-1">
+                <a:latin typeface="Arial" panose="020B0604020202020204"/>
+              </a:rPr>
+              <a:t>Service</a:t>
+            </a:r>
+            <a:r>
+              <a:rPr lang="en-US" sz="1800" b="0" strike="noStrike" spc="-1">
+                <a:latin typeface="Arial" panose="020B0604020202020204"/>
+              </a:rPr>
+              <a:t> và @</a:t>
+            </a:r>
+            <a:r>
+              <a:rPr lang="en-US" sz="1800" b="1" strike="noStrike" spc="-1">
+                <a:latin typeface="Arial" panose="020B0604020202020204"/>
+              </a:rPr>
+              <a:t>Repository</a:t>
+            </a:r>
+            <a:r>
+              <a:rPr lang="en-US" sz="1800" b="0" strike="noStrike" spc="-1">
+                <a:latin typeface="Arial" panose="020B0604020202020204"/>
+              </a:rPr>
+              <a:t> cho nhau mà không ảnh hưởng gì tới code của bạn cả. Nó vẫn sẽ hoạt động.</a:t>
+            </a:r>
+            <a:endParaRPr lang="en-US" sz="1800" b="0" strike="noStrike" spc="-1">
+              <a:latin typeface="Arial" panose="020B0604020202020204"/>
+            </a:endParaRPr>
+          </a:p>
+          <a:p>
+            <a:endParaRPr lang="en-US" sz="1800" b="0" strike="noStrike" spc="-1">
+              <a:latin typeface="Arial" panose="020B0604020202020204"/>
+            </a:endParaRPr>
+          </a:p>
+          <a:p>
+            <a:r>
+              <a:rPr lang="en-US" sz="1800" b="0" strike="noStrike" spc="-1">
+                <a:latin typeface="Arial" panose="020B0604020202020204"/>
+              </a:rPr>
+              <a:t>Tuy nhiên từ góc độ thiết kế thì chúng ta cần phân rõ 3 Annotation này cho các Class đảm nhiệm đúng nhiệm vụ của nó.</a:t>
+            </a:r>
+            <a:endParaRPr lang="en-US" sz="1800" b="0" strike="noStrike" spc="-1">
+              <a:latin typeface="Arial" panose="020B0604020202020204"/>
+            </a:endParaRPr>
+          </a:p>
+          <a:p>
+            <a:endParaRPr lang="en-US" sz="1800" b="0" strike="noStrike" spc="-1">
+              <a:latin typeface="Arial" panose="020B0604020202020204"/>
+            </a:endParaRPr>
+          </a:p>
+          <a:p>
+            <a:r>
+              <a:rPr lang="en-US" sz="1800" b="0" strike="noStrike" spc="-1">
+                <a:latin typeface="Arial" panose="020B0604020202020204"/>
+              </a:rPr>
+              <a:t>@</a:t>
+            </a:r>
+            <a:r>
+              <a:rPr lang="en-US" sz="1800" b="1" strike="noStrike" spc="-1">
+                <a:latin typeface="Arial" panose="020B0604020202020204"/>
+              </a:rPr>
+              <a:t>Service</a:t>
+            </a:r>
+            <a:r>
+              <a:rPr lang="en-US" sz="1800" b="0" strike="noStrike" spc="-1">
+                <a:latin typeface="Arial" panose="020B0604020202020204"/>
+              </a:rPr>
+              <a:t> gắn cho các Bean đảm nhiệm xử lý logic</a:t>
+            </a:r>
+            <a:endParaRPr lang="en-US" sz="1800" b="0" strike="noStrike" spc="-1">
+              <a:latin typeface="Arial" panose="020B0604020202020204"/>
+            </a:endParaRPr>
+          </a:p>
+          <a:p>
+            <a:r>
+              <a:rPr lang="en-US" sz="1800" b="0" strike="noStrike" spc="-1">
+                <a:latin typeface="Arial" panose="020B0604020202020204"/>
+              </a:rPr>
+              <a:t>@</a:t>
+            </a:r>
+            <a:r>
+              <a:rPr lang="en-US" sz="1800" b="1" strike="noStrike" spc="-1">
+                <a:latin typeface="Arial" panose="020B0604020202020204"/>
+              </a:rPr>
+              <a:t>Repository</a:t>
+            </a:r>
+            <a:r>
+              <a:rPr lang="en-US" sz="1800" b="0" strike="noStrike" spc="-1">
+                <a:latin typeface="Arial" panose="020B0604020202020204"/>
+              </a:rPr>
+              <a:t> gắn cho các Bean đảm nhiệm giao tiếp với DB</a:t>
+            </a:r>
+            <a:endParaRPr lang="en-US" sz="1800" b="0" strike="noStrike" spc="-1">
+              <a:latin typeface="Arial" panose="020B0604020202020204"/>
+            </a:endParaRPr>
+          </a:p>
+          <a:p>
+            <a:r>
+              <a:rPr lang="en-US" sz="1800" b="0" strike="noStrike" spc="-1">
+                <a:latin typeface="Arial" panose="020B0604020202020204"/>
+              </a:rPr>
+              <a:t>@</a:t>
+            </a:r>
+            <a:r>
+              <a:rPr lang="en-US" sz="1800" b="1" strike="noStrike" spc="-1">
+                <a:latin typeface="Arial" panose="020B0604020202020204"/>
+              </a:rPr>
+              <a:t>Component</a:t>
+            </a:r>
+            <a:r>
+              <a:rPr lang="en-US" sz="1800" b="0" strike="noStrike" spc="-1">
+                <a:latin typeface="Arial" panose="020B0604020202020204"/>
+              </a:rPr>
+              <a:t> gắn cho các Bean khác.</a:t>
+            </a:r>
+            <a:endParaRPr lang="en-US" sz="1800" b="0" strike="noStrike" spc="-1">
               <a:latin typeface="Arial" panose="020B0604020202020204"/>
             </a:endParaRPr>
           </a:p>
@@ -2491,7 +2489,7 @@
       </p:grpSpPr>
       <p:sp>
         <p:nvSpPr>
-          <p:cNvPr id="69" name="TextShape 1"/>
+          <p:cNvPr id="50" name="TextShape 1"/>
           <p:cNvSpPr txBox="1"/>
           <p:nvPr/>
         </p:nvSpPr>
@@ -2515,10 +2513,10 @@
           <a:p>
             <a:pPr algn="ctr"/>
             <a:r>
-              <a:rPr lang="en-US" sz="4400" b="1" strike="noStrike" spc="-1">
-                <a:latin typeface="Arial" panose="020B0604020202020204"/>
-              </a:rPr>
-              <a:t>OAuth2</a:t>
+              <a:rPr lang="en-US" sz="4400" b="0" strike="noStrike" spc="-1">
+                <a:latin typeface="Arial" panose="020B0604020202020204"/>
+              </a:rPr>
+              <a:t>@Autowired </a:t>
             </a:r>
             <a:endParaRPr lang="en-US" sz="4400" b="0" strike="noStrike" spc="-1">
               <a:latin typeface="Arial" panose="020B0604020202020204"/>
@@ -2528,7 +2526,7 @@
       </p:sp>
       <p:pic>
         <p:nvPicPr>
-          <p:cNvPr id="70" name="Picture 69"/>
+          <p:cNvPr id="51" name="Picture 50"/>
           <p:cNvPicPr/>
           <p:nvPr/>
         </p:nvPicPr>
@@ -2540,8 +2538,8 @@
         </p:blipFill>
         <p:spPr>
           <a:xfrm>
-            <a:off x="914400" y="1920240"/>
-            <a:ext cx="8595360" cy="3840480"/>
+            <a:off x="2665440" y="1808280"/>
+            <a:ext cx="5381280" cy="3038040"/>
           </a:xfrm>
           <a:prstGeom prst="rect">
             <a:avLst/>
@@ -2551,6 +2549,47 @@
           </a:ln>
         </p:spPr>
       </p:pic>
+      <p:sp>
+        <p:nvSpPr>
+          <p:cNvPr id="52" name="TextShape 2"/>
+          <p:cNvSpPr txBox="1"/>
+          <p:nvPr/>
+        </p:nvSpPr>
+        <p:spPr>
+          <a:xfrm>
+            <a:off x="365760" y="5340240"/>
+            <a:ext cx="9509760" cy="1060560"/>
+          </a:xfrm>
+          <a:prstGeom prst="rect">
+            <a:avLst/>
+          </a:prstGeom>
+          <a:noFill/>
+          <a:ln>
+            <a:noFill/>
+          </a:ln>
+        </p:spPr>
+        <p:txBody>
+          <a:bodyPr lIns="90000" tIns="45000" rIns="90000" bIns="45000">
+            <a:spAutoFit/>
+          </a:bodyPr>
+          <a:p>
+            <a:pPr>
+              <a:lnSpc>
+                <a:spcPct val="115000"/>
+              </a:lnSpc>
+            </a:pPr>
+            <a:r>
+              <a:rPr lang="en-US" sz="1800" b="0" strike="noStrike" spc="-1">
+                <a:latin typeface="Arial" panose="020B0604020202020204"/>
+              </a:rPr>
+              <a:t>Tôi đánh dấu thuộc tính Outfit của Girl bởi Annotation @Autowired. Điều này nói với Spring Boot hãy tự inject (tiêm) một instance của Outfit vào thuộc tính này khi khởi tạo Girl.</a:t>
+            </a:r>
+            <a:endParaRPr lang="en-US" sz="1800" b="0" strike="noStrike" spc="-1">
+              <a:latin typeface="Arial" panose="020B0604020202020204"/>
+            </a:endParaRPr>
+          </a:p>
+        </p:txBody>
+      </p:sp>
     </p:spTree>
   </p:cSld>
   <p:clrMapOvr>
@@ -2586,14 +2625,14 @@
       </p:grpSpPr>
       <p:sp>
         <p:nvSpPr>
-          <p:cNvPr id="71" name="TextShape 1"/>
+          <p:cNvPr id="50" name="TextShape 1"/>
           <p:cNvSpPr txBox="1"/>
           <p:nvPr/>
         </p:nvSpPr>
         <p:spPr>
           <a:xfrm>
-            <a:off x="504000" y="301320"/>
-            <a:ext cx="9071640" cy="1262160"/>
+            <a:off x="504000" y="593945"/>
+            <a:ext cx="9071640" cy="676910"/>
           </a:xfrm>
           <a:prstGeom prst="rect">
             <a:avLst/>
@@ -2610,10 +2649,10 @@
           <a:p>
             <a:pPr algn="ctr"/>
             <a:r>
-              <a:rPr lang="en-US" sz="4400" b="1" strike="noStrike" spc="-1">
-                <a:latin typeface="Arial" panose="020B0604020202020204"/>
-              </a:rPr>
-              <a:t>OAuth2</a:t>
+              <a:rPr lang="en-US" sz="4400" b="0" strike="noStrike" spc="-1">
+                <a:latin typeface="Arial" panose="020B0604020202020204"/>
+              </a:rPr>
+              <a:t>@Qualifier</a:t>
             </a:r>
             <a:endParaRPr lang="en-US" sz="4400" b="0" strike="noStrike" spc="-1">
               <a:latin typeface="Arial" panose="020B0604020202020204"/>
@@ -2623,14 +2662,14 @@
       </p:sp>
       <p:sp>
         <p:nvSpPr>
-          <p:cNvPr id="72" name="TextShape 2"/>
+          <p:cNvPr id="52" name="TextShape 2"/>
           <p:cNvSpPr txBox="1"/>
           <p:nvPr/>
         </p:nvSpPr>
         <p:spPr>
           <a:xfrm>
-            <a:off x="594720" y="1645920"/>
-            <a:ext cx="9006480" cy="4389120"/>
+            <a:off x="431800" y="1691530"/>
+            <a:ext cx="9509760" cy="1042670"/>
           </a:xfrm>
           <a:prstGeom prst="rect">
             <a:avLst/>
@@ -2647,220 +2686,14 @@
           <a:p>
             <a:pPr>
               <a:lnSpc>
-                <a:spcPct val="150000"/>
-              </a:lnSpc>
-            </a:pPr>
-            <a:r>
-              <a:rPr lang="en-US" sz="2000" b="0" strike="noStrike" spc="-1">
-                <a:latin typeface="Arial" panose="020B0604020202020204"/>
-              </a:rPr>
-              <a:t>Ví dụ ta có roles trong trường hợp như sau:</a:t>
-            </a:r>
-            <a:endParaRPr lang="en-US" sz="2000" b="0" strike="noStrike" spc="-1">
-              <a:latin typeface="Arial" panose="020B0604020202020204"/>
-            </a:endParaRPr>
-          </a:p>
-          <a:p>
-            <a:pPr>
-              <a:lnSpc>
-                <a:spcPct val="150000"/>
-              </a:lnSpc>
-            </a:pPr>
-            <a:endParaRPr lang="en-US" sz="2000" b="0" strike="noStrike" spc="-1">
-              <a:latin typeface="Arial" panose="020B0604020202020204"/>
-            </a:endParaRPr>
-          </a:p>
-          <a:p>
-            <a:pPr marL="215900" indent="-215900">
-              <a:lnSpc>
-                <a:spcPct val="150000"/>
-              </a:lnSpc>
-              <a:buClr>
-                <a:srgbClr val="000000"/>
-              </a:buClr>
-              <a:buSzPct val="45000"/>
-              <a:buFont typeface="Wingdings" panose="05000000000000000000" pitchFamily="2" charset="2"/>
-              <a:buChar char=""/>
-            </a:pPr>
-            <a:r>
-              <a:rPr lang="en-US" sz="2000" b="0" strike="noStrike" spc="-1">
-                <a:latin typeface="Arial" panose="020B0604020202020204"/>
-              </a:rPr>
-              <a:t>Resource Owner: Mình</a:t>
-            </a:r>
-            <a:endParaRPr lang="en-US" sz="2000" b="0" strike="noStrike" spc="-1">
-              <a:latin typeface="Arial" panose="020B0604020202020204"/>
-            </a:endParaRPr>
-          </a:p>
-          <a:p>
-            <a:pPr marL="215900" indent="-215900">
-              <a:lnSpc>
-                <a:spcPct val="150000"/>
-              </a:lnSpc>
-              <a:buClr>
-                <a:srgbClr val="000000"/>
-              </a:buClr>
-              <a:buSzPct val="45000"/>
-              <a:buFont typeface="Wingdings" panose="05000000000000000000" pitchFamily="2" charset="2"/>
-              <a:buChar char=""/>
-            </a:pPr>
-            <a:r>
-              <a:rPr lang="en-US" sz="2000" b="0" strike="noStrike" spc="-1">
-                <a:latin typeface="Arial" panose="020B0604020202020204"/>
-              </a:rPr>
-              <a:t>Resource Server: Facebook server</a:t>
-            </a:r>
-            <a:endParaRPr lang="en-US" sz="2000" b="0" strike="noStrike" spc="-1">
-              <a:latin typeface="Arial" panose="020B0604020202020204"/>
-            </a:endParaRPr>
-          </a:p>
-          <a:p>
-            <a:pPr marL="215900" indent="-215900">
-              <a:lnSpc>
-                <a:spcPct val="150000"/>
-              </a:lnSpc>
-              <a:buClr>
-                <a:srgbClr val="000000"/>
-              </a:buClr>
-              <a:buSzPct val="45000"/>
-              <a:buFont typeface="Wingdings" panose="05000000000000000000" pitchFamily="2" charset="2"/>
-              <a:buChar char=""/>
-            </a:pPr>
-            <a:r>
-              <a:rPr lang="en-US" sz="2000" b="0" strike="noStrike" spc="-1">
-                <a:latin typeface="Arial" panose="020B0604020202020204"/>
-              </a:rPr>
-              <a:t>Client: Website Viblo</a:t>
-            </a:r>
-            <a:endParaRPr lang="en-US" sz="2000" b="0" strike="noStrike" spc="-1">
-              <a:latin typeface="Arial" panose="020B0604020202020204"/>
-            </a:endParaRPr>
-          </a:p>
-          <a:p>
-            <a:pPr marL="215900" indent="-215900">
-              <a:lnSpc>
-                <a:spcPct val="150000"/>
-              </a:lnSpc>
-              <a:buClr>
-                <a:srgbClr val="000000"/>
-              </a:buClr>
-              <a:buSzPct val="45000"/>
-              <a:buFont typeface="Wingdings" panose="05000000000000000000" pitchFamily="2" charset="2"/>
-              <a:buChar char=""/>
-            </a:pPr>
-            <a:r>
-              <a:rPr lang="en-US" sz="2000" b="0" strike="noStrike" spc="-1">
-                <a:latin typeface="Arial" panose="020B0604020202020204"/>
-              </a:rPr>
-              <a:t>Authorization Server: Facebook server</a:t>
-            </a:r>
-            <a:endParaRPr lang="en-US" sz="2000" b="0" strike="noStrike" spc="-1">
-              <a:latin typeface="Arial" panose="020B0604020202020204"/>
-            </a:endParaRPr>
-          </a:p>
-        </p:txBody>
-      </p:sp>
-      <p:sp>
-        <p:nvSpPr>
-          <p:cNvPr id="73" name="TextShape 3"/>
-          <p:cNvSpPr txBox="1"/>
-          <p:nvPr/>
-        </p:nvSpPr>
-        <p:spPr>
-          <a:xfrm>
-            <a:off x="822960" y="6858000"/>
-            <a:ext cx="8337550" cy="365760"/>
-          </a:xfrm>
-          <a:prstGeom prst="rect">
-            <a:avLst/>
-          </a:prstGeom>
-          <a:noFill/>
-          <a:ln>
-            <a:noFill/>
-          </a:ln>
-        </p:spPr>
-        <p:txBody>
-          <a:bodyPr wrap="square" lIns="90000" tIns="45000" rIns="90000" bIns="45000">
-            <a:spAutoFit/>
-          </a:bodyPr>
-          <a:p>
-            <a:r>
-              <a:rPr lang="en-US" sz="1800" b="0" i="1" strike="noStrike" spc="-1">
-                <a:latin typeface="Arial" panose="020B0604020202020204"/>
-              </a:rPr>
-              <a:t>https://viblo.asia/p/introduction-to-oauth2-3OEqGjDpR9bL</a:t>
-            </a:r>
-            <a:endParaRPr lang="en-US" sz="1800" b="0" strike="noStrike" spc="-1">
-              <a:latin typeface="Arial" panose="020B0604020202020204"/>
-            </a:endParaRPr>
-          </a:p>
-        </p:txBody>
-      </p:sp>
-      <p:sp>
-        <p:nvSpPr>
-          <p:cNvPr id="74" name="TextShape 4"/>
-          <p:cNvSpPr txBox="1"/>
-          <p:nvPr/>
-        </p:nvSpPr>
-        <p:spPr>
-          <a:xfrm>
-            <a:off x="777875" y="5962015"/>
-            <a:ext cx="7907655" cy="365760"/>
-          </a:xfrm>
-          <a:prstGeom prst="rect">
-            <a:avLst/>
-          </a:prstGeom>
-          <a:noFill/>
-          <a:ln>
-            <a:noFill/>
-          </a:ln>
-        </p:spPr>
-        <p:txBody>
-          <a:bodyPr wrap="square" lIns="90000" tIns="45000" rIns="90000" bIns="45000">
-            <a:spAutoFit/>
-          </a:bodyPr>
-          <a:p>
+                <a:spcPct val="115000"/>
+              </a:lnSpc>
+            </a:pPr>
             <a:r>
               <a:rPr lang="en-US" sz="1800" b="0" strike="noStrike" spc="-1">
                 <a:latin typeface="Arial" panose="020B0604020202020204"/>
               </a:rPr>
-              <a:t>The OAuth 2.0 Authorization Framework</a:t>
-            </a:r>
-            <a:endParaRPr lang="en-US" sz="1800" b="0" strike="noStrike" spc="-1">
-              <a:latin typeface="Arial" panose="020B0604020202020204"/>
-            </a:endParaRPr>
-          </a:p>
-        </p:txBody>
-      </p:sp>
-      <p:sp>
-        <p:nvSpPr>
-          <p:cNvPr id="75" name="TextShape 5"/>
-          <p:cNvSpPr txBox="1"/>
-          <p:nvPr/>
-        </p:nvSpPr>
-        <p:spPr>
-          <a:xfrm>
-            <a:off x="822960" y="6419215"/>
-            <a:ext cx="7764145" cy="365760"/>
-          </a:xfrm>
-          <a:prstGeom prst="rect">
-            <a:avLst/>
-          </a:prstGeom>
-          <a:noFill/>
-          <a:ln>
-            <a:noFill/>
-          </a:ln>
-        </p:spPr>
-        <p:txBody>
-          <a:bodyPr wrap="square" lIns="90000" tIns="45000" rIns="90000" bIns="45000">
-            <a:spAutoFit/>
-          </a:bodyPr>
-          <a:p>
-            <a:r>
-              <a:rPr lang="en-US" sz="1800" b="0" i="1" strike="noStrike" spc="-1">
-                <a:latin typeface="Arial" panose="020B0604020202020204"/>
-              </a:rPr>
-              <a:t>https://tools.ietf.org/html/rfc6749#section-1.3.1</a:t>
+              <a:t>Khi có nhiều hơn một bean với cùng một loại và chỉ có một bean trong số đó cần được wire với một property nào đó, @Qualifier sẽ được sử dụng với @Autowired để giảm thiểu sự nhầm lẫn bằng cách định danh chính xác bean nào được wire.</a:t>
             </a:r>
             <a:endParaRPr lang="en-US" sz="1800" b="0" strike="noStrike" spc="-1">
               <a:latin typeface="Arial" panose="020B0604020202020204"/>
@@ -2903,7 +2736,7 @@
       </p:grpSpPr>
       <p:sp>
         <p:nvSpPr>
-          <p:cNvPr id="76" name="TextShape 1"/>
+          <p:cNvPr id="53" name="TextShape 1"/>
           <p:cNvSpPr txBox="1"/>
           <p:nvPr/>
         </p:nvSpPr>
@@ -2927,10 +2760,10 @@
           <a:p>
             <a:pPr algn="ctr"/>
             <a:r>
-              <a:rPr lang="en-US" sz="4400" b="1" strike="noStrike" spc="-1">
-                <a:latin typeface="Arial" panose="020B0604020202020204"/>
-              </a:rPr>
-              <a:t>OAuth2</a:t>
+              <a:rPr lang="en-US" sz="4400" b="0" strike="noStrike" spc="-1">
+                <a:latin typeface="Arial" panose="020B0604020202020204"/>
+              </a:rPr>
+              <a:t>@Value </a:t>
             </a:r>
             <a:endParaRPr lang="en-US" sz="4400" b="0" strike="noStrike" spc="-1">
               <a:latin typeface="Arial" panose="020B0604020202020204"/>
@@ -2940,14 +2773,14 @@
       </p:sp>
       <p:sp>
         <p:nvSpPr>
-          <p:cNvPr id="77" name="TextShape 2"/>
+          <p:cNvPr id="54" name="TextShape 2"/>
           <p:cNvSpPr txBox="1"/>
           <p:nvPr/>
         </p:nvSpPr>
         <p:spPr>
           <a:xfrm>
-            <a:off x="594720" y="1645920"/>
-            <a:ext cx="9006480" cy="2397125"/>
+            <a:off x="306720" y="1828800"/>
+            <a:ext cx="9203040" cy="603360"/>
           </a:xfrm>
           <a:prstGeom prst="rect">
             <a:avLst/>
@@ -2962,121 +2795,40 @@
             <a:spAutoFit/>
           </a:bodyPr>
           <a:p>
-            <a:pPr>
-              <a:lnSpc>
-                <a:spcPct val="150000"/>
-              </a:lnSpc>
-            </a:pPr>
-            <a:r>
-              <a:rPr lang="en-US" sz="2000" b="0" strike="noStrike" spc="-1">
-                <a:latin typeface="Arial" panose="020B0604020202020204"/>
-              </a:rPr>
-              <a:t>Ví dụ ta có roles trong trường hợp như sau:</a:t>
-            </a:r>
-            <a:endParaRPr lang="en-US" sz="2000" b="0" strike="noStrike" spc="-1">
-              <a:latin typeface="Arial" panose="020B0604020202020204"/>
-            </a:endParaRPr>
-          </a:p>
-          <a:p>
-            <a:pPr marL="215900" indent="-215900">
-              <a:lnSpc>
-                <a:spcPct val="150000"/>
-              </a:lnSpc>
-              <a:buClr>
-                <a:srgbClr val="000000"/>
-              </a:buClr>
-              <a:buSzPct val="45000"/>
-              <a:buFont typeface="Wingdings" panose="05000000000000000000" pitchFamily="2" charset="2"/>
-              <a:buChar char=""/>
-            </a:pPr>
-            <a:r>
-              <a:rPr lang="en-US" sz="2000" b="0" strike="noStrike" spc="-1">
-                <a:latin typeface="Arial" panose="020B0604020202020204"/>
-              </a:rPr>
-              <a:t>Resource Owner: Mình</a:t>
-            </a:r>
-            <a:endParaRPr lang="en-US" sz="2000" b="0" strike="noStrike" spc="-1">
-              <a:latin typeface="Arial" panose="020B0604020202020204"/>
-            </a:endParaRPr>
-          </a:p>
-          <a:p>
-            <a:pPr marL="215900" indent="-215900">
-              <a:lnSpc>
-                <a:spcPct val="150000"/>
-              </a:lnSpc>
-              <a:buClr>
-                <a:srgbClr val="000000"/>
-              </a:buClr>
-              <a:buSzPct val="45000"/>
-              <a:buFont typeface="Wingdings" panose="05000000000000000000" pitchFamily="2" charset="2"/>
-              <a:buChar char=""/>
-            </a:pPr>
-            <a:r>
-              <a:rPr lang="en-US" sz="2000" b="0" strike="noStrike" spc="-1">
-                <a:latin typeface="Arial" panose="020B0604020202020204"/>
-              </a:rPr>
-              <a:t>Resource Server: Facebook server</a:t>
-            </a:r>
-            <a:endParaRPr lang="en-US" sz="2000" b="0" strike="noStrike" spc="-1">
-              <a:latin typeface="Arial" panose="020B0604020202020204"/>
-            </a:endParaRPr>
-          </a:p>
-          <a:p>
-            <a:pPr marL="215900" indent="-215900">
-              <a:lnSpc>
-                <a:spcPct val="150000"/>
-              </a:lnSpc>
-              <a:buClr>
-                <a:srgbClr val="000000"/>
-              </a:buClr>
-              <a:buSzPct val="45000"/>
-              <a:buFont typeface="Wingdings" panose="05000000000000000000" pitchFamily="2" charset="2"/>
-              <a:buChar char=""/>
-            </a:pPr>
-            <a:r>
-              <a:rPr lang="en-US" sz="2000" b="0" strike="noStrike" spc="-1">
-                <a:latin typeface="Arial" panose="020B0604020202020204"/>
-              </a:rPr>
-              <a:t>Client: Website Viblo</a:t>
-            </a:r>
-            <a:endParaRPr lang="en-US" sz="2000" b="0" strike="noStrike" spc="-1">
-              <a:latin typeface="Arial" panose="020B0604020202020204"/>
-            </a:endParaRPr>
-          </a:p>
-          <a:p>
-            <a:pPr marL="215900" indent="-215900">
-              <a:lnSpc>
-                <a:spcPct val="150000"/>
-              </a:lnSpc>
-              <a:buClr>
-                <a:srgbClr val="000000"/>
-              </a:buClr>
-              <a:buSzPct val="45000"/>
-              <a:buFont typeface="Wingdings" panose="05000000000000000000" pitchFamily="2" charset="2"/>
-              <a:buChar char=""/>
-            </a:pPr>
-            <a:r>
-              <a:rPr lang="en-US" sz="2000" b="0" strike="noStrike" spc="-1">
-                <a:latin typeface="Arial" panose="020B0604020202020204"/>
-              </a:rPr>
-              <a:t>Authorization Server: Facebook server</a:t>
-            </a:r>
-            <a:endParaRPr lang="en-US" sz="2000" b="0" strike="noStrike" spc="-1">
-              <a:latin typeface="Arial" panose="020B0604020202020204"/>
-            </a:endParaRPr>
-          </a:p>
-        </p:txBody>
-      </p:sp>
-      <p:sp>
-        <p:nvSpPr>
-          <p:cNvPr id="78" name="TextShape 3"/>
+            <a:r>
+              <a:rPr lang="en-US" sz="1800" b="0" strike="noStrike" spc="-1">
+                <a:latin typeface="Arial" panose="020B0604020202020204"/>
+              </a:rPr>
+              <a:t>@Value được sử dụng trên thuộc tính của class, Có nhiệm vụ lấy thông tin từ file </a:t>
+            </a:r>
+            <a:r>
+              <a:rPr lang="en-US" sz="1800" b="0" i="1" strike="noStrike" spc="-1">
+                <a:latin typeface="Arial" panose="020B0604020202020204"/>
+              </a:rPr>
+              <a:t>application.properties</a:t>
+            </a:r>
+            <a:r>
+              <a:rPr lang="en-US" sz="1800" b="0" strike="noStrike" spc="-1">
+                <a:latin typeface="Arial" panose="020B0604020202020204"/>
+              </a:rPr>
+              <a:t> và gán vào biến.</a:t>
+            </a:r>
+            <a:endParaRPr lang="en-US" sz="1800" b="0" strike="noStrike" spc="-1">
+              <a:latin typeface="Arial" panose="020B0604020202020204"/>
+            </a:endParaRPr>
+          </a:p>
+        </p:txBody>
+      </p:sp>
+      <p:sp>
+        <p:nvSpPr>
+          <p:cNvPr id="55" name="TextShape 3"/>
           <p:cNvSpPr txBox="1"/>
           <p:nvPr/>
         </p:nvSpPr>
         <p:spPr>
           <a:xfrm>
-            <a:off x="822960" y="6858000"/>
-            <a:ext cx="8948420" cy="365760"/>
+            <a:off x="570600" y="2926080"/>
+            <a:ext cx="4732920" cy="1114200"/>
           </a:xfrm>
           <a:prstGeom prst="rect">
             <a:avLst/>
@@ -3087,15 +2839,127 @@
           </a:ln>
         </p:spPr>
         <p:txBody>
-          <a:bodyPr wrap="square" lIns="90000" tIns="45000" rIns="90000" bIns="45000">
-            <a:spAutoFit/>
-          </a:bodyPr>
+          <a:bodyPr lIns="90000" tIns="45000" rIns="90000" bIns="45000">
+            <a:spAutoFit/>
+          </a:bodyPr>
+          <a:p>
+            <a:r>
+              <a:rPr lang="en-US" sz="1800" b="0" i="1" strike="noStrike" spc="-1">
+                <a:latin typeface="Arial" panose="020B0604020202020204"/>
+              </a:rPr>
+              <a:t>application.properties</a:t>
+            </a:r>
+            <a:endParaRPr lang="en-US" sz="1800" b="0" strike="noStrike" spc="-1">
+              <a:latin typeface="Arial" panose="020B0604020202020204"/>
+            </a:endParaRPr>
+          </a:p>
+          <a:p>
+            <a:endParaRPr lang="en-US" sz="1800" b="0" strike="noStrike" spc="-1">
+              <a:latin typeface="Arial" panose="020B0604020202020204"/>
+            </a:endParaRPr>
+          </a:p>
           <a:p>
             <a:r>
               <a:rPr lang="en-US" sz="1800" b="0" strike="noStrike" spc="-1">
                 <a:latin typeface="Arial" panose="020B0604020202020204"/>
               </a:rPr>
-              <a:t>https://viblo.asia/p/introduction-to-oauth2-3OEqGjDpR9bL</a:t>
+              <a:t>loda.mysql.url=jdbc:mysql://host1:33060/loda</a:t>
+            </a:r>
+            <a:endParaRPr lang="en-US" sz="1800" b="0" strike="noStrike" spc="-1">
+              <a:latin typeface="Arial" panose="020B0604020202020204"/>
+            </a:endParaRPr>
+          </a:p>
+        </p:txBody>
+      </p:sp>
+      <p:sp>
+        <p:nvSpPr>
+          <p:cNvPr id="56" name="TextShape 4"/>
+          <p:cNvSpPr txBox="1"/>
+          <p:nvPr/>
+        </p:nvSpPr>
+        <p:spPr>
+          <a:xfrm>
+            <a:off x="422640" y="4442400"/>
+            <a:ext cx="8812800" cy="2141280"/>
+          </a:xfrm>
+          <a:prstGeom prst="rect">
+            <a:avLst/>
+          </a:prstGeom>
+          <a:noFill/>
+          <a:ln>
+            <a:noFill/>
+          </a:ln>
+        </p:spPr>
+        <p:txBody>
+          <a:bodyPr lIns="90000" tIns="45000" rIns="90000" bIns="45000">
+            <a:spAutoFit/>
+          </a:bodyPr>
+          <a:p>
+            <a:r>
+              <a:rPr lang="en-US" sz="1800" b="0" strike="noStrike" spc="-1">
+                <a:latin typeface="Arial" panose="020B0604020202020204"/>
+              </a:rPr>
+              <a:t>@Value được sử dụng trên thuộc tính của class, Có nhiệm vụ lấy thông tin từ file properties và gán vào biến.</a:t>
+            </a:r>
+            <a:endParaRPr lang="en-US" sz="1800" b="0" strike="noStrike" spc="-1">
+              <a:latin typeface="Arial" panose="020B0604020202020204"/>
+            </a:endParaRPr>
+          </a:p>
+          <a:p>
+            <a:endParaRPr lang="en-US" sz="1800" b="0" strike="noStrike" spc="-1">
+              <a:latin typeface="Arial" panose="020B0604020202020204"/>
+            </a:endParaRPr>
+          </a:p>
+          <a:p>
+            <a:r>
+              <a:rPr lang="en-US" sz="1800" b="0" strike="noStrike" spc="-1">
+                <a:latin typeface="Arial" panose="020B0604020202020204"/>
+              </a:rPr>
+              <a:t>public class AppConfig {</a:t>
+            </a:r>
+            <a:endParaRPr lang="en-US" sz="1800" b="0" strike="noStrike" spc="-1">
+              <a:latin typeface="Arial" panose="020B0604020202020204"/>
+            </a:endParaRPr>
+          </a:p>
+          <a:p>
+            <a:r>
+              <a:rPr lang="en-US" sz="1800" b="0" strike="noStrike" spc="-1">
+                <a:latin typeface="Arial" panose="020B0604020202020204"/>
+              </a:rPr>
+              <a:t>    // Lấy giá trị config từ file application.properties</a:t>
+            </a:r>
+            <a:endParaRPr lang="en-US" sz="1800" b="0" strike="noStrike" spc="-1">
+              <a:latin typeface="Arial" panose="020B0604020202020204"/>
+            </a:endParaRPr>
+          </a:p>
+          <a:p>
+            <a:r>
+              <a:rPr lang="en-US" sz="1800" b="0" strike="noStrike" spc="-1">
+                <a:latin typeface="Arial" panose="020B0604020202020204"/>
+              </a:rPr>
+              <a:t>    @Value("${loda.mysql.url}")</a:t>
+            </a:r>
+            <a:endParaRPr lang="en-US" sz="1800" b="0" strike="noStrike" spc="-1">
+              <a:latin typeface="Arial" panose="020B0604020202020204"/>
+            </a:endParaRPr>
+          </a:p>
+          <a:p>
+            <a:r>
+              <a:rPr lang="en-US" sz="1800" b="0" strike="noStrike" spc="-1">
+                <a:latin typeface="Arial" panose="020B0604020202020204"/>
+              </a:rPr>
+              <a:t>    String mysqlUrl;</a:t>
+            </a:r>
+            <a:endParaRPr lang="en-US" sz="1800" b="0" strike="noStrike" spc="-1">
+              <a:latin typeface="Arial" panose="020B0604020202020204"/>
+            </a:endParaRPr>
+          </a:p>
+          <a:p>
+            <a:r>
+              <a:rPr lang="en-US" sz="1800" b="0" strike="noStrike" spc="-1">
+                <a:latin typeface="Arial" panose="020B0604020202020204"/>
+              </a:rPr>
+              <a:t>}</a:t>
             </a:r>
             <a:endParaRPr lang="en-US" sz="1800" b="0" strike="noStrike" spc="-1">
               <a:latin typeface="Arial" panose="020B0604020202020204"/>
@@ -3138,14 +3002,14 @@
       </p:grpSpPr>
       <p:sp>
         <p:nvSpPr>
-          <p:cNvPr id="79" name="TextShape 1"/>
+          <p:cNvPr id="57" name="TextShape 1"/>
           <p:cNvSpPr txBox="1"/>
           <p:nvPr/>
         </p:nvSpPr>
         <p:spPr>
           <a:xfrm>
             <a:off x="504000" y="301320"/>
-            <a:ext cx="9071640" cy="1262160"/>
+            <a:ext cx="9071640" cy="704520"/>
           </a:xfrm>
           <a:prstGeom prst="rect">
             <a:avLst/>
@@ -3162,27 +3026,27 @@
           <a:p>
             <a:pPr algn="ctr"/>
             <a:r>
-              <a:rPr lang="en-US" sz="4400" b="1" strike="noStrike" spc="-1">
-                <a:latin typeface="Arial" panose="020B0604020202020204"/>
-              </a:rPr>
-              <a:t>OAuth2</a:t>
-            </a:r>
-            <a:endParaRPr lang="en-US" sz="4400" b="0" strike="noStrike" spc="-1">
-              <a:latin typeface="Arial" panose="020B0604020202020204"/>
-            </a:endParaRPr>
-          </a:p>
-        </p:txBody>
-      </p:sp>
-      <p:sp>
-        <p:nvSpPr>
-          <p:cNvPr id="80" name="TextShape 2"/>
+              <a:rPr lang="en-US" sz="2000" b="1" strike="noStrike" spc="-1">
+                <a:latin typeface="Arial" panose="020B0604020202020204"/>
+              </a:rPr>
+              <a:t>@RequestMapping + @PostMapping + @ModelAttribute + @RequestParam  </a:t>
+            </a:r>
+            <a:endParaRPr lang="en-US" sz="2000" b="0" strike="noStrike" spc="-1">
+              <a:latin typeface="Arial" panose="020B0604020202020204"/>
+            </a:endParaRPr>
+          </a:p>
+        </p:txBody>
+      </p:sp>
+      <p:sp>
+        <p:nvSpPr>
+          <p:cNvPr id="58" name="TextShape 2"/>
           <p:cNvSpPr txBox="1"/>
           <p:nvPr/>
         </p:nvSpPr>
         <p:spPr>
           <a:xfrm>
-            <a:off x="594720" y="1645920"/>
-            <a:ext cx="9006480" cy="4389120"/>
+            <a:off x="741240" y="1126795"/>
+            <a:ext cx="8311320" cy="2581910"/>
           </a:xfrm>
           <a:prstGeom prst="rect">
             <a:avLst/>
@@ -3193,7 +3057,7 @@
           </a:ln>
         </p:spPr>
         <p:txBody>
-          <a:bodyPr lIns="90000" tIns="45000" rIns="90000" bIns="45000">
+          <a:bodyPr wrap="square" lIns="90000" tIns="45000" rIns="90000" bIns="45000">
             <a:spAutoFit/>
           </a:bodyPr>
           <a:p>
@@ -3203,121 +3067,106 @@
               </a:lnSpc>
             </a:pPr>
             <a:r>
-              <a:rPr lang="en-US" sz="1800" b="1" strike="noStrike" spc="-1">
-                <a:latin typeface="Arial" panose="020B0604020202020204"/>
-              </a:rPr>
-              <a:t>Kịch bản</a:t>
-            </a:r>
-            <a:endParaRPr lang="en-US" sz="1800" b="0" strike="noStrike" spc="-1">
-              <a:latin typeface="Arial" panose="020B0604020202020204"/>
-            </a:endParaRPr>
-          </a:p>
-          <a:p>
-            <a:pPr marL="215900" indent="-215900">
+              <a:rPr lang="en-US" sz="1800" b="0" strike="noStrike" spc="-1">
+                <a:latin typeface="Arial" panose="020B0604020202020204"/>
+              </a:rPr>
+              <a:t>@PostMapping có nhiệm vụ đánh dấu hàm xử lý POST request trong Controller.</a:t>
+            </a:r>
+            <a:endParaRPr lang="en-US" sz="1800" b="0" strike="noStrike" spc="-1">
+              <a:latin typeface="Arial" panose="020B0604020202020204"/>
+            </a:endParaRPr>
+          </a:p>
+          <a:p>
+            <a:pPr>
               <a:lnSpc>
                 <a:spcPct val="150000"/>
               </a:lnSpc>
-              <a:buClr>
-                <a:srgbClr val="000000"/>
-              </a:buClr>
-              <a:buSzPct val="45000"/>
-              <a:buFont typeface="Wingdings" panose="05000000000000000000" pitchFamily="2" charset="2"/>
-              <a:buChar char=""/>
             </a:pPr>
             <a:r>
               <a:rPr lang="en-US" sz="1800" b="0" strike="noStrike" spc="-1">
                 <a:latin typeface="Arial" panose="020B0604020202020204"/>
               </a:rPr>
-              <a:t>Từ Viblo, ta muốn login thông qua Facebook.</a:t>
-            </a:r>
-            <a:endParaRPr lang="en-US" sz="1800" b="0" strike="noStrike" spc="-1">
-              <a:latin typeface="Arial" panose="020B0604020202020204"/>
-            </a:endParaRPr>
-          </a:p>
-          <a:p>
-            <a:pPr marL="215900" indent="-215900">
+              <a:t>@GetMapping có nhiệm vụ đánh dấu hàm xử lý GET request trong Controller.</a:t>
+            </a:r>
+            <a:endParaRPr lang="en-US" sz="1800" b="0" strike="noStrike" spc="-1">
+              <a:latin typeface="Arial" panose="020B0604020202020204"/>
+            </a:endParaRPr>
+          </a:p>
+          <a:p>
+            <a:pPr>
               <a:lnSpc>
                 <a:spcPct val="150000"/>
               </a:lnSpc>
-              <a:buClr>
-                <a:srgbClr val="000000"/>
-              </a:buClr>
-              <a:buSzPct val="45000"/>
-              <a:buFont typeface="Wingdings" panose="05000000000000000000" pitchFamily="2" charset="2"/>
-              <a:buChar char=""/>
             </a:pPr>
             <a:r>
               <a:rPr lang="en-US" sz="1800" b="0" strike="noStrike" spc="-1">
                 <a:latin typeface="Arial" panose="020B0604020202020204"/>
               </a:rPr>
-              <a:t>Browser redirect tới trang chứng thực của Facebook (Authorization Server).</a:t>
-            </a:r>
-            <a:endParaRPr lang="en-US" sz="1800" b="0" strike="noStrike" spc="-1">
-              <a:latin typeface="Arial" panose="020B0604020202020204"/>
-            </a:endParaRPr>
-          </a:p>
-          <a:p>
-            <a:pPr marL="215900" indent="-215900">
+              <a:t>@PutMapping </a:t>
+            </a:r>
+            <a:endParaRPr lang="en-US" sz="1800" b="0" strike="noStrike" spc="-1">
+              <a:latin typeface="Arial" panose="020B0604020202020204"/>
+            </a:endParaRPr>
+          </a:p>
+          <a:p>
+            <a:pPr>
               <a:lnSpc>
                 <a:spcPct val="150000"/>
               </a:lnSpc>
-              <a:buClr>
-                <a:srgbClr val="000000"/>
-              </a:buClr>
-              <a:buSzPct val="45000"/>
-              <a:buFont typeface="Wingdings" panose="05000000000000000000" pitchFamily="2" charset="2"/>
-              <a:buChar char=""/>
             </a:pPr>
             <a:r>
               <a:rPr lang="en-US" sz="1800" b="0" strike="noStrike" spc="-1">
                 <a:latin typeface="Arial" panose="020B0604020202020204"/>
               </a:rPr>
-              <a:t>Nếu ta cho phép truy cập, browser sẽ redirect ta về Viblo cùng với Access Token trên URI. Ví dụ như callback: http://viblo.asia/auth/callback&amp;access_token=MynBTzUGYX8bHTnyLpZ4</a:t>
-            </a:r>
-            <a:endParaRPr lang="en-US" sz="1800" b="0" strike="noStrike" spc="-1">
-              <a:latin typeface="Arial" panose="020B0604020202020204"/>
-            </a:endParaRPr>
-          </a:p>
-          <a:p>
-            <a:pPr marL="215900" indent="-215900">
+              <a:t>@DeleteMapping</a:t>
+            </a:r>
+            <a:endParaRPr lang="en-US" sz="1800" b="0" strike="noStrike" spc="-1">
+              <a:latin typeface="Arial" panose="020B0604020202020204"/>
+            </a:endParaRPr>
+          </a:p>
+          <a:p>
+            <a:pPr>
               <a:lnSpc>
                 <a:spcPct val="150000"/>
               </a:lnSpc>
-              <a:buClr>
-                <a:srgbClr val="000000"/>
-              </a:buClr>
-              <a:buSzPct val="45000"/>
-              <a:buFont typeface="Wingdings" panose="05000000000000000000" pitchFamily="2" charset="2"/>
-              <a:buChar char=""/>
             </a:pPr>
             <a:r>
               <a:rPr lang="en-US" sz="1800" b="0" strike="noStrike" spc="-1">
                 <a:latin typeface="Arial" panose="020B0604020202020204"/>
               </a:rPr>
-              <a:t>Access token này sẽ được client lấy và sử dụng khi truy cập tới Facebook lấy tài nguyên. Ví dụ: https://graph.facebook.com/me?access_token=MynBTzUGYX8bHTnyLpZ4</a:t>
-            </a:r>
-            <a:endParaRPr lang="en-US" sz="1800" b="0" strike="noStrike" spc="-1">
-              <a:latin typeface="Arial" panose="020B0604020202020204"/>
-            </a:endParaRPr>
-          </a:p>
-          <a:p>
-            <a:pPr>
-              <a:lnSpc>
-                <a:spcPct val="150000"/>
-              </a:lnSpc>
-            </a:pPr>
-            <a:r>
-              <a:rPr lang="en-US" sz="1800" b="0" strike="noStrike" spc="-1">
-                <a:latin typeface="Arial" panose="020B0604020202020204"/>
-              </a:rPr>
-              <a:t>Facebook dựa vào Token, nhận ra là thanh niên đã đăng ký trước đó, cho phép truy cập và trả về dữ liệu.</a:t>
-            </a:r>
-            <a:endParaRPr lang="en-US" sz="1800" b="0" strike="noStrike" spc="-1">
-              <a:latin typeface="Arial" panose="020B0604020202020204"/>
-            </a:endParaRPr>
-          </a:p>
-        </p:txBody>
-      </p:sp>
+              <a:t>@RequestMapping là một annotation có ý nghĩa và mục đích sử dụng rộng hơn các loại @GetMapping, @PostMapping,v.v..</a:t>
+            </a:r>
+            <a:endParaRPr lang="en-US" sz="1800" b="0" strike="noStrike" spc="-1">
+              <a:latin typeface="Arial" panose="020B0604020202020204"/>
+            </a:endParaRPr>
+          </a:p>
+        </p:txBody>
+      </p:sp>
+      <p:pic>
+        <p:nvPicPr>
+          <p:cNvPr id="59" name="Picture 58"/>
+          <p:cNvPicPr/>
+          <p:nvPr/>
+        </p:nvPicPr>
+        <p:blipFill>
+          <a:blip r:embed="rId1"/>
+          <a:stretch>
+            <a:fillRect/>
+          </a:stretch>
+        </p:blipFill>
+        <p:spPr>
+          <a:xfrm>
+            <a:off x="1649095" y="3647270"/>
+            <a:ext cx="6781320" cy="3704760"/>
+          </a:xfrm>
+          <a:prstGeom prst="rect">
+            <a:avLst/>
+          </a:prstGeom>
+          <a:ln>
+            <a:noFill/>
+          </a:ln>
+        </p:spPr>
+      </p:pic>
     </p:spTree>
   </p:cSld>
   <p:clrMapOvr>
@@ -3353,7 +3202,7 @@
       </p:grpSpPr>
       <p:sp>
         <p:nvSpPr>
-          <p:cNvPr id="81" name="TextShape 1"/>
+          <p:cNvPr id="60" name="TextShape 1"/>
           <p:cNvSpPr txBox="1"/>
           <p:nvPr/>
         </p:nvSpPr>
@@ -3377,10 +3226,10 @@
           <a:p>
             <a:pPr algn="ctr"/>
             <a:r>
-              <a:rPr lang="en-US" sz="4400" b="1" strike="noStrike" spc="-1">
-                <a:latin typeface="Arial" panose="020B0604020202020204"/>
-              </a:rPr>
-              <a:t>OAuth2</a:t>
+              <a:rPr lang="en-US" sz="4400" b="0" strike="noStrike" spc="-1">
+                <a:latin typeface="Arial" panose="020B0604020202020204"/>
+              </a:rPr>
+              <a:t>Spring Data JPA </a:t>
             </a:r>
             <a:endParaRPr lang="en-US" sz="4400" b="0" strike="noStrike" spc="-1">
               <a:latin typeface="Arial" panose="020B0604020202020204"/>
@@ -3388,197 +3237,31 @@
           </a:p>
         </p:txBody>
       </p:sp>
-      <p:sp>
-        <p:nvSpPr>
-          <p:cNvPr id="82" name="TextShape 2"/>
-          <p:cNvSpPr txBox="1"/>
+      <p:pic>
+        <p:nvPicPr>
+          <p:cNvPr id="61" name="Picture 60"/>
+          <p:cNvPicPr/>
           <p:nvPr/>
-        </p:nvSpPr>
-        <p:spPr>
-          <a:xfrm>
-            <a:off x="594720" y="1645920"/>
-            <a:ext cx="9006480" cy="4389120"/>
-          </a:xfrm>
-          <a:prstGeom prst="rect">
-            <a:avLst/>
-          </a:prstGeom>
-          <a:noFill/>
+        </p:nvPicPr>
+        <p:blipFill>
+          <a:blip r:embed="rId1"/>
+          <a:stretch>
+            <a:fillRect/>
+          </a:stretch>
+        </p:blipFill>
+        <p:spPr>
+          <a:xfrm>
+            <a:off x="2570040" y="1371600"/>
+            <a:ext cx="4562280" cy="5638320"/>
+          </a:xfrm>
+          <a:prstGeom prst="rect">
+            <a:avLst/>
+          </a:prstGeom>
           <a:ln>
             <a:noFill/>
           </a:ln>
         </p:spPr>
-        <p:txBody>
-          <a:bodyPr lIns="90000" tIns="45000" rIns="90000" bIns="45000">
-            <a:spAutoFit/>
-          </a:bodyPr>
-          <a:p>
-            <a:pPr>
-              <a:lnSpc>
-                <a:spcPct val="150000"/>
-              </a:lnSpc>
-            </a:pPr>
-            <a:r>
-              <a:rPr lang="en-US" sz="1800" b="1" strike="noStrike" spc="-1">
-                <a:latin typeface="Arial" panose="020B0604020202020204"/>
-              </a:rPr>
-              <a:t>OAuth2 Grant Types: có 4 grant type khác nhau:</a:t>
-            </a:r>
-            <a:endParaRPr lang="en-US" sz="1800" b="0" strike="noStrike" spc="-1">
-              <a:latin typeface="Arial" panose="020B0604020202020204"/>
-            </a:endParaRPr>
-          </a:p>
-          <a:p>
-            <a:pPr marL="215900" indent="-215900">
-              <a:lnSpc>
-                <a:spcPct val="150000"/>
-              </a:lnSpc>
-              <a:buClr>
-                <a:srgbClr val="000000"/>
-              </a:buClr>
-              <a:buSzPct val="45000"/>
-              <a:buFont typeface="Wingdings" panose="05000000000000000000" pitchFamily="2" charset="2"/>
-              <a:buChar char=""/>
-            </a:pPr>
-            <a:r>
-              <a:rPr lang="en-US" sz="1800" b="1" strike="noStrike" spc="-1">
-                <a:latin typeface="Arial" panose="020B0604020202020204"/>
-              </a:rPr>
-              <a:t>Authorization Code:</a:t>
-            </a:r>
-            <a:r>
-              <a:rPr lang="en-US" sz="1800" b="0" strike="noStrike" spc="-1">
-                <a:latin typeface="Arial" panose="020B0604020202020204"/>
-              </a:rPr>
-              <a:t> used with server-side Applications</a:t>
-            </a:r>
-            <a:endParaRPr lang="en-US" sz="1800" b="0" strike="noStrike" spc="-1">
-              <a:latin typeface="Arial" panose="020B0604020202020204"/>
-            </a:endParaRPr>
-          </a:p>
-          <a:p>
-            <a:pPr marL="215900" indent="-215900">
-              <a:lnSpc>
-                <a:spcPct val="150000"/>
-              </a:lnSpc>
-              <a:buClr>
-                <a:srgbClr val="000000"/>
-              </a:buClr>
-              <a:buSzPct val="45000"/>
-              <a:buFont typeface="Wingdings" panose="05000000000000000000" pitchFamily="2" charset="2"/>
-              <a:buChar char=""/>
-            </a:pPr>
-            <a:r>
-              <a:rPr lang="en-US" sz="1800" b="1" strike="noStrike" spc="-1">
-                <a:latin typeface="Arial" panose="020B0604020202020204"/>
-              </a:rPr>
-              <a:t>Implicit</a:t>
-            </a:r>
-            <a:r>
-              <a:rPr lang="en-US" sz="1800" b="0" strike="noStrike" spc="-1">
-                <a:latin typeface="Arial" panose="020B0604020202020204"/>
-              </a:rPr>
-              <a:t>: used with Mobile Apps or Web Applications (applications that run on the user's device)</a:t>
-            </a:r>
-            <a:endParaRPr lang="en-US" sz="1800" b="0" strike="noStrike" spc="-1">
-              <a:latin typeface="Arial" panose="020B0604020202020204"/>
-            </a:endParaRPr>
-          </a:p>
-          <a:p>
-            <a:pPr marL="215900" indent="-215900">
-              <a:lnSpc>
-                <a:spcPct val="150000"/>
-              </a:lnSpc>
-              <a:buClr>
-                <a:srgbClr val="000000"/>
-              </a:buClr>
-              <a:buSzPct val="45000"/>
-              <a:buFont typeface="Wingdings" panose="05000000000000000000" pitchFamily="2" charset="2"/>
-              <a:buChar char=""/>
-            </a:pPr>
-            <a:r>
-              <a:rPr lang="en-US" sz="1800" b="1" strike="noStrike" spc="-1">
-                <a:latin typeface="Arial" panose="020B0604020202020204"/>
-              </a:rPr>
-              <a:t>Resource Owner Password Credentials</a:t>
-            </a:r>
-            <a:r>
-              <a:rPr lang="en-US" sz="1800" b="0" strike="noStrike" spc="-1">
-                <a:latin typeface="Arial" panose="020B0604020202020204"/>
-              </a:rPr>
-              <a:t>: used with trusted Applications, such as those owned by the service itself</a:t>
-            </a:r>
-            <a:endParaRPr lang="en-US" sz="1800" b="0" strike="noStrike" spc="-1">
-              <a:latin typeface="Arial" panose="020B0604020202020204"/>
-            </a:endParaRPr>
-          </a:p>
-          <a:p>
-            <a:pPr marL="215900" indent="-215900">
-              <a:lnSpc>
-                <a:spcPct val="150000"/>
-              </a:lnSpc>
-              <a:buClr>
-                <a:srgbClr val="000000"/>
-              </a:buClr>
-              <a:buSzPct val="45000"/>
-              <a:buFont typeface="Wingdings" panose="05000000000000000000" pitchFamily="2" charset="2"/>
-              <a:buChar char=""/>
-            </a:pPr>
-            <a:r>
-              <a:rPr lang="en-US" sz="1800" b="1" strike="noStrike" spc="-1">
-                <a:latin typeface="Arial" panose="020B0604020202020204"/>
-              </a:rPr>
-              <a:t>Client Credentials:</a:t>
-            </a:r>
-            <a:r>
-              <a:rPr lang="en-US" sz="1800" b="0" strike="noStrike" spc="-1">
-                <a:latin typeface="Arial" panose="020B0604020202020204"/>
-              </a:rPr>
-              <a:t> used with Applications API access</a:t>
-            </a:r>
-            <a:endParaRPr lang="en-US" sz="1800" b="0" strike="noStrike" spc="-1">
-              <a:latin typeface="Arial" panose="020B0604020202020204"/>
-            </a:endParaRPr>
-          </a:p>
-          <a:p>
-            <a:pPr marL="215900" indent="-215900">
-              <a:lnSpc>
-                <a:spcPct val="150000"/>
-              </a:lnSpc>
-              <a:buClr>
-                <a:srgbClr val="000000"/>
-              </a:buClr>
-              <a:buSzPct val="45000"/>
-              <a:buFont typeface="Wingdings" panose="05000000000000000000" pitchFamily="2" charset="2"/>
-              <a:buChar char=""/>
-            </a:pPr>
-            <a:endParaRPr lang="en-US" sz="1800" b="0" strike="noStrike" spc="-1">
-              <a:latin typeface="Arial" panose="020B0604020202020204"/>
-            </a:endParaRPr>
-          </a:p>
-          <a:p>
-            <a:pPr marL="215900" indent="-215900">
-              <a:lnSpc>
-                <a:spcPct val="150000"/>
-              </a:lnSpc>
-              <a:buClr>
-                <a:srgbClr val="000000"/>
-              </a:buClr>
-              <a:buSzPct val="45000"/>
-              <a:buFont typeface="Wingdings" panose="05000000000000000000" pitchFamily="2" charset="2"/>
-              <a:buChar char=""/>
-            </a:pPr>
-            <a:r>
-              <a:rPr lang="en-US" sz="1800" b="0" i="1" strike="noStrike" spc="-1">
-                <a:latin typeface="Arial" panose="020B0604020202020204"/>
-              </a:rPr>
-              <a:t>Link: https://www.devglan.com/spring-security/spring-boot-oauth2-angular</a:t>
-            </a:r>
-            <a:endParaRPr lang="en-US" sz="1800" b="0" strike="noStrike" spc="-1">
-              <a:latin typeface="Arial" panose="020B0604020202020204"/>
-            </a:endParaRPr>
-          </a:p>
-        </p:txBody>
-      </p:sp>
+      </p:pic>
     </p:spTree>
   </p:cSld>
   <p:clrMapOvr>
@@ -3614,7 +3297,7 @@
       </p:grpSpPr>
       <p:sp>
         <p:nvSpPr>
-          <p:cNvPr id="83" name="TextShape 1"/>
+          <p:cNvPr id="62" name="TextShape 1"/>
           <p:cNvSpPr txBox="1"/>
           <p:nvPr/>
         </p:nvSpPr>
@@ -3638,10 +3321,10 @@
           <a:p>
             <a:pPr algn="ctr"/>
             <a:r>
-              <a:rPr lang="en-US" sz="4400" b="1" strike="noStrike" spc="-1">
-                <a:latin typeface="Arial" panose="020B0604020202020204"/>
-              </a:rPr>
-              <a:t>JMS - ActiveMQ</a:t>
+              <a:rPr lang="en-US" sz="4400" b="0" strike="noStrike" spc="-1">
+                <a:latin typeface="Arial" panose="020B0604020202020204"/>
+              </a:rPr>
+              <a:t>Spring Data JPA </a:t>
             </a:r>
             <a:endParaRPr lang="en-US" sz="4400" b="0" strike="noStrike" spc="-1">
               <a:latin typeface="Arial" panose="020B0604020202020204"/>
@@ -3651,14 +3334,14 @@
       </p:sp>
       <p:sp>
         <p:nvSpPr>
-          <p:cNvPr id="84" name="TextShape 2"/>
+          <p:cNvPr id="63" name="TextShape 2"/>
           <p:cNvSpPr txBox="1"/>
           <p:nvPr/>
         </p:nvSpPr>
         <p:spPr>
           <a:xfrm>
-            <a:off x="594720" y="1645920"/>
-            <a:ext cx="9006480" cy="4389120"/>
+            <a:off x="7560" y="2058480"/>
+            <a:ext cx="10051560" cy="3422880"/>
           </a:xfrm>
           <a:prstGeom prst="rect">
             <a:avLst/>
@@ -3673,44 +3356,149 @@
             <a:spAutoFit/>
           </a:bodyPr>
           <a:p>
-            <a:pPr>
-              <a:lnSpc>
-                <a:spcPct val="150000"/>
-              </a:lnSpc>
-            </a:pPr>
-            <a:r>
-              <a:rPr lang="en-US" sz="1800" b="1" strike="noStrike" spc="-1">
-                <a:latin typeface="Arial" panose="020B0604020202020204"/>
-              </a:rPr>
-              <a:t>JMS?</a:t>
-            </a:r>
-            <a:endParaRPr lang="en-US" sz="1800" b="0" strike="noStrike" spc="-1">
-              <a:latin typeface="Arial" panose="020B0604020202020204"/>
-            </a:endParaRPr>
-          </a:p>
-          <a:p>
-            <a:pPr>
-              <a:lnSpc>
-                <a:spcPct val="150000"/>
-              </a:lnSpc>
-            </a:pPr>
-            <a:r>
-              <a:rPr lang="en-US" sz="1800" b="0" strike="noStrike" spc="-1">
-                <a:latin typeface="Arial" panose="020B0604020202020204"/>
-              </a:rPr>
-              <a:t>Java Message Service (JMS) API là một phần của kỹ thuật Java Enterprice Edition (JEE). JMS là tất cả những gì thuộc về việc gửi và nhận tin giữa hai hay nhiều client.- Nó là một đặc điểm kỹ thuật mô tả một phương thức tạo bởi trương trình Java cho việc tạo, gửi và nhận tin nhắn.- JMS API cho phép lới lỏng việc liên kết thông tin, và gửi tin một cách bất đồng bộ</a:t>
-            </a:r>
-            <a:endParaRPr lang="en-US" sz="1800" b="0" strike="noStrike" spc="-1">
-              <a:latin typeface="Arial" panose="020B0604020202020204"/>
-            </a:endParaRPr>
-          </a:p>
-          <a:p>
-            <a:pPr>
-              <a:lnSpc>
-                <a:spcPct val="150000"/>
-              </a:lnSpc>
-            </a:pPr>
-            <a:endParaRPr lang="en-US" sz="1800" b="0" strike="noStrike" spc="-1">
+            <a:r>
+              <a:rPr lang="en-US" sz="1400" b="0" strike="noStrike" spc="-1">
+                <a:latin typeface="Arial" panose="020B0604020202020204"/>
+              </a:rPr>
+              <a:t>Generate database script in Spring boot:</a:t>
+            </a:r>
+            <a:endParaRPr lang="en-US" sz="1400" b="0" strike="noStrike" spc="-1">
+              <a:latin typeface="Arial" panose="020B0604020202020204"/>
+            </a:endParaRPr>
+          </a:p>
+          <a:p>
+            <a:endParaRPr lang="en-US" sz="1400" b="0" strike="noStrike" spc="-1">
+              <a:latin typeface="Arial" panose="020B0604020202020204"/>
+            </a:endParaRPr>
+          </a:p>
+          <a:p>
+            <a:r>
+              <a:rPr lang="en-US" sz="1400" b="0" strike="noStrike" spc="-1">
+                <a:latin typeface="Arial" panose="020B0604020202020204"/>
+              </a:rPr>
+              <a:t>Add config into application.properties</a:t>
+            </a:r>
+            <a:endParaRPr lang="en-US" sz="1400" b="0" strike="noStrike" spc="-1">
+              <a:latin typeface="Arial" panose="020B0604020202020204"/>
+            </a:endParaRPr>
+          </a:p>
+          <a:p>
+            <a:endParaRPr lang="en-US" sz="1400" b="0" strike="noStrike" spc="-1">
+              <a:latin typeface="Arial" panose="020B0604020202020204"/>
+            </a:endParaRPr>
+          </a:p>
+          <a:p>
+            <a:r>
+              <a:rPr lang="en-US" sz="1400" b="0" strike="noStrike" spc="-1">
+                <a:solidFill>
+                  <a:srgbClr val="000000"/>
+                </a:solidFill>
+                <a:latin typeface="Consolas" panose="020B0609020204030204"/>
+                <a:ea typeface="Consolas" panose="020B0609020204030204"/>
+              </a:rPr>
+              <a:t>spring.jpa.properties.javax.persistence.schema-generation.create-source=</a:t>
+            </a:r>
+            <a:r>
+              <a:rPr lang="en-US" sz="1400" b="0" strike="noStrike" spc="-1">
+                <a:solidFill>
+                  <a:srgbClr val="2AA198"/>
+                </a:solidFill>
+                <a:latin typeface="Consolas" panose="020B0609020204030204"/>
+                <a:ea typeface="Consolas" panose="020B0609020204030204"/>
+              </a:rPr>
+              <a:t>metadata</a:t>
+            </a:r>
+            <a:endParaRPr lang="en-US" sz="1400" b="0" strike="noStrike" spc="-1">
+              <a:latin typeface="Arial" panose="020B0604020202020204"/>
+            </a:endParaRPr>
+          </a:p>
+          <a:p>
+            <a:r>
+              <a:rPr lang="en-US" sz="1400" b="0" strike="noStrike" spc="-1">
+                <a:solidFill>
+                  <a:srgbClr val="000000"/>
+                </a:solidFill>
+                <a:latin typeface="Consolas" panose="020B0609020204030204"/>
+                <a:ea typeface="Consolas" panose="020B0609020204030204"/>
+              </a:rPr>
+              <a:t>spring.jpa.properties.javax.persistence.schema-generation.scripts.action=</a:t>
+            </a:r>
+            <a:r>
+              <a:rPr lang="en-US" sz="1400" b="0" strike="noStrike" spc="-1">
+                <a:solidFill>
+                  <a:srgbClr val="2AA198"/>
+                </a:solidFill>
+                <a:latin typeface="Consolas" panose="020B0609020204030204"/>
+                <a:ea typeface="Consolas" panose="020B0609020204030204"/>
+              </a:rPr>
+              <a:t>create</a:t>
+            </a:r>
+            <a:endParaRPr lang="en-US" sz="1400" b="0" strike="noStrike" spc="-1">
+              <a:latin typeface="Arial" panose="020B0604020202020204"/>
+            </a:endParaRPr>
+          </a:p>
+          <a:p>
+            <a:r>
+              <a:rPr lang="en-US" sz="1400" b="0" strike="noStrike" spc="-1">
+                <a:solidFill>
+                  <a:srgbClr val="000000"/>
+                </a:solidFill>
+                <a:latin typeface="Consolas" panose="020B0609020204030204"/>
+                <a:ea typeface="Consolas" panose="020B0609020204030204"/>
+              </a:rPr>
+              <a:t>spring.jpa.properties.javax.persistence.schema-generation.scripts.create-target=</a:t>
+            </a:r>
+            <a:r>
+              <a:rPr lang="en-US" sz="1400" b="0" strike="noStrike" spc="-1">
+                <a:solidFill>
+                  <a:srgbClr val="2AA198"/>
+                </a:solidFill>
+                <a:latin typeface="Consolas" panose="020B0609020204030204"/>
+                <a:ea typeface="Consolas" panose="020B0609020204030204"/>
+              </a:rPr>
+              <a:t>create.sql</a:t>
+            </a:r>
+            <a:endParaRPr lang="en-US" sz="1400" b="0" strike="noStrike" spc="-1">
+              <a:latin typeface="Arial" panose="020B0604020202020204"/>
+            </a:endParaRPr>
+          </a:p>
+          <a:p>
+            <a:endParaRPr lang="en-US" sz="1400" b="0" strike="noStrike" spc="-1">
+              <a:latin typeface="Arial" panose="020B0604020202020204"/>
+            </a:endParaRPr>
+          </a:p>
+          <a:p>
+            <a:endParaRPr lang="en-US" sz="1400" b="0" strike="noStrike" spc="-1">
+              <a:latin typeface="Arial" panose="020B0604020202020204"/>
+            </a:endParaRPr>
+          </a:p>
+          <a:p>
+            <a:endParaRPr lang="en-US" sz="1400" b="0" strike="noStrike" spc="-1">
+              <a:latin typeface="Arial" panose="020B0604020202020204"/>
+            </a:endParaRPr>
+          </a:p>
+          <a:p>
+            <a:endParaRPr lang="en-US" sz="1400" b="0" strike="noStrike" spc="-1">
+              <a:latin typeface="Arial" panose="020B0604020202020204"/>
+            </a:endParaRPr>
+          </a:p>
+          <a:p>
+            <a:endParaRPr lang="en-US" sz="1400" b="0" strike="noStrike" spc="-1">
+              <a:latin typeface="Arial" panose="020B0604020202020204"/>
+            </a:endParaRPr>
+          </a:p>
+          <a:p>
+            <a:r>
+              <a:rPr lang="en-US" sz="1400" b="0" strike="noStrike" spc="-1">
+                <a:solidFill>
+                  <a:srgbClr val="2AA198"/>
+                </a:solidFill>
+                <a:latin typeface="Consolas" panose="020B0609020204030204"/>
+                <a:ea typeface="Consolas" panose="020B0609020204030204"/>
+              </a:rPr>
+              <a:t>And RUN: mvn clean install</a:t>
+            </a:r>
+            <a:endParaRPr lang="en-US" sz="1400" b="0" strike="noStrike" spc="-1">
               <a:latin typeface="Arial" panose="020B0604020202020204"/>
             </a:endParaRPr>
           </a:p>
@@ -3751,14 +3539,14 @@
       </p:grpSpPr>
       <p:sp>
         <p:nvSpPr>
-          <p:cNvPr id="85" name="TextShape 1"/>
+          <p:cNvPr id="64" name="TextShape 1"/>
           <p:cNvSpPr txBox="1"/>
           <p:nvPr/>
         </p:nvSpPr>
         <p:spPr>
           <a:xfrm>
             <a:off x="504000" y="301320"/>
-            <a:ext cx="9071640" cy="1262160"/>
+            <a:ext cx="9071640" cy="795960"/>
           </a:xfrm>
           <a:prstGeom prst="rect">
             <a:avLst/>
@@ -3775,73 +3563,12 @@
           <a:p>
             <a:pPr algn="ctr"/>
             <a:r>
-              <a:rPr lang="en-US" sz="4400" b="1" strike="noStrike" spc="-1">
-                <a:latin typeface="Arial" panose="020B0604020202020204"/>
-              </a:rPr>
-              <a:t>JMS - ActiveMQ</a:t>
+              <a:rPr lang="en-US" sz="4400" b="0" strike="noStrike" spc="-1">
+                <a:latin typeface="Arial" panose="020B0604020202020204"/>
+              </a:rPr>
+              <a:t>Spring Security JWT</a:t>
             </a:r>
             <a:endParaRPr lang="en-US" sz="4400" b="0" strike="noStrike" spc="-1">
-              <a:latin typeface="Arial" panose="020B0604020202020204"/>
-            </a:endParaRPr>
-          </a:p>
-        </p:txBody>
-      </p:sp>
-      <p:sp>
-        <p:nvSpPr>
-          <p:cNvPr id="86" name="TextShape 2"/>
-          <p:cNvSpPr txBox="1"/>
-          <p:nvPr/>
-        </p:nvSpPr>
-        <p:spPr>
-          <a:xfrm>
-            <a:off x="594720" y="1645920"/>
-            <a:ext cx="9006480" cy="4389120"/>
-          </a:xfrm>
-          <a:prstGeom prst="rect">
-            <a:avLst/>
-          </a:prstGeom>
-          <a:noFill/>
-          <a:ln>
-            <a:noFill/>
-          </a:ln>
-        </p:spPr>
-        <p:txBody>
-          <a:bodyPr lIns="90000" tIns="45000" rIns="90000" bIns="45000">
-            <a:spAutoFit/>
-          </a:bodyPr>
-          <a:p>
-            <a:pPr>
-              <a:lnSpc>
-                <a:spcPct val="150000"/>
-              </a:lnSpc>
-            </a:pPr>
-            <a:r>
-              <a:rPr lang="en-US" sz="1800" b="1" strike="noStrike" spc="-1">
-                <a:latin typeface="Arial" panose="020B0604020202020204"/>
-              </a:rPr>
-              <a:t>Kiến trúc</a:t>
-            </a:r>
-            <a:endParaRPr lang="en-US" sz="1800" b="0" strike="noStrike" spc="-1">
-              <a:latin typeface="Arial" panose="020B0604020202020204"/>
-            </a:endParaRPr>
-          </a:p>
-          <a:p>
-            <a:pPr>
-              <a:lnSpc>
-                <a:spcPct val="150000"/>
-              </a:lnSpc>
-            </a:pPr>
-            <a:endParaRPr lang="en-US" sz="1800" b="0" strike="noStrike" spc="-1">
-              <a:latin typeface="Arial" panose="020B0604020202020204"/>
-            </a:endParaRPr>
-          </a:p>
-          <a:p>
-            <a:pPr>
-              <a:lnSpc>
-                <a:spcPct val="150000"/>
-              </a:lnSpc>
-            </a:pPr>
-            <a:endParaRPr lang="en-US" sz="1800" b="0" strike="noStrike" spc="-1">
               <a:latin typeface="Arial" panose="020B0604020202020204"/>
             </a:endParaRPr>
           </a:p>
@@ -3849,7 +3576,7 @@
       </p:sp>
       <p:pic>
         <p:nvPicPr>
-          <p:cNvPr id="87" name="Picture 86"/>
+          <p:cNvPr id="65" name="Picture 64"/>
           <p:cNvPicPr/>
           <p:nvPr/>
         </p:nvPicPr>
@@ -3861,8 +3588,8 @@
         </p:blipFill>
         <p:spPr>
           <a:xfrm>
-            <a:off x="1280160" y="2151000"/>
-            <a:ext cx="7857720" cy="4524120"/>
+            <a:off x="91440" y="1236600"/>
+            <a:ext cx="9848520" cy="5438520"/>
           </a:xfrm>
           <a:prstGeom prst="rect">
             <a:avLst/>
@@ -3907,14 +3634,14 @@
       </p:grpSpPr>
       <p:sp>
         <p:nvSpPr>
-          <p:cNvPr id="88" name="TextShape 1"/>
+          <p:cNvPr id="66" name="TextShape 1"/>
           <p:cNvSpPr txBox="1"/>
           <p:nvPr/>
         </p:nvSpPr>
         <p:spPr>
           <a:xfrm>
-            <a:off x="504000" y="301320"/>
-            <a:ext cx="9071640" cy="1262160"/>
+            <a:off x="504000" y="295200"/>
+            <a:ext cx="9071640" cy="625320"/>
           </a:xfrm>
           <a:prstGeom prst="rect">
             <a:avLst/>
@@ -3934,7 +3661,7 @@
               <a:rPr lang="en-US" sz="4400" b="1" strike="noStrike" spc="-1">
                 <a:latin typeface="Arial" panose="020B0604020202020204"/>
               </a:rPr>
-              <a:t>JMS - ActiveMQ</a:t>
+              <a:t>OAuth2</a:t>
             </a:r>
             <a:endParaRPr lang="en-US" sz="4400" b="0" strike="noStrike" spc="-1">
               <a:latin typeface="Arial" panose="020B0604020202020204"/>
@@ -3944,14 +3671,14 @@
       </p:sp>
       <p:sp>
         <p:nvSpPr>
-          <p:cNvPr id="89" name="TextShape 2"/>
+          <p:cNvPr id="67" name="TextShape 2"/>
           <p:cNvSpPr txBox="1"/>
           <p:nvPr/>
         </p:nvSpPr>
         <p:spPr>
           <a:xfrm>
-            <a:off x="594720" y="1645920"/>
-            <a:ext cx="9006480" cy="5846760"/>
+            <a:off x="457200" y="920520"/>
+            <a:ext cx="9326880" cy="1565910"/>
           </a:xfrm>
           <a:prstGeom prst="rect">
             <a:avLst/>
@@ -3972,88 +3699,12 @@
               </a:lnSpc>
             </a:pPr>
             <a:r>
-              <a:rPr lang="en-US" sz="1800" b="1" strike="noStrike" spc="-1">
-                <a:latin typeface="Arial" panose="020B0604020202020204"/>
-              </a:rPr>
-              <a:t>Bao gồm các thành phần:</a:t>
-            </a:r>
-            <a:endParaRPr lang="en-US" sz="1800" b="0" strike="noStrike" spc="-1">
-              <a:latin typeface="Arial" panose="020B0604020202020204"/>
-            </a:endParaRPr>
-          </a:p>
-          <a:p>
-            <a:pPr>
-              <a:lnSpc>
-                <a:spcPct val="150000"/>
-              </a:lnSpc>
-            </a:pPr>
-            <a:r>
-              <a:rPr lang="en-US" sz="1800" b="1" strike="noStrike" spc="-1">
-                <a:latin typeface="Arial" panose="020B0604020202020204"/>
-              </a:rPr>
-              <a:t>Producer/Publisher:</a:t>
-            </a:r>
-            <a:r>
-              <a:rPr lang="en-US" sz="1800" b="0" strike="noStrike" spc="-1">
-                <a:latin typeface="Arial" panose="020B0604020202020204"/>
-              </a:rPr>
-              <a:t> Thành phần tạo và gửi tin Broker trung gian hay Message Oriented Middleware (MOM)</a:t>
-            </a:r>
-            <a:endParaRPr lang="en-US" sz="1800" b="0" strike="noStrike" spc="-1">
-              <a:latin typeface="Arial" panose="020B0604020202020204"/>
-            </a:endParaRPr>
-          </a:p>
-          <a:p>
-            <a:pPr>
-              <a:lnSpc>
-                <a:spcPct val="150000"/>
-              </a:lnSpc>
-            </a:pPr>
-            <a:r>
-              <a:rPr lang="en-US" sz="1800" b="1" strike="noStrike" spc="-1">
-                <a:latin typeface="Arial" panose="020B0604020202020204"/>
-              </a:rPr>
-              <a:t>Consumer/Subcriber:</a:t>
-            </a:r>
-            <a:r>
-              <a:rPr lang="en-US" sz="1800" b="0" strike="noStrike" spc="-1">
-                <a:latin typeface="Arial" panose="020B0604020202020204"/>
-              </a:rPr>
-              <a:t> Thành phần nhận tinProducer và Consumer là những ứng dụng Java. </a:t>
-            </a:r>
-            <a:endParaRPr lang="en-US" sz="1800" b="0" strike="noStrike" spc="-1">
-              <a:latin typeface="Arial" panose="020B0604020202020204"/>
-            </a:endParaRPr>
-          </a:p>
-          <a:p>
-            <a:pPr>
-              <a:lnSpc>
-                <a:spcPct val="150000"/>
-              </a:lnSpc>
-            </a:pPr>
-            <a:r>
-              <a:rPr lang="en-US" sz="1800" b="0" strike="noStrike" spc="-1">
-                <a:latin typeface="Arial" panose="020B0604020202020204"/>
-              </a:rPr>
-              <a:t>Còn MOM là ứng dụng trung gian.</a:t>
-            </a:r>
-            <a:endParaRPr lang="en-US" sz="1800" b="0" strike="noStrike" spc="-1">
-              <a:latin typeface="Arial" panose="020B0604020202020204"/>
-            </a:endParaRPr>
-          </a:p>
-          <a:p>
-            <a:pPr>
-              <a:lnSpc>
-                <a:spcPct val="150000"/>
-              </a:lnSpc>
-            </a:pPr>
-            <a:r>
-              <a:rPr lang="en-US" sz="1800" b="0" strike="noStrike" spc="-1">
-                <a:latin typeface="Arial" panose="020B0604020202020204"/>
-              </a:rPr>
-              <a:t>Một số MOM tiêu biểu:</a:t>
-            </a:r>
-            <a:endParaRPr lang="en-US" sz="1800" b="0" strike="noStrike" spc="-1">
+              <a:rPr lang="en-US" sz="1600" b="0" strike="noStrike" spc="-1">
+                <a:latin typeface="Arial" panose="020B0604020202020204"/>
+              </a:rPr>
+              <a:t>OAuth là một phương thức chứng thực giúp các ứng dụng có thể chia sẻ tài nguyên với nhau mà không cần chia sẻ thông tin username và password. Từ Auth ở đây mang 2 nghĩa:</a:t>
+            </a:r>
+            <a:endParaRPr lang="en-US" sz="1600" b="0" strike="noStrike" spc="-1">
               <a:latin typeface="Arial" panose="020B0604020202020204"/>
             </a:endParaRPr>
           </a:p>
@@ -4070,12 +3721,18 @@
               <a:buChar char=""/>
             </a:pPr>
             <a:r>
-              <a:rPr lang="en-US" sz="1800" b="0" strike="noStrike" spc="-1">
-                <a:latin typeface="Arial" panose="020B0604020202020204"/>
-              </a:rPr>
-              <a:t>Weblogic -	Oracle</a:t>
-            </a:r>
-            <a:endParaRPr lang="en-US" sz="1800" b="0" strike="noStrike" spc="-1">
+              <a:rPr lang="en-US" sz="1600" b="1" strike="noStrike" spc="-1">
+                <a:latin typeface="Arial" panose="020B0604020202020204"/>
+              </a:rPr>
+              <a:t>Authentication</a:t>
+            </a:r>
+            <a:r>
+              <a:rPr lang="en-US" sz="1600" b="0" strike="noStrike" spc="-1">
+                <a:latin typeface="Arial" panose="020B0604020202020204"/>
+              </a:rPr>
+              <a:t>: xác thực người dùng thông qua việc đăng nhập.</a:t>
+            </a:r>
+            <a:endParaRPr lang="en-US" sz="1600" b="0" strike="noStrike" spc="-1">
               <a:latin typeface="Arial" panose="020B0604020202020204"/>
             </a:endParaRPr>
           </a:p>
@@ -4092,12 +3749,54 @@
               <a:buChar char=""/>
             </a:pPr>
             <a:r>
-              <a:rPr lang="en-US" sz="1800" b="0" strike="noStrike" spc="-1">
-                <a:latin typeface="Arial" panose="020B0604020202020204"/>
-              </a:rPr>
-              <a:t>MQSeries	- IBM</a:t>
-            </a:r>
-            <a:endParaRPr lang="en-US" sz="1800" b="0" strike="noStrike" spc="-1">
+              <a:rPr lang="en-US" sz="1600" b="1" strike="noStrike" spc="-1">
+                <a:latin typeface="Arial" panose="020B0604020202020204"/>
+              </a:rPr>
+              <a:t>Authorization</a:t>
+            </a:r>
+            <a:r>
+              <a:rPr lang="en-US" sz="1600" b="0" strike="noStrike" spc="-1">
+                <a:latin typeface="Arial" panose="020B0604020202020204"/>
+              </a:rPr>
+              <a:t>: cấp quyền truy cập vào các Resource.</a:t>
+            </a:r>
+            <a:endParaRPr lang="en-US" sz="1600" b="0" strike="noStrike" spc="-1">
+              <a:latin typeface="Arial" panose="020B0604020202020204"/>
+            </a:endParaRPr>
+          </a:p>
+        </p:txBody>
+      </p:sp>
+      <p:sp>
+        <p:nvSpPr>
+          <p:cNvPr id="68" name="TextShape 3"/>
+          <p:cNvSpPr txBox="1"/>
+          <p:nvPr/>
+        </p:nvSpPr>
+        <p:spPr>
+          <a:xfrm>
+            <a:off x="255905" y="2719775"/>
+            <a:ext cx="9422280" cy="4397375"/>
+          </a:xfrm>
+          <a:prstGeom prst="rect">
+            <a:avLst/>
+          </a:prstGeom>
+          <a:noFill/>
+          <a:ln>
+            <a:noFill/>
+          </a:ln>
+        </p:spPr>
+        <p:txBody>
+          <a:bodyPr lIns="90000" tIns="45000" rIns="90000" bIns="45000">
+            <a:spAutoFit/>
+          </a:bodyPr>
+          <a:p>
+            <a:r>
+              <a:rPr lang="en-US" sz="1600" b="0" strike="noStrike" spc="-1">
+                <a:latin typeface="Arial" panose="020B0604020202020204"/>
+              </a:rPr>
+              <a:t>OAuth2 làm việc với 4 đối tượng mang những vai trò riêng:</a:t>
+            </a:r>
+            <a:endParaRPr lang="en-US" sz="1600" b="0" strike="noStrike" spc="-1">
               <a:latin typeface="Arial" panose="020B0604020202020204"/>
             </a:endParaRPr>
           </a:p>
@@ -4114,12 +3813,18 @@
               <a:buChar char=""/>
             </a:pPr>
             <a:r>
-              <a:rPr lang="en-US" sz="1800" b="0" strike="noStrike" spc="-1">
-                <a:latin typeface="Arial" panose="020B0604020202020204"/>
-              </a:rPr>
-              <a:t>JBOSSMQ	- JBOSS</a:t>
-            </a:r>
-            <a:endParaRPr lang="en-US" sz="1800" b="0" strike="noStrike" spc="-1">
+              <a:rPr lang="en-US" sz="1600" b="1" strike="noStrike" spc="-1">
+                <a:latin typeface="Arial" panose="020B0604020202020204"/>
+              </a:rPr>
+              <a:t>Resource Owner</a:t>
+            </a:r>
+            <a:r>
+              <a:rPr lang="en-US" sz="1600" b="0" strike="noStrike" spc="-1">
+                <a:latin typeface="Arial" panose="020B0604020202020204"/>
+              </a:rPr>
+              <a:t> (User): Là những người dùng ủy quyền cho ứng dụng cho phép truy cập tài khoản của họ. Sau đó ứng dụng được phép truy cập vào những dữ liệu người dùng nhưng bị giới hạn bởi những phạm vi (scope) được cấp phép. (VD: chỉ đọc hay được quyền ghi dữ liệu) =&gt; chính là bạn.</a:t>
+            </a:r>
+            <a:endParaRPr lang="en-US" sz="1600" b="0" strike="noStrike" spc="-1">
               <a:latin typeface="Arial" panose="020B0604020202020204"/>
             </a:endParaRPr>
           </a:p>
@@ -4136,12 +3841,18 @@
               <a:buChar char=""/>
             </a:pPr>
             <a:r>
-              <a:rPr lang="en-US" sz="1800" b="0" strike="noStrike" spc="-1">
-                <a:latin typeface="Arial" panose="020B0604020202020204"/>
-              </a:rPr>
-              <a:t>SonigMQ	- Progress</a:t>
-            </a:r>
-            <a:endParaRPr lang="en-US" sz="1800" b="0" strike="noStrike" spc="-1">
+              <a:rPr lang="en-US" sz="1600" b="1" strike="noStrike" spc="-1">
+                <a:latin typeface="Arial" panose="020B0604020202020204"/>
+              </a:rPr>
+              <a:t>Client </a:t>
+            </a:r>
+            <a:r>
+              <a:rPr lang="en-US" sz="1600" b="0" strike="noStrike" spc="-1">
+                <a:latin typeface="Arial" panose="020B0604020202020204"/>
+              </a:rPr>
+              <a:t>(Application): Là những ứng dụng mong muốn truy cập vào dữ liệu người dùng. Trước khi được phép tương tác với dữ liệu thì ứng dụng này phải qua bước ủy quyền của User, và phải được kiểm tra xác nhận thông qua API. =&gt; Có thể hiểu là các ứng dụng sử dụng Facebook, Twitter, Google API chẳng hạn.</a:t>
+            </a:r>
+            <a:endParaRPr lang="en-US" sz="1600" b="0" strike="noStrike" spc="-1">
               <a:latin typeface="Arial" panose="020B0604020202020204"/>
             </a:endParaRPr>
           </a:p>
@@ -4158,12 +3869,18 @@
               <a:buChar char=""/>
             </a:pPr>
             <a:r>
-              <a:rPr lang="en-US" sz="1800" b="0" strike="noStrike" spc="-1">
-                <a:latin typeface="Arial" panose="020B0604020202020204"/>
-              </a:rPr>
-              <a:t>TIBCO EMS	- TIBCO</a:t>
-            </a:r>
-            <a:endParaRPr lang="en-US" sz="1800" b="0" strike="noStrike" spc="-1">
+              <a:rPr lang="en-US" sz="1600" b="1" strike="noStrike" spc="-1">
+                <a:latin typeface="Arial" panose="020B0604020202020204"/>
+              </a:rPr>
+              <a:t>Resource Server</a:t>
+            </a:r>
+            <a:r>
+              <a:rPr lang="en-US" sz="1600" b="0" strike="noStrike" spc="-1">
+                <a:latin typeface="Arial" panose="020B0604020202020204"/>
+              </a:rPr>
+              <a:t> (API): Nơi lưu trữ thông tin tài khoản của User và được bảo mật.</a:t>
+            </a:r>
+            <a:endParaRPr lang="en-US" sz="1600" b="0" strike="noStrike" spc="-1">
               <a:latin typeface="Arial" panose="020B0604020202020204"/>
             </a:endParaRPr>
           </a:p>
@@ -4180,32 +3897,18 @@
               <a:buChar char=""/>
             </a:pPr>
             <a:r>
-              <a:rPr lang="en-US" sz="1800" b="0" strike="noStrike" spc="-1">
-                <a:latin typeface="Arial" panose="020B0604020202020204"/>
-              </a:rPr>
-              <a:t>ActiveMQ	- Apache</a:t>
-            </a:r>
-            <a:endParaRPr lang="en-US" sz="1800" b="0" strike="noStrike" spc="-1">
-              <a:latin typeface="Arial" panose="020B0604020202020204"/>
-            </a:endParaRPr>
-          </a:p>
-          <a:p>
-            <a:pPr>
-              <a:lnSpc>
-                <a:spcPct val="150000"/>
-              </a:lnSpc>
-            </a:pPr>
-            <a:endParaRPr lang="en-US" sz="1800" b="0" strike="noStrike" spc="-1">
-              <a:latin typeface="Arial" panose="020B0604020202020204"/>
-            </a:endParaRPr>
-          </a:p>
-          <a:p>
-            <a:pPr>
-              <a:lnSpc>
-                <a:spcPct val="150000"/>
-              </a:lnSpc>
-            </a:pPr>
-            <a:endParaRPr lang="en-US" sz="1800" b="0" strike="noStrike" spc="-1">
+              <a:rPr lang="en-US" sz="1600" b="1" strike="noStrike" spc="-1">
+                <a:latin typeface="Arial" panose="020B0604020202020204"/>
+              </a:rPr>
+              <a:t>Authorization Server</a:t>
+            </a:r>
+            <a:r>
+              <a:rPr lang="en-US" sz="1600" b="0" strike="noStrike" spc="-1">
+                <a:latin typeface="Arial" panose="020B0604020202020204"/>
+              </a:rPr>
+              <a:t> (API): làm nhiệm vụ kiểm tra thông tin user (VD: ID), sau đó cấp quyền truy cập cho Application thông qua việc phát sinh "access token".</a:t>
+            </a:r>
+            <a:endParaRPr lang="en-US" sz="1600" b="0" strike="noStrike" spc="-1">
               <a:latin typeface="Arial" panose="020B0604020202020204"/>
             </a:endParaRPr>
           </a:p>
@@ -4246,14 +3949,14 @@
       </p:grpSpPr>
       <p:sp>
         <p:nvSpPr>
-          <p:cNvPr id="43" name="TextShape 1"/>
+          <p:cNvPr id="41" name="TextShape 1"/>
           <p:cNvSpPr txBox="1"/>
           <p:nvPr/>
         </p:nvSpPr>
         <p:spPr>
           <a:xfrm>
-            <a:off x="504000" y="301320"/>
-            <a:ext cx="9071640" cy="1262160"/>
+            <a:off x="504000" y="615535"/>
+            <a:ext cx="9071640" cy="676910"/>
           </a:xfrm>
           <a:prstGeom prst="rect">
             <a:avLst/>
@@ -4273,7 +3976,7 @@
               <a:rPr lang="en-US" sz="4400" b="0" strike="noStrike" spc="-1">
                 <a:latin typeface="Arial" panose="020B0604020202020204"/>
               </a:rPr>
-              <a:t>@Component </a:t>
+              <a:t>Overview</a:t>
             </a:r>
             <a:endParaRPr lang="en-US" sz="4400" b="0" strike="noStrike" spc="-1">
               <a:latin typeface="Arial" panose="020B0604020202020204"/>
@@ -4281,149 +3984,30 @@
           </a:p>
         </p:txBody>
       </p:sp>
-      <p:sp>
-        <p:nvSpPr>
-          <p:cNvPr id="44" name="TextShape 2"/>
-          <p:cNvSpPr txBox="1"/>
+      <p:pic>
+        <p:nvPicPr>
+          <p:cNvPr id="2" name="Picture 1"/>
+          <p:cNvPicPr>
+            <a:picLocks noChangeAspect="1"/>
+          </p:cNvPicPr>
           <p:nvPr/>
-        </p:nvSpPr>
-        <p:spPr>
-          <a:xfrm>
-            <a:off x="736560" y="1737360"/>
-            <a:ext cx="8316000" cy="3913920"/>
-          </a:xfrm>
-          <a:prstGeom prst="rect">
-            <a:avLst/>
-          </a:prstGeom>
-          <a:noFill/>
-          <a:ln>
-            <a:noFill/>
-          </a:ln>
-        </p:spPr>
-        <p:txBody>
-          <a:bodyPr lIns="90000" tIns="45000" rIns="90000" bIns="45000">
-            <a:spAutoFit/>
-          </a:bodyPr>
-          <a:p>
-            <a:pPr>
-              <a:lnSpc>
-                <a:spcPct val="115000"/>
-              </a:lnSpc>
-            </a:pPr>
-            <a:r>
-              <a:rPr lang="en-US" sz="1800" b="0" strike="noStrike" spc="-1">
-                <a:latin typeface="Arial" panose="020B0604020202020204"/>
-              </a:rPr>
-              <a:t>Spring Boot khi chạy sẽ dò tìm toàn bộ các Class cùng cấp hoặc ở trong các package thấp hơn so với class App mà bạn cung cấp cho Spring (Chúng ta có thể cấu hình việc tìm kiếm này, sẽ đề cập sau). Trong quá trình dò tìm này, khi gặp một class được đánh dấu @Component thì nó sẽ tạo ra một instance và đưa vào ApplicationContext để quản lý.</a:t>
-            </a:r>
-            <a:endParaRPr lang="en-US" sz="1800" b="0" strike="noStrike" spc="-1">
-              <a:latin typeface="Arial" panose="020B0604020202020204"/>
-            </a:endParaRPr>
-          </a:p>
-          <a:p>
-            <a:pPr>
-              <a:lnSpc>
-                <a:spcPct val="115000"/>
-              </a:lnSpc>
-            </a:pPr>
-            <a:endParaRPr lang="en-US" sz="1800" b="0" strike="noStrike" spc="-1">
-              <a:latin typeface="Arial" panose="020B0604020202020204"/>
-            </a:endParaRPr>
-          </a:p>
-          <a:p>
-            <a:pPr>
-              <a:lnSpc>
-                <a:spcPct val="115000"/>
-              </a:lnSpc>
-            </a:pPr>
-            <a:r>
-              <a:rPr lang="en-US" sz="1800" b="0" strike="noStrike" spc="-1">
-                <a:latin typeface="Arial" panose="020B0604020202020204"/>
-              </a:rPr>
-              <a:t>Sau khi tìm thấy một class đánh dấu @Component. thì quá trình inject Bean xảy ra theo cách như sau:</a:t>
-            </a:r>
-            <a:endParaRPr lang="en-US" sz="1800" b="0" strike="noStrike" spc="-1">
-              <a:latin typeface="Arial" panose="020B0604020202020204"/>
-            </a:endParaRPr>
-          </a:p>
-          <a:p>
-            <a:pPr>
-              <a:lnSpc>
-                <a:spcPct val="115000"/>
-              </a:lnSpc>
-            </a:pPr>
-            <a:endParaRPr lang="en-US" sz="1800" b="0" strike="noStrike" spc="-1">
-              <a:latin typeface="Arial" panose="020B0604020202020204"/>
-            </a:endParaRPr>
-          </a:p>
-          <a:p>
-            <a:pPr marL="215900" indent="-215900">
-              <a:lnSpc>
-                <a:spcPct val="115000"/>
-              </a:lnSpc>
-              <a:buClr>
-                <a:srgbClr val="000000"/>
-              </a:buClr>
-              <a:buSzPct val="45000"/>
-              <a:buFont typeface="Wingdings" panose="05000000000000000000" pitchFamily="2" charset="2"/>
-              <a:buChar char=""/>
-            </a:pPr>
-            <a:r>
-              <a:rPr lang="en-US" sz="1800" b="0" strike="noStrike" spc="-1">
-                <a:latin typeface="Arial" panose="020B0604020202020204"/>
-              </a:rPr>
-              <a:t>Nếu Class không có hàm Constructor hay Setter. Thì sẽ sử dụng Java Reflection để đưa đối tượng vào thuộc tính có đánh dấu @Autowired.</a:t>
-            </a:r>
-            <a:endParaRPr lang="en-US" sz="1800" b="0" strike="noStrike" spc="-1">
-              <a:latin typeface="Arial" panose="020B0604020202020204"/>
-            </a:endParaRPr>
-          </a:p>
-          <a:p>
-            <a:pPr marL="215900" indent="-215900">
-              <a:lnSpc>
-                <a:spcPct val="115000"/>
-              </a:lnSpc>
-              <a:buClr>
-                <a:srgbClr val="000000"/>
-              </a:buClr>
-              <a:buSzPct val="45000"/>
-              <a:buFont typeface="Wingdings" panose="05000000000000000000" pitchFamily="2" charset="2"/>
-              <a:buChar char=""/>
-            </a:pPr>
-            <a:r>
-              <a:rPr lang="en-US" sz="1800" b="0" strike="noStrike" spc="-1">
-                <a:latin typeface="Arial" panose="020B0604020202020204"/>
-              </a:rPr>
-              <a:t>Nếu có hàm Constructor thì sẽ inject Bean vào bởi tham số của hàm</a:t>
-            </a:r>
-            <a:endParaRPr lang="en-US" sz="1800" b="0" strike="noStrike" spc="-1">
-              <a:latin typeface="Arial" panose="020B0604020202020204"/>
-            </a:endParaRPr>
-          </a:p>
-          <a:p>
-            <a:pPr marL="215900" indent="-215900">
-              <a:lnSpc>
-                <a:spcPct val="115000"/>
-              </a:lnSpc>
-              <a:buClr>
-                <a:srgbClr val="000000"/>
-              </a:buClr>
-              <a:buSzPct val="45000"/>
-              <a:buFont typeface="Wingdings" panose="05000000000000000000" pitchFamily="2" charset="2"/>
-              <a:buChar char=""/>
-            </a:pPr>
-            <a:r>
-              <a:rPr lang="en-US" sz="1800" b="0" strike="noStrike" spc="-1">
-                <a:latin typeface="Arial" panose="020B0604020202020204"/>
-              </a:rPr>
-              <a:t>Nếu có hàm Setter thì sẽ inject Bean vào bởi tham số của hàm</a:t>
-            </a:r>
-            <a:endParaRPr lang="en-US" sz="1800" b="0" strike="noStrike" spc="-1">
-              <a:latin typeface="Arial" panose="020B0604020202020204"/>
-            </a:endParaRPr>
-          </a:p>
-        </p:txBody>
-      </p:sp>
+        </p:nvPicPr>
+        <p:blipFill>
+          <a:blip r:embed="rId1"/>
+          <a:stretch>
+            <a:fillRect/>
+          </a:stretch>
+        </p:blipFill>
+        <p:spPr>
+          <a:xfrm>
+            <a:off x="1655445" y="1763395"/>
+            <a:ext cx="6858000" cy="5143500"/>
+          </a:xfrm>
+          <a:prstGeom prst="rect">
+            <a:avLst/>
+          </a:prstGeom>
+        </p:spPr>
+      </p:pic>
     </p:spTree>
   </p:cSld>
   <p:clrMapOvr>
@@ -4459,6 +4043,1761 @@
       </p:grpSpPr>
       <p:sp>
         <p:nvSpPr>
+          <p:cNvPr id="69" name="TextShape 1"/>
+          <p:cNvSpPr txBox="1"/>
+          <p:nvPr/>
+        </p:nvSpPr>
+        <p:spPr>
+          <a:xfrm>
+            <a:off x="504000" y="301320"/>
+            <a:ext cx="9071640" cy="1262160"/>
+          </a:xfrm>
+          <a:prstGeom prst="rect">
+            <a:avLst/>
+          </a:prstGeom>
+          <a:noFill/>
+          <a:ln>
+            <a:noFill/>
+          </a:ln>
+        </p:spPr>
+        <p:txBody>
+          <a:bodyPr lIns="0" tIns="0" rIns="0" bIns="0" anchor="ctr">
+            <a:spAutoFit/>
+          </a:bodyPr>
+          <a:p>
+            <a:pPr algn="ctr"/>
+            <a:r>
+              <a:rPr lang="en-US" sz="4400" b="1" strike="noStrike" spc="-1">
+                <a:latin typeface="Arial" panose="020B0604020202020204"/>
+              </a:rPr>
+              <a:t>OAuth2</a:t>
+            </a:r>
+            <a:endParaRPr lang="en-US" sz="4400" b="0" strike="noStrike" spc="-1">
+              <a:latin typeface="Arial" panose="020B0604020202020204"/>
+            </a:endParaRPr>
+          </a:p>
+        </p:txBody>
+      </p:sp>
+      <p:pic>
+        <p:nvPicPr>
+          <p:cNvPr id="70" name="Picture 69"/>
+          <p:cNvPicPr/>
+          <p:nvPr/>
+        </p:nvPicPr>
+        <p:blipFill>
+          <a:blip r:embed="rId1"/>
+          <a:stretch>
+            <a:fillRect/>
+          </a:stretch>
+        </p:blipFill>
+        <p:spPr>
+          <a:xfrm>
+            <a:off x="914400" y="1920240"/>
+            <a:ext cx="8595360" cy="3840480"/>
+          </a:xfrm>
+          <a:prstGeom prst="rect">
+            <a:avLst/>
+          </a:prstGeom>
+          <a:ln>
+            <a:noFill/>
+          </a:ln>
+        </p:spPr>
+      </p:pic>
+    </p:spTree>
+  </p:cSld>
+  <p:clrMapOvr>
+    <a:masterClrMapping/>
+  </p:clrMapOvr>
+  <mc:AlternateContent xmlns:mc="http://schemas.openxmlformats.org/markup-compatibility/2006">
+    <mc:Choice xmlns:p14="http://schemas.microsoft.com/office/powerpoint/2010/main" Requires="p14">
+      <p:transition spd="slow" p14:dur="2000"/>
+    </mc:Choice>
+    <mc:Fallback>
+      <p:transition spd="slow"/>
+    </mc:Fallback>
+  </mc:AlternateContent>
+</p:sld>
+</file>
+
+<file path=ppt/slides/slide21.xml><?xml version="1.0" encoding="utf-8"?>
+<p:sld xmlns:a="http://schemas.openxmlformats.org/drawingml/2006/main" xmlns:r="http://schemas.openxmlformats.org/officeDocument/2006/relationships" xmlns:p="http://schemas.openxmlformats.org/presentationml/2006/main">
+  <p:cSld>
+    <p:spTree>
+      <p:nvGrpSpPr>
+        <p:cNvPr id="1" name=""/>
+        <p:cNvGrpSpPr/>
+        <p:nvPr/>
+      </p:nvGrpSpPr>
+      <p:grpSpPr>
+        <a:xfrm>
+          <a:off x="0" y="0"/>
+          <a:ext cx="0" cy="0"/>
+          <a:chOff x="0" y="0"/>
+          <a:chExt cx="0" cy="0"/>
+        </a:xfrm>
+      </p:grpSpPr>
+      <p:sp>
+        <p:nvSpPr>
+          <p:cNvPr id="71" name="TextShape 1"/>
+          <p:cNvSpPr txBox="1"/>
+          <p:nvPr/>
+        </p:nvSpPr>
+        <p:spPr>
+          <a:xfrm>
+            <a:off x="504000" y="301320"/>
+            <a:ext cx="9071640" cy="1262160"/>
+          </a:xfrm>
+          <a:prstGeom prst="rect">
+            <a:avLst/>
+          </a:prstGeom>
+          <a:noFill/>
+          <a:ln>
+            <a:noFill/>
+          </a:ln>
+        </p:spPr>
+        <p:txBody>
+          <a:bodyPr lIns="0" tIns="0" rIns="0" bIns="0" anchor="ctr">
+            <a:spAutoFit/>
+          </a:bodyPr>
+          <a:p>
+            <a:pPr algn="ctr"/>
+            <a:r>
+              <a:rPr lang="en-US" sz="4400" b="1" strike="noStrike" spc="-1">
+                <a:latin typeface="Arial" panose="020B0604020202020204"/>
+              </a:rPr>
+              <a:t>OAuth2</a:t>
+            </a:r>
+            <a:endParaRPr lang="en-US" sz="4400" b="0" strike="noStrike" spc="-1">
+              <a:latin typeface="Arial" panose="020B0604020202020204"/>
+            </a:endParaRPr>
+          </a:p>
+        </p:txBody>
+      </p:sp>
+      <p:sp>
+        <p:nvSpPr>
+          <p:cNvPr id="72" name="TextShape 2"/>
+          <p:cNvSpPr txBox="1"/>
+          <p:nvPr/>
+        </p:nvSpPr>
+        <p:spPr>
+          <a:xfrm>
+            <a:off x="594720" y="1645920"/>
+            <a:ext cx="9006480" cy="4389120"/>
+          </a:xfrm>
+          <a:prstGeom prst="rect">
+            <a:avLst/>
+          </a:prstGeom>
+          <a:noFill/>
+          <a:ln>
+            <a:noFill/>
+          </a:ln>
+        </p:spPr>
+        <p:txBody>
+          <a:bodyPr lIns="90000" tIns="45000" rIns="90000" bIns="45000">
+            <a:spAutoFit/>
+          </a:bodyPr>
+          <a:p>
+            <a:pPr>
+              <a:lnSpc>
+                <a:spcPct val="150000"/>
+              </a:lnSpc>
+            </a:pPr>
+            <a:r>
+              <a:rPr lang="en-US" sz="2000" b="0" strike="noStrike" spc="-1">
+                <a:latin typeface="Arial" panose="020B0604020202020204"/>
+              </a:rPr>
+              <a:t>Ví dụ ta có roles trong trường hợp như sau:</a:t>
+            </a:r>
+            <a:endParaRPr lang="en-US" sz="2000" b="0" strike="noStrike" spc="-1">
+              <a:latin typeface="Arial" panose="020B0604020202020204"/>
+            </a:endParaRPr>
+          </a:p>
+          <a:p>
+            <a:pPr>
+              <a:lnSpc>
+                <a:spcPct val="150000"/>
+              </a:lnSpc>
+            </a:pPr>
+            <a:endParaRPr lang="en-US" sz="2000" b="0" strike="noStrike" spc="-1">
+              <a:latin typeface="Arial" panose="020B0604020202020204"/>
+            </a:endParaRPr>
+          </a:p>
+          <a:p>
+            <a:pPr marL="215900" indent="-215900">
+              <a:lnSpc>
+                <a:spcPct val="150000"/>
+              </a:lnSpc>
+              <a:buClr>
+                <a:srgbClr val="000000"/>
+              </a:buClr>
+              <a:buSzPct val="45000"/>
+              <a:buFont typeface="Wingdings" panose="05000000000000000000" pitchFamily="2" charset="2"/>
+              <a:buChar char=""/>
+            </a:pPr>
+            <a:r>
+              <a:rPr lang="en-US" sz="2000" b="0" strike="noStrike" spc="-1">
+                <a:latin typeface="Arial" panose="020B0604020202020204"/>
+              </a:rPr>
+              <a:t>Resource Owner: Mình</a:t>
+            </a:r>
+            <a:endParaRPr lang="en-US" sz="2000" b="0" strike="noStrike" spc="-1">
+              <a:latin typeface="Arial" panose="020B0604020202020204"/>
+            </a:endParaRPr>
+          </a:p>
+          <a:p>
+            <a:pPr marL="215900" indent="-215900">
+              <a:lnSpc>
+                <a:spcPct val="150000"/>
+              </a:lnSpc>
+              <a:buClr>
+                <a:srgbClr val="000000"/>
+              </a:buClr>
+              <a:buSzPct val="45000"/>
+              <a:buFont typeface="Wingdings" panose="05000000000000000000" pitchFamily="2" charset="2"/>
+              <a:buChar char=""/>
+            </a:pPr>
+            <a:r>
+              <a:rPr lang="en-US" sz="2000" b="0" strike="noStrike" spc="-1">
+                <a:latin typeface="Arial" panose="020B0604020202020204"/>
+              </a:rPr>
+              <a:t>Resource Server: Facebook server</a:t>
+            </a:r>
+            <a:endParaRPr lang="en-US" sz="2000" b="0" strike="noStrike" spc="-1">
+              <a:latin typeface="Arial" panose="020B0604020202020204"/>
+            </a:endParaRPr>
+          </a:p>
+          <a:p>
+            <a:pPr marL="215900" indent="-215900">
+              <a:lnSpc>
+                <a:spcPct val="150000"/>
+              </a:lnSpc>
+              <a:buClr>
+                <a:srgbClr val="000000"/>
+              </a:buClr>
+              <a:buSzPct val="45000"/>
+              <a:buFont typeface="Wingdings" panose="05000000000000000000" pitchFamily="2" charset="2"/>
+              <a:buChar char=""/>
+            </a:pPr>
+            <a:r>
+              <a:rPr lang="en-US" sz="2000" b="0" strike="noStrike" spc="-1">
+                <a:latin typeface="Arial" panose="020B0604020202020204"/>
+              </a:rPr>
+              <a:t>Client: Website Viblo</a:t>
+            </a:r>
+            <a:endParaRPr lang="en-US" sz="2000" b="0" strike="noStrike" spc="-1">
+              <a:latin typeface="Arial" panose="020B0604020202020204"/>
+            </a:endParaRPr>
+          </a:p>
+          <a:p>
+            <a:pPr marL="215900" indent="-215900">
+              <a:lnSpc>
+                <a:spcPct val="150000"/>
+              </a:lnSpc>
+              <a:buClr>
+                <a:srgbClr val="000000"/>
+              </a:buClr>
+              <a:buSzPct val="45000"/>
+              <a:buFont typeface="Wingdings" panose="05000000000000000000" pitchFamily="2" charset="2"/>
+              <a:buChar char=""/>
+            </a:pPr>
+            <a:r>
+              <a:rPr lang="en-US" sz="2000" b="0" strike="noStrike" spc="-1">
+                <a:latin typeface="Arial" panose="020B0604020202020204"/>
+              </a:rPr>
+              <a:t>Authorization Server: Facebook server</a:t>
+            </a:r>
+            <a:endParaRPr lang="en-US" sz="2000" b="0" strike="noStrike" spc="-1">
+              <a:latin typeface="Arial" panose="020B0604020202020204"/>
+            </a:endParaRPr>
+          </a:p>
+        </p:txBody>
+      </p:sp>
+      <p:sp>
+        <p:nvSpPr>
+          <p:cNvPr id="73" name="TextShape 3"/>
+          <p:cNvSpPr txBox="1"/>
+          <p:nvPr/>
+        </p:nvSpPr>
+        <p:spPr>
+          <a:xfrm>
+            <a:off x="822960" y="6858000"/>
+            <a:ext cx="8337550" cy="365760"/>
+          </a:xfrm>
+          <a:prstGeom prst="rect">
+            <a:avLst/>
+          </a:prstGeom>
+          <a:noFill/>
+          <a:ln>
+            <a:noFill/>
+          </a:ln>
+        </p:spPr>
+        <p:txBody>
+          <a:bodyPr wrap="square" lIns="90000" tIns="45000" rIns="90000" bIns="45000">
+            <a:spAutoFit/>
+          </a:bodyPr>
+          <a:p>
+            <a:r>
+              <a:rPr lang="en-US" sz="1800" b="0" i="1" strike="noStrike" spc="-1">
+                <a:latin typeface="Arial" panose="020B0604020202020204"/>
+              </a:rPr>
+              <a:t>https://viblo.asia/p/introduction-to-oauth2-3OEqGjDpR9bL</a:t>
+            </a:r>
+            <a:endParaRPr lang="en-US" sz="1800" b="0" strike="noStrike" spc="-1">
+              <a:latin typeface="Arial" panose="020B0604020202020204"/>
+            </a:endParaRPr>
+          </a:p>
+        </p:txBody>
+      </p:sp>
+      <p:sp>
+        <p:nvSpPr>
+          <p:cNvPr id="74" name="TextShape 4"/>
+          <p:cNvSpPr txBox="1"/>
+          <p:nvPr/>
+        </p:nvSpPr>
+        <p:spPr>
+          <a:xfrm>
+            <a:off x="777875" y="5962015"/>
+            <a:ext cx="7907655" cy="365760"/>
+          </a:xfrm>
+          <a:prstGeom prst="rect">
+            <a:avLst/>
+          </a:prstGeom>
+          <a:noFill/>
+          <a:ln>
+            <a:noFill/>
+          </a:ln>
+        </p:spPr>
+        <p:txBody>
+          <a:bodyPr wrap="square" lIns="90000" tIns="45000" rIns="90000" bIns="45000">
+            <a:spAutoFit/>
+          </a:bodyPr>
+          <a:p>
+            <a:r>
+              <a:rPr lang="en-US" sz="1800" b="0" strike="noStrike" spc="-1">
+                <a:latin typeface="Arial" panose="020B0604020202020204"/>
+              </a:rPr>
+              <a:t>The OAuth 2.0 Authorization Framework</a:t>
+            </a:r>
+            <a:endParaRPr lang="en-US" sz="1800" b="0" strike="noStrike" spc="-1">
+              <a:latin typeface="Arial" panose="020B0604020202020204"/>
+            </a:endParaRPr>
+          </a:p>
+        </p:txBody>
+      </p:sp>
+      <p:sp>
+        <p:nvSpPr>
+          <p:cNvPr id="75" name="TextShape 5"/>
+          <p:cNvSpPr txBox="1"/>
+          <p:nvPr/>
+        </p:nvSpPr>
+        <p:spPr>
+          <a:xfrm>
+            <a:off x="822960" y="6419215"/>
+            <a:ext cx="7764145" cy="365760"/>
+          </a:xfrm>
+          <a:prstGeom prst="rect">
+            <a:avLst/>
+          </a:prstGeom>
+          <a:noFill/>
+          <a:ln>
+            <a:noFill/>
+          </a:ln>
+        </p:spPr>
+        <p:txBody>
+          <a:bodyPr wrap="square" lIns="90000" tIns="45000" rIns="90000" bIns="45000">
+            <a:spAutoFit/>
+          </a:bodyPr>
+          <a:p>
+            <a:r>
+              <a:rPr lang="en-US" sz="1800" b="0" i="1" strike="noStrike" spc="-1">
+                <a:latin typeface="Arial" panose="020B0604020202020204"/>
+              </a:rPr>
+              <a:t>https://tools.ietf.org/html/rfc6749#section-1.3.1</a:t>
+            </a:r>
+            <a:endParaRPr lang="en-US" sz="1800" b="0" strike="noStrike" spc="-1">
+              <a:latin typeface="Arial" panose="020B0604020202020204"/>
+            </a:endParaRPr>
+          </a:p>
+        </p:txBody>
+      </p:sp>
+    </p:spTree>
+  </p:cSld>
+  <p:clrMapOvr>
+    <a:masterClrMapping/>
+  </p:clrMapOvr>
+  <mc:AlternateContent xmlns:mc="http://schemas.openxmlformats.org/markup-compatibility/2006">
+    <mc:Choice xmlns:p14="http://schemas.microsoft.com/office/powerpoint/2010/main" Requires="p14">
+      <p:transition spd="slow" p14:dur="2000"/>
+    </mc:Choice>
+    <mc:Fallback>
+      <p:transition spd="slow"/>
+    </mc:Fallback>
+  </mc:AlternateContent>
+</p:sld>
+</file>
+
+<file path=ppt/slides/slide22.xml><?xml version="1.0" encoding="utf-8"?>
+<p:sld xmlns:a="http://schemas.openxmlformats.org/drawingml/2006/main" xmlns:r="http://schemas.openxmlformats.org/officeDocument/2006/relationships" xmlns:p="http://schemas.openxmlformats.org/presentationml/2006/main">
+  <p:cSld>
+    <p:spTree>
+      <p:nvGrpSpPr>
+        <p:cNvPr id="1" name=""/>
+        <p:cNvGrpSpPr/>
+        <p:nvPr/>
+      </p:nvGrpSpPr>
+      <p:grpSpPr>
+        <a:xfrm>
+          <a:off x="0" y="0"/>
+          <a:ext cx="0" cy="0"/>
+          <a:chOff x="0" y="0"/>
+          <a:chExt cx="0" cy="0"/>
+        </a:xfrm>
+      </p:grpSpPr>
+      <p:sp>
+        <p:nvSpPr>
+          <p:cNvPr id="76" name="TextShape 1"/>
+          <p:cNvSpPr txBox="1"/>
+          <p:nvPr/>
+        </p:nvSpPr>
+        <p:spPr>
+          <a:xfrm>
+            <a:off x="504000" y="301320"/>
+            <a:ext cx="9071640" cy="1262160"/>
+          </a:xfrm>
+          <a:prstGeom prst="rect">
+            <a:avLst/>
+          </a:prstGeom>
+          <a:noFill/>
+          <a:ln>
+            <a:noFill/>
+          </a:ln>
+        </p:spPr>
+        <p:txBody>
+          <a:bodyPr lIns="0" tIns="0" rIns="0" bIns="0" anchor="ctr">
+            <a:spAutoFit/>
+          </a:bodyPr>
+          <a:p>
+            <a:pPr algn="ctr"/>
+            <a:r>
+              <a:rPr lang="en-US" sz="4400" b="1" strike="noStrike" spc="-1">
+                <a:latin typeface="Arial" panose="020B0604020202020204"/>
+              </a:rPr>
+              <a:t>OAuth2</a:t>
+            </a:r>
+            <a:endParaRPr lang="en-US" sz="4400" b="0" strike="noStrike" spc="-1">
+              <a:latin typeface="Arial" panose="020B0604020202020204"/>
+            </a:endParaRPr>
+          </a:p>
+        </p:txBody>
+      </p:sp>
+      <p:sp>
+        <p:nvSpPr>
+          <p:cNvPr id="77" name="TextShape 2"/>
+          <p:cNvSpPr txBox="1"/>
+          <p:nvPr/>
+        </p:nvSpPr>
+        <p:spPr>
+          <a:xfrm>
+            <a:off x="594720" y="1645920"/>
+            <a:ext cx="9006480" cy="2397125"/>
+          </a:xfrm>
+          <a:prstGeom prst="rect">
+            <a:avLst/>
+          </a:prstGeom>
+          <a:noFill/>
+          <a:ln>
+            <a:noFill/>
+          </a:ln>
+        </p:spPr>
+        <p:txBody>
+          <a:bodyPr lIns="90000" tIns="45000" rIns="90000" bIns="45000">
+            <a:spAutoFit/>
+          </a:bodyPr>
+          <a:p>
+            <a:pPr>
+              <a:lnSpc>
+                <a:spcPct val="150000"/>
+              </a:lnSpc>
+            </a:pPr>
+            <a:r>
+              <a:rPr lang="en-US" sz="2000" b="0" strike="noStrike" spc="-1">
+                <a:latin typeface="Arial" panose="020B0604020202020204"/>
+              </a:rPr>
+              <a:t>Ví dụ ta có roles trong trường hợp như sau:</a:t>
+            </a:r>
+            <a:endParaRPr lang="en-US" sz="2000" b="0" strike="noStrike" spc="-1">
+              <a:latin typeface="Arial" panose="020B0604020202020204"/>
+            </a:endParaRPr>
+          </a:p>
+          <a:p>
+            <a:pPr marL="215900" indent="-215900">
+              <a:lnSpc>
+                <a:spcPct val="150000"/>
+              </a:lnSpc>
+              <a:buClr>
+                <a:srgbClr val="000000"/>
+              </a:buClr>
+              <a:buSzPct val="45000"/>
+              <a:buFont typeface="Wingdings" panose="05000000000000000000" pitchFamily="2" charset="2"/>
+              <a:buChar char=""/>
+            </a:pPr>
+            <a:r>
+              <a:rPr lang="en-US" sz="2000" b="0" strike="noStrike" spc="-1">
+                <a:latin typeface="Arial" panose="020B0604020202020204"/>
+              </a:rPr>
+              <a:t>Resource Owner: Mình</a:t>
+            </a:r>
+            <a:endParaRPr lang="en-US" sz="2000" b="0" strike="noStrike" spc="-1">
+              <a:latin typeface="Arial" panose="020B0604020202020204"/>
+            </a:endParaRPr>
+          </a:p>
+          <a:p>
+            <a:pPr marL="215900" indent="-215900">
+              <a:lnSpc>
+                <a:spcPct val="150000"/>
+              </a:lnSpc>
+              <a:buClr>
+                <a:srgbClr val="000000"/>
+              </a:buClr>
+              <a:buSzPct val="45000"/>
+              <a:buFont typeface="Wingdings" panose="05000000000000000000" pitchFamily="2" charset="2"/>
+              <a:buChar char=""/>
+            </a:pPr>
+            <a:r>
+              <a:rPr lang="en-US" sz="2000" b="0" strike="noStrike" spc="-1">
+                <a:latin typeface="Arial" panose="020B0604020202020204"/>
+              </a:rPr>
+              <a:t>Resource Server: Facebook server</a:t>
+            </a:r>
+            <a:endParaRPr lang="en-US" sz="2000" b="0" strike="noStrike" spc="-1">
+              <a:latin typeface="Arial" panose="020B0604020202020204"/>
+            </a:endParaRPr>
+          </a:p>
+          <a:p>
+            <a:pPr marL="215900" indent="-215900">
+              <a:lnSpc>
+                <a:spcPct val="150000"/>
+              </a:lnSpc>
+              <a:buClr>
+                <a:srgbClr val="000000"/>
+              </a:buClr>
+              <a:buSzPct val="45000"/>
+              <a:buFont typeface="Wingdings" panose="05000000000000000000" pitchFamily="2" charset="2"/>
+              <a:buChar char=""/>
+            </a:pPr>
+            <a:r>
+              <a:rPr lang="en-US" sz="2000" b="0" strike="noStrike" spc="-1">
+                <a:latin typeface="Arial" panose="020B0604020202020204"/>
+              </a:rPr>
+              <a:t>Client: Website Viblo</a:t>
+            </a:r>
+            <a:endParaRPr lang="en-US" sz="2000" b="0" strike="noStrike" spc="-1">
+              <a:latin typeface="Arial" panose="020B0604020202020204"/>
+            </a:endParaRPr>
+          </a:p>
+          <a:p>
+            <a:pPr marL="215900" indent="-215900">
+              <a:lnSpc>
+                <a:spcPct val="150000"/>
+              </a:lnSpc>
+              <a:buClr>
+                <a:srgbClr val="000000"/>
+              </a:buClr>
+              <a:buSzPct val="45000"/>
+              <a:buFont typeface="Wingdings" panose="05000000000000000000" pitchFamily="2" charset="2"/>
+              <a:buChar char=""/>
+            </a:pPr>
+            <a:r>
+              <a:rPr lang="en-US" sz="2000" b="0" strike="noStrike" spc="-1">
+                <a:latin typeface="Arial" panose="020B0604020202020204"/>
+              </a:rPr>
+              <a:t>Authorization Server: Facebook server</a:t>
+            </a:r>
+            <a:endParaRPr lang="en-US" sz="2000" b="0" strike="noStrike" spc="-1">
+              <a:latin typeface="Arial" panose="020B0604020202020204"/>
+            </a:endParaRPr>
+          </a:p>
+        </p:txBody>
+      </p:sp>
+      <p:sp>
+        <p:nvSpPr>
+          <p:cNvPr id="78" name="TextShape 3"/>
+          <p:cNvSpPr txBox="1"/>
+          <p:nvPr/>
+        </p:nvSpPr>
+        <p:spPr>
+          <a:xfrm>
+            <a:off x="822960" y="6858000"/>
+            <a:ext cx="8948420" cy="365760"/>
+          </a:xfrm>
+          <a:prstGeom prst="rect">
+            <a:avLst/>
+          </a:prstGeom>
+          <a:noFill/>
+          <a:ln>
+            <a:noFill/>
+          </a:ln>
+        </p:spPr>
+        <p:txBody>
+          <a:bodyPr wrap="square" lIns="90000" tIns="45000" rIns="90000" bIns="45000">
+            <a:spAutoFit/>
+          </a:bodyPr>
+          <a:p>
+            <a:r>
+              <a:rPr lang="en-US" sz="1800" b="0" strike="noStrike" spc="-1">
+                <a:latin typeface="Arial" panose="020B0604020202020204"/>
+              </a:rPr>
+              <a:t>https://viblo.asia/p/introduction-to-oauth2-3OEqGjDpR9bL</a:t>
+            </a:r>
+            <a:endParaRPr lang="en-US" sz="1800" b="0" strike="noStrike" spc="-1">
+              <a:latin typeface="Arial" panose="020B0604020202020204"/>
+            </a:endParaRPr>
+          </a:p>
+        </p:txBody>
+      </p:sp>
+    </p:spTree>
+  </p:cSld>
+  <p:clrMapOvr>
+    <a:masterClrMapping/>
+  </p:clrMapOvr>
+  <mc:AlternateContent xmlns:mc="http://schemas.openxmlformats.org/markup-compatibility/2006">
+    <mc:Choice xmlns:p14="http://schemas.microsoft.com/office/powerpoint/2010/main" Requires="p14">
+      <p:transition spd="slow" p14:dur="2000"/>
+    </mc:Choice>
+    <mc:Fallback>
+      <p:transition spd="slow"/>
+    </mc:Fallback>
+  </mc:AlternateContent>
+</p:sld>
+</file>
+
+<file path=ppt/slides/slide23.xml><?xml version="1.0" encoding="utf-8"?>
+<p:sld xmlns:a="http://schemas.openxmlformats.org/drawingml/2006/main" xmlns:r="http://schemas.openxmlformats.org/officeDocument/2006/relationships" xmlns:p="http://schemas.openxmlformats.org/presentationml/2006/main">
+  <p:cSld>
+    <p:spTree>
+      <p:nvGrpSpPr>
+        <p:cNvPr id="1" name=""/>
+        <p:cNvGrpSpPr/>
+        <p:nvPr/>
+      </p:nvGrpSpPr>
+      <p:grpSpPr>
+        <a:xfrm>
+          <a:off x="0" y="0"/>
+          <a:ext cx="0" cy="0"/>
+          <a:chOff x="0" y="0"/>
+          <a:chExt cx="0" cy="0"/>
+        </a:xfrm>
+      </p:grpSpPr>
+      <p:sp>
+        <p:nvSpPr>
+          <p:cNvPr id="79" name="TextShape 1"/>
+          <p:cNvSpPr txBox="1"/>
+          <p:nvPr/>
+        </p:nvSpPr>
+        <p:spPr>
+          <a:xfrm>
+            <a:off x="504000" y="301320"/>
+            <a:ext cx="9071640" cy="1262160"/>
+          </a:xfrm>
+          <a:prstGeom prst="rect">
+            <a:avLst/>
+          </a:prstGeom>
+          <a:noFill/>
+          <a:ln>
+            <a:noFill/>
+          </a:ln>
+        </p:spPr>
+        <p:txBody>
+          <a:bodyPr lIns="0" tIns="0" rIns="0" bIns="0" anchor="ctr">
+            <a:spAutoFit/>
+          </a:bodyPr>
+          <a:p>
+            <a:pPr algn="ctr"/>
+            <a:r>
+              <a:rPr lang="en-US" sz="4400" b="1" strike="noStrike" spc="-1">
+                <a:latin typeface="Arial" panose="020B0604020202020204"/>
+              </a:rPr>
+              <a:t>OAuth2</a:t>
+            </a:r>
+            <a:endParaRPr lang="en-US" sz="4400" b="0" strike="noStrike" spc="-1">
+              <a:latin typeface="Arial" panose="020B0604020202020204"/>
+            </a:endParaRPr>
+          </a:p>
+        </p:txBody>
+      </p:sp>
+      <p:sp>
+        <p:nvSpPr>
+          <p:cNvPr id="80" name="TextShape 2"/>
+          <p:cNvSpPr txBox="1"/>
+          <p:nvPr/>
+        </p:nvSpPr>
+        <p:spPr>
+          <a:xfrm>
+            <a:off x="594720" y="1645920"/>
+            <a:ext cx="9006480" cy="4389120"/>
+          </a:xfrm>
+          <a:prstGeom prst="rect">
+            <a:avLst/>
+          </a:prstGeom>
+          <a:noFill/>
+          <a:ln>
+            <a:noFill/>
+          </a:ln>
+        </p:spPr>
+        <p:txBody>
+          <a:bodyPr lIns="90000" tIns="45000" rIns="90000" bIns="45000">
+            <a:spAutoFit/>
+          </a:bodyPr>
+          <a:p>
+            <a:pPr>
+              <a:lnSpc>
+                <a:spcPct val="150000"/>
+              </a:lnSpc>
+            </a:pPr>
+            <a:r>
+              <a:rPr lang="en-US" sz="1800" b="1" strike="noStrike" spc="-1">
+                <a:latin typeface="Arial" panose="020B0604020202020204"/>
+              </a:rPr>
+              <a:t>Kịch bản</a:t>
+            </a:r>
+            <a:endParaRPr lang="en-US" sz="1800" b="0" strike="noStrike" spc="-1">
+              <a:latin typeface="Arial" panose="020B0604020202020204"/>
+            </a:endParaRPr>
+          </a:p>
+          <a:p>
+            <a:pPr marL="215900" indent="-215900">
+              <a:lnSpc>
+                <a:spcPct val="150000"/>
+              </a:lnSpc>
+              <a:buClr>
+                <a:srgbClr val="000000"/>
+              </a:buClr>
+              <a:buSzPct val="45000"/>
+              <a:buFont typeface="Wingdings" panose="05000000000000000000" pitchFamily="2" charset="2"/>
+              <a:buChar char=""/>
+            </a:pPr>
+            <a:r>
+              <a:rPr lang="en-US" sz="1800" b="0" strike="noStrike" spc="-1">
+                <a:latin typeface="Arial" panose="020B0604020202020204"/>
+              </a:rPr>
+              <a:t>Từ Viblo, ta muốn login thông qua Facebook.</a:t>
+            </a:r>
+            <a:endParaRPr lang="en-US" sz="1800" b="0" strike="noStrike" spc="-1">
+              <a:latin typeface="Arial" panose="020B0604020202020204"/>
+            </a:endParaRPr>
+          </a:p>
+          <a:p>
+            <a:pPr marL="215900" indent="-215900">
+              <a:lnSpc>
+                <a:spcPct val="150000"/>
+              </a:lnSpc>
+              <a:buClr>
+                <a:srgbClr val="000000"/>
+              </a:buClr>
+              <a:buSzPct val="45000"/>
+              <a:buFont typeface="Wingdings" panose="05000000000000000000" pitchFamily="2" charset="2"/>
+              <a:buChar char=""/>
+            </a:pPr>
+            <a:r>
+              <a:rPr lang="en-US" sz="1800" b="0" strike="noStrike" spc="-1">
+                <a:latin typeface="Arial" panose="020B0604020202020204"/>
+              </a:rPr>
+              <a:t>Browser redirect tới trang chứng thực của Facebook (Authorization Server).</a:t>
+            </a:r>
+            <a:endParaRPr lang="en-US" sz="1800" b="0" strike="noStrike" spc="-1">
+              <a:latin typeface="Arial" panose="020B0604020202020204"/>
+            </a:endParaRPr>
+          </a:p>
+          <a:p>
+            <a:pPr marL="215900" indent="-215900">
+              <a:lnSpc>
+                <a:spcPct val="150000"/>
+              </a:lnSpc>
+              <a:buClr>
+                <a:srgbClr val="000000"/>
+              </a:buClr>
+              <a:buSzPct val="45000"/>
+              <a:buFont typeface="Wingdings" panose="05000000000000000000" pitchFamily="2" charset="2"/>
+              <a:buChar char=""/>
+            </a:pPr>
+            <a:r>
+              <a:rPr lang="en-US" sz="1800" b="0" strike="noStrike" spc="-1">
+                <a:latin typeface="Arial" panose="020B0604020202020204"/>
+              </a:rPr>
+              <a:t>Nếu ta cho phép truy cập, browser sẽ redirect ta về Viblo cùng với Access Token trên URI. Ví dụ như callback: http://viblo.asia/auth/callback&amp;access_token=MynBTzUGYX8bHTnyLpZ4</a:t>
+            </a:r>
+            <a:endParaRPr lang="en-US" sz="1800" b="0" strike="noStrike" spc="-1">
+              <a:latin typeface="Arial" panose="020B0604020202020204"/>
+            </a:endParaRPr>
+          </a:p>
+          <a:p>
+            <a:pPr marL="215900" indent="-215900">
+              <a:lnSpc>
+                <a:spcPct val="150000"/>
+              </a:lnSpc>
+              <a:buClr>
+                <a:srgbClr val="000000"/>
+              </a:buClr>
+              <a:buSzPct val="45000"/>
+              <a:buFont typeface="Wingdings" panose="05000000000000000000" pitchFamily="2" charset="2"/>
+              <a:buChar char=""/>
+            </a:pPr>
+            <a:r>
+              <a:rPr lang="en-US" sz="1800" b="0" strike="noStrike" spc="-1">
+                <a:latin typeface="Arial" panose="020B0604020202020204"/>
+              </a:rPr>
+              <a:t>Access token này sẽ được client lấy và sử dụng khi truy cập tới Facebook lấy tài nguyên. Ví dụ: https://graph.facebook.com/me?access_token=MynBTzUGYX8bHTnyLpZ4</a:t>
+            </a:r>
+            <a:endParaRPr lang="en-US" sz="1800" b="0" strike="noStrike" spc="-1">
+              <a:latin typeface="Arial" panose="020B0604020202020204"/>
+            </a:endParaRPr>
+          </a:p>
+          <a:p>
+            <a:pPr>
+              <a:lnSpc>
+                <a:spcPct val="150000"/>
+              </a:lnSpc>
+            </a:pPr>
+            <a:r>
+              <a:rPr lang="en-US" sz="1800" b="0" strike="noStrike" spc="-1">
+                <a:latin typeface="Arial" panose="020B0604020202020204"/>
+              </a:rPr>
+              <a:t>Facebook dựa vào Token, nhận ra là thanh niên đã đăng ký trước đó, cho phép truy cập và trả về dữ liệu.</a:t>
+            </a:r>
+            <a:endParaRPr lang="en-US" sz="1800" b="0" strike="noStrike" spc="-1">
+              <a:latin typeface="Arial" panose="020B0604020202020204"/>
+            </a:endParaRPr>
+          </a:p>
+        </p:txBody>
+      </p:sp>
+    </p:spTree>
+  </p:cSld>
+  <p:clrMapOvr>
+    <a:masterClrMapping/>
+  </p:clrMapOvr>
+  <mc:AlternateContent xmlns:mc="http://schemas.openxmlformats.org/markup-compatibility/2006">
+    <mc:Choice xmlns:p14="http://schemas.microsoft.com/office/powerpoint/2010/main" Requires="p14">
+      <p:transition spd="slow" p14:dur="2000"/>
+    </mc:Choice>
+    <mc:Fallback>
+      <p:transition spd="slow"/>
+    </mc:Fallback>
+  </mc:AlternateContent>
+</p:sld>
+</file>
+
+<file path=ppt/slides/slide24.xml><?xml version="1.0" encoding="utf-8"?>
+<p:sld xmlns:a="http://schemas.openxmlformats.org/drawingml/2006/main" xmlns:r="http://schemas.openxmlformats.org/officeDocument/2006/relationships" xmlns:p="http://schemas.openxmlformats.org/presentationml/2006/main">
+  <p:cSld>
+    <p:spTree>
+      <p:nvGrpSpPr>
+        <p:cNvPr id="1" name=""/>
+        <p:cNvGrpSpPr/>
+        <p:nvPr/>
+      </p:nvGrpSpPr>
+      <p:grpSpPr>
+        <a:xfrm>
+          <a:off x="0" y="0"/>
+          <a:ext cx="0" cy="0"/>
+          <a:chOff x="0" y="0"/>
+          <a:chExt cx="0" cy="0"/>
+        </a:xfrm>
+      </p:grpSpPr>
+      <p:sp>
+        <p:nvSpPr>
+          <p:cNvPr id="81" name="TextShape 1"/>
+          <p:cNvSpPr txBox="1"/>
+          <p:nvPr/>
+        </p:nvSpPr>
+        <p:spPr>
+          <a:xfrm>
+            <a:off x="504000" y="301320"/>
+            <a:ext cx="9071640" cy="1262160"/>
+          </a:xfrm>
+          <a:prstGeom prst="rect">
+            <a:avLst/>
+          </a:prstGeom>
+          <a:noFill/>
+          <a:ln>
+            <a:noFill/>
+          </a:ln>
+        </p:spPr>
+        <p:txBody>
+          <a:bodyPr lIns="0" tIns="0" rIns="0" bIns="0" anchor="ctr">
+            <a:spAutoFit/>
+          </a:bodyPr>
+          <a:p>
+            <a:pPr algn="ctr"/>
+            <a:r>
+              <a:rPr lang="en-US" sz="4400" b="1" strike="noStrike" spc="-1">
+                <a:latin typeface="Arial" panose="020B0604020202020204"/>
+              </a:rPr>
+              <a:t>OAuth2</a:t>
+            </a:r>
+            <a:endParaRPr lang="en-US" sz="4400" b="0" strike="noStrike" spc="-1">
+              <a:latin typeface="Arial" panose="020B0604020202020204"/>
+            </a:endParaRPr>
+          </a:p>
+        </p:txBody>
+      </p:sp>
+      <p:sp>
+        <p:nvSpPr>
+          <p:cNvPr id="82" name="TextShape 2"/>
+          <p:cNvSpPr txBox="1"/>
+          <p:nvPr/>
+        </p:nvSpPr>
+        <p:spPr>
+          <a:xfrm>
+            <a:off x="594720" y="1645920"/>
+            <a:ext cx="9006480" cy="4389120"/>
+          </a:xfrm>
+          <a:prstGeom prst="rect">
+            <a:avLst/>
+          </a:prstGeom>
+          <a:noFill/>
+          <a:ln>
+            <a:noFill/>
+          </a:ln>
+        </p:spPr>
+        <p:txBody>
+          <a:bodyPr lIns="90000" tIns="45000" rIns="90000" bIns="45000">
+            <a:spAutoFit/>
+          </a:bodyPr>
+          <a:p>
+            <a:pPr>
+              <a:lnSpc>
+                <a:spcPct val="150000"/>
+              </a:lnSpc>
+            </a:pPr>
+            <a:r>
+              <a:rPr lang="en-US" sz="1800" b="1" strike="noStrike" spc="-1">
+                <a:latin typeface="Arial" panose="020B0604020202020204"/>
+              </a:rPr>
+              <a:t>OAuth2 Grant Types: có 4 grant type khác nhau:</a:t>
+            </a:r>
+            <a:endParaRPr lang="en-US" sz="1800" b="0" strike="noStrike" spc="-1">
+              <a:latin typeface="Arial" panose="020B0604020202020204"/>
+            </a:endParaRPr>
+          </a:p>
+          <a:p>
+            <a:pPr marL="215900" indent="-215900">
+              <a:lnSpc>
+                <a:spcPct val="150000"/>
+              </a:lnSpc>
+              <a:buClr>
+                <a:srgbClr val="000000"/>
+              </a:buClr>
+              <a:buSzPct val="45000"/>
+              <a:buFont typeface="Wingdings" panose="05000000000000000000" pitchFamily="2" charset="2"/>
+              <a:buChar char=""/>
+            </a:pPr>
+            <a:r>
+              <a:rPr lang="en-US" sz="1800" b="1" strike="noStrike" spc="-1">
+                <a:latin typeface="Arial" panose="020B0604020202020204"/>
+              </a:rPr>
+              <a:t>Authorization Code:</a:t>
+            </a:r>
+            <a:r>
+              <a:rPr lang="en-US" sz="1800" b="0" strike="noStrike" spc="-1">
+                <a:latin typeface="Arial" panose="020B0604020202020204"/>
+              </a:rPr>
+              <a:t> used with server-side Applications</a:t>
+            </a:r>
+            <a:endParaRPr lang="en-US" sz="1800" b="0" strike="noStrike" spc="-1">
+              <a:latin typeface="Arial" panose="020B0604020202020204"/>
+            </a:endParaRPr>
+          </a:p>
+          <a:p>
+            <a:pPr marL="215900" indent="-215900">
+              <a:lnSpc>
+                <a:spcPct val="150000"/>
+              </a:lnSpc>
+              <a:buClr>
+                <a:srgbClr val="000000"/>
+              </a:buClr>
+              <a:buSzPct val="45000"/>
+              <a:buFont typeface="Wingdings" panose="05000000000000000000" pitchFamily="2" charset="2"/>
+              <a:buChar char=""/>
+            </a:pPr>
+            <a:r>
+              <a:rPr lang="en-US" sz="1800" b="1" strike="noStrike" spc="-1">
+                <a:latin typeface="Arial" panose="020B0604020202020204"/>
+              </a:rPr>
+              <a:t>Implicit</a:t>
+            </a:r>
+            <a:r>
+              <a:rPr lang="en-US" sz="1800" b="0" strike="noStrike" spc="-1">
+                <a:latin typeface="Arial" panose="020B0604020202020204"/>
+              </a:rPr>
+              <a:t>: used with Mobile Apps or Web Applications (applications that run on the user's device)</a:t>
+            </a:r>
+            <a:endParaRPr lang="en-US" sz="1800" b="0" strike="noStrike" spc="-1">
+              <a:latin typeface="Arial" panose="020B0604020202020204"/>
+            </a:endParaRPr>
+          </a:p>
+          <a:p>
+            <a:pPr marL="215900" indent="-215900">
+              <a:lnSpc>
+                <a:spcPct val="150000"/>
+              </a:lnSpc>
+              <a:buClr>
+                <a:srgbClr val="000000"/>
+              </a:buClr>
+              <a:buSzPct val="45000"/>
+              <a:buFont typeface="Wingdings" panose="05000000000000000000" pitchFamily="2" charset="2"/>
+              <a:buChar char=""/>
+            </a:pPr>
+            <a:r>
+              <a:rPr lang="en-US" sz="1800" b="1" strike="noStrike" spc="-1">
+                <a:latin typeface="Arial" panose="020B0604020202020204"/>
+              </a:rPr>
+              <a:t>Resource Owner Password Credentials</a:t>
+            </a:r>
+            <a:r>
+              <a:rPr lang="en-US" sz="1800" b="0" strike="noStrike" spc="-1">
+                <a:latin typeface="Arial" panose="020B0604020202020204"/>
+              </a:rPr>
+              <a:t>: used with trusted Applications, such as those owned by the service itself</a:t>
+            </a:r>
+            <a:endParaRPr lang="en-US" sz="1800" b="0" strike="noStrike" spc="-1">
+              <a:latin typeface="Arial" panose="020B0604020202020204"/>
+            </a:endParaRPr>
+          </a:p>
+          <a:p>
+            <a:pPr marL="215900" indent="-215900">
+              <a:lnSpc>
+                <a:spcPct val="150000"/>
+              </a:lnSpc>
+              <a:buClr>
+                <a:srgbClr val="000000"/>
+              </a:buClr>
+              <a:buSzPct val="45000"/>
+              <a:buFont typeface="Wingdings" panose="05000000000000000000" pitchFamily="2" charset="2"/>
+              <a:buChar char=""/>
+            </a:pPr>
+            <a:r>
+              <a:rPr lang="en-US" sz="1800" b="1" strike="noStrike" spc="-1">
+                <a:latin typeface="Arial" panose="020B0604020202020204"/>
+              </a:rPr>
+              <a:t>Client Credentials:</a:t>
+            </a:r>
+            <a:r>
+              <a:rPr lang="en-US" sz="1800" b="0" strike="noStrike" spc="-1">
+                <a:latin typeface="Arial" panose="020B0604020202020204"/>
+              </a:rPr>
+              <a:t> used with Applications API access</a:t>
+            </a:r>
+            <a:endParaRPr lang="en-US" sz="1800" b="0" strike="noStrike" spc="-1">
+              <a:latin typeface="Arial" panose="020B0604020202020204"/>
+            </a:endParaRPr>
+          </a:p>
+          <a:p>
+            <a:pPr marL="215900" indent="-215900">
+              <a:lnSpc>
+                <a:spcPct val="150000"/>
+              </a:lnSpc>
+              <a:buClr>
+                <a:srgbClr val="000000"/>
+              </a:buClr>
+              <a:buSzPct val="45000"/>
+              <a:buFont typeface="Wingdings" panose="05000000000000000000" pitchFamily="2" charset="2"/>
+              <a:buChar char=""/>
+            </a:pPr>
+            <a:endParaRPr lang="en-US" sz="1800" b="0" strike="noStrike" spc="-1">
+              <a:latin typeface="Arial" panose="020B0604020202020204"/>
+            </a:endParaRPr>
+          </a:p>
+          <a:p>
+            <a:pPr marL="215900" indent="-215900">
+              <a:lnSpc>
+                <a:spcPct val="150000"/>
+              </a:lnSpc>
+              <a:buClr>
+                <a:srgbClr val="000000"/>
+              </a:buClr>
+              <a:buSzPct val="45000"/>
+              <a:buFont typeface="Wingdings" panose="05000000000000000000" pitchFamily="2" charset="2"/>
+              <a:buChar char=""/>
+            </a:pPr>
+            <a:r>
+              <a:rPr lang="en-US" sz="1800" b="0" i="1" strike="noStrike" spc="-1">
+                <a:latin typeface="Arial" panose="020B0604020202020204"/>
+              </a:rPr>
+              <a:t>Link: https://www.devglan.com/spring-security/spring-boot-oauth2-angular</a:t>
+            </a:r>
+            <a:endParaRPr lang="en-US" sz="1800" b="0" strike="noStrike" spc="-1">
+              <a:latin typeface="Arial" panose="020B0604020202020204"/>
+            </a:endParaRPr>
+          </a:p>
+        </p:txBody>
+      </p:sp>
+    </p:spTree>
+  </p:cSld>
+  <p:clrMapOvr>
+    <a:masterClrMapping/>
+  </p:clrMapOvr>
+  <mc:AlternateContent xmlns:mc="http://schemas.openxmlformats.org/markup-compatibility/2006">
+    <mc:Choice xmlns:p14="http://schemas.microsoft.com/office/powerpoint/2010/main" Requires="p14">
+      <p:transition spd="slow" p14:dur="2000"/>
+    </mc:Choice>
+    <mc:Fallback>
+      <p:transition spd="slow"/>
+    </mc:Fallback>
+  </mc:AlternateContent>
+</p:sld>
+</file>
+
+<file path=ppt/slides/slide25.xml><?xml version="1.0" encoding="utf-8"?>
+<p:sld xmlns:a="http://schemas.openxmlformats.org/drawingml/2006/main" xmlns:r="http://schemas.openxmlformats.org/officeDocument/2006/relationships" xmlns:p="http://schemas.openxmlformats.org/presentationml/2006/main">
+  <p:cSld>
+    <p:spTree>
+      <p:nvGrpSpPr>
+        <p:cNvPr id="1" name=""/>
+        <p:cNvGrpSpPr/>
+        <p:nvPr/>
+      </p:nvGrpSpPr>
+      <p:grpSpPr>
+        <a:xfrm>
+          <a:off x="0" y="0"/>
+          <a:ext cx="0" cy="0"/>
+          <a:chOff x="0" y="0"/>
+          <a:chExt cx="0" cy="0"/>
+        </a:xfrm>
+      </p:grpSpPr>
+      <p:sp>
+        <p:nvSpPr>
+          <p:cNvPr id="83" name="TextShape 1"/>
+          <p:cNvSpPr txBox="1"/>
+          <p:nvPr/>
+        </p:nvSpPr>
+        <p:spPr>
+          <a:xfrm>
+            <a:off x="504000" y="301320"/>
+            <a:ext cx="9071640" cy="1262160"/>
+          </a:xfrm>
+          <a:prstGeom prst="rect">
+            <a:avLst/>
+          </a:prstGeom>
+          <a:noFill/>
+          <a:ln>
+            <a:noFill/>
+          </a:ln>
+        </p:spPr>
+        <p:txBody>
+          <a:bodyPr lIns="0" tIns="0" rIns="0" bIns="0" anchor="ctr">
+            <a:spAutoFit/>
+          </a:bodyPr>
+          <a:p>
+            <a:pPr algn="ctr"/>
+            <a:r>
+              <a:rPr lang="en-US" sz="4400" b="1" strike="noStrike" spc="-1">
+                <a:latin typeface="Arial" panose="020B0604020202020204"/>
+              </a:rPr>
+              <a:t>JMS - ActiveMQ</a:t>
+            </a:r>
+            <a:endParaRPr lang="en-US" sz="4400" b="0" strike="noStrike" spc="-1">
+              <a:latin typeface="Arial" panose="020B0604020202020204"/>
+            </a:endParaRPr>
+          </a:p>
+        </p:txBody>
+      </p:sp>
+      <p:sp>
+        <p:nvSpPr>
+          <p:cNvPr id="84" name="TextShape 2"/>
+          <p:cNvSpPr txBox="1"/>
+          <p:nvPr/>
+        </p:nvSpPr>
+        <p:spPr>
+          <a:xfrm>
+            <a:off x="594720" y="1645920"/>
+            <a:ext cx="9006480" cy="4389120"/>
+          </a:xfrm>
+          <a:prstGeom prst="rect">
+            <a:avLst/>
+          </a:prstGeom>
+          <a:noFill/>
+          <a:ln>
+            <a:noFill/>
+          </a:ln>
+        </p:spPr>
+        <p:txBody>
+          <a:bodyPr lIns="90000" tIns="45000" rIns="90000" bIns="45000">
+            <a:spAutoFit/>
+          </a:bodyPr>
+          <a:p>
+            <a:pPr>
+              <a:lnSpc>
+                <a:spcPct val="150000"/>
+              </a:lnSpc>
+            </a:pPr>
+            <a:r>
+              <a:rPr lang="en-US" sz="1800" b="1" strike="noStrike" spc="-1">
+                <a:latin typeface="Arial" panose="020B0604020202020204"/>
+              </a:rPr>
+              <a:t>JMS?</a:t>
+            </a:r>
+            <a:endParaRPr lang="en-US" sz="1800" b="0" strike="noStrike" spc="-1">
+              <a:latin typeface="Arial" panose="020B0604020202020204"/>
+            </a:endParaRPr>
+          </a:p>
+          <a:p>
+            <a:pPr>
+              <a:lnSpc>
+                <a:spcPct val="150000"/>
+              </a:lnSpc>
+            </a:pPr>
+            <a:r>
+              <a:rPr lang="en-US" sz="1800" b="0" strike="noStrike" spc="-1">
+                <a:latin typeface="Arial" panose="020B0604020202020204"/>
+              </a:rPr>
+              <a:t>Java Message Service (JMS) API là một phần của kỹ thuật Java Enterprice Edition (JEE). JMS là tất cả những gì thuộc về việc gửi và nhận tin giữa hai hay nhiều client.- Nó là một đặc điểm kỹ thuật mô tả một phương thức tạo bởi trương trình Java cho việc tạo, gửi và nhận tin nhắn.- JMS API cho phép lới lỏng việc liên kết thông tin, và gửi tin một cách bất đồng bộ</a:t>
+            </a:r>
+            <a:endParaRPr lang="en-US" sz="1800" b="0" strike="noStrike" spc="-1">
+              <a:latin typeface="Arial" panose="020B0604020202020204"/>
+            </a:endParaRPr>
+          </a:p>
+          <a:p>
+            <a:pPr>
+              <a:lnSpc>
+                <a:spcPct val="150000"/>
+              </a:lnSpc>
+            </a:pPr>
+            <a:endParaRPr lang="en-US" sz="1800" b="0" strike="noStrike" spc="-1">
+              <a:latin typeface="Arial" panose="020B0604020202020204"/>
+            </a:endParaRPr>
+          </a:p>
+        </p:txBody>
+      </p:sp>
+    </p:spTree>
+  </p:cSld>
+  <p:clrMapOvr>
+    <a:masterClrMapping/>
+  </p:clrMapOvr>
+  <mc:AlternateContent xmlns:mc="http://schemas.openxmlformats.org/markup-compatibility/2006">
+    <mc:Choice xmlns:p14="http://schemas.microsoft.com/office/powerpoint/2010/main" Requires="p14">
+      <p:transition spd="slow" p14:dur="2000"/>
+    </mc:Choice>
+    <mc:Fallback>
+      <p:transition spd="slow"/>
+    </mc:Fallback>
+  </mc:AlternateContent>
+</p:sld>
+</file>
+
+<file path=ppt/slides/slide26.xml><?xml version="1.0" encoding="utf-8"?>
+<p:sld xmlns:a="http://schemas.openxmlformats.org/drawingml/2006/main" xmlns:r="http://schemas.openxmlformats.org/officeDocument/2006/relationships" xmlns:p="http://schemas.openxmlformats.org/presentationml/2006/main">
+  <p:cSld>
+    <p:spTree>
+      <p:nvGrpSpPr>
+        <p:cNvPr id="1" name=""/>
+        <p:cNvGrpSpPr/>
+        <p:nvPr/>
+      </p:nvGrpSpPr>
+      <p:grpSpPr>
+        <a:xfrm>
+          <a:off x="0" y="0"/>
+          <a:ext cx="0" cy="0"/>
+          <a:chOff x="0" y="0"/>
+          <a:chExt cx="0" cy="0"/>
+        </a:xfrm>
+      </p:grpSpPr>
+      <p:sp>
+        <p:nvSpPr>
+          <p:cNvPr id="85" name="TextShape 1"/>
+          <p:cNvSpPr txBox="1"/>
+          <p:nvPr/>
+        </p:nvSpPr>
+        <p:spPr>
+          <a:xfrm>
+            <a:off x="504000" y="301320"/>
+            <a:ext cx="9071640" cy="1262160"/>
+          </a:xfrm>
+          <a:prstGeom prst="rect">
+            <a:avLst/>
+          </a:prstGeom>
+          <a:noFill/>
+          <a:ln>
+            <a:noFill/>
+          </a:ln>
+        </p:spPr>
+        <p:txBody>
+          <a:bodyPr lIns="0" tIns="0" rIns="0" bIns="0" anchor="ctr">
+            <a:spAutoFit/>
+          </a:bodyPr>
+          <a:p>
+            <a:pPr algn="ctr"/>
+            <a:r>
+              <a:rPr lang="en-US" sz="4400" b="1" strike="noStrike" spc="-1">
+                <a:latin typeface="Arial" panose="020B0604020202020204"/>
+              </a:rPr>
+              <a:t>JMS - ActiveMQ</a:t>
+            </a:r>
+            <a:endParaRPr lang="en-US" sz="4400" b="0" strike="noStrike" spc="-1">
+              <a:latin typeface="Arial" panose="020B0604020202020204"/>
+            </a:endParaRPr>
+          </a:p>
+        </p:txBody>
+      </p:sp>
+      <p:sp>
+        <p:nvSpPr>
+          <p:cNvPr id="86" name="TextShape 2"/>
+          <p:cNvSpPr txBox="1"/>
+          <p:nvPr/>
+        </p:nvSpPr>
+        <p:spPr>
+          <a:xfrm>
+            <a:off x="594720" y="1645920"/>
+            <a:ext cx="9006480" cy="4389120"/>
+          </a:xfrm>
+          <a:prstGeom prst="rect">
+            <a:avLst/>
+          </a:prstGeom>
+          <a:noFill/>
+          <a:ln>
+            <a:noFill/>
+          </a:ln>
+        </p:spPr>
+        <p:txBody>
+          <a:bodyPr lIns="90000" tIns="45000" rIns="90000" bIns="45000">
+            <a:spAutoFit/>
+          </a:bodyPr>
+          <a:p>
+            <a:pPr>
+              <a:lnSpc>
+                <a:spcPct val="150000"/>
+              </a:lnSpc>
+            </a:pPr>
+            <a:r>
+              <a:rPr lang="en-US" sz="1800" b="1" strike="noStrike" spc="-1">
+                <a:latin typeface="Arial" panose="020B0604020202020204"/>
+              </a:rPr>
+              <a:t>Kiến trúc</a:t>
+            </a:r>
+            <a:endParaRPr lang="en-US" sz="1800" b="0" strike="noStrike" spc="-1">
+              <a:latin typeface="Arial" panose="020B0604020202020204"/>
+            </a:endParaRPr>
+          </a:p>
+          <a:p>
+            <a:pPr>
+              <a:lnSpc>
+                <a:spcPct val="150000"/>
+              </a:lnSpc>
+            </a:pPr>
+            <a:endParaRPr lang="en-US" sz="1800" b="0" strike="noStrike" spc="-1">
+              <a:latin typeface="Arial" panose="020B0604020202020204"/>
+            </a:endParaRPr>
+          </a:p>
+          <a:p>
+            <a:pPr>
+              <a:lnSpc>
+                <a:spcPct val="150000"/>
+              </a:lnSpc>
+            </a:pPr>
+            <a:endParaRPr lang="en-US" sz="1800" b="0" strike="noStrike" spc="-1">
+              <a:latin typeface="Arial" panose="020B0604020202020204"/>
+            </a:endParaRPr>
+          </a:p>
+        </p:txBody>
+      </p:sp>
+      <p:pic>
+        <p:nvPicPr>
+          <p:cNvPr id="87" name="Picture 86"/>
+          <p:cNvPicPr/>
+          <p:nvPr/>
+        </p:nvPicPr>
+        <p:blipFill>
+          <a:blip r:embed="rId1"/>
+          <a:stretch>
+            <a:fillRect/>
+          </a:stretch>
+        </p:blipFill>
+        <p:spPr>
+          <a:xfrm>
+            <a:off x="1280160" y="2151000"/>
+            <a:ext cx="7857720" cy="4524120"/>
+          </a:xfrm>
+          <a:prstGeom prst="rect">
+            <a:avLst/>
+          </a:prstGeom>
+          <a:ln>
+            <a:noFill/>
+          </a:ln>
+        </p:spPr>
+      </p:pic>
+    </p:spTree>
+  </p:cSld>
+  <p:clrMapOvr>
+    <a:masterClrMapping/>
+  </p:clrMapOvr>
+  <mc:AlternateContent xmlns:mc="http://schemas.openxmlformats.org/markup-compatibility/2006">
+    <mc:Choice xmlns:p14="http://schemas.microsoft.com/office/powerpoint/2010/main" Requires="p14">
+      <p:transition spd="slow" p14:dur="2000"/>
+    </mc:Choice>
+    <mc:Fallback>
+      <p:transition spd="slow"/>
+    </mc:Fallback>
+  </mc:AlternateContent>
+</p:sld>
+</file>
+
+<file path=ppt/slides/slide27.xml><?xml version="1.0" encoding="utf-8"?>
+<p:sld xmlns:a="http://schemas.openxmlformats.org/drawingml/2006/main" xmlns:r="http://schemas.openxmlformats.org/officeDocument/2006/relationships" xmlns:p="http://schemas.openxmlformats.org/presentationml/2006/main">
+  <p:cSld>
+    <p:spTree>
+      <p:nvGrpSpPr>
+        <p:cNvPr id="1" name=""/>
+        <p:cNvGrpSpPr/>
+        <p:nvPr/>
+      </p:nvGrpSpPr>
+      <p:grpSpPr>
+        <a:xfrm>
+          <a:off x="0" y="0"/>
+          <a:ext cx="0" cy="0"/>
+          <a:chOff x="0" y="0"/>
+          <a:chExt cx="0" cy="0"/>
+        </a:xfrm>
+      </p:grpSpPr>
+      <p:sp>
+        <p:nvSpPr>
+          <p:cNvPr id="88" name="TextShape 1"/>
+          <p:cNvSpPr txBox="1"/>
+          <p:nvPr/>
+        </p:nvSpPr>
+        <p:spPr>
+          <a:xfrm>
+            <a:off x="504000" y="301320"/>
+            <a:ext cx="9071640" cy="1262160"/>
+          </a:xfrm>
+          <a:prstGeom prst="rect">
+            <a:avLst/>
+          </a:prstGeom>
+          <a:noFill/>
+          <a:ln>
+            <a:noFill/>
+          </a:ln>
+        </p:spPr>
+        <p:txBody>
+          <a:bodyPr lIns="0" tIns="0" rIns="0" bIns="0" anchor="ctr">
+            <a:spAutoFit/>
+          </a:bodyPr>
+          <a:p>
+            <a:pPr algn="ctr"/>
+            <a:r>
+              <a:rPr lang="en-US" sz="4400" b="1" strike="noStrike" spc="-1">
+                <a:latin typeface="Arial" panose="020B0604020202020204"/>
+              </a:rPr>
+              <a:t>JMS - ActiveMQ</a:t>
+            </a:r>
+            <a:endParaRPr lang="en-US" sz="4400" b="0" strike="noStrike" spc="-1">
+              <a:latin typeface="Arial" panose="020B0604020202020204"/>
+            </a:endParaRPr>
+          </a:p>
+        </p:txBody>
+      </p:sp>
+      <p:sp>
+        <p:nvSpPr>
+          <p:cNvPr id="89" name="TextShape 2"/>
+          <p:cNvSpPr txBox="1"/>
+          <p:nvPr/>
+        </p:nvSpPr>
+        <p:spPr>
+          <a:xfrm>
+            <a:off x="594720" y="1645920"/>
+            <a:ext cx="9006480" cy="5846760"/>
+          </a:xfrm>
+          <a:prstGeom prst="rect">
+            <a:avLst/>
+          </a:prstGeom>
+          <a:noFill/>
+          <a:ln>
+            <a:noFill/>
+          </a:ln>
+        </p:spPr>
+        <p:txBody>
+          <a:bodyPr lIns="90000" tIns="45000" rIns="90000" bIns="45000">
+            <a:spAutoFit/>
+          </a:bodyPr>
+          <a:p>
+            <a:pPr>
+              <a:lnSpc>
+                <a:spcPct val="150000"/>
+              </a:lnSpc>
+            </a:pPr>
+            <a:r>
+              <a:rPr lang="en-US" sz="1800" b="1" strike="noStrike" spc="-1">
+                <a:latin typeface="Arial" panose="020B0604020202020204"/>
+              </a:rPr>
+              <a:t>Bao gồm các thành phần:</a:t>
+            </a:r>
+            <a:endParaRPr lang="en-US" sz="1800" b="0" strike="noStrike" spc="-1">
+              <a:latin typeface="Arial" panose="020B0604020202020204"/>
+            </a:endParaRPr>
+          </a:p>
+          <a:p>
+            <a:pPr>
+              <a:lnSpc>
+                <a:spcPct val="150000"/>
+              </a:lnSpc>
+            </a:pPr>
+            <a:r>
+              <a:rPr lang="en-US" sz="1800" b="1" strike="noStrike" spc="-1">
+                <a:latin typeface="Arial" panose="020B0604020202020204"/>
+              </a:rPr>
+              <a:t>Producer/Publisher:</a:t>
+            </a:r>
+            <a:r>
+              <a:rPr lang="en-US" sz="1800" b="0" strike="noStrike" spc="-1">
+                <a:latin typeface="Arial" panose="020B0604020202020204"/>
+              </a:rPr>
+              <a:t> Thành phần tạo và gửi tin Broker trung gian hay Message Oriented Middleware (MOM)</a:t>
+            </a:r>
+            <a:endParaRPr lang="en-US" sz="1800" b="0" strike="noStrike" spc="-1">
+              <a:latin typeface="Arial" panose="020B0604020202020204"/>
+            </a:endParaRPr>
+          </a:p>
+          <a:p>
+            <a:pPr>
+              <a:lnSpc>
+                <a:spcPct val="150000"/>
+              </a:lnSpc>
+            </a:pPr>
+            <a:r>
+              <a:rPr lang="en-US" sz="1800" b="1" strike="noStrike" spc="-1">
+                <a:latin typeface="Arial" panose="020B0604020202020204"/>
+              </a:rPr>
+              <a:t>Consumer/Subcriber:</a:t>
+            </a:r>
+            <a:r>
+              <a:rPr lang="en-US" sz="1800" b="0" strike="noStrike" spc="-1">
+                <a:latin typeface="Arial" panose="020B0604020202020204"/>
+              </a:rPr>
+              <a:t> Thành phần nhận tinProducer và Consumer là những ứng dụng Java. </a:t>
+            </a:r>
+            <a:endParaRPr lang="en-US" sz="1800" b="0" strike="noStrike" spc="-1">
+              <a:latin typeface="Arial" panose="020B0604020202020204"/>
+            </a:endParaRPr>
+          </a:p>
+          <a:p>
+            <a:pPr>
+              <a:lnSpc>
+                <a:spcPct val="150000"/>
+              </a:lnSpc>
+            </a:pPr>
+            <a:r>
+              <a:rPr lang="en-US" sz="1800" b="0" strike="noStrike" spc="-1">
+                <a:latin typeface="Arial" panose="020B0604020202020204"/>
+              </a:rPr>
+              <a:t>Còn MOM là ứng dụng trung gian.</a:t>
+            </a:r>
+            <a:endParaRPr lang="en-US" sz="1800" b="0" strike="noStrike" spc="-1">
+              <a:latin typeface="Arial" panose="020B0604020202020204"/>
+            </a:endParaRPr>
+          </a:p>
+          <a:p>
+            <a:pPr>
+              <a:lnSpc>
+                <a:spcPct val="150000"/>
+              </a:lnSpc>
+            </a:pPr>
+            <a:r>
+              <a:rPr lang="en-US" sz="1800" b="0" strike="noStrike" spc="-1">
+                <a:latin typeface="Arial" panose="020B0604020202020204"/>
+              </a:rPr>
+              <a:t>Một số MOM tiêu biểu:</a:t>
+            </a:r>
+            <a:endParaRPr lang="en-US" sz="1800" b="0" strike="noStrike" spc="-1">
+              <a:latin typeface="Arial" panose="020B0604020202020204"/>
+            </a:endParaRPr>
+          </a:p>
+          <a:p>
+            <a:pPr marL="215900" indent="-215900">
+              <a:lnSpc>
+                <a:spcPct val="150000"/>
+              </a:lnSpc>
+              <a:buClr>
+                <a:srgbClr val="000000"/>
+              </a:buClr>
+              <a:buSzPct val="45000"/>
+              <a:buFont typeface="Wingdings" panose="05000000000000000000" pitchFamily="2" charset="2"/>
+              <a:buChar char=""/>
+            </a:pPr>
+            <a:r>
+              <a:rPr lang="en-US" sz="1800" b="0" strike="noStrike" spc="-1">
+                <a:latin typeface="Arial" panose="020B0604020202020204"/>
+              </a:rPr>
+              <a:t>Weblogic -	Oracle</a:t>
+            </a:r>
+            <a:endParaRPr lang="en-US" sz="1800" b="0" strike="noStrike" spc="-1">
+              <a:latin typeface="Arial" panose="020B0604020202020204"/>
+            </a:endParaRPr>
+          </a:p>
+          <a:p>
+            <a:pPr marL="215900" indent="-215900">
+              <a:lnSpc>
+                <a:spcPct val="150000"/>
+              </a:lnSpc>
+              <a:buClr>
+                <a:srgbClr val="000000"/>
+              </a:buClr>
+              <a:buSzPct val="45000"/>
+              <a:buFont typeface="Wingdings" panose="05000000000000000000" pitchFamily="2" charset="2"/>
+              <a:buChar char=""/>
+            </a:pPr>
+            <a:r>
+              <a:rPr lang="en-US" sz="1800" b="0" strike="noStrike" spc="-1">
+                <a:latin typeface="Arial" panose="020B0604020202020204"/>
+              </a:rPr>
+              <a:t>MQSeries	- IBM</a:t>
+            </a:r>
+            <a:endParaRPr lang="en-US" sz="1800" b="0" strike="noStrike" spc="-1">
+              <a:latin typeface="Arial" panose="020B0604020202020204"/>
+            </a:endParaRPr>
+          </a:p>
+          <a:p>
+            <a:pPr marL="215900" indent="-215900">
+              <a:lnSpc>
+                <a:spcPct val="150000"/>
+              </a:lnSpc>
+              <a:buClr>
+                <a:srgbClr val="000000"/>
+              </a:buClr>
+              <a:buSzPct val="45000"/>
+              <a:buFont typeface="Wingdings" panose="05000000000000000000" pitchFamily="2" charset="2"/>
+              <a:buChar char=""/>
+            </a:pPr>
+            <a:r>
+              <a:rPr lang="en-US" sz="1800" b="0" strike="noStrike" spc="-1">
+                <a:latin typeface="Arial" panose="020B0604020202020204"/>
+              </a:rPr>
+              <a:t>JBOSSMQ	- JBOSS</a:t>
+            </a:r>
+            <a:endParaRPr lang="en-US" sz="1800" b="0" strike="noStrike" spc="-1">
+              <a:latin typeface="Arial" panose="020B0604020202020204"/>
+            </a:endParaRPr>
+          </a:p>
+          <a:p>
+            <a:pPr marL="215900" indent="-215900">
+              <a:lnSpc>
+                <a:spcPct val="150000"/>
+              </a:lnSpc>
+              <a:buClr>
+                <a:srgbClr val="000000"/>
+              </a:buClr>
+              <a:buSzPct val="45000"/>
+              <a:buFont typeface="Wingdings" panose="05000000000000000000" pitchFamily="2" charset="2"/>
+              <a:buChar char=""/>
+            </a:pPr>
+            <a:r>
+              <a:rPr lang="en-US" sz="1800" b="0" strike="noStrike" spc="-1">
+                <a:latin typeface="Arial" panose="020B0604020202020204"/>
+              </a:rPr>
+              <a:t>SonigMQ	- Progress</a:t>
+            </a:r>
+            <a:endParaRPr lang="en-US" sz="1800" b="0" strike="noStrike" spc="-1">
+              <a:latin typeface="Arial" panose="020B0604020202020204"/>
+            </a:endParaRPr>
+          </a:p>
+          <a:p>
+            <a:pPr marL="215900" indent="-215900">
+              <a:lnSpc>
+                <a:spcPct val="150000"/>
+              </a:lnSpc>
+              <a:buClr>
+                <a:srgbClr val="000000"/>
+              </a:buClr>
+              <a:buSzPct val="45000"/>
+              <a:buFont typeface="Wingdings" panose="05000000000000000000" pitchFamily="2" charset="2"/>
+              <a:buChar char=""/>
+            </a:pPr>
+            <a:r>
+              <a:rPr lang="en-US" sz="1800" b="0" strike="noStrike" spc="-1">
+                <a:latin typeface="Arial" panose="020B0604020202020204"/>
+              </a:rPr>
+              <a:t>TIBCO EMS	- TIBCO</a:t>
+            </a:r>
+            <a:endParaRPr lang="en-US" sz="1800" b="0" strike="noStrike" spc="-1">
+              <a:latin typeface="Arial" panose="020B0604020202020204"/>
+            </a:endParaRPr>
+          </a:p>
+          <a:p>
+            <a:pPr marL="215900" indent="-215900">
+              <a:lnSpc>
+                <a:spcPct val="150000"/>
+              </a:lnSpc>
+              <a:buClr>
+                <a:srgbClr val="000000"/>
+              </a:buClr>
+              <a:buSzPct val="45000"/>
+              <a:buFont typeface="Wingdings" panose="05000000000000000000" pitchFamily="2" charset="2"/>
+              <a:buChar char=""/>
+            </a:pPr>
+            <a:r>
+              <a:rPr lang="en-US" sz="1800" b="0" strike="noStrike" spc="-1">
+                <a:latin typeface="Arial" panose="020B0604020202020204"/>
+              </a:rPr>
+              <a:t>ActiveMQ	- Apache</a:t>
+            </a:r>
+            <a:endParaRPr lang="en-US" sz="1800" b="0" strike="noStrike" spc="-1">
+              <a:latin typeface="Arial" panose="020B0604020202020204"/>
+            </a:endParaRPr>
+          </a:p>
+          <a:p>
+            <a:pPr>
+              <a:lnSpc>
+                <a:spcPct val="150000"/>
+              </a:lnSpc>
+            </a:pPr>
+            <a:endParaRPr lang="en-US" sz="1800" b="0" strike="noStrike" spc="-1">
+              <a:latin typeface="Arial" panose="020B0604020202020204"/>
+            </a:endParaRPr>
+          </a:p>
+          <a:p>
+            <a:pPr>
+              <a:lnSpc>
+                <a:spcPct val="150000"/>
+              </a:lnSpc>
+            </a:pPr>
+            <a:endParaRPr lang="en-US" sz="1800" b="0" strike="noStrike" spc="-1">
+              <a:latin typeface="Arial" panose="020B0604020202020204"/>
+            </a:endParaRPr>
+          </a:p>
+        </p:txBody>
+      </p:sp>
+    </p:spTree>
+  </p:cSld>
+  <p:clrMapOvr>
+    <a:masterClrMapping/>
+  </p:clrMapOvr>
+  <mc:AlternateContent xmlns:mc="http://schemas.openxmlformats.org/markup-compatibility/2006">
+    <mc:Choice xmlns:p14="http://schemas.microsoft.com/office/powerpoint/2010/main" Requires="p14">
+      <p:transition spd="slow" p14:dur="2000"/>
+    </mc:Choice>
+    <mc:Fallback>
+      <p:transition spd="slow"/>
+    </mc:Fallback>
+  </mc:AlternateContent>
+</p:sld>
+</file>
+
+<file path=ppt/slides/slide28.xml><?xml version="1.0" encoding="utf-8"?>
+<p:sld xmlns:a="http://schemas.openxmlformats.org/drawingml/2006/main" xmlns:r="http://schemas.openxmlformats.org/officeDocument/2006/relationships" xmlns:p="http://schemas.openxmlformats.org/presentationml/2006/main">
+  <p:cSld>
+    <p:spTree>
+      <p:nvGrpSpPr>
+        <p:cNvPr id="1" name=""/>
+        <p:cNvGrpSpPr/>
+        <p:nvPr/>
+      </p:nvGrpSpPr>
+      <p:grpSpPr>
+        <a:xfrm>
+          <a:off x="0" y="0"/>
+          <a:ext cx="0" cy="0"/>
+          <a:chOff x="0" y="0"/>
+          <a:chExt cx="0" cy="0"/>
+        </a:xfrm>
+      </p:grpSpPr>
+      <p:sp>
+        <p:nvSpPr>
           <p:cNvPr id="90" name="TextShape 1"/>
           <p:cNvSpPr txBox="1"/>
           <p:nvPr/>
@@ -4686,14 +6025,14 @@
       </p:grpSpPr>
       <p:sp>
         <p:nvSpPr>
-          <p:cNvPr id="45" name="TextShape 1"/>
+          <p:cNvPr id="41" name="TextShape 1"/>
           <p:cNvSpPr txBox="1"/>
           <p:nvPr/>
         </p:nvSpPr>
         <p:spPr>
           <a:xfrm>
-            <a:off x="504000" y="301320"/>
-            <a:ext cx="9071640" cy="1262160"/>
+            <a:off x="504000" y="615535"/>
+            <a:ext cx="9071640" cy="676910"/>
           </a:xfrm>
           <a:prstGeom prst="rect">
             <a:avLst/>
@@ -4713,7 +6052,7 @@
               <a:rPr lang="en-US" sz="4400" b="0" strike="noStrike" spc="-1">
                 <a:latin typeface="Arial" panose="020B0604020202020204"/>
               </a:rPr>
-              <a:t>@Component </a:t>
+              <a:t>Overview</a:t>
             </a:r>
             <a:endParaRPr lang="en-US" sz="4400" b="0" strike="noStrike" spc="-1">
               <a:latin typeface="Arial" panose="020B0604020202020204"/>
@@ -4721,56 +6060,99 @@
           </a:p>
         </p:txBody>
       </p:sp>
-      <p:pic>
-        <p:nvPicPr>
-          <p:cNvPr id="46" name="Picture 45"/>
-          <p:cNvPicPr/>
+      <p:sp>
+        <p:nvSpPr>
+          <p:cNvPr id="3" name="Text Box 2"/>
+          <p:cNvSpPr txBox="1"/>
           <p:nvPr/>
-        </p:nvPicPr>
-        <p:blipFill>
-          <a:blip r:embed="rId1"/>
-          <a:stretch>
-            <a:fillRect/>
-          </a:stretch>
-        </p:blipFill>
-        <p:spPr>
-          <a:xfrm>
-            <a:off x="731520" y="1661400"/>
-            <a:ext cx="8747280" cy="2361960"/>
-          </a:xfrm>
-          <a:prstGeom prst="rect">
-            <a:avLst/>
-          </a:prstGeom>
-          <a:ln>
-            <a:noFill/>
-          </a:ln>
-        </p:spPr>
-      </p:pic>
-      <p:pic>
-        <p:nvPicPr>
-          <p:cNvPr id="47" name="Picture 46"/>
-          <p:cNvPicPr/>
-          <p:nvPr/>
-        </p:nvPicPr>
-        <p:blipFill>
-          <a:blip r:embed="rId2"/>
-          <a:stretch>
-            <a:fillRect/>
-          </a:stretch>
-        </p:blipFill>
-        <p:spPr>
-          <a:xfrm>
-            <a:off x="1494000" y="4206240"/>
-            <a:ext cx="7467120" cy="2781000"/>
-          </a:xfrm>
-          <a:prstGeom prst="rect">
-            <a:avLst/>
-          </a:prstGeom>
-          <a:ln>
-            <a:noFill/>
-          </a:ln>
-        </p:spPr>
-      </p:pic>
+        </p:nvSpPr>
+        <p:spPr>
+          <a:xfrm>
+            <a:off x="1295400" y="1763395"/>
+            <a:ext cx="7798435" cy="4769485"/>
+          </a:xfrm>
+          <a:prstGeom prst="rect">
+            <a:avLst/>
+          </a:prstGeom>
+          <a:noFill/>
+        </p:spPr>
+        <p:txBody>
+          <a:bodyPr wrap="square" rtlCol="0" anchor="t">
+            <a:spAutoFit/>
+          </a:bodyPr>
+          <a:p>
+            <a:r>
+              <a:rPr lang="en-US" sz="1600" b="1"/>
+              <a:t>Spring là gì?</a:t>
+            </a:r>
+            <a:endParaRPr lang="en-US" sz="1600" b="1"/>
+          </a:p>
+          <a:p>
+            <a:r>
+              <a:rPr lang="en-US" sz="1600"/>
+              <a:t>Spring là một open source framework dành cho Java Enterprise. Core feature của Spring có thể dùng để xây dựng bất cứ Java application nào, các extensions của Spring có thể được sử dụng cho việc xây dựng web application trên nền tảng Java EE. Spring framework cũng hướng tới mục tiêu làm cho việc phát triển các ứng dụng trên nền tảng Java EE dễ dàng hơn và thúc đẩy việc lập trình tốt hơn bằng model POJO-based.</a:t>
+            </a:r>
+            <a:endParaRPr lang="en-US" sz="1600"/>
+          </a:p>
+          <a:p>
+            <a:endParaRPr lang="en-US" sz="1600"/>
+          </a:p>
+          <a:p>
+            <a:r>
+              <a:rPr lang="en-US" sz="1600" b="1"/>
+              <a:t>Lợi ích mà Spring framework mang lại</a:t>
+            </a:r>
+            <a:endParaRPr lang="en-US" sz="1600" b="1"/>
+          </a:p>
+          <a:p>
+            <a:r>
+              <a:rPr lang="en-US" sz="1600"/>
+              <a:t>Spring framwork mang lại cho chúng ta sự gọn nhẹ (</a:t>
+            </a:r>
+            <a:r>
+              <a:rPr lang="en-US" sz="1600" b="1"/>
+              <a:t>lightweight</a:t>
+            </a:r>
+            <a:r>
+              <a:rPr lang="en-US" sz="1600"/>
+              <a:t>), sử dụng Inversion of control (</a:t>
+            </a:r>
+            <a:r>
+              <a:rPr lang="en-US" sz="1600" b="1"/>
+              <a:t>IoC</a:t>
+            </a:r>
+            <a:r>
+              <a:rPr lang="en-US" sz="1600"/>
+              <a:t>) để giúp loose coupling, sử dụng Aspect oriented programming để tách biệt các thành phần business, có container nới quản lý tất cả life cycle và config của các object trong application, phát triển ứng dụng đơn giản với MVC, có transaction management, cung cấp các API tiện lợi cho việc handling exception.</a:t>
+            </a:r>
+            <a:endParaRPr lang="en-US" sz="1600"/>
+          </a:p>
+          <a:p>
+            <a:endParaRPr lang="en-US" sz="1600"/>
+          </a:p>
+          <a:p>
+            <a:r>
+              <a:rPr lang="en-US" sz="1600" b="1"/>
+              <a:t>SpringBoot là gì?</a:t>
+            </a:r>
+            <a:endParaRPr lang="en-US" sz="1600" b="1"/>
+          </a:p>
+          <a:p>
+            <a:r>
+              <a:rPr lang="en-US" sz="1600"/>
+              <a:t>SpringBoot về cơ bản là một phần mở rộng của Spring framework đã loại bỏ các cấu hình được viết sẵn cần thiết để cài đặt một ứng dụng Spring.</a:t>
+            </a:r>
+            <a:endParaRPr lang="en-US" sz="1600"/>
+          </a:p>
+          <a:p>
+            <a:r>
+              <a:rPr lang="en-US" sz="1600"/>
+              <a:t>Spring Boot Framework được sử dụng rộng rãi để phát triển các REST APIs.</a:t>
+            </a:r>
+            <a:endParaRPr lang="en-US" sz="1600"/>
+          </a:p>
+        </p:txBody>
+      </p:sp>
     </p:spTree>
   </p:cSld>
   <p:clrMapOvr>
@@ -4806,14 +6188,14 @@
       </p:grpSpPr>
       <p:sp>
         <p:nvSpPr>
-          <p:cNvPr id="48" name="TextShape 1"/>
+          <p:cNvPr id="41" name="TextShape 1"/>
           <p:cNvSpPr txBox="1"/>
           <p:nvPr/>
         </p:nvSpPr>
         <p:spPr>
           <a:xfrm>
-            <a:off x="504000" y="301320"/>
-            <a:ext cx="9071640" cy="1262160"/>
+            <a:off x="503365" y="615535"/>
+            <a:ext cx="9071640" cy="676910"/>
           </a:xfrm>
           <a:prstGeom prst="rect">
             <a:avLst/>
@@ -4833,7 +6215,7 @@
               <a:rPr lang="en-US" sz="4400" b="0" strike="noStrike" spc="-1">
                 <a:latin typeface="Arial" panose="020B0604020202020204"/>
               </a:rPr>
-              <a:t>@Service vs @Repository </a:t>
+              <a:t>Overview</a:t>
             </a:r>
             <a:endParaRPr lang="en-US" sz="4400" b="0" strike="noStrike" spc="-1">
               <a:latin typeface="Arial" panose="020B0604020202020204"/>
@@ -4841,200 +6223,30 @@
           </a:p>
         </p:txBody>
       </p:sp>
-      <p:sp>
-        <p:nvSpPr>
-          <p:cNvPr id="49" name="TextShape 2"/>
-          <p:cNvSpPr txBox="1"/>
+      <p:pic>
+        <p:nvPicPr>
+          <p:cNvPr id="4" name="Picture 3"/>
+          <p:cNvPicPr>
+            <a:picLocks noChangeAspect="1"/>
+          </p:cNvPicPr>
           <p:nvPr/>
-        </p:nvSpPr>
-        <p:spPr>
-          <a:xfrm>
-            <a:off x="554400" y="1920240"/>
-            <a:ext cx="8498160" cy="4227480"/>
-          </a:xfrm>
-          <a:prstGeom prst="rect">
-            <a:avLst/>
-          </a:prstGeom>
-          <a:noFill/>
-          <a:ln>
-            <a:noFill/>
-          </a:ln>
-        </p:spPr>
-        <p:txBody>
-          <a:bodyPr lIns="90000" tIns="45000" rIns="90000" bIns="45000">
-            <a:spAutoFit/>
-          </a:bodyPr>
-          <a:p>
-            <a:r>
-              <a:rPr lang="en-US" sz="1800" b="0" strike="noStrike" spc="-1">
-                <a:latin typeface="Arial" panose="020B0604020202020204"/>
-              </a:rPr>
-              <a:t>Về bản chất @Service và @Repository cũng chính là @Component. Nhưng đặt tên khác nhau để giúp chúng ta phân biệt các tầng với nhau.</a:t>
-            </a:r>
-            <a:endParaRPr lang="en-US" sz="1800" b="0" strike="noStrike" spc="-1">
-              <a:latin typeface="Arial" panose="020B0604020202020204"/>
-            </a:endParaRPr>
-          </a:p>
-          <a:p>
-            <a:endParaRPr lang="en-US" sz="1800" b="0" strike="noStrike" spc="-1">
-              <a:latin typeface="Arial" panose="020B0604020202020204"/>
-            </a:endParaRPr>
-          </a:p>
-          <a:p>
-            <a:r>
-              <a:rPr lang="en-US" sz="1800" b="0" strike="noStrike" spc="-1">
-                <a:latin typeface="Arial" panose="020B0604020202020204"/>
-              </a:rPr>
-              <a:t>Trong các bài đầu tiên chúng ta đã biết @Component đánh dấu cho Spring Boot biết Class đó là Bean</a:t>
-            </a:r>
-            <a:endParaRPr lang="en-US" sz="1800" b="0" strike="noStrike" spc="-1">
-              <a:latin typeface="Arial" panose="020B0604020202020204"/>
-            </a:endParaRPr>
-          </a:p>
-          <a:p>
-            <a:endParaRPr lang="en-US" sz="1800" b="0" strike="noStrike" spc="-1">
-              <a:latin typeface="Arial" panose="020B0604020202020204"/>
-            </a:endParaRPr>
-          </a:p>
-          <a:p>
-            <a:r>
-              <a:rPr lang="en-US" sz="1800" b="0" strike="noStrike" spc="-1">
-                <a:latin typeface="Arial" panose="020B0604020202020204"/>
-              </a:rPr>
-              <a:t>Về bản chất thì bạn có thể sử dụng thay thế 3 Annotation @</a:t>
-            </a:r>
-            <a:r>
-              <a:rPr lang="en-US" sz="1800" b="1" strike="noStrike" spc="-1">
-                <a:latin typeface="Arial" panose="020B0604020202020204"/>
-              </a:rPr>
-              <a:t>Component</a:t>
-            </a:r>
-            <a:r>
-              <a:rPr lang="en-US" sz="1800" b="0" strike="noStrike" spc="-1">
-                <a:latin typeface="Arial" panose="020B0604020202020204"/>
-              </a:rPr>
-              <a:t>, @</a:t>
-            </a:r>
-            <a:r>
-              <a:rPr lang="en-US" sz="1800" b="1" strike="noStrike" spc="-1">
-                <a:latin typeface="Arial" panose="020B0604020202020204"/>
-              </a:rPr>
-              <a:t>Service</a:t>
-            </a:r>
-            <a:r>
-              <a:rPr lang="en-US" sz="1800" b="0" strike="noStrike" spc="-1">
-                <a:latin typeface="Arial" panose="020B0604020202020204"/>
-              </a:rPr>
-              <a:t> và @</a:t>
-            </a:r>
-            <a:r>
-              <a:rPr lang="en-US" sz="1800" b="1" strike="noStrike" spc="-1">
-                <a:latin typeface="Arial" panose="020B0604020202020204"/>
-              </a:rPr>
-              <a:t>Repository</a:t>
-            </a:r>
-            <a:r>
-              <a:rPr lang="en-US" sz="1800" b="0" strike="noStrike" spc="-1">
-                <a:latin typeface="Arial" panose="020B0604020202020204"/>
-              </a:rPr>
-              <a:t> cho nhau mà không ảnh hưởng gì tới code của bạn cả. Nó vẫn sẽ hoạt động.</a:t>
-            </a:r>
-            <a:endParaRPr lang="en-US" sz="1800" b="0" strike="noStrike" spc="-1">
-              <a:latin typeface="Arial" panose="020B0604020202020204"/>
-            </a:endParaRPr>
-          </a:p>
-          <a:p>
-            <a:endParaRPr lang="en-US" sz="1800" b="0" strike="noStrike" spc="-1">
-              <a:latin typeface="Arial" panose="020B0604020202020204"/>
-            </a:endParaRPr>
-          </a:p>
-          <a:p>
-            <a:r>
-              <a:rPr lang="en-US" sz="1800" b="0" strike="noStrike" spc="-1">
-                <a:latin typeface="Arial" panose="020B0604020202020204"/>
-              </a:rPr>
-              <a:t>Tuy nhiên từ góc độ thiết kế thì chúng ta cần phân rõ 3 Annotation này cho các Class đảm nhiệm đúng nhiệm vụ của nó.</a:t>
-            </a:r>
-            <a:endParaRPr lang="en-US" sz="1800" b="0" strike="noStrike" spc="-1">
-              <a:latin typeface="Arial" panose="020B0604020202020204"/>
-            </a:endParaRPr>
-          </a:p>
-          <a:p>
-            <a:endParaRPr lang="en-US" sz="1800" b="0" strike="noStrike" spc="-1">
-              <a:latin typeface="Arial" panose="020B0604020202020204"/>
-            </a:endParaRPr>
-          </a:p>
-          <a:p>
-            <a:r>
-              <a:rPr lang="en-US" sz="1800" b="0" strike="noStrike" spc="-1">
-                <a:latin typeface="Arial" panose="020B0604020202020204"/>
-              </a:rPr>
-              <a:t>@</a:t>
-            </a:r>
-            <a:r>
-              <a:rPr lang="en-US" sz="1800" b="1" strike="noStrike" spc="-1">
-                <a:latin typeface="Arial" panose="020B0604020202020204"/>
-              </a:rPr>
-              <a:t>Service</a:t>
-            </a:r>
-            <a:r>
-              <a:rPr lang="en-US" sz="1800" b="0" strike="noStrike" spc="-1">
-                <a:latin typeface="Arial" panose="020B0604020202020204"/>
-              </a:rPr>
-              <a:t> gắn cho các Bean đảm nhiệm xử lý logic</a:t>
-            </a:r>
-            <a:endParaRPr lang="en-US" sz="1800" b="0" strike="noStrike" spc="-1">
-              <a:latin typeface="Arial" panose="020B0604020202020204"/>
-            </a:endParaRPr>
-          </a:p>
-          <a:p>
-            <a:r>
-              <a:rPr lang="en-US" sz="1800" b="0" strike="noStrike" spc="-1">
-                <a:latin typeface="Arial" panose="020B0604020202020204"/>
-              </a:rPr>
-              <a:t>@</a:t>
-            </a:r>
-            <a:r>
-              <a:rPr lang="en-US" sz="1800" b="1" strike="noStrike" spc="-1">
-                <a:latin typeface="Arial" panose="020B0604020202020204"/>
-              </a:rPr>
-              <a:t>Repository</a:t>
-            </a:r>
-            <a:r>
-              <a:rPr lang="en-US" sz="1800" b="0" strike="noStrike" spc="-1">
-                <a:latin typeface="Arial" panose="020B0604020202020204"/>
-              </a:rPr>
-              <a:t> gắn cho các Bean đảm nhiệm giao tiếp với DB</a:t>
-            </a:r>
-            <a:endParaRPr lang="en-US" sz="1800" b="0" strike="noStrike" spc="-1">
-              <a:latin typeface="Arial" panose="020B0604020202020204"/>
-            </a:endParaRPr>
-          </a:p>
-          <a:p>
-            <a:r>
-              <a:rPr lang="en-US" sz="1800" b="0" strike="noStrike" spc="-1">
-                <a:latin typeface="Arial" panose="020B0604020202020204"/>
-              </a:rPr>
-              <a:t>@</a:t>
-            </a:r>
-            <a:r>
-              <a:rPr lang="en-US" sz="1800" b="1" strike="noStrike" spc="-1">
-                <a:latin typeface="Arial" panose="020B0604020202020204"/>
-              </a:rPr>
-              <a:t>Component</a:t>
-            </a:r>
-            <a:r>
-              <a:rPr lang="en-US" sz="1800" b="0" strike="noStrike" spc="-1">
-                <a:latin typeface="Arial" panose="020B0604020202020204"/>
-              </a:rPr>
-              <a:t> gắn cho các Bean khác.</a:t>
-            </a:r>
-            <a:endParaRPr lang="en-US" sz="1800" b="0" strike="noStrike" spc="-1">
-              <a:latin typeface="Arial" panose="020B0604020202020204"/>
-            </a:endParaRPr>
-          </a:p>
-        </p:txBody>
-      </p:sp>
+        </p:nvPicPr>
+        <p:blipFill>
+          <a:blip r:embed="rId1"/>
+          <a:stretch>
+            <a:fillRect/>
+          </a:stretch>
+        </p:blipFill>
+        <p:spPr>
+          <a:xfrm>
+            <a:off x="504190" y="1292225"/>
+            <a:ext cx="9315450" cy="6076950"/>
+          </a:xfrm>
+          <a:prstGeom prst="rect">
+            <a:avLst/>
+          </a:prstGeom>
+        </p:spPr>
+      </p:pic>
     </p:spTree>
   </p:cSld>
   <p:clrMapOvr>
@@ -5070,14 +6282,14 @@
       </p:grpSpPr>
       <p:sp>
         <p:nvSpPr>
-          <p:cNvPr id="50" name="TextShape 1"/>
+          <p:cNvPr id="41" name="TextShape 1"/>
           <p:cNvSpPr txBox="1"/>
           <p:nvPr/>
         </p:nvSpPr>
         <p:spPr>
           <a:xfrm>
-            <a:off x="504000" y="301320"/>
-            <a:ext cx="9071640" cy="1262160"/>
+            <a:off x="503365" y="615535"/>
+            <a:ext cx="9071640" cy="676910"/>
           </a:xfrm>
           <a:prstGeom prst="rect">
             <a:avLst/>
@@ -5097,7 +6309,7 @@
               <a:rPr lang="en-US" sz="4400" b="0" strike="noStrike" spc="-1">
                 <a:latin typeface="Arial" panose="020B0604020202020204"/>
               </a:rPr>
-              <a:t>@Autowired </a:t>
+              <a:t>Overview</a:t>
             </a:r>
             <a:endParaRPr lang="en-US" sz="4400" b="0" strike="noStrike" spc="-1">
               <a:latin typeface="Arial" panose="020B0604020202020204"/>
@@ -5107,8 +6319,10 @@
       </p:sp>
       <p:pic>
         <p:nvPicPr>
-          <p:cNvPr id="51" name="Picture 50"/>
-          <p:cNvPicPr/>
+          <p:cNvPr id="2" name="Picture 1"/>
+          <p:cNvPicPr>
+            <a:picLocks noChangeAspect="1"/>
+          </p:cNvPicPr>
           <p:nvPr/>
         </p:nvPicPr>
         <p:blipFill>
@@ -5119,58 +6333,14 @@
         </p:blipFill>
         <p:spPr>
           <a:xfrm>
-            <a:off x="2665440" y="1808280"/>
-            <a:ext cx="5381280" cy="3038040"/>
-          </a:xfrm>
-          <a:prstGeom prst="rect">
-            <a:avLst/>
-          </a:prstGeom>
-          <a:ln>
-            <a:noFill/>
-          </a:ln>
+            <a:off x="480060" y="1683385"/>
+            <a:ext cx="9120505" cy="5599430"/>
+          </a:xfrm>
+          <a:prstGeom prst="rect">
+            <a:avLst/>
+          </a:prstGeom>
         </p:spPr>
       </p:pic>
-      <p:sp>
-        <p:nvSpPr>
-          <p:cNvPr id="52" name="TextShape 2"/>
-          <p:cNvSpPr txBox="1"/>
-          <p:nvPr/>
-        </p:nvSpPr>
-        <p:spPr>
-          <a:xfrm>
-            <a:off x="365760" y="5340240"/>
-            <a:ext cx="9509760" cy="1060560"/>
-          </a:xfrm>
-          <a:prstGeom prst="rect">
-            <a:avLst/>
-          </a:prstGeom>
-          <a:noFill/>
-          <a:ln>
-            <a:noFill/>
-          </a:ln>
-        </p:spPr>
-        <p:txBody>
-          <a:bodyPr lIns="90000" tIns="45000" rIns="90000" bIns="45000">
-            <a:spAutoFit/>
-          </a:bodyPr>
-          <a:p>
-            <a:pPr>
-              <a:lnSpc>
-                <a:spcPct val="115000"/>
-              </a:lnSpc>
-            </a:pPr>
-            <a:r>
-              <a:rPr lang="en-US" sz="1800" b="0" strike="noStrike" spc="-1">
-                <a:latin typeface="Arial" panose="020B0604020202020204"/>
-              </a:rPr>
-              <a:t>Tôi đánh dấu thuộc tính Outfit của Girl bởi Annotation @Autowired. Điều này nói với Spring Boot hãy tự inject (tiêm) một instance của Outfit vào thuộc tính này khi khởi tạo Girl.</a:t>
-            </a:r>
-            <a:endParaRPr lang="en-US" sz="1800" b="0" strike="noStrike" spc="-1">
-              <a:latin typeface="Arial" panose="020B0604020202020204"/>
-            </a:endParaRPr>
-          </a:p>
-        </p:txBody>
-      </p:sp>
     </p:spTree>
   </p:cSld>
   <p:clrMapOvr>
@@ -5206,14 +6376,14 @@
       </p:grpSpPr>
       <p:sp>
         <p:nvSpPr>
-          <p:cNvPr id="53" name="TextShape 1"/>
+          <p:cNvPr id="43" name="TextShape 1"/>
           <p:cNvSpPr txBox="1"/>
           <p:nvPr/>
         </p:nvSpPr>
         <p:spPr>
           <a:xfrm>
-            <a:off x="504000" y="301320"/>
-            <a:ext cx="9071640" cy="1262160"/>
+            <a:off x="504000" y="467580"/>
+            <a:ext cx="9071640" cy="676910"/>
           </a:xfrm>
           <a:prstGeom prst="rect">
             <a:avLst/>
@@ -5233,7 +6403,7 @@
               <a:rPr lang="en-US" sz="4400" b="0" strike="noStrike" spc="-1">
                 <a:latin typeface="Arial" panose="020B0604020202020204"/>
               </a:rPr>
-              <a:t>@Value </a:t>
+              <a:t>@Bean</a:t>
             </a:r>
             <a:endParaRPr lang="en-US" sz="4400" b="0" strike="noStrike" spc="-1">
               <a:latin typeface="Arial" panose="020B0604020202020204"/>
@@ -5243,14 +6413,14 @@
       </p:sp>
       <p:sp>
         <p:nvSpPr>
-          <p:cNvPr id="54" name="TextShape 2"/>
+          <p:cNvPr id="44" name="TextShape 2"/>
           <p:cNvSpPr txBox="1"/>
           <p:nvPr/>
         </p:nvSpPr>
         <p:spPr>
           <a:xfrm>
-            <a:off x="306720" y="1828800"/>
-            <a:ext cx="9203040" cy="603360"/>
+            <a:off x="1007705" y="1270635"/>
+            <a:ext cx="8316000" cy="5813425"/>
           </a:xfrm>
           <a:prstGeom prst="rect">
             <a:avLst/>
@@ -5265,173 +6435,212 @@
             <a:spAutoFit/>
           </a:bodyPr>
           <a:p>
+            <a:pPr>
+              <a:lnSpc>
+                <a:spcPct val="115000"/>
+              </a:lnSpc>
+            </a:pPr>
             <a:r>
               <a:rPr lang="en-US" sz="1800" b="0" strike="noStrike" spc="-1">
                 <a:latin typeface="Arial" panose="020B0604020202020204"/>
               </a:rPr>
-              <a:t>@Value được sử dụng trên thuộc tính của class, Có nhiệm vụ lấy thông tin từ file </a:t>
-            </a:r>
-            <a:r>
-              <a:rPr lang="en-US" sz="1800" b="0" i="1" strike="noStrike" spc="-1">
-                <a:latin typeface="Arial" panose="020B0604020202020204"/>
-              </a:rPr>
-              <a:t>application.properties</a:t>
+              <a:t>Spring </a:t>
+            </a:r>
+            <a:r>
+              <a:rPr lang="en-US" sz="1800" b="1" strike="noStrike" spc="-1">
+                <a:latin typeface="Arial" panose="020B0604020202020204"/>
+              </a:rPr>
+              <a:t>Beans </a:t>
             </a:r>
             <a:r>
               <a:rPr lang="en-US" sz="1800" b="0" strike="noStrike" spc="-1">
                 <a:latin typeface="Arial" panose="020B0604020202020204"/>
               </a:rPr>
-              <a:t> và gán vào biến.</a:t>
-            </a:r>
-            <a:endParaRPr lang="en-US" sz="1800" b="0" strike="noStrike" spc="-1">
-              <a:latin typeface="Arial" panose="020B0604020202020204"/>
-            </a:endParaRPr>
-          </a:p>
-        </p:txBody>
-      </p:sp>
-      <p:sp>
-        <p:nvSpPr>
-          <p:cNvPr id="55" name="TextShape 3"/>
-          <p:cNvSpPr txBox="1"/>
-          <p:nvPr/>
-        </p:nvSpPr>
-        <p:spPr>
-          <a:xfrm>
-            <a:off x="570600" y="2926080"/>
-            <a:ext cx="4732920" cy="1114200"/>
-          </a:xfrm>
-          <a:prstGeom prst="rect">
-            <a:avLst/>
-          </a:prstGeom>
-          <a:noFill/>
-          <a:ln>
-            <a:noFill/>
-          </a:ln>
-        </p:spPr>
-        <p:txBody>
-          <a:bodyPr lIns="90000" tIns="45000" rIns="90000" bIns="45000">
-            <a:spAutoFit/>
-          </a:bodyPr>
-          <a:p>
-            <a:r>
-              <a:rPr lang="en-US" sz="1800" b="0" i="1" strike="noStrike" spc="-1">
-                <a:latin typeface="Arial" panose="020B0604020202020204"/>
-              </a:rPr>
-              <a:t>application.properties</a:t>
-            </a:r>
-            <a:endParaRPr lang="en-US" sz="1800" b="0" strike="noStrike" spc="-1">
-              <a:latin typeface="Arial" panose="020B0604020202020204"/>
-            </a:endParaRPr>
-          </a:p>
-          <a:p>
-            <a:endParaRPr lang="en-US" sz="1800" b="0" strike="noStrike" spc="-1">
-              <a:latin typeface="Arial" panose="020B0604020202020204"/>
-            </a:endParaRPr>
-          </a:p>
-          <a:p>
+              <a:t>chính là những Java Object mà từ đó tạo nên khung sườn của một ứng dụng Spring. Chúng được  quản lý bởi Spring IoC container.</a:t>
+            </a:r>
+            <a:endParaRPr lang="en-US" sz="1800" b="0" strike="noStrike" spc="-1">
+              <a:latin typeface="Arial" panose="020B0604020202020204"/>
+            </a:endParaRPr>
+          </a:p>
+          <a:p>
+            <a:pPr>
+              <a:lnSpc>
+                <a:spcPct val="115000"/>
+              </a:lnSpc>
+            </a:pPr>
+            <a:endParaRPr lang="en-US" sz="1800" b="0" strike="noStrike" spc="-1">
+              <a:latin typeface="Arial" panose="020B0604020202020204"/>
+            </a:endParaRPr>
+          </a:p>
+          <a:p>
+            <a:pPr>
+              <a:lnSpc>
+                <a:spcPct val="115000"/>
+              </a:lnSpc>
+            </a:pPr>
+            <a:r>
+              <a:rPr lang="en-US" sz="1800" b="1" strike="noStrike" spc="-1">
+                <a:latin typeface="Arial" panose="020B0604020202020204"/>
+              </a:rPr>
+              <a:t>Inversion of Control</a:t>
+            </a:r>
             <a:r>
               <a:rPr lang="en-US" sz="1800" b="0" strike="noStrike" spc="-1">
                 <a:latin typeface="Arial" panose="020B0604020202020204"/>
               </a:rPr>
-              <a:t>loda.mysql.url=jdbc:mysql://host1:33060/loda</a:t>
-            </a:r>
-            <a:endParaRPr lang="en-US" sz="1800" b="0" strike="noStrike" spc="-1">
-              <a:latin typeface="Arial" panose="020B0604020202020204"/>
-            </a:endParaRPr>
-          </a:p>
-        </p:txBody>
-      </p:sp>
-      <p:sp>
-        <p:nvSpPr>
-          <p:cNvPr id="56" name="TextShape 4"/>
-          <p:cNvSpPr txBox="1"/>
-          <p:nvPr/>
-        </p:nvSpPr>
-        <p:spPr>
-          <a:xfrm>
-            <a:off x="422640" y="4442400"/>
-            <a:ext cx="8812800" cy="2141280"/>
-          </a:xfrm>
-          <a:prstGeom prst="rect">
-            <a:avLst/>
-          </a:prstGeom>
-          <a:noFill/>
-          <a:ln>
-            <a:noFill/>
-          </a:ln>
-        </p:spPr>
-        <p:txBody>
-          <a:bodyPr lIns="90000" tIns="45000" rIns="90000" bIns="45000">
-            <a:spAutoFit/>
-          </a:bodyPr>
-          <a:p>
+              <a:t> viết tắt là IoC là một quá trình trong đó một object định nghĩa các dependency (phụ thuộc) mà không cần phải khởi tạo chúng.Việc khởi tạo các dependency này được chuyển giao cho IoC container.</a:t>
+            </a:r>
+            <a:endParaRPr lang="en-US" sz="1800" b="0" strike="noStrike" spc="-1">
+              <a:latin typeface="Arial" panose="020B0604020202020204"/>
+            </a:endParaRPr>
+          </a:p>
+          <a:p>
+            <a:pPr>
+              <a:lnSpc>
+                <a:spcPct val="115000"/>
+              </a:lnSpc>
+            </a:pPr>
+            <a:endParaRPr lang="en-US" sz="1800" b="0" strike="noStrike" spc="-1">
+              <a:latin typeface="Arial" panose="020B0604020202020204"/>
+            </a:endParaRPr>
+          </a:p>
+          <a:p>
+            <a:pPr>
+              <a:lnSpc>
+                <a:spcPct val="115000"/>
+              </a:lnSpc>
+            </a:pPr>
+            <a:r>
+              <a:rPr lang="en-US" sz="1800" b="1" strike="noStrike" spc="-1">
+                <a:latin typeface="Arial" panose="020B0604020202020204"/>
+              </a:rPr>
+              <a:t>Scope of Bean</a:t>
+            </a:r>
+            <a:endParaRPr lang="en-US" sz="1800" b="1" strike="noStrike" spc="-1">
+              <a:latin typeface="Arial" panose="020B0604020202020204"/>
+            </a:endParaRPr>
+          </a:p>
+          <a:p>
+            <a:pPr>
+              <a:lnSpc>
+                <a:spcPct val="115000"/>
+              </a:lnSpc>
+            </a:pPr>
             <a:r>
               <a:rPr lang="en-US" sz="1800" b="0" strike="noStrike" spc="-1">
                 <a:latin typeface="Arial" panose="020B0604020202020204"/>
               </a:rPr>
-              <a:t>@Value được sử dụng trên thuộc tính của class, Có nhiệm vụ lấy thông tin từ file properties và gán vào biến.</a:t>
-            </a:r>
-            <a:endParaRPr lang="en-US" sz="1800" b="0" strike="noStrike" spc="-1">
-              <a:latin typeface="Arial" panose="020B0604020202020204"/>
-            </a:endParaRPr>
-          </a:p>
-          <a:p>
-            <a:endParaRPr lang="en-US" sz="1800" b="0" strike="noStrike" spc="-1">
-              <a:latin typeface="Arial" panose="020B0604020202020204"/>
-            </a:endParaRPr>
-          </a:p>
-          <a:p>
+              <a:t>Việc định nghĩa scope có thể thực hiện thông qua việc sử dụng thuộc tính tên là “scope” khi định nghĩa. Lấy ví dụ, khi bean phải tạo mới mỗi lần cần sử dụng, thuộc tính scope sẽ là “prototype”. Mặt khác, khi bean luôn luôn trả về một instance giống nhau khi sử dụng, thuộc tính scope sẽ là “singleton”.</a:t>
+            </a:r>
+            <a:endParaRPr lang="en-US" sz="1800" b="0" strike="noStrike" spc="-1">
+              <a:latin typeface="Arial" panose="020B0604020202020204"/>
+            </a:endParaRPr>
+          </a:p>
+          <a:p>
+            <a:pPr>
+              <a:lnSpc>
+                <a:spcPct val="115000"/>
+              </a:lnSpc>
+            </a:pPr>
+            <a:endParaRPr lang="en-US" sz="1800" b="0" strike="noStrike" spc="-1">
+              <a:latin typeface="Arial" panose="020B0604020202020204"/>
+            </a:endParaRPr>
+          </a:p>
+          <a:p>
+            <a:pPr>
+              <a:lnSpc>
+                <a:spcPct val="115000"/>
+              </a:lnSpc>
+            </a:pPr>
+            <a:r>
+              <a:rPr lang="en-US" sz="1800" b="1" strike="noStrike" spc="-1">
+                <a:latin typeface="Arial" panose="020B0604020202020204"/>
+              </a:rPr>
+              <a:t>Làm sao để cung cấp configuration metadata cho Spring Container?</a:t>
+            </a:r>
+            <a:endParaRPr lang="en-US" sz="1800" b="1" strike="noStrike" spc="-1">
+              <a:latin typeface="Arial" panose="020B0604020202020204"/>
+            </a:endParaRPr>
+          </a:p>
+          <a:p>
+            <a:pPr>
+              <a:lnSpc>
+                <a:spcPct val="115000"/>
+              </a:lnSpc>
+            </a:pPr>
             <a:r>
               <a:rPr lang="en-US" sz="1800" b="0" strike="noStrike" spc="-1">
                 <a:latin typeface="Arial" panose="020B0604020202020204"/>
               </a:rPr>
-              <a:t>public class AppConfig {</a:t>
-            </a:r>
-            <a:endParaRPr lang="en-US" sz="1800" b="0" strike="noStrike" spc="-1">
-              <a:latin typeface="Arial" panose="020B0604020202020204"/>
-            </a:endParaRPr>
-          </a:p>
-          <a:p>
+              <a:t>Có ba cách để cũng cấp configuration metadata cho Spring container.</a:t>
+            </a:r>
+            <a:endParaRPr lang="en-US" sz="1800" b="0" strike="noStrike" spc="-1">
+              <a:latin typeface="Arial" panose="020B0604020202020204"/>
+            </a:endParaRPr>
+          </a:p>
+          <a:p>
+            <a:pPr>
+              <a:lnSpc>
+                <a:spcPct val="115000"/>
+              </a:lnSpc>
+            </a:pPr>
             <a:r>
               <a:rPr lang="en-US" sz="1800" b="0" strike="noStrike" spc="-1">
                 <a:latin typeface="Arial" panose="020B0604020202020204"/>
               </a:rPr>
-              <a:t>    // Lấy giá trị config từ file application.properties</a:t>
-            </a:r>
-            <a:endParaRPr lang="en-US" sz="1800" b="0" strike="noStrike" spc="-1">
-              <a:latin typeface="Arial" panose="020B0604020202020204"/>
-            </a:endParaRPr>
-          </a:p>
-          <a:p>
+              <a:t>Thông qua </a:t>
+            </a:r>
+            <a:r>
+              <a:rPr lang="en-US" sz="1800" b="1" strike="noStrike" spc="-1">
+                <a:latin typeface="Arial" panose="020B0604020202020204"/>
+              </a:rPr>
+              <a:t>XML configuration file</a:t>
+            </a:r>
+            <a:endParaRPr lang="en-US" sz="1800" b="0" strike="noStrike" spc="-1">
+              <a:latin typeface="Arial" panose="020B0604020202020204"/>
+            </a:endParaRPr>
+          </a:p>
+          <a:p>
+            <a:pPr>
+              <a:lnSpc>
+                <a:spcPct val="115000"/>
+              </a:lnSpc>
+            </a:pPr>
             <a:r>
               <a:rPr lang="en-US" sz="1800" b="0" strike="noStrike" spc="-1">
                 <a:latin typeface="Arial" panose="020B0604020202020204"/>
               </a:rPr>
-              <a:t>    @Value("${loda.mysql.url}")</a:t>
-            </a:r>
-            <a:endParaRPr lang="en-US" sz="1800" b="0" strike="noStrike" spc="-1">
-              <a:latin typeface="Arial" panose="020B0604020202020204"/>
-            </a:endParaRPr>
-          </a:p>
-          <a:p>
+              <a:t>Thông qua </a:t>
+            </a:r>
+            <a:r>
+              <a:rPr lang="en-US" sz="1800" b="1" strike="noStrike" spc="-1">
+                <a:latin typeface="Arial" panose="020B0604020202020204"/>
+              </a:rPr>
+              <a:t>Annotation-based configuration</a:t>
+            </a:r>
+            <a:endParaRPr lang="en-US" sz="1800" b="0" strike="noStrike" spc="-1">
+              <a:latin typeface="Arial" panose="020B0604020202020204"/>
+            </a:endParaRPr>
+          </a:p>
+          <a:p>
+            <a:pPr>
+              <a:lnSpc>
+                <a:spcPct val="115000"/>
+              </a:lnSpc>
+            </a:pPr>
             <a:r>
               <a:rPr lang="en-US" sz="1800" b="0" strike="noStrike" spc="-1">
                 <a:latin typeface="Arial" panose="020B0604020202020204"/>
               </a:rPr>
-              <a:t>    String mysqlUrl;</a:t>
-            </a:r>
-            <a:endParaRPr lang="en-US" sz="1800" b="0" strike="noStrike" spc="-1">
-              <a:latin typeface="Arial" panose="020B0604020202020204"/>
-            </a:endParaRPr>
-          </a:p>
-          <a:p>
-            <a:r>
-              <a:rPr lang="en-US" sz="1800" b="0" strike="noStrike" spc="-1">
-                <a:latin typeface="Arial" panose="020B0604020202020204"/>
-              </a:rPr>
-              <a:t>}</a:t>
-            </a:r>
-            <a:endParaRPr lang="en-US" sz="1800" b="0" strike="noStrike" spc="-1">
+              <a:t>Thông qua </a:t>
+            </a:r>
+            <a:r>
+              <a:rPr lang="en-US" sz="1800" b="1" strike="noStrike" spc="-1">
+                <a:latin typeface="Arial" panose="020B0604020202020204"/>
+              </a:rPr>
+              <a:t>Java-based configuration</a:t>
+            </a:r>
+            <a:endParaRPr lang="en-US" sz="1800" b="1" strike="noStrike" spc="-1">
               <a:latin typeface="Arial" panose="020B0604020202020204"/>
             </a:endParaRPr>
           </a:p>
@@ -5472,14 +6681,14 @@
       </p:grpSpPr>
       <p:sp>
         <p:nvSpPr>
-          <p:cNvPr id="57" name="TextShape 1"/>
+          <p:cNvPr id="43" name="TextShape 1"/>
           <p:cNvSpPr txBox="1"/>
           <p:nvPr/>
         </p:nvSpPr>
         <p:spPr>
           <a:xfrm>
-            <a:off x="504000" y="301320"/>
-            <a:ext cx="9071640" cy="704520"/>
+            <a:off x="504000" y="467580"/>
+            <a:ext cx="9071640" cy="676910"/>
           </a:xfrm>
           <a:prstGeom prst="rect">
             <a:avLst/>
@@ -5496,27 +6705,27 @@
           <a:p>
             <a:pPr algn="ctr"/>
             <a:r>
-              <a:rPr lang="en-US" sz="2000" b="1" strike="noStrike" spc="-1">
-                <a:latin typeface="Arial" panose="020B0604020202020204"/>
-              </a:rPr>
-              <a:t>@RequestMapping + @PostMapping + @ModelAttribute + @RequestParam  </a:t>
-            </a:r>
-            <a:endParaRPr lang="en-US" sz="2000" b="0" strike="noStrike" spc="-1">
-              <a:latin typeface="Arial" panose="020B0604020202020204"/>
-            </a:endParaRPr>
-          </a:p>
-        </p:txBody>
-      </p:sp>
-      <p:sp>
-        <p:nvSpPr>
-          <p:cNvPr id="58" name="TextShape 2"/>
+              <a:rPr lang="en-US" sz="4400" b="0" strike="noStrike" spc="-1">
+                <a:latin typeface="Arial" panose="020B0604020202020204"/>
+              </a:rPr>
+              <a:t>@Bean</a:t>
+            </a:r>
+            <a:endParaRPr lang="en-US" sz="4400" b="0" strike="noStrike" spc="-1">
+              <a:latin typeface="Arial" panose="020B0604020202020204"/>
+            </a:endParaRPr>
+          </a:p>
+        </p:txBody>
+      </p:sp>
+      <p:sp>
+        <p:nvSpPr>
+          <p:cNvPr id="44" name="TextShape 2"/>
           <p:cNvSpPr txBox="1"/>
           <p:nvPr/>
         </p:nvSpPr>
         <p:spPr>
           <a:xfrm>
-            <a:off x="741240" y="1126795"/>
-            <a:ext cx="8311320" cy="2581910"/>
+            <a:off x="1007705" y="1259205"/>
+            <a:ext cx="8316000" cy="3268980"/>
           </a:xfrm>
           <a:prstGeom prst="rect">
             <a:avLst/>
@@ -5527,116 +6736,137 @@
           </a:ln>
         </p:spPr>
         <p:txBody>
-          <a:bodyPr wrap="square" lIns="90000" tIns="45000" rIns="90000" bIns="45000">
+          <a:bodyPr lIns="90000" tIns="45000" rIns="90000" bIns="45000">
             <a:spAutoFit/>
           </a:bodyPr>
           <a:p>
             <a:pPr>
               <a:lnSpc>
-                <a:spcPct val="150000"/>
-              </a:lnSpc>
-            </a:pPr>
-            <a:r>
-              <a:rPr lang="en-US" sz="1800" b="0" strike="noStrike" spc="-1">
-                <a:latin typeface="Arial" panose="020B0604020202020204"/>
-              </a:rPr>
-              <a:t>@PostMapping có nhiệm vụ đánh dấu hàm xử lý POST request trong Controller.</a:t>
-            </a:r>
-            <a:endParaRPr lang="en-US" sz="1800" b="0" strike="noStrike" spc="-1">
+                <a:spcPct val="115000"/>
+              </a:lnSpc>
+            </a:pPr>
+            <a:r>
+              <a:rPr lang="en-US" sz="1800" b="1" strike="noStrike" spc="-1">
+                <a:latin typeface="Arial" panose="020B0604020202020204"/>
+              </a:rPr>
+              <a:t>scope của bean</a:t>
+            </a:r>
+            <a:endParaRPr lang="en-US" sz="1800" b="1" strike="noStrike" spc="-1">
               <a:latin typeface="Arial" panose="020B0604020202020204"/>
             </a:endParaRPr>
           </a:p>
           <a:p>
             <a:pPr>
               <a:lnSpc>
-                <a:spcPct val="150000"/>
-              </a:lnSpc>
-            </a:pPr>
-            <a:r>
-              <a:rPr lang="en-US" sz="1800" b="0" strike="noStrike" spc="-1">
-                <a:latin typeface="Arial" panose="020B0604020202020204"/>
-              </a:rPr>
-              <a:t>@GetMapping có nhiệm vụ đánh dấu hàm xử lý GET request trong Controller.</a:t>
-            </a:r>
-            <a:endParaRPr lang="en-US" sz="1800" b="0" strike="noStrike" spc="-1">
+                <a:spcPct val="115000"/>
+              </a:lnSpc>
+            </a:pPr>
+            <a:r>
+              <a:rPr lang="en-US" sz="1800" b="1" strike="noStrike" spc="-1">
+                <a:latin typeface="Arial" panose="020B0604020202020204"/>
+              </a:rPr>
+              <a:t>singleton</a:t>
+            </a:r>
+            <a:r>
+              <a:rPr lang="en-US" sz="1800" strike="noStrike" spc="-1">
+                <a:latin typeface="Arial" panose="020B0604020202020204"/>
+              </a:rPr>
+              <a:t>: cho biết bean đó có một instance duy nhất trong Sping IoC container.</a:t>
+            </a:r>
+            <a:endParaRPr lang="en-US" sz="1800" strike="noStrike" spc="-1">
               <a:latin typeface="Arial" panose="020B0604020202020204"/>
             </a:endParaRPr>
           </a:p>
           <a:p>
             <a:pPr>
               <a:lnSpc>
-                <a:spcPct val="150000"/>
-              </a:lnSpc>
-            </a:pPr>
-            <a:r>
-              <a:rPr lang="en-US" sz="1800" b="0" strike="noStrike" spc="-1">
-                <a:latin typeface="Arial" panose="020B0604020202020204"/>
-              </a:rPr>
-              <a:t>@PutMapping </a:t>
-            </a:r>
-            <a:endParaRPr lang="en-US" sz="1800" b="0" strike="noStrike" spc="-1">
+                <a:spcPct val="115000"/>
+              </a:lnSpc>
+            </a:pPr>
+            <a:r>
+              <a:rPr lang="en-US" sz="1800" b="1" strike="noStrike" spc="-1">
+                <a:latin typeface="Arial" panose="020B0604020202020204"/>
+              </a:rPr>
+              <a:t>prototype</a:t>
+            </a:r>
+            <a:r>
+              <a:rPr lang="en-US" sz="1800" strike="noStrike" spc="-1">
+                <a:latin typeface="Arial" panose="020B0604020202020204"/>
+              </a:rPr>
+              <a:t>: cho biết bean đó được định nghĩa là có nhiều object instances, mỗi lần muốn sử dụng sẽ tạo mới.</a:t>
+            </a:r>
+            <a:endParaRPr lang="en-US" sz="1800" strike="noStrike" spc="-1">
               <a:latin typeface="Arial" panose="020B0604020202020204"/>
             </a:endParaRPr>
           </a:p>
           <a:p>
             <a:pPr>
               <a:lnSpc>
-                <a:spcPct val="150000"/>
-              </a:lnSpc>
-            </a:pPr>
-            <a:r>
-              <a:rPr lang="en-US" sz="1800" b="0" strike="noStrike" spc="-1">
-                <a:latin typeface="Arial" panose="020B0604020202020204"/>
-              </a:rPr>
-              <a:t>@DeleteMapping</a:t>
-            </a:r>
-            <a:endParaRPr lang="en-US" sz="1800" b="0" strike="noStrike" spc="-1">
+                <a:spcPct val="115000"/>
+              </a:lnSpc>
+            </a:pPr>
+            <a:r>
+              <a:rPr lang="en-US" sz="1800" b="1" strike="noStrike" spc="-1">
+                <a:latin typeface="Arial" panose="020B0604020202020204"/>
+              </a:rPr>
+              <a:t>request</a:t>
+            </a:r>
+            <a:r>
+              <a:rPr lang="en-US" sz="1800" strike="noStrike" spc="-1">
+                <a:latin typeface="Arial" panose="020B0604020202020204"/>
+              </a:rPr>
+              <a:t>: cho biết bean được định nghĩa với một HTTP request. Scope này chỉ hợp lệ khi chúng ta sử dụng Web Application Context.</a:t>
+            </a:r>
+            <a:endParaRPr lang="en-US" sz="1800" strike="noStrike" spc="-1">
               <a:latin typeface="Arial" panose="020B0604020202020204"/>
             </a:endParaRPr>
           </a:p>
           <a:p>
             <a:pPr>
               <a:lnSpc>
-                <a:spcPct val="150000"/>
-              </a:lnSpc>
-            </a:pPr>
-            <a:r>
-              <a:rPr lang="en-US" sz="1800" b="0" strike="noStrike" spc="-1">
-                <a:latin typeface="Arial" panose="020B0604020202020204"/>
-              </a:rPr>
-              <a:t>@RequestMapping là một annotation có ý nghĩa và mục đích sử dụng rộng hơn các loại @GetMapping, @PostMapping,v.v..</a:t>
-            </a:r>
-            <a:endParaRPr lang="en-US" sz="1800" b="0" strike="noStrike" spc="-1">
-              <a:latin typeface="Arial" panose="020B0604020202020204"/>
-            </a:endParaRPr>
-          </a:p>
-        </p:txBody>
-      </p:sp>
-      <p:pic>
-        <p:nvPicPr>
-          <p:cNvPr id="59" name="Picture 58"/>
-          <p:cNvPicPr/>
-          <p:nvPr/>
-        </p:nvPicPr>
-        <p:blipFill>
-          <a:blip r:embed="rId1"/>
-          <a:stretch>
-            <a:fillRect/>
-          </a:stretch>
-        </p:blipFill>
-        <p:spPr>
-          <a:xfrm>
-            <a:off x="1649095" y="3647270"/>
-            <a:ext cx="6781320" cy="3704760"/>
-          </a:xfrm>
-          <a:prstGeom prst="rect">
-            <a:avLst/>
-          </a:prstGeom>
-          <a:ln>
-            <a:noFill/>
-          </a:ln>
-        </p:spPr>
-      </p:pic>
+                <a:spcPct val="115000"/>
+              </a:lnSpc>
+            </a:pPr>
+            <a:r>
+              <a:rPr lang="en-US" sz="1800" b="1" strike="noStrike" spc="-1">
+                <a:latin typeface="Arial" panose="020B0604020202020204"/>
+              </a:rPr>
+              <a:t>session</a:t>
+            </a:r>
+            <a:r>
+              <a:rPr lang="en-US" sz="1800" strike="noStrike" spc="-1">
+                <a:latin typeface="Arial" panose="020B0604020202020204"/>
+              </a:rPr>
+              <a:t>: cho biết bean được định nghĩa với một HTTP session. Scope này cũng chỉ hợp lệ khi chúng ta sử dụng Web Application Context.</a:t>
+            </a:r>
+            <a:endParaRPr lang="en-US" sz="1800" strike="noStrike" spc="-1">
+              <a:latin typeface="Arial" panose="020B0604020202020204"/>
+            </a:endParaRPr>
+          </a:p>
+          <a:p>
+            <a:pPr>
+              <a:lnSpc>
+                <a:spcPct val="115000"/>
+              </a:lnSpc>
+            </a:pPr>
+            <a:r>
+              <a:rPr lang="en-US" sz="1800" b="1" strike="noStrike" spc="-1">
+                <a:latin typeface="Arial" panose="020B0604020202020204"/>
+              </a:rPr>
+              <a:t>global-session</a:t>
+            </a:r>
+            <a:r>
+              <a:rPr lang="en-US" sz="1800" strike="noStrike" spc="-1">
+                <a:latin typeface="Arial" panose="020B0604020202020204"/>
+              </a:rPr>
+              <a:t>: cho biết bean được định nghĩa với một global HTTP session. Scope này cũng chỉ hợp lệ khi chúng ta sử dụng Web Application Context.</a:t>
+            </a:r>
+            <a:endParaRPr lang="en-US" sz="1800" strike="noStrike" spc="-1">
+              <a:latin typeface="Arial" panose="020B0604020202020204"/>
+            </a:endParaRPr>
+          </a:p>
+        </p:txBody>
+      </p:sp>
     </p:spTree>
   </p:cSld>
   <p:clrMapOvr>
@@ -5672,14 +6902,14 @@
       </p:grpSpPr>
       <p:sp>
         <p:nvSpPr>
-          <p:cNvPr id="60" name="TextShape 1"/>
+          <p:cNvPr id="43" name="TextShape 1"/>
           <p:cNvSpPr txBox="1"/>
           <p:nvPr/>
         </p:nvSpPr>
         <p:spPr>
           <a:xfrm>
-            <a:off x="504000" y="301320"/>
-            <a:ext cx="9071640" cy="1262160"/>
+            <a:off x="504000" y="467580"/>
+            <a:ext cx="9071640" cy="676910"/>
           </a:xfrm>
           <a:prstGeom prst="rect">
             <a:avLst/>
@@ -5699,7 +6929,7 @@
               <a:rPr lang="en-US" sz="4400" b="0" strike="noStrike" spc="-1">
                 <a:latin typeface="Arial" panose="020B0604020202020204"/>
               </a:rPr>
-              <a:t>Spring Data JPA </a:t>
+              <a:t>@Bean</a:t>
             </a:r>
             <a:endParaRPr lang="en-US" sz="4400" b="0" strike="noStrike" spc="-1">
               <a:latin typeface="Arial" panose="020B0604020202020204"/>
@@ -5709,8 +6939,10 @@
       </p:sp>
       <p:pic>
         <p:nvPicPr>
-          <p:cNvPr id="61" name="Picture 60"/>
-          <p:cNvPicPr/>
+          <p:cNvPr id="2" name="Picture 1"/>
+          <p:cNvPicPr>
+            <a:picLocks noChangeAspect="1"/>
+          </p:cNvPicPr>
           <p:nvPr/>
         </p:nvPicPr>
         <p:blipFill>
@@ -5721,15 +6953,12 @@
         </p:blipFill>
         <p:spPr>
           <a:xfrm>
-            <a:off x="2570040" y="1371600"/>
-            <a:ext cx="4562280" cy="5638320"/>
-          </a:xfrm>
-          <a:prstGeom prst="rect">
-            <a:avLst/>
-          </a:prstGeom>
-          <a:ln>
-            <a:noFill/>
-          </a:ln>
+            <a:off x="720725" y="1403350"/>
+            <a:ext cx="8684895" cy="5337810"/>
+          </a:xfrm>
+          <a:prstGeom prst="rect">
+            <a:avLst/>
+          </a:prstGeom>
         </p:spPr>
       </p:pic>
     </p:spTree>
@@ -5767,7 +6996,7 @@
       </p:grpSpPr>
       <p:sp>
         <p:nvSpPr>
-          <p:cNvPr id="62" name="TextShape 1"/>
+          <p:cNvPr id="43" name="TextShape 1"/>
           <p:cNvSpPr txBox="1"/>
           <p:nvPr/>
         </p:nvSpPr>
@@ -5794,7 +7023,7 @@
               <a:rPr lang="en-US" sz="4400" b="0" strike="noStrike" spc="-1">
                 <a:latin typeface="Arial" panose="020B0604020202020204"/>
               </a:rPr>
-              <a:t>Spring Data JPA </a:t>
+              <a:t>@Component </a:t>
             </a:r>
             <a:endParaRPr lang="en-US" sz="4400" b="0" strike="noStrike" spc="-1">
               <a:latin typeface="Arial" panose="020B0604020202020204"/>
@@ -5804,14 +7033,14 @@
       </p:sp>
       <p:sp>
         <p:nvSpPr>
-          <p:cNvPr id="63" name="TextShape 2"/>
+          <p:cNvPr id="44" name="TextShape 2"/>
           <p:cNvSpPr txBox="1"/>
           <p:nvPr/>
         </p:nvSpPr>
         <p:spPr>
           <a:xfrm>
-            <a:off x="7560" y="2058480"/>
-            <a:ext cx="10051560" cy="3422880"/>
+            <a:off x="736560" y="1737360"/>
+            <a:ext cx="8316000" cy="3913920"/>
           </a:xfrm>
           <a:prstGeom prst="rect">
             <a:avLst/>
@@ -5826,149 +7055,120 @@
             <a:spAutoFit/>
           </a:bodyPr>
           <a:p>
-            <a:r>
-              <a:rPr lang="en-US" sz="1400" b="0" strike="noStrike" spc="-1">
-                <a:latin typeface="Arial" panose="020B0604020202020204"/>
-              </a:rPr>
-              <a:t>Generate database script in Spring boot:</a:t>
-            </a:r>
-            <a:endParaRPr lang="en-US" sz="1400" b="0" strike="noStrike" spc="-1">
-              <a:latin typeface="Arial" panose="020B0604020202020204"/>
-            </a:endParaRPr>
-          </a:p>
-          <a:p>
-            <a:endParaRPr lang="en-US" sz="1400" b="0" strike="noStrike" spc="-1">
-              <a:latin typeface="Arial" panose="020B0604020202020204"/>
-            </a:endParaRPr>
-          </a:p>
-          <a:p>
-            <a:r>
-              <a:rPr lang="en-US" sz="1400" b="0" strike="noStrike" spc="-1">
-                <a:latin typeface="Arial" panose="020B0604020202020204"/>
-              </a:rPr>
-              <a:t>Add config into application.properties</a:t>
-            </a:r>
-            <a:endParaRPr lang="en-US" sz="1400" b="0" strike="noStrike" spc="-1">
-              <a:latin typeface="Arial" panose="020B0604020202020204"/>
-            </a:endParaRPr>
-          </a:p>
-          <a:p>
-            <a:endParaRPr lang="en-US" sz="1400" b="0" strike="noStrike" spc="-1">
-              <a:latin typeface="Arial" panose="020B0604020202020204"/>
-            </a:endParaRPr>
-          </a:p>
-          <a:p>
-            <a:r>
-              <a:rPr lang="en-US" sz="1400" b="0" strike="noStrike" spc="-1">
-                <a:solidFill>
-                  <a:srgbClr val="000000"/>
-                </a:solidFill>
-                <a:latin typeface="Consolas" panose="020B0609020204030204"/>
-                <a:ea typeface="Consolas" panose="020B0609020204030204"/>
-              </a:rPr>
-              <a:t>spring.jpa.properties.javax.persistence.schema-generation.create-source=</a:t>
-            </a:r>
-            <a:r>
-              <a:rPr lang="en-US" sz="1400" b="0" strike="noStrike" spc="-1">
-                <a:solidFill>
-                  <a:srgbClr val="2AA198"/>
-                </a:solidFill>
-                <a:latin typeface="Consolas" panose="020B0609020204030204"/>
-                <a:ea typeface="Consolas" panose="020B0609020204030204"/>
-              </a:rPr>
-              <a:t>metadata</a:t>
-            </a:r>
-            <a:endParaRPr lang="en-US" sz="1400" b="0" strike="noStrike" spc="-1">
-              <a:latin typeface="Arial" panose="020B0604020202020204"/>
-            </a:endParaRPr>
-          </a:p>
-          <a:p>
-            <a:r>
-              <a:rPr lang="en-US" sz="1400" b="0" strike="noStrike" spc="-1">
-                <a:solidFill>
-                  <a:srgbClr val="000000"/>
-                </a:solidFill>
-                <a:latin typeface="Consolas" panose="020B0609020204030204"/>
-                <a:ea typeface="Consolas" panose="020B0609020204030204"/>
-              </a:rPr>
-              <a:t>spring.jpa.properties.javax.persistence.schema-generation.scripts.action=</a:t>
-            </a:r>
-            <a:r>
-              <a:rPr lang="en-US" sz="1400" b="0" strike="noStrike" spc="-1">
-                <a:solidFill>
-                  <a:srgbClr val="2AA198"/>
-                </a:solidFill>
-                <a:latin typeface="Consolas" panose="020B0609020204030204"/>
-                <a:ea typeface="Consolas" panose="020B0609020204030204"/>
-              </a:rPr>
-              <a:t>create</a:t>
-            </a:r>
-            <a:endParaRPr lang="en-US" sz="1400" b="0" strike="noStrike" spc="-1">
-              <a:latin typeface="Arial" panose="020B0604020202020204"/>
-            </a:endParaRPr>
-          </a:p>
-          <a:p>
-            <a:r>
-              <a:rPr lang="en-US" sz="1400" b="0" strike="noStrike" spc="-1">
-                <a:solidFill>
-                  <a:srgbClr val="000000"/>
-                </a:solidFill>
-                <a:latin typeface="Consolas" panose="020B0609020204030204"/>
-                <a:ea typeface="Consolas" panose="020B0609020204030204"/>
-              </a:rPr>
-              <a:t>spring.jpa.properties.javax.persistence.schema-generation.scripts.create-target=</a:t>
-            </a:r>
-            <a:r>
-              <a:rPr lang="en-US" sz="1400" b="0" strike="noStrike" spc="-1">
-                <a:solidFill>
-                  <a:srgbClr val="2AA198"/>
-                </a:solidFill>
-                <a:latin typeface="Consolas" panose="020B0609020204030204"/>
-                <a:ea typeface="Consolas" panose="020B0609020204030204"/>
-              </a:rPr>
-              <a:t>create.sql</a:t>
-            </a:r>
-            <a:endParaRPr lang="en-US" sz="1400" b="0" strike="noStrike" spc="-1">
-              <a:latin typeface="Arial" panose="020B0604020202020204"/>
-            </a:endParaRPr>
-          </a:p>
-          <a:p>
-            <a:endParaRPr lang="en-US" sz="1400" b="0" strike="noStrike" spc="-1">
-              <a:latin typeface="Arial" panose="020B0604020202020204"/>
-            </a:endParaRPr>
-          </a:p>
-          <a:p>
-            <a:endParaRPr lang="en-US" sz="1400" b="0" strike="noStrike" spc="-1">
-              <a:latin typeface="Arial" panose="020B0604020202020204"/>
-            </a:endParaRPr>
-          </a:p>
-          <a:p>
-            <a:endParaRPr lang="en-US" sz="1400" b="0" strike="noStrike" spc="-1">
-              <a:latin typeface="Arial" panose="020B0604020202020204"/>
-            </a:endParaRPr>
-          </a:p>
-          <a:p>
-            <a:endParaRPr lang="en-US" sz="1400" b="0" strike="noStrike" spc="-1">
-              <a:latin typeface="Arial" panose="020B0604020202020204"/>
-            </a:endParaRPr>
-          </a:p>
-          <a:p>
-            <a:endParaRPr lang="en-US" sz="1400" b="0" strike="noStrike" spc="-1">
-              <a:latin typeface="Arial" panose="020B0604020202020204"/>
-            </a:endParaRPr>
-          </a:p>
-          <a:p>
-            <a:r>
-              <a:rPr lang="en-US" sz="1400" b="0" strike="noStrike" spc="-1">
-                <a:solidFill>
-                  <a:srgbClr val="2AA198"/>
-                </a:solidFill>
-                <a:latin typeface="Consolas" panose="020B0609020204030204"/>
-                <a:ea typeface="Consolas" panose="020B0609020204030204"/>
-              </a:rPr>
-              <a:t>And RUN: mvn clean install</a:t>
-            </a:r>
-            <a:endParaRPr lang="en-US" sz="1400" b="0" strike="noStrike" spc="-1">
+            <a:pPr>
+              <a:lnSpc>
+                <a:spcPct val="115000"/>
+              </a:lnSpc>
+            </a:pPr>
+            <a:r>
+              <a:rPr lang="en-US" sz="1800" b="0" strike="noStrike" spc="-1">
+                <a:latin typeface="Arial" panose="020B0604020202020204"/>
+              </a:rPr>
+              <a:t>Spring Boot khi chạy sẽ dò tìm toàn bộ các Class cùng cấp hoặc ở trong các package thấp hơn so với class App mà bạn cung cấp cho Spring (Chúng ta có thể cấu hình việc tìm kiếm này, sẽ đề cập sau). Trong quá trình dò tìm này, khi gặp một class được đánh dấu @Component thì nó sẽ tạo ra một instance và đưa vào ApplicationContext để quản lý.</a:t>
+            </a:r>
+            <a:endParaRPr lang="en-US" sz="1800" b="0" strike="noStrike" spc="-1">
+              <a:latin typeface="Arial" panose="020B0604020202020204"/>
+            </a:endParaRPr>
+          </a:p>
+          <a:p>
+            <a:pPr>
+              <a:lnSpc>
+                <a:spcPct val="115000"/>
+              </a:lnSpc>
+            </a:pPr>
+            <a:endParaRPr lang="en-US" sz="1800" b="0" strike="noStrike" spc="-1">
+              <a:latin typeface="Arial" panose="020B0604020202020204"/>
+            </a:endParaRPr>
+          </a:p>
+          <a:p>
+            <a:pPr>
+              <a:lnSpc>
+                <a:spcPct val="115000"/>
+              </a:lnSpc>
+            </a:pPr>
+            <a:r>
+              <a:rPr lang="en-US" sz="1800" b="0" strike="noStrike" spc="-1">
+                <a:latin typeface="Arial" panose="020B0604020202020204"/>
+              </a:rPr>
+              <a:t>Sau khi tìm thấy một class đánh dấu @Component. thì quá trình inject Bean xảy ra theo cách như sau:</a:t>
+            </a:r>
+            <a:endParaRPr lang="en-US" sz="1800" b="0" strike="noStrike" spc="-1">
+              <a:latin typeface="Arial" panose="020B0604020202020204"/>
+            </a:endParaRPr>
+          </a:p>
+          <a:p>
+            <a:pPr>
+              <a:lnSpc>
+                <a:spcPct val="115000"/>
+              </a:lnSpc>
+            </a:pPr>
+            <a:endParaRPr lang="en-US" sz="1800" b="0" strike="noStrike" spc="-1">
+              <a:latin typeface="Arial" panose="020B0604020202020204"/>
+            </a:endParaRPr>
+          </a:p>
+          <a:p>
+            <a:pPr marL="215900" indent="-215900">
+              <a:lnSpc>
+                <a:spcPct val="115000"/>
+              </a:lnSpc>
+              <a:buClr>
+                <a:srgbClr val="000000"/>
+              </a:buClr>
+              <a:buSzPct val="45000"/>
+              <a:buFont typeface="Wingdings" panose="05000000000000000000" pitchFamily="2" charset="2"/>
+              <a:buChar char=""/>
+            </a:pPr>
+            <a:r>
+              <a:rPr lang="en-US" sz="1800" b="0" strike="noStrike" spc="-1">
+                <a:latin typeface="Arial" panose="020B0604020202020204"/>
+              </a:rPr>
+              <a:t>Nếu Class không có hàm Constructor hay Setter. Thì sẽ sử dụng Java Reflection để đưa đối tượng vào thuộc tính có đánh dấu @Autowired.</a:t>
+            </a:r>
+            <a:endParaRPr lang="en-US" sz="1800" b="0" strike="noStrike" spc="-1">
+              <a:latin typeface="Arial" panose="020B0604020202020204"/>
+            </a:endParaRPr>
+          </a:p>
+          <a:p>
+            <a:pPr marL="215900" indent="-215900">
+              <a:lnSpc>
+                <a:spcPct val="115000"/>
+              </a:lnSpc>
+              <a:buClr>
+                <a:srgbClr val="000000"/>
+              </a:buClr>
+              <a:buSzPct val="45000"/>
+              <a:buFont typeface="Wingdings" panose="05000000000000000000" pitchFamily="2" charset="2"/>
+              <a:buChar char=""/>
+            </a:pPr>
+            <a:r>
+              <a:rPr lang="en-US" sz="1800" b="0" strike="noStrike" spc="-1">
+                <a:latin typeface="Arial" panose="020B0604020202020204"/>
+              </a:rPr>
+              <a:t>Nếu có hàm Constructor thì sẽ inject Bean vào bởi tham số của hàm</a:t>
+            </a:r>
+            <a:endParaRPr lang="en-US" sz="1800" b="0" strike="noStrike" spc="-1">
+              <a:latin typeface="Arial" panose="020B0604020202020204"/>
+            </a:endParaRPr>
+          </a:p>
+          <a:p>
+            <a:pPr marL="215900" indent="-215900">
+              <a:lnSpc>
+                <a:spcPct val="115000"/>
+              </a:lnSpc>
+              <a:buClr>
+                <a:srgbClr val="000000"/>
+              </a:buClr>
+              <a:buSzPct val="45000"/>
+              <a:buFont typeface="Wingdings" panose="05000000000000000000" pitchFamily="2" charset="2"/>
+              <a:buChar char=""/>
+            </a:pPr>
+            <a:r>
+              <a:rPr lang="en-US" sz="1800" b="0" strike="noStrike" spc="-1">
+                <a:latin typeface="Arial" panose="020B0604020202020204"/>
+              </a:rPr>
+              <a:t>Nếu có hàm Setter thì sẽ inject Bean vào bởi tham số của hàm</a:t>
+            </a:r>
+            <a:endParaRPr lang="en-US" sz="1800" b="0" strike="noStrike" spc="-1">
               <a:latin typeface="Arial" panose="020B0604020202020204"/>
             </a:endParaRPr>
           </a:p>

--- a/Spring.pptx
+++ b/Spring.pptx
@@ -5,34 +5,36 @@
     <p:sldMasterId id="2147483648" r:id="rId1"/>
   </p:sldMasterIdLst>
   <p:sldIdLst>
-    <p:sldId id="256" r:id="rId3"/>
-    <p:sldId id="298" r:id="rId4"/>
-    <p:sldId id="299" r:id="rId5"/>
-    <p:sldId id="323" r:id="rId6"/>
-    <p:sldId id="324" r:id="rId7"/>
-    <p:sldId id="257" r:id="rId8"/>
-    <p:sldId id="295" r:id="rId9"/>
+    <p:sldId id="256" r:id="rId2"/>
+    <p:sldId id="298" r:id="rId3"/>
+    <p:sldId id="299" r:id="rId4"/>
+    <p:sldId id="323" r:id="rId5"/>
+    <p:sldId id="324" r:id="rId6"/>
+    <p:sldId id="257" r:id="rId7"/>
+    <p:sldId id="295" r:id="rId8"/>
+    <p:sldId id="326" r:id="rId9"/>
     <p:sldId id="296" r:id="rId10"/>
     <p:sldId id="276" r:id="rId11"/>
     <p:sldId id="258" r:id="rId12"/>
     <p:sldId id="259" r:id="rId13"/>
     <p:sldId id="260" r:id="rId14"/>
     <p:sldId id="297" r:id="rId15"/>
-    <p:sldId id="261" r:id="rId16"/>
-    <p:sldId id="262" r:id="rId17"/>
-    <p:sldId id="263" r:id="rId18"/>
-    <p:sldId id="264" r:id="rId19"/>
-    <p:sldId id="265" r:id="rId20"/>
-    <p:sldId id="266" r:id="rId21"/>
-    <p:sldId id="267" r:id="rId22"/>
-    <p:sldId id="268" r:id="rId23"/>
-    <p:sldId id="269" r:id="rId24"/>
-    <p:sldId id="270" r:id="rId25"/>
-    <p:sldId id="271" r:id="rId26"/>
-    <p:sldId id="272" r:id="rId27"/>
-    <p:sldId id="273" r:id="rId28"/>
-    <p:sldId id="274" r:id="rId29"/>
-    <p:sldId id="275" r:id="rId30"/>
+    <p:sldId id="325" r:id="rId16"/>
+    <p:sldId id="261" r:id="rId17"/>
+    <p:sldId id="262" r:id="rId18"/>
+    <p:sldId id="263" r:id="rId19"/>
+    <p:sldId id="264" r:id="rId20"/>
+    <p:sldId id="265" r:id="rId21"/>
+    <p:sldId id="266" r:id="rId22"/>
+    <p:sldId id="267" r:id="rId23"/>
+    <p:sldId id="268" r:id="rId24"/>
+    <p:sldId id="269" r:id="rId25"/>
+    <p:sldId id="270" r:id="rId26"/>
+    <p:sldId id="271" r:id="rId27"/>
+    <p:sldId id="272" r:id="rId28"/>
+    <p:sldId id="273" r:id="rId29"/>
+    <p:sldId id="274" r:id="rId30"/>
+    <p:sldId id="275" r:id="rId31"/>
   </p:sldIdLst>
   <p:sldSz cx="10080625" cy="7559675"/>
   <p:notesSz cx="7772400" cy="10058400"/>
@@ -196,6 +198,7 @@
           <a:bodyPr lIns="0" tIns="0" rIns="0" bIns="0" anchor="ctr">
             <a:spAutoFit/>
           </a:bodyPr>
+          <a:lstStyle/>
           <a:p>
             <a:pPr algn="ctr"/>
             <a:endParaRPr lang="en-US" sz="4400" b="0" strike="noStrike" spc="-1">
@@ -227,6 +230,7 @@
           <a:bodyPr lIns="0" tIns="0" rIns="0" bIns="0">
             <a:spAutoFit/>
           </a:bodyPr>
+          <a:lstStyle/>
           <a:p>
             <a:endParaRPr lang="en-US" sz="3200" b="0" strike="noStrike" spc="-1">
               <a:latin typeface="Arial" panose="020B0604020202020204"/>
@@ -257,6 +261,7 @@
           <a:bodyPr lIns="0" tIns="0" rIns="0" bIns="0">
             <a:spAutoFit/>
           </a:bodyPr>
+          <a:lstStyle/>
           <a:p>
             <a:endParaRPr lang="en-US" sz="3200" b="0" strike="noStrike" spc="-1">
               <a:latin typeface="Arial" panose="020B0604020202020204"/>
@@ -312,6 +317,7 @@
           <a:bodyPr lIns="0" tIns="0" rIns="0" bIns="0" anchor="ctr">
             <a:spAutoFit/>
           </a:bodyPr>
+          <a:lstStyle/>
           <a:p>
             <a:pPr algn="ctr"/>
             <a:endParaRPr lang="en-US" sz="4400" b="0" strike="noStrike" spc="-1">
@@ -343,6 +349,7 @@
           <a:bodyPr lIns="0" tIns="0" rIns="0" bIns="0">
             <a:spAutoFit/>
           </a:bodyPr>
+          <a:lstStyle/>
           <a:p>
             <a:endParaRPr lang="en-US" sz="3200" b="0" strike="noStrike" spc="-1">
               <a:latin typeface="Arial" panose="020B0604020202020204"/>
@@ -373,6 +380,7 @@
           <a:bodyPr lIns="0" tIns="0" rIns="0" bIns="0">
             <a:spAutoFit/>
           </a:bodyPr>
+          <a:lstStyle/>
           <a:p>
             <a:endParaRPr lang="en-US" sz="3200" b="0" strike="noStrike" spc="-1">
               <a:latin typeface="Arial" panose="020B0604020202020204"/>
@@ -403,6 +411,7 @@
           <a:bodyPr lIns="0" tIns="0" rIns="0" bIns="0">
             <a:spAutoFit/>
           </a:bodyPr>
+          <a:lstStyle/>
           <a:p>
             <a:endParaRPr lang="en-US" sz="3200" b="0" strike="noStrike" spc="-1">
               <a:latin typeface="Arial" panose="020B0604020202020204"/>
@@ -433,6 +442,7 @@
           <a:bodyPr lIns="0" tIns="0" rIns="0" bIns="0">
             <a:spAutoFit/>
           </a:bodyPr>
+          <a:lstStyle/>
           <a:p>
             <a:endParaRPr lang="en-US" sz="3200" b="0" strike="noStrike" spc="-1">
               <a:latin typeface="Arial" panose="020B0604020202020204"/>
@@ -488,6 +498,7 @@
           <a:bodyPr lIns="0" tIns="0" rIns="0" bIns="0" anchor="ctr">
             <a:spAutoFit/>
           </a:bodyPr>
+          <a:lstStyle/>
           <a:p>
             <a:pPr algn="ctr"/>
             <a:endParaRPr lang="en-US" sz="4400" b="0" strike="noStrike" spc="-1">
@@ -519,6 +530,7 @@
           <a:bodyPr lIns="0" tIns="0" rIns="0" bIns="0">
             <a:spAutoFit/>
           </a:bodyPr>
+          <a:lstStyle/>
           <a:p>
             <a:endParaRPr lang="en-US" sz="3200" b="0" strike="noStrike" spc="-1">
               <a:latin typeface="Arial" panose="020B0604020202020204"/>
@@ -549,6 +561,7 @@
           <a:bodyPr lIns="0" tIns="0" rIns="0" bIns="0">
             <a:spAutoFit/>
           </a:bodyPr>
+          <a:lstStyle/>
           <a:p>
             <a:endParaRPr lang="en-US" sz="3200" b="0" strike="noStrike" spc="-1">
               <a:latin typeface="Arial" panose="020B0604020202020204"/>
@@ -579,6 +592,7 @@
           <a:bodyPr lIns="0" tIns="0" rIns="0" bIns="0">
             <a:spAutoFit/>
           </a:bodyPr>
+          <a:lstStyle/>
           <a:p>
             <a:endParaRPr lang="en-US" sz="3200" b="0" strike="noStrike" spc="-1">
               <a:latin typeface="Arial" panose="020B0604020202020204"/>
@@ -609,6 +623,7 @@
           <a:bodyPr lIns="0" tIns="0" rIns="0" bIns="0">
             <a:spAutoFit/>
           </a:bodyPr>
+          <a:lstStyle/>
           <a:p>
             <a:endParaRPr lang="en-US" sz="3200" b="0" strike="noStrike" spc="-1">
               <a:latin typeface="Arial" panose="020B0604020202020204"/>
@@ -639,6 +654,7 @@
           <a:bodyPr lIns="0" tIns="0" rIns="0" bIns="0">
             <a:spAutoFit/>
           </a:bodyPr>
+          <a:lstStyle/>
           <a:p>
             <a:endParaRPr lang="en-US" sz="3200" b="0" strike="noStrike" spc="-1">
               <a:latin typeface="Arial" panose="020B0604020202020204"/>
@@ -669,6 +685,7 @@
           <a:bodyPr lIns="0" tIns="0" rIns="0" bIns="0">
             <a:spAutoFit/>
           </a:bodyPr>
+          <a:lstStyle/>
           <a:p>
             <a:endParaRPr lang="en-US" sz="3200" b="0" strike="noStrike" spc="-1">
               <a:latin typeface="Arial" panose="020B0604020202020204"/>
@@ -724,6 +741,7 @@
           <a:bodyPr lIns="0" tIns="0" rIns="0" bIns="0" anchor="ctr">
             <a:spAutoFit/>
           </a:bodyPr>
+          <a:lstStyle/>
           <a:p>
             <a:pPr algn="ctr"/>
             <a:endParaRPr lang="en-US" sz="4400" b="0" strike="noStrike" spc="-1">
@@ -755,6 +773,7 @@
           <a:bodyPr lIns="0" tIns="0" rIns="0" bIns="0" anchor="ctr">
             <a:spAutoFit/>
           </a:bodyPr>
+          <a:lstStyle/>
           <a:p>
             <a:pPr algn="ctr"/>
             <a:endParaRPr lang="en-US" sz="3200" b="0" strike="noStrike" spc="-1">
@@ -811,6 +830,7 @@
           <a:bodyPr lIns="0" tIns="0" rIns="0" bIns="0" anchor="ctr">
             <a:spAutoFit/>
           </a:bodyPr>
+          <a:lstStyle/>
           <a:p>
             <a:pPr algn="ctr"/>
             <a:endParaRPr lang="en-US" sz="4400" b="0" strike="noStrike" spc="-1">
@@ -842,6 +862,7 @@
           <a:bodyPr lIns="0" tIns="0" rIns="0" bIns="0">
             <a:spAutoFit/>
           </a:bodyPr>
+          <a:lstStyle/>
           <a:p>
             <a:endParaRPr lang="en-US" sz="3200" b="0" strike="noStrike" spc="-1">
               <a:latin typeface="Arial" panose="020B0604020202020204"/>
@@ -897,6 +918,7 @@
           <a:bodyPr lIns="0" tIns="0" rIns="0" bIns="0" anchor="ctr">
             <a:spAutoFit/>
           </a:bodyPr>
+          <a:lstStyle/>
           <a:p>
             <a:pPr algn="ctr"/>
             <a:endParaRPr lang="en-US" sz="4400" b="0" strike="noStrike" spc="-1">
@@ -928,6 +950,7 @@
           <a:bodyPr lIns="0" tIns="0" rIns="0" bIns="0">
             <a:spAutoFit/>
           </a:bodyPr>
+          <a:lstStyle/>
           <a:p>
             <a:endParaRPr lang="en-US" sz="3200" b="0" strike="noStrike" spc="-1">
               <a:latin typeface="Arial" panose="020B0604020202020204"/>
@@ -958,6 +981,7 @@
           <a:bodyPr lIns="0" tIns="0" rIns="0" bIns="0">
             <a:spAutoFit/>
           </a:bodyPr>
+          <a:lstStyle/>
           <a:p>
             <a:endParaRPr lang="en-US" sz="3200" b="0" strike="noStrike" spc="-1">
               <a:latin typeface="Arial" panose="020B0604020202020204"/>
@@ -1013,6 +1037,7 @@
           <a:bodyPr lIns="0" tIns="0" rIns="0" bIns="0" anchor="ctr">
             <a:spAutoFit/>
           </a:bodyPr>
+          <a:lstStyle/>
           <a:p>
             <a:pPr algn="ctr"/>
             <a:endParaRPr lang="en-US" sz="4400" b="0" strike="noStrike" spc="-1">
@@ -1069,6 +1094,7 @@
           <a:bodyPr lIns="0" tIns="0" rIns="0" bIns="0" anchor="ctr">
             <a:spAutoFit/>
           </a:bodyPr>
+          <a:lstStyle/>
           <a:p>
             <a:pPr algn="ctr"/>
             <a:endParaRPr lang="en-US" sz="3200" b="0" strike="noStrike" spc="-1">
@@ -1125,6 +1151,7 @@
           <a:bodyPr lIns="0" tIns="0" rIns="0" bIns="0" anchor="ctr">
             <a:spAutoFit/>
           </a:bodyPr>
+          <a:lstStyle/>
           <a:p>
             <a:pPr algn="ctr"/>
             <a:endParaRPr lang="en-US" sz="4400" b="0" strike="noStrike" spc="-1">
@@ -1156,6 +1183,7 @@
           <a:bodyPr lIns="0" tIns="0" rIns="0" bIns="0">
             <a:spAutoFit/>
           </a:bodyPr>
+          <a:lstStyle/>
           <a:p>
             <a:endParaRPr lang="en-US" sz="3200" b="0" strike="noStrike" spc="-1">
               <a:latin typeface="Arial" panose="020B0604020202020204"/>
@@ -1186,6 +1214,7 @@
           <a:bodyPr lIns="0" tIns="0" rIns="0" bIns="0">
             <a:spAutoFit/>
           </a:bodyPr>
+          <a:lstStyle/>
           <a:p>
             <a:endParaRPr lang="en-US" sz="3200" b="0" strike="noStrike" spc="-1">
               <a:latin typeface="Arial" panose="020B0604020202020204"/>
@@ -1216,6 +1245,7 @@
           <a:bodyPr lIns="0" tIns="0" rIns="0" bIns="0">
             <a:spAutoFit/>
           </a:bodyPr>
+          <a:lstStyle/>
           <a:p>
             <a:endParaRPr lang="en-US" sz="3200" b="0" strike="noStrike" spc="-1">
               <a:latin typeface="Arial" panose="020B0604020202020204"/>
@@ -1271,6 +1301,7 @@
           <a:bodyPr lIns="0" tIns="0" rIns="0" bIns="0" anchor="ctr">
             <a:spAutoFit/>
           </a:bodyPr>
+          <a:lstStyle/>
           <a:p>
             <a:pPr algn="ctr"/>
             <a:endParaRPr lang="en-US" sz="4400" b="0" strike="noStrike" spc="-1">
@@ -1302,6 +1333,7 @@
           <a:bodyPr lIns="0" tIns="0" rIns="0" bIns="0">
             <a:spAutoFit/>
           </a:bodyPr>
+          <a:lstStyle/>
           <a:p>
             <a:endParaRPr lang="en-US" sz="3200" b="0" strike="noStrike" spc="-1">
               <a:latin typeface="Arial" panose="020B0604020202020204"/>
@@ -1332,6 +1364,7 @@
           <a:bodyPr lIns="0" tIns="0" rIns="0" bIns="0">
             <a:spAutoFit/>
           </a:bodyPr>
+          <a:lstStyle/>
           <a:p>
             <a:endParaRPr lang="en-US" sz="3200" b="0" strike="noStrike" spc="-1">
               <a:latin typeface="Arial" panose="020B0604020202020204"/>
@@ -1362,6 +1395,7 @@
           <a:bodyPr lIns="0" tIns="0" rIns="0" bIns="0">
             <a:spAutoFit/>
           </a:bodyPr>
+          <a:lstStyle/>
           <a:p>
             <a:endParaRPr lang="en-US" sz="3200" b="0" strike="noStrike" spc="-1">
               <a:latin typeface="Arial" panose="020B0604020202020204"/>
@@ -1417,6 +1451,7 @@
           <a:bodyPr lIns="0" tIns="0" rIns="0" bIns="0" anchor="ctr">
             <a:spAutoFit/>
           </a:bodyPr>
+          <a:lstStyle/>
           <a:p>
             <a:pPr algn="ctr"/>
             <a:endParaRPr lang="en-US" sz="4400" b="0" strike="noStrike" spc="-1">
@@ -1448,6 +1483,7 @@
           <a:bodyPr lIns="0" tIns="0" rIns="0" bIns="0">
             <a:spAutoFit/>
           </a:bodyPr>
+          <a:lstStyle/>
           <a:p>
             <a:endParaRPr lang="en-US" sz="3200" b="0" strike="noStrike" spc="-1">
               <a:latin typeface="Arial" panose="020B0604020202020204"/>
@@ -1478,6 +1514,7 @@
           <a:bodyPr lIns="0" tIns="0" rIns="0" bIns="0">
             <a:spAutoFit/>
           </a:bodyPr>
+          <a:lstStyle/>
           <a:p>
             <a:endParaRPr lang="en-US" sz="3200" b="0" strike="noStrike" spc="-1">
               <a:latin typeface="Arial" panose="020B0604020202020204"/>
@@ -1508,6 +1545,7 @@
           <a:bodyPr lIns="0" tIns="0" rIns="0" bIns="0">
             <a:spAutoFit/>
           </a:bodyPr>
+          <a:lstStyle/>
           <a:p>
             <a:endParaRPr lang="en-US" sz="3200" b="0" strike="noStrike" spc="-1">
               <a:latin typeface="Arial" panose="020B0604020202020204"/>
@@ -1547,7 +1585,7 @@
       </p:grpSpPr>
       <p:sp>
         <p:nvSpPr>
-          <p:cNvPr id="0" name="PlaceHolder 1"/>
+          <p:cNvPr id="6" name="PlaceHolder 1"/>
           <p:cNvSpPr>
             <a:spLocks noGrp="1"/>
           </p:cNvSpPr>
@@ -1568,6 +1606,7 @@
           <a:bodyPr lIns="0" tIns="0" rIns="0" bIns="0" anchor="ctr">
             <a:noAutofit/>
           </a:bodyPr>
+          <a:lstStyle/>
           <a:p>
             <a:pPr algn="ctr"/>
             <a:r>
@@ -1576,9 +1615,6 @@
               </a:rPr>
               <a:t>Click to edit the title text format</a:t>
             </a:r>
-            <a:endParaRPr lang="en-US" sz="4400" b="0" strike="noStrike" spc="-1">
-              <a:latin typeface="Arial" panose="020B0604020202020204"/>
-            </a:endParaRPr>
           </a:p>
         </p:txBody>
       </p:sp>
@@ -1605,6 +1641,7 @@
           <a:bodyPr lIns="0" tIns="0" rIns="0" bIns="0">
             <a:spAutoFit/>
           </a:bodyPr>
+          <a:lstStyle/>
           <a:p>
             <a:pPr marL="431800" indent="-323850">
               <a:spcAft>
@@ -1623,9 +1660,6 @@
               </a:rPr>
               <a:t>Click to edit the outline text format</a:t>
             </a:r>
-            <a:endParaRPr lang="en-US" sz="3200" b="0" strike="noStrike" spc="-1">
-              <a:latin typeface="Arial" panose="020B0604020202020204"/>
-            </a:endParaRPr>
           </a:p>
           <a:p>
             <a:pPr marL="864235" lvl="1" indent="-323850">
@@ -1645,9 +1679,6 @@
               </a:rPr>
               <a:t>Second Outline Level</a:t>
             </a:r>
-            <a:endParaRPr lang="en-US" sz="2800" b="0" strike="noStrike" spc="-1">
-              <a:latin typeface="Arial" panose="020B0604020202020204"/>
-            </a:endParaRPr>
           </a:p>
           <a:p>
             <a:pPr marL="1296035" lvl="2" indent="-288290">
@@ -1667,9 +1698,6 @@
               </a:rPr>
               <a:t>Third Outline Level</a:t>
             </a:r>
-            <a:endParaRPr lang="en-US" sz="2400" b="0" strike="noStrike" spc="-1">
-              <a:latin typeface="Arial" panose="020B0604020202020204"/>
-            </a:endParaRPr>
           </a:p>
           <a:p>
             <a:pPr marL="1727835" lvl="3" indent="-215900">
@@ -1689,9 +1717,6 @@
               </a:rPr>
               <a:t>Fourth Outline Level</a:t>
             </a:r>
-            <a:endParaRPr lang="en-US" sz="2000" b="0" strike="noStrike" spc="-1">
-              <a:latin typeface="Arial" panose="020B0604020202020204"/>
-            </a:endParaRPr>
           </a:p>
           <a:p>
             <a:pPr marL="2160270" lvl="4" indent="-215900">
@@ -1711,9 +1736,6 @@
               </a:rPr>
               <a:t>Fifth Outline Level</a:t>
             </a:r>
-            <a:endParaRPr lang="en-US" sz="2000" b="0" strike="noStrike" spc="-1">
-              <a:latin typeface="Arial" panose="020B0604020202020204"/>
-            </a:endParaRPr>
           </a:p>
           <a:p>
             <a:pPr marL="2592070" lvl="5" indent="-215900">
@@ -1733,9 +1755,6 @@
               </a:rPr>
               <a:t>Sixth Outline Level</a:t>
             </a:r>
-            <a:endParaRPr lang="en-US" sz="2000" b="0" strike="noStrike" spc="-1">
-              <a:latin typeface="Arial" panose="020B0604020202020204"/>
-            </a:endParaRPr>
           </a:p>
           <a:p>
             <a:pPr marL="3023870" lvl="6" indent="-215900">
@@ -1755,9 +1774,6 @@
               </a:rPr>
               <a:t>Seventh Outline Level</a:t>
             </a:r>
-            <a:endParaRPr lang="en-US" sz="2000" b="0" strike="noStrike" spc="-1">
-              <a:latin typeface="Arial" panose="020B0604020202020204"/>
-            </a:endParaRPr>
           </a:p>
         </p:txBody>
       </p:sp>
@@ -1784,6 +1800,7 @@
           <a:bodyPr lIns="0" tIns="0" rIns="0" bIns="0">
             <a:noAutofit/>
           </a:bodyPr>
+          <a:lstStyle/>
           <a:p>
             <a:r>
               <a:rPr lang="en-US" sz="1400" b="0" strike="noStrike" spc="-1">
@@ -1791,9 +1808,6 @@
               </a:rPr>
               <a:t>&lt;date/time&gt;</a:t>
             </a:r>
-            <a:endParaRPr lang="en-US" sz="1400" b="0" strike="noStrike" spc="-1">
-              <a:latin typeface="Times New Roman" panose="02020603050405020304"/>
-            </a:endParaRPr>
           </a:p>
         </p:txBody>
       </p:sp>
@@ -1820,6 +1834,7 @@
           <a:bodyPr lIns="0" tIns="0" rIns="0" bIns="0">
             <a:noAutofit/>
           </a:bodyPr>
+          <a:lstStyle/>
           <a:p>
             <a:pPr algn="ctr"/>
             <a:r>
@@ -1828,9 +1843,6 @@
               </a:rPr>
               <a:t>&lt;footer&gt;</a:t>
             </a:r>
-            <a:endParaRPr lang="en-US" sz="1400" b="0" strike="noStrike" spc="-1">
-              <a:latin typeface="Times New Roman" panose="02020603050405020304"/>
-            </a:endParaRPr>
           </a:p>
         </p:txBody>
       </p:sp>
@@ -1857,12 +1869,14 @@
           <a:bodyPr lIns="0" tIns="0" rIns="0" bIns="0">
             <a:noAutofit/>
           </a:bodyPr>
+          <a:lstStyle/>
           <a:p>
             <a:pPr algn="r"/>
             <a:fld id="{14AE4065-4D9B-4134-9BA8-E34BFE22B87A}" type="slidenum">
               <a:rPr lang="en-US" sz="1400" b="0" strike="noStrike" spc="-1">
                 <a:latin typeface="Times New Roman" panose="02020603050405020304"/>
               </a:rPr>
+              <a:t>‹#›</a:t>
             </a:fld>
             <a:endParaRPr lang="en-US" sz="1400" b="0" strike="noStrike" spc="-1">
               <a:latin typeface="Times New Roman" panose="02020603050405020304"/>
@@ -1935,6 +1949,7 @@
           <a:bodyPr lIns="0" tIns="0" rIns="0" bIns="0" anchor="ctr">
             <a:spAutoFit/>
           </a:bodyPr>
+          <a:lstStyle/>
           <a:p>
             <a:pPr algn="ctr"/>
             <a:r>
@@ -1943,9 +1958,6 @@
               </a:rPr>
               <a:t>Content</a:t>
             </a:r>
-            <a:endParaRPr lang="en-US" sz="4400" b="0" strike="noStrike" spc="-1">
-              <a:latin typeface="Arial" panose="020B0604020202020204"/>
-            </a:endParaRPr>
           </a:p>
         </p:txBody>
       </p:sp>
@@ -1972,6 +1984,7 @@
           <a:bodyPr lIns="90000" tIns="45000" rIns="90000" bIns="45000">
             <a:spAutoFit/>
           </a:bodyPr>
+          <a:lstStyle/>
           <a:p>
             <a:pPr>
               <a:lnSpc>
@@ -1984,9 +1997,6 @@
               </a:rPr>
               <a:t>1.Spring Bean</a:t>
             </a:r>
-            <a:endParaRPr lang="en-US" sz="1800" b="0" strike="noStrike" spc="-1">
-              <a:latin typeface="Arial" panose="020B0604020202020204"/>
-            </a:endParaRPr>
           </a:p>
           <a:p>
             <a:pPr>
@@ -2000,9 +2010,6 @@
               </a:rPr>
               <a:t>2. Annotation</a:t>
             </a:r>
-            <a:endParaRPr lang="en-US" sz="1800" b="0" strike="noStrike" spc="-1">
-              <a:latin typeface="Arial" panose="020B0604020202020204"/>
-            </a:endParaRPr>
           </a:p>
           <a:p>
             <a:pPr>
@@ -2016,9 +2023,6 @@
               </a:rPr>
               <a:t>3. Spring JPA</a:t>
             </a:r>
-            <a:endParaRPr lang="en-US" sz="1800" b="0" strike="noStrike" spc="-1">
-              <a:latin typeface="Arial" panose="020B0604020202020204"/>
-            </a:endParaRPr>
           </a:p>
           <a:p>
             <a:pPr>
@@ -2032,9 +2036,6 @@
               </a:rPr>
               <a:t>4. Spring Security (JWT)</a:t>
             </a:r>
-            <a:endParaRPr lang="en-US" sz="1800" b="0" strike="noStrike" spc="-1">
-              <a:latin typeface="Arial" panose="020B0604020202020204"/>
-            </a:endParaRPr>
           </a:p>
           <a:p>
             <a:pPr>
@@ -2048,9 +2049,6 @@
               </a:rPr>
               <a:t>5. Oauth2</a:t>
             </a:r>
-            <a:endParaRPr lang="en-US" sz="1800" b="0" strike="noStrike" spc="-1">
-              <a:latin typeface="Arial" panose="020B0604020202020204"/>
-            </a:endParaRPr>
           </a:p>
           <a:p>
             <a:pPr>
@@ -2064,9 +2062,6 @@
               </a:rPr>
               <a:t>6. JMS and ActiveMQ</a:t>
             </a:r>
-            <a:endParaRPr lang="en-US" sz="1800" b="0" strike="noStrike" spc="-1">
-              <a:latin typeface="Arial" panose="020B0604020202020204"/>
-            </a:endParaRPr>
           </a:p>
         </p:txBody>
       </p:sp>
@@ -2075,14 +2070,21 @@
   <p:clrMapOvr>
     <a:masterClrMapping/>
   </p:clrMapOvr>
-  <mc:AlternateContent xmlns:mc="http://schemas.openxmlformats.org/markup-compatibility/2006">
-    <mc:Choice xmlns:p14="http://schemas.microsoft.com/office/powerpoint/2010/main" Requires="p14">
+  <mc:AlternateContent xmlns:mc="http://schemas.openxmlformats.org/markup-compatibility/2006" xmlns:p14="http://schemas.microsoft.com/office/powerpoint/2010/main">
+    <mc:Choice Requires="p14">
       <p:transition spd="slow" p14:dur="2000"/>
     </mc:Choice>
-    <mc:Fallback>
+    <mc:Fallback xmlns="">
       <p:transition spd="slow"/>
     </mc:Fallback>
   </mc:AlternateContent>
+  <p:timing>
+    <p:tnLst>
+      <p:par>
+        <p:cTn id="1" dur="indefinite" restart="never" nodeType="tmRoot"/>
+      </p:par>
+    </p:tnLst>
+  </p:timing>
 </p:sld>
 </file>
 
@@ -2105,7 +2107,7 @@
       </p:grpSpPr>
       <p:sp>
         <p:nvSpPr>
-          <p:cNvPr id="45" name="TextShape 1"/>
+          <p:cNvPr id="43" name="TextShape 1"/>
           <p:cNvSpPr txBox="1"/>
           <p:nvPr/>
         </p:nvSpPr>
@@ -2126,6 +2128,7 @@
           <a:bodyPr lIns="0" tIns="0" rIns="0" bIns="0" anchor="ctr">
             <a:spAutoFit/>
           </a:bodyPr>
+          <a:lstStyle/>
           <a:p>
             <a:pPr algn="ctr"/>
             <a:r>
@@ -2134,75 +2137,158 @@
               </a:rPr>
               <a:t>@Component </a:t>
             </a:r>
-            <a:endParaRPr lang="en-US" sz="4400" b="0" strike="noStrike" spc="-1">
-              <a:latin typeface="Arial" panose="020B0604020202020204"/>
-            </a:endParaRPr>
-          </a:p>
-        </p:txBody>
-      </p:sp>
-      <p:pic>
-        <p:nvPicPr>
-          <p:cNvPr id="46" name="Picture 45"/>
-          <p:cNvPicPr/>
+          </a:p>
+        </p:txBody>
+      </p:sp>
+      <p:sp>
+        <p:nvSpPr>
+          <p:cNvPr id="44" name="TextShape 2"/>
+          <p:cNvSpPr txBox="1"/>
           <p:nvPr/>
-        </p:nvPicPr>
-        <p:blipFill>
-          <a:blip r:embed="rId1"/>
-          <a:stretch>
-            <a:fillRect/>
-          </a:stretch>
-        </p:blipFill>
-        <p:spPr>
-          <a:xfrm>
-            <a:off x="731520" y="1661400"/>
-            <a:ext cx="8747280" cy="2361960"/>
-          </a:xfrm>
-          <a:prstGeom prst="rect">
-            <a:avLst/>
-          </a:prstGeom>
+        </p:nvSpPr>
+        <p:spPr>
+          <a:xfrm>
+            <a:off x="736560" y="1737360"/>
+            <a:ext cx="8316000" cy="3913920"/>
+          </a:xfrm>
+          <a:prstGeom prst="rect">
+            <a:avLst/>
+          </a:prstGeom>
+          <a:noFill/>
           <a:ln>
             <a:noFill/>
           </a:ln>
         </p:spPr>
-      </p:pic>
-      <p:pic>
-        <p:nvPicPr>
-          <p:cNvPr id="47" name="Picture 46"/>
-          <p:cNvPicPr/>
-          <p:nvPr/>
-        </p:nvPicPr>
-        <p:blipFill>
-          <a:blip r:embed="rId2"/>
-          <a:stretch>
-            <a:fillRect/>
-          </a:stretch>
-        </p:blipFill>
-        <p:spPr>
-          <a:xfrm>
-            <a:off x="1494000" y="4206240"/>
-            <a:ext cx="7467120" cy="2781000"/>
-          </a:xfrm>
-          <a:prstGeom prst="rect">
-            <a:avLst/>
-          </a:prstGeom>
-          <a:ln>
-            <a:noFill/>
-          </a:ln>
-        </p:spPr>
-      </p:pic>
+        <p:txBody>
+          <a:bodyPr lIns="90000" tIns="45000" rIns="90000" bIns="45000">
+            <a:spAutoFit/>
+          </a:bodyPr>
+          <a:lstStyle/>
+          <a:p>
+            <a:pPr>
+              <a:lnSpc>
+                <a:spcPct val="115000"/>
+              </a:lnSpc>
+            </a:pPr>
+            <a:r>
+              <a:rPr lang="en-US" sz="1800" b="0" strike="noStrike" spc="-1">
+                <a:latin typeface="Arial" panose="020B0604020202020204"/>
+              </a:rPr>
+              <a:t>Spring Boot khi chạy sẽ dò tìm toàn bộ các Class cùng cấp hoặc ở trong các package thấp hơn so với class App mà bạn cung cấp cho Spring (Chúng ta có thể cấu hình việc tìm kiếm này, sẽ đề cập sau). Trong quá trình dò tìm này, khi gặp một class được đánh dấu @Component thì nó sẽ tạo ra một instance và đưa vào ApplicationContext để quản lý.</a:t>
+            </a:r>
+          </a:p>
+          <a:p>
+            <a:pPr>
+              <a:lnSpc>
+                <a:spcPct val="115000"/>
+              </a:lnSpc>
+            </a:pPr>
+            <a:endParaRPr lang="en-US" sz="1800" b="0" strike="noStrike" spc="-1">
+              <a:latin typeface="Arial" panose="020B0604020202020204"/>
+            </a:endParaRPr>
+          </a:p>
+          <a:p>
+            <a:pPr>
+              <a:lnSpc>
+                <a:spcPct val="115000"/>
+              </a:lnSpc>
+            </a:pPr>
+            <a:r>
+              <a:rPr lang="en-US" sz="1800" b="0" strike="noStrike" spc="-1">
+                <a:latin typeface="Arial" panose="020B0604020202020204"/>
+              </a:rPr>
+              <a:t>Sau khi tìm thấy một class đánh dấu @Component. thì quá trình inject Bean xảy ra theo cách như sau:</a:t>
+            </a:r>
+          </a:p>
+          <a:p>
+            <a:pPr>
+              <a:lnSpc>
+                <a:spcPct val="115000"/>
+              </a:lnSpc>
+            </a:pPr>
+            <a:endParaRPr lang="en-US" sz="1800" b="0" strike="noStrike" spc="-1">
+              <a:latin typeface="Arial" panose="020B0604020202020204"/>
+            </a:endParaRPr>
+          </a:p>
+          <a:p>
+            <a:pPr marL="215900" indent="-215900">
+              <a:lnSpc>
+                <a:spcPct val="115000"/>
+              </a:lnSpc>
+              <a:buClr>
+                <a:srgbClr val="000000"/>
+              </a:buClr>
+              <a:buSzPct val="45000"/>
+              <a:buFont typeface="Wingdings" panose="05000000000000000000" pitchFamily="2" charset="2"/>
+              <a:buChar char=""/>
+            </a:pPr>
+            <a:r>
+              <a:rPr lang="en-US" sz="1800" b="0" strike="noStrike" spc="-1">
+                <a:latin typeface="Arial" panose="020B0604020202020204"/>
+              </a:rPr>
+              <a:t>Nếu Class không có hàm Constructor hay Setter. Thì sẽ sử dụng Java Reflection để đưa đối tượng vào thuộc tính có đánh dấu @Autowired.</a:t>
+            </a:r>
+          </a:p>
+          <a:p>
+            <a:pPr marL="215900" indent="-215900">
+              <a:lnSpc>
+                <a:spcPct val="115000"/>
+              </a:lnSpc>
+              <a:buClr>
+                <a:srgbClr val="000000"/>
+              </a:buClr>
+              <a:buSzPct val="45000"/>
+              <a:buFont typeface="Wingdings" panose="05000000000000000000" pitchFamily="2" charset="2"/>
+              <a:buChar char=""/>
+            </a:pPr>
+            <a:r>
+              <a:rPr lang="en-US" sz="1800" b="0" strike="noStrike" spc="-1">
+                <a:latin typeface="Arial" panose="020B0604020202020204"/>
+              </a:rPr>
+              <a:t>Nếu có hàm Constructor thì sẽ inject Bean vào bởi tham số của hàm</a:t>
+            </a:r>
+          </a:p>
+          <a:p>
+            <a:pPr marL="215900" indent="-215900">
+              <a:lnSpc>
+                <a:spcPct val="115000"/>
+              </a:lnSpc>
+              <a:buClr>
+                <a:srgbClr val="000000"/>
+              </a:buClr>
+              <a:buSzPct val="45000"/>
+              <a:buFont typeface="Wingdings" panose="05000000000000000000" pitchFamily="2" charset="2"/>
+              <a:buChar char=""/>
+            </a:pPr>
+            <a:r>
+              <a:rPr lang="en-US" sz="1800" b="0" strike="noStrike" spc="-1">
+                <a:latin typeface="Arial" panose="020B0604020202020204"/>
+              </a:rPr>
+              <a:t>Nếu có hàm Setter thì sẽ inject Bean vào bởi tham số của hàm</a:t>
+            </a:r>
+          </a:p>
+        </p:txBody>
+      </p:sp>
     </p:spTree>
   </p:cSld>
   <p:clrMapOvr>
     <a:masterClrMapping/>
   </p:clrMapOvr>
-  <mc:AlternateContent xmlns:mc="http://schemas.openxmlformats.org/markup-compatibility/2006">
-    <mc:Choice xmlns:p14="http://schemas.microsoft.com/office/powerpoint/2010/main" Requires="p14">
+  <mc:AlternateContent xmlns:mc="http://schemas.openxmlformats.org/markup-compatibility/2006" xmlns:p14="http://schemas.microsoft.com/office/powerpoint/2010/main">
+    <mc:Choice Requires="p14">
       <p:transition spd="slow" p14:dur="2000"/>
     </mc:Choice>
-    <mc:Fallback>
+    <mc:Fallback xmlns="">
       <p:transition spd="slow"/>
     </mc:Fallback>
   </mc:AlternateContent>
+  <p:timing>
+    <p:tnLst>
+      <p:par>
+        <p:cTn id="1" dur="indefinite" restart="never" nodeType="tmRoot"/>
+      </p:par>
+    </p:tnLst>
+  </p:timing>
 </p:sld>
 </file>
 
@@ -2225,7 +2311,7 @@
       </p:grpSpPr>
       <p:sp>
         <p:nvSpPr>
-          <p:cNvPr id="48" name="TextShape 1"/>
+          <p:cNvPr id="45" name="TextShape 1"/>
           <p:cNvSpPr txBox="1"/>
           <p:nvPr/>
         </p:nvSpPr>
@@ -2246,227 +2332,88 @@
           <a:bodyPr lIns="0" tIns="0" rIns="0" bIns="0" anchor="ctr">
             <a:spAutoFit/>
           </a:bodyPr>
+          <a:lstStyle/>
           <a:p>
             <a:pPr algn="ctr"/>
             <a:r>
               <a:rPr lang="en-US" sz="4400" b="0" strike="noStrike" spc="-1">
                 <a:latin typeface="Arial" panose="020B0604020202020204"/>
               </a:rPr>
-              <a:t>@Service vs @Repository </a:t>
-            </a:r>
-            <a:endParaRPr lang="en-US" sz="4400" b="0" strike="noStrike" spc="-1">
-              <a:latin typeface="Arial" panose="020B0604020202020204"/>
-            </a:endParaRPr>
-          </a:p>
-        </p:txBody>
-      </p:sp>
-      <p:sp>
-        <p:nvSpPr>
-          <p:cNvPr id="49" name="TextShape 2"/>
-          <p:cNvSpPr txBox="1"/>
+              <a:t>@Component </a:t>
+            </a:r>
+          </a:p>
+        </p:txBody>
+      </p:sp>
+      <p:pic>
+        <p:nvPicPr>
+          <p:cNvPr id="46" name="Picture 45"/>
+          <p:cNvPicPr/>
           <p:nvPr/>
-        </p:nvSpPr>
-        <p:spPr>
-          <a:xfrm>
-            <a:off x="554400" y="1920240"/>
-            <a:ext cx="8498160" cy="4227480"/>
-          </a:xfrm>
-          <a:prstGeom prst="rect">
-            <a:avLst/>
-          </a:prstGeom>
-          <a:noFill/>
+        </p:nvPicPr>
+        <p:blipFill>
+          <a:blip r:embed="rId2"/>
+          <a:stretch>
+            <a:fillRect/>
+          </a:stretch>
+        </p:blipFill>
+        <p:spPr>
+          <a:xfrm>
+            <a:off x="731520" y="1661400"/>
+            <a:ext cx="8747280" cy="2361960"/>
+          </a:xfrm>
+          <a:prstGeom prst="rect">
+            <a:avLst/>
+          </a:prstGeom>
           <a:ln>
             <a:noFill/>
           </a:ln>
         </p:spPr>
-        <p:txBody>
-          <a:bodyPr lIns="90000" tIns="45000" rIns="90000" bIns="45000">
-            <a:spAutoFit/>
-          </a:bodyPr>
-          <a:p>
-            <a:r>
-              <a:rPr lang="en-US" sz="1800" b="0" strike="noStrike" spc="-1">
-                <a:latin typeface="Arial" panose="020B0604020202020204"/>
-              </a:rPr>
-              <a:t>Về bản chất @Service và @Repository cũng chính là @Component. Nhưng đặt tên khác nhau để giúp chúng ta phân biệt các tầng với nhau.</a:t>
-            </a:r>
-            <a:endParaRPr lang="en-US" sz="1800" b="0" strike="noStrike" spc="-1">
-              <a:latin typeface="Arial" panose="020B0604020202020204"/>
-            </a:endParaRPr>
-          </a:p>
-          <a:p>
-            <a:endParaRPr lang="en-US" sz="1800" b="0" strike="noStrike" spc="-1">
-              <a:latin typeface="Arial" panose="020B0604020202020204"/>
-            </a:endParaRPr>
-          </a:p>
-          <a:p>
-            <a:r>
-              <a:rPr lang="en-US" sz="1800" b="0" strike="noStrike" spc="-1">
-                <a:latin typeface="Arial" panose="020B0604020202020204"/>
-              </a:rPr>
-              <a:t>Trong các bài đầu tiên chúng ta đã biết @Component đánh dấu cho Spring Boot biết Class đó là Bean</a:t>
-            </a:r>
-            <a:endParaRPr lang="en-US" sz="1800" b="0" strike="noStrike" spc="-1">
-              <a:latin typeface="Arial" panose="020B0604020202020204"/>
-            </a:endParaRPr>
-          </a:p>
-          <a:p>
-            <a:endParaRPr lang="en-US" sz="1800" b="0" strike="noStrike" spc="-1">
-              <a:latin typeface="Arial" panose="020B0604020202020204"/>
-            </a:endParaRPr>
-          </a:p>
-          <a:p>
-            <a:r>
-              <a:rPr lang="en-US" sz="1800" b="0" strike="noStrike" spc="-1">
-                <a:latin typeface="Arial" panose="020B0604020202020204"/>
-              </a:rPr>
-              <a:t>Về bản chất thì bạn có thể sử dụng thay thế 3 Annotation @</a:t>
-            </a:r>
-            <a:r>
-              <a:rPr lang="en-US" sz="1800" b="1" strike="noStrike" spc="-1">
-                <a:latin typeface="Arial" panose="020B0604020202020204"/>
-              </a:rPr>
-              <a:t>Component</a:t>
-            </a:r>
-            <a:r>
-              <a:rPr lang="en-US" sz="1800" b="0" strike="noStrike" spc="-1">
-                <a:latin typeface="Arial" panose="020B0604020202020204"/>
-              </a:rPr>
-              <a:t>, @</a:t>
-            </a:r>
-            <a:r>
-              <a:rPr lang="en-US" sz="1800" b="1" strike="noStrike" spc="-1">
-                <a:latin typeface="Arial" panose="020B0604020202020204"/>
-              </a:rPr>
-              <a:t>Service</a:t>
-            </a:r>
-            <a:r>
-              <a:rPr lang="en-US" sz="1800" b="0" strike="noStrike" spc="-1">
-                <a:latin typeface="Arial" panose="020B0604020202020204"/>
-              </a:rPr>
-              <a:t> và @</a:t>
-            </a:r>
-            <a:r>
-              <a:rPr lang="en-US" sz="1800" b="1" strike="noStrike" spc="-1">
-                <a:latin typeface="Arial" panose="020B0604020202020204"/>
-              </a:rPr>
-              <a:t>Repository</a:t>
-            </a:r>
-            <a:r>
-              <a:rPr lang="en-US" sz="1800" b="0" strike="noStrike" spc="-1">
-                <a:latin typeface="Arial" panose="020B0604020202020204"/>
-              </a:rPr>
-              <a:t> cho nhau mà không ảnh hưởng gì tới code của bạn cả. Nó vẫn sẽ hoạt động.</a:t>
-            </a:r>
-            <a:endParaRPr lang="en-US" sz="1800" b="0" strike="noStrike" spc="-1">
-              <a:latin typeface="Arial" panose="020B0604020202020204"/>
-            </a:endParaRPr>
-          </a:p>
-          <a:p>
-            <a:endParaRPr lang="en-US" sz="1800" b="0" strike="noStrike" spc="-1">
-              <a:latin typeface="Arial" panose="020B0604020202020204"/>
-            </a:endParaRPr>
-          </a:p>
-          <a:p>
-            <a:r>
-              <a:rPr lang="en-US" sz="1800" b="0" strike="noStrike" spc="-1">
-                <a:latin typeface="Arial" panose="020B0604020202020204"/>
-              </a:rPr>
-              <a:t>Tuy nhiên từ góc độ thiết kế thì chúng ta cần phân rõ 3 Annotation này cho các Class đảm nhiệm đúng nhiệm vụ của nó.</a:t>
-            </a:r>
-            <a:endParaRPr lang="en-US" sz="1800" b="0" strike="noStrike" spc="-1">
-              <a:latin typeface="Arial" panose="020B0604020202020204"/>
-            </a:endParaRPr>
-          </a:p>
-          <a:p>
-            <a:endParaRPr lang="en-US" sz="1800" b="0" strike="noStrike" spc="-1">
-              <a:latin typeface="Arial" panose="020B0604020202020204"/>
-            </a:endParaRPr>
-          </a:p>
-          <a:p>
-            <a:r>
-              <a:rPr lang="en-US" sz="1800" b="0" strike="noStrike" spc="-1">
-                <a:latin typeface="Arial" panose="020B0604020202020204"/>
-              </a:rPr>
-              <a:t>@</a:t>
-            </a:r>
-            <a:r>
-              <a:rPr lang="en-US" sz="1800" b="1" strike="noStrike" spc="-1">
-                <a:latin typeface="Arial" panose="020B0604020202020204"/>
-              </a:rPr>
-              <a:t>Service</a:t>
-            </a:r>
-            <a:r>
-              <a:rPr lang="en-US" sz="1800" b="0" strike="noStrike" spc="-1">
-                <a:latin typeface="Arial" panose="020B0604020202020204"/>
-              </a:rPr>
-              <a:t> gắn cho các Bean đảm nhiệm xử lý logic</a:t>
-            </a:r>
-            <a:endParaRPr lang="en-US" sz="1800" b="0" strike="noStrike" spc="-1">
-              <a:latin typeface="Arial" panose="020B0604020202020204"/>
-            </a:endParaRPr>
-          </a:p>
-          <a:p>
-            <a:r>
-              <a:rPr lang="en-US" sz="1800" b="0" strike="noStrike" spc="-1">
-                <a:latin typeface="Arial" panose="020B0604020202020204"/>
-              </a:rPr>
-              <a:t>@</a:t>
-            </a:r>
-            <a:r>
-              <a:rPr lang="en-US" sz="1800" b="1" strike="noStrike" spc="-1">
-                <a:latin typeface="Arial" panose="020B0604020202020204"/>
-              </a:rPr>
-              <a:t>Repository</a:t>
-            </a:r>
-            <a:r>
-              <a:rPr lang="en-US" sz="1800" b="0" strike="noStrike" spc="-1">
-                <a:latin typeface="Arial" panose="020B0604020202020204"/>
-              </a:rPr>
-              <a:t> gắn cho các Bean đảm nhiệm giao tiếp với DB</a:t>
-            </a:r>
-            <a:endParaRPr lang="en-US" sz="1800" b="0" strike="noStrike" spc="-1">
-              <a:latin typeface="Arial" panose="020B0604020202020204"/>
-            </a:endParaRPr>
-          </a:p>
-          <a:p>
-            <a:r>
-              <a:rPr lang="en-US" sz="1800" b="0" strike="noStrike" spc="-1">
-                <a:latin typeface="Arial" panose="020B0604020202020204"/>
-              </a:rPr>
-              <a:t>@</a:t>
-            </a:r>
-            <a:r>
-              <a:rPr lang="en-US" sz="1800" b="1" strike="noStrike" spc="-1">
-                <a:latin typeface="Arial" panose="020B0604020202020204"/>
-              </a:rPr>
-              <a:t>Component</a:t>
-            </a:r>
-            <a:r>
-              <a:rPr lang="en-US" sz="1800" b="0" strike="noStrike" spc="-1">
-                <a:latin typeface="Arial" panose="020B0604020202020204"/>
-              </a:rPr>
-              <a:t> gắn cho các Bean khác.</a:t>
-            </a:r>
-            <a:endParaRPr lang="en-US" sz="1800" b="0" strike="noStrike" spc="-1">
-              <a:latin typeface="Arial" panose="020B0604020202020204"/>
-            </a:endParaRPr>
-          </a:p>
-        </p:txBody>
-      </p:sp>
+      </p:pic>
+      <p:pic>
+        <p:nvPicPr>
+          <p:cNvPr id="47" name="Picture 46"/>
+          <p:cNvPicPr/>
+          <p:nvPr/>
+        </p:nvPicPr>
+        <p:blipFill>
+          <a:blip r:embed="rId3"/>
+          <a:stretch>
+            <a:fillRect/>
+          </a:stretch>
+        </p:blipFill>
+        <p:spPr>
+          <a:xfrm>
+            <a:off x="1494000" y="4206240"/>
+            <a:ext cx="7467120" cy="2781000"/>
+          </a:xfrm>
+          <a:prstGeom prst="rect">
+            <a:avLst/>
+          </a:prstGeom>
+          <a:ln>
+            <a:noFill/>
+          </a:ln>
+        </p:spPr>
+      </p:pic>
     </p:spTree>
   </p:cSld>
   <p:clrMapOvr>
     <a:masterClrMapping/>
   </p:clrMapOvr>
-  <mc:AlternateContent xmlns:mc="http://schemas.openxmlformats.org/markup-compatibility/2006">
-    <mc:Choice xmlns:p14="http://schemas.microsoft.com/office/powerpoint/2010/main" Requires="p14">
+  <mc:AlternateContent xmlns:mc="http://schemas.openxmlformats.org/markup-compatibility/2006" xmlns:p14="http://schemas.microsoft.com/office/powerpoint/2010/main">
+    <mc:Choice Requires="p14">
       <p:transition spd="slow" p14:dur="2000"/>
     </mc:Choice>
-    <mc:Fallback>
+    <mc:Fallback xmlns="">
       <p:transition spd="slow"/>
     </mc:Fallback>
   </mc:AlternateContent>
+  <p:timing>
+    <p:tnLst>
+      <p:par>
+        <p:cTn id="1" dur="indefinite" restart="never" nodeType="tmRoot"/>
+      </p:par>
+    </p:tnLst>
+  </p:timing>
 </p:sld>
 </file>
 
@@ -2489,7 +2436,7 @@
       </p:grpSpPr>
       <p:sp>
         <p:nvSpPr>
-          <p:cNvPr id="50" name="TextShape 1"/>
+          <p:cNvPr id="48" name="TextShape 1"/>
           <p:cNvSpPr txBox="1"/>
           <p:nvPr/>
         </p:nvSpPr>
@@ -2510,55 +2457,28 @@
           <a:bodyPr lIns="0" tIns="0" rIns="0" bIns="0" anchor="ctr">
             <a:spAutoFit/>
           </a:bodyPr>
+          <a:lstStyle/>
           <a:p>
             <a:pPr algn="ctr"/>
             <a:r>
               <a:rPr lang="en-US" sz="4400" b="0" strike="noStrike" spc="-1">
                 <a:latin typeface="Arial" panose="020B0604020202020204"/>
               </a:rPr>
-              <a:t>@Autowired </a:t>
-            </a:r>
-            <a:endParaRPr lang="en-US" sz="4400" b="0" strike="noStrike" spc="-1">
-              <a:latin typeface="Arial" panose="020B0604020202020204"/>
-            </a:endParaRPr>
-          </a:p>
-        </p:txBody>
-      </p:sp>
-      <p:pic>
-        <p:nvPicPr>
-          <p:cNvPr id="51" name="Picture 50"/>
-          <p:cNvPicPr/>
-          <p:nvPr/>
-        </p:nvPicPr>
-        <p:blipFill>
-          <a:blip r:embed="rId1"/>
-          <a:stretch>
-            <a:fillRect/>
-          </a:stretch>
-        </p:blipFill>
-        <p:spPr>
-          <a:xfrm>
-            <a:off x="2665440" y="1808280"/>
-            <a:ext cx="5381280" cy="3038040"/>
-          </a:xfrm>
-          <a:prstGeom prst="rect">
-            <a:avLst/>
-          </a:prstGeom>
-          <a:ln>
-            <a:noFill/>
-          </a:ln>
-        </p:spPr>
-      </p:pic>
-      <p:sp>
-        <p:nvSpPr>
-          <p:cNvPr id="52" name="TextShape 2"/>
+              <a:t>@Service vs @Repository </a:t>
+            </a:r>
+          </a:p>
+        </p:txBody>
+      </p:sp>
+      <p:sp>
+        <p:nvSpPr>
+          <p:cNvPr id="49" name="TextShape 2"/>
           <p:cNvSpPr txBox="1"/>
           <p:nvPr/>
         </p:nvSpPr>
         <p:spPr>
           <a:xfrm>
-            <a:off x="365760" y="5340240"/>
-            <a:ext cx="9509760" cy="1060560"/>
+            <a:off x="554400" y="1920240"/>
+            <a:ext cx="8498160" cy="4227480"/>
           </a:xfrm>
           <a:prstGeom prst="rect">
             <a:avLst/>
@@ -2572,21 +2492,154 @@
           <a:bodyPr lIns="90000" tIns="45000" rIns="90000" bIns="45000">
             <a:spAutoFit/>
           </a:bodyPr>
-          <a:p>
-            <a:pPr>
-              <a:lnSpc>
-                <a:spcPct val="115000"/>
-              </a:lnSpc>
-            </a:pPr>
+          <a:lstStyle/>
+          <a:p>
             <a:r>
               <a:rPr lang="en-US" sz="1800" b="0" strike="noStrike" spc="-1">
                 <a:latin typeface="Arial" panose="020B0604020202020204"/>
               </a:rPr>
-              <a:t>Tôi đánh dấu thuộc tính Outfit của Girl bởi Annotation @Autowired. Điều này nói với Spring Boot hãy tự inject (tiêm) một instance của Outfit vào thuộc tính này khi khởi tạo Girl.</a:t>
-            </a:r>
+              <a:t>Về bản chất @Service và @Repository cũng chính là @Component. Nhưng đặt tên khác nhau để giúp chúng ta phân biệt các tầng với nhau.</a:t>
+            </a:r>
+          </a:p>
+          <a:p>
             <a:endParaRPr lang="en-US" sz="1800" b="0" strike="noStrike" spc="-1">
               <a:latin typeface="Arial" panose="020B0604020202020204"/>
             </a:endParaRPr>
+          </a:p>
+          <a:p>
+            <a:r>
+              <a:rPr lang="en-US" sz="1800" b="0" strike="noStrike" spc="-1">
+                <a:latin typeface="Arial" panose="020B0604020202020204"/>
+              </a:rPr>
+              <a:t>Trong các bài đầu tiên chúng ta đã biết @Component đánh dấu cho Spring Boot biết Class đó là Bean</a:t>
+            </a:r>
+          </a:p>
+          <a:p>
+            <a:endParaRPr lang="en-US" sz="1800" b="0" strike="noStrike" spc="-1">
+              <a:latin typeface="Arial" panose="020B0604020202020204"/>
+            </a:endParaRPr>
+          </a:p>
+          <a:p>
+            <a:r>
+              <a:rPr lang="en-US" sz="1800" b="0" strike="noStrike" spc="-1">
+                <a:latin typeface="Arial" panose="020B0604020202020204"/>
+              </a:rPr>
+              <a:t>Về bản chất thì bạn có thể sử dụng thay thế 3 Annotation @</a:t>
+            </a:r>
+            <a:r>
+              <a:rPr lang="en-US" sz="1800" b="1" strike="noStrike" spc="-1">
+                <a:latin typeface="Arial" panose="020B0604020202020204"/>
+              </a:rPr>
+              <a:t>Component</a:t>
+            </a:r>
+            <a:r>
+              <a:rPr lang="en-US" sz="1800" b="0" strike="noStrike" spc="-1">
+                <a:latin typeface="Arial" panose="020B0604020202020204"/>
+              </a:rPr>
+              <a:t>, @</a:t>
+            </a:r>
+            <a:r>
+              <a:rPr lang="en-US" sz="1800" b="1" strike="noStrike" spc="-1">
+                <a:latin typeface="Arial" panose="020B0604020202020204"/>
+              </a:rPr>
+              <a:t>Service</a:t>
+            </a:r>
+            <a:r>
+              <a:rPr lang="en-US" sz="1800" b="0" strike="noStrike" spc="-1">
+                <a:latin typeface="Arial" panose="020B0604020202020204"/>
+              </a:rPr>
+              <a:t> và @</a:t>
+            </a:r>
+            <a:r>
+              <a:rPr lang="en-US" sz="1800" b="1" strike="noStrike" spc="-1">
+                <a:latin typeface="Arial" panose="020B0604020202020204"/>
+              </a:rPr>
+              <a:t>Repository</a:t>
+            </a:r>
+            <a:r>
+              <a:rPr lang="en-US" sz="1800" b="0" strike="noStrike" spc="-1">
+                <a:latin typeface="Arial" panose="020B0604020202020204"/>
+              </a:rPr>
+              <a:t> cho nhau mà không ảnh hưởng gì tới code của bạn cả. Nó vẫn sẽ hoạt động.</a:t>
+            </a:r>
+          </a:p>
+          <a:p>
+            <a:endParaRPr lang="en-US" sz="1800" b="0" strike="noStrike" spc="-1">
+              <a:latin typeface="Arial" panose="020B0604020202020204"/>
+            </a:endParaRPr>
+          </a:p>
+          <a:p>
+            <a:r>
+              <a:rPr lang="en-US" sz="1800" b="0" strike="noStrike" spc="-1">
+                <a:latin typeface="Arial" panose="020B0604020202020204"/>
+              </a:rPr>
+              <a:t>Tuy nhiên từ góc độ thiết kế thì chúng ta cần phân rõ 3 Annotation này cho các Class đảm nhiệm đúng nhiệm vụ của nó.</a:t>
+            </a:r>
+          </a:p>
+          <a:p>
+            <a:endParaRPr lang="en-US" sz="1800" b="0" strike="noStrike" spc="-1">
+              <a:latin typeface="Arial" panose="020B0604020202020204"/>
+            </a:endParaRPr>
+          </a:p>
+          <a:p>
+            <a:r>
+              <a:rPr lang="en-US" sz="1800" b="0" strike="noStrike" spc="-1">
+                <a:latin typeface="Arial" panose="020B0604020202020204"/>
+              </a:rPr>
+              <a:t>@</a:t>
+            </a:r>
+            <a:r>
+              <a:rPr lang="en-US" sz="1800" b="1" strike="noStrike" spc="-1">
+                <a:latin typeface="Arial" panose="020B0604020202020204"/>
+              </a:rPr>
+              <a:t>Service</a:t>
+            </a:r>
+            <a:r>
+              <a:rPr lang="en-US" sz="1800" b="0" strike="noStrike" spc="-1">
+                <a:latin typeface="Arial" panose="020B0604020202020204"/>
+              </a:rPr>
+              <a:t> gắn cho các Bean đảm nhiệm xử lý logic</a:t>
+            </a:r>
+          </a:p>
+          <a:p>
+            <a:r>
+              <a:rPr lang="en-US" sz="1800" b="0" strike="noStrike" spc="-1">
+                <a:latin typeface="Arial" panose="020B0604020202020204"/>
+              </a:rPr>
+              <a:t>@</a:t>
+            </a:r>
+            <a:r>
+              <a:rPr lang="en-US" sz="1800" b="1" strike="noStrike" spc="-1">
+                <a:latin typeface="Arial" panose="020B0604020202020204"/>
+              </a:rPr>
+              <a:t>Repository</a:t>
+            </a:r>
+            <a:r>
+              <a:rPr lang="en-US" sz="1800" b="0" strike="noStrike" spc="-1">
+                <a:latin typeface="Arial" panose="020B0604020202020204"/>
+              </a:rPr>
+              <a:t> gắn cho các Bean đảm nhiệm giao tiếp với DB</a:t>
+            </a:r>
+          </a:p>
+          <a:p>
+            <a:r>
+              <a:rPr lang="en-US" sz="1800" b="0" strike="noStrike" spc="-1">
+                <a:latin typeface="Arial" panose="020B0604020202020204"/>
+              </a:rPr>
+              <a:t>@</a:t>
+            </a:r>
+            <a:r>
+              <a:rPr lang="en-US" sz="1800" b="1" strike="noStrike" spc="-1">
+                <a:latin typeface="Arial" panose="020B0604020202020204"/>
+              </a:rPr>
+              <a:t>Component</a:t>
+            </a:r>
+            <a:r>
+              <a:rPr lang="en-US" sz="1800" b="0" strike="noStrike" spc="-1">
+                <a:latin typeface="Arial" panose="020B0604020202020204"/>
+              </a:rPr>
+              <a:t> gắn cho các Bean khác.</a:t>
+            </a:r>
           </a:p>
         </p:txBody>
       </p:sp>
@@ -2595,14 +2648,21 @@
   <p:clrMapOvr>
     <a:masterClrMapping/>
   </p:clrMapOvr>
-  <mc:AlternateContent xmlns:mc="http://schemas.openxmlformats.org/markup-compatibility/2006">
-    <mc:Choice xmlns:p14="http://schemas.microsoft.com/office/powerpoint/2010/main" Requires="p14">
+  <mc:AlternateContent xmlns:mc="http://schemas.openxmlformats.org/markup-compatibility/2006" xmlns:p14="http://schemas.microsoft.com/office/powerpoint/2010/main">
+    <mc:Choice Requires="p14">
       <p:transition spd="slow" p14:dur="2000"/>
     </mc:Choice>
-    <mc:Fallback>
+    <mc:Fallback xmlns="">
       <p:transition spd="slow"/>
     </mc:Fallback>
   </mc:AlternateContent>
+  <p:timing>
+    <p:tnLst>
+      <p:par>
+        <p:cTn id="1" dur="indefinite" restart="never" nodeType="tmRoot"/>
+      </p:par>
+    </p:tnLst>
+  </p:timing>
 </p:sld>
 </file>
 
@@ -2631,8 +2691,8 @@
         </p:nvSpPr>
         <p:spPr>
           <a:xfrm>
-            <a:off x="504000" y="593945"/>
-            <a:ext cx="9071640" cy="676910"/>
+            <a:off x="504000" y="301320"/>
+            <a:ext cx="9071640" cy="1262160"/>
           </a:xfrm>
           <a:prstGeom prst="rect">
             <a:avLst/>
@@ -2646,20 +2706,43 @@
           <a:bodyPr lIns="0" tIns="0" rIns="0" bIns="0" anchor="ctr">
             <a:spAutoFit/>
           </a:bodyPr>
+          <a:lstStyle/>
           <a:p>
             <a:pPr algn="ctr"/>
             <a:r>
               <a:rPr lang="en-US" sz="4400" b="0" strike="noStrike" spc="-1">
                 <a:latin typeface="Arial" panose="020B0604020202020204"/>
               </a:rPr>
-              <a:t>@Qualifier</a:t>
-            </a:r>
-            <a:endParaRPr lang="en-US" sz="4400" b="0" strike="noStrike" spc="-1">
-              <a:latin typeface="Arial" panose="020B0604020202020204"/>
-            </a:endParaRPr>
-          </a:p>
-        </p:txBody>
-      </p:sp>
+              <a:t>@Autowired </a:t>
+            </a:r>
+          </a:p>
+        </p:txBody>
+      </p:sp>
+      <p:pic>
+        <p:nvPicPr>
+          <p:cNvPr id="51" name="Picture 50"/>
+          <p:cNvPicPr/>
+          <p:nvPr/>
+        </p:nvPicPr>
+        <p:blipFill>
+          <a:blip r:embed="rId2"/>
+          <a:stretch>
+            <a:fillRect/>
+          </a:stretch>
+        </p:blipFill>
+        <p:spPr>
+          <a:xfrm>
+            <a:off x="2665440" y="1808280"/>
+            <a:ext cx="5381280" cy="3038040"/>
+          </a:xfrm>
+          <a:prstGeom prst="rect">
+            <a:avLst/>
+          </a:prstGeom>
+          <a:ln>
+            <a:noFill/>
+          </a:ln>
+        </p:spPr>
+      </p:pic>
       <p:sp>
         <p:nvSpPr>
           <p:cNvPr id="52" name="TextShape 2"/>
@@ -2668,8 +2751,8 @@
         </p:nvSpPr>
         <p:spPr>
           <a:xfrm>
-            <a:off x="431800" y="1691530"/>
-            <a:ext cx="9509760" cy="1042670"/>
+            <a:off x="365760" y="5340240"/>
+            <a:ext cx="9509760" cy="1060560"/>
           </a:xfrm>
           <a:prstGeom prst="rect">
             <a:avLst/>
@@ -2683,6 +2766,7 @@
           <a:bodyPr lIns="90000" tIns="45000" rIns="90000" bIns="45000">
             <a:spAutoFit/>
           </a:bodyPr>
+          <a:lstStyle/>
           <a:p>
             <a:pPr>
               <a:lnSpc>
@@ -2693,11 +2777,8 @@
               <a:rPr lang="en-US" sz="1800" b="0" strike="noStrike" spc="-1">
                 <a:latin typeface="Arial" panose="020B0604020202020204"/>
               </a:rPr>
-              <a:t>Khi có nhiều hơn một bean với cùng một loại và chỉ có một bean trong số đó cần được wire với một property nào đó, @Qualifier sẽ được sử dụng với @Autowired để giảm thiểu sự nhầm lẫn bằng cách định danh chính xác bean nào được wire.</a:t>
-            </a:r>
-            <a:endParaRPr lang="en-US" sz="1800" b="0" strike="noStrike" spc="-1">
-              <a:latin typeface="Arial" panose="020B0604020202020204"/>
-            </a:endParaRPr>
+              <a:t>Tôi đánh dấu thuộc tính Outfit của Girl bởi Annotation @Autowired. Điều này nói với Spring Boot hãy tự inject (tiêm) một instance của Outfit vào thuộc tính này khi khởi tạo Girl.</a:t>
+            </a:r>
           </a:p>
         </p:txBody>
       </p:sp>
@@ -2706,14 +2787,21 @@
   <p:clrMapOvr>
     <a:masterClrMapping/>
   </p:clrMapOvr>
-  <mc:AlternateContent xmlns:mc="http://schemas.openxmlformats.org/markup-compatibility/2006">
-    <mc:Choice xmlns:p14="http://schemas.microsoft.com/office/powerpoint/2010/main" Requires="p14">
+  <mc:AlternateContent xmlns:mc="http://schemas.openxmlformats.org/markup-compatibility/2006" xmlns:p14="http://schemas.microsoft.com/office/powerpoint/2010/main">
+    <mc:Choice Requires="p14">
       <p:transition spd="slow" p14:dur="2000"/>
     </mc:Choice>
-    <mc:Fallback>
+    <mc:Fallback xmlns="">
       <p:transition spd="slow"/>
     </mc:Fallback>
   </mc:AlternateContent>
+  <p:timing>
+    <p:tnLst>
+      <p:par>
+        <p:cTn id="1" dur="indefinite" restart="never" nodeType="tmRoot"/>
+      </p:par>
+    </p:tnLst>
+  </p:timing>
 </p:sld>
 </file>
 
@@ -2736,14 +2824,14 @@
       </p:grpSpPr>
       <p:sp>
         <p:nvSpPr>
-          <p:cNvPr id="53" name="TextShape 1"/>
+          <p:cNvPr id="4" name="TextShape 1"/>
           <p:cNvSpPr txBox="1"/>
           <p:nvPr/>
         </p:nvSpPr>
         <p:spPr>
           <a:xfrm>
-            <a:off x="504000" y="301320"/>
-            <a:ext cx="9071640" cy="1262160"/>
+            <a:off x="431800" y="323453"/>
+            <a:ext cx="9071640" cy="676910"/>
           </a:xfrm>
           <a:prstGeom prst="rect">
             <a:avLst/>
@@ -2757,15 +2845,34 @@
           <a:bodyPr lIns="0" tIns="0" rIns="0" bIns="0" anchor="ctr">
             <a:spAutoFit/>
           </a:bodyPr>
+          <a:lstStyle/>
           <a:p>
             <a:pPr algn="ctr"/>
             <a:r>
-              <a:rPr lang="en-US" sz="4400" b="0" strike="noStrike" spc="-1">
-                <a:latin typeface="Arial" panose="020B0604020202020204"/>
-              </a:rPr>
-              <a:t>@Value </a:t>
-            </a:r>
-            <a:endParaRPr lang="en-US" sz="4400" b="0" strike="noStrike" spc="-1">
+              <a:rPr lang="en-US" sz="4400" b="0" strike="noStrike" spc="-1" dirty="0" smtClean="0">
+                <a:latin typeface="Arial" panose="020B0604020202020204"/>
+              </a:rPr>
+              <a:t>@Controller </a:t>
+            </a:r>
+            <a:r>
+              <a:rPr lang="en-US" sz="4400" b="0" strike="noStrike" spc="-1" dirty="0" err="1" smtClean="0">
+                <a:latin typeface="Arial" panose="020B0604020202020204"/>
+              </a:rPr>
+              <a:t>vs</a:t>
+            </a:r>
+            <a:r>
+              <a:rPr lang="en-US" sz="4400" b="0" strike="noStrike" spc="-1" dirty="0" smtClean="0">
+                <a:latin typeface="Arial" panose="020B0604020202020204"/>
+              </a:rPr>
+              <a:t> @</a:t>
+            </a:r>
+            <a:r>
+              <a:rPr lang="en-US" sz="4400" b="0" strike="noStrike" spc="-1" dirty="0" err="1" smtClean="0">
+                <a:latin typeface="Arial" panose="020B0604020202020204"/>
+              </a:rPr>
+              <a:t>RestController</a:t>
+            </a:r>
+            <a:endParaRPr lang="en-US" sz="4400" b="0" strike="noStrike" spc="-1" dirty="0">
               <a:latin typeface="Arial" panose="020B0604020202020204"/>
             </a:endParaRPr>
           </a:p>
@@ -2773,196 +2880,1672 @@
       </p:sp>
       <p:sp>
         <p:nvSpPr>
-          <p:cNvPr id="54" name="TextShape 2"/>
-          <p:cNvSpPr txBox="1"/>
+          <p:cNvPr id="2" name="Rectangle 1"/>
+          <p:cNvSpPr>
+            <a:spLocks noChangeArrowheads="1"/>
+          </p:cNvSpPr>
           <p:nvPr/>
         </p:nvSpPr>
-        <p:spPr>
-          <a:xfrm>
-            <a:off x="306720" y="1828800"/>
-            <a:ext cx="9203040" cy="603360"/>
-          </a:xfrm>
-          <a:prstGeom prst="rect">
-            <a:avLst/>
-          </a:prstGeom>
-          <a:noFill/>
+        <p:spPr bwMode="auto">
+          <a:xfrm rot="10800000" flipV="1">
+            <a:off x="257049" y="1157932"/>
+            <a:ext cx="9648140" cy="3939540"/>
+          </a:xfrm>
+          <a:prstGeom prst="rect">
+            <a:avLst/>
+          </a:prstGeom>
+          <a:solidFill>
+            <a:srgbClr val="FFFFFF"/>
+          </a:solidFill>
           <a:ln>
             <a:noFill/>
           </a:ln>
-        </p:spPr>
-        <p:txBody>
-          <a:bodyPr lIns="90000" tIns="45000" rIns="90000" bIns="45000">
+          <a:effectLst/>
+          <a:extLst>
+            <a:ext uri="{91240B29-F687-4F45-9708-019B960494DF}">
+              <a14:hiddenLine xmlns:a14="http://schemas.microsoft.com/office/drawing/2010/main" w="9525">
+                <a:solidFill>
+                  <a:schemeClr val="tx1"/>
+                </a:solidFill>
+                <a:miter lim="800000"/>
+                <a:headEnd/>
+                <a:tailEnd/>
+              </a14:hiddenLine>
+            </a:ext>
+            <a:ext uri="{AF507438-7753-43E0-B8FC-AC1667EBCBE1}">
+              <a14:hiddenEffects xmlns:a14="http://schemas.microsoft.com/office/drawing/2010/main">
+                <a:effectLst>
+                  <a:outerShdw dist="35921" dir="2700000" algn="ctr" rotWithShape="0">
+                    <a:schemeClr val="bg2"/>
+                  </a:outerShdw>
+                </a:effectLst>
+              </a14:hiddenEffects>
+            </a:ext>
+          </a:extLst>
+        </p:spPr>
+        <p:txBody>
+          <a:bodyPr vert="horz" wrap="square" lIns="0" tIns="0" rIns="0" bIns="0" numCol="1" anchor="ctr" anchorCtr="0" compatLnSpc="1">
+            <a:prstTxWarp prst="textNoShape">
+              <a:avLst/>
+            </a:prstTxWarp>
             <a:spAutoFit/>
           </a:bodyPr>
-          <a:p>
-            <a:r>
-              <a:rPr lang="en-US" sz="1800" b="0" strike="noStrike" spc="-1">
-                <a:latin typeface="Arial" panose="020B0604020202020204"/>
-              </a:rPr>
-              <a:t>@Value được sử dụng trên thuộc tính của class, Có nhiệm vụ lấy thông tin từ file </a:t>
-            </a:r>
-            <a:r>
-              <a:rPr lang="en-US" sz="1800" b="0" i="1" strike="noStrike" spc="-1">
-                <a:latin typeface="Arial" panose="020B0604020202020204"/>
-              </a:rPr>
-              <a:t>application.properties</a:t>
-            </a:r>
-            <a:r>
-              <a:rPr lang="en-US" sz="1800" b="0" strike="noStrike" spc="-1">
-                <a:latin typeface="Arial" panose="020B0604020202020204"/>
-              </a:rPr>
-              <a:t> và gán vào biến.</a:t>
-            </a:r>
-            <a:endParaRPr lang="en-US" sz="1800" b="0" strike="noStrike" spc="-1">
-              <a:latin typeface="Arial" panose="020B0604020202020204"/>
-            </a:endParaRPr>
-          </a:p>
-        </p:txBody>
-      </p:sp>
-      <p:sp>
-        <p:nvSpPr>
-          <p:cNvPr id="55" name="TextShape 3"/>
-          <p:cNvSpPr txBox="1"/>
-          <p:nvPr/>
-        </p:nvSpPr>
-        <p:spPr>
-          <a:xfrm>
-            <a:off x="570600" y="2926080"/>
-            <a:ext cx="4732920" cy="1114200"/>
-          </a:xfrm>
-          <a:prstGeom prst="rect">
-            <a:avLst/>
-          </a:prstGeom>
-          <a:noFill/>
-          <a:ln>
-            <a:noFill/>
-          </a:ln>
-        </p:spPr>
-        <p:txBody>
-          <a:bodyPr lIns="90000" tIns="45000" rIns="90000" bIns="45000">
-            <a:spAutoFit/>
-          </a:bodyPr>
-          <a:p>
-            <a:r>
-              <a:rPr lang="en-US" sz="1800" b="0" i="1" strike="noStrike" spc="-1">
-                <a:latin typeface="Arial" panose="020B0604020202020204"/>
-              </a:rPr>
-              <a:t>application.properties</a:t>
-            </a:r>
-            <a:endParaRPr lang="en-US" sz="1800" b="0" strike="noStrike" spc="-1">
-              <a:latin typeface="Arial" panose="020B0604020202020204"/>
-            </a:endParaRPr>
-          </a:p>
-          <a:p>
-            <a:endParaRPr lang="en-US" sz="1800" b="0" strike="noStrike" spc="-1">
-              <a:latin typeface="Arial" panose="020B0604020202020204"/>
-            </a:endParaRPr>
-          </a:p>
-          <a:p>
-            <a:r>
-              <a:rPr lang="en-US" sz="1800" b="0" strike="noStrike" spc="-1">
-                <a:latin typeface="Arial" panose="020B0604020202020204"/>
-              </a:rPr>
-              <a:t>loda.mysql.url=jdbc:mysql://host1:33060/loda</a:t>
-            </a:r>
-            <a:endParaRPr lang="en-US" sz="1800" b="0" strike="noStrike" spc="-1">
-              <a:latin typeface="Arial" panose="020B0604020202020204"/>
-            </a:endParaRPr>
-          </a:p>
-        </p:txBody>
-      </p:sp>
-      <p:sp>
-        <p:nvSpPr>
-          <p:cNvPr id="56" name="TextShape 4"/>
-          <p:cNvSpPr txBox="1"/>
-          <p:nvPr/>
-        </p:nvSpPr>
-        <p:spPr>
-          <a:xfrm>
-            <a:off x="422640" y="4442400"/>
-            <a:ext cx="8812800" cy="2141280"/>
-          </a:xfrm>
-          <a:prstGeom prst="rect">
-            <a:avLst/>
-          </a:prstGeom>
-          <a:noFill/>
-          <a:ln>
-            <a:noFill/>
-          </a:ln>
-        </p:spPr>
-        <p:txBody>
-          <a:bodyPr lIns="90000" tIns="45000" rIns="90000" bIns="45000">
-            <a:spAutoFit/>
-          </a:bodyPr>
-          <a:p>
-            <a:r>
-              <a:rPr lang="en-US" sz="1800" b="0" strike="noStrike" spc="-1">
-                <a:latin typeface="Arial" panose="020B0604020202020204"/>
-              </a:rPr>
-              <a:t>@Value được sử dụng trên thuộc tính của class, Có nhiệm vụ lấy thông tin từ file properties và gán vào biến.</a:t>
-            </a:r>
-            <a:endParaRPr lang="en-US" sz="1800" b="0" strike="noStrike" spc="-1">
-              <a:latin typeface="Arial" panose="020B0604020202020204"/>
-            </a:endParaRPr>
-          </a:p>
-          <a:p>
-            <a:endParaRPr lang="en-US" sz="1800" b="0" strike="noStrike" spc="-1">
-              <a:latin typeface="Arial" panose="020B0604020202020204"/>
-            </a:endParaRPr>
-          </a:p>
-          <a:p>
-            <a:r>
-              <a:rPr lang="en-US" sz="1800" b="0" strike="noStrike" spc="-1">
-                <a:latin typeface="Arial" panose="020B0604020202020204"/>
-              </a:rPr>
-              <a:t>public class AppConfig {</a:t>
-            </a:r>
-            <a:endParaRPr lang="en-US" sz="1800" b="0" strike="noStrike" spc="-1">
-              <a:latin typeface="Arial" panose="020B0604020202020204"/>
-            </a:endParaRPr>
-          </a:p>
-          <a:p>
-            <a:r>
-              <a:rPr lang="en-US" sz="1800" b="0" strike="noStrike" spc="-1">
-                <a:latin typeface="Arial" panose="020B0604020202020204"/>
-              </a:rPr>
-              <a:t>    // Lấy giá trị config từ file application.properties</a:t>
-            </a:r>
-            <a:endParaRPr lang="en-US" sz="1800" b="0" strike="noStrike" spc="-1">
-              <a:latin typeface="Arial" panose="020B0604020202020204"/>
-            </a:endParaRPr>
-          </a:p>
-          <a:p>
-            <a:r>
-              <a:rPr lang="en-US" sz="1800" b="0" strike="noStrike" spc="-1">
-                <a:latin typeface="Arial" panose="020B0604020202020204"/>
-              </a:rPr>
-              <a:t>    @Value("${loda.mysql.url}")</a:t>
-            </a:r>
-            <a:endParaRPr lang="en-US" sz="1800" b="0" strike="noStrike" spc="-1">
-              <a:latin typeface="Arial" panose="020B0604020202020204"/>
-            </a:endParaRPr>
-          </a:p>
-          <a:p>
-            <a:r>
-              <a:rPr lang="en-US" sz="1800" b="0" strike="noStrike" spc="-1">
-                <a:latin typeface="Arial" panose="020B0604020202020204"/>
-              </a:rPr>
-              <a:t>    String mysqlUrl;</a:t>
-            </a:r>
-            <a:endParaRPr lang="en-US" sz="1800" b="0" strike="noStrike" spc="-1">
-              <a:latin typeface="Arial" panose="020B0604020202020204"/>
-            </a:endParaRPr>
-          </a:p>
-          <a:p>
-            <a:r>
-              <a:rPr lang="en-US" sz="1800" b="0" strike="noStrike" spc="-1">
-                <a:latin typeface="Arial" panose="020B0604020202020204"/>
-              </a:rPr>
-              <a:t>}</a:t>
-            </a:r>
-            <a:endParaRPr lang="en-US" sz="1800" b="0" strike="noStrike" spc="-1">
-              <a:latin typeface="Arial" panose="020B0604020202020204"/>
+          <a:lstStyle/>
+          <a:p>
+            <a:pPr marL="0" marR="0" lvl="0" indent="0" algn="l" defTabSz="914400" rtl="0" eaLnBrk="1" fontAlgn="base" latinLnBrk="0" hangingPunct="1">
+              <a:lnSpc>
+                <a:spcPct val="100000"/>
+              </a:lnSpc>
+              <a:spcBef>
+                <a:spcPct val="0"/>
+              </a:spcBef>
+              <a:spcAft>
+                <a:spcPct val="0"/>
+              </a:spcAft>
+              <a:buClrTx/>
+              <a:buSzTx/>
+              <a:buFontTx/>
+              <a:buNone/>
+              <a:tabLst/>
+            </a:pPr>
+            <a:r>
+              <a:rPr kumimoji="0" lang="en-US" sz="1600" i="0" u="none" strike="noStrike" cap="none" normalizeH="0" baseline="0" dirty="0" err="1" smtClean="0">
+                <a:ln>
+                  <a:noFill/>
+                </a:ln>
+                <a:solidFill>
+                  <a:srgbClr val="666666"/>
+                </a:solidFill>
+                <a:effectLst/>
+                <a:latin typeface="Poppins"/>
+                <a:cs typeface="Arial" pitchFamily="34" charset="0"/>
+              </a:rPr>
+              <a:t>Khi</a:t>
+            </a:r>
+            <a:r>
+              <a:rPr kumimoji="0" lang="en-US" sz="1600" i="0" u="none" strike="noStrike" cap="none" normalizeH="0" baseline="0" dirty="0" smtClean="0">
+                <a:ln>
+                  <a:noFill/>
+                </a:ln>
+                <a:solidFill>
+                  <a:srgbClr val="666666"/>
+                </a:solidFill>
+                <a:effectLst/>
+                <a:latin typeface="Poppins"/>
+                <a:cs typeface="Arial" pitchFamily="34" charset="0"/>
+              </a:rPr>
+              <a:t> </a:t>
+            </a:r>
+            <a:r>
+              <a:rPr kumimoji="0" lang="en-US" sz="1600" i="0" u="none" strike="noStrike" cap="none" normalizeH="0" baseline="0" dirty="0" err="1" smtClean="0">
+                <a:ln>
+                  <a:noFill/>
+                </a:ln>
+                <a:solidFill>
+                  <a:srgbClr val="666666"/>
+                </a:solidFill>
+                <a:effectLst/>
+                <a:latin typeface="Poppins"/>
+                <a:cs typeface="Arial" pitchFamily="34" charset="0"/>
+              </a:rPr>
+              <a:t>một</a:t>
+            </a:r>
+            <a:r>
+              <a:rPr kumimoji="0" lang="en-US" sz="1600" i="0" u="none" strike="noStrike" cap="none" normalizeH="0" baseline="0" dirty="0" smtClean="0">
+                <a:ln>
+                  <a:noFill/>
+                </a:ln>
+                <a:solidFill>
+                  <a:srgbClr val="666666"/>
+                </a:solidFill>
+                <a:effectLst/>
+                <a:latin typeface="Poppins"/>
+                <a:cs typeface="Arial" pitchFamily="34" charset="0"/>
+              </a:rPr>
+              <a:t> request </a:t>
+            </a:r>
+            <a:r>
+              <a:rPr kumimoji="0" lang="en-US" sz="1600" i="0" u="none" strike="noStrike" cap="none" normalizeH="0" baseline="0" dirty="0" err="1" smtClean="0">
+                <a:ln>
+                  <a:noFill/>
+                </a:ln>
+                <a:solidFill>
+                  <a:srgbClr val="666666"/>
+                </a:solidFill>
+                <a:effectLst/>
+                <a:latin typeface="Poppins"/>
+                <a:cs typeface="Arial" pitchFamily="34" charset="0"/>
+              </a:rPr>
+              <a:t>đến</a:t>
+            </a:r>
+            <a:r>
+              <a:rPr kumimoji="0" lang="en-US" sz="1600" i="0" u="none" strike="noStrike" cap="none" normalizeH="0" baseline="0" dirty="0" smtClean="0">
+                <a:ln>
+                  <a:noFill/>
+                </a:ln>
+                <a:solidFill>
+                  <a:srgbClr val="666666"/>
+                </a:solidFill>
+                <a:effectLst/>
+                <a:latin typeface="Poppins"/>
+                <a:cs typeface="Arial" pitchFamily="34" charset="0"/>
+              </a:rPr>
+              <a:t>, dispatcher servlet </a:t>
+            </a:r>
+            <a:r>
+              <a:rPr kumimoji="0" lang="en-US" sz="1600" i="0" u="none" strike="noStrike" cap="none" normalizeH="0" baseline="0" dirty="0" err="1" smtClean="0">
+                <a:ln>
+                  <a:noFill/>
+                </a:ln>
+                <a:solidFill>
+                  <a:srgbClr val="666666"/>
+                </a:solidFill>
+                <a:effectLst/>
+                <a:latin typeface="Poppins"/>
+                <a:cs typeface="Arial" pitchFamily="34" charset="0"/>
+              </a:rPr>
+              <a:t>sẽ</a:t>
+            </a:r>
+            <a:r>
+              <a:rPr kumimoji="0" lang="en-US" sz="1600" i="0" u="none" strike="noStrike" cap="none" normalizeH="0" baseline="0" dirty="0" smtClean="0">
+                <a:ln>
+                  <a:noFill/>
+                </a:ln>
+                <a:solidFill>
+                  <a:srgbClr val="666666"/>
+                </a:solidFill>
+                <a:effectLst/>
+                <a:latin typeface="Poppins"/>
+                <a:cs typeface="Arial" pitchFamily="34" charset="0"/>
+              </a:rPr>
+              <a:t> </a:t>
+            </a:r>
+            <a:r>
+              <a:rPr kumimoji="0" lang="en-US" sz="1600" i="0" u="none" strike="noStrike" cap="none" normalizeH="0" baseline="0" dirty="0" err="1" smtClean="0">
+                <a:ln>
+                  <a:noFill/>
+                </a:ln>
+                <a:solidFill>
+                  <a:srgbClr val="666666"/>
+                </a:solidFill>
+                <a:effectLst/>
+                <a:latin typeface="Poppins"/>
+                <a:cs typeface="Arial" pitchFamily="34" charset="0"/>
+              </a:rPr>
+              <a:t>chuyển</a:t>
+            </a:r>
+            <a:r>
+              <a:rPr kumimoji="0" lang="en-US" sz="1600" i="0" u="none" strike="noStrike" cap="none" normalizeH="0" baseline="0" dirty="0" smtClean="0">
+                <a:ln>
+                  <a:noFill/>
+                </a:ln>
+                <a:solidFill>
+                  <a:srgbClr val="666666"/>
+                </a:solidFill>
+                <a:effectLst/>
+                <a:latin typeface="Poppins"/>
+                <a:cs typeface="Arial" pitchFamily="34" charset="0"/>
+              </a:rPr>
+              <a:t> </a:t>
+            </a:r>
+            <a:r>
+              <a:rPr kumimoji="0" lang="en-US" sz="1600" i="0" u="none" strike="noStrike" cap="none" normalizeH="0" baseline="0" dirty="0" err="1" smtClean="0">
+                <a:ln>
+                  <a:noFill/>
+                </a:ln>
+                <a:solidFill>
+                  <a:srgbClr val="666666"/>
+                </a:solidFill>
+                <a:effectLst/>
+                <a:latin typeface="Poppins"/>
+                <a:cs typeface="Arial" pitchFamily="34" charset="0"/>
+              </a:rPr>
+              <a:t>tiếp</a:t>
+            </a:r>
+            <a:r>
+              <a:rPr kumimoji="0" lang="en-US" sz="1600" i="0" u="none" strike="noStrike" cap="none" normalizeH="0" baseline="0" dirty="0" smtClean="0">
+                <a:ln>
+                  <a:noFill/>
+                </a:ln>
+                <a:solidFill>
+                  <a:srgbClr val="666666"/>
+                </a:solidFill>
+                <a:effectLst/>
+                <a:latin typeface="Poppins"/>
+                <a:cs typeface="Arial" pitchFamily="34" charset="0"/>
+              </a:rPr>
+              <a:t> request </a:t>
+            </a:r>
+            <a:r>
+              <a:rPr kumimoji="0" lang="en-US" sz="1600" i="0" u="none" strike="noStrike" cap="none" normalizeH="0" baseline="0" dirty="0" err="1" smtClean="0">
+                <a:ln>
+                  <a:noFill/>
+                </a:ln>
+                <a:solidFill>
+                  <a:srgbClr val="666666"/>
+                </a:solidFill>
+                <a:effectLst/>
+                <a:latin typeface="Poppins"/>
+                <a:cs typeface="Arial" pitchFamily="34" charset="0"/>
+              </a:rPr>
+              <a:t>xuống</a:t>
+            </a:r>
+            <a:r>
+              <a:rPr kumimoji="0" lang="en-US" sz="1600" i="0" u="none" strike="noStrike" cap="none" normalizeH="0" baseline="0" dirty="0" smtClean="0">
+                <a:ln>
+                  <a:noFill/>
+                </a:ln>
+                <a:solidFill>
+                  <a:srgbClr val="666666"/>
+                </a:solidFill>
+                <a:effectLst/>
+                <a:latin typeface="Poppins"/>
+                <a:cs typeface="Arial" pitchFamily="34" charset="0"/>
+              </a:rPr>
+              <a:t> handler mapping, </a:t>
+            </a:r>
+            <a:r>
+              <a:rPr kumimoji="0" lang="en-US" sz="1600" i="0" u="none" strike="noStrike" cap="none" normalizeH="0" baseline="0" dirty="0" err="1" smtClean="0">
+                <a:ln>
+                  <a:noFill/>
+                </a:ln>
+                <a:solidFill>
+                  <a:srgbClr val="666666"/>
+                </a:solidFill>
+                <a:effectLst/>
+                <a:latin typeface="Poppins"/>
+                <a:cs typeface="Arial" pitchFamily="34" charset="0"/>
+              </a:rPr>
+              <a:t>sau</a:t>
+            </a:r>
+            <a:r>
+              <a:rPr kumimoji="0" lang="en-US" sz="1600" i="0" u="none" strike="noStrike" cap="none" normalizeH="0" baseline="0" dirty="0" smtClean="0">
+                <a:ln>
+                  <a:noFill/>
+                </a:ln>
+                <a:solidFill>
+                  <a:srgbClr val="666666"/>
+                </a:solidFill>
+                <a:effectLst/>
+                <a:latin typeface="Poppins"/>
+                <a:cs typeface="Arial" pitchFamily="34" charset="0"/>
+              </a:rPr>
+              <a:t> </a:t>
+            </a:r>
+            <a:r>
+              <a:rPr kumimoji="0" lang="en-US" sz="1600" i="0" u="none" strike="noStrike" cap="none" normalizeH="0" baseline="0" dirty="0" err="1" smtClean="0">
+                <a:ln>
+                  <a:noFill/>
+                </a:ln>
+                <a:solidFill>
+                  <a:srgbClr val="666666"/>
+                </a:solidFill>
+                <a:effectLst/>
+                <a:latin typeface="Poppins"/>
+                <a:cs typeface="Arial" pitchFamily="34" charset="0"/>
+              </a:rPr>
+              <a:t>đó</a:t>
+            </a:r>
+            <a:r>
+              <a:rPr kumimoji="0" lang="en-US" sz="1600" i="0" u="none" strike="noStrike" cap="none" normalizeH="0" baseline="0" dirty="0" smtClean="0">
+                <a:ln>
+                  <a:noFill/>
+                </a:ln>
+                <a:solidFill>
+                  <a:srgbClr val="666666"/>
+                </a:solidFill>
+                <a:effectLst/>
+                <a:latin typeface="Poppins"/>
+                <a:cs typeface="Arial" pitchFamily="34" charset="0"/>
+              </a:rPr>
+              <a:t> </a:t>
+            </a:r>
+            <a:r>
+              <a:rPr kumimoji="0" lang="en-US" sz="1600" i="0" u="none" strike="noStrike" cap="none" normalizeH="0" baseline="0" dirty="0" err="1" smtClean="0">
+                <a:ln>
+                  <a:noFill/>
+                </a:ln>
+                <a:solidFill>
+                  <a:srgbClr val="666666"/>
+                </a:solidFill>
+                <a:effectLst/>
+                <a:latin typeface="Poppins"/>
+                <a:cs typeface="Arial" pitchFamily="34" charset="0"/>
+              </a:rPr>
+              <a:t>dựa</a:t>
+            </a:r>
+            <a:r>
+              <a:rPr kumimoji="0" lang="en-US" sz="1600" i="0" u="none" strike="noStrike" cap="none" normalizeH="0" baseline="0" dirty="0" smtClean="0">
+                <a:ln>
+                  <a:noFill/>
+                </a:ln>
+                <a:solidFill>
+                  <a:srgbClr val="666666"/>
+                </a:solidFill>
+                <a:effectLst/>
+                <a:latin typeface="Poppins"/>
+                <a:cs typeface="Arial" pitchFamily="34" charset="0"/>
+              </a:rPr>
+              <a:t> </a:t>
+            </a:r>
+            <a:r>
+              <a:rPr kumimoji="0" lang="en-US" sz="1600" i="0" u="none" strike="noStrike" cap="none" normalizeH="0" baseline="0" dirty="0" err="1" smtClean="0">
+                <a:ln>
+                  <a:noFill/>
+                </a:ln>
+                <a:solidFill>
+                  <a:srgbClr val="666666"/>
+                </a:solidFill>
+                <a:effectLst/>
+                <a:latin typeface="Poppins"/>
+                <a:cs typeface="Arial" pitchFamily="34" charset="0"/>
+              </a:rPr>
+              <a:t>vào</a:t>
+            </a:r>
+            <a:r>
+              <a:rPr kumimoji="0" lang="en-US" sz="1600" i="0" u="none" strike="noStrike" cap="none" normalizeH="0" baseline="0" dirty="0" smtClean="0">
+                <a:ln>
+                  <a:noFill/>
+                </a:ln>
+                <a:solidFill>
+                  <a:srgbClr val="666666"/>
+                </a:solidFill>
+                <a:effectLst/>
+                <a:latin typeface="Poppins"/>
+                <a:cs typeface="Arial" pitchFamily="34" charset="0"/>
+              </a:rPr>
+              <a:t> </a:t>
+            </a:r>
+            <a:r>
+              <a:rPr kumimoji="0" lang="en-US" sz="1600" i="0" u="none" strike="noStrike" cap="none" normalizeH="0" baseline="0" dirty="0" err="1" smtClean="0">
+                <a:ln>
+                  <a:noFill/>
+                </a:ln>
+                <a:solidFill>
+                  <a:srgbClr val="666666"/>
+                </a:solidFill>
+                <a:effectLst/>
+                <a:latin typeface="Poppins"/>
+                <a:cs typeface="Arial" pitchFamily="34" charset="0"/>
+              </a:rPr>
+              <a:t>thông</a:t>
+            </a:r>
+            <a:r>
+              <a:rPr kumimoji="0" lang="en-US" sz="1600" i="0" u="none" strike="noStrike" cap="none" normalizeH="0" baseline="0" dirty="0" smtClean="0">
+                <a:ln>
+                  <a:noFill/>
+                </a:ln>
+                <a:solidFill>
+                  <a:srgbClr val="666666"/>
+                </a:solidFill>
+                <a:effectLst/>
+                <a:latin typeface="Poppins"/>
+                <a:cs typeface="Arial" pitchFamily="34" charset="0"/>
+              </a:rPr>
+              <a:t> tin request </a:t>
+            </a:r>
+            <a:r>
+              <a:rPr kumimoji="0" lang="en-US" sz="1600" i="0" u="none" strike="noStrike" cap="none" normalizeH="0" baseline="0" dirty="0" err="1" smtClean="0">
+                <a:ln>
+                  <a:noFill/>
+                </a:ln>
+                <a:solidFill>
+                  <a:srgbClr val="666666"/>
+                </a:solidFill>
+                <a:effectLst/>
+                <a:latin typeface="Poppins"/>
+                <a:cs typeface="Arial" pitchFamily="34" charset="0"/>
+              </a:rPr>
+              <a:t>kết</a:t>
+            </a:r>
+            <a:r>
+              <a:rPr kumimoji="0" lang="en-US" sz="1600" i="0" u="none" strike="noStrike" cap="none" normalizeH="0" baseline="0" dirty="0" smtClean="0">
+                <a:ln>
+                  <a:noFill/>
+                </a:ln>
+                <a:solidFill>
+                  <a:srgbClr val="666666"/>
+                </a:solidFill>
+                <a:effectLst/>
+                <a:latin typeface="Poppins"/>
+                <a:cs typeface="Arial" pitchFamily="34" charset="0"/>
+              </a:rPr>
+              <a:t> </a:t>
+            </a:r>
+            <a:r>
+              <a:rPr kumimoji="0" lang="en-US" sz="1600" i="0" u="none" strike="noStrike" cap="none" normalizeH="0" baseline="0" dirty="0" err="1" smtClean="0">
+                <a:ln>
+                  <a:noFill/>
+                </a:ln>
+                <a:solidFill>
+                  <a:srgbClr val="666666"/>
+                </a:solidFill>
+                <a:effectLst/>
+                <a:latin typeface="Poppins"/>
+                <a:cs typeface="Arial" pitchFamily="34" charset="0"/>
+              </a:rPr>
+              <a:t>hợp</a:t>
+            </a:r>
+            <a:r>
+              <a:rPr kumimoji="0" lang="en-US" sz="1600" i="0" u="none" strike="noStrike" cap="none" normalizeH="0" baseline="0" dirty="0" smtClean="0">
+                <a:ln>
+                  <a:noFill/>
+                </a:ln>
+                <a:solidFill>
+                  <a:srgbClr val="666666"/>
+                </a:solidFill>
+                <a:effectLst/>
+                <a:latin typeface="Poppins"/>
+                <a:cs typeface="Arial" pitchFamily="34" charset="0"/>
+              </a:rPr>
+              <a:t> </a:t>
+            </a:r>
+            <a:r>
+              <a:rPr kumimoji="0" lang="en-US" sz="1600" i="0" u="none" strike="noStrike" cap="none" normalizeH="0" baseline="0" dirty="0" err="1" smtClean="0">
+                <a:ln>
+                  <a:noFill/>
+                </a:ln>
+                <a:solidFill>
+                  <a:srgbClr val="666666"/>
+                </a:solidFill>
+                <a:effectLst/>
+                <a:latin typeface="Poppins"/>
+                <a:cs typeface="Arial" pitchFamily="34" charset="0"/>
+              </a:rPr>
+              <a:t>với</a:t>
+            </a:r>
+            <a:r>
+              <a:rPr kumimoji="0" lang="en-US" sz="1600" i="0" u="none" strike="noStrike" cap="none" normalizeH="0" baseline="0" dirty="0" smtClean="0">
+                <a:ln>
+                  <a:noFill/>
+                </a:ln>
+                <a:solidFill>
+                  <a:srgbClr val="666666"/>
+                </a:solidFill>
+                <a:effectLst/>
+                <a:latin typeface="Poppins"/>
+                <a:cs typeface="Arial" pitchFamily="34" charset="0"/>
+              </a:rPr>
+              <a:t> </a:t>
+            </a:r>
+            <a:r>
+              <a:rPr kumimoji="0" lang="en-US" sz="1600" i="0" u="none" strike="noStrike" cap="none" normalizeH="0" baseline="0" dirty="0" smtClean="0">
+                <a:ln>
+                  <a:noFill/>
+                </a:ln>
+                <a:solidFill>
+                  <a:srgbClr val="6C757D"/>
+                </a:solidFill>
+                <a:effectLst/>
+                <a:latin typeface="SFMono-Regular"/>
+                <a:cs typeface="Arial" pitchFamily="34" charset="0"/>
+              </a:rPr>
+              <a:t>@</a:t>
+            </a:r>
+            <a:r>
+              <a:rPr kumimoji="0" lang="en-US" sz="1600" i="0" u="none" strike="noStrike" cap="none" normalizeH="0" baseline="0" dirty="0" err="1" smtClean="0">
+                <a:ln>
+                  <a:noFill/>
+                </a:ln>
+                <a:solidFill>
+                  <a:srgbClr val="6C757D"/>
+                </a:solidFill>
+                <a:effectLst/>
+                <a:latin typeface="SFMono-Regular"/>
+                <a:cs typeface="Arial" pitchFamily="34" charset="0"/>
+              </a:rPr>
+              <a:t>RequestMapping</a:t>
+            </a:r>
+            <a:r>
+              <a:rPr kumimoji="0" lang="en-US" sz="1600" i="0" u="none" strike="noStrike" cap="none" normalizeH="0" baseline="0" dirty="0" smtClean="0">
+                <a:ln>
+                  <a:noFill/>
+                </a:ln>
+                <a:solidFill>
+                  <a:srgbClr val="666666"/>
+                </a:solidFill>
+                <a:effectLst/>
+                <a:latin typeface="Poppins"/>
+                <a:cs typeface="Arial" pitchFamily="34" charset="0"/>
+              </a:rPr>
+              <a:t> </a:t>
+            </a:r>
+            <a:r>
+              <a:rPr kumimoji="0" lang="en-US" sz="1600" i="0" u="none" strike="noStrike" cap="none" normalizeH="0" baseline="0" dirty="0" err="1" smtClean="0">
+                <a:ln>
+                  <a:noFill/>
+                </a:ln>
+                <a:solidFill>
+                  <a:srgbClr val="666666"/>
+                </a:solidFill>
+                <a:effectLst/>
+                <a:latin typeface="Poppins"/>
+                <a:cs typeface="Arial" pitchFamily="34" charset="0"/>
+              </a:rPr>
+              <a:t>đã</a:t>
+            </a:r>
+            <a:r>
+              <a:rPr kumimoji="0" lang="en-US" sz="1600" i="0" u="none" strike="noStrike" cap="none" normalizeH="0" baseline="0" dirty="0" smtClean="0">
+                <a:ln>
+                  <a:noFill/>
+                </a:ln>
+                <a:solidFill>
+                  <a:srgbClr val="666666"/>
+                </a:solidFill>
+                <a:effectLst/>
+                <a:latin typeface="Poppins"/>
+                <a:cs typeface="Arial" pitchFamily="34" charset="0"/>
+              </a:rPr>
+              <a:t> </a:t>
+            </a:r>
+            <a:r>
+              <a:rPr kumimoji="0" lang="en-US" sz="1600" i="0" u="none" strike="noStrike" cap="none" normalizeH="0" baseline="0" dirty="0" err="1" smtClean="0">
+                <a:ln>
+                  <a:noFill/>
+                </a:ln>
+                <a:solidFill>
+                  <a:srgbClr val="666666"/>
+                </a:solidFill>
+                <a:effectLst/>
+                <a:latin typeface="Poppins"/>
+                <a:cs typeface="Arial" pitchFamily="34" charset="0"/>
+              </a:rPr>
+              <a:t>đăng</a:t>
+            </a:r>
+            <a:r>
+              <a:rPr kumimoji="0" lang="en-US" sz="1600" i="0" u="none" strike="noStrike" cap="none" normalizeH="0" baseline="0" dirty="0" smtClean="0">
+                <a:ln>
+                  <a:noFill/>
+                </a:ln>
+                <a:solidFill>
+                  <a:srgbClr val="666666"/>
+                </a:solidFill>
+                <a:effectLst/>
+                <a:latin typeface="Poppins"/>
+                <a:cs typeface="Arial" pitchFamily="34" charset="0"/>
+              </a:rPr>
+              <a:t> </a:t>
+            </a:r>
+            <a:r>
+              <a:rPr kumimoji="0" lang="en-US" sz="1600" i="0" u="none" strike="noStrike" cap="none" normalizeH="0" baseline="0" dirty="0" err="1" smtClean="0">
+                <a:ln>
+                  <a:noFill/>
+                </a:ln>
+                <a:solidFill>
+                  <a:srgbClr val="666666"/>
+                </a:solidFill>
+                <a:effectLst/>
+                <a:latin typeface="Poppins"/>
+                <a:cs typeface="Arial" pitchFamily="34" charset="0"/>
+              </a:rPr>
+              <a:t>ký</a:t>
+            </a:r>
+            <a:r>
+              <a:rPr kumimoji="0" lang="en-US" sz="1600" i="0" u="none" strike="noStrike" cap="none" normalizeH="0" baseline="0" dirty="0" smtClean="0">
+                <a:ln>
+                  <a:noFill/>
+                </a:ln>
+                <a:solidFill>
+                  <a:srgbClr val="666666"/>
+                </a:solidFill>
+                <a:effectLst/>
+                <a:latin typeface="Poppins"/>
+                <a:cs typeface="Arial" pitchFamily="34" charset="0"/>
+              </a:rPr>
+              <a:t> </a:t>
+            </a:r>
+            <a:r>
+              <a:rPr kumimoji="0" lang="en-US" sz="1600" i="0" u="none" strike="noStrike" cap="none" normalizeH="0" baseline="0" dirty="0" err="1" smtClean="0">
+                <a:ln>
+                  <a:noFill/>
+                </a:ln>
+                <a:solidFill>
+                  <a:srgbClr val="666666"/>
+                </a:solidFill>
+                <a:effectLst/>
+                <a:latin typeface="Poppins"/>
+                <a:cs typeface="Arial" pitchFamily="34" charset="0"/>
+              </a:rPr>
+              <a:t>trước</a:t>
+            </a:r>
+            <a:r>
+              <a:rPr kumimoji="0" lang="en-US" sz="1600" i="0" u="none" strike="noStrike" cap="none" normalizeH="0" baseline="0" dirty="0" smtClean="0">
+                <a:ln>
+                  <a:noFill/>
+                </a:ln>
+                <a:solidFill>
+                  <a:srgbClr val="666666"/>
+                </a:solidFill>
+                <a:effectLst/>
+                <a:latin typeface="Poppins"/>
+                <a:cs typeface="Arial" pitchFamily="34" charset="0"/>
+              </a:rPr>
+              <a:t> </a:t>
+            </a:r>
+            <a:r>
+              <a:rPr kumimoji="0" lang="en-US" sz="1600" i="0" u="none" strike="noStrike" cap="none" normalizeH="0" baseline="0" dirty="0" err="1" smtClean="0">
+                <a:ln>
+                  <a:noFill/>
+                </a:ln>
+                <a:solidFill>
+                  <a:srgbClr val="666666"/>
+                </a:solidFill>
+                <a:effectLst/>
+                <a:latin typeface="Poppins"/>
+                <a:cs typeface="Arial" pitchFamily="34" charset="0"/>
+              </a:rPr>
+              <a:t>đó</a:t>
+            </a:r>
+            <a:r>
+              <a:rPr kumimoji="0" lang="en-US" sz="1600" i="0" u="none" strike="noStrike" cap="none" normalizeH="0" baseline="0" dirty="0" smtClean="0">
+                <a:ln>
+                  <a:noFill/>
+                </a:ln>
+                <a:solidFill>
+                  <a:srgbClr val="666666"/>
+                </a:solidFill>
+                <a:effectLst/>
+                <a:latin typeface="Poppins"/>
+                <a:cs typeface="Arial" pitchFamily="34" charset="0"/>
+              </a:rPr>
+              <a:t> </a:t>
+            </a:r>
+            <a:r>
+              <a:rPr kumimoji="0" lang="en-US" sz="1600" i="0" u="none" strike="noStrike" cap="none" normalizeH="0" baseline="0" dirty="0" err="1" smtClean="0">
+                <a:ln>
+                  <a:noFill/>
+                </a:ln>
+                <a:solidFill>
+                  <a:srgbClr val="666666"/>
+                </a:solidFill>
+                <a:effectLst/>
+                <a:latin typeface="Poppins"/>
+                <a:cs typeface="Arial" pitchFamily="34" charset="0"/>
+              </a:rPr>
+              <a:t>để</a:t>
+            </a:r>
+            <a:r>
+              <a:rPr kumimoji="0" lang="en-US" sz="1600" i="0" u="none" strike="noStrike" cap="none" normalizeH="0" baseline="0" dirty="0" smtClean="0">
+                <a:ln>
+                  <a:noFill/>
+                </a:ln>
+                <a:solidFill>
+                  <a:srgbClr val="666666"/>
+                </a:solidFill>
+                <a:effectLst/>
+                <a:latin typeface="Poppins"/>
+                <a:cs typeface="Arial" pitchFamily="34" charset="0"/>
+              </a:rPr>
+              <a:t> </a:t>
+            </a:r>
+            <a:r>
+              <a:rPr kumimoji="0" lang="en-US" sz="1600" i="0" u="none" strike="noStrike" cap="none" normalizeH="0" baseline="0" dirty="0" err="1" smtClean="0">
+                <a:ln>
+                  <a:noFill/>
+                </a:ln>
+                <a:solidFill>
+                  <a:srgbClr val="666666"/>
+                </a:solidFill>
+                <a:effectLst/>
+                <a:latin typeface="Poppins"/>
+                <a:cs typeface="Arial" pitchFamily="34" charset="0"/>
+              </a:rPr>
+              <a:t>điều</a:t>
+            </a:r>
+            <a:r>
+              <a:rPr kumimoji="0" lang="en-US" sz="1600" i="0" u="none" strike="noStrike" cap="none" normalizeH="0" baseline="0" dirty="0" smtClean="0">
+                <a:ln>
+                  <a:noFill/>
+                </a:ln>
+                <a:solidFill>
+                  <a:srgbClr val="666666"/>
+                </a:solidFill>
+                <a:effectLst/>
+                <a:latin typeface="Poppins"/>
+                <a:cs typeface="Arial" pitchFamily="34" charset="0"/>
+              </a:rPr>
+              <a:t> </a:t>
+            </a:r>
+            <a:r>
+              <a:rPr kumimoji="0" lang="en-US" sz="1600" i="0" u="none" strike="noStrike" cap="none" normalizeH="0" baseline="0" dirty="0" err="1" smtClean="0">
+                <a:ln>
+                  <a:noFill/>
+                </a:ln>
+                <a:solidFill>
+                  <a:srgbClr val="666666"/>
+                </a:solidFill>
+                <a:effectLst/>
+                <a:latin typeface="Poppins"/>
+                <a:cs typeface="Arial" pitchFamily="34" charset="0"/>
+              </a:rPr>
+              <a:t>hướng</a:t>
+            </a:r>
+            <a:r>
+              <a:rPr kumimoji="0" lang="en-US" sz="1600" i="0" u="none" strike="noStrike" cap="none" normalizeH="0" baseline="0" dirty="0" smtClean="0">
+                <a:ln>
+                  <a:noFill/>
+                </a:ln>
+                <a:solidFill>
+                  <a:srgbClr val="666666"/>
+                </a:solidFill>
+                <a:effectLst/>
+                <a:latin typeface="Poppins"/>
+                <a:cs typeface="Arial" pitchFamily="34" charset="0"/>
+              </a:rPr>
+              <a:t> </a:t>
+            </a:r>
+            <a:r>
+              <a:rPr kumimoji="0" lang="en-US" sz="1600" i="0" u="none" strike="noStrike" cap="none" normalizeH="0" baseline="0" dirty="0" err="1" smtClean="0">
+                <a:ln>
+                  <a:noFill/>
+                </a:ln>
+                <a:solidFill>
+                  <a:srgbClr val="666666"/>
+                </a:solidFill>
+                <a:effectLst/>
+                <a:latin typeface="Poppins"/>
+                <a:cs typeface="Arial" pitchFamily="34" charset="0"/>
+              </a:rPr>
+              <a:t>tới</a:t>
+            </a:r>
+            <a:r>
+              <a:rPr kumimoji="0" lang="en-US" sz="1600" i="0" u="none" strike="noStrike" cap="none" normalizeH="0" baseline="0" dirty="0" smtClean="0">
+                <a:ln>
+                  <a:noFill/>
+                </a:ln>
+                <a:solidFill>
+                  <a:srgbClr val="666666"/>
+                </a:solidFill>
+                <a:effectLst/>
+                <a:latin typeface="Poppins"/>
+                <a:cs typeface="Arial" pitchFamily="34" charset="0"/>
+              </a:rPr>
+              <a:t> </a:t>
+            </a:r>
+            <a:r>
+              <a:rPr kumimoji="0" lang="en-US" sz="1600" i="0" u="none" strike="noStrike" cap="none" normalizeH="0" baseline="0" dirty="0" err="1" smtClean="0">
+                <a:ln>
+                  <a:noFill/>
+                </a:ln>
+                <a:solidFill>
+                  <a:srgbClr val="666666"/>
+                </a:solidFill>
+                <a:effectLst/>
+                <a:latin typeface="Poppins"/>
+                <a:cs typeface="Arial" pitchFamily="34" charset="0"/>
+              </a:rPr>
+              <a:t>một</a:t>
+            </a:r>
+            <a:r>
+              <a:rPr kumimoji="0" lang="en-US" sz="1600" i="0" u="none" strike="noStrike" cap="none" normalizeH="0" baseline="0" dirty="0" smtClean="0">
+                <a:ln>
+                  <a:noFill/>
+                </a:ln>
+                <a:solidFill>
+                  <a:srgbClr val="666666"/>
+                </a:solidFill>
+                <a:effectLst/>
+                <a:latin typeface="Poppins"/>
+                <a:cs typeface="Arial" pitchFamily="34" charset="0"/>
+              </a:rPr>
+              <a:t> method action </a:t>
+            </a:r>
+            <a:r>
+              <a:rPr kumimoji="0" lang="en-US" sz="1600" i="0" u="none" strike="noStrike" cap="none" normalizeH="0" baseline="0" dirty="0" err="1" smtClean="0">
+                <a:ln>
+                  <a:noFill/>
+                </a:ln>
+                <a:solidFill>
+                  <a:srgbClr val="666666"/>
+                </a:solidFill>
+                <a:effectLst/>
+                <a:latin typeface="Poppins"/>
+                <a:cs typeface="Arial" pitchFamily="34" charset="0"/>
+              </a:rPr>
+              <a:t>của</a:t>
+            </a:r>
+            <a:r>
+              <a:rPr kumimoji="0" lang="en-US" sz="1600" i="0" u="none" strike="noStrike" cap="none" normalizeH="0" baseline="0" dirty="0" smtClean="0">
+                <a:ln>
+                  <a:noFill/>
+                </a:ln>
+                <a:solidFill>
+                  <a:srgbClr val="666666"/>
+                </a:solidFill>
+                <a:effectLst/>
+                <a:latin typeface="Poppins"/>
+                <a:cs typeface="Arial" pitchFamily="34" charset="0"/>
+              </a:rPr>
+              <a:t> controller </a:t>
+            </a:r>
+            <a:r>
+              <a:rPr kumimoji="0" lang="en-US" sz="1600" i="0" u="none" strike="noStrike" cap="none" normalizeH="0" baseline="0" dirty="0" err="1" smtClean="0">
+                <a:ln>
+                  <a:noFill/>
+                </a:ln>
+                <a:solidFill>
+                  <a:srgbClr val="666666"/>
+                </a:solidFill>
+                <a:effectLst/>
+                <a:latin typeface="Poppins"/>
+                <a:cs typeface="Arial" pitchFamily="34" charset="0"/>
+              </a:rPr>
+              <a:t>cụ</a:t>
+            </a:r>
+            <a:r>
+              <a:rPr kumimoji="0" lang="en-US" sz="1600" i="0" u="none" strike="noStrike" cap="none" normalizeH="0" baseline="0" dirty="0" smtClean="0">
+                <a:ln>
+                  <a:noFill/>
+                </a:ln>
+                <a:solidFill>
+                  <a:srgbClr val="666666"/>
+                </a:solidFill>
+                <a:effectLst/>
+                <a:latin typeface="Poppins"/>
+                <a:cs typeface="Arial" pitchFamily="34" charset="0"/>
+              </a:rPr>
+              <a:t> </a:t>
+            </a:r>
+            <a:r>
+              <a:rPr kumimoji="0" lang="en-US" sz="1600" i="0" u="none" strike="noStrike" cap="none" normalizeH="0" baseline="0" dirty="0" err="1" smtClean="0">
+                <a:ln>
+                  <a:noFill/>
+                </a:ln>
+                <a:solidFill>
+                  <a:srgbClr val="666666"/>
+                </a:solidFill>
+                <a:effectLst/>
+                <a:latin typeface="Poppins"/>
+                <a:cs typeface="Arial" pitchFamily="34" charset="0"/>
+              </a:rPr>
+              <a:t>thể</a:t>
+            </a:r>
+            <a:r>
+              <a:rPr kumimoji="0" lang="en-US" sz="1600" i="0" u="none" strike="noStrike" cap="none" normalizeH="0" baseline="0" dirty="0" smtClean="0">
+                <a:ln>
+                  <a:noFill/>
+                </a:ln>
+                <a:solidFill>
+                  <a:srgbClr val="666666"/>
+                </a:solidFill>
+                <a:effectLst/>
+                <a:latin typeface="Poppins"/>
+                <a:cs typeface="Arial" pitchFamily="34" charset="0"/>
+              </a:rPr>
+              <a:t>. </a:t>
+            </a:r>
+            <a:r>
+              <a:rPr kumimoji="0" lang="en-US" sz="1600" i="0" u="none" strike="noStrike" cap="none" normalizeH="0" baseline="0" dirty="0" err="1" smtClean="0">
+                <a:ln>
+                  <a:noFill/>
+                </a:ln>
+                <a:solidFill>
+                  <a:srgbClr val="666666"/>
+                </a:solidFill>
+                <a:effectLst/>
+                <a:latin typeface="Poppins"/>
+                <a:cs typeface="Arial" pitchFamily="34" charset="0"/>
+              </a:rPr>
+              <a:t>Thay</a:t>
+            </a:r>
+            <a:r>
+              <a:rPr kumimoji="0" lang="en-US" sz="1600" i="0" u="none" strike="noStrike" cap="none" normalizeH="0" baseline="0" dirty="0" smtClean="0">
+                <a:ln>
+                  <a:noFill/>
+                </a:ln>
+                <a:solidFill>
+                  <a:srgbClr val="666666"/>
+                </a:solidFill>
+                <a:effectLst/>
+                <a:latin typeface="Poppins"/>
+                <a:cs typeface="Arial" pitchFamily="34" charset="0"/>
+              </a:rPr>
+              <a:t> </a:t>
+            </a:r>
+            <a:r>
+              <a:rPr kumimoji="0" lang="en-US" sz="1600" i="0" u="none" strike="noStrike" cap="none" normalizeH="0" baseline="0" dirty="0" err="1" smtClean="0">
+                <a:ln>
+                  <a:noFill/>
+                </a:ln>
+                <a:solidFill>
+                  <a:srgbClr val="666666"/>
+                </a:solidFill>
+                <a:effectLst/>
+                <a:latin typeface="Poppins"/>
+                <a:cs typeface="Arial" pitchFamily="34" charset="0"/>
+              </a:rPr>
+              <a:t>vì</a:t>
+            </a:r>
+            <a:r>
+              <a:rPr kumimoji="0" lang="en-US" sz="1600" i="0" u="none" strike="noStrike" cap="none" normalizeH="0" baseline="0" dirty="0" smtClean="0">
+                <a:ln>
+                  <a:noFill/>
+                </a:ln>
+                <a:solidFill>
+                  <a:srgbClr val="666666"/>
+                </a:solidFill>
+                <a:effectLst/>
+                <a:latin typeface="Poppins"/>
+                <a:cs typeface="Arial" pitchFamily="34" charset="0"/>
+              </a:rPr>
+              <a:t> </a:t>
+            </a:r>
+            <a:r>
+              <a:rPr kumimoji="0" lang="en-US" sz="1600" i="0" u="none" strike="noStrike" cap="none" normalizeH="0" baseline="0" dirty="0" err="1" smtClean="0">
+                <a:ln>
+                  <a:noFill/>
+                </a:ln>
+                <a:solidFill>
+                  <a:srgbClr val="666666"/>
+                </a:solidFill>
+                <a:effectLst/>
+                <a:latin typeface="Poppins"/>
+                <a:cs typeface="Arial" pitchFamily="34" charset="0"/>
+              </a:rPr>
+              <a:t>đăng</a:t>
+            </a:r>
+            <a:r>
+              <a:rPr kumimoji="0" lang="en-US" sz="1600" i="0" u="none" strike="noStrike" cap="none" normalizeH="0" baseline="0" dirty="0" smtClean="0">
+                <a:ln>
+                  <a:noFill/>
+                </a:ln>
+                <a:solidFill>
+                  <a:srgbClr val="666666"/>
+                </a:solidFill>
+                <a:effectLst/>
+                <a:latin typeface="Poppins"/>
+                <a:cs typeface="Arial" pitchFamily="34" charset="0"/>
+              </a:rPr>
+              <a:t> </a:t>
+            </a:r>
+            <a:r>
+              <a:rPr kumimoji="0" lang="en-US" sz="1600" i="0" u="none" strike="noStrike" cap="none" normalizeH="0" baseline="0" dirty="0" err="1" smtClean="0">
+                <a:ln>
+                  <a:noFill/>
+                </a:ln>
+                <a:solidFill>
+                  <a:srgbClr val="666666"/>
+                </a:solidFill>
+                <a:effectLst/>
+                <a:latin typeface="Poppins"/>
+                <a:cs typeface="Arial" pitchFamily="34" charset="0"/>
+              </a:rPr>
+              <a:t>ký</a:t>
+            </a:r>
+            <a:r>
+              <a:rPr kumimoji="0" lang="en-US" sz="1600" i="0" u="none" strike="noStrike" cap="none" normalizeH="0" baseline="0" dirty="0" smtClean="0">
+                <a:ln>
+                  <a:noFill/>
+                </a:ln>
+                <a:solidFill>
+                  <a:srgbClr val="666666"/>
+                </a:solidFill>
+                <a:effectLst/>
+                <a:latin typeface="Poppins"/>
+                <a:cs typeface="Arial" pitchFamily="34" charset="0"/>
+              </a:rPr>
+              <a:t> ở file </a:t>
+            </a:r>
+            <a:r>
+              <a:rPr kumimoji="0" lang="en-US" sz="1600" i="0" u="none" strike="noStrike" cap="none" normalizeH="0" baseline="0" dirty="0" smtClean="0">
+                <a:ln>
+                  <a:noFill/>
+                </a:ln>
+                <a:solidFill>
+                  <a:srgbClr val="6C757D"/>
+                </a:solidFill>
+                <a:effectLst/>
+                <a:latin typeface="SFMono-Regular"/>
+                <a:cs typeface="Arial" pitchFamily="34" charset="0"/>
+              </a:rPr>
+              <a:t>web.xml</a:t>
+            </a:r>
+            <a:r>
+              <a:rPr kumimoji="0" lang="en-US" sz="1600" i="0" u="none" strike="noStrike" cap="none" normalizeH="0" baseline="0" dirty="0" smtClean="0">
+                <a:ln>
+                  <a:noFill/>
+                </a:ln>
+                <a:solidFill>
+                  <a:srgbClr val="666666"/>
+                </a:solidFill>
+                <a:effectLst/>
+                <a:latin typeface="Poppins"/>
+                <a:cs typeface="Arial" pitchFamily="34" charset="0"/>
+              </a:rPr>
+              <a:t> </a:t>
+            </a:r>
+            <a:r>
+              <a:rPr kumimoji="0" lang="en-US" sz="1600" i="0" u="none" strike="noStrike" cap="none" normalizeH="0" baseline="0" dirty="0" err="1" smtClean="0">
+                <a:ln>
+                  <a:noFill/>
+                </a:ln>
+                <a:solidFill>
+                  <a:srgbClr val="666666"/>
+                </a:solidFill>
+                <a:effectLst/>
+                <a:latin typeface="Poppins"/>
+                <a:cs typeface="Arial" pitchFamily="34" charset="0"/>
+              </a:rPr>
+              <a:t>trong</a:t>
+            </a:r>
+            <a:r>
+              <a:rPr kumimoji="0" lang="en-US" sz="1600" i="0" u="none" strike="noStrike" cap="none" normalizeH="0" baseline="0" dirty="0" smtClean="0">
+                <a:ln>
+                  <a:noFill/>
+                </a:ln>
+                <a:solidFill>
+                  <a:srgbClr val="666666"/>
+                </a:solidFill>
+                <a:effectLst/>
+                <a:latin typeface="Poppins"/>
+                <a:cs typeface="Arial" pitchFamily="34" charset="0"/>
+              </a:rPr>
+              <a:t> </a:t>
+            </a:r>
+            <a:r>
+              <a:rPr kumimoji="0" lang="en-US" sz="1600" i="0" u="none" strike="noStrike" cap="none" normalizeH="0" baseline="0" dirty="0" err="1" smtClean="0">
+                <a:ln>
+                  <a:noFill/>
+                </a:ln>
+                <a:solidFill>
+                  <a:srgbClr val="666666"/>
+                </a:solidFill>
+                <a:effectLst/>
+                <a:latin typeface="Poppins"/>
+                <a:cs typeface="Arial" pitchFamily="34" charset="0"/>
+              </a:rPr>
+              <a:t>SpringMVC</a:t>
+            </a:r>
+            <a:r>
+              <a:rPr kumimoji="0" lang="en-US" sz="1600" i="0" u="none" strike="noStrike" cap="none" normalizeH="0" baseline="0" dirty="0" smtClean="0">
+                <a:ln>
+                  <a:noFill/>
+                </a:ln>
+                <a:solidFill>
+                  <a:srgbClr val="666666"/>
+                </a:solidFill>
+                <a:effectLst/>
+                <a:latin typeface="Poppins"/>
+                <a:cs typeface="Arial" pitchFamily="34" charset="0"/>
+              </a:rPr>
+              <a:t> </a:t>
+            </a:r>
+            <a:r>
+              <a:rPr kumimoji="0" lang="en-US" sz="1600" i="0" u="none" strike="noStrike" cap="none" normalizeH="0" baseline="0" dirty="0" err="1" smtClean="0">
+                <a:ln>
+                  <a:noFill/>
+                </a:ln>
+                <a:solidFill>
+                  <a:srgbClr val="666666"/>
+                </a:solidFill>
+                <a:effectLst/>
+                <a:latin typeface="Poppins"/>
+                <a:cs typeface="Arial" pitchFamily="34" charset="0"/>
+              </a:rPr>
+              <a:t>thì</a:t>
+            </a:r>
+            <a:r>
+              <a:rPr kumimoji="0" lang="en-US" sz="1600" i="0" u="none" strike="noStrike" cap="none" normalizeH="0" baseline="0" dirty="0" smtClean="0">
+                <a:ln>
+                  <a:noFill/>
+                </a:ln>
+                <a:solidFill>
+                  <a:srgbClr val="666666"/>
+                </a:solidFill>
+                <a:effectLst/>
+                <a:latin typeface="Poppins"/>
+                <a:cs typeface="Arial" pitchFamily="34" charset="0"/>
+              </a:rPr>
+              <a:t> </a:t>
+            </a:r>
+            <a:r>
+              <a:rPr kumimoji="0" lang="en-US" sz="1600" i="0" u="none" strike="noStrike" cap="none" normalizeH="0" baseline="0" dirty="0" err="1" smtClean="0">
+                <a:ln>
+                  <a:noFill/>
+                </a:ln>
+                <a:solidFill>
+                  <a:srgbClr val="666666"/>
+                </a:solidFill>
+                <a:effectLst/>
+                <a:latin typeface="Poppins"/>
+                <a:cs typeface="Arial" pitchFamily="34" charset="0"/>
+              </a:rPr>
+              <a:t>với</a:t>
+            </a:r>
+            <a:r>
+              <a:rPr kumimoji="0" lang="en-US" sz="1600" i="0" u="none" strike="noStrike" cap="none" normalizeH="0" baseline="0" dirty="0" smtClean="0">
+                <a:ln>
+                  <a:noFill/>
+                </a:ln>
+                <a:solidFill>
+                  <a:srgbClr val="666666"/>
+                </a:solidFill>
+                <a:effectLst/>
+                <a:latin typeface="Poppins"/>
+                <a:cs typeface="Arial" pitchFamily="34" charset="0"/>
+              </a:rPr>
+              <a:t> spring boot </a:t>
+            </a:r>
+            <a:r>
+              <a:rPr kumimoji="0" lang="en-US" sz="1600" i="0" u="none" strike="noStrike" cap="none" normalizeH="0" baseline="0" dirty="0" err="1" smtClean="0">
+                <a:ln>
+                  <a:noFill/>
+                </a:ln>
+                <a:solidFill>
+                  <a:srgbClr val="666666"/>
+                </a:solidFill>
+                <a:effectLst/>
+                <a:latin typeface="Poppins"/>
+                <a:cs typeface="Arial" pitchFamily="34" charset="0"/>
+              </a:rPr>
+              <a:t>chúng</a:t>
+            </a:r>
+            <a:r>
+              <a:rPr kumimoji="0" lang="en-US" sz="1600" i="0" u="none" strike="noStrike" cap="none" normalizeH="0" baseline="0" dirty="0" smtClean="0">
+                <a:ln>
+                  <a:noFill/>
+                </a:ln>
+                <a:solidFill>
+                  <a:srgbClr val="666666"/>
+                </a:solidFill>
+                <a:effectLst/>
+                <a:latin typeface="Poppins"/>
+                <a:cs typeface="Arial" pitchFamily="34" charset="0"/>
+              </a:rPr>
+              <a:t> ta </a:t>
+            </a:r>
+            <a:r>
+              <a:rPr kumimoji="0" lang="en-US" sz="1600" i="0" u="none" strike="noStrike" cap="none" normalizeH="0" baseline="0" dirty="0" err="1" smtClean="0">
+                <a:ln>
+                  <a:noFill/>
+                </a:ln>
+                <a:solidFill>
+                  <a:srgbClr val="666666"/>
+                </a:solidFill>
+                <a:effectLst/>
+                <a:latin typeface="Poppins"/>
+                <a:cs typeface="Arial" pitchFamily="34" charset="0"/>
+              </a:rPr>
+              <a:t>có</a:t>
+            </a:r>
+            <a:r>
+              <a:rPr kumimoji="0" lang="en-US" sz="1600" i="0" u="none" strike="noStrike" cap="none" normalizeH="0" baseline="0" dirty="0" smtClean="0">
+                <a:ln>
+                  <a:noFill/>
+                </a:ln>
+                <a:solidFill>
+                  <a:srgbClr val="666666"/>
+                </a:solidFill>
+                <a:effectLst/>
+                <a:latin typeface="Poppins"/>
+                <a:cs typeface="Arial" pitchFamily="34" charset="0"/>
+              </a:rPr>
+              <a:t> </a:t>
+            </a:r>
+            <a:r>
+              <a:rPr kumimoji="0" lang="en-US" sz="1600" i="0" u="none" strike="noStrike" cap="none" normalizeH="0" baseline="0" dirty="0" err="1" smtClean="0">
+                <a:ln>
+                  <a:noFill/>
+                </a:ln>
+                <a:solidFill>
+                  <a:srgbClr val="666666"/>
+                </a:solidFill>
+                <a:effectLst/>
+                <a:latin typeface="Poppins"/>
+                <a:cs typeface="Arial" pitchFamily="34" charset="0"/>
+              </a:rPr>
+              <a:t>thể</a:t>
+            </a:r>
+            <a:r>
+              <a:rPr kumimoji="0" lang="en-US" sz="1600" i="0" u="none" strike="noStrike" cap="none" normalizeH="0" baseline="0" dirty="0" smtClean="0">
+                <a:ln>
+                  <a:noFill/>
+                </a:ln>
+                <a:solidFill>
+                  <a:srgbClr val="666666"/>
+                </a:solidFill>
+                <a:effectLst/>
+                <a:latin typeface="Poppins"/>
+                <a:cs typeface="Arial" pitchFamily="34" charset="0"/>
+              </a:rPr>
+              <a:t> </a:t>
+            </a:r>
+            <a:r>
+              <a:rPr kumimoji="0" lang="en-US" sz="1600" i="0" u="none" strike="noStrike" cap="none" normalizeH="0" baseline="0" dirty="0" err="1" smtClean="0">
+                <a:ln>
+                  <a:noFill/>
+                </a:ln>
+                <a:solidFill>
+                  <a:srgbClr val="666666"/>
+                </a:solidFill>
+                <a:effectLst/>
+                <a:latin typeface="Poppins"/>
+                <a:cs typeface="Arial" pitchFamily="34" charset="0"/>
+              </a:rPr>
+              <a:t>dễ</a:t>
+            </a:r>
+            <a:r>
+              <a:rPr kumimoji="0" lang="en-US" sz="1600" i="0" u="none" strike="noStrike" cap="none" normalizeH="0" baseline="0" dirty="0" smtClean="0">
+                <a:ln>
+                  <a:noFill/>
+                </a:ln>
+                <a:solidFill>
+                  <a:srgbClr val="666666"/>
+                </a:solidFill>
+                <a:effectLst/>
+                <a:latin typeface="Poppins"/>
+                <a:cs typeface="Arial" pitchFamily="34" charset="0"/>
+              </a:rPr>
+              <a:t> </a:t>
+            </a:r>
+            <a:r>
+              <a:rPr kumimoji="0" lang="en-US" sz="1600" i="0" u="none" strike="noStrike" cap="none" normalizeH="0" baseline="0" dirty="0" err="1" smtClean="0">
+                <a:ln>
+                  <a:noFill/>
+                </a:ln>
+                <a:solidFill>
+                  <a:srgbClr val="666666"/>
+                </a:solidFill>
+                <a:effectLst/>
+                <a:latin typeface="Poppins"/>
+                <a:cs typeface="Arial" pitchFamily="34" charset="0"/>
+              </a:rPr>
+              <a:t>dàng</a:t>
+            </a:r>
+            <a:r>
+              <a:rPr kumimoji="0" lang="en-US" sz="1600" i="0" u="none" strike="noStrike" cap="none" normalizeH="0" baseline="0" dirty="0" smtClean="0">
+                <a:ln>
+                  <a:noFill/>
+                </a:ln>
+                <a:solidFill>
+                  <a:srgbClr val="666666"/>
+                </a:solidFill>
+                <a:effectLst/>
+                <a:latin typeface="Poppins"/>
+                <a:cs typeface="Arial" pitchFamily="34" charset="0"/>
+              </a:rPr>
+              <a:t> </a:t>
+            </a:r>
+            <a:r>
+              <a:rPr kumimoji="0" lang="en-US" sz="1600" i="0" u="none" strike="noStrike" cap="none" normalizeH="0" baseline="0" dirty="0" err="1" smtClean="0">
+                <a:ln>
+                  <a:noFill/>
+                </a:ln>
+                <a:solidFill>
+                  <a:srgbClr val="666666"/>
+                </a:solidFill>
+                <a:effectLst/>
+                <a:latin typeface="Poppins"/>
+                <a:cs typeface="Arial" pitchFamily="34" charset="0"/>
+              </a:rPr>
+              <a:t>đăng</a:t>
+            </a:r>
+            <a:r>
+              <a:rPr kumimoji="0" lang="en-US" sz="1600" i="0" u="none" strike="noStrike" cap="none" normalizeH="0" baseline="0" dirty="0" smtClean="0">
+                <a:ln>
+                  <a:noFill/>
+                </a:ln>
+                <a:solidFill>
+                  <a:srgbClr val="666666"/>
+                </a:solidFill>
+                <a:effectLst/>
+                <a:latin typeface="Poppins"/>
+                <a:cs typeface="Arial" pitchFamily="34" charset="0"/>
+              </a:rPr>
+              <a:t> </a:t>
+            </a:r>
+            <a:r>
+              <a:rPr kumimoji="0" lang="en-US" sz="1600" i="0" u="none" strike="noStrike" cap="none" normalizeH="0" baseline="0" dirty="0" err="1" smtClean="0">
+                <a:ln>
+                  <a:noFill/>
+                </a:ln>
+                <a:solidFill>
+                  <a:srgbClr val="666666"/>
+                </a:solidFill>
+                <a:effectLst/>
+                <a:latin typeface="Poppins"/>
+                <a:cs typeface="Arial" pitchFamily="34" charset="0"/>
+              </a:rPr>
+              <a:t>ký</a:t>
+            </a:r>
+            <a:r>
+              <a:rPr kumimoji="0" lang="en-US" sz="1600" i="0" u="none" strike="noStrike" cap="none" normalizeH="0" baseline="0" dirty="0" smtClean="0">
+                <a:ln>
+                  <a:noFill/>
+                </a:ln>
+                <a:solidFill>
+                  <a:srgbClr val="666666"/>
+                </a:solidFill>
+                <a:effectLst/>
+                <a:latin typeface="Poppins"/>
+                <a:cs typeface="Arial" pitchFamily="34" charset="0"/>
+              </a:rPr>
+              <a:t> </a:t>
+            </a:r>
+            <a:r>
+              <a:rPr kumimoji="0" lang="en-US" sz="1600" i="0" u="none" strike="noStrike" cap="none" normalizeH="0" baseline="0" dirty="0" err="1" smtClean="0">
+                <a:ln>
+                  <a:noFill/>
+                </a:ln>
+                <a:solidFill>
+                  <a:srgbClr val="666666"/>
+                </a:solidFill>
+                <a:effectLst/>
+                <a:latin typeface="Poppins"/>
+                <a:cs typeface="Arial" pitchFamily="34" charset="0"/>
+              </a:rPr>
+              <a:t>với</a:t>
+            </a:r>
+            <a:r>
+              <a:rPr kumimoji="0" lang="en-US" sz="1600" i="0" u="none" strike="noStrike" cap="none" normalizeH="0" baseline="0" dirty="0" smtClean="0">
+                <a:ln>
+                  <a:noFill/>
+                </a:ln>
+                <a:solidFill>
+                  <a:srgbClr val="666666"/>
+                </a:solidFill>
+                <a:effectLst/>
+                <a:latin typeface="Poppins"/>
+                <a:cs typeface="Arial" pitchFamily="34" charset="0"/>
+              </a:rPr>
+              <a:t> </a:t>
+            </a:r>
+            <a:r>
+              <a:rPr kumimoji="0" lang="en-US" sz="1600" i="0" u="none" strike="noStrike" cap="none" normalizeH="0" baseline="0" dirty="0" err="1" smtClean="0">
+                <a:ln>
+                  <a:noFill/>
+                </a:ln>
+                <a:solidFill>
+                  <a:srgbClr val="666666"/>
+                </a:solidFill>
+                <a:effectLst/>
+                <a:latin typeface="Poppins"/>
+                <a:cs typeface="Arial" pitchFamily="34" charset="0"/>
+              </a:rPr>
+              <a:t>các</a:t>
+            </a:r>
+            <a:r>
+              <a:rPr kumimoji="0" lang="en-US" sz="1600" i="0" u="none" strike="noStrike" cap="none" normalizeH="0" baseline="0" dirty="0" smtClean="0">
+                <a:ln>
+                  <a:noFill/>
+                </a:ln>
+                <a:solidFill>
+                  <a:srgbClr val="666666"/>
+                </a:solidFill>
+                <a:effectLst/>
+                <a:latin typeface="Poppins"/>
+                <a:cs typeface="Arial" pitchFamily="34" charset="0"/>
+              </a:rPr>
+              <a:t> annotation.</a:t>
+            </a:r>
+            <a:r>
+              <a:rPr kumimoji="0" lang="en-US" sz="1600" i="0" u="none" strike="noStrike" cap="none" normalizeH="0" baseline="0" dirty="0" smtClean="0">
+                <a:ln>
+                  <a:noFill/>
+                </a:ln>
+                <a:solidFill>
+                  <a:schemeClr val="tx1"/>
+                </a:solidFill>
+                <a:effectLst/>
+                <a:latin typeface="Arial" pitchFamily="34" charset="0"/>
+                <a:cs typeface="Arial" pitchFamily="34" charset="0"/>
+              </a:rPr>
+              <a:t> </a:t>
+            </a:r>
+          </a:p>
+          <a:p>
+            <a:pPr marL="0" marR="0" lvl="0" indent="0" algn="l" defTabSz="914400" rtl="0" eaLnBrk="1" fontAlgn="base" latinLnBrk="0" hangingPunct="1">
+              <a:lnSpc>
+                <a:spcPct val="100000"/>
+              </a:lnSpc>
+              <a:spcBef>
+                <a:spcPct val="0"/>
+              </a:spcBef>
+              <a:spcAft>
+                <a:spcPct val="0"/>
+              </a:spcAft>
+              <a:buClrTx/>
+              <a:buSzTx/>
+              <a:buFontTx/>
+              <a:buNone/>
+              <a:tabLst/>
+            </a:pPr>
+            <a:endParaRPr lang="en-US" sz="1600" dirty="0">
+              <a:latin typeface="Arial" pitchFamily="34" charset="0"/>
+              <a:cs typeface="Arial" pitchFamily="34" charset="0"/>
+            </a:endParaRPr>
+          </a:p>
+          <a:p>
+            <a:pPr marL="0" marR="0" lvl="0" indent="0" algn="l" defTabSz="914400" rtl="0" eaLnBrk="1" fontAlgn="base" latinLnBrk="0" hangingPunct="1">
+              <a:lnSpc>
+                <a:spcPct val="100000"/>
+              </a:lnSpc>
+              <a:spcBef>
+                <a:spcPct val="0"/>
+              </a:spcBef>
+              <a:spcAft>
+                <a:spcPct val="0"/>
+              </a:spcAft>
+              <a:buClrTx/>
+              <a:buSzTx/>
+              <a:buFontTx/>
+              <a:buNone/>
+              <a:tabLst/>
+            </a:pPr>
+            <a:endParaRPr kumimoji="0" lang="en-US" sz="1600" i="0" u="none" strike="noStrike" cap="none" normalizeH="0" baseline="0" dirty="0" smtClean="0">
+              <a:ln>
+                <a:noFill/>
+              </a:ln>
+              <a:solidFill>
+                <a:schemeClr val="tx1"/>
+              </a:solidFill>
+              <a:effectLst/>
+              <a:latin typeface="Arial" pitchFamily="34" charset="0"/>
+              <a:cs typeface="Arial" pitchFamily="34" charset="0"/>
+            </a:endParaRPr>
+          </a:p>
+          <a:p>
+            <a:r>
+              <a:rPr lang="vi-VN" sz="1600" dirty="0"/>
+              <a:t>@Controller là </a:t>
+            </a:r>
+            <a:r>
+              <a:rPr lang="vi-VN" sz="1600" dirty="0" smtClean="0"/>
+              <a:t>annotation</a:t>
+            </a:r>
+            <a:r>
+              <a:rPr lang="en-US" sz="1600" dirty="0" smtClean="0"/>
+              <a:t> </a:t>
+            </a:r>
+            <a:r>
+              <a:rPr lang="vi-VN" sz="1600" dirty="0" smtClean="0"/>
+              <a:t>khai </a:t>
+            </a:r>
+            <a:r>
+              <a:rPr lang="vi-VN" sz="1600" dirty="0"/>
+              <a:t>báo </a:t>
+            </a:r>
+            <a:r>
+              <a:rPr lang="vi-VN" sz="1600" dirty="0" smtClean="0"/>
+              <a:t>class </a:t>
+            </a:r>
+            <a:r>
+              <a:rPr lang="vi-VN" sz="1600" dirty="0"/>
+              <a:t>đó là </a:t>
+            </a:r>
+            <a:r>
+              <a:rPr lang="vi-VN" sz="1600" dirty="0" smtClean="0"/>
+              <a:t>controller</a:t>
+            </a:r>
+            <a:r>
+              <a:rPr lang="en-US" sz="1600" dirty="0" smtClean="0"/>
+              <a:t> </a:t>
+            </a:r>
+            <a:r>
+              <a:rPr lang="en-US" sz="1600" dirty="0" err="1" smtClean="0"/>
+              <a:t>trong</a:t>
+            </a:r>
+            <a:r>
+              <a:rPr lang="en-US" sz="1600" dirty="0" smtClean="0"/>
+              <a:t> </a:t>
+            </a:r>
+            <a:r>
+              <a:rPr lang="vi-VN" sz="1600" dirty="0" smtClean="0"/>
+              <a:t>SpringMVC </a:t>
+            </a:r>
+            <a:r>
+              <a:rPr lang="en-US" sz="1600" dirty="0" err="1" smtClean="0"/>
+              <a:t>và</a:t>
+            </a:r>
+            <a:r>
+              <a:rPr lang="en-US" sz="1600" dirty="0" smtClean="0"/>
+              <a:t> </a:t>
+            </a:r>
+            <a:r>
+              <a:rPr lang="vi-VN" sz="1600" dirty="0" smtClean="0"/>
+              <a:t>buộc</a:t>
+            </a:r>
+            <a:r>
+              <a:rPr lang="vi-VN" sz="1600" dirty="0"/>
+              <a:t> phải cài đặt một template </a:t>
+            </a:r>
+            <a:r>
+              <a:rPr lang="vi-VN" sz="1600" dirty="0" smtClean="0"/>
+              <a:t>engine</a:t>
+            </a:r>
+            <a:endParaRPr lang="en-US" sz="1600" dirty="0"/>
+          </a:p>
+          <a:p>
+            <a:r>
+              <a:rPr lang="vi-VN" sz="1600" dirty="0"/>
+              <a:t>Default các method của </a:t>
+            </a:r>
+            <a:r>
+              <a:rPr lang="vi-VN" sz="1600" dirty="0"/>
+              <a:t>@Controller</a:t>
+            </a:r>
+            <a:r>
+              <a:rPr lang="vi-VN" sz="1600" dirty="0"/>
+              <a:t> sẽ return về một view resolver và bắt buộc view đó phải tồn tại và được đặt trong folder </a:t>
+            </a:r>
+            <a:r>
+              <a:rPr lang="vi-VN" sz="1600" dirty="0"/>
+              <a:t>resources/templates</a:t>
+            </a:r>
+            <a:r>
+              <a:rPr lang="vi-VN" sz="1600" dirty="0" smtClean="0"/>
+              <a:t>.</a:t>
+            </a:r>
+            <a:endParaRPr kumimoji="0" lang="en-US" sz="1600" i="0" u="none" strike="noStrike" cap="none" normalizeH="0" baseline="0" dirty="0" smtClean="0">
+              <a:ln>
+                <a:noFill/>
+              </a:ln>
+              <a:solidFill>
+                <a:schemeClr val="tx1"/>
+              </a:solidFill>
+              <a:effectLst/>
+              <a:latin typeface="Arial" pitchFamily="34" charset="0"/>
+              <a:cs typeface="Arial" pitchFamily="34" charset="0"/>
+            </a:endParaRPr>
+          </a:p>
+          <a:p>
+            <a:pPr marL="0" marR="0" lvl="0" indent="0" algn="l" defTabSz="914400" rtl="0" eaLnBrk="1" fontAlgn="base" latinLnBrk="0" hangingPunct="1">
+              <a:lnSpc>
+                <a:spcPct val="100000"/>
+              </a:lnSpc>
+              <a:spcBef>
+                <a:spcPct val="0"/>
+              </a:spcBef>
+              <a:spcAft>
+                <a:spcPct val="0"/>
+              </a:spcAft>
+              <a:buClrTx/>
+              <a:buSzTx/>
+              <a:buFontTx/>
+              <a:buNone/>
+              <a:tabLst/>
+            </a:pPr>
+            <a:endParaRPr lang="en-US" sz="1600" dirty="0">
+              <a:latin typeface="Arial" pitchFamily="34" charset="0"/>
+              <a:cs typeface="Arial" pitchFamily="34" charset="0"/>
+            </a:endParaRPr>
+          </a:p>
+          <a:p>
+            <a:r>
+              <a:rPr lang="vi-VN" sz="1600" dirty="0"/>
+              <a:t>@RestController là một composed annotation được kết </a:t>
+            </a:r>
+            <a:r>
+              <a:rPr lang="en-US" sz="1600" dirty="0" err="1" smtClean="0"/>
+              <a:t>hợp</a:t>
+            </a:r>
+            <a:r>
+              <a:rPr lang="en-US" sz="1600" dirty="0" smtClean="0"/>
+              <a:t> </a:t>
+            </a:r>
+            <a:r>
+              <a:rPr lang="vi-VN" sz="1600" dirty="0" smtClean="0"/>
+              <a:t>từ </a:t>
+            </a:r>
+            <a:r>
+              <a:rPr lang="vi-VN" sz="1600" dirty="0"/>
+              <a:t> @Controller và @ResponseBody, khi đặt một annotation @RestController  trên một class </a:t>
+            </a:r>
+            <a:r>
+              <a:rPr lang="vi-VN" sz="1600" dirty="0" smtClean="0"/>
+              <a:t>thì response </a:t>
+            </a:r>
+            <a:r>
+              <a:rPr lang="vi-VN" sz="1600" dirty="0"/>
+              <a:t>data trong controller này sẽ được trả về dưới dạng </a:t>
+            </a:r>
+            <a:r>
+              <a:rPr lang="vi-VN" sz="1600" dirty="0" smtClean="0"/>
+              <a:t>message</a:t>
+            </a:r>
+            <a:r>
+              <a:rPr lang="en-US" sz="1600" dirty="0" smtClean="0"/>
+              <a:t> (JSON/XML)</a:t>
+            </a:r>
+            <a:r>
+              <a:rPr lang="vi-VN" sz="1600" dirty="0" smtClean="0"/>
+              <a:t>.</a:t>
+            </a:r>
+            <a:endParaRPr lang="vi-VN" sz="1600" dirty="0"/>
+          </a:p>
+          <a:p>
+            <a:r>
+              <a:rPr lang="vi-VN" sz="1600" dirty="0"/>
+              <a:t>Khi sử dụng @RestController thì chúng ta không cần phải cài đặt template engine</a:t>
+            </a:r>
+          </a:p>
+          <a:p>
+            <a:pPr marL="0" marR="0" lvl="0" indent="0" algn="l" defTabSz="914400" rtl="0" eaLnBrk="1" fontAlgn="base" latinLnBrk="0" hangingPunct="1">
+              <a:lnSpc>
+                <a:spcPct val="100000"/>
+              </a:lnSpc>
+              <a:spcBef>
+                <a:spcPct val="0"/>
+              </a:spcBef>
+              <a:spcAft>
+                <a:spcPct val="0"/>
+              </a:spcAft>
+              <a:buClrTx/>
+              <a:buSzTx/>
+              <a:buFontTx/>
+              <a:buNone/>
+              <a:tabLst/>
+            </a:pPr>
+            <a:endParaRPr kumimoji="0" lang="en-US" sz="1600" i="0" u="none" strike="noStrike" cap="none" normalizeH="0" baseline="0" dirty="0" smtClean="0">
+              <a:ln>
+                <a:noFill/>
+              </a:ln>
+              <a:solidFill>
+                <a:schemeClr val="tx1"/>
+              </a:solidFill>
+              <a:effectLst/>
+              <a:latin typeface="Arial" pitchFamily="34" charset="0"/>
+              <a:cs typeface="Arial" pitchFamily="34" charset="0"/>
             </a:endParaRPr>
           </a:p>
         </p:txBody>
@@ -2972,14 +4555,21 @@
   <p:clrMapOvr>
     <a:masterClrMapping/>
   </p:clrMapOvr>
-  <mc:AlternateContent xmlns:mc="http://schemas.openxmlformats.org/markup-compatibility/2006">
-    <mc:Choice xmlns:p14="http://schemas.microsoft.com/office/powerpoint/2010/main" Requires="p14">
+  <mc:AlternateContent xmlns:mc="http://schemas.openxmlformats.org/markup-compatibility/2006" xmlns:p14="http://schemas.microsoft.com/office/powerpoint/2010/main">
+    <mc:Choice Requires="p14">
       <p:transition spd="slow" p14:dur="2000"/>
     </mc:Choice>
-    <mc:Fallback>
+    <mc:Fallback xmlns="">
       <p:transition spd="slow"/>
     </mc:Fallback>
   </mc:AlternateContent>
+  <p:timing>
+    <p:tnLst>
+      <p:par>
+        <p:cTn id="1" dur="indefinite" restart="never" nodeType="tmRoot"/>
+      </p:par>
+    </p:tnLst>
+  </p:timing>
 </p:sld>
 </file>
 
@@ -3002,14 +4592,14 @@
       </p:grpSpPr>
       <p:sp>
         <p:nvSpPr>
-          <p:cNvPr id="57" name="TextShape 1"/>
+          <p:cNvPr id="50" name="TextShape 1"/>
           <p:cNvSpPr txBox="1"/>
           <p:nvPr/>
         </p:nvSpPr>
         <p:spPr>
           <a:xfrm>
-            <a:off x="504000" y="301320"/>
-            <a:ext cx="9071640" cy="704520"/>
+            <a:off x="504000" y="593945"/>
+            <a:ext cx="9071640" cy="676910"/>
           </a:xfrm>
           <a:prstGeom prst="rect">
             <a:avLst/>
@@ -3023,30 +4613,28 @@
           <a:bodyPr lIns="0" tIns="0" rIns="0" bIns="0" anchor="ctr">
             <a:spAutoFit/>
           </a:bodyPr>
+          <a:lstStyle/>
           <a:p>
             <a:pPr algn="ctr"/>
             <a:r>
-              <a:rPr lang="en-US" sz="2000" b="1" strike="noStrike" spc="-1">
-                <a:latin typeface="Arial" panose="020B0604020202020204"/>
-              </a:rPr>
-              <a:t>@RequestMapping + @PostMapping + @ModelAttribute + @RequestParam  </a:t>
-            </a:r>
-            <a:endParaRPr lang="en-US" sz="2000" b="0" strike="noStrike" spc="-1">
-              <a:latin typeface="Arial" panose="020B0604020202020204"/>
-            </a:endParaRPr>
-          </a:p>
-        </p:txBody>
-      </p:sp>
-      <p:sp>
-        <p:nvSpPr>
-          <p:cNvPr id="58" name="TextShape 2"/>
+              <a:rPr lang="en-US" sz="4400" b="0" strike="noStrike" spc="-1" dirty="0">
+                <a:latin typeface="Arial" panose="020B0604020202020204"/>
+              </a:rPr>
+              <a:t>@Qualifier</a:t>
+            </a:r>
+          </a:p>
+        </p:txBody>
+      </p:sp>
+      <p:sp>
+        <p:nvSpPr>
+          <p:cNvPr id="52" name="TextShape 2"/>
           <p:cNvSpPr txBox="1"/>
           <p:nvPr/>
         </p:nvSpPr>
         <p:spPr>
           <a:xfrm>
-            <a:off x="741240" y="1126795"/>
-            <a:ext cx="8311320" cy="2581910"/>
+            <a:off x="431800" y="1691530"/>
+            <a:ext cx="9509760" cy="1042670"/>
           </a:xfrm>
           <a:prstGeom prst="rect">
             <a:avLst/>
@@ -3057,129 +4645,548 @@
           </a:ln>
         </p:spPr>
         <p:txBody>
-          <a:bodyPr wrap="square" lIns="90000" tIns="45000" rIns="90000" bIns="45000">
+          <a:bodyPr lIns="90000" tIns="45000" rIns="90000" bIns="45000">
             <a:spAutoFit/>
           </a:bodyPr>
+          <a:lstStyle/>
           <a:p>
             <a:pPr>
               <a:lnSpc>
-                <a:spcPct val="150000"/>
-              </a:lnSpc>
-            </a:pPr>
-            <a:r>
-              <a:rPr lang="en-US" sz="1800" b="0" strike="noStrike" spc="-1">
-                <a:latin typeface="Arial" panose="020B0604020202020204"/>
-              </a:rPr>
-              <a:t>@PostMapping có nhiệm vụ đánh dấu hàm xử lý POST request trong Controller.</a:t>
-            </a:r>
-            <a:endParaRPr lang="en-US" sz="1800" b="0" strike="noStrike" spc="-1">
-              <a:latin typeface="Arial" panose="020B0604020202020204"/>
-            </a:endParaRPr>
-          </a:p>
-          <a:p>
-            <a:pPr>
-              <a:lnSpc>
-                <a:spcPct val="150000"/>
-              </a:lnSpc>
-            </a:pPr>
-            <a:r>
-              <a:rPr lang="en-US" sz="1800" b="0" strike="noStrike" spc="-1">
-                <a:latin typeface="Arial" panose="020B0604020202020204"/>
-              </a:rPr>
-              <a:t>@GetMapping có nhiệm vụ đánh dấu hàm xử lý GET request trong Controller.</a:t>
-            </a:r>
-            <a:endParaRPr lang="en-US" sz="1800" b="0" strike="noStrike" spc="-1">
-              <a:latin typeface="Arial" panose="020B0604020202020204"/>
-            </a:endParaRPr>
-          </a:p>
-          <a:p>
-            <a:pPr>
-              <a:lnSpc>
-                <a:spcPct val="150000"/>
-              </a:lnSpc>
-            </a:pPr>
-            <a:r>
-              <a:rPr lang="en-US" sz="1800" b="0" strike="noStrike" spc="-1">
-                <a:latin typeface="Arial" panose="020B0604020202020204"/>
-              </a:rPr>
-              <a:t>@PutMapping </a:t>
-            </a:r>
-            <a:endParaRPr lang="en-US" sz="1800" b="0" strike="noStrike" spc="-1">
-              <a:latin typeface="Arial" panose="020B0604020202020204"/>
-            </a:endParaRPr>
-          </a:p>
-          <a:p>
-            <a:pPr>
-              <a:lnSpc>
-                <a:spcPct val="150000"/>
-              </a:lnSpc>
-            </a:pPr>
-            <a:r>
-              <a:rPr lang="en-US" sz="1800" b="0" strike="noStrike" spc="-1">
-                <a:latin typeface="Arial" panose="020B0604020202020204"/>
-              </a:rPr>
-              <a:t>@DeleteMapping</a:t>
-            </a:r>
-            <a:endParaRPr lang="en-US" sz="1800" b="0" strike="noStrike" spc="-1">
-              <a:latin typeface="Arial" panose="020B0604020202020204"/>
-            </a:endParaRPr>
-          </a:p>
-          <a:p>
-            <a:pPr>
-              <a:lnSpc>
-                <a:spcPct val="150000"/>
-              </a:lnSpc>
-            </a:pPr>
-            <a:r>
-              <a:rPr lang="en-US" sz="1800" b="0" strike="noStrike" spc="-1">
-                <a:latin typeface="Arial" panose="020B0604020202020204"/>
-              </a:rPr>
-              <a:t>@RequestMapping là một annotation có ý nghĩa và mục đích sử dụng rộng hơn các loại @GetMapping, @PostMapping,v.v..</a:t>
-            </a:r>
-            <a:endParaRPr lang="en-US" sz="1800" b="0" strike="noStrike" spc="-1">
-              <a:latin typeface="Arial" panose="020B0604020202020204"/>
-            </a:endParaRPr>
-          </a:p>
-        </p:txBody>
-      </p:sp>
-      <p:pic>
-        <p:nvPicPr>
-          <p:cNvPr id="59" name="Picture 58"/>
-          <p:cNvPicPr/>
-          <p:nvPr/>
-        </p:nvPicPr>
-        <p:blipFill>
-          <a:blip r:embed="rId1"/>
-          <a:stretch>
-            <a:fillRect/>
-          </a:stretch>
-        </p:blipFill>
-        <p:spPr>
-          <a:xfrm>
-            <a:off x="1649095" y="3647270"/>
-            <a:ext cx="6781320" cy="3704760"/>
-          </a:xfrm>
-          <a:prstGeom prst="rect">
-            <a:avLst/>
-          </a:prstGeom>
-          <a:ln>
-            <a:noFill/>
-          </a:ln>
-        </p:spPr>
-      </p:pic>
+                <a:spcPct val="115000"/>
+              </a:lnSpc>
+            </a:pPr>
+            <a:r>
+              <a:rPr lang="en-US" sz="1800" b="0" strike="noStrike" spc="-1" dirty="0" err="1">
+                <a:latin typeface="Arial" panose="020B0604020202020204"/>
+              </a:rPr>
+              <a:t>Khi</a:t>
+            </a:r>
+            <a:r>
+              <a:rPr lang="en-US" sz="1800" b="0" strike="noStrike" spc="-1" dirty="0">
+                <a:latin typeface="Arial" panose="020B0604020202020204"/>
+              </a:rPr>
+              <a:t> </a:t>
+            </a:r>
+            <a:r>
+              <a:rPr lang="en-US" sz="1800" b="0" strike="noStrike" spc="-1" dirty="0" err="1">
+                <a:latin typeface="Arial" panose="020B0604020202020204"/>
+              </a:rPr>
+              <a:t>có</a:t>
+            </a:r>
+            <a:r>
+              <a:rPr lang="en-US" sz="1800" b="0" strike="noStrike" spc="-1" dirty="0">
+                <a:latin typeface="Arial" panose="020B0604020202020204"/>
+              </a:rPr>
+              <a:t> </a:t>
+            </a:r>
+            <a:r>
+              <a:rPr lang="en-US" sz="1800" b="0" strike="noStrike" spc="-1" dirty="0" err="1">
+                <a:latin typeface="Arial" panose="020B0604020202020204"/>
+              </a:rPr>
+              <a:t>nhiều</a:t>
+            </a:r>
+            <a:r>
+              <a:rPr lang="en-US" sz="1800" b="0" strike="noStrike" spc="-1" dirty="0">
+                <a:latin typeface="Arial" panose="020B0604020202020204"/>
+              </a:rPr>
+              <a:t> </a:t>
+            </a:r>
+            <a:r>
+              <a:rPr lang="en-US" sz="1800" b="0" strike="noStrike" spc="-1" dirty="0" err="1">
+                <a:latin typeface="Arial" panose="020B0604020202020204"/>
+              </a:rPr>
+              <a:t>hơn</a:t>
+            </a:r>
+            <a:r>
+              <a:rPr lang="en-US" sz="1800" b="0" strike="noStrike" spc="-1" dirty="0">
+                <a:latin typeface="Arial" panose="020B0604020202020204"/>
+              </a:rPr>
+              <a:t> </a:t>
+            </a:r>
+            <a:r>
+              <a:rPr lang="en-US" sz="1800" b="0" strike="noStrike" spc="-1" dirty="0" err="1">
+                <a:latin typeface="Arial" panose="020B0604020202020204"/>
+              </a:rPr>
+              <a:t>một</a:t>
+            </a:r>
+            <a:r>
+              <a:rPr lang="en-US" sz="1800" b="0" strike="noStrike" spc="-1" dirty="0">
+                <a:latin typeface="Arial" panose="020B0604020202020204"/>
+              </a:rPr>
+              <a:t> bean </a:t>
+            </a:r>
+            <a:r>
+              <a:rPr lang="en-US" sz="1800" b="0" strike="noStrike" spc="-1" dirty="0" err="1">
+                <a:latin typeface="Arial" panose="020B0604020202020204"/>
+              </a:rPr>
+              <a:t>với</a:t>
+            </a:r>
+            <a:r>
+              <a:rPr lang="en-US" sz="1800" b="0" strike="noStrike" spc="-1" dirty="0">
+                <a:latin typeface="Arial" panose="020B0604020202020204"/>
+              </a:rPr>
+              <a:t> </a:t>
+            </a:r>
+            <a:r>
+              <a:rPr lang="en-US" sz="1800" b="0" strike="noStrike" spc="-1" dirty="0" err="1">
+                <a:latin typeface="Arial" panose="020B0604020202020204"/>
+              </a:rPr>
+              <a:t>cùng</a:t>
+            </a:r>
+            <a:r>
+              <a:rPr lang="en-US" sz="1800" b="0" strike="noStrike" spc="-1" dirty="0">
+                <a:latin typeface="Arial" panose="020B0604020202020204"/>
+              </a:rPr>
+              <a:t> </a:t>
+            </a:r>
+            <a:r>
+              <a:rPr lang="en-US" sz="1800" b="0" strike="noStrike" spc="-1" dirty="0" err="1">
+                <a:latin typeface="Arial" panose="020B0604020202020204"/>
+              </a:rPr>
+              <a:t>một</a:t>
+            </a:r>
+            <a:r>
+              <a:rPr lang="en-US" sz="1800" b="0" strike="noStrike" spc="-1" dirty="0">
+                <a:latin typeface="Arial" panose="020B0604020202020204"/>
+              </a:rPr>
+              <a:t> </a:t>
+            </a:r>
+            <a:r>
+              <a:rPr lang="en-US" sz="1800" b="0" strike="noStrike" spc="-1" dirty="0" err="1">
+                <a:latin typeface="Arial" panose="020B0604020202020204"/>
+              </a:rPr>
+              <a:t>loại</a:t>
+            </a:r>
+            <a:r>
+              <a:rPr lang="en-US" sz="1800" b="0" strike="noStrike" spc="-1" dirty="0">
+                <a:latin typeface="Arial" panose="020B0604020202020204"/>
+              </a:rPr>
+              <a:t> </a:t>
+            </a:r>
+            <a:r>
+              <a:rPr lang="en-US" sz="1800" b="0" strike="noStrike" spc="-1" dirty="0" err="1">
+                <a:latin typeface="Arial" panose="020B0604020202020204"/>
+              </a:rPr>
+              <a:t>và</a:t>
+            </a:r>
+            <a:r>
+              <a:rPr lang="en-US" sz="1800" b="0" strike="noStrike" spc="-1" dirty="0">
+                <a:latin typeface="Arial" panose="020B0604020202020204"/>
+              </a:rPr>
+              <a:t> </a:t>
+            </a:r>
+            <a:r>
+              <a:rPr lang="en-US" sz="1800" b="0" strike="noStrike" spc="-1" dirty="0" err="1">
+                <a:latin typeface="Arial" panose="020B0604020202020204"/>
+              </a:rPr>
+              <a:t>chỉ</a:t>
+            </a:r>
+            <a:r>
+              <a:rPr lang="en-US" sz="1800" b="0" strike="noStrike" spc="-1" dirty="0">
+                <a:latin typeface="Arial" panose="020B0604020202020204"/>
+              </a:rPr>
+              <a:t> </a:t>
+            </a:r>
+            <a:r>
+              <a:rPr lang="en-US" sz="1800" b="0" strike="noStrike" spc="-1" dirty="0" err="1">
+                <a:latin typeface="Arial" panose="020B0604020202020204"/>
+              </a:rPr>
+              <a:t>có</a:t>
+            </a:r>
+            <a:r>
+              <a:rPr lang="en-US" sz="1800" b="0" strike="noStrike" spc="-1" dirty="0">
+                <a:latin typeface="Arial" panose="020B0604020202020204"/>
+              </a:rPr>
+              <a:t> </a:t>
+            </a:r>
+            <a:r>
+              <a:rPr lang="en-US" sz="1800" b="0" strike="noStrike" spc="-1" dirty="0" err="1">
+                <a:latin typeface="Arial" panose="020B0604020202020204"/>
+              </a:rPr>
+              <a:t>một</a:t>
+            </a:r>
+            <a:r>
+              <a:rPr lang="en-US" sz="1800" b="0" strike="noStrike" spc="-1" dirty="0">
+                <a:latin typeface="Arial" panose="020B0604020202020204"/>
+              </a:rPr>
+              <a:t> bean </a:t>
+            </a:r>
+            <a:r>
+              <a:rPr lang="en-US" sz="1800" b="0" strike="noStrike" spc="-1" dirty="0" err="1">
+                <a:latin typeface="Arial" panose="020B0604020202020204"/>
+              </a:rPr>
+              <a:t>trong</a:t>
+            </a:r>
+            <a:r>
+              <a:rPr lang="en-US" sz="1800" b="0" strike="noStrike" spc="-1" dirty="0">
+                <a:latin typeface="Arial" panose="020B0604020202020204"/>
+              </a:rPr>
+              <a:t> </a:t>
+            </a:r>
+            <a:r>
+              <a:rPr lang="en-US" sz="1800" b="0" strike="noStrike" spc="-1" dirty="0" err="1">
+                <a:latin typeface="Arial" panose="020B0604020202020204"/>
+              </a:rPr>
+              <a:t>số</a:t>
+            </a:r>
+            <a:r>
+              <a:rPr lang="en-US" sz="1800" b="0" strike="noStrike" spc="-1" dirty="0">
+                <a:latin typeface="Arial" panose="020B0604020202020204"/>
+              </a:rPr>
+              <a:t> </a:t>
+            </a:r>
+            <a:r>
+              <a:rPr lang="en-US" sz="1800" b="0" strike="noStrike" spc="-1" dirty="0" err="1">
+                <a:latin typeface="Arial" panose="020B0604020202020204"/>
+              </a:rPr>
+              <a:t>đó</a:t>
+            </a:r>
+            <a:r>
+              <a:rPr lang="en-US" sz="1800" b="0" strike="noStrike" spc="-1" dirty="0">
+                <a:latin typeface="Arial" panose="020B0604020202020204"/>
+              </a:rPr>
+              <a:t> </a:t>
+            </a:r>
+            <a:r>
+              <a:rPr lang="en-US" sz="1800" b="0" strike="noStrike" spc="-1" dirty="0" err="1">
+                <a:latin typeface="Arial" panose="020B0604020202020204"/>
+              </a:rPr>
+              <a:t>cần</a:t>
+            </a:r>
+            <a:r>
+              <a:rPr lang="en-US" sz="1800" b="0" strike="noStrike" spc="-1" dirty="0">
+                <a:latin typeface="Arial" panose="020B0604020202020204"/>
+              </a:rPr>
+              <a:t> </a:t>
+            </a:r>
+            <a:r>
+              <a:rPr lang="en-US" sz="1800" b="0" strike="noStrike" spc="-1" dirty="0" err="1">
+                <a:latin typeface="Arial" panose="020B0604020202020204"/>
+              </a:rPr>
+              <a:t>được</a:t>
+            </a:r>
+            <a:r>
+              <a:rPr lang="en-US" sz="1800" b="0" strike="noStrike" spc="-1" dirty="0">
+                <a:latin typeface="Arial" panose="020B0604020202020204"/>
+              </a:rPr>
+              <a:t> wire </a:t>
+            </a:r>
+            <a:r>
+              <a:rPr lang="en-US" sz="1800" b="0" strike="noStrike" spc="-1" dirty="0" err="1">
+                <a:latin typeface="Arial" panose="020B0604020202020204"/>
+              </a:rPr>
+              <a:t>với</a:t>
+            </a:r>
+            <a:r>
+              <a:rPr lang="en-US" sz="1800" b="0" strike="noStrike" spc="-1" dirty="0">
+                <a:latin typeface="Arial" panose="020B0604020202020204"/>
+              </a:rPr>
+              <a:t> </a:t>
+            </a:r>
+            <a:r>
+              <a:rPr lang="en-US" sz="1800" b="0" strike="noStrike" spc="-1" dirty="0" err="1">
+                <a:latin typeface="Arial" panose="020B0604020202020204"/>
+              </a:rPr>
+              <a:t>một</a:t>
+            </a:r>
+            <a:r>
+              <a:rPr lang="en-US" sz="1800" b="0" strike="noStrike" spc="-1" dirty="0">
+                <a:latin typeface="Arial" panose="020B0604020202020204"/>
+              </a:rPr>
+              <a:t> property </a:t>
+            </a:r>
+            <a:r>
+              <a:rPr lang="en-US" sz="1800" b="0" strike="noStrike" spc="-1" dirty="0" err="1">
+                <a:latin typeface="Arial" panose="020B0604020202020204"/>
+              </a:rPr>
+              <a:t>nào</a:t>
+            </a:r>
+            <a:r>
+              <a:rPr lang="en-US" sz="1800" b="0" strike="noStrike" spc="-1" dirty="0">
+                <a:latin typeface="Arial" panose="020B0604020202020204"/>
+              </a:rPr>
+              <a:t> </a:t>
+            </a:r>
+            <a:r>
+              <a:rPr lang="en-US" sz="1800" b="0" strike="noStrike" spc="-1" dirty="0" err="1">
+                <a:latin typeface="Arial" panose="020B0604020202020204"/>
+              </a:rPr>
+              <a:t>đó</a:t>
+            </a:r>
+            <a:r>
+              <a:rPr lang="en-US" sz="1800" b="0" strike="noStrike" spc="-1" dirty="0">
+                <a:latin typeface="Arial" panose="020B0604020202020204"/>
+              </a:rPr>
+              <a:t>, @Qualifier </a:t>
+            </a:r>
+            <a:r>
+              <a:rPr lang="en-US" sz="1800" b="0" strike="noStrike" spc="-1" dirty="0" err="1">
+                <a:latin typeface="Arial" panose="020B0604020202020204"/>
+              </a:rPr>
+              <a:t>sẽ</a:t>
+            </a:r>
+            <a:r>
+              <a:rPr lang="en-US" sz="1800" b="0" strike="noStrike" spc="-1" dirty="0">
+                <a:latin typeface="Arial" panose="020B0604020202020204"/>
+              </a:rPr>
+              <a:t> </a:t>
+            </a:r>
+            <a:r>
+              <a:rPr lang="en-US" sz="1800" b="0" strike="noStrike" spc="-1" dirty="0" err="1">
+                <a:latin typeface="Arial" panose="020B0604020202020204"/>
+              </a:rPr>
+              <a:t>được</a:t>
+            </a:r>
+            <a:r>
+              <a:rPr lang="en-US" sz="1800" b="0" strike="noStrike" spc="-1" dirty="0">
+                <a:latin typeface="Arial" panose="020B0604020202020204"/>
+              </a:rPr>
+              <a:t> </a:t>
+            </a:r>
+            <a:r>
+              <a:rPr lang="en-US" sz="1800" b="0" strike="noStrike" spc="-1" dirty="0" err="1">
+                <a:latin typeface="Arial" panose="020B0604020202020204"/>
+              </a:rPr>
+              <a:t>sử</a:t>
+            </a:r>
+            <a:r>
+              <a:rPr lang="en-US" sz="1800" b="0" strike="noStrike" spc="-1" dirty="0">
+                <a:latin typeface="Arial" panose="020B0604020202020204"/>
+              </a:rPr>
+              <a:t> </a:t>
+            </a:r>
+            <a:r>
+              <a:rPr lang="en-US" sz="1800" b="0" strike="noStrike" spc="-1" dirty="0" err="1">
+                <a:latin typeface="Arial" panose="020B0604020202020204"/>
+              </a:rPr>
+              <a:t>dụng</a:t>
+            </a:r>
+            <a:r>
+              <a:rPr lang="en-US" sz="1800" b="0" strike="noStrike" spc="-1" dirty="0">
+                <a:latin typeface="Arial" panose="020B0604020202020204"/>
+              </a:rPr>
+              <a:t> </a:t>
+            </a:r>
+            <a:r>
+              <a:rPr lang="en-US" sz="1800" b="0" strike="noStrike" spc="-1" dirty="0" err="1">
+                <a:latin typeface="Arial" panose="020B0604020202020204"/>
+              </a:rPr>
+              <a:t>với</a:t>
+            </a:r>
+            <a:r>
+              <a:rPr lang="en-US" sz="1800" b="0" strike="noStrike" spc="-1" dirty="0">
+                <a:latin typeface="Arial" panose="020B0604020202020204"/>
+              </a:rPr>
+              <a:t> @</a:t>
+            </a:r>
+            <a:r>
+              <a:rPr lang="en-US" sz="1800" b="0" strike="noStrike" spc="-1" dirty="0" err="1">
+                <a:latin typeface="Arial" panose="020B0604020202020204"/>
+              </a:rPr>
+              <a:t>Autowired</a:t>
+            </a:r>
+            <a:r>
+              <a:rPr lang="en-US" sz="1800" b="0" strike="noStrike" spc="-1" dirty="0">
+                <a:latin typeface="Arial" panose="020B0604020202020204"/>
+              </a:rPr>
+              <a:t> </a:t>
+            </a:r>
+            <a:r>
+              <a:rPr lang="en-US" sz="1800" b="0" strike="noStrike" spc="-1" dirty="0" err="1">
+                <a:latin typeface="Arial" panose="020B0604020202020204"/>
+              </a:rPr>
+              <a:t>để</a:t>
+            </a:r>
+            <a:r>
+              <a:rPr lang="en-US" sz="1800" b="0" strike="noStrike" spc="-1" dirty="0">
+                <a:latin typeface="Arial" panose="020B0604020202020204"/>
+              </a:rPr>
+              <a:t> </a:t>
+            </a:r>
+            <a:r>
+              <a:rPr lang="en-US" sz="1800" b="0" strike="noStrike" spc="-1" dirty="0" err="1">
+                <a:latin typeface="Arial" panose="020B0604020202020204"/>
+              </a:rPr>
+              <a:t>giảm</a:t>
+            </a:r>
+            <a:r>
+              <a:rPr lang="en-US" sz="1800" b="0" strike="noStrike" spc="-1" dirty="0">
+                <a:latin typeface="Arial" panose="020B0604020202020204"/>
+              </a:rPr>
+              <a:t> </a:t>
+            </a:r>
+            <a:r>
+              <a:rPr lang="en-US" sz="1800" b="0" strike="noStrike" spc="-1" dirty="0" err="1">
+                <a:latin typeface="Arial" panose="020B0604020202020204"/>
+              </a:rPr>
+              <a:t>thiểu</a:t>
+            </a:r>
+            <a:r>
+              <a:rPr lang="en-US" sz="1800" b="0" strike="noStrike" spc="-1" dirty="0">
+                <a:latin typeface="Arial" panose="020B0604020202020204"/>
+              </a:rPr>
+              <a:t> </a:t>
+            </a:r>
+            <a:r>
+              <a:rPr lang="en-US" sz="1800" b="0" strike="noStrike" spc="-1" dirty="0" err="1">
+                <a:latin typeface="Arial" panose="020B0604020202020204"/>
+              </a:rPr>
+              <a:t>sự</a:t>
+            </a:r>
+            <a:r>
+              <a:rPr lang="en-US" sz="1800" b="0" strike="noStrike" spc="-1" dirty="0">
+                <a:latin typeface="Arial" panose="020B0604020202020204"/>
+              </a:rPr>
+              <a:t> </a:t>
+            </a:r>
+            <a:r>
+              <a:rPr lang="en-US" sz="1800" b="0" strike="noStrike" spc="-1" dirty="0" err="1">
+                <a:latin typeface="Arial" panose="020B0604020202020204"/>
+              </a:rPr>
+              <a:t>nhầm</a:t>
+            </a:r>
+            <a:r>
+              <a:rPr lang="en-US" sz="1800" b="0" strike="noStrike" spc="-1" dirty="0">
+                <a:latin typeface="Arial" panose="020B0604020202020204"/>
+              </a:rPr>
+              <a:t> </a:t>
+            </a:r>
+            <a:r>
+              <a:rPr lang="en-US" sz="1800" b="0" strike="noStrike" spc="-1" dirty="0" err="1">
+                <a:latin typeface="Arial" panose="020B0604020202020204"/>
+              </a:rPr>
+              <a:t>lẫn</a:t>
+            </a:r>
+            <a:r>
+              <a:rPr lang="en-US" sz="1800" b="0" strike="noStrike" spc="-1" dirty="0">
+                <a:latin typeface="Arial" panose="020B0604020202020204"/>
+              </a:rPr>
+              <a:t> </a:t>
+            </a:r>
+            <a:r>
+              <a:rPr lang="en-US" sz="1800" b="0" strike="noStrike" spc="-1" dirty="0" err="1">
+                <a:latin typeface="Arial" panose="020B0604020202020204"/>
+              </a:rPr>
+              <a:t>bằng</a:t>
+            </a:r>
+            <a:r>
+              <a:rPr lang="en-US" sz="1800" b="0" strike="noStrike" spc="-1" dirty="0">
+                <a:latin typeface="Arial" panose="020B0604020202020204"/>
+              </a:rPr>
+              <a:t> </a:t>
+            </a:r>
+            <a:r>
+              <a:rPr lang="en-US" sz="1800" b="0" strike="noStrike" spc="-1" dirty="0" err="1">
+                <a:latin typeface="Arial" panose="020B0604020202020204"/>
+              </a:rPr>
+              <a:t>cách</a:t>
+            </a:r>
+            <a:r>
+              <a:rPr lang="en-US" sz="1800" b="0" strike="noStrike" spc="-1" dirty="0">
+                <a:latin typeface="Arial" panose="020B0604020202020204"/>
+              </a:rPr>
+              <a:t> </a:t>
+            </a:r>
+            <a:r>
+              <a:rPr lang="en-US" sz="1800" b="0" strike="noStrike" spc="-1" dirty="0" err="1">
+                <a:latin typeface="Arial" panose="020B0604020202020204"/>
+              </a:rPr>
+              <a:t>định</a:t>
+            </a:r>
+            <a:r>
+              <a:rPr lang="en-US" sz="1800" b="0" strike="noStrike" spc="-1" dirty="0">
+                <a:latin typeface="Arial" panose="020B0604020202020204"/>
+              </a:rPr>
+              <a:t> </a:t>
+            </a:r>
+            <a:r>
+              <a:rPr lang="en-US" sz="1800" b="0" strike="noStrike" spc="-1" dirty="0" err="1">
+                <a:latin typeface="Arial" panose="020B0604020202020204"/>
+              </a:rPr>
+              <a:t>danh</a:t>
+            </a:r>
+            <a:r>
+              <a:rPr lang="en-US" sz="1800" b="0" strike="noStrike" spc="-1" dirty="0">
+                <a:latin typeface="Arial" panose="020B0604020202020204"/>
+              </a:rPr>
+              <a:t> </a:t>
+            </a:r>
+            <a:r>
+              <a:rPr lang="en-US" sz="1800" b="0" strike="noStrike" spc="-1" dirty="0" err="1">
+                <a:latin typeface="Arial" panose="020B0604020202020204"/>
+              </a:rPr>
+              <a:t>chính</a:t>
+            </a:r>
+            <a:r>
+              <a:rPr lang="en-US" sz="1800" b="0" strike="noStrike" spc="-1" dirty="0">
+                <a:latin typeface="Arial" panose="020B0604020202020204"/>
+              </a:rPr>
+              <a:t> </a:t>
+            </a:r>
+            <a:r>
+              <a:rPr lang="en-US" sz="1800" b="0" strike="noStrike" spc="-1" dirty="0" err="1">
+                <a:latin typeface="Arial" panose="020B0604020202020204"/>
+              </a:rPr>
+              <a:t>xác</a:t>
+            </a:r>
+            <a:r>
+              <a:rPr lang="en-US" sz="1800" b="0" strike="noStrike" spc="-1" dirty="0">
+                <a:latin typeface="Arial" panose="020B0604020202020204"/>
+              </a:rPr>
+              <a:t> bean </a:t>
+            </a:r>
+            <a:r>
+              <a:rPr lang="en-US" sz="1800" b="0" strike="noStrike" spc="-1" dirty="0" err="1">
+                <a:latin typeface="Arial" panose="020B0604020202020204"/>
+              </a:rPr>
+              <a:t>nào</a:t>
+            </a:r>
+            <a:r>
+              <a:rPr lang="en-US" sz="1800" b="0" strike="noStrike" spc="-1" dirty="0">
+                <a:latin typeface="Arial" panose="020B0604020202020204"/>
+              </a:rPr>
+              <a:t> </a:t>
+            </a:r>
+            <a:r>
+              <a:rPr lang="en-US" sz="1800" b="0" strike="noStrike" spc="-1" dirty="0" err="1">
+                <a:latin typeface="Arial" panose="020B0604020202020204"/>
+              </a:rPr>
+              <a:t>được</a:t>
+            </a:r>
+            <a:r>
+              <a:rPr lang="en-US" sz="1800" b="0" strike="noStrike" spc="-1" dirty="0">
+                <a:latin typeface="Arial" panose="020B0604020202020204"/>
+              </a:rPr>
+              <a:t> wire.</a:t>
+            </a:r>
+          </a:p>
+        </p:txBody>
+      </p:sp>
     </p:spTree>
+    <p:extLst>
+      <p:ext uri="{BB962C8B-B14F-4D97-AF65-F5344CB8AC3E}">
+        <p14:creationId xmlns:p14="http://schemas.microsoft.com/office/powerpoint/2010/main" val="2943152513"/>
+      </p:ext>
+    </p:extLst>
   </p:cSld>
   <p:clrMapOvr>
     <a:masterClrMapping/>
   </p:clrMapOvr>
-  <mc:AlternateContent xmlns:mc="http://schemas.openxmlformats.org/markup-compatibility/2006">
-    <mc:Choice xmlns:p14="http://schemas.microsoft.com/office/powerpoint/2010/main" Requires="p14">
+  <mc:AlternateContent xmlns:mc="http://schemas.openxmlformats.org/markup-compatibility/2006" xmlns:p14="http://schemas.microsoft.com/office/powerpoint/2010/main">
+    <mc:Choice Requires="p14">
       <p:transition spd="slow" p14:dur="2000"/>
     </mc:Choice>
-    <mc:Fallback>
+    <mc:Fallback xmlns="">
       <p:transition spd="slow"/>
     </mc:Fallback>
   </mc:AlternateContent>
+  <p:timing>
+    <p:tnLst>
+      <p:par>
+        <p:cTn id="1" dur="indefinite" restart="never" nodeType="tmRoot"/>
+      </p:par>
+    </p:tnLst>
+  </p:timing>
 </p:sld>
 </file>
 
@@ -3202,7 +5209,7 @@
       </p:grpSpPr>
       <p:sp>
         <p:nvSpPr>
-          <p:cNvPr id="60" name="TextShape 1"/>
+          <p:cNvPr id="53" name="TextShape 1"/>
           <p:cNvSpPr txBox="1"/>
           <p:nvPr/>
         </p:nvSpPr>
@@ -3223,58 +5230,213 @@
           <a:bodyPr lIns="0" tIns="0" rIns="0" bIns="0" anchor="ctr">
             <a:spAutoFit/>
           </a:bodyPr>
+          <a:lstStyle/>
           <a:p>
             <a:pPr algn="ctr"/>
             <a:r>
               <a:rPr lang="en-US" sz="4400" b="0" strike="noStrike" spc="-1">
                 <a:latin typeface="Arial" panose="020B0604020202020204"/>
               </a:rPr>
-              <a:t>Spring Data JPA </a:t>
-            </a:r>
-            <a:endParaRPr lang="en-US" sz="4400" b="0" strike="noStrike" spc="-1">
-              <a:latin typeface="Arial" panose="020B0604020202020204"/>
-            </a:endParaRPr>
-          </a:p>
-        </p:txBody>
-      </p:sp>
-      <p:pic>
-        <p:nvPicPr>
-          <p:cNvPr id="61" name="Picture 60"/>
-          <p:cNvPicPr/>
+              <a:t>@Value </a:t>
+            </a:r>
+          </a:p>
+        </p:txBody>
+      </p:sp>
+      <p:sp>
+        <p:nvSpPr>
+          <p:cNvPr id="54" name="TextShape 2"/>
+          <p:cNvSpPr txBox="1"/>
           <p:nvPr/>
-        </p:nvPicPr>
-        <p:blipFill>
-          <a:blip r:embed="rId1"/>
-          <a:stretch>
-            <a:fillRect/>
-          </a:stretch>
-        </p:blipFill>
-        <p:spPr>
-          <a:xfrm>
-            <a:off x="2570040" y="1371600"/>
-            <a:ext cx="4562280" cy="5638320"/>
-          </a:xfrm>
-          <a:prstGeom prst="rect">
-            <a:avLst/>
-          </a:prstGeom>
+        </p:nvSpPr>
+        <p:spPr>
+          <a:xfrm>
+            <a:off x="306720" y="1828800"/>
+            <a:ext cx="9203040" cy="603360"/>
+          </a:xfrm>
+          <a:prstGeom prst="rect">
+            <a:avLst/>
+          </a:prstGeom>
+          <a:noFill/>
           <a:ln>
             <a:noFill/>
           </a:ln>
         </p:spPr>
-      </p:pic>
+        <p:txBody>
+          <a:bodyPr lIns="90000" tIns="45000" rIns="90000" bIns="45000">
+            <a:spAutoFit/>
+          </a:bodyPr>
+          <a:lstStyle/>
+          <a:p>
+            <a:r>
+              <a:rPr lang="en-US" sz="1800" b="0" strike="noStrike" spc="-1">
+                <a:latin typeface="Arial" panose="020B0604020202020204"/>
+              </a:rPr>
+              <a:t>@Value được sử dụng trên thuộc tính của class, Có nhiệm vụ lấy thông tin từ file </a:t>
+            </a:r>
+            <a:r>
+              <a:rPr lang="en-US" sz="1800" b="0" i="1" strike="noStrike" spc="-1">
+                <a:latin typeface="Arial" panose="020B0604020202020204"/>
+              </a:rPr>
+              <a:t>application.properties</a:t>
+            </a:r>
+            <a:r>
+              <a:rPr lang="en-US" sz="1800" b="0" strike="noStrike" spc="-1">
+                <a:latin typeface="Arial" panose="020B0604020202020204"/>
+              </a:rPr>
+              <a:t> và gán vào biến.</a:t>
+            </a:r>
+          </a:p>
+        </p:txBody>
+      </p:sp>
+      <p:sp>
+        <p:nvSpPr>
+          <p:cNvPr id="55" name="TextShape 3"/>
+          <p:cNvSpPr txBox="1"/>
+          <p:nvPr/>
+        </p:nvSpPr>
+        <p:spPr>
+          <a:xfrm>
+            <a:off x="570600" y="2926080"/>
+            <a:ext cx="4732920" cy="1114200"/>
+          </a:xfrm>
+          <a:prstGeom prst="rect">
+            <a:avLst/>
+          </a:prstGeom>
+          <a:noFill/>
+          <a:ln>
+            <a:noFill/>
+          </a:ln>
+        </p:spPr>
+        <p:txBody>
+          <a:bodyPr lIns="90000" tIns="45000" rIns="90000" bIns="45000">
+            <a:spAutoFit/>
+          </a:bodyPr>
+          <a:lstStyle/>
+          <a:p>
+            <a:r>
+              <a:rPr lang="en-US" sz="1800" b="0" i="1" strike="noStrike" spc="-1">
+                <a:latin typeface="Arial" panose="020B0604020202020204"/>
+              </a:rPr>
+              <a:t>application.properties</a:t>
+            </a:r>
+            <a:endParaRPr lang="en-US" sz="1800" b="0" strike="noStrike" spc="-1">
+              <a:latin typeface="Arial" panose="020B0604020202020204"/>
+            </a:endParaRPr>
+          </a:p>
+          <a:p>
+            <a:endParaRPr lang="en-US" sz="1800" b="0" strike="noStrike" spc="-1">
+              <a:latin typeface="Arial" panose="020B0604020202020204"/>
+            </a:endParaRPr>
+          </a:p>
+          <a:p>
+            <a:r>
+              <a:rPr lang="en-US" sz="1800" b="0" strike="noStrike" spc="-1">
+                <a:latin typeface="Arial" panose="020B0604020202020204"/>
+              </a:rPr>
+              <a:t>loda.mysql.url=jdbc:mysql://host1:33060/loda</a:t>
+            </a:r>
+          </a:p>
+        </p:txBody>
+      </p:sp>
+      <p:sp>
+        <p:nvSpPr>
+          <p:cNvPr id="56" name="TextShape 4"/>
+          <p:cNvSpPr txBox="1"/>
+          <p:nvPr/>
+        </p:nvSpPr>
+        <p:spPr>
+          <a:xfrm>
+            <a:off x="422640" y="4442400"/>
+            <a:ext cx="8812800" cy="2141280"/>
+          </a:xfrm>
+          <a:prstGeom prst="rect">
+            <a:avLst/>
+          </a:prstGeom>
+          <a:noFill/>
+          <a:ln>
+            <a:noFill/>
+          </a:ln>
+        </p:spPr>
+        <p:txBody>
+          <a:bodyPr lIns="90000" tIns="45000" rIns="90000" bIns="45000">
+            <a:spAutoFit/>
+          </a:bodyPr>
+          <a:lstStyle/>
+          <a:p>
+            <a:r>
+              <a:rPr lang="en-US" sz="1800" b="0" strike="noStrike" spc="-1">
+                <a:latin typeface="Arial" panose="020B0604020202020204"/>
+              </a:rPr>
+              <a:t>@Value được sử dụng trên thuộc tính của class, Có nhiệm vụ lấy thông tin từ file properties và gán vào biến.</a:t>
+            </a:r>
+          </a:p>
+          <a:p>
+            <a:endParaRPr lang="en-US" sz="1800" b="0" strike="noStrike" spc="-1">
+              <a:latin typeface="Arial" panose="020B0604020202020204"/>
+            </a:endParaRPr>
+          </a:p>
+          <a:p>
+            <a:r>
+              <a:rPr lang="en-US" sz="1800" b="0" strike="noStrike" spc="-1">
+                <a:latin typeface="Arial" panose="020B0604020202020204"/>
+              </a:rPr>
+              <a:t>public class AppConfig {</a:t>
+            </a:r>
+          </a:p>
+          <a:p>
+            <a:r>
+              <a:rPr lang="en-US" sz="1800" b="0" strike="noStrike" spc="-1">
+                <a:latin typeface="Arial" panose="020B0604020202020204"/>
+              </a:rPr>
+              <a:t>    // Lấy giá trị config từ file application.properties</a:t>
+            </a:r>
+          </a:p>
+          <a:p>
+            <a:r>
+              <a:rPr lang="en-US" sz="1800" b="0" strike="noStrike" spc="-1">
+                <a:latin typeface="Arial" panose="020B0604020202020204"/>
+              </a:rPr>
+              <a:t>    @Value("${loda.mysql.url}")</a:t>
+            </a:r>
+          </a:p>
+          <a:p>
+            <a:r>
+              <a:rPr lang="en-US" sz="1800" b="0" strike="noStrike" spc="-1">
+                <a:latin typeface="Arial" panose="020B0604020202020204"/>
+              </a:rPr>
+              <a:t>    String mysqlUrl;</a:t>
+            </a:r>
+          </a:p>
+          <a:p>
+            <a:r>
+              <a:rPr lang="en-US" sz="1800" b="0" strike="noStrike" spc="-1">
+                <a:latin typeface="Arial" panose="020B0604020202020204"/>
+              </a:rPr>
+              <a:t>}</a:t>
+            </a:r>
+          </a:p>
+        </p:txBody>
+      </p:sp>
     </p:spTree>
   </p:cSld>
   <p:clrMapOvr>
     <a:masterClrMapping/>
   </p:clrMapOvr>
-  <mc:AlternateContent xmlns:mc="http://schemas.openxmlformats.org/markup-compatibility/2006">
-    <mc:Choice xmlns:p14="http://schemas.microsoft.com/office/powerpoint/2010/main" Requires="p14">
+  <mc:AlternateContent xmlns:mc="http://schemas.openxmlformats.org/markup-compatibility/2006" xmlns:p14="http://schemas.microsoft.com/office/powerpoint/2010/main">
+    <mc:Choice Requires="p14">
       <p:transition spd="slow" p14:dur="2000"/>
     </mc:Choice>
-    <mc:Fallback>
+    <mc:Fallback xmlns="">
       <p:transition spd="slow"/>
     </mc:Fallback>
   </mc:AlternateContent>
+  <p:timing>
+    <p:tnLst>
+      <p:par>
+        <p:cTn id="1" dur="indefinite" restart="never" nodeType="tmRoot"/>
+      </p:par>
+    </p:tnLst>
+  </p:timing>
 </p:sld>
 </file>
 
@@ -3297,14 +5459,14 @@
       </p:grpSpPr>
       <p:sp>
         <p:nvSpPr>
-          <p:cNvPr id="62" name="TextShape 1"/>
+          <p:cNvPr id="57" name="TextShape 1"/>
           <p:cNvSpPr txBox="1"/>
           <p:nvPr/>
         </p:nvSpPr>
         <p:spPr>
           <a:xfrm>
             <a:off x="504000" y="301320"/>
-            <a:ext cx="9071640" cy="1262160"/>
+            <a:ext cx="9071640" cy="704520"/>
           </a:xfrm>
           <a:prstGeom prst="rect">
             <a:avLst/>
@@ -3318,15 +5480,16 @@
           <a:bodyPr lIns="0" tIns="0" rIns="0" bIns="0" anchor="ctr">
             <a:spAutoFit/>
           </a:bodyPr>
+          <a:lstStyle/>
           <a:p>
             <a:pPr algn="ctr"/>
             <a:r>
-              <a:rPr lang="en-US" sz="4400" b="0" strike="noStrike" spc="-1">
-                <a:latin typeface="Arial" panose="020B0604020202020204"/>
-              </a:rPr>
-              <a:t>Spring Data JPA </a:t>
-            </a:r>
-            <a:endParaRPr lang="en-US" sz="4400" b="0" strike="noStrike" spc="-1">
+              <a:rPr lang="en-US" sz="2000" b="1" strike="noStrike" spc="-1">
+                <a:latin typeface="Arial" panose="020B0604020202020204"/>
+              </a:rPr>
+              <a:t>@RequestMapping + @PostMapping + @ModelAttribute + @RequestParam  </a:t>
+            </a:r>
+            <a:endParaRPr lang="en-US" sz="2000" b="0" strike="noStrike" spc="-1">
               <a:latin typeface="Arial" panose="020B0604020202020204"/>
             </a:endParaRPr>
           </a:p>
@@ -3334,14 +5497,14 @@
       </p:sp>
       <p:sp>
         <p:nvSpPr>
-          <p:cNvPr id="63" name="TextShape 2"/>
+          <p:cNvPr id="58" name="TextShape 2"/>
           <p:cNvSpPr txBox="1"/>
           <p:nvPr/>
         </p:nvSpPr>
         <p:spPr>
           <a:xfrm>
-            <a:off x="7560" y="2058480"/>
-            <a:ext cx="10051560" cy="3422880"/>
+            <a:off x="741240" y="1126795"/>
+            <a:ext cx="8311320" cy="2581910"/>
           </a:xfrm>
           <a:prstGeom prst="rect">
             <a:avLst/>
@@ -3352,171 +5515,122 @@
           </a:ln>
         </p:spPr>
         <p:txBody>
-          <a:bodyPr lIns="90000" tIns="45000" rIns="90000" bIns="45000">
+          <a:bodyPr wrap="square" lIns="90000" tIns="45000" rIns="90000" bIns="45000">
             <a:spAutoFit/>
           </a:bodyPr>
-          <a:p>
-            <a:r>
-              <a:rPr lang="en-US" sz="1400" b="0" strike="noStrike" spc="-1">
-                <a:latin typeface="Arial" panose="020B0604020202020204"/>
-              </a:rPr>
-              <a:t>Generate database script in Spring boot:</a:t>
-            </a:r>
-            <a:endParaRPr lang="en-US" sz="1400" b="0" strike="noStrike" spc="-1">
-              <a:latin typeface="Arial" panose="020B0604020202020204"/>
-            </a:endParaRPr>
-          </a:p>
-          <a:p>
-            <a:endParaRPr lang="en-US" sz="1400" b="0" strike="noStrike" spc="-1">
-              <a:latin typeface="Arial" panose="020B0604020202020204"/>
-            </a:endParaRPr>
-          </a:p>
-          <a:p>
-            <a:r>
-              <a:rPr lang="en-US" sz="1400" b="0" strike="noStrike" spc="-1">
-                <a:latin typeface="Arial" panose="020B0604020202020204"/>
-              </a:rPr>
-              <a:t>Add config into application.properties</a:t>
-            </a:r>
-            <a:endParaRPr lang="en-US" sz="1400" b="0" strike="noStrike" spc="-1">
-              <a:latin typeface="Arial" panose="020B0604020202020204"/>
-            </a:endParaRPr>
-          </a:p>
-          <a:p>
-            <a:endParaRPr lang="en-US" sz="1400" b="0" strike="noStrike" spc="-1">
-              <a:latin typeface="Arial" panose="020B0604020202020204"/>
-            </a:endParaRPr>
-          </a:p>
-          <a:p>
-            <a:r>
-              <a:rPr lang="en-US" sz="1400" b="0" strike="noStrike" spc="-1">
-                <a:solidFill>
-                  <a:srgbClr val="000000"/>
-                </a:solidFill>
-                <a:latin typeface="Consolas" panose="020B0609020204030204"/>
-                <a:ea typeface="Consolas" panose="020B0609020204030204"/>
-              </a:rPr>
-              <a:t>spring.jpa.properties.javax.persistence.schema-generation.create-source=</a:t>
-            </a:r>
-            <a:r>
-              <a:rPr lang="en-US" sz="1400" b="0" strike="noStrike" spc="-1">
-                <a:solidFill>
-                  <a:srgbClr val="2AA198"/>
-                </a:solidFill>
-                <a:latin typeface="Consolas" panose="020B0609020204030204"/>
-                <a:ea typeface="Consolas" panose="020B0609020204030204"/>
-              </a:rPr>
-              <a:t>metadata</a:t>
-            </a:r>
-            <a:endParaRPr lang="en-US" sz="1400" b="0" strike="noStrike" spc="-1">
-              <a:latin typeface="Arial" panose="020B0604020202020204"/>
-            </a:endParaRPr>
-          </a:p>
-          <a:p>
-            <a:r>
-              <a:rPr lang="en-US" sz="1400" b="0" strike="noStrike" spc="-1">
-                <a:solidFill>
-                  <a:srgbClr val="000000"/>
-                </a:solidFill>
-                <a:latin typeface="Consolas" panose="020B0609020204030204"/>
-                <a:ea typeface="Consolas" panose="020B0609020204030204"/>
-              </a:rPr>
-              <a:t>spring.jpa.properties.javax.persistence.schema-generation.scripts.action=</a:t>
-            </a:r>
-            <a:r>
-              <a:rPr lang="en-US" sz="1400" b="0" strike="noStrike" spc="-1">
-                <a:solidFill>
-                  <a:srgbClr val="2AA198"/>
-                </a:solidFill>
-                <a:latin typeface="Consolas" panose="020B0609020204030204"/>
-                <a:ea typeface="Consolas" panose="020B0609020204030204"/>
-              </a:rPr>
-              <a:t>create</a:t>
-            </a:r>
-            <a:endParaRPr lang="en-US" sz="1400" b="0" strike="noStrike" spc="-1">
-              <a:latin typeface="Arial" panose="020B0604020202020204"/>
-            </a:endParaRPr>
-          </a:p>
-          <a:p>
-            <a:r>
-              <a:rPr lang="en-US" sz="1400" b="0" strike="noStrike" spc="-1">
-                <a:solidFill>
-                  <a:srgbClr val="000000"/>
-                </a:solidFill>
-                <a:latin typeface="Consolas" panose="020B0609020204030204"/>
-                <a:ea typeface="Consolas" panose="020B0609020204030204"/>
-              </a:rPr>
-              <a:t>spring.jpa.properties.javax.persistence.schema-generation.scripts.create-target=</a:t>
-            </a:r>
-            <a:r>
-              <a:rPr lang="en-US" sz="1400" b="0" strike="noStrike" spc="-1">
-                <a:solidFill>
-                  <a:srgbClr val="2AA198"/>
-                </a:solidFill>
-                <a:latin typeface="Consolas" panose="020B0609020204030204"/>
-                <a:ea typeface="Consolas" panose="020B0609020204030204"/>
-              </a:rPr>
-              <a:t>create.sql</a:t>
-            </a:r>
-            <a:endParaRPr lang="en-US" sz="1400" b="0" strike="noStrike" spc="-1">
-              <a:latin typeface="Arial" panose="020B0604020202020204"/>
-            </a:endParaRPr>
-          </a:p>
-          <a:p>
-            <a:endParaRPr lang="en-US" sz="1400" b="0" strike="noStrike" spc="-1">
-              <a:latin typeface="Arial" panose="020B0604020202020204"/>
-            </a:endParaRPr>
-          </a:p>
-          <a:p>
-            <a:endParaRPr lang="en-US" sz="1400" b="0" strike="noStrike" spc="-1">
-              <a:latin typeface="Arial" panose="020B0604020202020204"/>
-            </a:endParaRPr>
-          </a:p>
-          <a:p>
-            <a:endParaRPr lang="en-US" sz="1400" b="0" strike="noStrike" spc="-1">
-              <a:latin typeface="Arial" panose="020B0604020202020204"/>
-            </a:endParaRPr>
-          </a:p>
-          <a:p>
-            <a:endParaRPr lang="en-US" sz="1400" b="0" strike="noStrike" spc="-1">
-              <a:latin typeface="Arial" panose="020B0604020202020204"/>
-            </a:endParaRPr>
-          </a:p>
-          <a:p>
-            <a:endParaRPr lang="en-US" sz="1400" b="0" strike="noStrike" spc="-1">
-              <a:latin typeface="Arial" panose="020B0604020202020204"/>
-            </a:endParaRPr>
-          </a:p>
-          <a:p>
-            <a:r>
-              <a:rPr lang="en-US" sz="1400" b="0" strike="noStrike" spc="-1">
-                <a:solidFill>
-                  <a:srgbClr val="2AA198"/>
-                </a:solidFill>
-                <a:latin typeface="Consolas" panose="020B0609020204030204"/>
-                <a:ea typeface="Consolas" panose="020B0609020204030204"/>
-              </a:rPr>
-              <a:t>And RUN: mvn clean install</a:t>
-            </a:r>
-            <a:endParaRPr lang="en-US" sz="1400" b="0" strike="noStrike" spc="-1">
-              <a:latin typeface="Arial" panose="020B0604020202020204"/>
-            </a:endParaRPr>
-          </a:p>
-        </p:txBody>
-      </p:sp>
+          <a:lstStyle/>
+          <a:p>
+            <a:pPr>
+              <a:lnSpc>
+                <a:spcPct val="150000"/>
+              </a:lnSpc>
+            </a:pPr>
+            <a:r>
+              <a:rPr lang="en-US" sz="1800" b="0" strike="noStrike" spc="-1">
+                <a:latin typeface="Arial" panose="020B0604020202020204"/>
+              </a:rPr>
+              <a:t>@PostMapping có nhiệm vụ đánh dấu hàm xử lý POST request trong Controller.</a:t>
+            </a:r>
+          </a:p>
+          <a:p>
+            <a:pPr>
+              <a:lnSpc>
+                <a:spcPct val="150000"/>
+              </a:lnSpc>
+            </a:pPr>
+            <a:r>
+              <a:rPr lang="en-US" sz="1800" b="0" strike="noStrike" spc="-1">
+                <a:latin typeface="Arial" panose="020B0604020202020204"/>
+              </a:rPr>
+              <a:t>@GetMapping có nhiệm vụ đánh dấu hàm xử lý GET request trong Controller.</a:t>
+            </a:r>
+          </a:p>
+          <a:p>
+            <a:pPr>
+              <a:lnSpc>
+                <a:spcPct val="150000"/>
+              </a:lnSpc>
+            </a:pPr>
+            <a:r>
+              <a:rPr lang="en-US" sz="1800" b="0" strike="noStrike" spc="-1">
+                <a:latin typeface="Arial" panose="020B0604020202020204"/>
+              </a:rPr>
+              <a:t>@PutMapping </a:t>
+            </a:r>
+          </a:p>
+          <a:p>
+            <a:pPr>
+              <a:lnSpc>
+                <a:spcPct val="150000"/>
+              </a:lnSpc>
+            </a:pPr>
+            <a:r>
+              <a:rPr lang="en-US" sz="1800" b="0" strike="noStrike" spc="-1">
+                <a:latin typeface="Arial" panose="020B0604020202020204"/>
+              </a:rPr>
+              <a:t>@DeleteMapping</a:t>
+            </a:r>
+          </a:p>
+          <a:p>
+            <a:pPr>
+              <a:lnSpc>
+                <a:spcPct val="150000"/>
+              </a:lnSpc>
+            </a:pPr>
+            <a:r>
+              <a:rPr lang="en-US" sz="1800" b="0" strike="noStrike" spc="-1">
+                <a:latin typeface="Arial" panose="020B0604020202020204"/>
+              </a:rPr>
+              <a:t>@RequestMapping là một annotation có ý nghĩa và mục đích sử dụng rộng hơn các loại @GetMapping, @PostMapping,v.v..</a:t>
+            </a:r>
+          </a:p>
+        </p:txBody>
+      </p:sp>
+      <p:pic>
+        <p:nvPicPr>
+          <p:cNvPr id="59" name="Picture 58"/>
+          <p:cNvPicPr/>
+          <p:nvPr/>
+        </p:nvPicPr>
+        <p:blipFill>
+          <a:blip r:embed="rId2"/>
+          <a:stretch>
+            <a:fillRect/>
+          </a:stretch>
+        </p:blipFill>
+        <p:spPr>
+          <a:xfrm>
+            <a:off x="1649095" y="3647270"/>
+            <a:ext cx="6781320" cy="3704760"/>
+          </a:xfrm>
+          <a:prstGeom prst="rect">
+            <a:avLst/>
+          </a:prstGeom>
+          <a:ln>
+            <a:noFill/>
+          </a:ln>
+        </p:spPr>
+      </p:pic>
     </p:spTree>
   </p:cSld>
   <p:clrMapOvr>
     <a:masterClrMapping/>
   </p:clrMapOvr>
-  <mc:AlternateContent xmlns:mc="http://schemas.openxmlformats.org/markup-compatibility/2006">
-    <mc:Choice xmlns:p14="http://schemas.microsoft.com/office/powerpoint/2010/main" Requires="p14">
+  <mc:AlternateContent xmlns:mc="http://schemas.openxmlformats.org/markup-compatibility/2006" xmlns:p14="http://schemas.microsoft.com/office/powerpoint/2010/main">
+    <mc:Choice Requires="p14">
       <p:transition spd="slow" p14:dur="2000"/>
     </mc:Choice>
-    <mc:Fallback>
+    <mc:Fallback xmlns="">
       <p:transition spd="slow"/>
     </mc:Fallback>
   </mc:AlternateContent>
+  <p:timing>
+    <p:tnLst>
+      <p:par>
+        <p:cTn id="1" dur="indefinite" restart="never" nodeType="tmRoot"/>
+      </p:par>
+    </p:tnLst>
+  </p:timing>
 </p:sld>
 </file>
 
@@ -3539,14 +5653,14 @@
       </p:grpSpPr>
       <p:sp>
         <p:nvSpPr>
-          <p:cNvPr id="64" name="TextShape 1"/>
+          <p:cNvPr id="60" name="TextShape 1"/>
           <p:cNvSpPr txBox="1"/>
           <p:nvPr/>
         </p:nvSpPr>
         <p:spPr>
           <a:xfrm>
             <a:off x="504000" y="301320"/>
-            <a:ext cx="9071640" cy="795960"/>
+            <a:ext cx="9071640" cy="1262160"/>
           </a:xfrm>
           <a:prstGeom prst="rect">
             <a:avLst/>
@@ -3560,36 +5674,34 @@
           <a:bodyPr lIns="0" tIns="0" rIns="0" bIns="0" anchor="ctr">
             <a:spAutoFit/>
           </a:bodyPr>
+          <a:lstStyle/>
           <a:p>
             <a:pPr algn="ctr"/>
             <a:r>
               <a:rPr lang="en-US" sz="4400" b="0" strike="noStrike" spc="-1">
                 <a:latin typeface="Arial" panose="020B0604020202020204"/>
               </a:rPr>
-              <a:t>Spring Security JWT</a:t>
-            </a:r>
-            <a:endParaRPr lang="en-US" sz="4400" b="0" strike="noStrike" spc="-1">
-              <a:latin typeface="Arial" panose="020B0604020202020204"/>
-            </a:endParaRPr>
+              <a:t>Spring Data JPA </a:t>
+            </a:r>
           </a:p>
         </p:txBody>
       </p:sp>
       <p:pic>
         <p:nvPicPr>
-          <p:cNvPr id="65" name="Picture 64"/>
+          <p:cNvPr id="61" name="Picture 60"/>
           <p:cNvPicPr/>
           <p:nvPr/>
         </p:nvPicPr>
         <p:blipFill>
-          <a:blip r:embed="rId1"/>
+          <a:blip r:embed="rId2"/>
           <a:stretch>
             <a:fillRect/>
           </a:stretch>
         </p:blipFill>
         <p:spPr>
           <a:xfrm>
-            <a:off x="91440" y="1236600"/>
-            <a:ext cx="9848520" cy="5438520"/>
+            <a:off x="2570040" y="1371600"/>
+            <a:ext cx="4562280" cy="5638320"/>
           </a:xfrm>
           <a:prstGeom prst="rect">
             <a:avLst/>
@@ -3604,14 +5716,21 @@
   <p:clrMapOvr>
     <a:masterClrMapping/>
   </p:clrMapOvr>
-  <mc:AlternateContent xmlns:mc="http://schemas.openxmlformats.org/markup-compatibility/2006">
-    <mc:Choice xmlns:p14="http://schemas.microsoft.com/office/powerpoint/2010/main" Requires="p14">
+  <mc:AlternateContent xmlns:mc="http://schemas.openxmlformats.org/markup-compatibility/2006" xmlns:p14="http://schemas.microsoft.com/office/powerpoint/2010/main">
+    <mc:Choice Requires="p14">
       <p:transition spd="slow" p14:dur="2000"/>
     </mc:Choice>
-    <mc:Fallback>
+    <mc:Fallback xmlns="">
       <p:transition spd="slow"/>
     </mc:Fallback>
   </mc:AlternateContent>
+  <p:timing>
+    <p:tnLst>
+      <p:par>
+        <p:cTn id="1" dur="indefinite" restart="never" nodeType="tmRoot"/>
+      </p:par>
+    </p:tnLst>
+  </p:timing>
 </p:sld>
 </file>
 
@@ -3634,14 +5753,14 @@
       </p:grpSpPr>
       <p:sp>
         <p:nvSpPr>
-          <p:cNvPr id="66" name="TextShape 1"/>
+          <p:cNvPr id="62" name="TextShape 1"/>
           <p:cNvSpPr txBox="1"/>
           <p:nvPr/>
         </p:nvSpPr>
         <p:spPr>
           <a:xfrm>
-            <a:off x="504000" y="295200"/>
-            <a:ext cx="9071640" cy="625320"/>
+            <a:off x="504000" y="301320"/>
+            <a:ext cx="9071640" cy="1262160"/>
           </a:xfrm>
           <a:prstGeom prst="rect">
             <a:avLst/>
@@ -3655,30 +5774,28 @@
           <a:bodyPr lIns="0" tIns="0" rIns="0" bIns="0" anchor="ctr">
             <a:spAutoFit/>
           </a:bodyPr>
+          <a:lstStyle/>
           <a:p>
             <a:pPr algn="ctr"/>
             <a:r>
-              <a:rPr lang="en-US" sz="4400" b="1" strike="noStrike" spc="-1">
-                <a:latin typeface="Arial" panose="020B0604020202020204"/>
-              </a:rPr>
-              <a:t>OAuth2</a:t>
-            </a:r>
-            <a:endParaRPr lang="en-US" sz="4400" b="0" strike="noStrike" spc="-1">
-              <a:latin typeface="Arial" panose="020B0604020202020204"/>
-            </a:endParaRPr>
-          </a:p>
-        </p:txBody>
-      </p:sp>
-      <p:sp>
-        <p:nvSpPr>
-          <p:cNvPr id="67" name="TextShape 2"/>
+              <a:rPr lang="en-US" sz="4400" b="0" strike="noStrike" spc="-1">
+                <a:latin typeface="Arial" panose="020B0604020202020204"/>
+              </a:rPr>
+              <a:t>Spring Data JPA </a:t>
+            </a:r>
+          </a:p>
+        </p:txBody>
+      </p:sp>
+      <p:sp>
+        <p:nvSpPr>
+          <p:cNvPr id="63" name="TextShape 2"/>
           <p:cNvSpPr txBox="1"/>
           <p:nvPr/>
         </p:nvSpPr>
         <p:spPr>
           <a:xfrm>
-            <a:off x="457200" y="920520"/>
-            <a:ext cx="9326880" cy="1565910"/>
+            <a:off x="7560" y="2058480"/>
+            <a:ext cx="10051560" cy="3422880"/>
           </a:xfrm>
           <a:prstGeom prst="rect">
             <a:avLst/>
@@ -3692,223 +5809,145 @@
           <a:bodyPr lIns="90000" tIns="45000" rIns="90000" bIns="45000">
             <a:spAutoFit/>
           </a:bodyPr>
-          <a:p>
-            <a:pPr>
-              <a:lnSpc>
-                <a:spcPct val="150000"/>
-              </a:lnSpc>
-            </a:pPr>
-            <a:r>
-              <a:rPr lang="en-US" sz="1600" b="0" strike="noStrike" spc="-1">
-                <a:latin typeface="Arial" panose="020B0604020202020204"/>
-              </a:rPr>
-              <a:t>OAuth là một phương thức chứng thực giúp các ứng dụng có thể chia sẻ tài nguyên với nhau mà không cần chia sẻ thông tin username và password. Từ Auth ở đây mang 2 nghĩa:</a:t>
-            </a:r>
-            <a:endParaRPr lang="en-US" sz="1600" b="0" strike="noStrike" spc="-1">
+          <a:lstStyle/>
+          <a:p>
+            <a:r>
+              <a:rPr lang="en-US" sz="1400" b="0" strike="noStrike" spc="-1">
+                <a:latin typeface="Arial" panose="020B0604020202020204"/>
+              </a:rPr>
+              <a:t>Generate database script in Spring boot:</a:t>
+            </a:r>
+          </a:p>
+          <a:p>
+            <a:endParaRPr lang="en-US" sz="1400" b="0" strike="noStrike" spc="-1">
               <a:latin typeface="Arial" panose="020B0604020202020204"/>
             </a:endParaRPr>
           </a:p>
           <a:p>
-            <a:pPr marL="215900" indent="-215900">
-              <a:lnSpc>
-                <a:spcPct val="150000"/>
-              </a:lnSpc>
-              <a:buClr>
-                <a:srgbClr val="000000"/>
-              </a:buClr>
-              <a:buSzPct val="45000"/>
-              <a:buFont typeface="Wingdings" panose="05000000000000000000" pitchFamily="2" charset="2"/>
-              <a:buChar char=""/>
-            </a:pPr>
-            <a:r>
-              <a:rPr lang="en-US" sz="1600" b="1" strike="noStrike" spc="-1">
-                <a:latin typeface="Arial" panose="020B0604020202020204"/>
-              </a:rPr>
-              <a:t>Authentication</a:t>
-            </a:r>
-            <a:r>
-              <a:rPr lang="en-US" sz="1600" b="0" strike="noStrike" spc="-1">
-                <a:latin typeface="Arial" panose="020B0604020202020204"/>
-              </a:rPr>
-              <a:t>: xác thực người dùng thông qua việc đăng nhập.</a:t>
-            </a:r>
-            <a:endParaRPr lang="en-US" sz="1600" b="0" strike="noStrike" spc="-1">
+            <a:r>
+              <a:rPr lang="en-US" sz="1400" b="0" strike="noStrike" spc="-1">
+                <a:latin typeface="Arial" panose="020B0604020202020204"/>
+              </a:rPr>
+              <a:t>Add config into application.properties</a:t>
+            </a:r>
+          </a:p>
+          <a:p>
+            <a:endParaRPr lang="en-US" sz="1400" b="0" strike="noStrike" spc="-1">
               <a:latin typeface="Arial" panose="020B0604020202020204"/>
             </a:endParaRPr>
           </a:p>
           <a:p>
-            <a:pPr marL="215900" indent="-215900">
-              <a:lnSpc>
-                <a:spcPct val="150000"/>
-              </a:lnSpc>
-              <a:buClr>
-                <a:srgbClr val="000000"/>
-              </a:buClr>
-              <a:buSzPct val="45000"/>
-              <a:buFont typeface="Wingdings" panose="05000000000000000000" pitchFamily="2" charset="2"/>
-              <a:buChar char=""/>
-            </a:pPr>
-            <a:r>
-              <a:rPr lang="en-US" sz="1600" b="1" strike="noStrike" spc="-1">
-                <a:latin typeface="Arial" panose="020B0604020202020204"/>
-              </a:rPr>
-              <a:t>Authorization</a:t>
-            </a:r>
-            <a:r>
-              <a:rPr lang="en-US" sz="1600" b="0" strike="noStrike" spc="-1">
-                <a:latin typeface="Arial" panose="020B0604020202020204"/>
-              </a:rPr>
-              <a:t>: cấp quyền truy cập vào các Resource.</a:t>
-            </a:r>
-            <a:endParaRPr lang="en-US" sz="1600" b="0" strike="noStrike" spc="-1">
+            <a:r>
+              <a:rPr lang="en-US" sz="1400" b="0" strike="noStrike" spc="-1">
+                <a:solidFill>
+                  <a:srgbClr val="000000"/>
+                </a:solidFill>
+                <a:latin typeface="Consolas" panose="020B0609020204030204"/>
+                <a:ea typeface="Consolas" panose="020B0609020204030204"/>
+              </a:rPr>
+              <a:t>spring.jpa.properties.javax.persistence.schema-generation.create-source=</a:t>
+            </a:r>
+            <a:r>
+              <a:rPr lang="en-US" sz="1400" b="0" strike="noStrike" spc="-1">
+                <a:solidFill>
+                  <a:srgbClr val="2AA198"/>
+                </a:solidFill>
+                <a:latin typeface="Consolas" panose="020B0609020204030204"/>
+                <a:ea typeface="Consolas" panose="020B0609020204030204"/>
+              </a:rPr>
+              <a:t>metadata</a:t>
+            </a:r>
+            <a:endParaRPr lang="en-US" sz="1400" b="0" strike="noStrike" spc="-1">
               <a:latin typeface="Arial" panose="020B0604020202020204"/>
             </a:endParaRPr>
           </a:p>
-        </p:txBody>
-      </p:sp>
-      <p:sp>
-        <p:nvSpPr>
-          <p:cNvPr id="68" name="TextShape 3"/>
-          <p:cNvSpPr txBox="1"/>
-          <p:nvPr/>
-        </p:nvSpPr>
-        <p:spPr>
-          <a:xfrm>
-            <a:off x="255905" y="2719775"/>
-            <a:ext cx="9422280" cy="4397375"/>
-          </a:xfrm>
-          <a:prstGeom prst="rect">
-            <a:avLst/>
-          </a:prstGeom>
-          <a:noFill/>
-          <a:ln>
-            <a:noFill/>
-          </a:ln>
-        </p:spPr>
-        <p:txBody>
-          <a:bodyPr lIns="90000" tIns="45000" rIns="90000" bIns="45000">
-            <a:spAutoFit/>
-          </a:bodyPr>
-          <a:p>
-            <a:r>
-              <a:rPr lang="en-US" sz="1600" b="0" strike="noStrike" spc="-1">
-                <a:latin typeface="Arial" panose="020B0604020202020204"/>
-              </a:rPr>
-              <a:t>OAuth2 làm việc với 4 đối tượng mang những vai trò riêng:</a:t>
-            </a:r>
-            <a:endParaRPr lang="en-US" sz="1600" b="0" strike="noStrike" spc="-1">
+          <a:p>
+            <a:r>
+              <a:rPr lang="en-US" sz="1400" b="0" strike="noStrike" spc="-1">
+                <a:solidFill>
+                  <a:srgbClr val="000000"/>
+                </a:solidFill>
+                <a:latin typeface="Consolas" panose="020B0609020204030204"/>
+                <a:ea typeface="Consolas" panose="020B0609020204030204"/>
+              </a:rPr>
+              <a:t>spring.jpa.properties.javax.persistence.schema-generation.scripts.action=</a:t>
+            </a:r>
+            <a:r>
+              <a:rPr lang="en-US" sz="1400" b="0" strike="noStrike" spc="-1">
+                <a:solidFill>
+                  <a:srgbClr val="2AA198"/>
+                </a:solidFill>
+                <a:latin typeface="Consolas" panose="020B0609020204030204"/>
+                <a:ea typeface="Consolas" panose="020B0609020204030204"/>
+              </a:rPr>
+              <a:t>create</a:t>
+            </a:r>
+            <a:endParaRPr lang="en-US" sz="1400" b="0" strike="noStrike" spc="-1">
               <a:latin typeface="Arial" panose="020B0604020202020204"/>
             </a:endParaRPr>
           </a:p>
           <a:p>
-            <a:pPr marL="215900" indent="-215900">
-              <a:lnSpc>
-                <a:spcPct val="150000"/>
-              </a:lnSpc>
-              <a:buClr>
-                <a:srgbClr val="000000"/>
-              </a:buClr>
-              <a:buSzPct val="45000"/>
-              <a:buFont typeface="Wingdings" panose="05000000000000000000" pitchFamily="2" charset="2"/>
-              <a:buChar char=""/>
-            </a:pPr>
-            <a:r>
-              <a:rPr lang="en-US" sz="1600" b="1" strike="noStrike" spc="-1">
-                <a:latin typeface="Arial" panose="020B0604020202020204"/>
-              </a:rPr>
-              <a:t>Resource Owner</a:t>
-            </a:r>
-            <a:r>
-              <a:rPr lang="en-US" sz="1600" b="0" strike="noStrike" spc="-1">
-                <a:latin typeface="Arial" panose="020B0604020202020204"/>
-              </a:rPr>
-              <a:t> (User): Là những người dùng ủy quyền cho ứng dụng cho phép truy cập tài khoản của họ. Sau đó ứng dụng được phép truy cập vào những dữ liệu người dùng nhưng bị giới hạn bởi những phạm vi (scope) được cấp phép. (VD: chỉ đọc hay được quyền ghi dữ liệu) =&gt; chính là bạn.</a:t>
-            </a:r>
-            <a:endParaRPr lang="en-US" sz="1600" b="0" strike="noStrike" spc="-1">
+            <a:r>
+              <a:rPr lang="en-US" sz="1400" b="0" strike="noStrike" spc="-1">
+                <a:solidFill>
+                  <a:srgbClr val="000000"/>
+                </a:solidFill>
+                <a:latin typeface="Consolas" panose="020B0609020204030204"/>
+                <a:ea typeface="Consolas" panose="020B0609020204030204"/>
+              </a:rPr>
+              <a:t>spring.jpa.properties.javax.persistence.schema-generation.scripts.create-target=</a:t>
+            </a:r>
+            <a:r>
+              <a:rPr lang="en-US" sz="1400" b="0" strike="noStrike" spc="-1">
+                <a:solidFill>
+                  <a:srgbClr val="2AA198"/>
+                </a:solidFill>
+                <a:latin typeface="Consolas" panose="020B0609020204030204"/>
+                <a:ea typeface="Consolas" panose="020B0609020204030204"/>
+              </a:rPr>
+              <a:t>create.sql</a:t>
+            </a:r>
+            <a:endParaRPr lang="en-US" sz="1400" b="0" strike="noStrike" spc="-1">
               <a:latin typeface="Arial" panose="020B0604020202020204"/>
             </a:endParaRPr>
           </a:p>
           <a:p>
-            <a:pPr marL="215900" indent="-215900">
-              <a:lnSpc>
-                <a:spcPct val="150000"/>
-              </a:lnSpc>
-              <a:buClr>
-                <a:srgbClr val="000000"/>
-              </a:buClr>
-              <a:buSzPct val="45000"/>
-              <a:buFont typeface="Wingdings" panose="05000000000000000000" pitchFamily="2" charset="2"/>
-              <a:buChar char=""/>
-            </a:pPr>
-            <a:r>
-              <a:rPr lang="en-US" sz="1600" b="1" strike="noStrike" spc="-1">
-                <a:latin typeface="Arial" panose="020B0604020202020204"/>
-              </a:rPr>
-              <a:t>Client </a:t>
-            </a:r>
-            <a:r>
-              <a:rPr lang="en-US" sz="1600" b="0" strike="noStrike" spc="-1">
-                <a:latin typeface="Arial" panose="020B0604020202020204"/>
-              </a:rPr>
-              <a:t>(Application): Là những ứng dụng mong muốn truy cập vào dữ liệu người dùng. Trước khi được phép tương tác với dữ liệu thì ứng dụng này phải qua bước ủy quyền của User, và phải được kiểm tra xác nhận thông qua API. =&gt; Có thể hiểu là các ứng dụng sử dụng Facebook, Twitter, Google API chẳng hạn.</a:t>
-            </a:r>
-            <a:endParaRPr lang="en-US" sz="1600" b="0" strike="noStrike" spc="-1">
+            <a:endParaRPr lang="en-US" sz="1400" b="0" strike="noStrike" spc="-1">
               <a:latin typeface="Arial" panose="020B0604020202020204"/>
             </a:endParaRPr>
           </a:p>
           <a:p>
-            <a:pPr marL="215900" indent="-215900">
-              <a:lnSpc>
-                <a:spcPct val="150000"/>
-              </a:lnSpc>
-              <a:buClr>
-                <a:srgbClr val="000000"/>
-              </a:buClr>
-              <a:buSzPct val="45000"/>
-              <a:buFont typeface="Wingdings" panose="05000000000000000000" pitchFamily="2" charset="2"/>
-              <a:buChar char=""/>
-            </a:pPr>
-            <a:r>
-              <a:rPr lang="en-US" sz="1600" b="1" strike="noStrike" spc="-1">
-                <a:latin typeface="Arial" panose="020B0604020202020204"/>
-              </a:rPr>
-              <a:t>Resource Server</a:t>
-            </a:r>
-            <a:r>
-              <a:rPr lang="en-US" sz="1600" b="0" strike="noStrike" spc="-1">
-                <a:latin typeface="Arial" panose="020B0604020202020204"/>
-              </a:rPr>
-              <a:t> (API): Nơi lưu trữ thông tin tài khoản của User và được bảo mật.</a:t>
-            </a:r>
-            <a:endParaRPr lang="en-US" sz="1600" b="0" strike="noStrike" spc="-1">
+            <a:endParaRPr lang="en-US" sz="1400" b="0" strike="noStrike" spc="-1">
               <a:latin typeface="Arial" panose="020B0604020202020204"/>
             </a:endParaRPr>
           </a:p>
           <a:p>
-            <a:pPr marL="215900" indent="-215900">
-              <a:lnSpc>
-                <a:spcPct val="150000"/>
-              </a:lnSpc>
-              <a:buClr>
-                <a:srgbClr val="000000"/>
-              </a:buClr>
-              <a:buSzPct val="45000"/>
-              <a:buFont typeface="Wingdings" panose="05000000000000000000" pitchFamily="2" charset="2"/>
-              <a:buChar char=""/>
-            </a:pPr>
-            <a:r>
-              <a:rPr lang="en-US" sz="1600" b="1" strike="noStrike" spc="-1">
-                <a:latin typeface="Arial" panose="020B0604020202020204"/>
-              </a:rPr>
-              <a:t>Authorization Server</a:t>
-            </a:r>
-            <a:r>
-              <a:rPr lang="en-US" sz="1600" b="0" strike="noStrike" spc="-1">
-                <a:latin typeface="Arial" panose="020B0604020202020204"/>
-              </a:rPr>
-              <a:t> (API): làm nhiệm vụ kiểm tra thông tin user (VD: ID), sau đó cấp quyền truy cập cho Application thông qua việc phát sinh "access token".</a:t>
-            </a:r>
-            <a:endParaRPr lang="en-US" sz="1600" b="0" strike="noStrike" spc="-1">
+            <a:endParaRPr lang="en-US" sz="1400" b="0" strike="noStrike" spc="-1">
+              <a:latin typeface="Arial" panose="020B0604020202020204"/>
+            </a:endParaRPr>
+          </a:p>
+          <a:p>
+            <a:endParaRPr lang="en-US" sz="1400" b="0" strike="noStrike" spc="-1">
+              <a:latin typeface="Arial" panose="020B0604020202020204"/>
+            </a:endParaRPr>
+          </a:p>
+          <a:p>
+            <a:endParaRPr lang="en-US" sz="1400" b="0" strike="noStrike" spc="-1">
+              <a:latin typeface="Arial" panose="020B0604020202020204"/>
+            </a:endParaRPr>
+          </a:p>
+          <a:p>
+            <a:r>
+              <a:rPr lang="en-US" sz="1400" b="0" strike="noStrike" spc="-1">
+                <a:solidFill>
+                  <a:srgbClr val="2AA198"/>
+                </a:solidFill>
+                <a:latin typeface="Consolas" panose="020B0609020204030204"/>
+                <a:ea typeface="Consolas" panose="020B0609020204030204"/>
+              </a:rPr>
+              <a:t>And RUN: mvn clean install</a:t>
+            </a:r>
+            <a:endParaRPr lang="en-US" sz="1400" b="0" strike="noStrike" spc="-1">
               <a:latin typeface="Arial" panose="020B0604020202020204"/>
             </a:endParaRPr>
           </a:p>
@@ -3919,14 +5958,21 @@
   <p:clrMapOvr>
     <a:masterClrMapping/>
   </p:clrMapOvr>
-  <mc:AlternateContent xmlns:mc="http://schemas.openxmlformats.org/markup-compatibility/2006">
-    <mc:Choice xmlns:p14="http://schemas.microsoft.com/office/powerpoint/2010/main" Requires="p14">
+  <mc:AlternateContent xmlns:mc="http://schemas.openxmlformats.org/markup-compatibility/2006" xmlns:p14="http://schemas.microsoft.com/office/powerpoint/2010/main">
+    <mc:Choice Requires="p14">
       <p:transition spd="slow" p14:dur="2000"/>
     </mc:Choice>
-    <mc:Fallback>
+    <mc:Fallback xmlns="">
       <p:transition spd="slow"/>
     </mc:Fallback>
   </mc:AlternateContent>
+  <p:timing>
+    <p:tnLst>
+      <p:par>
+        <p:cTn id="1" dur="indefinite" restart="never" nodeType="tmRoot"/>
+      </p:par>
+    </p:tnLst>
+  </p:timing>
 </p:sld>
 </file>
 
@@ -3970,6 +6016,7 @@
           <a:bodyPr lIns="0" tIns="0" rIns="0" bIns="0" anchor="ctr">
             <a:spAutoFit/>
           </a:bodyPr>
+          <a:lstStyle/>
           <a:p>
             <a:pPr algn="ctr"/>
             <a:r>
@@ -3978,9 +6025,6 @@
               </a:rPr>
               <a:t>Overview</a:t>
             </a:r>
-            <a:endParaRPr lang="en-US" sz="4400" b="0" strike="noStrike" spc="-1">
-              <a:latin typeface="Arial" panose="020B0604020202020204"/>
-            </a:endParaRPr>
           </a:p>
         </p:txBody>
       </p:sp>
@@ -3993,7 +6037,7 @@
           <p:nvPr/>
         </p:nvPicPr>
         <p:blipFill>
-          <a:blip r:embed="rId1"/>
+          <a:blip r:embed="rId2"/>
           <a:stretch>
             <a:fillRect/>
           </a:stretch>
@@ -4013,14 +6057,21 @@
   <p:clrMapOvr>
     <a:masterClrMapping/>
   </p:clrMapOvr>
-  <mc:AlternateContent xmlns:mc="http://schemas.openxmlformats.org/markup-compatibility/2006">
-    <mc:Choice xmlns:p14="http://schemas.microsoft.com/office/powerpoint/2010/main" Requires="p14">
+  <mc:AlternateContent xmlns:mc="http://schemas.openxmlformats.org/markup-compatibility/2006" xmlns:p14="http://schemas.microsoft.com/office/powerpoint/2010/main">
+    <mc:Choice Requires="p14">
       <p:transition spd="slow" p14:dur="2000"/>
     </mc:Choice>
-    <mc:Fallback>
+    <mc:Fallback xmlns="">
       <p:transition spd="slow"/>
     </mc:Fallback>
   </mc:AlternateContent>
+  <p:timing>
+    <p:tnLst>
+      <p:par>
+        <p:cTn id="1" dur="indefinite" restart="never" nodeType="tmRoot"/>
+      </p:par>
+    </p:tnLst>
+  </p:timing>
 </p:sld>
 </file>
 
@@ -4043,14 +6094,14 @@
       </p:grpSpPr>
       <p:sp>
         <p:nvSpPr>
-          <p:cNvPr id="69" name="TextShape 1"/>
+          <p:cNvPr id="64" name="TextShape 1"/>
           <p:cNvSpPr txBox="1"/>
           <p:nvPr/>
         </p:nvSpPr>
         <p:spPr>
           <a:xfrm>
             <a:off x="504000" y="301320"/>
-            <a:ext cx="9071640" cy="1262160"/>
+            <a:ext cx="9071640" cy="795960"/>
           </a:xfrm>
           <a:prstGeom prst="rect">
             <a:avLst/>
@@ -4064,36 +6115,34 @@
           <a:bodyPr lIns="0" tIns="0" rIns="0" bIns="0" anchor="ctr">
             <a:spAutoFit/>
           </a:bodyPr>
+          <a:lstStyle/>
           <a:p>
             <a:pPr algn="ctr"/>
             <a:r>
-              <a:rPr lang="en-US" sz="4400" b="1" strike="noStrike" spc="-1">
-                <a:latin typeface="Arial" panose="020B0604020202020204"/>
-              </a:rPr>
-              <a:t>OAuth2</a:t>
-            </a:r>
-            <a:endParaRPr lang="en-US" sz="4400" b="0" strike="noStrike" spc="-1">
-              <a:latin typeface="Arial" panose="020B0604020202020204"/>
-            </a:endParaRPr>
+              <a:rPr lang="en-US" sz="4400" b="0" strike="noStrike" spc="-1">
+                <a:latin typeface="Arial" panose="020B0604020202020204"/>
+              </a:rPr>
+              <a:t>Spring Security JWT</a:t>
+            </a:r>
           </a:p>
         </p:txBody>
       </p:sp>
       <p:pic>
         <p:nvPicPr>
-          <p:cNvPr id="70" name="Picture 69"/>
+          <p:cNvPr id="65" name="Picture 64"/>
           <p:cNvPicPr/>
           <p:nvPr/>
         </p:nvPicPr>
         <p:blipFill>
-          <a:blip r:embed="rId1"/>
+          <a:blip r:embed="rId2"/>
           <a:stretch>
             <a:fillRect/>
           </a:stretch>
         </p:blipFill>
         <p:spPr>
           <a:xfrm>
-            <a:off x="914400" y="1920240"/>
-            <a:ext cx="8595360" cy="3840480"/>
+            <a:off x="91440" y="1236600"/>
+            <a:ext cx="9848520" cy="5438520"/>
           </a:xfrm>
           <a:prstGeom prst="rect">
             <a:avLst/>
@@ -4108,14 +6157,21 @@
   <p:clrMapOvr>
     <a:masterClrMapping/>
   </p:clrMapOvr>
-  <mc:AlternateContent xmlns:mc="http://schemas.openxmlformats.org/markup-compatibility/2006">
-    <mc:Choice xmlns:p14="http://schemas.microsoft.com/office/powerpoint/2010/main" Requires="p14">
+  <mc:AlternateContent xmlns:mc="http://schemas.openxmlformats.org/markup-compatibility/2006" xmlns:p14="http://schemas.microsoft.com/office/powerpoint/2010/main">
+    <mc:Choice Requires="p14">
       <p:transition spd="slow" p14:dur="2000"/>
     </mc:Choice>
-    <mc:Fallback>
+    <mc:Fallback xmlns="">
       <p:transition spd="slow"/>
     </mc:Fallback>
   </mc:AlternateContent>
+  <p:timing>
+    <p:tnLst>
+      <p:par>
+        <p:cTn id="1" dur="indefinite" restart="never" nodeType="tmRoot"/>
+      </p:par>
+    </p:tnLst>
+  </p:timing>
 </p:sld>
 </file>
 
@@ -4138,14 +6194,14 @@
       </p:grpSpPr>
       <p:sp>
         <p:nvSpPr>
-          <p:cNvPr id="71" name="TextShape 1"/>
+          <p:cNvPr id="66" name="TextShape 1"/>
           <p:cNvSpPr txBox="1"/>
           <p:nvPr/>
         </p:nvSpPr>
         <p:spPr>
           <a:xfrm>
-            <a:off x="504000" y="301320"/>
-            <a:ext cx="9071640" cy="1262160"/>
+            <a:off x="504000" y="295200"/>
+            <a:ext cx="9071640" cy="625320"/>
           </a:xfrm>
           <a:prstGeom prst="rect">
             <a:avLst/>
@@ -4159,6 +6215,7 @@
           <a:bodyPr lIns="0" tIns="0" rIns="0" bIns="0" anchor="ctr">
             <a:spAutoFit/>
           </a:bodyPr>
+          <a:lstStyle/>
           <a:p>
             <a:pPr algn="ctr"/>
             <a:r>
@@ -4175,14 +6232,14 @@
       </p:sp>
       <p:sp>
         <p:nvSpPr>
-          <p:cNvPr id="72" name="TextShape 2"/>
+          <p:cNvPr id="67" name="TextShape 2"/>
           <p:cNvSpPr txBox="1"/>
           <p:nvPr/>
         </p:nvSpPr>
         <p:spPr>
           <a:xfrm>
-            <a:off x="594720" y="1645920"/>
-            <a:ext cx="9006480" cy="4389120"/>
+            <a:off x="457200" y="920520"/>
+            <a:ext cx="9326880" cy="1565910"/>
           </a:xfrm>
           <a:prstGeom prst="rect">
             <a:avLst/>
@@ -4196,6 +6253,7 @@
           <a:bodyPr lIns="90000" tIns="45000" rIns="90000" bIns="45000">
             <a:spAutoFit/>
           </a:bodyPr>
+          <a:lstStyle/>
           <a:p>
             <a:pPr>
               <a:lnSpc>
@@ -4203,24 +6261,11 @@
               </a:lnSpc>
             </a:pPr>
             <a:r>
-              <a:rPr lang="en-US" sz="2000" b="0" strike="noStrike" spc="-1">
-                <a:latin typeface="Arial" panose="020B0604020202020204"/>
-              </a:rPr>
-              <a:t>Ví dụ ta có roles trong trường hợp như sau:</a:t>
-            </a:r>
-            <a:endParaRPr lang="en-US" sz="2000" b="0" strike="noStrike" spc="-1">
-              <a:latin typeface="Arial" panose="020B0604020202020204"/>
-            </a:endParaRPr>
-          </a:p>
-          <a:p>
-            <a:pPr>
-              <a:lnSpc>
-                <a:spcPct val="150000"/>
-              </a:lnSpc>
-            </a:pPr>
-            <a:endParaRPr lang="en-US" sz="2000" b="0" strike="noStrike" spc="-1">
-              <a:latin typeface="Arial" panose="020B0604020202020204"/>
-            </a:endParaRPr>
+              <a:rPr lang="en-US" sz="1600" b="0" strike="noStrike" spc="-1">
+                <a:latin typeface="Arial" panose="020B0604020202020204"/>
+              </a:rPr>
+              <a:t>OAuth là một phương thức chứng thực giúp các ứng dụng có thể chia sẻ tài nguyên với nhau mà không cần chia sẻ thông tin username và password. Từ Auth ở đây mang 2 nghĩa:</a:t>
+            </a:r>
           </a:p>
           <a:p>
             <a:pPr marL="215900" indent="-215900">
@@ -4235,14 +6280,17 @@
               <a:buChar char=""/>
             </a:pPr>
             <a:r>
-              <a:rPr lang="en-US" sz="2000" b="0" strike="noStrike" spc="-1">
-                <a:latin typeface="Arial" panose="020B0604020202020204"/>
-              </a:rPr>
-              <a:t>Resource Owner: Mình</a:t>
-            </a:r>
-            <a:endParaRPr lang="en-US" sz="2000" b="0" strike="noStrike" spc="-1">
-              <a:latin typeface="Arial" panose="020B0604020202020204"/>
-            </a:endParaRPr>
+              <a:rPr lang="en-US" sz="1600" b="1" strike="noStrike" spc="-1">
+                <a:latin typeface="Arial" panose="020B0604020202020204"/>
+              </a:rPr>
+              <a:t>Authentication</a:t>
+            </a:r>
+            <a:r>
+              <a:rPr lang="en-US" sz="1600" b="0" strike="noStrike" spc="-1">
+                <a:latin typeface="Arial" panose="020B0604020202020204"/>
+              </a:rPr>
+              <a:t>: xác thực người dùng thông qua việc đăng nhập.</a:t>
+            </a:r>
           </a:p>
           <a:p>
             <a:pPr marL="215900" indent="-215900">
@@ -4257,14 +6305,51 @@
               <a:buChar char=""/>
             </a:pPr>
             <a:r>
-              <a:rPr lang="en-US" sz="2000" b="0" strike="noStrike" spc="-1">
-                <a:latin typeface="Arial" panose="020B0604020202020204"/>
-              </a:rPr>
-              <a:t>Resource Server: Facebook server</a:t>
-            </a:r>
-            <a:endParaRPr lang="en-US" sz="2000" b="0" strike="noStrike" spc="-1">
-              <a:latin typeface="Arial" panose="020B0604020202020204"/>
-            </a:endParaRPr>
+              <a:rPr lang="en-US" sz="1600" b="1" strike="noStrike" spc="-1">
+                <a:latin typeface="Arial" panose="020B0604020202020204"/>
+              </a:rPr>
+              <a:t>Authorization</a:t>
+            </a:r>
+            <a:r>
+              <a:rPr lang="en-US" sz="1600" b="0" strike="noStrike" spc="-1">
+                <a:latin typeface="Arial" panose="020B0604020202020204"/>
+              </a:rPr>
+              <a:t>: cấp quyền truy cập vào các Resource.</a:t>
+            </a:r>
+          </a:p>
+        </p:txBody>
+      </p:sp>
+      <p:sp>
+        <p:nvSpPr>
+          <p:cNvPr id="68" name="TextShape 3"/>
+          <p:cNvSpPr txBox="1"/>
+          <p:nvPr/>
+        </p:nvSpPr>
+        <p:spPr>
+          <a:xfrm>
+            <a:off x="255905" y="2719775"/>
+            <a:ext cx="9422280" cy="4397375"/>
+          </a:xfrm>
+          <a:prstGeom prst="rect">
+            <a:avLst/>
+          </a:prstGeom>
+          <a:noFill/>
+          <a:ln>
+            <a:noFill/>
+          </a:ln>
+        </p:spPr>
+        <p:txBody>
+          <a:bodyPr lIns="90000" tIns="45000" rIns="90000" bIns="45000">
+            <a:spAutoFit/>
+          </a:bodyPr>
+          <a:lstStyle/>
+          <a:p>
+            <a:r>
+              <a:rPr lang="en-US" sz="1600" b="0" strike="noStrike" spc="-1">
+                <a:latin typeface="Arial" panose="020B0604020202020204"/>
+              </a:rPr>
+              <a:t>OAuth2 làm việc với 4 đối tượng mang những vai trò riêng:</a:t>
+            </a:r>
           </a:p>
           <a:p>
             <a:pPr marL="215900" indent="-215900">
@@ -4279,14 +6364,17 @@
               <a:buChar char=""/>
             </a:pPr>
             <a:r>
-              <a:rPr lang="en-US" sz="2000" b="0" strike="noStrike" spc="-1">
-                <a:latin typeface="Arial" panose="020B0604020202020204"/>
-              </a:rPr>
-              <a:t>Client: Website Viblo</a:t>
-            </a:r>
-            <a:endParaRPr lang="en-US" sz="2000" b="0" strike="noStrike" spc="-1">
-              <a:latin typeface="Arial" panose="020B0604020202020204"/>
-            </a:endParaRPr>
+              <a:rPr lang="en-US" sz="1600" b="1" strike="noStrike" spc="-1">
+                <a:latin typeface="Arial" panose="020B0604020202020204"/>
+              </a:rPr>
+              <a:t>Resource Owner</a:t>
+            </a:r>
+            <a:r>
+              <a:rPr lang="en-US" sz="1600" b="0" strike="noStrike" spc="-1">
+                <a:latin typeface="Arial" panose="020B0604020202020204"/>
+              </a:rPr>
+              <a:t> (User): Là những người dùng ủy quyền cho ứng dụng cho phép truy cập tài khoản của họ. Sau đó ứng dụng được phép truy cập vào những dữ liệu người dùng nhưng bị giới hạn bởi những phạm vi (scope) được cấp phép. (VD: chỉ đọc hay được quyền ghi dữ liệu) =&gt; chính là bạn.</a:t>
+            </a:r>
           </a:p>
           <a:p>
             <a:pPr marL="215900" indent="-215900">
@@ -4301,122 +6389,67 @@
               <a:buChar char=""/>
             </a:pPr>
             <a:r>
-              <a:rPr lang="en-US" sz="2000" b="0" strike="noStrike" spc="-1">
-                <a:latin typeface="Arial" panose="020B0604020202020204"/>
-              </a:rPr>
-              <a:t>Authorization Server: Facebook server</a:t>
-            </a:r>
-            <a:endParaRPr lang="en-US" sz="2000" b="0" strike="noStrike" spc="-1">
-              <a:latin typeface="Arial" panose="020B0604020202020204"/>
-            </a:endParaRPr>
-          </a:p>
-        </p:txBody>
-      </p:sp>
-      <p:sp>
-        <p:nvSpPr>
-          <p:cNvPr id="73" name="TextShape 3"/>
-          <p:cNvSpPr txBox="1"/>
-          <p:nvPr/>
-        </p:nvSpPr>
-        <p:spPr>
-          <a:xfrm>
-            <a:off x="822960" y="6858000"/>
-            <a:ext cx="8337550" cy="365760"/>
-          </a:xfrm>
-          <a:prstGeom prst="rect">
-            <a:avLst/>
-          </a:prstGeom>
-          <a:noFill/>
-          <a:ln>
-            <a:noFill/>
-          </a:ln>
-        </p:spPr>
-        <p:txBody>
-          <a:bodyPr wrap="square" lIns="90000" tIns="45000" rIns="90000" bIns="45000">
-            <a:spAutoFit/>
-          </a:bodyPr>
-          <a:p>
-            <a:r>
-              <a:rPr lang="en-US" sz="1800" b="0" i="1" strike="noStrike" spc="-1">
-                <a:latin typeface="Arial" panose="020B0604020202020204"/>
-              </a:rPr>
-              <a:t>https://viblo.asia/p/introduction-to-oauth2-3OEqGjDpR9bL</a:t>
-            </a:r>
-            <a:endParaRPr lang="en-US" sz="1800" b="0" strike="noStrike" spc="-1">
-              <a:latin typeface="Arial" panose="020B0604020202020204"/>
-            </a:endParaRPr>
-          </a:p>
-        </p:txBody>
-      </p:sp>
-      <p:sp>
-        <p:nvSpPr>
-          <p:cNvPr id="74" name="TextShape 4"/>
-          <p:cNvSpPr txBox="1"/>
-          <p:nvPr/>
-        </p:nvSpPr>
-        <p:spPr>
-          <a:xfrm>
-            <a:off x="777875" y="5962015"/>
-            <a:ext cx="7907655" cy="365760"/>
-          </a:xfrm>
-          <a:prstGeom prst="rect">
-            <a:avLst/>
-          </a:prstGeom>
-          <a:noFill/>
-          <a:ln>
-            <a:noFill/>
-          </a:ln>
-        </p:spPr>
-        <p:txBody>
-          <a:bodyPr wrap="square" lIns="90000" tIns="45000" rIns="90000" bIns="45000">
-            <a:spAutoFit/>
-          </a:bodyPr>
-          <a:p>
-            <a:r>
-              <a:rPr lang="en-US" sz="1800" b="0" strike="noStrike" spc="-1">
-                <a:latin typeface="Arial" panose="020B0604020202020204"/>
-              </a:rPr>
-              <a:t>The OAuth 2.0 Authorization Framework</a:t>
-            </a:r>
-            <a:endParaRPr lang="en-US" sz="1800" b="0" strike="noStrike" spc="-1">
-              <a:latin typeface="Arial" panose="020B0604020202020204"/>
-            </a:endParaRPr>
-          </a:p>
-        </p:txBody>
-      </p:sp>
-      <p:sp>
-        <p:nvSpPr>
-          <p:cNvPr id="75" name="TextShape 5"/>
-          <p:cNvSpPr txBox="1"/>
-          <p:nvPr/>
-        </p:nvSpPr>
-        <p:spPr>
-          <a:xfrm>
-            <a:off x="822960" y="6419215"/>
-            <a:ext cx="7764145" cy="365760"/>
-          </a:xfrm>
-          <a:prstGeom prst="rect">
-            <a:avLst/>
-          </a:prstGeom>
-          <a:noFill/>
-          <a:ln>
-            <a:noFill/>
-          </a:ln>
-        </p:spPr>
-        <p:txBody>
-          <a:bodyPr wrap="square" lIns="90000" tIns="45000" rIns="90000" bIns="45000">
-            <a:spAutoFit/>
-          </a:bodyPr>
-          <a:p>
-            <a:r>
-              <a:rPr lang="en-US" sz="1800" b="0" i="1" strike="noStrike" spc="-1">
-                <a:latin typeface="Arial" panose="020B0604020202020204"/>
-              </a:rPr>
-              <a:t>https://tools.ietf.org/html/rfc6749#section-1.3.1</a:t>
-            </a:r>
-            <a:endParaRPr lang="en-US" sz="1800" b="0" strike="noStrike" spc="-1">
-              <a:latin typeface="Arial" panose="020B0604020202020204"/>
-            </a:endParaRPr>
+              <a:rPr lang="en-US" sz="1600" b="1" strike="noStrike" spc="-1">
+                <a:latin typeface="Arial" panose="020B0604020202020204"/>
+              </a:rPr>
+              <a:t>Client </a:t>
+            </a:r>
+            <a:r>
+              <a:rPr lang="en-US" sz="1600" b="0" strike="noStrike" spc="-1">
+                <a:latin typeface="Arial" panose="020B0604020202020204"/>
+              </a:rPr>
+              <a:t>(Application): Là những ứng dụng mong muốn truy cập vào dữ liệu người dùng. Trước khi được phép tương tác với dữ liệu thì ứng dụng này phải qua bước ủy quyền của User, và phải được kiểm tra xác nhận thông qua API. =&gt; Có thể hiểu là các ứng dụng sử dụng Facebook, Twitter, Google API chẳng hạn.</a:t>
+            </a:r>
+          </a:p>
+          <a:p>
+            <a:pPr marL="215900" indent="-215900">
+              <a:lnSpc>
+                <a:spcPct val="150000"/>
+              </a:lnSpc>
+              <a:buClr>
+                <a:srgbClr val="000000"/>
+              </a:buClr>
+              <a:buSzPct val="45000"/>
+              <a:buFont typeface="Wingdings" panose="05000000000000000000" pitchFamily="2" charset="2"/>
+              <a:buChar char=""/>
+            </a:pPr>
+            <a:r>
+              <a:rPr lang="en-US" sz="1600" b="1" strike="noStrike" spc="-1">
+                <a:latin typeface="Arial" panose="020B0604020202020204"/>
+              </a:rPr>
+              <a:t>Resource Server</a:t>
+            </a:r>
+            <a:r>
+              <a:rPr lang="en-US" sz="1600" b="0" strike="noStrike" spc="-1">
+                <a:latin typeface="Arial" panose="020B0604020202020204"/>
+              </a:rPr>
+              <a:t> (API): Nơi lưu trữ thông tin tài khoản của User và được bảo mật.</a:t>
+            </a:r>
+          </a:p>
+          <a:p>
+            <a:pPr marL="215900" indent="-215900">
+              <a:lnSpc>
+                <a:spcPct val="150000"/>
+              </a:lnSpc>
+              <a:buClr>
+                <a:srgbClr val="000000"/>
+              </a:buClr>
+              <a:buSzPct val="45000"/>
+              <a:buFont typeface="Wingdings" panose="05000000000000000000" pitchFamily="2" charset="2"/>
+              <a:buChar char=""/>
+            </a:pPr>
+            <a:r>
+              <a:rPr lang="en-US" sz="1600" b="1" strike="noStrike" spc="-1">
+                <a:latin typeface="Arial" panose="020B0604020202020204"/>
+              </a:rPr>
+              <a:t>Authorization Server</a:t>
+            </a:r>
+            <a:r>
+              <a:rPr lang="en-US" sz="1600" b="0" strike="noStrike" spc="-1">
+                <a:latin typeface="Arial" panose="020B0604020202020204"/>
+              </a:rPr>
+              <a:t> (API): làm nhiệm vụ kiểm tra thông tin user (VD: ID), sau đó cấp quyền truy cập cho Application thông qua việc phát sinh "access token".</a:t>
+            </a:r>
           </a:p>
         </p:txBody>
       </p:sp>
@@ -4425,14 +6458,21 @@
   <p:clrMapOvr>
     <a:masterClrMapping/>
   </p:clrMapOvr>
-  <mc:AlternateContent xmlns:mc="http://schemas.openxmlformats.org/markup-compatibility/2006">
-    <mc:Choice xmlns:p14="http://schemas.microsoft.com/office/powerpoint/2010/main" Requires="p14">
+  <mc:AlternateContent xmlns:mc="http://schemas.openxmlformats.org/markup-compatibility/2006" xmlns:p14="http://schemas.microsoft.com/office/powerpoint/2010/main">
+    <mc:Choice Requires="p14">
       <p:transition spd="slow" p14:dur="2000"/>
     </mc:Choice>
-    <mc:Fallback>
+    <mc:Fallback xmlns="">
       <p:transition spd="slow"/>
     </mc:Fallback>
   </mc:AlternateContent>
+  <p:timing>
+    <p:tnLst>
+      <p:par>
+        <p:cTn id="1" dur="indefinite" restart="never" nodeType="tmRoot"/>
+      </p:par>
+    </p:tnLst>
+  </p:timing>
 </p:sld>
 </file>
 
@@ -4455,7 +6495,7 @@
       </p:grpSpPr>
       <p:sp>
         <p:nvSpPr>
-          <p:cNvPr id="76" name="TextShape 1"/>
+          <p:cNvPr id="69" name="TextShape 1"/>
           <p:cNvSpPr txBox="1"/>
           <p:nvPr/>
         </p:nvSpPr>
@@ -4476,6 +6516,7 @@
           <a:bodyPr lIns="0" tIns="0" rIns="0" bIns="0" anchor="ctr">
             <a:spAutoFit/>
           </a:bodyPr>
+          <a:lstStyle/>
           <a:p>
             <a:pPr algn="ctr"/>
             <a:r>
@@ -4490,181 +6531,41 @@
           </a:p>
         </p:txBody>
       </p:sp>
-      <p:sp>
-        <p:nvSpPr>
-          <p:cNvPr id="77" name="TextShape 2"/>
-          <p:cNvSpPr txBox="1"/>
+      <p:pic>
+        <p:nvPicPr>
+          <p:cNvPr id="70" name="Picture 69"/>
+          <p:cNvPicPr/>
           <p:nvPr/>
-        </p:nvSpPr>
-        <p:spPr>
-          <a:xfrm>
-            <a:off x="594720" y="1645920"/>
-            <a:ext cx="9006480" cy="2397125"/>
-          </a:xfrm>
-          <a:prstGeom prst="rect">
-            <a:avLst/>
-          </a:prstGeom>
-          <a:noFill/>
+        </p:nvPicPr>
+        <p:blipFill>
+          <a:blip r:embed="rId2"/>
+          <a:stretch>
+            <a:fillRect/>
+          </a:stretch>
+        </p:blipFill>
+        <p:spPr>
+          <a:xfrm>
+            <a:off x="914400" y="1920240"/>
+            <a:ext cx="8595360" cy="3840480"/>
+          </a:xfrm>
+          <a:prstGeom prst="rect">
+            <a:avLst/>
+          </a:prstGeom>
           <a:ln>
             <a:noFill/>
           </a:ln>
         </p:spPr>
-        <p:txBody>
-          <a:bodyPr lIns="90000" tIns="45000" rIns="90000" bIns="45000">
-            <a:spAutoFit/>
-          </a:bodyPr>
-          <a:p>
-            <a:pPr>
-              <a:lnSpc>
-                <a:spcPct val="150000"/>
-              </a:lnSpc>
-            </a:pPr>
-            <a:r>
-              <a:rPr lang="en-US" sz="2000" b="0" strike="noStrike" spc="-1">
-                <a:latin typeface="Arial" panose="020B0604020202020204"/>
-              </a:rPr>
-              <a:t>Ví dụ ta có roles trong trường hợp như sau:</a:t>
-            </a:r>
-            <a:endParaRPr lang="en-US" sz="2000" b="0" strike="noStrike" spc="-1">
-              <a:latin typeface="Arial" panose="020B0604020202020204"/>
-            </a:endParaRPr>
-          </a:p>
-          <a:p>
-            <a:pPr marL="215900" indent="-215900">
-              <a:lnSpc>
-                <a:spcPct val="150000"/>
-              </a:lnSpc>
-              <a:buClr>
-                <a:srgbClr val="000000"/>
-              </a:buClr>
-              <a:buSzPct val="45000"/>
-              <a:buFont typeface="Wingdings" panose="05000000000000000000" pitchFamily="2" charset="2"/>
-              <a:buChar char=""/>
-            </a:pPr>
-            <a:r>
-              <a:rPr lang="en-US" sz="2000" b="0" strike="noStrike" spc="-1">
-                <a:latin typeface="Arial" panose="020B0604020202020204"/>
-              </a:rPr>
-              <a:t>Resource Owner: Mình</a:t>
-            </a:r>
-            <a:endParaRPr lang="en-US" sz="2000" b="0" strike="noStrike" spc="-1">
-              <a:latin typeface="Arial" panose="020B0604020202020204"/>
-            </a:endParaRPr>
-          </a:p>
-          <a:p>
-            <a:pPr marL="215900" indent="-215900">
-              <a:lnSpc>
-                <a:spcPct val="150000"/>
-              </a:lnSpc>
-              <a:buClr>
-                <a:srgbClr val="000000"/>
-              </a:buClr>
-              <a:buSzPct val="45000"/>
-              <a:buFont typeface="Wingdings" panose="05000000000000000000" pitchFamily="2" charset="2"/>
-              <a:buChar char=""/>
-            </a:pPr>
-            <a:r>
-              <a:rPr lang="en-US" sz="2000" b="0" strike="noStrike" spc="-1">
-                <a:latin typeface="Arial" panose="020B0604020202020204"/>
-              </a:rPr>
-              <a:t>Resource Server: Facebook server</a:t>
-            </a:r>
-            <a:endParaRPr lang="en-US" sz="2000" b="0" strike="noStrike" spc="-1">
-              <a:latin typeface="Arial" panose="020B0604020202020204"/>
-            </a:endParaRPr>
-          </a:p>
-          <a:p>
-            <a:pPr marL="215900" indent="-215900">
-              <a:lnSpc>
-                <a:spcPct val="150000"/>
-              </a:lnSpc>
-              <a:buClr>
-                <a:srgbClr val="000000"/>
-              </a:buClr>
-              <a:buSzPct val="45000"/>
-              <a:buFont typeface="Wingdings" panose="05000000000000000000" pitchFamily="2" charset="2"/>
-              <a:buChar char=""/>
-            </a:pPr>
-            <a:r>
-              <a:rPr lang="en-US" sz="2000" b="0" strike="noStrike" spc="-1">
-                <a:latin typeface="Arial" panose="020B0604020202020204"/>
-              </a:rPr>
-              <a:t>Client: Website Viblo</a:t>
-            </a:r>
-            <a:endParaRPr lang="en-US" sz="2000" b="0" strike="noStrike" spc="-1">
-              <a:latin typeface="Arial" panose="020B0604020202020204"/>
-            </a:endParaRPr>
-          </a:p>
-          <a:p>
-            <a:pPr marL="215900" indent="-215900">
-              <a:lnSpc>
-                <a:spcPct val="150000"/>
-              </a:lnSpc>
-              <a:buClr>
-                <a:srgbClr val="000000"/>
-              </a:buClr>
-              <a:buSzPct val="45000"/>
-              <a:buFont typeface="Wingdings" panose="05000000000000000000" pitchFamily="2" charset="2"/>
-              <a:buChar char=""/>
-            </a:pPr>
-            <a:r>
-              <a:rPr lang="en-US" sz="2000" b="0" strike="noStrike" spc="-1">
-                <a:latin typeface="Arial" panose="020B0604020202020204"/>
-              </a:rPr>
-              <a:t>Authorization Server: Facebook server</a:t>
-            </a:r>
-            <a:endParaRPr lang="en-US" sz="2000" b="0" strike="noStrike" spc="-1">
-              <a:latin typeface="Arial" panose="020B0604020202020204"/>
-            </a:endParaRPr>
-          </a:p>
-        </p:txBody>
-      </p:sp>
-      <p:sp>
-        <p:nvSpPr>
-          <p:cNvPr id="78" name="TextShape 3"/>
-          <p:cNvSpPr txBox="1"/>
-          <p:nvPr/>
-        </p:nvSpPr>
-        <p:spPr>
-          <a:xfrm>
-            <a:off x="822960" y="6858000"/>
-            <a:ext cx="8948420" cy="365760"/>
-          </a:xfrm>
-          <a:prstGeom prst="rect">
-            <a:avLst/>
-          </a:prstGeom>
-          <a:noFill/>
-          <a:ln>
-            <a:noFill/>
-          </a:ln>
-        </p:spPr>
-        <p:txBody>
-          <a:bodyPr wrap="square" lIns="90000" tIns="45000" rIns="90000" bIns="45000">
-            <a:spAutoFit/>
-          </a:bodyPr>
-          <a:p>
-            <a:r>
-              <a:rPr lang="en-US" sz="1800" b="0" strike="noStrike" spc="-1">
-                <a:latin typeface="Arial" panose="020B0604020202020204"/>
-              </a:rPr>
-              <a:t>https://viblo.asia/p/introduction-to-oauth2-3OEqGjDpR9bL</a:t>
-            </a:r>
-            <a:endParaRPr lang="en-US" sz="1800" b="0" strike="noStrike" spc="-1">
-              <a:latin typeface="Arial" panose="020B0604020202020204"/>
-            </a:endParaRPr>
-          </a:p>
-        </p:txBody>
-      </p:sp>
+      </p:pic>
     </p:spTree>
   </p:cSld>
   <p:clrMapOvr>
     <a:masterClrMapping/>
   </p:clrMapOvr>
-  <mc:AlternateContent xmlns:mc="http://schemas.openxmlformats.org/markup-compatibility/2006">
-    <mc:Choice xmlns:p14="http://schemas.microsoft.com/office/powerpoint/2010/main" Requires="p14">
+  <mc:AlternateContent xmlns:mc="http://schemas.openxmlformats.org/markup-compatibility/2006" xmlns:p14="http://schemas.microsoft.com/office/powerpoint/2010/main">
+    <mc:Choice Requires="p14">
       <p:transition spd="slow" p14:dur="2000"/>
     </mc:Choice>
-    <mc:Fallback>
+    <mc:Fallback xmlns="">
       <p:transition spd="slow"/>
     </mc:Fallback>
   </mc:AlternateContent>
@@ -4690,7 +6591,7 @@
       </p:grpSpPr>
       <p:sp>
         <p:nvSpPr>
-          <p:cNvPr id="79" name="TextShape 1"/>
+          <p:cNvPr id="71" name="TextShape 1"/>
           <p:cNvSpPr txBox="1"/>
           <p:nvPr/>
         </p:nvSpPr>
@@ -4711,6 +6612,7 @@
           <a:bodyPr lIns="0" tIns="0" rIns="0" bIns="0" anchor="ctr">
             <a:spAutoFit/>
           </a:bodyPr>
+          <a:lstStyle/>
           <a:p>
             <a:pPr algn="ctr"/>
             <a:r>
@@ -4727,7 +6629,7 @@
       </p:sp>
       <p:sp>
         <p:nvSpPr>
-          <p:cNvPr id="80" name="TextShape 2"/>
+          <p:cNvPr id="72" name="TextShape 2"/>
           <p:cNvSpPr txBox="1"/>
           <p:nvPr/>
         </p:nvSpPr>
@@ -4748,6 +6650,7 @@
           <a:bodyPr lIns="90000" tIns="45000" rIns="90000" bIns="45000">
             <a:spAutoFit/>
           </a:bodyPr>
+          <a:lstStyle/>
           <a:p>
             <a:pPr>
               <a:lnSpc>
@@ -4755,12 +6658,19 @@
               </a:lnSpc>
             </a:pPr>
             <a:r>
-              <a:rPr lang="en-US" sz="1800" b="1" strike="noStrike" spc="-1">
-                <a:latin typeface="Arial" panose="020B0604020202020204"/>
-              </a:rPr>
-              <a:t>Kịch bản</a:t>
-            </a:r>
-            <a:endParaRPr lang="en-US" sz="1800" b="0" strike="noStrike" spc="-1">
+              <a:rPr lang="en-US" sz="2000" b="0" strike="noStrike" spc="-1">
+                <a:latin typeface="Arial" panose="020B0604020202020204"/>
+              </a:rPr>
+              <a:t>Ví dụ ta có roles trong trường hợp như sau:</a:t>
+            </a:r>
+          </a:p>
+          <a:p>
+            <a:pPr>
+              <a:lnSpc>
+                <a:spcPct val="150000"/>
+              </a:lnSpc>
+            </a:pPr>
+            <a:endParaRPr lang="en-US" sz="2000" b="0" strike="noStrike" spc="-1">
               <a:latin typeface="Arial" panose="020B0604020202020204"/>
             </a:endParaRPr>
           </a:p>
@@ -4777,14 +6687,11 @@
               <a:buChar char=""/>
             </a:pPr>
             <a:r>
-              <a:rPr lang="en-US" sz="1800" b="0" strike="noStrike" spc="-1">
-                <a:latin typeface="Arial" panose="020B0604020202020204"/>
-              </a:rPr>
-              <a:t>Từ Viblo, ta muốn login thông qua Facebook.</a:t>
-            </a:r>
-            <a:endParaRPr lang="en-US" sz="1800" b="0" strike="noStrike" spc="-1">
-              <a:latin typeface="Arial" panose="020B0604020202020204"/>
-            </a:endParaRPr>
+              <a:rPr lang="en-US" sz="2000" b="0" strike="noStrike" spc="-1">
+                <a:latin typeface="Arial" panose="020B0604020202020204"/>
+              </a:rPr>
+              <a:t>Resource Owner: Mình</a:t>
+            </a:r>
           </a:p>
           <a:p>
             <a:pPr marL="215900" indent="-215900">
@@ -4799,14 +6706,11 @@
               <a:buChar char=""/>
             </a:pPr>
             <a:r>
-              <a:rPr lang="en-US" sz="1800" b="0" strike="noStrike" spc="-1">
-                <a:latin typeface="Arial" panose="020B0604020202020204"/>
-              </a:rPr>
-              <a:t>Browser redirect tới trang chứng thực của Facebook (Authorization Server).</a:t>
-            </a:r>
-            <a:endParaRPr lang="en-US" sz="1800" b="0" strike="noStrike" spc="-1">
-              <a:latin typeface="Arial" panose="020B0604020202020204"/>
-            </a:endParaRPr>
+              <a:rPr lang="en-US" sz="2000" b="0" strike="noStrike" spc="-1">
+                <a:latin typeface="Arial" panose="020B0604020202020204"/>
+              </a:rPr>
+              <a:t>Resource Server: Facebook server</a:t>
+            </a:r>
           </a:p>
           <a:p>
             <a:pPr marL="215900" indent="-215900">
@@ -4821,14 +6725,11 @@
               <a:buChar char=""/>
             </a:pPr>
             <a:r>
-              <a:rPr lang="en-US" sz="1800" b="0" strike="noStrike" spc="-1">
-                <a:latin typeface="Arial" panose="020B0604020202020204"/>
-              </a:rPr>
-              <a:t>Nếu ta cho phép truy cập, browser sẽ redirect ta về Viblo cùng với Access Token trên URI. Ví dụ như callback: http://viblo.asia/auth/callback&amp;access_token=MynBTzUGYX8bHTnyLpZ4</a:t>
-            </a:r>
-            <a:endParaRPr lang="en-US" sz="1800" b="0" strike="noStrike" spc="-1">
-              <a:latin typeface="Arial" panose="020B0604020202020204"/>
-            </a:endParaRPr>
+              <a:rPr lang="en-US" sz="2000" b="0" strike="noStrike" spc="-1">
+                <a:latin typeface="Arial" panose="020B0604020202020204"/>
+              </a:rPr>
+              <a:t>Client: Website Viblo</a:t>
+            </a:r>
           </a:p>
           <a:p>
             <a:pPr marL="215900" indent="-215900">
@@ -4843,26 +6744,115 @@
               <a:buChar char=""/>
             </a:pPr>
             <a:r>
-              <a:rPr lang="en-US" sz="1800" b="0" strike="noStrike" spc="-1">
-                <a:latin typeface="Arial" panose="020B0604020202020204"/>
-              </a:rPr>
-              <a:t>Access token này sẽ được client lấy và sử dụng khi truy cập tới Facebook lấy tài nguyên. Ví dụ: https://graph.facebook.com/me?access_token=MynBTzUGYX8bHTnyLpZ4</a:t>
+              <a:rPr lang="en-US" sz="2000" b="0" strike="noStrike" spc="-1">
+                <a:latin typeface="Arial" panose="020B0604020202020204"/>
+              </a:rPr>
+              <a:t>Authorization Server: Facebook server</a:t>
+            </a:r>
+          </a:p>
+        </p:txBody>
+      </p:sp>
+      <p:sp>
+        <p:nvSpPr>
+          <p:cNvPr id="73" name="TextShape 3"/>
+          <p:cNvSpPr txBox="1"/>
+          <p:nvPr/>
+        </p:nvSpPr>
+        <p:spPr>
+          <a:xfrm>
+            <a:off x="822960" y="6858000"/>
+            <a:ext cx="8337550" cy="365760"/>
+          </a:xfrm>
+          <a:prstGeom prst="rect">
+            <a:avLst/>
+          </a:prstGeom>
+          <a:noFill/>
+          <a:ln>
+            <a:noFill/>
+          </a:ln>
+        </p:spPr>
+        <p:txBody>
+          <a:bodyPr wrap="square" lIns="90000" tIns="45000" rIns="90000" bIns="45000">
+            <a:spAutoFit/>
+          </a:bodyPr>
+          <a:lstStyle/>
+          <a:p>
+            <a:r>
+              <a:rPr lang="en-US" sz="1800" b="0" i="1" strike="noStrike" spc="-1">
+                <a:latin typeface="Arial" panose="020B0604020202020204"/>
+              </a:rPr>
+              <a:t>https://viblo.asia/p/introduction-to-oauth2-3OEqGjDpR9bL</a:t>
             </a:r>
             <a:endParaRPr lang="en-US" sz="1800" b="0" strike="noStrike" spc="-1">
               <a:latin typeface="Arial" panose="020B0604020202020204"/>
             </a:endParaRPr>
           </a:p>
-          <a:p>
-            <a:pPr>
-              <a:lnSpc>
-                <a:spcPct val="150000"/>
-              </a:lnSpc>
-            </a:pPr>
+        </p:txBody>
+      </p:sp>
+      <p:sp>
+        <p:nvSpPr>
+          <p:cNvPr id="74" name="TextShape 4"/>
+          <p:cNvSpPr txBox="1"/>
+          <p:nvPr/>
+        </p:nvSpPr>
+        <p:spPr>
+          <a:xfrm>
+            <a:off x="777875" y="5962015"/>
+            <a:ext cx="7907655" cy="365760"/>
+          </a:xfrm>
+          <a:prstGeom prst="rect">
+            <a:avLst/>
+          </a:prstGeom>
+          <a:noFill/>
+          <a:ln>
+            <a:noFill/>
+          </a:ln>
+        </p:spPr>
+        <p:txBody>
+          <a:bodyPr wrap="square" lIns="90000" tIns="45000" rIns="90000" bIns="45000">
+            <a:spAutoFit/>
+          </a:bodyPr>
+          <a:lstStyle/>
+          <a:p>
             <a:r>
               <a:rPr lang="en-US" sz="1800" b="0" strike="noStrike" spc="-1">
                 <a:latin typeface="Arial" panose="020B0604020202020204"/>
               </a:rPr>
-              <a:t>Facebook dựa vào Token, nhận ra là thanh niên đã đăng ký trước đó, cho phép truy cập và trả về dữ liệu.</a:t>
+              <a:t>The OAuth 2.0 Authorization Framework</a:t>
+            </a:r>
+          </a:p>
+        </p:txBody>
+      </p:sp>
+      <p:sp>
+        <p:nvSpPr>
+          <p:cNvPr id="75" name="TextShape 5"/>
+          <p:cNvSpPr txBox="1"/>
+          <p:nvPr/>
+        </p:nvSpPr>
+        <p:spPr>
+          <a:xfrm>
+            <a:off x="822960" y="6419215"/>
+            <a:ext cx="7764145" cy="365760"/>
+          </a:xfrm>
+          <a:prstGeom prst="rect">
+            <a:avLst/>
+          </a:prstGeom>
+          <a:noFill/>
+          <a:ln>
+            <a:noFill/>
+          </a:ln>
+        </p:spPr>
+        <p:txBody>
+          <a:bodyPr wrap="square" lIns="90000" tIns="45000" rIns="90000" bIns="45000">
+            <a:spAutoFit/>
+          </a:bodyPr>
+          <a:lstStyle/>
+          <a:p>
+            <a:r>
+              <a:rPr lang="en-US" sz="1800" b="0" i="1" strike="noStrike" spc="-1">
+                <a:latin typeface="Arial" panose="020B0604020202020204"/>
+              </a:rPr>
+              <a:t>https://tools.ietf.org/html/rfc6749#section-1.3.1</a:t>
             </a:r>
             <a:endParaRPr lang="en-US" sz="1800" b="0" strike="noStrike" spc="-1">
               <a:latin typeface="Arial" panose="020B0604020202020204"/>
@@ -4875,11 +6865,11 @@
   <p:clrMapOvr>
     <a:masterClrMapping/>
   </p:clrMapOvr>
-  <mc:AlternateContent xmlns:mc="http://schemas.openxmlformats.org/markup-compatibility/2006">
-    <mc:Choice xmlns:p14="http://schemas.microsoft.com/office/powerpoint/2010/main" Requires="p14">
+  <mc:AlternateContent xmlns:mc="http://schemas.openxmlformats.org/markup-compatibility/2006" xmlns:p14="http://schemas.microsoft.com/office/powerpoint/2010/main">
+    <mc:Choice Requires="p14">
       <p:transition spd="slow" p14:dur="2000"/>
     </mc:Choice>
-    <mc:Fallback>
+    <mc:Fallback xmlns="">
       <p:transition spd="slow"/>
     </mc:Fallback>
   </mc:AlternateContent>
@@ -4905,7 +6895,7 @@
       </p:grpSpPr>
       <p:sp>
         <p:nvSpPr>
-          <p:cNvPr id="81" name="TextShape 1"/>
+          <p:cNvPr id="76" name="TextShape 1"/>
           <p:cNvSpPr txBox="1"/>
           <p:nvPr/>
         </p:nvSpPr>
@@ -4926,6 +6916,7 @@
           <a:bodyPr lIns="0" tIns="0" rIns="0" bIns="0" anchor="ctr">
             <a:spAutoFit/>
           </a:bodyPr>
+          <a:lstStyle/>
           <a:p>
             <a:pPr algn="ctr"/>
             <a:r>
@@ -4942,14 +6933,14 @@
       </p:sp>
       <p:sp>
         <p:nvSpPr>
-          <p:cNvPr id="82" name="TextShape 2"/>
+          <p:cNvPr id="77" name="TextShape 2"/>
           <p:cNvSpPr txBox="1"/>
           <p:nvPr/>
         </p:nvSpPr>
         <p:spPr>
           <a:xfrm>
             <a:off x="594720" y="1645920"/>
-            <a:ext cx="9006480" cy="4389120"/>
+            <a:ext cx="9006480" cy="2397125"/>
           </a:xfrm>
           <a:prstGeom prst="rect">
             <a:avLst/>
@@ -4963,6 +6954,7 @@
           <a:bodyPr lIns="90000" tIns="45000" rIns="90000" bIns="45000">
             <a:spAutoFit/>
           </a:bodyPr>
+          <a:lstStyle/>
           <a:p>
             <a:pPr>
               <a:lnSpc>
@@ -4970,14 +6962,11 @@
               </a:lnSpc>
             </a:pPr>
             <a:r>
-              <a:rPr lang="en-US" sz="1800" b="1" strike="noStrike" spc="-1">
-                <a:latin typeface="Arial" panose="020B0604020202020204"/>
-              </a:rPr>
-              <a:t>OAuth2 Grant Types: có 4 grant type khác nhau:</a:t>
-            </a:r>
-            <a:endParaRPr lang="en-US" sz="1800" b="0" strike="noStrike" spc="-1">
-              <a:latin typeface="Arial" panose="020B0604020202020204"/>
-            </a:endParaRPr>
+              <a:rPr lang="en-US" sz="2000" b="0" strike="noStrike" spc="-1">
+                <a:latin typeface="Arial" panose="020B0604020202020204"/>
+              </a:rPr>
+              <a:t>Ví dụ ta có roles trong trường hợp như sau:</a:t>
+            </a:r>
           </a:p>
           <a:p>
             <a:pPr marL="215900" indent="-215900">
@@ -4992,20 +6981,11 @@
               <a:buChar char=""/>
             </a:pPr>
             <a:r>
-              <a:rPr lang="en-US" sz="1800" b="1" strike="noStrike" spc="-1">
-                <a:latin typeface="Arial" panose="020B0604020202020204"/>
-              </a:rPr>
-              <a:t>Authorization Code:</a:t>
-            </a:r>
-            <a:r>
-              <a:rPr lang="en-US" sz="1800" b="0" strike="noStrike" spc="-1">
-                <a:latin typeface="Arial" panose="020B0604020202020204"/>
-              </a:rPr>
-              <a:t> used with server-side Applications</a:t>
-            </a:r>
-            <a:endParaRPr lang="en-US" sz="1800" b="0" strike="noStrike" spc="-1">
-              <a:latin typeface="Arial" panose="020B0604020202020204"/>
-            </a:endParaRPr>
+              <a:rPr lang="en-US" sz="2000" b="0" strike="noStrike" spc="-1">
+                <a:latin typeface="Arial" panose="020B0604020202020204"/>
+              </a:rPr>
+              <a:t>Resource Owner: Mình</a:t>
+            </a:r>
           </a:p>
           <a:p>
             <a:pPr marL="215900" indent="-215900">
@@ -5020,20 +7000,11 @@
               <a:buChar char=""/>
             </a:pPr>
             <a:r>
-              <a:rPr lang="en-US" sz="1800" b="1" strike="noStrike" spc="-1">
-                <a:latin typeface="Arial" panose="020B0604020202020204"/>
-              </a:rPr>
-              <a:t>Implicit</a:t>
-            </a:r>
-            <a:r>
-              <a:rPr lang="en-US" sz="1800" b="0" strike="noStrike" spc="-1">
-                <a:latin typeface="Arial" panose="020B0604020202020204"/>
-              </a:rPr>
-              <a:t>: used with Mobile Apps or Web Applications (applications that run on the user's device)</a:t>
-            </a:r>
-            <a:endParaRPr lang="en-US" sz="1800" b="0" strike="noStrike" spc="-1">
-              <a:latin typeface="Arial" panose="020B0604020202020204"/>
-            </a:endParaRPr>
+              <a:rPr lang="en-US" sz="2000" b="0" strike="noStrike" spc="-1">
+                <a:latin typeface="Arial" panose="020B0604020202020204"/>
+              </a:rPr>
+              <a:t>Resource Server: Facebook server</a:t>
+            </a:r>
           </a:p>
           <a:p>
             <a:pPr marL="215900" indent="-215900">
@@ -5048,20 +7019,11 @@
               <a:buChar char=""/>
             </a:pPr>
             <a:r>
-              <a:rPr lang="en-US" sz="1800" b="1" strike="noStrike" spc="-1">
-                <a:latin typeface="Arial" panose="020B0604020202020204"/>
-              </a:rPr>
-              <a:t>Resource Owner Password Credentials</a:t>
-            </a:r>
-            <a:r>
-              <a:rPr lang="en-US" sz="1800" b="0" strike="noStrike" spc="-1">
-                <a:latin typeface="Arial" panose="020B0604020202020204"/>
-              </a:rPr>
-              <a:t>: used with trusted Applications, such as those owned by the service itself</a:t>
-            </a:r>
-            <a:endParaRPr lang="en-US" sz="1800" b="0" strike="noStrike" spc="-1">
-              <a:latin typeface="Arial" panose="020B0604020202020204"/>
-            </a:endParaRPr>
+              <a:rPr lang="en-US" sz="2000" b="0" strike="noStrike" spc="-1">
+                <a:latin typeface="Arial" panose="020B0604020202020204"/>
+              </a:rPr>
+              <a:t>Client: Website Viblo</a:t>
+            </a:r>
           </a:p>
           <a:p>
             <a:pPr marL="215900" indent="-215900">
@@ -5076,58 +7038,45 @@
               <a:buChar char=""/>
             </a:pPr>
             <a:r>
-              <a:rPr lang="en-US" sz="1800" b="1" strike="noStrike" spc="-1">
-                <a:latin typeface="Arial" panose="020B0604020202020204"/>
-              </a:rPr>
-              <a:t>Client Credentials:</a:t>
-            </a:r>
+              <a:rPr lang="en-US" sz="2000" b="0" strike="noStrike" spc="-1">
+                <a:latin typeface="Arial" panose="020B0604020202020204"/>
+              </a:rPr>
+              <a:t>Authorization Server: Facebook server</a:t>
+            </a:r>
+          </a:p>
+        </p:txBody>
+      </p:sp>
+      <p:sp>
+        <p:nvSpPr>
+          <p:cNvPr id="78" name="TextShape 3"/>
+          <p:cNvSpPr txBox="1"/>
+          <p:nvPr/>
+        </p:nvSpPr>
+        <p:spPr>
+          <a:xfrm>
+            <a:off x="822960" y="6858000"/>
+            <a:ext cx="8948420" cy="365760"/>
+          </a:xfrm>
+          <a:prstGeom prst="rect">
+            <a:avLst/>
+          </a:prstGeom>
+          <a:noFill/>
+          <a:ln>
+            <a:noFill/>
+          </a:ln>
+        </p:spPr>
+        <p:txBody>
+          <a:bodyPr wrap="square" lIns="90000" tIns="45000" rIns="90000" bIns="45000">
+            <a:spAutoFit/>
+          </a:bodyPr>
+          <a:lstStyle/>
+          <a:p>
             <a:r>
               <a:rPr lang="en-US" sz="1800" b="0" strike="noStrike" spc="-1">
                 <a:latin typeface="Arial" panose="020B0604020202020204"/>
               </a:rPr>
-              <a:t> used with Applications API access</a:t>
-            </a:r>
-            <a:endParaRPr lang="en-US" sz="1800" b="0" strike="noStrike" spc="-1">
-              <a:latin typeface="Arial" panose="020B0604020202020204"/>
-            </a:endParaRPr>
-          </a:p>
-          <a:p>
-            <a:pPr marL="215900" indent="-215900">
-              <a:lnSpc>
-                <a:spcPct val="150000"/>
-              </a:lnSpc>
-              <a:buClr>
-                <a:srgbClr val="000000"/>
-              </a:buClr>
-              <a:buSzPct val="45000"/>
-              <a:buFont typeface="Wingdings" panose="05000000000000000000" pitchFamily="2" charset="2"/>
-              <a:buChar char=""/>
-            </a:pPr>
-            <a:endParaRPr lang="en-US" sz="1800" b="0" strike="noStrike" spc="-1">
-              <a:latin typeface="Arial" panose="020B0604020202020204"/>
-            </a:endParaRPr>
-          </a:p>
-          <a:p>
-            <a:pPr marL="215900" indent="-215900">
-              <a:lnSpc>
-                <a:spcPct val="150000"/>
-              </a:lnSpc>
-              <a:buClr>
-                <a:srgbClr val="000000"/>
-              </a:buClr>
-              <a:buSzPct val="45000"/>
-              <a:buFont typeface="Wingdings" panose="05000000000000000000" pitchFamily="2" charset="2"/>
-              <a:buChar char=""/>
-            </a:pPr>
-            <a:r>
-              <a:rPr lang="en-US" sz="1800" b="0" i="1" strike="noStrike" spc="-1">
-                <a:latin typeface="Arial" panose="020B0604020202020204"/>
-              </a:rPr>
-              <a:t>Link: https://www.devglan.com/spring-security/spring-boot-oauth2-angular</a:t>
-            </a:r>
-            <a:endParaRPr lang="en-US" sz="1800" b="0" strike="noStrike" spc="-1">
-              <a:latin typeface="Arial" panose="020B0604020202020204"/>
-            </a:endParaRPr>
+              <a:t>https://viblo.asia/p/introduction-to-oauth2-3OEqGjDpR9bL</a:t>
+            </a:r>
           </a:p>
         </p:txBody>
       </p:sp>
@@ -5136,11 +7085,11 @@
   <p:clrMapOvr>
     <a:masterClrMapping/>
   </p:clrMapOvr>
-  <mc:AlternateContent xmlns:mc="http://schemas.openxmlformats.org/markup-compatibility/2006">
-    <mc:Choice xmlns:p14="http://schemas.microsoft.com/office/powerpoint/2010/main" Requires="p14">
+  <mc:AlternateContent xmlns:mc="http://schemas.openxmlformats.org/markup-compatibility/2006" xmlns:p14="http://schemas.microsoft.com/office/powerpoint/2010/main">
+    <mc:Choice Requires="p14">
       <p:transition spd="slow" p14:dur="2000"/>
     </mc:Choice>
-    <mc:Fallback>
+    <mc:Fallback xmlns="">
       <p:transition spd="slow"/>
     </mc:Fallback>
   </mc:AlternateContent>
@@ -5166,7 +7115,7 @@
       </p:grpSpPr>
       <p:sp>
         <p:nvSpPr>
-          <p:cNvPr id="83" name="TextShape 1"/>
+          <p:cNvPr id="79" name="TextShape 1"/>
           <p:cNvSpPr txBox="1"/>
           <p:nvPr/>
         </p:nvSpPr>
@@ -5187,13 +7136,14 @@
           <a:bodyPr lIns="0" tIns="0" rIns="0" bIns="0" anchor="ctr">
             <a:spAutoFit/>
           </a:bodyPr>
+          <a:lstStyle/>
           <a:p>
             <a:pPr algn="ctr"/>
             <a:r>
               <a:rPr lang="en-US" sz="4400" b="1" strike="noStrike" spc="-1">
                 <a:latin typeface="Arial" panose="020B0604020202020204"/>
               </a:rPr>
-              <a:t>JMS - ActiveMQ</a:t>
+              <a:t>OAuth2</a:t>
             </a:r>
             <a:endParaRPr lang="en-US" sz="4400" b="0" strike="noStrike" spc="-1">
               <a:latin typeface="Arial" panose="020B0604020202020204"/>
@@ -5203,7 +7153,7 @@
       </p:sp>
       <p:sp>
         <p:nvSpPr>
-          <p:cNvPr id="84" name="TextShape 2"/>
+          <p:cNvPr id="80" name="TextShape 2"/>
           <p:cNvSpPr txBox="1"/>
           <p:nvPr/>
         </p:nvSpPr>
@@ -5224,6 +7174,7 @@
           <a:bodyPr lIns="90000" tIns="45000" rIns="90000" bIns="45000">
             <a:spAutoFit/>
           </a:bodyPr>
+          <a:lstStyle/>
           <a:p>
             <a:pPr>
               <a:lnSpc>
@@ -5234,13 +7185,89 @@
               <a:rPr lang="en-US" sz="1800" b="1" strike="noStrike" spc="-1">
                 <a:latin typeface="Arial" panose="020B0604020202020204"/>
               </a:rPr>
-              <a:t>JMS?</a:t>
+              <a:t>Kịch bản</a:t>
             </a:r>
             <a:endParaRPr lang="en-US" sz="1800" b="0" strike="noStrike" spc="-1">
               <a:latin typeface="Arial" panose="020B0604020202020204"/>
             </a:endParaRPr>
           </a:p>
           <a:p>
+            <a:pPr marL="215900" indent="-215900">
+              <a:lnSpc>
+                <a:spcPct val="150000"/>
+              </a:lnSpc>
+              <a:buClr>
+                <a:srgbClr val="000000"/>
+              </a:buClr>
+              <a:buSzPct val="45000"/>
+              <a:buFont typeface="Wingdings" panose="05000000000000000000" pitchFamily="2" charset="2"/>
+              <a:buChar char=""/>
+            </a:pPr>
+            <a:r>
+              <a:rPr lang="en-US" sz="1800" b="0" strike="noStrike" spc="-1">
+                <a:latin typeface="Arial" panose="020B0604020202020204"/>
+              </a:rPr>
+              <a:t>Từ Viblo, ta muốn login thông qua Facebook.</a:t>
+            </a:r>
+          </a:p>
+          <a:p>
+            <a:pPr marL="215900" indent="-215900">
+              <a:lnSpc>
+                <a:spcPct val="150000"/>
+              </a:lnSpc>
+              <a:buClr>
+                <a:srgbClr val="000000"/>
+              </a:buClr>
+              <a:buSzPct val="45000"/>
+              <a:buFont typeface="Wingdings" panose="05000000000000000000" pitchFamily="2" charset="2"/>
+              <a:buChar char=""/>
+            </a:pPr>
+            <a:r>
+              <a:rPr lang="en-US" sz="1800" b="0" strike="noStrike" spc="-1">
+                <a:latin typeface="Arial" panose="020B0604020202020204"/>
+              </a:rPr>
+              <a:t>Browser redirect tới trang chứng thực của Facebook (Authorization Server).</a:t>
+            </a:r>
+          </a:p>
+          <a:p>
+            <a:pPr marL="215900" indent="-215900">
+              <a:lnSpc>
+                <a:spcPct val="150000"/>
+              </a:lnSpc>
+              <a:buClr>
+                <a:srgbClr val="000000"/>
+              </a:buClr>
+              <a:buSzPct val="45000"/>
+              <a:buFont typeface="Wingdings" panose="05000000000000000000" pitchFamily="2" charset="2"/>
+              <a:buChar char=""/>
+            </a:pPr>
+            <a:r>
+              <a:rPr lang="en-US" sz="1800" b="0" strike="noStrike" spc="-1">
+                <a:latin typeface="Arial" panose="020B0604020202020204"/>
+              </a:rPr>
+              <a:t>Nếu ta cho phép truy cập, browser sẽ redirect ta về Viblo cùng với Access Token trên URI. Ví dụ như callback: http://viblo.asia/auth/callback&amp;access_token=MynBTzUGYX8bHTnyLpZ4</a:t>
+            </a:r>
+          </a:p>
+          <a:p>
+            <a:pPr marL="215900" indent="-215900">
+              <a:lnSpc>
+                <a:spcPct val="150000"/>
+              </a:lnSpc>
+              <a:buClr>
+                <a:srgbClr val="000000"/>
+              </a:buClr>
+              <a:buSzPct val="45000"/>
+              <a:buFont typeface="Wingdings" panose="05000000000000000000" pitchFamily="2" charset="2"/>
+              <a:buChar char=""/>
+            </a:pPr>
+            <a:r>
+              <a:rPr lang="en-US" sz="1800" b="0" strike="noStrike" spc="-1">
+                <a:latin typeface="Arial" panose="020B0604020202020204"/>
+              </a:rPr>
+              <a:t>Access token này sẽ được client lấy và sử dụng khi truy cập tới Facebook lấy tài nguyên. Ví dụ: https://graph.facebook.com/me?access_token=MynBTzUGYX8bHTnyLpZ4</a:t>
+            </a:r>
+          </a:p>
+          <a:p>
             <a:pPr>
               <a:lnSpc>
                 <a:spcPct val="150000"/>
@@ -5250,21 +7277,8 @@
               <a:rPr lang="en-US" sz="1800" b="0" strike="noStrike" spc="-1">
                 <a:latin typeface="Arial" panose="020B0604020202020204"/>
               </a:rPr>
-              <a:t>Java Message Service (JMS) API là một phần của kỹ thuật Java Enterprice Edition (JEE). JMS là tất cả những gì thuộc về việc gửi và nhận tin giữa hai hay nhiều client.- Nó là một đặc điểm kỹ thuật mô tả một phương thức tạo bởi trương trình Java cho việc tạo, gửi và nhận tin nhắn.- JMS API cho phép lới lỏng việc liên kết thông tin, và gửi tin một cách bất đồng bộ</a:t>
-            </a:r>
-            <a:endParaRPr lang="en-US" sz="1800" b="0" strike="noStrike" spc="-1">
-              <a:latin typeface="Arial" panose="020B0604020202020204"/>
-            </a:endParaRPr>
-          </a:p>
-          <a:p>
-            <a:pPr>
-              <a:lnSpc>
-                <a:spcPct val="150000"/>
-              </a:lnSpc>
-            </a:pPr>
-            <a:endParaRPr lang="en-US" sz="1800" b="0" strike="noStrike" spc="-1">
-              <a:latin typeface="Arial" panose="020B0604020202020204"/>
-            </a:endParaRPr>
+              <a:t>Facebook dựa vào Token, nhận ra là thanh niên đã đăng ký trước đó, cho phép truy cập và trả về dữ liệu.</a:t>
+            </a:r>
           </a:p>
         </p:txBody>
       </p:sp>
@@ -5273,11 +7287,11 @@
   <p:clrMapOvr>
     <a:masterClrMapping/>
   </p:clrMapOvr>
-  <mc:AlternateContent xmlns:mc="http://schemas.openxmlformats.org/markup-compatibility/2006">
-    <mc:Choice xmlns:p14="http://schemas.microsoft.com/office/powerpoint/2010/main" Requires="p14">
+  <mc:AlternateContent xmlns:mc="http://schemas.openxmlformats.org/markup-compatibility/2006" xmlns:p14="http://schemas.microsoft.com/office/powerpoint/2010/main">
+    <mc:Choice Requires="p14">
       <p:transition spd="slow" p14:dur="2000"/>
     </mc:Choice>
-    <mc:Fallback>
+    <mc:Fallback xmlns="">
       <p:transition spd="slow"/>
     </mc:Fallback>
   </mc:AlternateContent>
@@ -5303,7 +7317,7 @@
       </p:grpSpPr>
       <p:sp>
         <p:nvSpPr>
-          <p:cNvPr id="85" name="TextShape 1"/>
+          <p:cNvPr id="81" name="TextShape 1"/>
           <p:cNvSpPr txBox="1"/>
           <p:nvPr/>
         </p:nvSpPr>
@@ -5324,13 +7338,14 @@
           <a:bodyPr lIns="0" tIns="0" rIns="0" bIns="0" anchor="ctr">
             <a:spAutoFit/>
           </a:bodyPr>
+          <a:lstStyle/>
           <a:p>
             <a:pPr algn="ctr"/>
             <a:r>
               <a:rPr lang="en-US" sz="4400" b="1" strike="noStrike" spc="-1">
                 <a:latin typeface="Arial" panose="020B0604020202020204"/>
               </a:rPr>
-              <a:t>JMS - ActiveMQ</a:t>
+              <a:t>OAuth2</a:t>
             </a:r>
             <a:endParaRPr lang="en-US" sz="4400" b="0" strike="noStrike" spc="-1">
               <a:latin typeface="Arial" panose="020B0604020202020204"/>
@@ -5340,7 +7355,7 @@
       </p:sp>
       <p:sp>
         <p:nvSpPr>
-          <p:cNvPr id="86" name="TextShape 2"/>
+          <p:cNvPr id="82" name="TextShape 2"/>
           <p:cNvSpPr txBox="1"/>
           <p:nvPr/>
         </p:nvSpPr>
@@ -5361,6 +7376,7 @@
           <a:bodyPr lIns="90000" tIns="45000" rIns="90000" bIns="45000">
             <a:spAutoFit/>
           </a:bodyPr>
+          <a:lstStyle/>
           <a:p>
             <a:pPr>
               <a:lnSpc>
@@ -5371,69 +7387,162 @@
               <a:rPr lang="en-US" sz="1800" b="1" strike="noStrike" spc="-1">
                 <a:latin typeface="Arial" panose="020B0604020202020204"/>
               </a:rPr>
-              <a:t>Kiến trúc</a:t>
+              <a:t>OAuth2 Grant Types: có 4 grant type khác nhau:</a:t>
             </a:r>
             <a:endParaRPr lang="en-US" sz="1800" b="0" strike="noStrike" spc="-1">
               <a:latin typeface="Arial" panose="020B0604020202020204"/>
             </a:endParaRPr>
           </a:p>
           <a:p>
-            <a:pPr>
+            <a:pPr marL="215900" indent="-215900">
               <a:lnSpc>
                 <a:spcPct val="150000"/>
               </a:lnSpc>
+              <a:buClr>
+                <a:srgbClr val="000000"/>
+              </a:buClr>
+              <a:buSzPct val="45000"/>
+              <a:buFont typeface="Wingdings" panose="05000000000000000000" pitchFamily="2" charset="2"/>
+              <a:buChar char=""/>
+            </a:pPr>
+            <a:r>
+              <a:rPr lang="en-US" sz="1800" b="1" strike="noStrike" spc="-1">
+                <a:latin typeface="Arial" panose="020B0604020202020204"/>
+              </a:rPr>
+              <a:t>Authorization Code:</a:t>
+            </a:r>
+            <a:r>
+              <a:rPr lang="en-US" sz="1800" b="0" strike="noStrike" spc="-1">
+                <a:latin typeface="Arial" panose="020B0604020202020204"/>
+              </a:rPr>
+              <a:t> used with server-side Applications</a:t>
+            </a:r>
+          </a:p>
+          <a:p>
+            <a:pPr marL="215900" indent="-215900">
+              <a:lnSpc>
+                <a:spcPct val="150000"/>
+              </a:lnSpc>
+              <a:buClr>
+                <a:srgbClr val="000000"/>
+              </a:buClr>
+              <a:buSzPct val="45000"/>
+              <a:buFont typeface="Wingdings" panose="05000000000000000000" pitchFamily="2" charset="2"/>
+              <a:buChar char=""/>
+            </a:pPr>
+            <a:r>
+              <a:rPr lang="en-US" sz="1800" b="1" strike="noStrike" spc="-1">
+                <a:latin typeface="Arial" panose="020B0604020202020204"/>
+              </a:rPr>
+              <a:t>Implicit</a:t>
+            </a:r>
+            <a:r>
+              <a:rPr lang="en-US" sz="1800" b="0" strike="noStrike" spc="-1">
+                <a:latin typeface="Arial" panose="020B0604020202020204"/>
+              </a:rPr>
+              <a:t>: used with Mobile Apps or Web Applications (applications that run on the user's device)</a:t>
+            </a:r>
+          </a:p>
+          <a:p>
+            <a:pPr marL="215900" indent="-215900">
+              <a:lnSpc>
+                <a:spcPct val="150000"/>
+              </a:lnSpc>
+              <a:buClr>
+                <a:srgbClr val="000000"/>
+              </a:buClr>
+              <a:buSzPct val="45000"/>
+              <a:buFont typeface="Wingdings" panose="05000000000000000000" pitchFamily="2" charset="2"/>
+              <a:buChar char=""/>
+            </a:pPr>
+            <a:r>
+              <a:rPr lang="en-US" sz="1800" b="1" strike="noStrike" spc="-1">
+                <a:latin typeface="Arial" panose="020B0604020202020204"/>
+              </a:rPr>
+              <a:t>Resource Owner Password Credentials</a:t>
+            </a:r>
+            <a:r>
+              <a:rPr lang="en-US" sz="1800" b="0" strike="noStrike" spc="-1">
+                <a:latin typeface="Arial" panose="020B0604020202020204"/>
+              </a:rPr>
+              <a:t>: used with trusted Applications, such as those owned by the service itself</a:t>
+            </a:r>
+          </a:p>
+          <a:p>
+            <a:pPr marL="215900" indent="-215900">
+              <a:lnSpc>
+                <a:spcPct val="150000"/>
+              </a:lnSpc>
+              <a:buClr>
+                <a:srgbClr val="000000"/>
+              </a:buClr>
+              <a:buSzPct val="45000"/>
+              <a:buFont typeface="Wingdings" panose="05000000000000000000" pitchFamily="2" charset="2"/>
+              <a:buChar char=""/>
+            </a:pPr>
+            <a:r>
+              <a:rPr lang="en-US" sz="1800" b="1" strike="noStrike" spc="-1">
+                <a:latin typeface="Arial" panose="020B0604020202020204"/>
+              </a:rPr>
+              <a:t>Client Credentials:</a:t>
+            </a:r>
+            <a:r>
+              <a:rPr lang="en-US" sz="1800" b="0" strike="noStrike" spc="-1">
+                <a:latin typeface="Arial" panose="020B0604020202020204"/>
+              </a:rPr>
+              <a:t> used with Applications API access</a:t>
+            </a:r>
+          </a:p>
+          <a:p>
+            <a:pPr marL="215900" indent="-215900">
+              <a:lnSpc>
+                <a:spcPct val="150000"/>
+              </a:lnSpc>
+              <a:buClr>
+                <a:srgbClr val="000000"/>
+              </a:buClr>
+              <a:buSzPct val="45000"/>
+              <a:buFont typeface="Wingdings" panose="05000000000000000000" pitchFamily="2" charset="2"/>
+              <a:buChar char=""/>
             </a:pPr>
             <a:endParaRPr lang="en-US" sz="1800" b="0" strike="noStrike" spc="-1">
               <a:latin typeface="Arial" panose="020B0604020202020204"/>
             </a:endParaRPr>
           </a:p>
           <a:p>
-            <a:pPr>
+            <a:pPr marL="215900" indent="-215900">
               <a:lnSpc>
                 <a:spcPct val="150000"/>
               </a:lnSpc>
-            </a:pPr>
+              <a:buClr>
+                <a:srgbClr val="000000"/>
+              </a:buClr>
+              <a:buSzPct val="45000"/>
+              <a:buFont typeface="Wingdings" panose="05000000000000000000" pitchFamily="2" charset="2"/>
+              <a:buChar char=""/>
+            </a:pPr>
+            <a:r>
+              <a:rPr lang="en-US" sz="1800" b="0" i="1" strike="noStrike" spc="-1">
+                <a:latin typeface="Arial" panose="020B0604020202020204"/>
+              </a:rPr>
+              <a:t>Link: https://www.devglan.com/spring-security/spring-boot-oauth2-angular</a:t>
+            </a:r>
             <a:endParaRPr lang="en-US" sz="1800" b="0" strike="noStrike" spc="-1">
               <a:latin typeface="Arial" panose="020B0604020202020204"/>
             </a:endParaRPr>
           </a:p>
         </p:txBody>
       </p:sp>
-      <p:pic>
-        <p:nvPicPr>
-          <p:cNvPr id="87" name="Picture 86"/>
-          <p:cNvPicPr/>
-          <p:nvPr/>
-        </p:nvPicPr>
-        <p:blipFill>
-          <a:blip r:embed="rId1"/>
-          <a:stretch>
-            <a:fillRect/>
-          </a:stretch>
-        </p:blipFill>
-        <p:spPr>
-          <a:xfrm>
-            <a:off x="1280160" y="2151000"/>
-            <a:ext cx="7857720" cy="4524120"/>
-          </a:xfrm>
-          <a:prstGeom prst="rect">
-            <a:avLst/>
-          </a:prstGeom>
-          <a:ln>
-            <a:noFill/>
-          </a:ln>
-        </p:spPr>
-      </p:pic>
     </p:spTree>
   </p:cSld>
   <p:clrMapOvr>
     <a:masterClrMapping/>
   </p:clrMapOvr>
-  <mc:AlternateContent xmlns:mc="http://schemas.openxmlformats.org/markup-compatibility/2006">
-    <mc:Choice xmlns:p14="http://schemas.microsoft.com/office/powerpoint/2010/main" Requires="p14">
+  <mc:AlternateContent xmlns:mc="http://schemas.openxmlformats.org/markup-compatibility/2006" xmlns:p14="http://schemas.microsoft.com/office/powerpoint/2010/main">
+    <mc:Choice Requires="p14">
       <p:transition spd="slow" p14:dur="2000"/>
     </mc:Choice>
-    <mc:Fallback>
+    <mc:Fallback xmlns="">
       <p:transition spd="slow"/>
     </mc:Fallback>
   </mc:AlternateContent>
@@ -5459,7 +7568,7 @@
       </p:grpSpPr>
       <p:sp>
         <p:nvSpPr>
-          <p:cNvPr id="88" name="TextShape 1"/>
+          <p:cNvPr id="83" name="TextShape 1"/>
           <p:cNvSpPr txBox="1"/>
           <p:nvPr/>
         </p:nvSpPr>
@@ -5480,6 +7589,7 @@
           <a:bodyPr lIns="0" tIns="0" rIns="0" bIns="0" anchor="ctr">
             <a:spAutoFit/>
           </a:bodyPr>
+          <a:lstStyle/>
           <a:p>
             <a:pPr algn="ctr"/>
             <a:r>
@@ -5496,14 +7606,14 @@
       </p:sp>
       <p:sp>
         <p:nvSpPr>
-          <p:cNvPr id="89" name="TextShape 2"/>
+          <p:cNvPr id="84" name="TextShape 2"/>
           <p:cNvSpPr txBox="1"/>
           <p:nvPr/>
         </p:nvSpPr>
         <p:spPr>
           <a:xfrm>
             <a:off x="594720" y="1645920"/>
-            <a:ext cx="9006480" cy="5846760"/>
+            <a:ext cx="9006480" cy="4389120"/>
           </a:xfrm>
           <a:prstGeom prst="rect">
             <a:avLst/>
@@ -5517,6 +7627,7 @@
           <a:bodyPr lIns="90000" tIns="45000" rIns="90000" bIns="45000">
             <a:spAutoFit/>
           </a:bodyPr>
+          <a:lstStyle/>
           <a:p>
             <a:pPr>
               <a:lnSpc>
@@ -5527,7 +7638,7 @@
               <a:rPr lang="en-US" sz="1800" b="1" strike="noStrike" spc="-1">
                 <a:latin typeface="Arial" panose="020B0604020202020204"/>
               </a:rPr>
-              <a:t>Bao gồm các thành phần:</a:t>
+              <a:t>JMS?</a:t>
             </a:r>
             <a:endParaRPr lang="en-US" sz="1800" b="0" strike="noStrike" spc="-1">
               <a:latin typeface="Arial" panose="020B0604020202020204"/>
@@ -5540,216 +7651,11 @@
               </a:lnSpc>
             </a:pPr>
             <a:r>
-              <a:rPr lang="en-US" sz="1800" b="1" strike="noStrike" spc="-1">
-                <a:latin typeface="Arial" panose="020B0604020202020204"/>
-              </a:rPr>
-              <a:t>Producer/Publisher:</a:t>
-            </a:r>
-            <a:r>
               <a:rPr lang="en-US" sz="1800" b="0" strike="noStrike" spc="-1">
                 <a:latin typeface="Arial" panose="020B0604020202020204"/>
               </a:rPr>
-              <a:t> Thành phần tạo và gửi tin Broker trung gian hay Message Oriented Middleware (MOM)</a:t>
-            </a:r>
-            <a:endParaRPr lang="en-US" sz="1800" b="0" strike="noStrike" spc="-1">
-              <a:latin typeface="Arial" panose="020B0604020202020204"/>
-            </a:endParaRPr>
-          </a:p>
-          <a:p>
-            <a:pPr>
-              <a:lnSpc>
-                <a:spcPct val="150000"/>
-              </a:lnSpc>
-            </a:pPr>
-            <a:r>
-              <a:rPr lang="en-US" sz="1800" b="1" strike="noStrike" spc="-1">
-                <a:latin typeface="Arial" panose="020B0604020202020204"/>
-              </a:rPr>
-              <a:t>Consumer/Subcriber:</a:t>
-            </a:r>
-            <a:r>
-              <a:rPr lang="en-US" sz="1800" b="0" strike="noStrike" spc="-1">
-                <a:latin typeface="Arial" panose="020B0604020202020204"/>
-              </a:rPr>
-              <a:t> Thành phần nhận tinProducer và Consumer là những ứng dụng Java. </a:t>
-            </a:r>
-            <a:endParaRPr lang="en-US" sz="1800" b="0" strike="noStrike" spc="-1">
-              <a:latin typeface="Arial" panose="020B0604020202020204"/>
-            </a:endParaRPr>
-          </a:p>
-          <a:p>
-            <a:pPr>
-              <a:lnSpc>
-                <a:spcPct val="150000"/>
-              </a:lnSpc>
-            </a:pPr>
-            <a:r>
-              <a:rPr lang="en-US" sz="1800" b="0" strike="noStrike" spc="-1">
-                <a:latin typeface="Arial" panose="020B0604020202020204"/>
-              </a:rPr>
-              <a:t>Còn MOM là ứng dụng trung gian.</a:t>
-            </a:r>
-            <a:endParaRPr lang="en-US" sz="1800" b="0" strike="noStrike" spc="-1">
-              <a:latin typeface="Arial" panose="020B0604020202020204"/>
-            </a:endParaRPr>
-          </a:p>
-          <a:p>
-            <a:pPr>
-              <a:lnSpc>
-                <a:spcPct val="150000"/>
-              </a:lnSpc>
-            </a:pPr>
-            <a:r>
-              <a:rPr lang="en-US" sz="1800" b="0" strike="noStrike" spc="-1">
-                <a:latin typeface="Arial" panose="020B0604020202020204"/>
-              </a:rPr>
-              <a:t>Một số MOM tiêu biểu:</a:t>
-            </a:r>
-            <a:endParaRPr lang="en-US" sz="1800" b="0" strike="noStrike" spc="-1">
-              <a:latin typeface="Arial" panose="020B0604020202020204"/>
-            </a:endParaRPr>
-          </a:p>
-          <a:p>
-            <a:pPr marL="215900" indent="-215900">
-              <a:lnSpc>
-                <a:spcPct val="150000"/>
-              </a:lnSpc>
-              <a:buClr>
-                <a:srgbClr val="000000"/>
-              </a:buClr>
-              <a:buSzPct val="45000"/>
-              <a:buFont typeface="Wingdings" panose="05000000000000000000" pitchFamily="2" charset="2"/>
-              <a:buChar char=""/>
-            </a:pPr>
-            <a:r>
-              <a:rPr lang="en-US" sz="1800" b="0" strike="noStrike" spc="-1">
-                <a:latin typeface="Arial" panose="020B0604020202020204"/>
-              </a:rPr>
-              <a:t>Weblogic -	Oracle</a:t>
-            </a:r>
-            <a:endParaRPr lang="en-US" sz="1800" b="0" strike="noStrike" spc="-1">
-              <a:latin typeface="Arial" panose="020B0604020202020204"/>
-            </a:endParaRPr>
-          </a:p>
-          <a:p>
-            <a:pPr marL="215900" indent="-215900">
-              <a:lnSpc>
-                <a:spcPct val="150000"/>
-              </a:lnSpc>
-              <a:buClr>
-                <a:srgbClr val="000000"/>
-              </a:buClr>
-              <a:buSzPct val="45000"/>
-              <a:buFont typeface="Wingdings" panose="05000000000000000000" pitchFamily="2" charset="2"/>
-              <a:buChar char=""/>
-            </a:pPr>
-            <a:r>
-              <a:rPr lang="en-US" sz="1800" b="0" strike="noStrike" spc="-1">
-                <a:latin typeface="Arial" panose="020B0604020202020204"/>
-              </a:rPr>
-              <a:t>MQSeries	- IBM</a:t>
-            </a:r>
-            <a:endParaRPr lang="en-US" sz="1800" b="0" strike="noStrike" spc="-1">
-              <a:latin typeface="Arial" panose="020B0604020202020204"/>
-            </a:endParaRPr>
-          </a:p>
-          <a:p>
-            <a:pPr marL="215900" indent="-215900">
-              <a:lnSpc>
-                <a:spcPct val="150000"/>
-              </a:lnSpc>
-              <a:buClr>
-                <a:srgbClr val="000000"/>
-              </a:buClr>
-              <a:buSzPct val="45000"/>
-              <a:buFont typeface="Wingdings" panose="05000000000000000000" pitchFamily="2" charset="2"/>
-              <a:buChar char=""/>
-            </a:pPr>
-            <a:r>
-              <a:rPr lang="en-US" sz="1800" b="0" strike="noStrike" spc="-1">
-                <a:latin typeface="Arial" panose="020B0604020202020204"/>
-              </a:rPr>
-              <a:t>JBOSSMQ	- JBOSS</a:t>
-            </a:r>
-            <a:endParaRPr lang="en-US" sz="1800" b="0" strike="noStrike" spc="-1">
-              <a:latin typeface="Arial" panose="020B0604020202020204"/>
-            </a:endParaRPr>
-          </a:p>
-          <a:p>
-            <a:pPr marL="215900" indent="-215900">
-              <a:lnSpc>
-                <a:spcPct val="150000"/>
-              </a:lnSpc>
-              <a:buClr>
-                <a:srgbClr val="000000"/>
-              </a:buClr>
-              <a:buSzPct val="45000"/>
-              <a:buFont typeface="Wingdings" panose="05000000000000000000" pitchFamily="2" charset="2"/>
-              <a:buChar char=""/>
-            </a:pPr>
-            <a:r>
-              <a:rPr lang="en-US" sz="1800" b="0" strike="noStrike" spc="-1">
-                <a:latin typeface="Arial" panose="020B0604020202020204"/>
-              </a:rPr>
-              <a:t>SonigMQ	- Progress</a:t>
-            </a:r>
-            <a:endParaRPr lang="en-US" sz="1800" b="0" strike="noStrike" spc="-1">
-              <a:latin typeface="Arial" panose="020B0604020202020204"/>
-            </a:endParaRPr>
-          </a:p>
-          <a:p>
-            <a:pPr marL="215900" indent="-215900">
-              <a:lnSpc>
-                <a:spcPct val="150000"/>
-              </a:lnSpc>
-              <a:buClr>
-                <a:srgbClr val="000000"/>
-              </a:buClr>
-              <a:buSzPct val="45000"/>
-              <a:buFont typeface="Wingdings" panose="05000000000000000000" pitchFamily="2" charset="2"/>
-              <a:buChar char=""/>
-            </a:pPr>
-            <a:r>
-              <a:rPr lang="en-US" sz="1800" b="0" strike="noStrike" spc="-1">
-                <a:latin typeface="Arial" panose="020B0604020202020204"/>
-              </a:rPr>
-              <a:t>TIBCO EMS	- TIBCO</a:t>
-            </a:r>
-            <a:endParaRPr lang="en-US" sz="1800" b="0" strike="noStrike" spc="-1">
-              <a:latin typeface="Arial" panose="020B0604020202020204"/>
-            </a:endParaRPr>
-          </a:p>
-          <a:p>
-            <a:pPr marL="215900" indent="-215900">
-              <a:lnSpc>
-                <a:spcPct val="150000"/>
-              </a:lnSpc>
-              <a:buClr>
-                <a:srgbClr val="000000"/>
-              </a:buClr>
-              <a:buSzPct val="45000"/>
-              <a:buFont typeface="Wingdings" panose="05000000000000000000" pitchFamily="2" charset="2"/>
-              <a:buChar char=""/>
-            </a:pPr>
-            <a:r>
-              <a:rPr lang="en-US" sz="1800" b="0" strike="noStrike" spc="-1">
-                <a:latin typeface="Arial" panose="020B0604020202020204"/>
-              </a:rPr>
-              <a:t>ActiveMQ	- Apache</a:t>
-            </a:r>
-            <a:endParaRPr lang="en-US" sz="1800" b="0" strike="noStrike" spc="-1">
-              <a:latin typeface="Arial" panose="020B0604020202020204"/>
-            </a:endParaRPr>
-          </a:p>
-          <a:p>
-            <a:pPr>
-              <a:lnSpc>
-                <a:spcPct val="150000"/>
-              </a:lnSpc>
-            </a:pPr>
-            <a:endParaRPr lang="en-US" sz="1800" b="0" strike="noStrike" spc="-1">
-              <a:latin typeface="Arial" panose="020B0604020202020204"/>
-            </a:endParaRPr>
+              <a:t>Java Message Service (JMS) API là một phần của kỹ thuật Java Enterprice Edition (JEE). JMS là tất cả những gì thuộc về việc gửi và nhận tin giữa hai hay nhiều client.- Nó là một đặc điểm kỹ thuật mô tả một phương thức tạo bởi trương trình Java cho việc tạo, gửi và nhận tin nhắn.- JMS API cho phép lới lỏng việc liên kết thông tin, và gửi tin một cách bất đồng bộ</a:t>
+            </a:r>
           </a:p>
           <a:p>
             <a:pPr>
@@ -5768,11 +7674,11 @@
   <p:clrMapOvr>
     <a:masterClrMapping/>
   </p:clrMapOvr>
-  <mc:AlternateContent xmlns:mc="http://schemas.openxmlformats.org/markup-compatibility/2006">
-    <mc:Choice xmlns:p14="http://schemas.microsoft.com/office/powerpoint/2010/main" Requires="p14">
+  <mc:AlternateContent xmlns:mc="http://schemas.openxmlformats.org/markup-compatibility/2006" xmlns:p14="http://schemas.microsoft.com/office/powerpoint/2010/main">
+    <mc:Choice Requires="p14">
       <p:transition spd="slow" p14:dur="2000"/>
     </mc:Choice>
-    <mc:Fallback>
+    <mc:Fallback xmlns="">
       <p:transition spd="slow"/>
     </mc:Fallback>
   </mc:AlternateContent>
@@ -5798,7 +7704,7 @@
       </p:grpSpPr>
       <p:sp>
         <p:nvSpPr>
-          <p:cNvPr id="90" name="TextShape 1"/>
+          <p:cNvPr id="85" name="TextShape 1"/>
           <p:cNvSpPr txBox="1"/>
           <p:nvPr/>
         </p:nvSpPr>
@@ -5819,6 +7725,7 @@
           <a:bodyPr lIns="0" tIns="0" rIns="0" bIns="0" anchor="ctr">
             <a:spAutoFit/>
           </a:bodyPr>
+          <a:lstStyle/>
           <a:p>
             <a:pPr algn="ctr"/>
             <a:r>
@@ -5835,7 +7742,7 @@
       </p:sp>
       <p:sp>
         <p:nvSpPr>
-          <p:cNvPr id="91" name="TextShape 2"/>
+          <p:cNvPr id="86" name="TextShape 2"/>
           <p:cNvSpPr txBox="1"/>
           <p:nvPr/>
         </p:nvSpPr>
@@ -5856,6 +7763,7 @@
           <a:bodyPr lIns="90000" tIns="45000" rIns="90000" bIns="45000">
             <a:spAutoFit/>
           </a:bodyPr>
+          <a:lstStyle/>
           <a:p>
             <a:pPr>
               <a:lnSpc>
@@ -5866,7 +7774,7 @@
               <a:rPr lang="en-US" sz="1800" b="1" strike="noStrike" spc="-1">
                 <a:latin typeface="Arial" panose="020B0604020202020204"/>
               </a:rPr>
-              <a:t>ActiveMQ?</a:t>
+              <a:t>Kiến trúc</a:t>
             </a:r>
             <a:endParaRPr lang="en-US" sz="1800" b="0" strike="noStrike" spc="-1">
               <a:latin typeface="Arial" panose="020B0604020202020204"/>
@@ -5881,6 +7789,218 @@
             <a:endParaRPr lang="en-US" sz="1800" b="0" strike="noStrike" spc="-1">
               <a:latin typeface="Arial" panose="020B0604020202020204"/>
             </a:endParaRPr>
+          </a:p>
+          <a:p>
+            <a:pPr>
+              <a:lnSpc>
+                <a:spcPct val="150000"/>
+              </a:lnSpc>
+            </a:pPr>
+            <a:endParaRPr lang="en-US" sz="1800" b="0" strike="noStrike" spc="-1">
+              <a:latin typeface="Arial" panose="020B0604020202020204"/>
+            </a:endParaRPr>
+          </a:p>
+        </p:txBody>
+      </p:sp>
+      <p:pic>
+        <p:nvPicPr>
+          <p:cNvPr id="87" name="Picture 86"/>
+          <p:cNvPicPr/>
+          <p:nvPr/>
+        </p:nvPicPr>
+        <p:blipFill>
+          <a:blip r:embed="rId2"/>
+          <a:stretch>
+            <a:fillRect/>
+          </a:stretch>
+        </p:blipFill>
+        <p:spPr>
+          <a:xfrm>
+            <a:off x="1280160" y="2151000"/>
+            <a:ext cx="7857720" cy="4524120"/>
+          </a:xfrm>
+          <a:prstGeom prst="rect">
+            <a:avLst/>
+          </a:prstGeom>
+          <a:ln>
+            <a:noFill/>
+          </a:ln>
+        </p:spPr>
+      </p:pic>
+    </p:spTree>
+  </p:cSld>
+  <p:clrMapOvr>
+    <a:masterClrMapping/>
+  </p:clrMapOvr>
+  <mc:AlternateContent xmlns:mc="http://schemas.openxmlformats.org/markup-compatibility/2006" xmlns:p14="http://schemas.microsoft.com/office/powerpoint/2010/main">
+    <mc:Choice Requires="p14">
+      <p:transition spd="slow" p14:dur="2000"/>
+    </mc:Choice>
+    <mc:Fallback xmlns="">
+      <p:transition spd="slow"/>
+    </mc:Fallback>
+  </mc:AlternateContent>
+</p:sld>
+</file>
+
+<file path=ppt/slides/slide29.xml><?xml version="1.0" encoding="utf-8"?>
+<p:sld xmlns:a="http://schemas.openxmlformats.org/drawingml/2006/main" xmlns:r="http://schemas.openxmlformats.org/officeDocument/2006/relationships" xmlns:p="http://schemas.openxmlformats.org/presentationml/2006/main">
+  <p:cSld>
+    <p:spTree>
+      <p:nvGrpSpPr>
+        <p:cNvPr id="1" name=""/>
+        <p:cNvGrpSpPr/>
+        <p:nvPr/>
+      </p:nvGrpSpPr>
+      <p:grpSpPr>
+        <a:xfrm>
+          <a:off x="0" y="0"/>
+          <a:ext cx="0" cy="0"/>
+          <a:chOff x="0" y="0"/>
+          <a:chExt cx="0" cy="0"/>
+        </a:xfrm>
+      </p:grpSpPr>
+      <p:sp>
+        <p:nvSpPr>
+          <p:cNvPr id="88" name="TextShape 1"/>
+          <p:cNvSpPr txBox="1"/>
+          <p:nvPr/>
+        </p:nvSpPr>
+        <p:spPr>
+          <a:xfrm>
+            <a:off x="504000" y="301320"/>
+            <a:ext cx="9071640" cy="1262160"/>
+          </a:xfrm>
+          <a:prstGeom prst="rect">
+            <a:avLst/>
+          </a:prstGeom>
+          <a:noFill/>
+          <a:ln>
+            <a:noFill/>
+          </a:ln>
+        </p:spPr>
+        <p:txBody>
+          <a:bodyPr lIns="0" tIns="0" rIns="0" bIns="0" anchor="ctr">
+            <a:spAutoFit/>
+          </a:bodyPr>
+          <a:lstStyle/>
+          <a:p>
+            <a:pPr algn="ctr"/>
+            <a:r>
+              <a:rPr lang="en-US" sz="4400" b="1" strike="noStrike" spc="-1">
+                <a:latin typeface="Arial" panose="020B0604020202020204"/>
+              </a:rPr>
+              <a:t>JMS - ActiveMQ</a:t>
+            </a:r>
+            <a:endParaRPr lang="en-US" sz="4400" b="0" strike="noStrike" spc="-1">
+              <a:latin typeface="Arial" panose="020B0604020202020204"/>
+            </a:endParaRPr>
+          </a:p>
+        </p:txBody>
+      </p:sp>
+      <p:sp>
+        <p:nvSpPr>
+          <p:cNvPr id="89" name="TextShape 2"/>
+          <p:cNvSpPr txBox="1"/>
+          <p:nvPr/>
+        </p:nvSpPr>
+        <p:spPr>
+          <a:xfrm>
+            <a:off x="594720" y="1645920"/>
+            <a:ext cx="9006480" cy="5846760"/>
+          </a:xfrm>
+          <a:prstGeom prst="rect">
+            <a:avLst/>
+          </a:prstGeom>
+          <a:noFill/>
+          <a:ln>
+            <a:noFill/>
+          </a:ln>
+        </p:spPr>
+        <p:txBody>
+          <a:bodyPr lIns="90000" tIns="45000" rIns="90000" bIns="45000">
+            <a:spAutoFit/>
+          </a:bodyPr>
+          <a:lstStyle/>
+          <a:p>
+            <a:pPr>
+              <a:lnSpc>
+                <a:spcPct val="150000"/>
+              </a:lnSpc>
+            </a:pPr>
+            <a:r>
+              <a:rPr lang="en-US" sz="1800" b="1" strike="noStrike" spc="-1">
+                <a:latin typeface="Arial" panose="020B0604020202020204"/>
+              </a:rPr>
+              <a:t>Bao gồm các thành phần:</a:t>
+            </a:r>
+            <a:endParaRPr lang="en-US" sz="1800" b="0" strike="noStrike" spc="-1">
+              <a:latin typeface="Arial" panose="020B0604020202020204"/>
+            </a:endParaRPr>
+          </a:p>
+          <a:p>
+            <a:pPr>
+              <a:lnSpc>
+                <a:spcPct val="150000"/>
+              </a:lnSpc>
+            </a:pPr>
+            <a:r>
+              <a:rPr lang="en-US" sz="1800" b="1" strike="noStrike" spc="-1">
+                <a:latin typeface="Arial" panose="020B0604020202020204"/>
+              </a:rPr>
+              <a:t>Producer/Publisher:</a:t>
+            </a:r>
+            <a:r>
+              <a:rPr lang="en-US" sz="1800" b="0" strike="noStrike" spc="-1">
+                <a:latin typeface="Arial" panose="020B0604020202020204"/>
+              </a:rPr>
+              <a:t> Thành phần tạo và gửi tin Broker trung gian hay Message Oriented Middleware (MOM)</a:t>
+            </a:r>
+          </a:p>
+          <a:p>
+            <a:pPr>
+              <a:lnSpc>
+                <a:spcPct val="150000"/>
+              </a:lnSpc>
+            </a:pPr>
+            <a:r>
+              <a:rPr lang="en-US" sz="1800" b="1" strike="noStrike" spc="-1">
+                <a:latin typeface="Arial" panose="020B0604020202020204"/>
+              </a:rPr>
+              <a:t>Consumer/Subcriber:</a:t>
+            </a:r>
+            <a:r>
+              <a:rPr lang="en-US" sz="1800" b="0" strike="noStrike" spc="-1">
+                <a:latin typeface="Arial" panose="020B0604020202020204"/>
+              </a:rPr>
+              <a:t> Thành phần nhận tinProducer và Consumer là những ứng dụng Java. </a:t>
+            </a:r>
+          </a:p>
+          <a:p>
+            <a:pPr>
+              <a:lnSpc>
+                <a:spcPct val="150000"/>
+              </a:lnSpc>
+            </a:pPr>
+            <a:r>
+              <a:rPr lang="en-US" sz="1800" b="0" strike="noStrike" spc="-1">
+                <a:latin typeface="Arial" panose="020B0604020202020204"/>
+              </a:rPr>
+              <a:t>Còn MOM là ứng dụng trung gian.</a:t>
+            </a:r>
+          </a:p>
+          <a:p>
+            <a:pPr>
+              <a:lnSpc>
+                <a:spcPct val="150000"/>
+              </a:lnSpc>
+            </a:pPr>
+            <a:r>
+              <a:rPr lang="en-US" sz="1800" b="0" strike="noStrike" spc="-1">
+                <a:latin typeface="Arial" panose="020B0604020202020204"/>
+              </a:rPr>
+              <a:t>Một số MOM tiêu biểu:</a:t>
+            </a:r>
           </a:p>
           <a:p>
             <a:pPr marL="215900" indent="-215900">
@@ -5898,21 +8018,8 @@
               <a:rPr lang="en-US" sz="1800" b="0" strike="noStrike" spc="-1">
                 <a:latin typeface="Arial" panose="020B0604020202020204"/>
               </a:rPr>
-              <a:t>ActiveMQ là một MOM mã nguồn mở, phổ biến và mạnh nhất.</a:t>
-            </a:r>
-            <a:endParaRPr lang="en-US" sz="1800" b="0" strike="noStrike" spc="-1">
-              <a:latin typeface="Arial" panose="020B0604020202020204"/>
-            </a:endParaRPr>
-          </a:p>
-          <a:p>
-            <a:pPr>
-              <a:lnSpc>
-                <a:spcPct val="150000"/>
-              </a:lnSpc>
-            </a:pPr>
-            <a:endParaRPr lang="en-US" sz="1800" b="0" strike="noStrike" spc="-1">
-              <a:latin typeface="Arial" panose="020B0604020202020204"/>
-            </a:endParaRPr>
+              <a:t>Weblogic -	Oracle</a:t>
+            </a:r>
           </a:p>
           <a:p>
             <a:pPr marL="215900" indent="-215900">
@@ -5930,21 +8037,8 @@
               <a:rPr lang="en-US" sz="1800" b="0" strike="noStrike" spc="-1">
                 <a:latin typeface="Arial" panose="020B0604020202020204"/>
               </a:rPr>
-              <a:t>ActiveMQ có thể chạy độc lập, hay bên trong các tiến trình khác, ứng dụng server, hay ứng dụng JEE.</a:t>
-            </a:r>
-            <a:endParaRPr lang="en-US" sz="1800" b="0" strike="noStrike" spc="-1">
-              <a:latin typeface="Arial" panose="020B0604020202020204"/>
-            </a:endParaRPr>
-          </a:p>
-          <a:p>
-            <a:pPr>
-              <a:lnSpc>
-                <a:spcPct val="150000"/>
-              </a:lnSpc>
-            </a:pPr>
-            <a:endParaRPr lang="en-US" sz="1800" b="0" strike="noStrike" spc="-1">
-              <a:latin typeface="Arial" panose="020B0604020202020204"/>
-            </a:endParaRPr>
+              <a:t>MQSeries	- IBM</a:t>
+            </a:r>
           </a:p>
           <a:p>
             <a:pPr marL="215900" indent="-215900">
@@ -5962,11 +8056,65 @@
               <a:rPr lang="en-US" sz="1800" b="0" strike="noStrike" spc="-1">
                 <a:latin typeface="Arial" panose="020B0604020202020204"/>
               </a:rPr>
-              <a:t>Hỗ trợ mọi thứ JMS yêu cầu, và có thể mở rộng.- Ngoài Java thì ActiveMQ có thể ứng dụng với .NET, C/C++, Ruby, Delphy.</a:t>
-            </a:r>
-            <a:endParaRPr lang="en-US" sz="1800" b="0" strike="noStrike" spc="-1">
-              <a:latin typeface="Arial" panose="020B0604020202020204"/>
-            </a:endParaRPr>
+              <a:t>JBOSSMQ	- JBOSS</a:t>
+            </a:r>
+          </a:p>
+          <a:p>
+            <a:pPr marL="215900" indent="-215900">
+              <a:lnSpc>
+                <a:spcPct val="150000"/>
+              </a:lnSpc>
+              <a:buClr>
+                <a:srgbClr val="000000"/>
+              </a:buClr>
+              <a:buSzPct val="45000"/>
+              <a:buFont typeface="Wingdings" panose="05000000000000000000" pitchFamily="2" charset="2"/>
+              <a:buChar char=""/>
+            </a:pPr>
+            <a:r>
+              <a:rPr lang="en-US" sz="1800" b="0" strike="noStrike" spc="-1">
+                <a:latin typeface="Arial" panose="020B0604020202020204"/>
+              </a:rPr>
+              <a:t>SonigMQ	- Progress</a:t>
+            </a:r>
+          </a:p>
+          <a:p>
+            <a:pPr marL="215900" indent="-215900">
+              <a:lnSpc>
+                <a:spcPct val="150000"/>
+              </a:lnSpc>
+              <a:buClr>
+                <a:srgbClr val="000000"/>
+              </a:buClr>
+              <a:buSzPct val="45000"/>
+              <a:buFont typeface="Wingdings" panose="05000000000000000000" pitchFamily="2" charset="2"/>
+              <a:buChar char=""/>
+            </a:pPr>
+            <a:r>
+              <a:rPr lang="en-US" sz="1800" b="0" strike="noStrike" spc="-1">
+                <a:latin typeface="Arial" panose="020B0604020202020204"/>
+              </a:rPr>
+              <a:t>TIBCO EMS	- TIBCO</a:t>
+            </a:r>
+          </a:p>
+          <a:p>
+            <a:pPr marL="215900" indent="-215900">
+              <a:lnSpc>
+                <a:spcPct val="150000"/>
+              </a:lnSpc>
+              <a:buClr>
+                <a:srgbClr val="000000"/>
+              </a:buClr>
+              <a:buSzPct val="45000"/>
+              <a:buFont typeface="Wingdings" panose="05000000000000000000" pitchFamily="2" charset="2"/>
+              <a:buChar char=""/>
+            </a:pPr>
+            <a:r>
+              <a:rPr lang="en-US" sz="1800" b="0" strike="noStrike" spc="-1">
+                <a:latin typeface="Arial" panose="020B0604020202020204"/>
+              </a:rPr>
+              <a:t>ActiveMQ	- Apache</a:t>
+            </a:r>
           </a:p>
           <a:p>
             <a:pPr>
@@ -5995,11 +8143,11 @@
   <p:clrMapOvr>
     <a:masterClrMapping/>
   </p:clrMapOvr>
-  <mc:AlternateContent xmlns:mc="http://schemas.openxmlformats.org/markup-compatibility/2006">
-    <mc:Choice xmlns:p14="http://schemas.microsoft.com/office/powerpoint/2010/main" Requires="p14">
+  <mc:AlternateContent xmlns:mc="http://schemas.openxmlformats.org/markup-compatibility/2006" xmlns:p14="http://schemas.microsoft.com/office/powerpoint/2010/main">
+    <mc:Choice Requires="p14">
       <p:transition spd="slow" p14:dur="2000"/>
     </mc:Choice>
-    <mc:Fallback>
+    <mc:Fallback xmlns="">
       <p:transition spd="slow"/>
     </mc:Fallback>
   </mc:AlternateContent>
@@ -6046,6 +8194,7 @@
           <a:bodyPr lIns="0" tIns="0" rIns="0" bIns="0" anchor="ctr">
             <a:spAutoFit/>
           </a:bodyPr>
+          <a:lstStyle/>
           <a:p>
             <a:pPr algn="ctr"/>
             <a:r>
@@ -6054,9 +8203,6 @@
               </a:rPr>
               <a:t>Overview</a:t>
             </a:r>
-            <a:endParaRPr lang="en-US" sz="4400" b="0" strike="noStrike" spc="-1">
-              <a:latin typeface="Arial" panose="020B0604020202020204"/>
-            </a:endParaRPr>
           </a:p>
         </p:txBody>
       </p:sp>
@@ -6080,19 +8226,18 @@
           <a:bodyPr wrap="square" rtlCol="0" anchor="t">
             <a:spAutoFit/>
           </a:bodyPr>
+          <a:lstStyle/>
           <a:p>
             <a:r>
               <a:rPr lang="en-US" sz="1600" b="1"/>
               <a:t>Spring là gì?</a:t>
             </a:r>
-            <a:endParaRPr lang="en-US" sz="1600" b="1"/>
           </a:p>
           <a:p>
             <a:r>
               <a:rPr lang="en-US" sz="1600"/>
               <a:t>Spring là một open source framework dành cho Java Enterprise. Core feature của Spring có thể dùng để xây dựng bất cứ Java application nào, các extensions của Spring có thể được sử dụng cho việc xây dựng web application trên nền tảng Java EE. Spring framework cũng hướng tới mục tiêu làm cho việc phát triển các ứng dụng trên nền tảng Java EE dễ dàng hơn và thúc đẩy việc lập trình tốt hơn bằng model POJO-based.</a:t>
             </a:r>
-            <a:endParaRPr lang="en-US" sz="1600"/>
           </a:p>
           <a:p>
             <a:endParaRPr lang="en-US" sz="1600"/>
@@ -6102,7 +8247,6 @@
               <a:rPr lang="en-US" sz="1600" b="1"/>
               <a:t>Lợi ích mà Spring framework mang lại</a:t>
             </a:r>
-            <a:endParaRPr lang="en-US" sz="1600" b="1"/>
           </a:p>
           <a:p>
             <a:r>
@@ -6125,7 +8269,6 @@
               <a:rPr lang="en-US" sz="1600"/>
               <a:t>) để giúp loose coupling, sử dụng Aspect oriented programming để tách biệt các thành phần business, có container nới quản lý tất cả life cycle và config của các object trong application, phát triển ứng dụng đơn giản với MVC, có transaction management, cung cấp các API tiện lợi cho việc handling exception.</a:t>
             </a:r>
-            <a:endParaRPr lang="en-US" sz="1600"/>
           </a:p>
           <a:p>
             <a:endParaRPr lang="en-US" sz="1600"/>
@@ -6135,21 +8278,18 @@
               <a:rPr lang="en-US" sz="1600" b="1"/>
               <a:t>SpringBoot là gì?</a:t>
             </a:r>
-            <a:endParaRPr lang="en-US" sz="1600" b="1"/>
           </a:p>
           <a:p>
             <a:r>
               <a:rPr lang="en-US" sz="1600"/>
               <a:t>SpringBoot về cơ bản là một phần mở rộng của Spring framework đã loại bỏ các cấu hình được viết sẵn cần thiết để cài đặt một ứng dụng Spring.</a:t>
             </a:r>
-            <a:endParaRPr lang="en-US" sz="1600"/>
           </a:p>
           <a:p>
             <a:r>
               <a:rPr lang="en-US" sz="1600"/>
               <a:t>Spring Boot Framework được sử dụng rộng rãi để phát triển các REST APIs.</a:t>
             </a:r>
-            <a:endParaRPr lang="en-US" sz="1600"/>
           </a:p>
         </p:txBody>
       </p:sp>
@@ -6158,11 +8298,238 @@
   <p:clrMapOvr>
     <a:masterClrMapping/>
   </p:clrMapOvr>
-  <mc:AlternateContent xmlns:mc="http://schemas.openxmlformats.org/markup-compatibility/2006">
-    <mc:Choice xmlns:p14="http://schemas.microsoft.com/office/powerpoint/2010/main" Requires="p14">
+  <mc:AlternateContent xmlns:mc="http://schemas.openxmlformats.org/markup-compatibility/2006" xmlns:p14="http://schemas.microsoft.com/office/powerpoint/2010/main">
+    <mc:Choice Requires="p14">
       <p:transition spd="slow" p14:dur="2000"/>
     </mc:Choice>
-    <mc:Fallback>
+    <mc:Fallback xmlns="">
+      <p:transition spd="slow"/>
+    </mc:Fallback>
+  </mc:AlternateContent>
+  <p:timing>
+    <p:tnLst>
+      <p:par>
+        <p:cTn id="1" dur="indefinite" restart="never" nodeType="tmRoot"/>
+      </p:par>
+    </p:tnLst>
+  </p:timing>
+</p:sld>
+</file>
+
+<file path=ppt/slides/slide30.xml><?xml version="1.0" encoding="utf-8"?>
+<p:sld xmlns:a="http://schemas.openxmlformats.org/drawingml/2006/main" xmlns:r="http://schemas.openxmlformats.org/officeDocument/2006/relationships" xmlns:p="http://schemas.openxmlformats.org/presentationml/2006/main">
+  <p:cSld>
+    <p:spTree>
+      <p:nvGrpSpPr>
+        <p:cNvPr id="1" name=""/>
+        <p:cNvGrpSpPr/>
+        <p:nvPr/>
+      </p:nvGrpSpPr>
+      <p:grpSpPr>
+        <a:xfrm>
+          <a:off x="0" y="0"/>
+          <a:ext cx="0" cy="0"/>
+          <a:chOff x="0" y="0"/>
+          <a:chExt cx="0" cy="0"/>
+        </a:xfrm>
+      </p:grpSpPr>
+      <p:sp>
+        <p:nvSpPr>
+          <p:cNvPr id="90" name="TextShape 1"/>
+          <p:cNvSpPr txBox="1"/>
+          <p:nvPr/>
+        </p:nvSpPr>
+        <p:spPr>
+          <a:xfrm>
+            <a:off x="504000" y="301320"/>
+            <a:ext cx="9071640" cy="1262160"/>
+          </a:xfrm>
+          <a:prstGeom prst="rect">
+            <a:avLst/>
+          </a:prstGeom>
+          <a:noFill/>
+          <a:ln>
+            <a:noFill/>
+          </a:ln>
+        </p:spPr>
+        <p:txBody>
+          <a:bodyPr lIns="0" tIns="0" rIns="0" bIns="0" anchor="ctr">
+            <a:spAutoFit/>
+          </a:bodyPr>
+          <a:lstStyle/>
+          <a:p>
+            <a:pPr algn="ctr"/>
+            <a:r>
+              <a:rPr lang="en-US" sz="4400" b="1" strike="noStrike" spc="-1">
+                <a:latin typeface="Arial" panose="020B0604020202020204"/>
+              </a:rPr>
+              <a:t>JMS - ActiveMQ</a:t>
+            </a:r>
+            <a:endParaRPr lang="en-US" sz="4400" b="0" strike="noStrike" spc="-1">
+              <a:latin typeface="Arial" panose="020B0604020202020204"/>
+            </a:endParaRPr>
+          </a:p>
+        </p:txBody>
+      </p:sp>
+      <p:sp>
+        <p:nvSpPr>
+          <p:cNvPr id="91" name="TextShape 2"/>
+          <p:cNvSpPr txBox="1"/>
+          <p:nvPr/>
+        </p:nvSpPr>
+        <p:spPr>
+          <a:xfrm>
+            <a:off x="594720" y="1645920"/>
+            <a:ext cx="9006480" cy="4389120"/>
+          </a:xfrm>
+          <a:prstGeom prst="rect">
+            <a:avLst/>
+          </a:prstGeom>
+          <a:noFill/>
+          <a:ln>
+            <a:noFill/>
+          </a:ln>
+        </p:spPr>
+        <p:txBody>
+          <a:bodyPr lIns="90000" tIns="45000" rIns="90000" bIns="45000">
+            <a:spAutoFit/>
+          </a:bodyPr>
+          <a:lstStyle/>
+          <a:p>
+            <a:pPr>
+              <a:lnSpc>
+                <a:spcPct val="150000"/>
+              </a:lnSpc>
+            </a:pPr>
+            <a:r>
+              <a:rPr lang="en-US" sz="1800" b="1" strike="noStrike" spc="-1">
+                <a:latin typeface="Arial" panose="020B0604020202020204"/>
+              </a:rPr>
+              <a:t>ActiveMQ?</a:t>
+            </a:r>
+            <a:endParaRPr lang="en-US" sz="1800" b="0" strike="noStrike" spc="-1">
+              <a:latin typeface="Arial" panose="020B0604020202020204"/>
+            </a:endParaRPr>
+          </a:p>
+          <a:p>
+            <a:pPr>
+              <a:lnSpc>
+                <a:spcPct val="150000"/>
+              </a:lnSpc>
+            </a:pPr>
+            <a:endParaRPr lang="en-US" sz="1800" b="0" strike="noStrike" spc="-1">
+              <a:latin typeface="Arial" panose="020B0604020202020204"/>
+            </a:endParaRPr>
+          </a:p>
+          <a:p>
+            <a:pPr marL="215900" indent="-215900">
+              <a:lnSpc>
+                <a:spcPct val="150000"/>
+              </a:lnSpc>
+              <a:buClr>
+                <a:srgbClr val="000000"/>
+              </a:buClr>
+              <a:buSzPct val="45000"/>
+              <a:buFont typeface="Wingdings" panose="05000000000000000000" pitchFamily="2" charset="2"/>
+              <a:buChar char=""/>
+            </a:pPr>
+            <a:r>
+              <a:rPr lang="en-US" sz="1800" b="0" strike="noStrike" spc="-1">
+                <a:latin typeface="Arial" panose="020B0604020202020204"/>
+              </a:rPr>
+              <a:t>ActiveMQ là một MOM mã nguồn mở, phổ biến và mạnh nhất.</a:t>
+            </a:r>
+          </a:p>
+          <a:p>
+            <a:pPr>
+              <a:lnSpc>
+                <a:spcPct val="150000"/>
+              </a:lnSpc>
+            </a:pPr>
+            <a:endParaRPr lang="en-US" sz="1800" b="0" strike="noStrike" spc="-1">
+              <a:latin typeface="Arial" panose="020B0604020202020204"/>
+            </a:endParaRPr>
+          </a:p>
+          <a:p>
+            <a:pPr marL="215900" indent="-215900">
+              <a:lnSpc>
+                <a:spcPct val="150000"/>
+              </a:lnSpc>
+              <a:buClr>
+                <a:srgbClr val="000000"/>
+              </a:buClr>
+              <a:buSzPct val="45000"/>
+              <a:buFont typeface="Wingdings" panose="05000000000000000000" pitchFamily="2" charset="2"/>
+              <a:buChar char=""/>
+            </a:pPr>
+            <a:r>
+              <a:rPr lang="en-US" sz="1800" b="0" strike="noStrike" spc="-1">
+                <a:latin typeface="Arial" panose="020B0604020202020204"/>
+              </a:rPr>
+              <a:t>ActiveMQ có thể chạy độc lập, hay bên trong các tiến trình khác, ứng dụng server, hay ứng dụng JEE.</a:t>
+            </a:r>
+          </a:p>
+          <a:p>
+            <a:pPr>
+              <a:lnSpc>
+                <a:spcPct val="150000"/>
+              </a:lnSpc>
+            </a:pPr>
+            <a:endParaRPr lang="en-US" sz="1800" b="0" strike="noStrike" spc="-1">
+              <a:latin typeface="Arial" panose="020B0604020202020204"/>
+            </a:endParaRPr>
+          </a:p>
+          <a:p>
+            <a:pPr marL="215900" indent="-215900">
+              <a:lnSpc>
+                <a:spcPct val="150000"/>
+              </a:lnSpc>
+              <a:buClr>
+                <a:srgbClr val="000000"/>
+              </a:buClr>
+              <a:buSzPct val="45000"/>
+              <a:buFont typeface="Wingdings" panose="05000000000000000000" pitchFamily="2" charset="2"/>
+              <a:buChar char=""/>
+            </a:pPr>
+            <a:r>
+              <a:rPr lang="en-US" sz="1800" b="0" strike="noStrike" spc="-1">
+                <a:latin typeface="Arial" panose="020B0604020202020204"/>
+              </a:rPr>
+              <a:t>Hỗ trợ mọi thứ JMS yêu cầu, và có thể mở rộng.- Ngoài Java thì ActiveMQ có thể ứng dụng với .NET, C/C++, Ruby, Delphy.</a:t>
+            </a:r>
+          </a:p>
+          <a:p>
+            <a:pPr>
+              <a:lnSpc>
+                <a:spcPct val="150000"/>
+              </a:lnSpc>
+            </a:pPr>
+            <a:endParaRPr lang="en-US" sz="1800" b="0" strike="noStrike" spc="-1">
+              <a:latin typeface="Arial" panose="020B0604020202020204"/>
+            </a:endParaRPr>
+          </a:p>
+          <a:p>
+            <a:pPr>
+              <a:lnSpc>
+                <a:spcPct val="150000"/>
+              </a:lnSpc>
+            </a:pPr>
+            <a:endParaRPr lang="en-US" sz="1800" b="0" strike="noStrike" spc="-1">
+              <a:latin typeface="Arial" panose="020B0604020202020204"/>
+            </a:endParaRPr>
+          </a:p>
+        </p:txBody>
+      </p:sp>
+    </p:spTree>
+  </p:cSld>
+  <p:clrMapOvr>
+    <a:masterClrMapping/>
+  </p:clrMapOvr>
+  <mc:AlternateContent xmlns:mc="http://schemas.openxmlformats.org/markup-compatibility/2006" xmlns:p14="http://schemas.microsoft.com/office/powerpoint/2010/main">
+    <mc:Choice Requires="p14">
+      <p:transition spd="slow" p14:dur="2000"/>
+    </mc:Choice>
+    <mc:Fallback xmlns="">
       <p:transition spd="slow"/>
     </mc:Fallback>
   </mc:AlternateContent>
@@ -6209,6 +8576,7 @@
           <a:bodyPr lIns="0" tIns="0" rIns="0" bIns="0" anchor="ctr">
             <a:spAutoFit/>
           </a:bodyPr>
+          <a:lstStyle/>
           <a:p>
             <a:pPr algn="ctr"/>
             <a:r>
@@ -6217,9 +8585,6 @@
               </a:rPr>
               <a:t>Overview</a:t>
             </a:r>
-            <a:endParaRPr lang="en-US" sz="4400" b="0" strike="noStrike" spc="-1">
-              <a:latin typeface="Arial" panose="020B0604020202020204"/>
-            </a:endParaRPr>
           </a:p>
         </p:txBody>
       </p:sp>
@@ -6232,7 +8597,7 @@
           <p:nvPr/>
         </p:nvPicPr>
         <p:blipFill>
-          <a:blip r:embed="rId1"/>
+          <a:blip r:embed="rId2"/>
           <a:stretch>
             <a:fillRect/>
           </a:stretch>
@@ -6252,14 +8617,21 @@
   <p:clrMapOvr>
     <a:masterClrMapping/>
   </p:clrMapOvr>
-  <mc:AlternateContent xmlns:mc="http://schemas.openxmlformats.org/markup-compatibility/2006">
-    <mc:Choice xmlns:p14="http://schemas.microsoft.com/office/powerpoint/2010/main" Requires="p14">
+  <mc:AlternateContent xmlns:mc="http://schemas.openxmlformats.org/markup-compatibility/2006" xmlns:p14="http://schemas.microsoft.com/office/powerpoint/2010/main">
+    <mc:Choice Requires="p14">
       <p:transition spd="slow" p14:dur="2000"/>
     </mc:Choice>
-    <mc:Fallback>
+    <mc:Fallback xmlns="">
       <p:transition spd="slow"/>
     </mc:Fallback>
   </mc:AlternateContent>
+  <p:timing>
+    <p:tnLst>
+      <p:par>
+        <p:cTn id="1" dur="indefinite" restart="never" nodeType="tmRoot"/>
+      </p:par>
+    </p:tnLst>
+  </p:timing>
 </p:sld>
 </file>
 
@@ -6303,6 +8675,7 @@
           <a:bodyPr lIns="0" tIns="0" rIns="0" bIns="0" anchor="ctr">
             <a:spAutoFit/>
           </a:bodyPr>
+          <a:lstStyle/>
           <a:p>
             <a:pPr algn="ctr"/>
             <a:r>
@@ -6311,9 +8684,6 @@
               </a:rPr>
               <a:t>Overview</a:t>
             </a:r>
-            <a:endParaRPr lang="en-US" sz="4400" b="0" strike="noStrike" spc="-1">
-              <a:latin typeface="Arial" panose="020B0604020202020204"/>
-            </a:endParaRPr>
           </a:p>
         </p:txBody>
       </p:sp>
@@ -6326,7 +8696,7 @@
           <p:nvPr/>
         </p:nvPicPr>
         <p:blipFill>
-          <a:blip r:embed="rId1"/>
+          <a:blip r:embed="rId2"/>
           <a:stretch>
             <a:fillRect/>
           </a:stretch>
@@ -6346,14 +8716,21 @@
   <p:clrMapOvr>
     <a:masterClrMapping/>
   </p:clrMapOvr>
-  <mc:AlternateContent xmlns:mc="http://schemas.openxmlformats.org/markup-compatibility/2006">
-    <mc:Choice xmlns:p14="http://schemas.microsoft.com/office/powerpoint/2010/main" Requires="p14">
+  <mc:AlternateContent xmlns:mc="http://schemas.openxmlformats.org/markup-compatibility/2006" xmlns:p14="http://schemas.microsoft.com/office/powerpoint/2010/main">
+    <mc:Choice Requires="p14">
       <p:transition spd="slow" p14:dur="2000"/>
     </mc:Choice>
-    <mc:Fallback>
+    <mc:Fallback xmlns="">
       <p:transition spd="slow"/>
     </mc:Fallback>
   </mc:AlternateContent>
+  <p:timing>
+    <p:tnLst>
+      <p:par>
+        <p:cTn id="1" dur="indefinite" restart="never" nodeType="tmRoot"/>
+      </p:par>
+    </p:tnLst>
+  </p:timing>
 </p:sld>
 </file>
 
@@ -6397,6 +8774,7 @@
           <a:bodyPr lIns="0" tIns="0" rIns="0" bIns="0" anchor="ctr">
             <a:spAutoFit/>
           </a:bodyPr>
+          <a:lstStyle/>
           <a:p>
             <a:pPr algn="ctr"/>
             <a:r>
@@ -6405,9 +8783,6 @@
               </a:rPr>
               <a:t>@Bean</a:t>
             </a:r>
-            <a:endParaRPr lang="en-US" sz="4400" b="0" strike="noStrike" spc="-1">
-              <a:latin typeface="Arial" panose="020B0604020202020204"/>
-            </a:endParaRPr>
           </a:p>
         </p:txBody>
       </p:sp>
@@ -6434,6 +8809,7 @@
           <a:bodyPr lIns="90000" tIns="45000" rIns="90000" bIns="45000">
             <a:spAutoFit/>
           </a:bodyPr>
+          <a:lstStyle/>
           <a:p>
             <a:pPr>
               <a:lnSpc>
@@ -6458,6 +8834,13 @@
               </a:rPr>
               <a:t>chính là những Java Object mà từ đó tạo nên khung sườn của một ứng dụng Spring. Chúng được  quản lý bởi Spring IoC container.</a:t>
             </a:r>
+          </a:p>
+          <a:p>
+            <a:pPr>
+              <a:lnSpc>
+                <a:spcPct val="115000"/>
+              </a:lnSpc>
+            </a:pPr>
             <a:endParaRPr lang="en-US" sz="1800" b="0" strike="noStrike" spc="-1">
               <a:latin typeface="Arial" panose="020B0604020202020204"/>
             </a:endParaRPr>
@@ -6468,6 +8851,25 @@
                 <a:spcPct val="115000"/>
               </a:lnSpc>
             </a:pPr>
+            <a:r>
+              <a:rPr lang="en-US" sz="1800" b="1" strike="noStrike" spc="-1">
+                <a:latin typeface="Arial" panose="020B0604020202020204"/>
+              </a:rPr>
+              <a:t>Inversion of Control</a:t>
+            </a:r>
+            <a:r>
+              <a:rPr lang="en-US" sz="1800" b="0" strike="noStrike" spc="-1">
+                <a:latin typeface="Arial" panose="020B0604020202020204"/>
+              </a:rPr>
+              <a:t> viết tắt là IoC là một quá trình trong đó một object định nghĩa các dependency (phụ thuộc) mà không cần phải khởi tạo chúng.Việc khởi tạo các dependency này được chuyển giao cho IoC container.</a:t>
+            </a:r>
+          </a:p>
+          <a:p>
+            <a:pPr>
+              <a:lnSpc>
+                <a:spcPct val="115000"/>
+              </a:lnSpc>
+            </a:pPr>
             <a:endParaRPr lang="en-US" sz="1800" b="0" strike="noStrike" spc="-1">
               <a:latin typeface="Arial" panose="020B0604020202020204"/>
             </a:endParaRPr>
@@ -6482,14 +8884,28 @@
               <a:rPr lang="en-US" sz="1800" b="1" strike="noStrike" spc="-1">
                 <a:latin typeface="Arial" panose="020B0604020202020204"/>
               </a:rPr>
-              <a:t>Inversion of Control</a:t>
-            </a:r>
+              <a:t>Scope of Bean</a:t>
+            </a:r>
+          </a:p>
+          <a:p>
+            <a:pPr>
+              <a:lnSpc>
+                <a:spcPct val="115000"/>
+              </a:lnSpc>
+            </a:pPr>
             <a:r>
               <a:rPr lang="en-US" sz="1800" b="0" strike="noStrike" spc="-1">
                 <a:latin typeface="Arial" panose="020B0604020202020204"/>
               </a:rPr>
-              <a:t> viết tắt là IoC là một quá trình trong đó một object định nghĩa các dependency (phụ thuộc) mà không cần phải khởi tạo chúng.Việc khởi tạo các dependency này được chuyển giao cho IoC container.</a:t>
-            </a:r>
+              <a:t>Việc định nghĩa scope có thể thực hiện thông qua việc sử dụng thuộc tính tên là “scope” khi định nghĩa. Lấy ví dụ, khi bean phải tạo mới mỗi lần cần sử dụng, thuộc tính scope sẽ là “prototype”. Mặt khác, khi bean luôn luôn trả về một instance giống nhau khi sử dụng, thuộc tính scope sẽ là “singleton”.</a:t>
+            </a:r>
+          </a:p>
+          <a:p>
+            <a:pPr>
+              <a:lnSpc>
+                <a:spcPct val="115000"/>
+              </a:lnSpc>
+            </a:pPr>
             <a:endParaRPr lang="en-US" sz="1800" b="0" strike="noStrike" spc="-1">
               <a:latin typeface="Arial" panose="020B0604020202020204"/>
             </a:endParaRPr>
@@ -6500,6 +8916,44 @@
                 <a:spcPct val="115000"/>
               </a:lnSpc>
             </a:pPr>
+            <a:r>
+              <a:rPr lang="en-US" sz="1800" b="1" strike="noStrike" spc="-1">
+                <a:latin typeface="Arial" panose="020B0604020202020204"/>
+              </a:rPr>
+              <a:t>Làm sao để cung cấp configuration metadata cho Spring Container?</a:t>
+            </a:r>
+          </a:p>
+          <a:p>
+            <a:pPr>
+              <a:lnSpc>
+                <a:spcPct val="115000"/>
+              </a:lnSpc>
+            </a:pPr>
+            <a:r>
+              <a:rPr lang="en-US" sz="1800" b="0" strike="noStrike" spc="-1">
+                <a:latin typeface="Arial" panose="020B0604020202020204"/>
+              </a:rPr>
+              <a:t>Có ba cách để cũng cấp configuration metadata cho Spring container.</a:t>
+            </a:r>
+          </a:p>
+          <a:p>
+            <a:pPr>
+              <a:lnSpc>
+                <a:spcPct val="115000"/>
+              </a:lnSpc>
+            </a:pPr>
+            <a:r>
+              <a:rPr lang="en-US" sz="1800" b="0" strike="noStrike" spc="-1">
+                <a:latin typeface="Arial" panose="020B0604020202020204"/>
+              </a:rPr>
+              <a:t>Thông qua </a:t>
+            </a:r>
+            <a:r>
+              <a:rPr lang="en-US" sz="1800" b="1" strike="noStrike" spc="-1">
+                <a:latin typeface="Arial" panose="020B0604020202020204"/>
+              </a:rPr>
+              <a:t>XML configuration file</a:t>
+            </a:r>
             <a:endParaRPr lang="en-US" sz="1800" b="0" strike="noStrike" spc="-1">
               <a:latin typeface="Arial" panose="020B0604020202020204"/>
             </a:endParaRPr>
@@ -6511,26 +8965,16 @@
               </a:lnSpc>
             </a:pPr>
             <a:r>
+              <a:rPr lang="en-US" sz="1800" b="0" strike="noStrike" spc="-1">
+                <a:latin typeface="Arial" panose="020B0604020202020204"/>
+              </a:rPr>
+              <a:t>Thông qua </a:t>
+            </a:r>
+            <a:r>
               <a:rPr lang="en-US" sz="1800" b="1" strike="noStrike" spc="-1">
                 <a:latin typeface="Arial" panose="020B0604020202020204"/>
               </a:rPr>
-              <a:t>Scope of Bean</a:t>
-            </a:r>
-            <a:endParaRPr lang="en-US" sz="1800" b="1" strike="noStrike" spc="-1">
-              <a:latin typeface="Arial" panose="020B0604020202020204"/>
-            </a:endParaRPr>
-          </a:p>
-          <a:p>
-            <a:pPr>
-              <a:lnSpc>
-                <a:spcPct val="115000"/>
-              </a:lnSpc>
-            </a:pPr>
-            <a:r>
-              <a:rPr lang="en-US" sz="1800" b="0" strike="noStrike" spc="-1">
-                <a:latin typeface="Arial" panose="020B0604020202020204"/>
-              </a:rPr>
-              <a:t>Việc định nghĩa scope có thể thực hiện thông qua việc sử dụng thuộc tính tên là “scope” khi định nghĩa. Lấy ví dụ, khi bean phải tạo mới mỗi lần cần sử dụng, thuộc tính scope sẽ là “prototype”. Mặt khác, khi bean luôn luôn trả về một instance giống nhau khi sử dụng, thuộc tính scope sẽ là “singleton”.</a:t>
+              <a:t>Annotation-based configuration</a:t>
             </a:r>
             <a:endParaRPr lang="en-US" sz="1800" b="0" strike="noStrike" spc="-1">
               <a:latin typeface="Arial" panose="020B0604020202020204"/>
@@ -6542,107 +8986,18 @@
                 <a:spcPct val="115000"/>
               </a:lnSpc>
             </a:pPr>
-            <a:endParaRPr lang="en-US" sz="1800" b="0" strike="noStrike" spc="-1">
-              <a:latin typeface="Arial" panose="020B0604020202020204"/>
-            </a:endParaRPr>
-          </a:p>
-          <a:p>
-            <a:pPr>
-              <a:lnSpc>
-                <a:spcPct val="115000"/>
-              </a:lnSpc>
-            </a:pPr>
+            <a:r>
+              <a:rPr lang="en-US" sz="1800" b="0" strike="noStrike" spc="-1">
+                <a:latin typeface="Arial" panose="020B0604020202020204"/>
+              </a:rPr>
+              <a:t>Thông qua </a:t>
+            </a:r>
             <a:r>
               <a:rPr lang="en-US" sz="1800" b="1" strike="noStrike" spc="-1">
                 <a:latin typeface="Arial" panose="020B0604020202020204"/>
               </a:rPr>
-              <a:t>Làm sao để cung cấp configuration metadata cho Spring Container?</a:t>
-            </a:r>
-            <a:endParaRPr lang="en-US" sz="1800" b="1" strike="noStrike" spc="-1">
-              <a:latin typeface="Arial" panose="020B0604020202020204"/>
-            </a:endParaRPr>
-          </a:p>
-          <a:p>
-            <a:pPr>
-              <a:lnSpc>
-                <a:spcPct val="115000"/>
-              </a:lnSpc>
-            </a:pPr>
-            <a:r>
-              <a:rPr lang="en-US" sz="1800" b="0" strike="noStrike" spc="-1">
-                <a:latin typeface="Arial" panose="020B0604020202020204"/>
-              </a:rPr>
-              <a:t>Có ba cách để cũng cấp configuration metadata cho Spring container.</a:t>
-            </a:r>
-            <a:endParaRPr lang="en-US" sz="1800" b="0" strike="noStrike" spc="-1">
-              <a:latin typeface="Arial" panose="020B0604020202020204"/>
-            </a:endParaRPr>
-          </a:p>
-          <a:p>
-            <a:pPr>
-              <a:lnSpc>
-                <a:spcPct val="115000"/>
-              </a:lnSpc>
-            </a:pPr>
-            <a:r>
-              <a:rPr lang="en-US" sz="1800" b="0" strike="noStrike" spc="-1">
-                <a:latin typeface="Arial" panose="020B0604020202020204"/>
-              </a:rPr>
-              <a:t>Thông qua </a:t>
-            </a:r>
-            <a:r>
-              <a:rPr lang="en-US" sz="1800" b="1" strike="noStrike" spc="-1">
-                <a:latin typeface="Arial" panose="020B0604020202020204"/>
-              </a:rPr>
-              <a:t>XML configuration file</a:t>
-            </a:r>
-            <a:endParaRPr lang="en-US" sz="1800" b="0" strike="noStrike" spc="-1">
-              <a:latin typeface="Arial" panose="020B0604020202020204"/>
-            </a:endParaRPr>
-          </a:p>
-          <a:p>
-            <a:pPr>
-              <a:lnSpc>
-                <a:spcPct val="115000"/>
-              </a:lnSpc>
-            </a:pPr>
-            <a:r>
-              <a:rPr lang="en-US" sz="1800" b="0" strike="noStrike" spc="-1">
-                <a:latin typeface="Arial" panose="020B0604020202020204"/>
-              </a:rPr>
-              <a:t>Thông qua </a:t>
-            </a:r>
-            <a:r>
-              <a:rPr lang="en-US" sz="1800" b="1" strike="noStrike" spc="-1">
-                <a:latin typeface="Arial" panose="020B0604020202020204"/>
-              </a:rPr>
-              <a:t>Annotation-based configuration</a:t>
-            </a:r>
-            <a:endParaRPr lang="en-US" sz="1800" b="0" strike="noStrike" spc="-1">
-              <a:latin typeface="Arial" panose="020B0604020202020204"/>
-            </a:endParaRPr>
-          </a:p>
-          <a:p>
-            <a:pPr>
-              <a:lnSpc>
-                <a:spcPct val="115000"/>
-              </a:lnSpc>
-            </a:pPr>
-            <a:r>
-              <a:rPr lang="en-US" sz="1800" b="0" strike="noStrike" spc="-1">
-                <a:latin typeface="Arial" panose="020B0604020202020204"/>
-              </a:rPr>
-              <a:t>Thông qua </a:t>
-            </a:r>
-            <a:r>
-              <a:rPr lang="en-US" sz="1800" b="1" strike="noStrike" spc="-1">
-                <a:latin typeface="Arial" panose="020B0604020202020204"/>
-              </a:rPr>
               <a:t>Java-based configuration</a:t>
             </a:r>
-            <a:endParaRPr lang="en-US" sz="1800" b="1" strike="noStrike" spc="-1">
-              <a:latin typeface="Arial" panose="020B0604020202020204"/>
-            </a:endParaRPr>
           </a:p>
         </p:txBody>
       </p:sp>
@@ -6651,14 +9006,21 @@
   <p:clrMapOvr>
     <a:masterClrMapping/>
   </p:clrMapOvr>
-  <mc:AlternateContent xmlns:mc="http://schemas.openxmlformats.org/markup-compatibility/2006">
-    <mc:Choice xmlns:p14="http://schemas.microsoft.com/office/powerpoint/2010/main" Requires="p14">
+  <mc:AlternateContent xmlns:mc="http://schemas.openxmlformats.org/markup-compatibility/2006" xmlns:p14="http://schemas.microsoft.com/office/powerpoint/2010/main">
+    <mc:Choice Requires="p14">
       <p:transition spd="slow" p14:dur="2000"/>
     </mc:Choice>
-    <mc:Fallback>
+    <mc:Fallback xmlns="">
       <p:transition spd="slow"/>
     </mc:Fallback>
   </mc:AlternateContent>
+  <p:timing>
+    <p:tnLst>
+      <p:par>
+        <p:cTn id="1" dur="indefinite" restart="never" nodeType="tmRoot"/>
+      </p:par>
+    </p:tnLst>
+  </p:timing>
 </p:sld>
 </file>
 
@@ -6702,6 +9064,7 @@
           <a:bodyPr lIns="0" tIns="0" rIns="0" bIns="0" anchor="ctr">
             <a:spAutoFit/>
           </a:bodyPr>
+          <a:lstStyle/>
           <a:p>
             <a:pPr algn="ctr"/>
             <a:r>
@@ -6710,9 +9073,6 @@
               </a:rPr>
               <a:t>@Bean</a:t>
             </a:r>
-            <a:endParaRPr lang="en-US" sz="4400" b="0" strike="noStrike" spc="-1">
-              <a:latin typeface="Arial" panose="020B0604020202020204"/>
-            </a:endParaRPr>
           </a:p>
         </p:txBody>
       </p:sp>
@@ -6739,6 +9099,7 @@
           <a:bodyPr lIns="90000" tIns="45000" rIns="90000" bIns="45000">
             <a:spAutoFit/>
           </a:bodyPr>
+          <a:lstStyle/>
           <a:p>
             <a:pPr>
               <a:lnSpc>
@@ -6751,9 +9112,6 @@
               </a:rPr>
               <a:t>scope của bean</a:t>
             </a:r>
-            <a:endParaRPr lang="en-US" sz="1800" b="1" strike="noStrike" spc="-1">
-              <a:latin typeface="Arial" panose="020B0604020202020204"/>
-            </a:endParaRPr>
           </a:p>
           <a:p>
             <a:pPr>
@@ -6773,9 +9131,6 @@
               </a:rPr>
               <a:t>: cho biết bean đó có một instance duy nhất trong Sping IoC container.</a:t>
             </a:r>
-            <a:endParaRPr lang="en-US" sz="1800" strike="noStrike" spc="-1">
-              <a:latin typeface="Arial" panose="020B0604020202020204"/>
-            </a:endParaRPr>
           </a:p>
           <a:p>
             <a:pPr>
@@ -6795,9 +9150,6 @@
               </a:rPr>
               <a:t>: cho biết bean đó được định nghĩa là có nhiều object instances, mỗi lần muốn sử dụng sẽ tạo mới.</a:t>
             </a:r>
-            <a:endParaRPr lang="en-US" sz="1800" strike="noStrike" spc="-1">
-              <a:latin typeface="Arial" panose="020B0604020202020204"/>
-            </a:endParaRPr>
           </a:p>
           <a:p>
             <a:pPr>
@@ -6817,9 +9169,6 @@
               </a:rPr>
               <a:t>: cho biết bean được định nghĩa với một HTTP request. Scope này chỉ hợp lệ khi chúng ta sử dụng Web Application Context.</a:t>
             </a:r>
-            <a:endParaRPr lang="en-US" sz="1800" strike="noStrike" spc="-1">
-              <a:latin typeface="Arial" panose="020B0604020202020204"/>
-            </a:endParaRPr>
           </a:p>
           <a:p>
             <a:pPr>
@@ -6839,9 +9188,6 @@
               </a:rPr>
               <a:t>: cho biết bean được định nghĩa với một HTTP session. Scope này cũng chỉ hợp lệ khi chúng ta sử dụng Web Application Context.</a:t>
             </a:r>
-            <a:endParaRPr lang="en-US" sz="1800" strike="noStrike" spc="-1">
-              <a:latin typeface="Arial" panose="020B0604020202020204"/>
-            </a:endParaRPr>
           </a:p>
           <a:p>
             <a:pPr>
@@ -6861,9 +9207,6 @@
               </a:rPr>
               <a:t>: cho biết bean được định nghĩa với một global HTTP session. Scope này cũng chỉ hợp lệ khi chúng ta sử dụng Web Application Context.</a:t>
             </a:r>
-            <a:endParaRPr lang="en-US" sz="1800" strike="noStrike" spc="-1">
-              <a:latin typeface="Arial" panose="020B0604020202020204"/>
-            </a:endParaRPr>
           </a:p>
         </p:txBody>
       </p:sp>
@@ -6872,14 +9215,21 @@
   <p:clrMapOvr>
     <a:masterClrMapping/>
   </p:clrMapOvr>
-  <mc:AlternateContent xmlns:mc="http://schemas.openxmlformats.org/markup-compatibility/2006">
-    <mc:Choice xmlns:p14="http://schemas.microsoft.com/office/powerpoint/2010/main" Requires="p14">
+  <mc:AlternateContent xmlns:mc="http://schemas.openxmlformats.org/markup-compatibility/2006" xmlns:p14="http://schemas.microsoft.com/office/powerpoint/2010/main">
+    <mc:Choice Requires="p14">
       <p:transition spd="slow" p14:dur="2000"/>
     </mc:Choice>
-    <mc:Fallback>
+    <mc:Fallback xmlns="">
       <p:transition spd="slow"/>
     </mc:Fallback>
   </mc:AlternateContent>
+  <p:timing>
+    <p:tnLst>
+      <p:par>
+        <p:cTn id="1" dur="indefinite" restart="never" nodeType="tmRoot"/>
+      </p:par>
+    </p:tnLst>
+  </p:timing>
 </p:sld>
 </file>
 
@@ -6908,8 +9258,8 @@
         </p:nvSpPr>
         <p:spPr>
           <a:xfrm>
-            <a:off x="504000" y="467580"/>
-            <a:ext cx="9071640" cy="676910"/>
+            <a:off x="504000" y="467481"/>
+            <a:ext cx="9071640" cy="677108"/>
           </a:xfrm>
           <a:prstGeom prst="rect">
             <a:avLst/>
@@ -6923,57 +9273,294 @@
           <a:bodyPr lIns="0" tIns="0" rIns="0" bIns="0" anchor="ctr">
             <a:spAutoFit/>
           </a:bodyPr>
+          <a:lstStyle/>
           <a:p>
             <a:pPr algn="ctr"/>
             <a:r>
-              <a:rPr lang="en-US" sz="4400" b="0" strike="noStrike" spc="-1">
-                <a:latin typeface="Arial" panose="020B0604020202020204"/>
-              </a:rPr>
-              <a:t>@Bean</a:t>
-            </a:r>
-            <a:endParaRPr lang="en-US" sz="4400" b="0" strike="noStrike" spc="-1">
+              <a:rPr lang="en-US" sz="4400" b="1" dirty="0"/>
+              <a:t>How to create bean?</a:t>
+            </a:r>
+            <a:endParaRPr lang="en-US" sz="4400" b="0" strike="noStrike" spc="-1" dirty="0">
               <a:latin typeface="Arial" panose="020B0604020202020204"/>
             </a:endParaRPr>
           </a:p>
         </p:txBody>
       </p:sp>
-      <p:pic>
-        <p:nvPicPr>
-          <p:cNvPr id="2" name="Picture 1"/>
-          <p:cNvPicPr>
-            <a:picLocks noChangeAspect="1"/>
-          </p:cNvPicPr>
+      <p:sp>
+        <p:nvSpPr>
+          <p:cNvPr id="44" name="TextShape 2"/>
+          <p:cNvSpPr txBox="1"/>
           <p:nvPr/>
-        </p:nvPicPr>
-        <p:blipFill>
-          <a:blip r:embed="rId1"/>
-          <a:stretch>
-            <a:fillRect/>
-          </a:stretch>
-        </p:blipFill>
-        <p:spPr>
-          <a:xfrm>
-            <a:off x="720725" y="1403350"/>
-            <a:ext cx="8684895" cy="5337810"/>
-          </a:xfrm>
-          <a:prstGeom prst="rect">
-            <a:avLst/>
-          </a:prstGeom>
-        </p:spPr>
-      </p:pic>
+        </p:nvSpPr>
+        <p:spPr>
+          <a:xfrm>
+            <a:off x="1007705" y="1259205"/>
+            <a:ext cx="8316000" cy="5215359"/>
+          </a:xfrm>
+          <a:prstGeom prst="rect">
+            <a:avLst/>
+          </a:prstGeom>
+          <a:noFill/>
+          <a:ln>
+            <a:noFill/>
+          </a:ln>
+        </p:spPr>
+        <p:txBody>
+          <a:bodyPr lIns="90000" tIns="45000" rIns="90000" bIns="45000">
+            <a:spAutoFit/>
+          </a:bodyPr>
+          <a:lstStyle/>
+          <a:p>
+            <a:pPr>
+              <a:lnSpc>
+                <a:spcPct val="115000"/>
+              </a:lnSpc>
+            </a:pPr>
+            <a:r>
+              <a:rPr lang="en-US" b="1" dirty="0"/>
+              <a:t>Declaring a bean in XML configuration </a:t>
+            </a:r>
+            <a:r>
+              <a:rPr lang="en-US" b="1" dirty="0" smtClean="0"/>
+              <a:t>file</a:t>
+            </a:r>
+          </a:p>
+          <a:p>
+            <a:pPr>
+              <a:lnSpc>
+                <a:spcPct val="115000"/>
+              </a:lnSpc>
+            </a:pPr>
+            <a:endParaRPr lang="en-US" b="1" dirty="0"/>
+          </a:p>
+          <a:p>
+            <a:pPr>
+              <a:lnSpc>
+                <a:spcPct val="115000"/>
+              </a:lnSpc>
+            </a:pPr>
+            <a:r>
+              <a:rPr lang="en-US" dirty="0" smtClean="0"/>
+              <a:t>	&lt;</a:t>
+            </a:r>
+            <a:r>
+              <a:rPr lang="en-US" dirty="0"/>
+              <a:t>bean id=”user” class=”</a:t>
+            </a:r>
+            <a:r>
+              <a:rPr lang="en-US" dirty="0" err="1"/>
+              <a:t>com.codippa.User</a:t>
+            </a:r>
+            <a:r>
+              <a:rPr lang="en-US" dirty="0"/>
+              <a:t>”&gt;&lt;/bean&gt;</a:t>
+            </a:r>
+            <a:endParaRPr lang="en-US" b="1" dirty="0" smtClean="0"/>
+          </a:p>
+          <a:p>
+            <a:pPr>
+              <a:lnSpc>
+                <a:spcPct val="115000"/>
+              </a:lnSpc>
+            </a:pPr>
+            <a:endParaRPr lang="en-US" sz="1800" b="1" strike="noStrike" spc="-1" dirty="0">
+              <a:latin typeface="Arial" panose="020B0604020202020204"/>
+            </a:endParaRPr>
+          </a:p>
+          <a:p>
+            <a:pPr>
+              <a:lnSpc>
+                <a:spcPct val="115000"/>
+              </a:lnSpc>
+            </a:pPr>
+            <a:r>
+              <a:rPr lang="en-US" b="1" dirty="0"/>
+              <a:t>Using @Component </a:t>
+            </a:r>
+            <a:r>
+              <a:rPr lang="en-US" b="1" dirty="0" smtClean="0"/>
+              <a:t>annotation</a:t>
+            </a:r>
+          </a:p>
+          <a:p>
+            <a:pPr>
+              <a:lnSpc>
+                <a:spcPct val="115000"/>
+              </a:lnSpc>
+            </a:pPr>
+            <a:r>
+              <a:rPr lang="en-US" dirty="0"/>
+              <a:t>@Component</a:t>
+            </a:r>
+            <a:r>
+              <a:rPr lang="en-US" dirty="0"/>
+              <a:t> annotation above a class indicates that this class is a component and should be automatically detected and instantiated.</a:t>
+            </a:r>
+            <a:endParaRPr lang="en-US" b="1" dirty="0" smtClean="0"/>
+          </a:p>
+          <a:p>
+            <a:pPr>
+              <a:lnSpc>
+                <a:spcPct val="115000"/>
+              </a:lnSpc>
+            </a:pPr>
+            <a:endParaRPr lang="en-US" sz="1800" b="1" strike="noStrike" spc="-1" dirty="0">
+              <a:latin typeface="Arial" panose="020B0604020202020204"/>
+            </a:endParaRPr>
+          </a:p>
+          <a:p>
+            <a:pPr>
+              <a:lnSpc>
+                <a:spcPct val="115000"/>
+              </a:lnSpc>
+            </a:pPr>
+            <a:r>
+              <a:rPr lang="en-US" b="1" dirty="0"/>
+              <a:t>Using @Configuration </a:t>
+            </a:r>
+            <a:r>
+              <a:rPr lang="en-US" b="1" dirty="0" smtClean="0"/>
+              <a:t>annotation and @Bean</a:t>
+            </a:r>
+          </a:p>
+          <a:p>
+            <a:pPr lvl="2" fontAlgn="base"/>
+            <a:r>
+              <a:rPr lang="en-US" dirty="0"/>
+              <a:t>@Configuration</a:t>
+            </a:r>
+          </a:p>
+          <a:p>
+            <a:pPr lvl="2" fontAlgn="base"/>
+            <a:r>
+              <a:rPr lang="en-US" dirty="0"/>
+              <a:t>public </a:t>
+            </a:r>
+            <a:r>
+              <a:rPr lang="en-US" b="1" dirty="0"/>
+              <a:t>class</a:t>
+            </a:r>
+            <a:r>
+              <a:rPr lang="en-US" dirty="0"/>
+              <a:t> User {</a:t>
+            </a:r>
+          </a:p>
+          <a:p>
+            <a:pPr lvl="3" fontAlgn="base"/>
+            <a:r>
+              <a:rPr lang="en-US" dirty="0"/>
+              <a:t>@Bean(name="</a:t>
+            </a:r>
+            <a:r>
+              <a:rPr lang="en-US" dirty="0" err="1"/>
+              <a:t>extUser</a:t>
+            </a:r>
+            <a:r>
+              <a:rPr lang="en-US" dirty="0"/>
+              <a:t>")</a:t>
+            </a:r>
+          </a:p>
+          <a:p>
+            <a:pPr lvl="3" fontAlgn="base"/>
+            <a:r>
+              <a:rPr lang="en-US" dirty="0"/>
+              <a:t>public </a:t>
+            </a:r>
+            <a:r>
+              <a:rPr lang="en-US" dirty="0" err="1"/>
+              <a:t>ExternalUser</a:t>
+            </a:r>
+            <a:r>
+              <a:rPr lang="en-US" dirty="0"/>
+              <a:t> </a:t>
+            </a:r>
+            <a:r>
+              <a:rPr lang="en-US" dirty="0" err="1"/>
+              <a:t>getUser</a:t>
+            </a:r>
+            <a:r>
+              <a:rPr lang="en-US" dirty="0"/>
+              <a:t>() {</a:t>
+            </a:r>
+          </a:p>
+          <a:p>
+            <a:pPr lvl="3" fontAlgn="base"/>
+            <a:r>
+              <a:rPr lang="en-US" b="1" dirty="0" smtClean="0"/>
+              <a:t>	return</a:t>
+            </a:r>
+            <a:r>
+              <a:rPr lang="en-US" dirty="0" smtClean="0"/>
+              <a:t> </a:t>
+            </a:r>
+            <a:r>
+              <a:rPr lang="en-US" b="1" dirty="0"/>
+              <a:t>new</a:t>
+            </a:r>
+            <a:r>
+              <a:rPr lang="en-US" dirty="0"/>
+              <a:t> </a:t>
+            </a:r>
+            <a:r>
+              <a:rPr lang="en-US" dirty="0" err="1"/>
+              <a:t>ExternalUser</a:t>
+            </a:r>
+            <a:r>
+              <a:rPr lang="en-US" dirty="0"/>
+              <a:t>();</a:t>
+            </a:r>
+          </a:p>
+          <a:p>
+            <a:pPr lvl="3" fontAlgn="base"/>
+            <a:r>
+              <a:rPr lang="en-US" dirty="0"/>
+              <a:t>}</a:t>
+            </a:r>
+          </a:p>
+          <a:p>
+            <a:pPr lvl="2" fontAlgn="base"/>
+            <a:r>
+              <a:rPr lang="en-US" dirty="0"/>
+              <a:t>}</a:t>
+            </a:r>
+          </a:p>
+          <a:p>
+            <a:pPr>
+              <a:lnSpc>
+                <a:spcPct val="115000"/>
+              </a:lnSpc>
+            </a:pPr>
+            <a:endParaRPr lang="en-US" sz="1800" strike="noStrike" spc="-1" dirty="0">
+              <a:latin typeface="Arial" panose="020B0604020202020204"/>
+            </a:endParaRPr>
+          </a:p>
+        </p:txBody>
+      </p:sp>
     </p:spTree>
+    <p:extLst>
+      <p:ext uri="{BB962C8B-B14F-4D97-AF65-F5344CB8AC3E}">
+        <p14:creationId xmlns:p14="http://schemas.microsoft.com/office/powerpoint/2010/main" val="807459768"/>
+      </p:ext>
+    </p:extLst>
   </p:cSld>
   <p:clrMapOvr>
     <a:masterClrMapping/>
   </p:clrMapOvr>
-  <mc:AlternateContent xmlns:mc="http://schemas.openxmlformats.org/markup-compatibility/2006">
-    <mc:Choice xmlns:p14="http://schemas.microsoft.com/office/powerpoint/2010/main" Requires="p14">
+  <mc:AlternateContent xmlns:mc="http://schemas.openxmlformats.org/markup-compatibility/2006" xmlns:p14="http://schemas.microsoft.com/office/powerpoint/2010/main">
+    <mc:Choice Requires="p14">
       <p:transition spd="slow" p14:dur="2000"/>
     </mc:Choice>
-    <mc:Fallback>
+    <mc:Fallback xmlns="">
       <p:transition spd="slow"/>
     </mc:Fallback>
   </mc:AlternateContent>
+  <p:timing>
+    <p:tnLst>
+      <p:par>
+        <p:cTn id="1" dur="indefinite" restart="never" nodeType="tmRoot"/>
+      </p:par>
+    </p:tnLst>
+  </p:timing>
 </p:sld>
 </file>
 
@@ -7002,8 +9589,8 @@
         </p:nvSpPr>
         <p:spPr>
           <a:xfrm>
-            <a:off x="504000" y="301320"/>
-            <a:ext cx="9071640" cy="1262160"/>
+            <a:off x="504000" y="467580"/>
+            <a:ext cx="9071640" cy="676910"/>
           </a:xfrm>
           <a:prstGeom prst="rect">
             <a:avLst/>
@@ -7017,176 +9604,62 @@
           <a:bodyPr lIns="0" tIns="0" rIns="0" bIns="0" anchor="ctr">
             <a:spAutoFit/>
           </a:bodyPr>
+          <a:lstStyle/>
           <a:p>
             <a:pPr algn="ctr"/>
             <a:r>
               <a:rPr lang="en-US" sz="4400" b="0" strike="noStrike" spc="-1">
                 <a:latin typeface="Arial" panose="020B0604020202020204"/>
               </a:rPr>
-              <a:t>@Component </a:t>
-            </a:r>
-            <a:endParaRPr lang="en-US" sz="4400" b="0" strike="noStrike" spc="-1">
-              <a:latin typeface="Arial" panose="020B0604020202020204"/>
-            </a:endParaRPr>
-          </a:p>
-        </p:txBody>
-      </p:sp>
-      <p:sp>
-        <p:nvSpPr>
-          <p:cNvPr id="44" name="TextShape 2"/>
-          <p:cNvSpPr txBox="1"/>
+              <a:t>@Bean</a:t>
+            </a:r>
+          </a:p>
+        </p:txBody>
+      </p:sp>
+      <p:pic>
+        <p:nvPicPr>
+          <p:cNvPr id="2" name="Picture 1"/>
+          <p:cNvPicPr>
+            <a:picLocks noChangeAspect="1"/>
+          </p:cNvPicPr>
           <p:nvPr/>
-        </p:nvSpPr>
-        <p:spPr>
-          <a:xfrm>
-            <a:off x="736560" y="1737360"/>
-            <a:ext cx="8316000" cy="3913920"/>
-          </a:xfrm>
-          <a:prstGeom prst="rect">
-            <a:avLst/>
-          </a:prstGeom>
-          <a:noFill/>
-          <a:ln>
-            <a:noFill/>
-          </a:ln>
-        </p:spPr>
-        <p:txBody>
-          <a:bodyPr lIns="90000" tIns="45000" rIns="90000" bIns="45000">
-            <a:spAutoFit/>
-          </a:bodyPr>
-          <a:p>
-            <a:pPr>
-              <a:lnSpc>
-                <a:spcPct val="115000"/>
-              </a:lnSpc>
-            </a:pPr>
-            <a:r>
-              <a:rPr lang="en-US" sz="1800" b="0" strike="noStrike" spc="-1">
-                <a:latin typeface="Arial" panose="020B0604020202020204"/>
-              </a:rPr>
-              <a:t>Spring Boot khi chạy sẽ dò tìm toàn bộ các Class cùng cấp hoặc ở trong các package thấp hơn so với class App mà bạn cung cấp cho Spring (Chúng ta có thể cấu hình việc tìm kiếm này, sẽ đề cập sau). Trong quá trình dò tìm này, khi gặp một class được đánh dấu @Component thì nó sẽ tạo ra một instance và đưa vào ApplicationContext để quản lý.</a:t>
-            </a:r>
-            <a:endParaRPr lang="en-US" sz="1800" b="0" strike="noStrike" spc="-1">
-              <a:latin typeface="Arial" panose="020B0604020202020204"/>
-            </a:endParaRPr>
-          </a:p>
-          <a:p>
-            <a:pPr>
-              <a:lnSpc>
-                <a:spcPct val="115000"/>
-              </a:lnSpc>
-            </a:pPr>
-            <a:endParaRPr lang="en-US" sz="1800" b="0" strike="noStrike" spc="-1">
-              <a:latin typeface="Arial" panose="020B0604020202020204"/>
-            </a:endParaRPr>
-          </a:p>
-          <a:p>
-            <a:pPr>
-              <a:lnSpc>
-                <a:spcPct val="115000"/>
-              </a:lnSpc>
-            </a:pPr>
-            <a:r>
-              <a:rPr lang="en-US" sz="1800" b="0" strike="noStrike" spc="-1">
-                <a:latin typeface="Arial" panose="020B0604020202020204"/>
-              </a:rPr>
-              <a:t>Sau khi tìm thấy một class đánh dấu @Component. thì quá trình inject Bean xảy ra theo cách như sau:</a:t>
-            </a:r>
-            <a:endParaRPr lang="en-US" sz="1800" b="0" strike="noStrike" spc="-1">
-              <a:latin typeface="Arial" panose="020B0604020202020204"/>
-            </a:endParaRPr>
-          </a:p>
-          <a:p>
-            <a:pPr>
-              <a:lnSpc>
-                <a:spcPct val="115000"/>
-              </a:lnSpc>
-            </a:pPr>
-            <a:endParaRPr lang="en-US" sz="1800" b="0" strike="noStrike" spc="-1">
-              <a:latin typeface="Arial" panose="020B0604020202020204"/>
-            </a:endParaRPr>
-          </a:p>
-          <a:p>
-            <a:pPr marL="215900" indent="-215900">
-              <a:lnSpc>
-                <a:spcPct val="115000"/>
-              </a:lnSpc>
-              <a:buClr>
-                <a:srgbClr val="000000"/>
-              </a:buClr>
-              <a:buSzPct val="45000"/>
-              <a:buFont typeface="Wingdings" panose="05000000000000000000" pitchFamily="2" charset="2"/>
-              <a:buChar char=""/>
-            </a:pPr>
-            <a:r>
-              <a:rPr lang="en-US" sz="1800" b="0" strike="noStrike" spc="-1">
-                <a:latin typeface="Arial" panose="020B0604020202020204"/>
-              </a:rPr>
-              <a:t>Nếu Class không có hàm Constructor hay Setter. Thì sẽ sử dụng Java Reflection để đưa đối tượng vào thuộc tính có đánh dấu @Autowired.</a:t>
-            </a:r>
-            <a:endParaRPr lang="en-US" sz="1800" b="0" strike="noStrike" spc="-1">
-              <a:latin typeface="Arial" panose="020B0604020202020204"/>
-            </a:endParaRPr>
-          </a:p>
-          <a:p>
-            <a:pPr marL="215900" indent="-215900">
-              <a:lnSpc>
-                <a:spcPct val="115000"/>
-              </a:lnSpc>
-              <a:buClr>
-                <a:srgbClr val="000000"/>
-              </a:buClr>
-              <a:buSzPct val="45000"/>
-              <a:buFont typeface="Wingdings" panose="05000000000000000000" pitchFamily="2" charset="2"/>
-              <a:buChar char=""/>
-            </a:pPr>
-            <a:r>
-              <a:rPr lang="en-US" sz="1800" b="0" strike="noStrike" spc="-1">
-                <a:latin typeface="Arial" panose="020B0604020202020204"/>
-              </a:rPr>
-              <a:t>Nếu có hàm Constructor thì sẽ inject Bean vào bởi tham số của hàm</a:t>
-            </a:r>
-            <a:endParaRPr lang="en-US" sz="1800" b="0" strike="noStrike" spc="-1">
-              <a:latin typeface="Arial" panose="020B0604020202020204"/>
-            </a:endParaRPr>
-          </a:p>
-          <a:p>
-            <a:pPr marL="215900" indent="-215900">
-              <a:lnSpc>
-                <a:spcPct val="115000"/>
-              </a:lnSpc>
-              <a:buClr>
-                <a:srgbClr val="000000"/>
-              </a:buClr>
-              <a:buSzPct val="45000"/>
-              <a:buFont typeface="Wingdings" panose="05000000000000000000" pitchFamily="2" charset="2"/>
-              <a:buChar char=""/>
-            </a:pPr>
-            <a:r>
-              <a:rPr lang="en-US" sz="1800" b="0" strike="noStrike" spc="-1">
-                <a:latin typeface="Arial" panose="020B0604020202020204"/>
-              </a:rPr>
-              <a:t>Nếu có hàm Setter thì sẽ inject Bean vào bởi tham số của hàm</a:t>
-            </a:r>
-            <a:endParaRPr lang="en-US" sz="1800" b="0" strike="noStrike" spc="-1">
-              <a:latin typeface="Arial" panose="020B0604020202020204"/>
-            </a:endParaRPr>
-          </a:p>
-        </p:txBody>
-      </p:sp>
+        </p:nvPicPr>
+        <p:blipFill>
+          <a:blip r:embed="rId2"/>
+          <a:stretch>
+            <a:fillRect/>
+          </a:stretch>
+        </p:blipFill>
+        <p:spPr>
+          <a:xfrm>
+            <a:off x="720725" y="1403350"/>
+            <a:ext cx="8684895" cy="5337810"/>
+          </a:xfrm>
+          <a:prstGeom prst="rect">
+            <a:avLst/>
+          </a:prstGeom>
+        </p:spPr>
+      </p:pic>
     </p:spTree>
   </p:cSld>
   <p:clrMapOvr>
     <a:masterClrMapping/>
   </p:clrMapOvr>
-  <mc:AlternateContent xmlns:mc="http://schemas.openxmlformats.org/markup-compatibility/2006">
-    <mc:Choice xmlns:p14="http://schemas.microsoft.com/office/powerpoint/2010/main" Requires="p14">
+  <mc:AlternateContent xmlns:mc="http://schemas.openxmlformats.org/markup-compatibility/2006" xmlns:p14="http://schemas.microsoft.com/office/powerpoint/2010/main">
+    <mc:Choice Requires="p14">
       <p:transition spd="slow" p14:dur="2000"/>
     </mc:Choice>
-    <mc:Fallback>
+    <mc:Fallback xmlns="">
       <p:transition spd="slow"/>
     </mc:Fallback>
   </mc:AlternateContent>
+  <p:timing>
+    <p:tnLst>
+      <p:par>
+        <p:cTn id="1" dur="indefinite" restart="never" nodeType="tmRoot"/>
+      </p:par>
+    </p:tnLst>
+  </p:timing>
 </p:sld>
 </file>
 
@@ -7410,9 +9883,11 @@
       </a:bgFillStyleLst>
     </a:fmtScheme>
   </a:themeElements>
+  <a:objectDefaults/>
+  <a:extraClrSchemeLst/>
   <a:extLst>
     <a:ext uri="{05A4C25C-085E-4340-85A3-A5531E510DB2}">
-      <thm15:themeFamily xmlns:thm15="http://schemas.microsoft.com/office/thememl/2012/main" name="Office Theme" id="{62F939B6-93AF-4DB8-9C6B-D6C7DFDC589F}" vid="{4A3C46E8-61CC-4603-A589-7422A47A8E4A}"/>
+      <thm15:themeFamily xmlns:thm15="http://schemas.microsoft.com/office/thememl/2012/main" xmlns="" name="Office Theme" id="{62F939B6-93AF-4DB8-9C6B-D6C7DFDC589F}" vid="{4A3C46E8-61CC-4603-A589-7422A47A8E4A}"/>
     </a:ext>
   </a:extLst>
 </a:theme>

--- a/Spring.pptx
+++ b/Spring.pptx
@@ -5,36 +5,36 @@
     <p:sldMasterId id="2147483648" r:id="rId1"/>
   </p:sldMasterIdLst>
   <p:sldIdLst>
-    <p:sldId id="256" r:id="rId2"/>
-    <p:sldId id="298" r:id="rId3"/>
-    <p:sldId id="299" r:id="rId4"/>
-    <p:sldId id="323" r:id="rId5"/>
-    <p:sldId id="324" r:id="rId6"/>
-    <p:sldId id="257" r:id="rId7"/>
-    <p:sldId id="295" r:id="rId8"/>
-    <p:sldId id="326" r:id="rId9"/>
-    <p:sldId id="296" r:id="rId10"/>
-    <p:sldId id="276" r:id="rId11"/>
-    <p:sldId id="258" r:id="rId12"/>
-    <p:sldId id="259" r:id="rId13"/>
-    <p:sldId id="260" r:id="rId14"/>
-    <p:sldId id="297" r:id="rId15"/>
-    <p:sldId id="325" r:id="rId16"/>
-    <p:sldId id="261" r:id="rId17"/>
-    <p:sldId id="262" r:id="rId18"/>
-    <p:sldId id="263" r:id="rId19"/>
-    <p:sldId id="264" r:id="rId20"/>
-    <p:sldId id="265" r:id="rId21"/>
-    <p:sldId id="266" r:id="rId22"/>
-    <p:sldId id="267" r:id="rId23"/>
-    <p:sldId id="268" r:id="rId24"/>
-    <p:sldId id="269" r:id="rId25"/>
-    <p:sldId id="270" r:id="rId26"/>
-    <p:sldId id="271" r:id="rId27"/>
-    <p:sldId id="272" r:id="rId28"/>
-    <p:sldId id="273" r:id="rId29"/>
-    <p:sldId id="274" r:id="rId30"/>
-    <p:sldId id="275" r:id="rId31"/>
+    <p:sldId id="256" r:id="rId3"/>
+    <p:sldId id="298" r:id="rId4"/>
+    <p:sldId id="299" r:id="rId5"/>
+    <p:sldId id="323" r:id="rId6"/>
+    <p:sldId id="324" r:id="rId7"/>
+    <p:sldId id="257" r:id="rId8"/>
+    <p:sldId id="295" r:id="rId9"/>
+    <p:sldId id="326" r:id="rId10"/>
+    <p:sldId id="296" r:id="rId11"/>
+    <p:sldId id="276" r:id="rId12"/>
+    <p:sldId id="258" r:id="rId13"/>
+    <p:sldId id="259" r:id="rId14"/>
+    <p:sldId id="260" r:id="rId15"/>
+    <p:sldId id="297" r:id="rId16"/>
+    <p:sldId id="325" r:id="rId17"/>
+    <p:sldId id="261" r:id="rId18"/>
+    <p:sldId id="262" r:id="rId19"/>
+    <p:sldId id="263" r:id="rId20"/>
+    <p:sldId id="264" r:id="rId21"/>
+    <p:sldId id="265" r:id="rId22"/>
+    <p:sldId id="266" r:id="rId23"/>
+    <p:sldId id="267" r:id="rId24"/>
+    <p:sldId id="268" r:id="rId25"/>
+    <p:sldId id="269" r:id="rId26"/>
+    <p:sldId id="270" r:id="rId27"/>
+    <p:sldId id="271" r:id="rId28"/>
+    <p:sldId id="272" r:id="rId29"/>
+    <p:sldId id="273" r:id="rId30"/>
+    <p:sldId id="274" r:id="rId31"/>
+    <p:sldId id="275" r:id="rId32"/>
   </p:sldIdLst>
   <p:sldSz cx="10080625" cy="7559675"/>
   <p:notesSz cx="7772400" cy="10058400"/>
@@ -1615,6 +1615,9 @@
               </a:rPr>
               <a:t>Click to edit the title text format</a:t>
             </a:r>
+            <a:endParaRPr lang="en-US" sz="4400" b="0" strike="noStrike" spc="-1">
+              <a:latin typeface="Arial" panose="020B0604020202020204"/>
+            </a:endParaRPr>
           </a:p>
         </p:txBody>
       </p:sp>
@@ -1660,6 +1663,9 @@
               </a:rPr>
               <a:t>Click to edit the outline text format</a:t>
             </a:r>
+            <a:endParaRPr lang="en-US" sz="3200" b="0" strike="noStrike" spc="-1">
+              <a:latin typeface="Arial" panose="020B0604020202020204"/>
+            </a:endParaRPr>
           </a:p>
           <a:p>
             <a:pPr marL="864235" lvl="1" indent="-323850">
@@ -1679,6 +1685,9 @@
               </a:rPr>
               <a:t>Second Outline Level</a:t>
             </a:r>
+            <a:endParaRPr lang="en-US" sz="2800" b="0" strike="noStrike" spc="-1">
+              <a:latin typeface="Arial" panose="020B0604020202020204"/>
+            </a:endParaRPr>
           </a:p>
           <a:p>
             <a:pPr marL="1296035" lvl="2" indent="-288290">
@@ -1698,6 +1707,9 @@
               </a:rPr>
               <a:t>Third Outline Level</a:t>
             </a:r>
+            <a:endParaRPr lang="en-US" sz="2400" b="0" strike="noStrike" spc="-1">
+              <a:latin typeface="Arial" panose="020B0604020202020204"/>
+            </a:endParaRPr>
           </a:p>
           <a:p>
             <a:pPr marL="1727835" lvl="3" indent="-215900">
@@ -1717,6 +1729,9 @@
               </a:rPr>
               <a:t>Fourth Outline Level</a:t>
             </a:r>
+            <a:endParaRPr lang="en-US" sz="2000" b="0" strike="noStrike" spc="-1">
+              <a:latin typeface="Arial" panose="020B0604020202020204"/>
+            </a:endParaRPr>
           </a:p>
           <a:p>
             <a:pPr marL="2160270" lvl="4" indent="-215900">
@@ -1736,6 +1751,9 @@
               </a:rPr>
               <a:t>Fifth Outline Level</a:t>
             </a:r>
+            <a:endParaRPr lang="en-US" sz="2000" b="0" strike="noStrike" spc="-1">
+              <a:latin typeface="Arial" panose="020B0604020202020204"/>
+            </a:endParaRPr>
           </a:p>
           <a:p>
             <a:pPr marL="2592070" lvl="5" indent="-215900">
@@ -1755,6 +1773,9 @@
               </a:rPr>
               <a:t>Sixth Outline Level</a:t>
             </a:r>
+            <a:endParaRPr lang="en-US" sz="2000" b="0" strike="noStrike" spc="-1">
+              <a:latin typeface="Arial" panose="020B0604020202020204"/>
+            </a:endParaRPr>
           </a:p>
           <a:p>
             <a:pPr marL="3023870" lvl="6" indent="-215900">
@@ -1774,6 +1795,9 @@
               </a:rPr>
               <a:t>Seventh Outline Level</a:t>
             </a:r>
+            <a:endParaRPr lang="en-US" sz="2000" b="0" strike="noStrike" spc="-1">
+              <a:latin typeface="Arial" panose="020B0604020202020204"/>
+            </a:endParaRPr>
           </a:p>
         </p:txBody>
       </p:sp>
@@ -1808,6 +1832,9 @@
               </a:rPr>
               <a:t>&lt;date/time&gt;</a:t>
             </a:r>
+            <a:endParaRPr lang="en-US" sz="1400" b="0" strike="noStrike" spc="-1">
+              <a:latin typeface="Times New Roman" panose="02020603050405020304"/>
+            </a:endParaRPr>
           </a:p>
         </p:txBody>
       </p:sp>
@@ -1843,6 +1870,9 @@
               </a:rPr>
               <a:t>&lt;footer&gt;</a:t>
             </a:r>
+            <a:endParaRPr lang="en-US" sz="1400" b="0" strike="noStrike" spc="-1">
+              <a:latin typeface="Times New Roman" panose="02020603050405020304"/>
+            </a:endParaRPr>
           </a:p>
         </p:txBody>
       </p:sp>
@@ -1876,7 +1906,6 @@
               <a:rPr lang="en-US" sz="1400" b="0" strike="noStrike" spc="-1">
                 <a:latin typeface="Times New Roman" panose="02020603050405020304"/>
               </a:rPr>
-              <a:t>‹#›</a:t>
             </a:fld>
             <a:endParaRPr lang="en-US" sz="1400" b="0" strike="noStrike" spc="-1">
               <a:latin typeface="Times New Roman" panose="02020603050405020304"/>
@@ -1958,6 +1987,9 @@
               </a:rPr>
               <a:t>Content</a:t>
             </a:r>
+            <a:endParaRPr lang="en-US" sz="4400" b="0" strike="noStrike" spc="-1">
+              <a:latin typeface="Arial" panose="020B0604020202020204"/>
+            </a:endParaRPr>
           </a:p>
         </p:txBody>
       </p:sp>
@@ -1997,6 +2029,9 @@
               </a:rPr>
               <a:t>1.Spring Bean</a:t>
             </a:r>
+            <a:endParaRPr lang="en-US" sz="1800" b="0" strike="noStrike" spc="-1">
+              <a:latin typeface="Arial" panose="020B0604020202020204"/>
+            </a:endParaRPr>
           </a:p>
           <a:p>
             <a:pPr>
@@ -2010,6 +2045,9 @@
               </a:rPr>
               <a:t>2. Annotation</a:t>
             </a:r>
+            <a:endParaRPr lang="en-US" sz="1800" b="0" strike="noStrike" spc="-1">
+              <a:latin typeface="Arial" panose="020B0604020202020204"/>
+            </a:endParaRPr>
           </a:p>
           <a:p>
             <a:pPr>
@@ -2023,6 +2061,9 @@
               </a:rPr>
               <a:t>3. Spring JPA</a:t>
             </a:r>
+            <a:endParaRPr lang="en-US" sz="1800" b="0" strike="noStrike" spc="-1">
+              <a:latin typeface="Arial" panose="020B0604020202020204"/>
+            </a:endParaRPr>
           </a:p>
           <a:p>
             <a:pPr>
@@ -2036,6 +2077,9 @@
               </a:rPr>
               <a:t>4. Spring Security (JWT)</a:t>
             </a:r>
+            <a:endParaRPr lang="en-US" sz="1800" b="0" strike="noStrike" spc="-1">
+              <a:latin typeface="Arial" panose="020B0604020202020204"/>
+            </a:endParaRPr>
           </a:p>
           <a:p>
             <a:pPr>
@@ -2049,6 +2093,9 @@
               </a:rPr>
               <a:t>5. Oauth2</a:t>
             </a:r>
+            <a:endParaRPr lang="en-US" sz="1800" b="0" strike="noStrike" spc="-1">
+              <a:latin typeface="Arial" panose="020B0604020202020204"/>
+            </a:endParaRPr>
           </a:p>
           <a:p>
             <a:pPr>
@@ -2062,6 +2109,9 @@
               </a:rPr>
               <a:t>6. JMS and ActiveMQ</a:t>
             </a:r>
+            <a:endParaRPr lang="en-US" sz="1800" b="0" strike="noStrike" spc="-1">
+              <a:latin typeface="Arial" panose="020B0604020202020204"/>
+            </a:endParaRPr>
           </a:p>
         </p:txBody>
       </p:sp>
@@ -2070,11 +2120,11 @@
   <p:clrMapOvr>
     <a:masterClrMapping/>
   </p:clrMapOvr>
-  <mc:AlternateContent xmlns:mc="http://schemas.openxmlformats.org/markup-compatibility/2006" xmlns:p14="http://schemas.microsoft.com/office/powerpoint/2010/main">
-    <mc:Choice Requires="p14">
+  <mc:AlternateContent xmlns:mc="http://schemas.openxmlformats.org/markup-compatibility/2006">
+    <mc:Choice xmlns:p14="http://schemas.microsoft.com/office/powerpoint/2010/main" Requires="p14">
       <p:transition spd="slow" p14:dur="2000"/>
     </mc:Choice>
-    <mc:Fallback xmlns="">
+    <mc:Fallback>
       <p:transition spd="slow"/>
     </mc:Fallback>
   </mc:AlternateContent>
@@ -2137,6 +2187,9 @@
               </a:rPr>
               <a:t>@Component </a:t>
             </a:r>
+            <a:endParaRPr lang="en-US" sz="4400" b="0" strike="noStrike" spc="-1">
+              <a:latin typeface="Arial" panose="020B0604020202020204"/>
+            </a:endParaRPr>
           </a:p>
         </p:txBody>
       </p:sp>
@@ -2176,6 +2229,9 @@
               </a:rPr>
               <a:t>Spring Boot khi chạy sẽ dò tìm toàn bộ các Class cùng cấp hoặc ở trong các package thấp hơn so với class App mà bạn cung cấp cho Spring (Chúng ta có thể cấu hình việc tìm kiếm này, sẽ đề cập sau). Trong quá trình dò tìm này, khi gặp một class được đánh dấu @Component thì nó sẽ tạo ra một instance và đưa vào ApplicationContext để quản lý.</a:t>
             </a:r>
+            <a:endParaRPr lang="en-US" sz="1800" b="0" strike="noStrike" spc="-1">
+              <a:latin typeface="Arial" panose="020B0604020202020204"/>
+            </a:endParaRPr>
           </a:p>
           <a:p>
             <a:pPr>
@@ -2199,6 +2255,9 @@
               </a:rPr>
               <a:t>Sau khi tìm thấy một class đánh dấu @Component. thì quá trình inject Bean xảy ra theo cách như sau:</a:t>
             </a:r>
+            <a:endParaRPr lang="en-US" sz="1800" b="0" strike="noStrike" spc="-1">
+              <a:latin typeface="Arial" panose="020B0604020202020204"/>
+            </a:endParaRPr>
           </a:p>
           <a:p>
             <a:pPr>
@@ -2228,6 +2287,9 @@
               </a:rPr>
               <a:t>Nếu Class không có hàm Constructor hay Setter. Thì sẽ sử dụng Java Reflection để đưa đối tượng vào thuộc tính có đánh dấu @Autowired.</a:t>
             </a:r>
+            <a:endParaRPr lang="en-US" sz="1800" b="0" strike="noStrike" spc="-1">
+              <a:latin typeface="Arial" panose="020B0604020202020204"/>
+            </a:endParaRPr>
           </a:p>
           <a:p>
             <a:pPr marL="215900" indent="-215900">
@@ -2247,6 +2309,9 @@
               </a:rPr>
               <a:t>Nếu có hàm Constructor thì sẽ inject Bean vào bởi tham số của hàm</a:t>
             </a:r>
+            <a:endParaRPr lang="en-US" sz="1800" b="0" strike="noStrike" spc="-1">
+              <a:latin typeface="Arial" panose="020B0604020202020204"/>
+            </a:endParaRPr>
           </a:p>
           <a:p>
             <a:pPr marL="215900" indent="-215900">
@@ -2266,6 +2331,9 @@
               </a:rPr>
               <a:t>Nếu có hàm Setter thì sẽ inject Bean vào bởi tham số của hàm</a:t>
             </a:r>
+            <a:endParaRPr lang="en-US" sz="1800" b="0" strike="noStrike" spc="-1">
+              <a:latin typeface="Arial" panose="020B0604020202020204"/>
+            </a:endParaRPr>
           </a:p>
         </p:txBody>
       </p:sp>
@@ -2274,11 +2342,11 @@
   <p:clrMapOvr>
     <a:masterClrMapping/>
   </p:clrMapOvr>
-  <mc:AlternateContent xmlns:mc="http://schemas.openxmlformats.org/markup-compatibility/2006" xmlns:p14="http://schemas.microsoft.com/office/powerpoint/2010/main">
-    <mc:Choice Requires="p14">
+  <mc:AlternateContent xmlns:mc="http://schemas.openxmlformats.org/markup-compatibility/2006">
+    <mc:Choice xmlns:p14="http://schemas.microsoft.com/office/powerpoint/2010/main" Requires="p14">
       <p:transition spd="slow" p14:dur="2000"/>
     </mc:Choice>
-    <mc:Fallback xmlns="">
+    <mc:Fallback>
       <p:transition spd="slow"/>
     </mc:Fallback>
   </mc:AlternateContent>
@@ -2341,6 +2409,9 @@
               </a:rPr>
               <a:t>@Component </a:t>
             </a:r>
+            <a:endParaRPr lang="en-US" sz="4400" b="0" strike="noStrike" spc="-1">
+              <a:latin typeface="Arial" panose="020B0604020202020204"/>
+            </a:endParaRPr>
           </a:p>
         </p:txBody>
       </p:sp>
@@ -2351,7 +2422,7 @@
           <p:nvPr/>
         </p:nvPicPr>
         <p:blipFill>
-          <a:blip r:embed="rId2"/>
+          <a:blip r:embed="rId1"/>
           <a:stretch>
             <a:fillRect/>
           </a:stretch>
@@ -2376,7 +2447,7 @@
           <p:nvPr/>
         </p:nvPicPr>
         <p:blipFill>
-          <a:blip r:embed="rId3"/>
+          <a:blip r:embed="rId2"/>
           <a:stretch>
             <a:fillRect/>
           </a:stretch>
@@ -2399,11 +2470,11 @@
   <p:clrMapOvr>
     <a:masterClrMapping/>
   </p:clrMapOvr>
-  <mc:AlternateContent xmlns:mc="http://schemas.openxmlformats.org/markup-compatibility/2006" xmlns:p14="http://schemas.microsoft.com/office/powerpoint/2010/main">
-    <mc:Choice Requires="p14">
+  <mc:AlternateContent xmlns:mc="http://schemas.openxmlformats.org/markup-compatibility/2006">
+    <mc:Choice xmlns:p14="http://schemas.microsoft.com/office/powerpoint/2010/main" Requires="p14">
       <p:transition spd="slow" p14:dur="2000"/>
     </mc:Choice>
-    <mc:Fallback xmlns="">
+    <mc:Fallback>
       <p:transition spd="slow"/>
     </mc:Fallback>
   </mc:AlternateContent>
@@ -2466,6 +2537,9 @@
               </a:rPr>
               <a:t>@Service vs @Repository </a:t>
             </a:r>
+            <a:endParaRPr lang="en-US" sz="4400" b="0" strike="noStrike" spc="-1">
+              <a:latin typeface="Arial" panose="020B0604020202020204"/>
+            </a:endParaRPr>
           </a:p>
         </p:txBody>
       </p:sp>
@@ -2500,26 +2574,32 @@
               </a:rPr>
               <a:t>Về bản chất @Service và @Repository cũng chính là @Component. Nhưng đặt tên khác nhau để giúp chúng ta phân biệt các tầng với nhau.</a:t>
             </a:r>
-          </a:p>
-          <a:p>
             <a:endParaRPr lang="en-US" sz="1800" b="0" strike="noStrike" spc="-1">
               <a:latin typeface="Arial" panose="020B0604020202020204"/>
             </a:endParaRPr>
           </a:p>
           <a:p>
+            <a:endParaRPr lang="en-US" sz="1800" b="0" strike="noStrike" spc="-1">
+              <a:latin typeface="Arial" panose="020B0604020202020204"/>
+            </a:endParaRPr>
+          </a:p>
+          <a:p>
             <a:r>
               <a:rPr lang="en-US" sz="1800" b="0" strike="noStrike" spc="-1">
                 <a:latin typeface="Arial" panose="020B0604020202020204"/>
               </a:rPr>
               <a:t>Trong các bài đầu tiên chúng ta đã biết @Component đánh dấu cho Spring Boot biết Class đó là Bean</a:t>
             </a:r>
-          </a:p>
-          <a:p>
             <a:endParaRPr lang="en-US" sz="1800" b="0" strike="noStrike" spc="-1">
               <a:latin typeface="Arial" panose="020B0604020202020204"/>
             </a:endParaRPr>
           </a:p>
           <a:p>
+            <a:endParaRPr lang="en-US" sz="1800" b="0" strike="noStrike" spc="-1">
+              <a:latin typeface="Arial" panose="020B0604020202020204"/>
+            </a:endParaRPr>
+          </a:p>
+          <a:p>
             <a:r>
               <a:rPr lang="en-US" sz="1800" b="0" strike="noStrike" spc="-1">
                 <a:latin typeface="Arial" panose="020B0604020202020204"/>
@@ -2562,26 +2642,32 @@
               </a:rPr>
               <a:t> cho nhau mà không ảnh hưởng gì tới code của bạn cả. Nó vẫn sẽ hoạt động.</a:t>
             </a:r>
-          </a:p>
-          <a:p>
             <a:endParaRPr lang="en-US" sz="1800" b="0" strike="noStrike" spc="-1">
               <a:latin typeface="Arial" panose="020B0604020202020204"/>
             </a:endParaRPr>
           </a:p>
           <a:p>
+            <a:endParaRPr lang="en-US" sz="1800" b="0" strike="noStrike" spc="-1">
+              <a:latin typeface="Arial" panose="020B0604020202020204"/>
+            </a:endParaRPr>
+          </a:p>
+          <a:p>
             <a:r>
               <a:rPr lang="en-US" sz="1800" b="0" strike="noStrike" spc="-1">
                 <a:latin typeface="Arial" panose="020B0604020202020204"/>
               </a:rPr>
               <a:t>Tuy nhiên từ góc độ thiết kế thì chúng ta cần phân rõ 3 Annotation này cho các Class đảm nhiệm đúng nhiệm vụ của nó.</a:t>
             </a:r>
-          </a:p>
-          <a:p>
             <a:endParaRPr lang="en-US" sz="1800" b="0" strike="noStrike" spc="-1">
               <a:latin typeface="Arial" panose="020B0604020202020204"/>
             </a:endParaRPr>
           </a:p>
           <a:p>
+            <a:endParaRPr lang="en-US" sz="1800" b="0" strike="noStrike" spc="-1">
+              <a:latin typeface="Arial" panose="020B0604020202020204"/>
+            </a:endParaRPr>
+          </a:p>
+          <a:p>
             <a:r>
               <a:rPr lang="en-US" sz="1800" b="0" strike="noStrike" spc="-1">
                 <a:latin typeface="Arial" panose="020B0604020202020204"/>
@@ -2600,6 +2686,9 @@
               </a:rPr>
               <a:t> gắn cho các Bean đảm nhiệm xử lý logic</a:t>
             </a:r>
+            <a:endParaRPr lang="en-US" sz="1800" b="0" strike="noStrike" spc="-1">
+              <a:latin typeface="Arial" panose="020B0604020202020204"/>
+            </a:endParaRPr>
           </a:p>
           <a:p>
             <a:r>
@@ -2620,6 +2709,9 @@
               </a:rPr>
               <a:t> gắn cho các Bean đảm nhiệm giao tiếp với DB</a:t>
             </a:r>
+            <a:endParaRPr lang="en-US" sz="1800" b="0" strike="noStrike" spc="-1">
+              <a:latin typeface="Arial" panose="020B0604020202020204"/>
+            </a:endParaRPr>
           </a:p>
           <a:p>
             <a:r>
@@ -2640,6 +2732,9 @@
               </a:rPr>
               <a:t> gắn cho các Bean khác.</a:t>
             </a:r>
+            <a:endParaRPr lang="en-US" sz="1800" b="0" strike="noStrike" spc="-1">
+              <a:latin typeface="Arial" panose="020B0604020202020204"/>
+            </a:endParaRPr>
           </a:p>
         </p:txBody>
       </p:sp>
@@ -2648,11 +2743,11 @@
   <p:clrMapOvr>
     <a:masterClrMapping/>
   </p:clrMapOvr>
-  <mc:AlternateContent xmlns:mc="http://schemas.openxmlformats.org/markup-compatibility/2006" xmlns:p14="http://schemas.microsoft.com/office/powerpoint/2010/main">
-    <mc:Choice Requires="p14">
+  <mc:AlternateContent xmlns:mc="http://schemas.openxmlformats.org/markup-compatibility/2006">
+    <mc:Choice xmlns:p14="http://schemas.microsoft.com/office/powerpoint/2010/main" Requires="p14">
       <p:transition spd="slow" p14:dur="2000"/>
     </mc:Choice>
-    <mc:Fallback xmlns="">
+    <mc:Fallback>
       <p:transition spd="slow"/>
     </mc:Fallback>
   </mc:AlternateContent>
@@ -2715,6 +2810,9 @@
               </a:rPr>
               <a:t>@Autowired </a:t>
             </a:r>
+            <a:endParaRPr lang="en-US" sz="4400" b="0" strike="noStrike" spc="-1">
+              <a:latin typeface="Arial" panose="020B0604020202020204"/>
+            </a:endParaRPr>
           </a:p>
         </p:txBody>
       </p:sp>
@@ -2725,7 +2823,7 @@
           <p:nvPr/>
         </p:nvPicPr>
         <p:blipFill>
-          <a:blip r:embed="rId2"/>
+          <a:blip r:embed="rId1"/>
           <a:stretch>
             <a:fillRect/>
           </a:stretch>
@@ -2779,6 +2877,9 @@
               </a:rPr>
               <a:t>Tôi đánh dấu thuộc tính Outfit của Girl bởi Annotation @Autowired. Điều này nói với Spring Boot hãy tự inject (tiêm) một instance của Outfit vào thuộc tính này khi khởi tạo Girl.</a:t>
             </a:r>
+            <a:endParaRPr lang="en-US" sz="1800" b="0" strike="noStrike" spc="-1">
+              <a:latin typeface="Arial" panose="020B0604020202020204"/>
+            </a:endParaRPr>
           </a:p>
         </p:txBody>
       </p:sp>
@@ -2787,11 +2888,11 @@
   <p:clrMapOvr>
     <a:masterClrMapping/>
   </p:clrMapOvr>
-  <mc:AlternateContent xmlns:mc="http://schemas.openxmlformats.org/markup-compatibility/2006" xmlns:p14="http://schemas.microsoft.com/office/powerpoint/2010/main">
-    <mc:Choice Requires="p14">
+  <mc:AlternateContent xmlns:mc="http://schemas.openxmlformats.org/markup-compatibility/2006">
+    <mc:Choice xmlns:p14="http://schemas.microsoft.com/office/powerpoint/2010/main" Requires="p14">
       <p:transition spd="slow" p14:dur="2000"/>
     </mc:Choice>
-    <mc:Fallback xmlns="">
+    <mc:Fallback>
       <p:transition spd="slow"/>
     </mc:Fallback>
   </mc:AlternateContent>
@@ -2888,8 +2989,8 @@
         </p:nvSpPr>
         <p:spPr bwMode="auto">
           <a:xfrm rot="10800000" flipV="1">
-            <a:off x="257049" y="1157932"/>
-            <a:ext cx="9648140" cy="3939540"/>
+            <a:off x="257049" y="1281122"/>
+            <a:ext cx="9648140" cy="3693160"/>
           </a:xfrm>
           <a:prstGeom prst="rect">
             <a:avLst/>
@@ -2925,9 +3026,6 @@
         </p:spPr>
         <p:txBody>
           <a:bodyPr vert="horz" wrap="square" lIns="0" tIns="0" rIns="0" bIns="0" numCol="1" anchor="ctr" anchorCtr="0" compatLnSpc="1">
-            <a:prstTxWarp prst="textNoShape">
-              <a:avLst/>
-            </a:prstTxWarp>
             <a:spAutoFit/>
           </a:bodyPr>
           <a:lstStyle/>
@@ -2946,7 +3044,6 @@
               <a:buSzTx/>
               <a:buFontTx/>
               <a:buNone/>
-              <a:tabLst/>
             </a:pPr>
             <a:r>
               <a:rPr kumimoji="0" lang="en-US" sz="1600" i="0" u="none" strike="noStrike" cap="none" normalizeH="0" baseline="0" dirty="0" err="1" smtClean="0">
@@ -2957,8 +3054,7 @@
                   <a:srgbClr val="666666"/>
                 </a:solidFill>
                 <a:effectLst/>
-                <a:latin typeface="Poppins"/>
-                <a:cs typeface="Arial" pitchFamily="34" charset="0"/>
+                <a:cs typeface="+mn-lt"/>
               </a:rPr>
               <a:t>Khi</a:t>
             </a:r>
@@ -2971,8 +3067,7 @@
                   <a:srgbClr val="666666"/>
                 </a:solidFill>
                 <a:effectLst/>
-                <a:latin typeface="Poppins"/>
-                <a:cs typeface="Arial" pitchFamily="34" charset="0"/>
+                <a:cs typeface="+mn-lt"/>
               </a:rPr>
               <a:t> </a:t>
             </a:r>
@@ -2985,8 +3080,7 @@
                   <a:srgbClr val="666666"/>
                 </a:solidFill>
                 <a:effectLst/>
-                <a:latin typeface="Poppins"/>
-                <a:cs typeface="Arial" pitchFamily="34" charset="0"/>
+                <a:cs typeface="+mn-lt"/>
               </a:rPr>
               <a:t>một</a:t>
             </a:r>
@@ -2999,8 +3093,7 @@
                   <a:srgbClr val="666666"/>
                 </a:solidFill>
                 <a:effectLst/>
-                <a:latin typeface="Poppins"/>
-                <a:cs typeface="Arial" pitchFamily="34" charset="0"/>
+                <a:cs typeface="+mn-lt"/>
               </a:rPr>
               <a:t> request </a:t>
             </a:r>
@@ -3013,8 +3106,7 @@
                   <a:srgbClr val="666666"/>
                 </a:solidFill>
                 <a:effectLst/>
-                <a:latin typeface="Poppins"/>
-                <a:cs typeface="Arial" pitchFamily="34" charset="0"/>
+                <a:cs typeface="+mn-lt"/>
               </a:rPr>
               <a:t>đến</a:t>
             </a:r>
@@ -3027,8 +3119,7 @@
                   <a:srgbClr val="666666"/>
                 </a:solidFill>
                 <a:effectLst/>
-                <a:latin typeface="Poppins"/>
-                <a:cs typeface="Arial" pitchFamily="34" charset="0"/>
+                <a:cs typeface="+mn-lt"/>
               </a:rPr>
               <a:t>, dispatcher servlet </a:t>
             </a:r>
@@ -3041,8 +3132,7 @@
                   <a:srgbClr val="666666"/>
                 </a:solidFill>
                 <a:effectLst/>
-                <a:latin typeface="Poppins"/>
-                <a:cs typeface="Arial" pitchFamily="34" charset="0"/>
+                <a:cs typeface="+mn-lt"/>
               </a:rPr>
               <a:t>sẽ</a:t>
             </a:r>
@@ -3055,8 +3145,7 @@
                   <a:srgbClr val="666666"/>
                 </a:solidFill>
                 <a:effectLst/>
-                <a:latin typeface="Poppins"/>
-                <a:cs typeface="Arial" pitchFamily="34" charset="0"/>
+                <a:cs typeface="+mn-lt"/>
               </a:rPr>
               <a:t> </a:t>
             </a:r>
@@ -3069,8 +3158,7 @@
                   <a:srgbClr val="666666"/>
                 </a:solidFill>
                 <a:effectLst/>
-                <a:latin typeface="Poppins"/>
-                <a:cs typeface="Arial" pitchFamily="34" charset="0"/>
+                <a:cs typeface="+mn-lt"/>
               </a:rPr>
               <a:t>chuyển</a:t>
             </a:r>
@@ -3083,8 +3171,7 @@
                   <a:srgbClr val="666666"/>
                 </a:solidFill>
                 <a:effectLst/>
-                <a:latin typeface="Poppins"/>
-                <a:cs typeface="Arial" pitchFamily="34" charset="0"/>
+                <a:cs typeface="+mn-lt"/>
               </a:rPr>
               <a:t> </a:t>
             </a:r>
@@ -3097,8 +3184,7 @@
                   <a:srgbClr val="666666"/>
                 </a:solidFill>
                 <a:effectLst/>
-                <a:latin typeface="Poppins"/>
-                <a:cs typeface="Arial" pitchFamily="34" charset="0"/>
+                <a:cs typeface="+mn-lt"/>
               </a:rPr>
               <a:t>tiếp</a:t>
             </a:r>
@@ -3111,8 +3197,7 @@
                   <a:srgbClr val="666666"/>
                 </a:solidFill>
                 <a:effectLst/>
-                <a:latin typeface="Poppins"/>
-                <a:cs typeface="Arial" pitchFamily="34" charset="0"/>
+                <a:cs typeface="+mn-lt"/>
               </a:rPr>
               <a:t> request </a:t>
             </a:r>
@@ -3125,8 +3210,7 @@
                   <a:srgbClr val="666666"/>
                 </a:solidFill>
                 <a:effectLst/>
-                <a:latin typeface="Poppins"/>
-                <a:cs typeface="Arial" pitchFamily="34" charset="0"/>
+                <a:cs typeface="+mn-lt"/>
               </a:rPr>
               <a:t>xuống</a:t>
             </a:r>
@@ -3139,8 +3223,7 @@
                   <a:srgbClr val="666666"/>
                 </a:solidFill>
                 <a:effectLst/>
-                <a:latin typeface="Poppins"/>
-                <a:cs typeface="Arial" pitchFamily="34" charset="0"/>
+                <a:cs typeface="+mn-lt"/>
               </a:rPr>
               <a:t> handler mapping, </a:t>
             </a:r>
@@ -3153,8 +3236,7 @@
                   <a:srgbClr val="666666"/>
                 </a:solidFill>
                 <a:effectLst/>
-                <a:latin typeface="Poppins"/>
-                <a:cs typeface="Arial" pitchFamily="34" charset="0"/>
+                <a:cs typeface="+mn-lt"/>
               </a:rPr>
               <a:t>sau</a:t>
             </a:r>
@@ -3167,8 +3249,7 @@
                   <a:srgbClr val="666666"/>
                 </a:solidFill>
                 <a:effectLst/>
-                <a:latin typeface="Poppins"/>
-                <a:cs typeface="Arial" pitchFamily="34" charset="0"/>
+                <a:cs typeface="+mn-lt"/>
               </a:rPr>
               <a:t> </a:t>
             </a:r>
@@ -3181,8 +3262,7 @@
                   <a:srgbClr val="666666"/>
                 </a:solidFill>
                 <a:effectLst/>
-                <a:latin typeface="Poppins"/>
-                <a:cs typeface="Arial" pitchFamily="34" charset="0"/>
+                <a:cs typeface="+mn-lt"/>
               </a:rPr>
               <a:t>đó</a:t>
             </a:r>
@@ -3195,8 +3275,7 @@
                   <a:srgbClr val="666666"/>
                 </a:solidFill>
                 <a:effectLst/>
-                <a:latin typeface="Poppins"/>
-                <a:cs typeface="Arial" pitchFamily="34" charset="0"/>
+                <a:cs typeface="+mn-lt"/>
               </a:rPr>
               <a:t> </a:t>
             </a:r>
@@ -3209,8 +3288,7 @@
                   <a:srgbClr val="666666"/>
                 </a:solidFill>
                 <a:effectLst/>
-                <a:latin typeface="Poppins"/>
-                <a:cs typeface="Arial" pitchFamily="34" charset="0"/>
+                <a:cs typeface="+mn-lt"/>
               </a:rPr>
               <a:t>dựa</a:t>
             </a:r>
@@ -3223,8 +3301,7 @@
                   <a:srgbClr val="666666"/>
                 </a:solidFill>
                 <a:effectLst/>
-                <a:latin typeface="Poppins"/>
-                <a:cs typeface="Arial" pitchFamily="34" charset="0"/>
+                <a:cs typeface="+mn-lt"/>
               </a:rPr>
               <a:t> </a:t>
             </a:r>
@@ -3237,8 +3314,7 @@
                   <a:srgbClr val="666666"/>
                 </a:solidFill>
                 <a:effectLst/>
-                <a:latin typeface="Poppins"/>
-                <a:cs typeface="Arial" pitchFamily="34" charset="0"/>
+                <a:cs typeface="+mn-lt"/>
               </a:rPr>
               <a:t>vào</a:t>
             </a:r>
@@ -3251,8 +3327,7 @@
                   <a:srgbClr val="666666"/>
                 </a:solidFill>
                 <a:effectLst/>
-                <a:latin typeface="Poppins"/>
-                <a:cs typeface="Arial" pitchFamily="34" charset="0"/>
+                <a:cs typeface="+mn-lt"/>
               </a:rPr>
               <a:t> </a:t>
             </a:r>
@@ -3265,8 +3340,7 @@
                   <a:srgbClr val="666666"/>
                 </a:solidFill>
                 <a:effectLst/>
-                <a:latin typeface="Poppins"/>
-                <a:cs typeface="Arial" pitchFamily="34" charset="0"/>
+                <a:cs typeface="+mn-lt"/>
               </a:rPr>
               <a:t>thông</a:t>
             </a:r>
@@ -3279,8 +3353,7 @@
                   <a:srgbClr val="666666"/>
                 </a:solidFill>
                 <a:effectLst/>
-                <a:latin typeface="Poppins"/>
-                <a:cs typeface="Arial" pitchFamily="34" charset="0"/>
+                <a:cs typeface="+mn-lt"/>
               </a:rPr>
               <a:t> tin request </a:t>
             </a:r>
@@ -3293,8 +3366,7 @@
                   <a:srgbClr val="666666"/>
                 </a:solidFill>
                 <a:effectLst/>
-                <a:latin typeface="Poppins"/>
-                <a:cs typeface="Arial" pitchFamily="34" charset="0"/>
+                <a:cs typeface="+mn-lt"/>
               </a:rPr>
               <a:t>kết</a:t>
             </a:r>
@@ -3307,8 +3379,7 @@
                   <a:srgbClr val="666666"/>
                 </a:solidFill>
                 <a:effectLst/>
-                <a:latin typeface="Poppins"/>
-                <a:cs typeface="Arial" pitchFamily="34" charset="0"/>
+                <a:cs typeface="+mn-lt"/>
               </a:rPr>
               <a:t> </a:t>
             </a:r>
@@ -3321,8 +3392,7 @@
                   <a:srgbClr val="666666"/>
                 </a:solidFill>
                 <a:effectLst/>
-                <a:latin typeface="Poppins"/>
-                <a:cs typeface="Arial" pitchFamily="34" charset="0"/>
+                <a:cs typeface="+mn-lt"/>
               </a:rPr>
               <a:t>hợp</a:t>
             </a:r>
@@ -3335,8 +3405,7 @@
                   <a:srgbClr val="666666"/>
                 </a:solidFill>
                 <a:effectLst/>
-                <a:latin typeface="Poppins"/>
-                <a:cs typeface="Arial" pitchFamily="34" charset="0"/>
+                <a:cs typeface="+mn-lt"/>
               </a:rPr>
               <a:t> </a:t>
             </a:r>
@@ -3349,8 +3418,7 @@
                   <a:srgbClr val="666666"/>
                 </a:solidFill>
                 <a:effectLst/>
-                <a:latin typeface="Poppins"/>
-                <a:cs typeface="Arial" pitchFamily="34" charset="0"/>
+                <a:cs typeface="+mn-lt"/>
               </a:rPr>
               <a:t>với</a:t>
             </a:r>
@@ -3363,8 +3431,7 @@
                   <a:srgbClr val="666666"/>
                 </a:solidFill>
                 <a:effectLst/>
-                <a:latin typeface="Poppins"/>
-                <a:cs typeface="Arial" pitchFamily="34" charset="0"/>
+                <a:cs typeface="+mn-lt"/>
               </a:rPr>
               <a:t> </a:t>
             </a:r>
@@ -3377,8 +3444,7 @@
                   <a:srgbClr val="6C757D"/>
                 </a:solidFill>
                 <a:effectLst/>
-                <a:latin typeface="SFMono-Regular"/>
-                <a:cs typeface="Arial" pitchFamily="34" charset="0"/>
+                <a:cs typeface="+mn-lt"/>
               </a:rPr>
               <a:t>@</a:t>
             </a:r>
@@ -3391,8 +3457,7 @@
                   <a:srgbClr val="6C757D"/>
                 </a:solidFill>
                 <a:effectLst/>
-                <a:latin typeface="SFMono-Regular"/>
-                <a:cs typeface="Arial" pitchFamily="34" charset="0"/>
+                <a:cs typeface="+mn-lt"/>
               </a:rPr>
               <a:t>RequestMapping</a:t>
             </a:r>
@@ -3405,8 +3470,7 @@
                   <a:srgbClr val="666666"/>
                 </a:solidFill>
                 <a:effectLst/>
-                <a:latin typeface="Poppins"/>
-                <a:cs typeface="Arial" pitchFamily="34" charset="0"/>
+                <a:cs typeface="+mn-lt"/>
               </a:rPr>
               <a:t> </a:t>
             </a:r>
@@ -3419,8 +3483,7 @@
                   <a:srgbClr val="666666"/>
                 </a:solidFill>
                 <a:effectLst/>
-                <a:latin typeface="Poppins"/>
-                <a:cs typeface="Arial" pitchFamily="34" charset="0"/>
+                <a:cs typeface="+mn-lt"/>
               </a:rPr>
               <a:t>đã</a:t>
             </a:r>
@@ -3433,8 +3496,7 @@
                   <a:srgbClr val="666666"/>
                 </a:solidFill>
                 <a:effectLst/>
-                <a:latin typeface="Poppins"/>
-                <a:cs typeface="Arial" pitchFamily="34" charset="0"/>
+                <a:cs typeface="+mn-lt"/>
               </a:rPr>
               <a:t> </a:t>
             </a:r>
@@ -3447,8 +3509,7 @@
                   <a:srgbClr val="666666"/>
                 </a:solidFill>
                 <a:effectLst/>
-                <a:latin typeface="Poppins"/>
-                <a:cs typeface="Arial" pitchFamily="34" charset="0"/>
+                <a:cs typeface="+mn-lt"/>
               </a:rPr>
               <a:t>đăng</a:t>
             </a:r>
@@ -3461,8 +3522,7 @@
                   <a:srgbClr val="666666"/>
                 </a:solidFill>
                 <a:effectLst/>
-                <a:latin typeface="Poppins"/>
-                <a:cs typeface="Arial" pitchFamily="34" charset="0"/>
+                <a:cs typeface="+mn-lt"/>
               </a:rPr>
               <a:t> </a:t>
             </a:r>
@@ -3475,8 +3535,7 @@
                   <a:srgbClr val="666666"/>
                 </a:solidFill>
                 <a:effectLst/>
-                <a:latin typeface="Poppins"/>
-                <a:cs typeface="Arial" pitchFamily="34" charset="0"/>
+                <a:cs typeface="+mn-lt"/>
               </a:rPr>
               <a:t>ký</a:t>
             </a:r>
@@ -3489,8 +3548,7 @@
                   <a:srgbClr val="666666"/>
                 </a:solidFill>
                 <a:effectLst/>
-                <a:latin typeface="Poppins"/>
-                <a:cs typeface="Arial" pitchFamily="34" charset="0"/>
+                <a:cs typeface="+mn-lt"/>
               </a:rPr>
               <a:t> </a:t>
             </a:r>
@@ -3503,8 +3561,7 @@
                   <a:srgbClr val="666666"/>
                 </a:solidFill>
                 <a:effectLst/>
-                <a:latin typeface="Poppins"/>
-                <a:cs typeface="Arial" pitchFamily="34" charset="0"/>
+                <a:cs typeface="+mn-lt"/>
               </a:rPr>
               <a:t>trước</a:t>
             </a:r>
@@ -3517,8 +3574,7 @@
                   <a:srgbClr val="666666"/>
                 </a:solidFill>
                 <a:effectLst/>
-                <a:latin typeface="Poppins"/>
-                <a:cs typeface="Arial" pitchFamily="34" charset="0"/>
+                <a:cs typeface="+mn-lt"/>
               </a:rPr>
               <a:t> </a:t>
             </a:r>
@@ -3531,8 +3587,7 @@
                   <a:srgbClr val="666666"/>
                 </a:solidFill>
                 <a:effectLst/>
-                <a:latin typeface="Poppins"/>
-                <a:cs typeface="Arial" pitchFamily="34" charset="0"/>
+                <a:cs typeface="+mn-lt"/>
               </a:rPr>
               <a:t>đó</a:t>
             </a:r>
@@ -3545,8 +3600,7 @@
                   <a:srgbClr val="666666"/>
                 </a:solidFill>
                 <a:effectLst/>
-                <a:latin typeface="Poppins"/>
-                <a:cs typeface="Arial" pitchFamily="34" charset="0"/>
+                <a:cs typeface="+mn-lt"/>
               </a:rPr>
               <a:t> </a:t>
             </a:r>
@@ -3559,8 +3613,7 @@
                   <a:srgbClr val="666666"/>
                 </a:solidFill>
                 <a:effectLst/>
-                <a:latin typeface="Poppins"/>
-                <a:cs typeface="Arial" pitchFamily="34" charset="0"/>
+                <a:cs typeface="+mn-lt"/>
               </a:rPr>
               <a:t>để</a:t>
             </a:r>
@@ -3573,8 +3626,7 @@
                   <a:srgbClr val="666666"/>
                 </a:solidFill>
                 <a:effectLst/>
-                <a:latin typeface="Poppins"/>
-                <a:cs typeface="Arial" pitchFamily="34" charset="0"/>
+                <a:cs typeface="+mn-lt"/>
               </a:rPr>
               <a:t> </a:t>
             </a:r>
@@ -3587,8 +3639,7 @@
                   <a:srgbClr val="666666"/>
                 </a:solidFill>
                 <a:effectLst/>
-                <a:latin typeface="Poppins"/>
-                <a:cs typeface="Arial" pitchFamily="34" charset="0"/>
+                <a:cs typeface="+mn-lt"/>
               </a:rPr>
               <a:t>điều</a:t>
             </a:r>
@@ -3601,8 +3652,7 @@
                   <a:srgbClr val="666666"/>
                 </a:solidFill>
                 <a:effectLst/>
-                <a:latin typeface="Poppins"/>
-                <a:cs typeface="Arial" pitchFamily="34" charset="0"/>
+                <a:cs typeface="+mn-lt"/>
               </a:rPr>
               <a:t> </a:t>
             </a:r>
@@ -3615,8 +3665,7 @@
                   <a:srgbClr val="666666"/>
                 </a:solidFill>
                 <a:effectLst/>
-                <a:latin typeface="Poppins"/>
-                <a:cs typeface="Arial" pitchFamily="34" charset="0"/>
+                <a:cs typeface="+mn-lt"/>
               </a:rPr>
               <a:t>hướng</a:t>
             </a:r>
@@ -3629,8 +3678,7 @@
                   <a:srgbClr val="666666"/>
                 </a:solidFill>
                 <a:effectLst/>
-                <a:latin typeface="Poppins"/>
-                <a:cs typeface="Arial" pitchFamily="34" charset="0"/>
+                <a:cs typeface="+mn-lt"/>
               </a:rPr>
               <a:t> </a:t>
             </a:r>
@@ -3643,8 +3691,7 @@
                   <a:srgbClr val="666666"/>
                 </a:solidFill>
                 <a:effectLst/>
-                <a:latin typeface="Poppins"/>
-                <a:cs typeface="Arial" pitchFamily="34" charset="0"/>
+                <a:cs typeface="+mn-lt"/>
               </a:rPr>
               <a:t>tới</a:t>
             </a:r>
@@ -3657,8 +3704,7 @@
                   <a:srgbClr val="666666"/>
                 </a:solidFill>
                 <a:effectLst/>
-                <a:latin typeface="Poppins"/>
-                <a:cs typeface="Arial" pitchFamily="34" charset="0"/>
+                <a:cs typeface="+mn-lt"/>
               </a:rPr>
               <a:t> </a:t>
             </a:r>
@@ -3671,8 +3717,7 @@
                   <a:srgbClr val="666666"/>
                 </a:solidFill>
                 <a:effectLst/>
-                <a:latin typeface="Poppins"/>
-                <a:cs typeface="Arial" pitchFamily="34" charset="0"/>
+                <a:cs typeface="+mn-lt"/>
               </a:rPr>
               <a:t>một</a:t>
             </a:r>
@@ -3685,8 +3730,7 @@
                   <a:srgbClr val="666666"/>
                 </a:solidFill>
                 <a:effectLst/>
-                <a:latin typeface="Poppins"/>
-                <a:cs typeface="Arial" pitchFamily="34" charset="0"/>
+                <a:cs typeface="+mn-lt"/>
               </a:rPr>
               <a:t> method action </a:t>
             </a:r>
@@ -3699,8 +3743,7 @@
                   <a:srgbClr val="666666"/>
                 </a:solidFill>
                 <a:effectLst/>
-                <a:latin typeface="Poppins"/>
-                <a:cs typeface="Arial" pitchFamily="34" charset="0"/>
+                <a:cs typeface="+mn-lt"/>
               </a:rPr>
               <a:t>của</a:t>
             </a:r>
@@ -3713,8 +3756,7 @@
                   <a:srgbClr val="666666"/>
                 </a:solidFill>
                 <a:effectLst/>
-                <a:latin typeface="Poppins"/>
-                <a:cs typeface="Arial" pitchFamily="34" charset="0"/>
+                <a:cs typeface="+mn-lt"/>
               </a:rPr>
               <a:t> controller </a:t>
             </a:r>
@@ -3727,8 +3769,7 @@
                   <a:srgbClr val="666666"/>
                 </a:solidFill>
                 <a:effectLst/>
-                <a:latin typeface="Poppins"/>
-                <a:cs typeface="Arial" pitchFamily="34" charset="0"/>
+                <a:cs typeface="+mn-lt"/>
               </a:rPr>
               <a:t>cụ</a:t>
             </a:r>
@@ -3741,8 +3782,7 @@
                   <a:srgbClr val="666666"/>
                 </a:solidFill>
                 <a:effectLst/>
-                <a:latin typeface="Poppins"/>
-                <a:cs typeface="Arial" pitchFamily="34" charset="0"/>
+                <a:cs typeface="+mn-lt"/>
               </a:rPr>
               <a:t> </a:t>
             </a:r>
@@ -3755,8 +3795,7 @@
                   <a:srgbClr val="666666"/>
                 </a:solidFill>
                 <a:effectLst/>
-                <a:latin typeface="Poppins"/>
-                <a:cs typeface="Arial" pitchFamily="34" charset="0"/>
+                <a:cs typeface="+mn-lt"/>
               </a:rPr>
               <a:t>thể</a:t>
             </a:r>
@@ -3769,8 +3808,7 @@
                   <a:srgbClr val="666666"/>
                 </a:solidFill>
                 <a:effectLst/>
-                <a:latin typeface="Poppins"/>
-                <a:cs typeface="Arial" pitchFamily="34" charset="0"/>
+                <a:cs typeface="+mn-lt"/>
               </a:rPr>
               <a:t>. </a:t>
             </a:r>
@@ -3783,8 +3821,7 @@
                   <a:srgbClr val="666666"/>
                 </a:solidFill>
                 <a:effectLst/>
-                <a:latin typeface="Poppins"/>
-                <a:cs typeface="Arial" pitchFamily="34" charset="0"/>
+                <a:cs typeface="+mn-lt"/>
               </a:rPr>
               <a:t>Thay</a:t>
             </a:r>
@@ -3797,8 +3834,7 @@
                   <a:srgbClr val="666666"/>
                 </a:solidFill>
                 <a:effectLst/>
-                <a:latin typeface="Poppins"/>
-                <a:cs typeface="Arial" pitchFamily="34" charset="0"/>
+                <a:cs typeface="+mn-lt"/>
               </a:rPr>
               <a:t> </a:t>
             </a:r>
@@ -3811,8 +3847,7 @@
                   <a:srgbClr val="666666"/>
                 </a:solidFill>
                 <a:effectLst/>
-                <a:latin typeface="Poppins"/>
-                <a:cs typeface="Arial" pitchFamily="34" charset="0"/>
+                <a:cs typeface="+mn-lt"/>
               </a:rPr>
               <a:t>vì</a:t>
             </a:r>
@@ -3825,8 +3860,7 @@
                   <a:srgbClr val="666666"/>
                 </a:solidFill>
                 <a:effectLst/>
-                <a:latin typeface="Poppins"/>
-                <a:cs typeface="Arial" pitchFamily="34" charset="0"/>
+                <a:cs typeface="+mn-lt"/>
               </a:rPr>
               <a:t> </a:t>
             </a:r>
@@ -3839,8 +3873,7 @@
                   <a:srgbClr val="666666"/>
                 </a:solidFill>
                 <a:effectLst/>
-                <a:latin typeface="Poppins"/>
-                <a:cs typeface="Arial" pitchFamily="34" charset="0"/>
+                <a:cs typeface="+mn-lt"/>
               </a:rPr>
               <a:t>đăng</a:t>
             </a:r>
@@ -3853,8 +3886,7 @@
                   <a:srgbClr val="666666"/>
                 </a:solidFill>
                 <a:effectLst/>
-                <a:latin typeface="Poppins"/>
-                <a:cs typeface="Arial" pitchFamily="34" charset="0"/>
+                <a:cs typeface="+mn-lt"/>
               </a:rPr>
               <a:t> </a:t>
             </a:r>
@@ -3867,8 +3899,7 @@
                   <a:srgbClr val="666666"/>
                 </a:solidFill>
                 <a:effectLst/>
-                <a:latin typeface="Poppins"/>
-                <a:cs typeface="Arial" pitchFamily="34" charset="0"/>
+                <a:cs typeface="+mn-lt"/>
               </a:rPr>
               <a:t>ký</a:t>
             </a:r>
@@ -3881,8 +3912,7 @@
                   <a:srgbClr val="666666"/>
                 </a:solidFill>
                 <a:effectLst/>
-                <a:latin typeface="Poppins"/>
-                <a:cs typeface="Arial" pitchFamily="34" charset="0"/>
+                <a:cs typeface="+mn-lt"/>
               </a:rPr>
               <a:t> ở file </a:t>
             </a:r>
@@ -3895,8 +3925,7 @@
                   <a:srgbClr val="6C757D"/>
                 </a:solidFill>
                 <a:effectLst/>
-                <a:latin typeface="SFMono-Regular"/>
-                <a:cs typeface="Arial" pitchFamily="34" charset="0"/>
+                <a:cs typeface="+mn-lt"/>
               </a:rPr>
               <a:t>web.xml</a:t>
             </a:r>
@@ -3909,8 +3938,7 @@
                   <a:srgbClr val="666666"/>
                 </a:solidFill>
                 <a:effectLst/>
-                <a:latin typeface="Poppins"/>
-                <a:cs typeface="Arial" pitchFamily="34" charset="0"/>
+                <a:cs typeface="+mn-lt"/>
               </a:rPr>
               <a:t> </a:t>
             </a:r>
@@ -3923,8 +3951,7 @@
                   <a:srgbClr val="666666"/>
                 </a:solidFill>
                 <a:effectLst/>
-                <a:latin typeface="Poppins"/>
-                <a:cs typeface="Arial" pitchFamily="34" charset="0"/>
+                <a:cs typeface="+mn-lt"/>
               </a:rPr>
               <a:t>trong</a:t>
             </a:r>
@@ -3937,8 +3964,7 @@
                   <a:srgbClr val="666666"/>
                 </a:solidFill>
                 <a:effectLst/>
-                <a:latin typeface="Poppins"/>
-                <a:cs typeface="Arial" pitchFamily="34" charset="0"/>
+                <a:cs typeface="+mn-lt"/>
               </a:rPr>
               <a:t> </a:t>
             </a:r>
@@ -3951,8 +3977,7 @@
                   <a:srgbClr val="666666"/>
                 </a:solidFill>
                 <a:effectLst/>
-                <a:latin typeface="Poppins"/>
-                <a:cs typeface="Arial" pitchFamily="34" charset="0"/>
+                <a:cs typeface="+mn-lt"/>
               </a:rPr>
               <a:t>SpringMVC</a:t>
             </a:r>
@@ -3965,8 +3990,7 @@
                   <a:srgbClr val="666666"/>
                 </a:solidFill>
                 <a:effectLst/>
-                <a:latin typeface="Poppins"/>
-                <a:cs typeface="Arial" pitchFamily="34" charset="0"/>
+                <a:cs typeface="+mn-lt"/>
               </a:rPr>
               <a:t> </a:t>
             </a:r>
@@ -3979,8 +4003,7 @@
                   <a:srgbClr val="666666"/>
                 </a:solidFill>
                 <a:effectLst/>
-                <a:latin typeface="Poppins"/>
-                <a:cs typeface="Arial" pitchFamily="34" charset="0"/>
+                <a:cs typeface="+mn-lt"/>
               </a:rPr>
               <a:t>thì</a:t>
             </a:r>
@@ -3993,8 +4016,7 @@
                   <a:srgbClr val="666666"/>
                 </a:solidFill>
                 <a:effectLst/>
-                <a:latin typeface="Poppins"/>
-                <a:cs typeface="Arial" pitchFamily="34" charset="0"/>
+                <a:cs typeface="+mn-lt"/>
               </a:rPr>
               <a:t> </a:t>
             </a:r>
@@ -4007,8 +4029,7 @@
                   <a:srgbClr val="666666"/>
                 </a:solidFill>
                 <a:effectLst/>
-                <a:latin typeface="Poppins"/>
-                <a:cs typeface="Arial" pitchFamily="34" charset="0"/>
+                <a:cs typeface="+mn-lt"/>
               </a:rPr>
               <a:t>với</a:t>
             </a:r>
@@ -4021,8 +4042,7 @@
                   <a:srgbClr val="666666"/>
                 </a:solidFill>
                 <a:effectLst/>
-                <a:latin typeface="Poppins"/>
-                <a:cs typeface="Arial" pitchFamily="34" charset="0"/>
+                <a:cs typeface="+mn-lt"/>
               </a:rPr>
               <a:t> spring boot </a:t>
             </a:r>
@@ -4035,8 +4055,7 @@
                   <a:srgbClr val="666666"/>
                 </a:solidFill>
                 <a:effectLst/>
-                <a:latin typeface="Poppins"/>
-                <a:cs typeface="Arial" pitchFamily="34" charset="0"/>
+                <a:cs typeface="+mn-lt"/>
               </a:rPr>
               <a:t>chúng</a:t>
             </a:r>
@@ -4049,8 +4068,7 @@
                   <a:srgbClr val="666666"/>
                 </a:solidFill>
                 <a:effectLst/>
-                <a:latin typeface="Poppins"/>
-                <a:cs typeface="Arial" pitchFamily="34" charset="0"/>
+                <a:cs typeface="+mn-lt"/>
               </a:rPr>
               <a:t> ta </a:t>
             </a:r>
@@ -4063,8 +4081,7 @@
                   <a:srgbClr val="666666"/>
                 </a:solidFill>
                 <a:effectLst/>
-                <a:latin typeface="Poppins"/>
-                <a:cs typeface="Arial" pitchFamily="34" charset="0"/>
+                <a:cs typeface="+mn-lt"/>
               </a:rPr>
               <a:t>có</a:t>
             </a:r>
@@ -4077,8 +4094,7 @@
                   <a:srgbClr val="666666"/>
                 </a:solidFill>
                 <a:effectLst/>
-                <a:latin typeface="Poppins"/>
-                <a:cs typeface="Arial" pitchFamily="34" charset="0"/>
+                <a:cs typeface="+mn-lt"/>
               </a:rPr>
               <a:t> </a:t>
             </a:r>
@@ -4091,8 +4107,7 @@
                   <a:srgbClr val="666666"/>
                 </a:solidFill>
                 <a:effectLst/>
-                <a:latin typeface="Poppins"/>
-                <a:cs typeface="Arial" pitchFamily="34" charset="0"/>
+                <a:cs typeface="+mn-lt"/>
               </a:rPr>
               <a:t>thể</a:t>
             </a:r>
@@ -4105,8 +4120,7 @@
                   <a:srgbClr val="666666"/>
                 </a:solidFill>
                 <a:effectLst/>
-                <a:latin typeface="Poppins"/>
-                <a:cs typeface="Arial" pitchFamily="34" charset="0"/>
+                <a:cs typeface="+mn-lt"/>
               </a:rPr>
               <a:t> </a:t>
             </a:r>
@@ -4119,8 +4133,7 @@
                   <a:srgbClr val="666666"/>
                 </a:solidFill>
                 <a:effectLst/>
-                <a:latin typeface="Poppins"/>
-                <a:cs typeface="Arial" pitchFamily="34" charset="0"/>
+                <a:cs typeface="+mn-lt"/>
               </a:rPr>
               <a:t>dễ</a:t>
             </a:r>
@@ -4133,8 +4146,7 @@
                   <a:srgbClr val="666666"/>
                 </a:solidFill>
                 <a:effectLst/>
-                <a:latin typeface="Poppins"/>
-                <a:cs typeface="Arial" pitchFamily="34" charset="0"/>
+                <a:cs typeface="+mn-lt"/>
               </a:rPr>
               <a:t> </a:t>
             </a:r>
@@ -4147,8 +4159,7 @@
                   <a:srgbClr val="666666"/>
                 </a:solidFill>
                 <a:effectLst/>
-                <a:latin typeface="Poppins"/>
-                <a:cs typeface="Arial" pitchFamily="34" charset="0"/>
+                <a:cs typeface="+mn-lt"/>
               </a:rPr>
               <a:t>dàng</a:t>
             </a:r>
@@ -4161,8 +4172,7 @@
                   <a:srgbClr val="666666"/>
                 </a:solidFill>
                 <a:effectLst/>
-                <a:latin typeface="Poppins"/>
-                <a:cs typeface="Arial" pitchFamily="34" charset="0"/>
+                <a:cs typeface="+mn-lt"/>
               </a:rPr>
               <a:t> </a:t>
             </a:r>
@@ -4175,8 +4185,7 @@
                   <a:srgbClr val="666666"/>
                 </a:solidFill>
                 <a:effectLst/>
-                <a:latin typeface="Poppins"/>
-                <a:cs typeface="Arial" pitchFamily="34" charset="0"/>
+                <a:cs typeface="+mn-lt"/>
               </a:rPr>
               <a:t>đăng</a:t>
             </a:r>
@@ -4189,8 +4198,7 @@
                   <a:srgbClr val="666666"/>
                 </a:solidFill>
                 <a:effectLst/>
-                <a:latin typeface="Poppins"/>
-                <a:cs typeface="Arial" pitchFamily="34" charset="0"/>
+                <a:cs typeface="+mn-lt"/>
               </a:rPr>
               <a:t> </a:t>
             </a:r>
@@ -4203,8 +4211,7 @@
                   <a:srgbClr val="666666"/>
                 </a:solidFill>
                 <a:effectLst/>
-                <a:latin typeface="Poppins"/>
-                <a:cs typeface="Arial" pitchFamily="34" charset="0"/>
+                <a:cs typeface="+mn-lt"/>
               </a:rPr>
               <a:t>ký</a:t>
             </a:r>
@@ -4217,8 +4224,7 @@
                   <a:srgbClr val="666666"/>
                 </a:solidFill>
                 <a:effectLst/>
-                <a:latin typeface="Poppins"/>
-                <a:cs typeface="Arial" pitchFamily="34" charset="0"/>
+                <a:cs typeface="+mn-lt"/>
               </a:rPr>
               <a:t> </a:t>
             </a:r>
@@ -4231,8 +4237,7 @@
                   <a:srgbClr val="666666"/>
                 </a:solidFill>
                 <a:effectLst/>
-                <a:latin typeface="Poppins"/>
-                <a:cs typeface="Arial" pitchFamily="34" charset="0"/>
+                <a:cs typeface="+mn-lt"/>
               </a:rPr>
               <a:t>với</a:t>
             </a:r>
@@ -4245,8 +4250,7 @@
                   <a:srgbClr val="666666"/>
                 </a:solidFill>
                 <a:effectLst/>
-                <a:latin typeface="Poppins"/>
-                <a:cs typeface="Arial" pitchFamily="34" charset="0"/>
+                <a:cs typeface="+mn-lt"/>
               </a:rPr>
               <a:t> </a:t>
             </a:r>
@@ -4259,8 +4263,7 @@
                   <a:srgbClr val="666666"/>
                 </a:solidFill>
                 <a:effectLst/>
-                <a:latin typeface="Poppins"/>
-                <a:cs typeface="Arial" pitchFamily="34" charset="0"/>
+                <a:cs typeface="+mn-lt"/>
               </a:rPr>
               <a:t>các</a:t>
             </a:r>
@@ -4273,8 +4276,7 @@
                   <a:srgbClr val="666666"/>
                 </a:solidFill>
                 <a:effectLst/>
-                <a:latin typeface="Poppins"/>
-                <a:cs typeface="Arial" pitchFamily="34" charset="0"/>
+                <a:cs typeface="+mn-lt"/>
               </a:rPr>
               <a:t> annotation.</a:t>
             </a:r>
@@ -4287,11 +4289,20 @@
                   <a:schemeClr val="tx1"/>
                 </a:solidFill>
                 <a:effectLst/>
-                <a:latin typeface="Arial" pitchFamily="34" charset="0"/>
-                <a:cs typeface="Arial" pitchFamily="34" charset="0"/>
+                <a:cs typeface="+mn-lt"/>
               </a:rPr>
               <a:t> </a:t>
             </a:r>
+            <a:endParaRPr kumimoji="0" lang="en-US" sz="1600" i="0" u="none" strike="noStrike" cap="none" normalizeH="0" baseline="0" dirty="0" smtClean="0">
+              <a:ln>
+                <a:noFill/>
+              </a:ln>
+              <a:solidFill>
+                <a:schemeClr val="tx1"/>
+              </a:solidFill>
+              <a:effectLst/>
+              <a:cs typeface="+mn-lt"/>
+            </a:endParaRPr>
           </a:p>
           <a:p>
             <a:pPr marL="0" marR="0" lvl="0" indent="0" algn="l" defTabSz="914400" rtl="0" eaLnBrk="1" fontAlgn="base" latinLnBrk="0" hangingPunct="1">
@@ -4308,11 +4319,153 @@
               <a:buSzTx/>
               <a:buFontTx/>
               <a:buNone/>
-              <a:tabLst/>
-            </a:pPr>
+            </a:pPr>
+            <a:endParaRPr kumimoji="0" lang="en-US" sz="1600" i="0" u="none" strike="noStrike" cap="none" normalizeH="0" baseline="0" dirty="0" smtClean="0">
+              <a:ln>
+                <a:noFill/>
+              </a:ln>
+              <a:solidFill>
+                <a:schemeClr val="tx1"/>
+              </a:solidFill>
+              <a:effectLst/>
+              <a:cs typeface="+mn-lt"/>
+            </a:endParaRPr>
+          </a:p>
+          <a:p>
+            <a:r>
+              <a:rPr lang="vi-VN" sz="1600" dirty="0">
+                <a:cs typeface="+mn-lt"/>
+              </a:rPr>
+              <a:t>@Controller là </a:t>
+            </a:r>
+            <a:r>
+              <a:rPr lang="vi-VN" sz="1600" dirty="0" smtClean="0">
+                <a:cs typeface="+mn-lt"/>
+              </a:rPr>
+              <a:t>annotation</a:t>
+            </a:r>
+            <a:r>
+              <a:rPr lang="en-US" sz="1600" dirty="0" smtClean="0">
+                <a:cs typeface="+mn-lt"/>
+              </a:rPr>
+              <a:t> </a:t>
+            </a:r>
+            <a:r>
+              <a:rPr lang="vi-VN" sz="1600" dirty="0" smtClean="0">
+                <a:cs typeface="+mn-lt"/>
+              </a:rPr>
+              <a:t>khai </a:t>
+            </a:r>
+            <a:r>
+              <a:rPr lang="vi-VN" sz="1600" dirty="0">
+                <a:cs typeface="+mn-lt"/>
+              </a:rPr>
+              <a:t>báo </a:t>
+            </a:r>
+            <a:r>
+              <a:rPr lang="vi-VN" sz="1600" dirty="0" smtClean="0">
+                <a:cs typeface="+mn-lt"/>
+              </a:rPr>
+              <a:t>class </a:t>
+            </a:r>
+            <a:r>
+              <a:rPr lang="vi-VN" sz="1600" dirty="0">
+                <a:cs typeface="+mn-lt"/>
+              </a:rPr>
+              <a:t>đó là </a:t>
+            </a:r>
+            <a:r>
+              <a:rPr lang="vi-VN" sz="1600" dirty="0" smtClean="0">
+                <a:cs typeface="+mn-lt"/>
+              </a:rPr>
+              <a:t>controller</a:t>
+            </a:r>
+            <a:r>
+              <a:rPr lang="en-US" sz="1600" dirty="0" smtClean="0">
+                <a:cs typeface="+mn-lt"/>
+              </a:rPr>
+              <a:t> </a:t>
+            </a:r>
+            <a:r>
+              <a:rPr lang="en-US" sz="1600" dirty="0" err="1" smtClean="0">
+                <a:cs typeface="+mn-lt"/>
+              </a:rPr>
+              <a:t>trong</a:t>
+            </a:r>
+            <a:r>
+              <a:rPr lang="en-US" sz="1600" dirty="0" smtClean="0">
+                <a:cs typeface="+mn-lt"/>
+              </a:rPr>
+              <a:t> </a:t>
+            </a:r>
+            <a:r>
+              <a:rPr lang="vi-VN" sz="1600" dirty="0" smtClean="0">
+                <a:cs typeface="+mn-lt"/>
+              </a:rPr>
+              <a:t>SpringMVC </a:t>
+            </a:r>
+            <a:r>
+              <a:rPr lang="en-US" sz="1600" dirty="0" err="1" smtClean="0">
+                <a:cs typeface="+mn-lt"/>
+              </a:rPr>
+              <a:t>và</a:t>
+            </a:r>
+            <a:r>
+              <a:rPr lang="en-US" sz="1600" dirty="0" smtClean="0">
+                <a:cs typeface="+mn-lt"/>
+              </a:rPr>
+              <a:t> </a:t>
+            </a:r>
+            <a:r>
+              <a:rPr lang="vi-VN" sz="1600" dirty="0" smtClean="0">
+                <a:cs typeface="+mn-lt"/>
+              </a:rPr>
+              <a:t>buộc</a:t>
+            </a:r>
+            <a:r>
+              <a:rPr lang="vi-VN" sz="1600" dirty="0">
+                <a:cs typeface="+mn-lt"/>
+              </a:rPr>
+              <a:t> phải cài đặt một template </a:t>
+            </a:r>
+            <a:r>
+              <a:rPr lang="vi-VN" sz="1600" dirty="0" smtClean="0">
+                <a:cs typeface="+mn-lt"/>
+              </a:rPr>
+              <a:t>engine</a:t>
+            </a:r>
             <a:endParaRPr lang="en-US" sz="1600" dirty="0">
-              <a:latin typeface="Arial" pitchFamily="34" charset="0"/>
-              <a:cs typeface="Arial" pitchFamily="34" charset="0"/>
+              <a:cs typeface="+mn-lt"/>
+            </a:endParaRPr>
+          </a:p>
+          <a:p>
+            <a:r>
+              <a:rPr lang="vi-VN" sz="1600" dirty="0">
+                <a:cs typeface="+mn-lt"/>
+              </a:rPr>
+              <a:t>Default các method của @Controller</a:t>
+            </a:r>
+            <a:r>
+              <a:rPr lang="vi-VN" sz="1600" dirty="0">
+                <a:cs typeface="+mn-lt"/>
+              </a:rPr>
+              <a:t> sẽ return về một view resolver và bắt buộc view đó phải tồn tại và được đặt trong folder resources/templates</a:t>
+            </a:r>
+            <a:r>
+              <a:rPr lang="vi-VN" sz="1600" dirty="0" smtClean="0">
+                <a:cs typeface="+mn-lt"/>
+              </a:rPr>
+              <a:t>.</a:t>
+            </a:r>
+            <a:endParaRPr kumimoji="0" lang="en-US" sz="1600" i="0" u="none" strike="noStrike" cap="none" normalizeH="0" baseline="0" dirty="0" smtClean="0">
+              <a:ln>
+                <a:noFill/>
+              </a:ln>
+              <a:solidFill>
+                <a:schemeClr val="tx1"/>
+              </a:solidFill>
+              <a:effectLst/>
+              <a:cs typeface="+mn-lt"/>
             </a:endParaRPr>
           </a:p>
           <a:p>
@@ -4330,122 +4483,85 @@
               <a:buSzTx/>
               <a:buFontTx/>
               <a:buNone/>
-              <a:tabLst/>
-            </a:pPr>
-            <a:endParaRPr kumimoji="0" lang="en-US" sz="1600" i="0" u="none" strike="noStrike" cap="none" normalizeH="0" baseline="0" dirty="0" smtClean="0">
-              <a:ln>
-                <a:noFill/>
-              </a:ln>
-              <a:solidFill>
-                <a:schemeClr val="tx1"/>
-              </a:solidFill>
-              <a:effectLst/>
-              <a:latin typeface="Arial" pitchFamily="34" charset="0"/>
-              <a:cs typeface="Arial" pitchFamily="34" charset="0"/>
-            </a:endParaRPr>
-          </a:p>
-          <a:p>
-            <a:r>
-              <a:rPr lang="vi-VN" sz="1600" dirty="0"/>
-              <a:t>@Controller là </a:t>
-            </a:r>
-            <a:r>
-              <a:rPr lang="vi-VN" sz="1600" dirty="0" smtClean="0"/>
-              <a:t>annotation</a:t>
-            </a:r>
-            <a:r>
-              <a:rPr lang="en-US" sz="1600" dirty="0" smtClean="0"/>
+            </a:pPr>
+            <a:endParaRPr lang="en-US" sz="1600" dirty="0">
+              <a:cs typeface="+mn-lt"/>
+            </a:endParaRPr>
+          </a:p>
+          <a:p>
+            <a:r>
+              <a:rPr lang="vi-VN" sz="1600" dirty="0">
+                <a:cs typeface="+mn-lt"/>
+              </a:rPr>
+              <a:t>@RestController là một composed annotation được kết </a:t>
+            </a:r>
+            <a:r>
+              <a:rPr lang="en-US" sz="1600" dirty="0" err="1" smtClean="0">
+                <a:cs typeface="+mn-lt"/>
+              </a:rPr>
+              <a:t>hợp</a:t>
+            </a:r>
+            <a:r>
+              <a:rPr lang="en-US" sz="1600" dirty="0" smtClean="0">
+                <a:cs typeface="+mn-lt"/>
+              </a:rPr>
               <a:t> </a:t>
             </a:r>
             <a:r>
-              <a:rPr lang="vi-VN" sz="1600" dirty="0" smtClean="0"/>
-              <a:t>khai </a:t>
-            </a:r>
-            <a:r>
-              <a:rPr lang="vi-VN" sz="1600" dirty="0"/>
-              <a:t>báo </a:t>
-            </a:r>
-            <a:r>
-              <a:rPr lang="vi-VN" sz="1600" dirty="0" smtClean="0"/>
-              <a:t>class </a:t>
-            </a:r>
-            <a:r>
-              <a:rPr lang="vi-VN" sz="1600" dirty="0"/>
-              <a:t>đó là </a:t>
-            </a:r>
-            <a:r>
-              <a:rPr lang="vi-VN" sz="1600" dirty="0" smtClean="0"/>
-              <a:t>controller</a:t>
-            </a:r>
-            <a:r>
-              <a:rPr lang="en-US" sz="1600" dirty="0" smtClean="0"/>
-              <a:t> </a:t>
-            </a:r>
-            <a:r>
-              <a:rPr lang="en-US" sz="1600" dirty="0" err="1" smtClean="0"/>
-              <a:t>trong</a:t>
-            </a:r>
-            <a:r>
-              <a:rPr lang="en-US" sz="1600" dirty="0" smtClean="0"/>
-              <a:t> </a:t>
-            </a:r>
-            <a:r>
-              <a:rPr lang="vi-VN" sz="1600" dirty="0" smtClean="0"/>
-              <a:t>SpringMVC </a:t>
-            </a:r>
-            <a:r>
-              <a:rPr lang="en-US" sz="1600" dirty="0" err="1" smtClean="0"/>
-              <a:t>và</a:t>
-            </a:r>
-            <a:r>
-              <a:rPr lang="en-US" sz="1600" dirty="0" smtClean="0"/>
-              <a:t> </a:t>
-            </a:r>
-            <a:r>
-              <a:rPr lang="vi-VN" sz="1600" dirty="0" smtClean="0"/>
-              <a:t>buộc</a:t>
-            </a:r>
-            <a:r>
-              <a:rPr lang="vi-VN" sz="1600" dirty="0"/>
-              <a:t> phải cài đặt một template </a:t>
-            </a:r>
-            <a:r>
-              <a:rPr lang="vi-VN" sz="1600" dirty="0" smtClean="0"/>
-              <a:t>engine</a:t>
-            </a:r>
-            <a:endParaRPr lang="en-US" sz="1600" dirty="0"/>
-          </a:p>
-          <a:p>
-            <a:r>
-              <a:rPr lang="vi-VN" sz="1600" dirty="0"/>
-              <a:t>Default các method của </a:t>
-            </a:r>
-            <a:r>
-              <a:rPr lang="vi-VN" sz="1600" dirty="0"/>
-              <a:t>@Controller</a:t>
-            </a:r>
-            <a:r>
-              <a:rPr lang="vi-VN" sz="1600" dirty="0"/>
-              <a:t> sẽ return về một view resolver và bắt buộc view đó phải tồn tại và được đặt trong folder </a:t>
-            </a:r>
-            <a:r>
-              <a:rPr lang="vi-VN" sz="1600" dirty="0"/>
-              <a:t>resources/templates</a:t>
-            </a:r>
-            <a:r>
-              <a:rPr lang="vi-VN" sz="1600" dirty="0" smtClean="0"/>
+              <a:rPr lang="vi-VN" sz="1600" dirty="0" smtClean="0">
+                <a:cs typeface="+mn-lt"/>
+              </a:rPr>
+              <a:t>từ </a:t>
+            </a:r>
+            <a:r>
+              <a:rPr lang="vi-VN" sz="1600" dirty="0">
+                <a:cs typeface="+mn-lt"/>
+              </a:rPr>
+              <a:t> @Controller và @ResponseBody, khi đặt một annotation @RestController  trên một class </a:t>
+            </a:r>
+            <a:r>
+              <a:rPr lang="vi-VN" sz="1600" dirty="0" smtClean="0">
+                <a:cs typeface="+mn-lt"/>
+              </a:rPr>
+              <a:t>thì response </a:t>
+            </a:r>
+            <a:r>
+              <a:rPr lang="vi-VN" sz="1600" dirty="0">
+                <a:cs typeface="+mn-lt"/>
+              </a:rPr>
+              <a:t>data trong controller này sẽ được trả về dưới dạng </a:t>
+            </a:r>
+            <a:r>
+              <a:rPr lang="vi-VN" sz="1600" dirty="0" smtClean="0">
+                <a:cs typeface="+mn-lt"/>
+              </a:rPr>
+              <a:t>message</a:t>
+            </a:r>
+            <a:r>
+              <a:rPr lang="en-US" sz="1600" dirty="0" smtClean="0">
+                <a:cs typeface="+mn-lt"/>
+              </a:rPr>
+              <a:t> (JSON/XML)</a:t>
+            </a:r>
+            <a:r>
+              <a:rPr lang="vi-VN" sz="1600" dirty="0" smtClean="0">
+                <a:cs typeface="+mn-lt"/>
+              </a:rPr>
               <a:t>.</a:t>
             </a:r>
-            <a:endParaRPr kumimoji="0" lang="en-US" sz="1600" i="0" u="none" strike="noStrike" cap="none" normalizeH="0" baseline="0" dirty="0" smtClean="0">
-              <a:ln>
-                <a:noFill/>
-              </a:ln>
-              <a:solidFill>
-                <a:schemeClr val="tx1"/>
-              </a:solidFill>
-              <a:effectLst/>
-              <a:latin typeface="Arial" pitchFamily="34" charset="0"/>
-              <a:cs typeface="Arial" pitchFamily="34" charset="0"/>
+            <a:endParaRPr lang="vi-VN" sz="1600" dirty="0">
+              <a:cs typeface="+mn-lt"/>
+            </a:endParaRPr>
+          </a:p>
+          <a:p>
+            <a:r>
+              <a:rPr lang="vi-VN" sz="1600" dirty="0">
+                <a:cs typeface="+mn-lt"/>
+              </a:rPr>
+              <a:t>Khi sử dụng @RestController thì chúng ta không cần phải cài đặt template engine</a:t>
+            </a:r>
+            <a:endParaRPr lang="vi-VN" sz="1600" dirty="0">
+              <a:cs typeface="+mn-lt"/>
             </a:endParaRPr>
           </a:p>
           <a:p>
@@ -4463,78 +4579,6 @@
               <a:buSzTx/>
               <a:buFontTx/>
               <a:buNone/>
-              <a:tabLst/>
-            </a:pPr>
-            <a:endParaRPr lang="en-US" sz="1600" dirty="0">
-              <a:latin typeface="Arial" pitchFamily="34" charset="0"/>
-              <a:cs typeface="Arial" pitchFamily="34" charset="0"/>
-            </a:endParaRPr>
-          </a:p>
-          <a:p>
-            <a:r>
-              <a:rPr lang="vi-VN" sz="1600" dirty="0"/>
-              <a:t>@RestController là một composed annotation được kết </a:t>
-            </a:r>
-            <a:r>
-              <a:rPr lang="en-US" sz="1600" dirty="0" err="1" smtClean="0"/>
-              <a:t>hợp</a:t>
-            </a:r>
-            <a:r>
-              <a:rPr lang="en-US" sz="1600" dirty="0" smtClean="0"/>
-              <a:t> </a:t>
-            </a:r>
-            <a:r>
-              <a:rPr lang="vi-VN" sz="1600" dirty="0" smtClean="0"/>
-              <a:t>từ </a:t>
-            </a:r>
-            <a:r>
-              <a:rPr lang="vi-VN" sz="1600" dirty="0"/>
-              <a:t> @Controller và @ResponseBody, khi đặt một annotation @RestController  trên một class </a:t>
-            </a:r>
-            <a:r>
-              <a:rPr lang="vi-VN" sz="1600" dirty="0" smtClean="0"/>
-              <a:t>thì response </a:t>
-            </a:r>
-            <a:r>
-              <a:rPr lang="vi-VN" sz="1600" dirty="0"/>
-              <a:t>data trong controller này sẽ được trả về dưới dạng </a:t>
-            </a:r>
-            <a:r>
-              <a:rPr lang="vi-VN" sz="1600" dirty="0" smtClean="0"/>
-              <a:t>message</a:t>
-            </a:r>
-            <a:r>
-              <a:rPr lang="en-US" sz="1600" dirty="0" smtClean="0"/>
-              <a:t> (JSON/XML)</a:t>
-            </a:r>
-            <a:r>
-              <a:rPr lang="vi-VN" sz="1600" dirty="0" smtClean="0"/>
-              <a:t>.</a:t>
-            </a:r>
-            <a:endParaRPr lang="vi-VN" sz="1600" dirty="0"/>
-          </a:p>
-          <a:p>
-            <a:r>
-              <a:rPr lang="vi-VN" sz="1600" dirty="0"/>
-              <a:t>Khi sử dụng @RestController thì chúng ta không cần phải cài đặt template engine</a:t>
-            </a:r>
-          </a:p>
-          <a:p>
-            <a:pPr marL="0" marR="0" lvl="0" indent="0" algn="l" defTabSz="914400" rtl="0" eaLnBrk="1" fontAlgn="base" latinLnBrk="0" hangingPunct="1">
-              <a:lnSpc>
-                <a:spcPct val="100000"/>
-              </a:lnSpc>
-              <a:spcBef>
-                <a:spcPct val="0"/>
-              </a:spcBef>
-              <a:spcAft>
-                <a:spcPct val="0"/>
-              </a:spcAft>
-              <a:buClrTx/>
-              <a:buSzTx/>
-              <a:buFontTx/>
-              <a:buNone/>
-              <a:tabLst/>
             </a:pPr>
             <a:endParaRPr kumimoji="0" lang="en-US" sz="1600" i="0" u="none" strike="noStrike" cap="none" normalizeH="0" baseline="0" dirty="0" smtClean="0">
               <a:ln>
@@ -4544,8 +4588,7 @@
                 <a:schemeClr val="tx1"/>
               </a:solidFill>
               <a:effectLst/>
-              <a:latin typeface="Arial" pitchFamily="34" charset="0"/>
-              <a:cs typeface="Arial" pitchFamily="34" charset="0"/>
+              <a:cs typeface="+mn-lt"/>
             </a:endParaRPr>
           </a:p>
         </p:txBody>
@@ -4555,11 +4598,11 @@
   <p:clrMapOvr>
     <a:masterClrMapping/>
   </p:clrMapOvr>
-  <mc:AlternateContent xmlns:mc="http://schemas.openxmlformats.org/markup-compatibility/2006" xmlns:p14="http://schemas.microsoft.com/office/powerpoint/2010/main">
-    <mc:Choice Requires="p14">
+  <mc:AlternateContent xmlns:mc="http://schemas.openxmlformats.org/markup-compatibility/2006">
+    <mc:Choice xmlns:p14="http://schemas.microsoft.com/office/powerpoint/2010/main" Requires="p14">
       <p:transition spd="slow" p14:dur="2000"/>
     </mc:Choice>
-    <mc:Fallback xmlns="">
+    <mc:Fallback>
       <p:transition spd="slow"/>
     </mc:Fallback>
   </mc:AlternateContent>
@@ -4622,6 +4665,9 @@
               </a:rPr>
               <a:t>@Qualifier</a:t>
             </a:r>
+            <a:endParaRPr lang="en-US" sz="4400" b="0" strike="noStrike" spc="-1" dirty="0">
+              <a:latin typeface="Arial" panose="020B0604020202020204"/>
+            </a:endParaRPr>
           </a:p>
         </p:txBody>
       </p:sp>
@@ -5159,24 +5205,22 @@
               </a:rPr>
               <a:t> wire.</a:t>
             </a:r>
+            <a:endParaRPr lang="en-US" sz="1800" b="0" strike="noStrike" spc="-1" dirty="0">
+              <a:latin typeface="Arial" panose="020B0604020202020204"/>
+            </a:endParaRPr>
           </a:p>
         </p:txBody>
       </p:sp>
     </p:spTree>
-    <p:extLst>
-      <p:ext uri="{BB962C8B-B14F-4D97-AF65-F5344CB8AC3E}">
-        <p14:creationId xmlns:p14="http://schemas.microsoft.com/office/powerpoint/2010/main" val="2943152513"/>
-      </p:ext>
-    </p:extLst>
   </p:cSld>
   <p:clrMapOvr>
     <a:masterClrMapping/>
   </p:clrMapOvr>
-  <mc:AlternateContent xmlns:mc="http://schemas.openxmlformats.org/markup-compatibility/2006" xmlns:p14="http://schemas.microsoft.com/office/powerpoint/2010/main">
-    <mc:Choice Requires="p14">
+  <mc:AlternateContent xmlns:mc="http://schemas.openxmlformats.org/markup-compatibility/2006">
+    <mc:Choice xmlns:p14="http://schemas.microsoft.com/office/powerpoint/2010/main" Requires="p14">
       <p:transition spd="slow" p14:dur="2000"/>
     </mc:Choice>
-    <mc:Fallback xmlns="">
+    <mc:Fallback>
       <p:transition spd="slow"/>
     </mc:Fallback>
   </mc:AlternateContent>
@@ -5239,6 +5283,9 @@
               </a:rPr>
               <a:t>@Value </a:t>
             </a:r>
+            <a:endParaRPr lang="en-US" sz="4400" b="0" strike="noStrike" spc="-1">
+              <a:latin typeface="Arial" panose="020B0604020202020204"/>
+            </a:endParaRPr>
           </a:p>
         </p:txBody>
       </p:sp>
@@ -5285,6 +5332,9 @@
               </a:rPr>
               <a:t> và gán vào biến.</a:t>
             </a:r>
+            <a:endParaRPr lang="en-US" sz="1800" b="0" strike="noStrike" spc="-1">
+              <a:latin typeface="Arial" panose="020B0604020202020204"/>
+            </a:endParaRPr>
           </a:p>
         </p:txBody>
       </p:sp>
@@ -5335,6 +5385,9 @@
               </a:rPr>
               <a:t>loda.mysql.url=jdbc:mysql://host1:33060/loda</a:t>
             </a:r>
+            <a:endParaRPr lang="en-US" sz="1800" b="0" strike="noStrike" spc="-1">
+              <a:latin typeface="Arial" panose="020B0604020202020204"/>
+            </a:endParaRPr>
           </a:p>
         </p:txBody>
       </p:sp>
@@ -5369,19 +5422,25 @@
               </a:rPr>
               <a:t>@Value được sử dụng trên thuộc tính của class, Có nhiệm vụ lấy thông tin từ file properties và gán vào biến.</a:t>
             </a:r>
-          </a:p>
-          <a:p>
             <a:endParaRPr lang="en-US" sz="1800" b="0" strike="noStrike" spc="-1">
               <a:latin typeface="Arial" panose="020B0604020202020204"/>
             </a:endParaRPr>
           </a:p>
           <a:p>
+            <a:endParaRPr lang="en-US" sz="1800" b="0" strike="noStrike" spc="-1">
+              <a:latin typeface="Arial" panose="020B0604020202020204"/>
+            </a:endParaRPr>
+          </a:p>
+          <a:p>
             <a:r>
               <a:rPr lang="en-US" sz="1800" b="0" strike="noStrike" spc="-1">
                 <a:latin typeface="Arial" panose="020B0604020202020204"/>
               </a:rPr>
               <a:t>public class AppConfig {</a:t>
             </a:r>
+            <a:endParaRPr lang="en-US" sz="1800" b="0" strike="noStrike" spc="-1">
+              <a:latin typeface="Arial" panose="020B0604020202020204"/>
+            </a:endParaRPr>
           </a:p>
           <a:p>
             <a:r>
@@ -5390,6 +5449,9 @@
               </a:rPr>
               <a:t>    // Lấy giá trị config từ file application.properties</a:t>
             </a:r>
+            <a:endParaRPr lang="en-US" sz="1800" b="0" strike="noStrike" spc="-1">
+              <a:latin typeface="Arial" panose="020B0604020202020204"/>
+            </a:endParaRPr>
           </a:p>
           <a:p>
             <a:r>
@@ -5398,6 +5460,9 @@
               </a:rPr>
               <a:t>    @Value("${loda.mysql.url}")</a:t>
             </a:r>
+            <a:endParaRPr lang="en-US" sz="1800" b="0" strike="noStrike" spc="-1">
+              <a:latin typeface="Arial" panose="020B0604020202020204"/>
+            </a:endParaRPr>
           </a:p>
           <a:p>
             <a:r>
@@ -5406,6 +5471,9 @@
               </a:rPr>
               <a:t>    String mysqlUrl;</a:t>
             </a:r>
+            <a:endParaRPr lang="en-US" sz="1800" b="0" strike="noStrike" spc="-1">
+              <a:latin typeface="Arial" panose="020B0604020202020204"/>
+            </a:endParaRPr>
           </a:p>
           <a:p>
             <a:r>
@@ -5414,6 +5482,9 @@
               </a:rPr>
               <a:t>}</a:t>
             </a:r>
+            <a:endParaRPr lang="en-US" sz="1800" b="0" strike="noStrike" spc="-1">
+              <a:latin typeface="Arial" panose="020B0604020202020204"/>
+            </a:endParaRPr>
           </a:p>
         </p:txBody>
       </p:sp>
@@ -5422,11 +5493,11 @@
   <p:clrMapOvr>
     <a:masterClrMapping/>
   </p:clrMapOvr>
-  <mc:AlternateContent xmlns:mc="http://schemas.openxmlformats.org/markup-compatibility/2006" xmlns:p14="http://schemas.microsoft.com/office/powerpoint/2010/main">
-    <mc:Choice Requires="p14">
+  <mc:AlternateContent xmlns:mc="http://schemas.openxmlformats.org/markup-compatibility/2006">
+    <mc:Choice xmlns:p14="http://schemas.microsoft.com/office/powerpoint/2010/main" Requires="p14">
       <p:transition spd="slow" p14:dur="2000"/>
     </mc:Choice>
-    <mc:Fallback xmlns="">
+    <mc:Fallback>
       <p:transition spd="slow"/>
     </mc:Fallback>
   </mc:AlternateContent>
@@ -5531,6 +5602,9 @@
               </a:rPr>
               <a:t>@PostMapping có nhiệm vụ đánh dấu hàm xử lý POST request trong Controller.</a:t>
             </a:r>
+            <a:endParaRPr lang="en-US" sz="1800" b="0" strike="noStrike" spc="-1">
+              <a:latin typeface="Arial" panose="020B0604020202020204"/>
+            </a:endParaRPr>
           </a:p>
           <a:p>
             <a:pPr>
@@ -5544,6 +5618,9 @@
               </a:rPr>
               <a:t>@GetMapping có nhiệm vụ đánh dấu hàm xử lý GET request trong Controller.</a:t>
             </a:r>
+            <a:endParaRPr lang="en-US" sz="1800" b="0" strike="noStrike" spc="-1">
+              <a:latin typeface="Arial" panose="020B0604020202020204"/>
+            </a:endParaRPr>
           </a:p>
           <a:p>
             <a:pPr>
@@ -5557,6 +5634,9 @@
               </a:rPr>
               <a:t>@PutMapping </a:t>
             </a:r>
+            <a:endParaRPr lang="en-US" sz="1800" b="0" strike="noStrike" spc="-1">
+              <a:latin typeface="Arial" panose="020B0604020202020204"/>
+            </a:endParaRPr>
           </a:p>
           <a:p>
             <a:pPr>
@@ -5570,6 +5650,9 @@
               </a:rPr>
               <a:t>@DeleteMapping</a:t>
             </a:r>
+            <a:endParaRPr lang="en-US" sz="1800" b="0" strike="noStrike" spc="-1">
+              <a:latin typeface="Arial" panose="020B0604020202020204"/>
+            </a:endParaRPr>
           </a:p>
           <a:p>
             <a:pPr>
@@ -5583,6 +5666,9 @@
               </a:rPr>
               <a:t>@RequestMapping là một annotation có ý nghĩa và mục đích sử dụng rộng hơn các loại @GetMapping, @PostMapping,v.v..</a:t>
             </a:r>
+            <a:endParaRPr lang="en-US" sz="1800" b="0" strike="noStrike" spc="-1">
+              <a:latin typeface="Arial" panose="020B0604020202020204"/>
+            </a:endParaRPr>
           </a:p>
         </p:txBody>
       </p:sp>
@@ -5593,7 +5679,7 @@
           <p:nvPr/>
         </p:nvPicPr>
         <p:blipFill>
-          <a:blip r:embed="rId2"/>
+          <a:blip r:embed="rId1"/>
           <a:stretch>
             <a:fillRect/>
           </a:stretch>
@@ -5616,11 +5702,11 @@
   <p:clrMapOvr>
     <a:masterClrMapping/>
   </p:clrMapOvr>
-  <mc:AlternateContent xmlns:mc="http://schemas.openxmlformats.org/markup-compatibility/2006" xmlns:p14="http://schemas.microsoft.com/office/powerpoint/2010/main">
-    <mc:Choice Requires="p14">
+  <mc:AlternateContent xmlns:mc="http://schemas.openxmlformats.org/markup-compatibility/2006">
+    <mc:Choice xmlns:p14="http://schemas.microsoft.com/office/powerpoint/2010/main" Requires="p14">
       <p:transition spd="slow" p14:dur="2000"/>
     </mc:Choice>
-    <mc:Fallback xmlns="">
+    <mc:Fallback>
       <p:transition spd="slow"/>
     </mc:Fallback>
   </mc:AlternateContent>
@@ -5683,6 +5769,9 @@
               </a:rPr>
               <a:t>Spring Data JPA </a:t>
             </a:r>
+            <a:endParaRPr lang="en-US" sz="4400" b="0" strike="noStrike" spc="-1">
+              <a:latin typeface="Arial" panose="020B0604020202020204"/>
+            </a:endParaRPr>
           </a:p>
         </p:txBody>
       </p:sp>
@@ -5693,7 +5782,7 @@
           <p:nvPr/>
         </p:nvPicPr>
         <p:blipFill>
-          <a:blip r:embed="rId2"/>
+          <a:blip r:embed="rId1"/>
           <a:stretch>
             <a:fillRect/>
           </a:stretch>
@@ -5716,11 +5805,11 @@
   <p:clrMapOvr>
     <a:masterClrMapping/>
   </p:clrMapOvr>
-  <mc:AlternateContent xmlns:mc="http://schemas.openxmlformats.org/markup-compatibility/2006" xmlns:p14="http://schemas.microsoft.com/office/powerpoint/2010/main">
-    <mc:Choice Requires="p14">
+  <mc:AlternateContent xmlns:mc="http://schemas.openxmlformats.org/markup-compatibility/2006">
+    <mc:Choice xmlns:p14="http://schemas.microsoft.com/office/powerpoint/2010/main" Requires="p14">
       <p:transition spd="slow" p14:dur="2000"/>
     </mc:Choice>
-    <mc:Fallback xmlns="">
+    <mc:Fallback>
       <p:transition spd="slow"/>
     </mc:Fallback>
   </mc:AlternateContent>
@@ -5783,6 +5872,9 @@
               </a:rPr>
               <a:t>Spring Data JPA </a:t>
             </a:r>
+            <a:endParaRPr lang="en-US" sz="4400" b="0" strike="noStrike" spc="-1">
+              <a:latin typeface="Arial" panose="020B0604020202020204"/>
+            </a:endParaRPr>
           </a:p>
         </p:txBody>
       </p:sp>
@@ -5817,19 +5909,25 @@
               </a:rPr>
               <a:t>Generate database script in Spring boot:</a:t>
             </a:r>
-          </a:p>
-          <a:p>
             <a:endParaRPr lang="en-US" sz="1400" b="0" strike="noStrike" spc="-1">
               <a:latin typeface="Arial" panose="020B0604020202020204"/>
             </a:endParaRPr>
           </a:p>
           <a:p>
+            <a:endParaRPr lang="en-US" sz="1400" b="0" strike="noStrike" spc="-1">
+              <a:latin typeface="Arial" panose="020B0604020202020204"/>
+            </a:endParaRPr>
+          </a:p>
+          <a:p>
             <a:r>
               <a:rPr lang="en-US" sz="1400" b="0" strike="noStrike" spc="-1">
                 <a:latin typeface="Arial" panose="020B0604020202020204"/>
               </a:rPr>
               <a:t>Add config into application.properties</a:t>
             </a:r>
+            <a:endParaRPr lang="en-US" sz="1400" b="0" strike="noStrike" spc="-1">
+              <a:latin typeface="Arial" panose="020B0604020202020204"/>
+            </a:endParaRPr>
           </a:p>
           <a:p>
             <a:endParaRPr lang="en-US" sz="1400" b="0" strike="noStrike" spc="-1">
@@ -5958,11 +6056,11 @@
   <p:clrMapOvr>
     <a:masterClrMapping/>
   </p:clrMapOvr>
-  <mc:AlternateContent xmlns:mc="http://schemas.openxmlformats.org/markup-compatibility/2006" xmlns:p14="http://schemas.microsoft.com/office/powerpoint/2010/main">
-    <mc:Choice Requires="p14">
+  <mc:AlternateContent xmlns:mc="http://schemas.openxmlformats.org/markup-compatibility/2006">
+    <mc:Choice xmlns:p14="http://schemas.microsoft.com/office/powerpoint/2010/main" Requires="p14">
       <p:transition spd="slow" p14:dur="2000"/>
     </mc:Choice>
-    <mc:Fallback xmlns="">
+    <mc:Fallback>
       <p:transition spd="slow"/>
     </mc:Fallback>
   </mc:AlternateContent>
@@ -6025,6 +6123,9 @@
               </a:rPr>
               <a:t>Overview</a:t>
             </a:r>
+            <a:endParaRPr lang="en-US" sz="4400" b="0" strike="noStrike" spc="-1">
+              <a:latin typeface="Arial" panose="020B0604020202020204"/>
+            </a:endParaRPr>
           </a:p>
         </p:txBody>
       </p:sp>
@@ -6037,7 +6138,7 @@
           <p:nvPr/>
         </p:nvPicPr>
         <p:blipFill>
-          <a:blip r:embed="rId2"/>
+          <a:blip r:embed="rId1"/>
           <a:stretch>
             <a:fillRect/>
           </a:stretch>
@@ -6057,11 +6158,11 @@
   <p:clrMapOvr>
     <a:masterClrMapping/>
   </p:clrMapOvr>
-  <mc:AlternateContent xmlns:mc="http://schemas.openxmlformats.org/markup-compatibility/2006" xmlns:p14="http://schemas.microsoft.com/office/powerpoint/2010/main">
-    <mc:Choice Requires="p14">
+  <mc:AlternateContent xmlns:mc="http://schemas.openxmlformats.org/markup-compatibility/2006">
+    <mc:Choice xmlns:p14="http://schemas.microsoft.com/office/powerpoint/2010/main" Requires="p14">
       <p:transition spd="slow" p14:dur="2000"/>
     </mc:Choice>
-    <mc:Fallback xmlns="">
+    <mc:Fallback>
       <p:transition spd="slow"/>
     </mc:Fallback>
   </mc:AlternateContent>
@@ -6124,6 +6225,9 @@
               </a:rPr>
               <a:t>Spring Security JWT</a:t>
             </a:r>
+            <a:endParaRPr lang="en-US" sz="4400" b="0" strike="noStrike" spc="-1">
+              <a:latin typeface="Arial" panose="020B0604020202020204"/>
+            </a:endParaRPr>
           </a:p>
         </p:txBody>
       </p:sp>
@@ -6134,7 +6238,7 @@
           <p:nvPr/>
         </p:nvPicPr>
         <p:blipFill>
-          <a:blip r:embed="rId2"/>
+          <a:blip r:embed="rId1"/>
           <a:stretch>
             <a:fillRect/>
           </a:stretch>
@@ -6157,11 +6261,11 @@
   <p:clrMapOvr>
     <a:masterClrMapping/>
   </p:clrMapOvr>
-  <mc:AlternateContent xmlns:mc="http://schemas.openxmlformats.org/markup-compatibility/2006" xmlns:p14="http://schemas.microsoft.com/office/powerpoint/2010/main">
-    <mc:Choice Requires="p14">
+  <mc:AlternateContent xmlns:mc="http://schemas.openxmlformats.org/markup-compatibility/2006">
+    <mc:Choice xmlns:p14="http://schemas.microsoft.com/office/powerpoint/2010/main" Requires="p14">
       <p:transition spd="slow" p14:dur="2000"/>
     </mc:Choice>
-    <mc:Fallback xmlns="">
+    <mc:Fallback>
       <p:transition spd="slow"/>
     </mc:Fallback>
   </mc:AlternateContent>
@@ -6266,6 +6370,9 @@
               </a:rPr>
               <a:t>OAuth là một phương thức chứng thực giúp các ứng dụng có thể chia sẻ tài nguyên với nhau mà không cần chia sẻ thông tin username và password. Từ Auth ở đây mang 2 nghĩa:</a:t>
             </a:r>
+            <a:endParaRPr lang="en-US" sz="1600" b="0" strike="noStrike" spc="-1">
+              <a:latin typeface="Arial" panose="020B0604020202020204"/>
+            </a:endParaRPr>
           </a:p>
           <a:p>
             <a:pPr marL="215900" indent="-215900">
@@ -6291,6 +6398,9 @@
               </a:rPr>
               <a:t>: xác thực người dùng thông qua việc đăng nhập.</a:t>
             </a:r>
+            <a:endParaRPr lang="en-US" sz="1600" b="0" strike="noStrike" spc="-1">
+              <a:latin typeface="Arial" panose="020B0604020202020204"/>
+            </a:endParaRPr>
           </a:p>
           <a:p>
             <a:pPr marL="215900" indent="-215900">
@@ -6316,6 +6426,9 @@
               </a:rPr>
               <a:t>: cấp quyền truy cập vào các Resource.</a:t>
             </a:r>
+            <a:endParaRPr lang="en-US" sz="1600" b="0" strike="noStrike" spc="-1">
+              <a:latin typeface="Arial" panose="020B0604020202020204"/>
+            </a:endParaRPr>
           </a:p>
         </p:txBody>
       </p:sp>
@@ -6350,6 +6463,9 @@
               </a:rPr>
               <a:t>OAuth2 làm việc với 4 đối tượng mang những vai trò riêng:</a:t>
             </a:r>
+            <a:endParaRPr lang="en-US" sz="1600" b="0" strike="noStrike" spc="-1">
+              <a:latin typeface="Arial" panose="020B0604020202020204"/>
+            </a:endParaRPr>
           </a:p>
           <a:p>
             <a:pPr marL="215900" indent="-215900">
@@ -6375,6 +6491,9 @@
               </a:rPr>
               <a:t> (User): Là những người dùng ủy quyền cho ứng dụng cho phép truy cập tài khoản của họ. Sau đó ứng dụng được phép truy cập vào những dữ liệu người dùng nhưng bị giới hạn bởi những phạm vi (scope) được cấp phép. (VD: chỉ đọc hay được quyền ghi dữ liệu) =&gt; chính là bạn.</a:t>
             </a:r>
+            <a:endParaRPr lang="en-US" sz="1600" b="0" strike="noStrike" spc="-1">
+              <a:latin typeface="Arial" panose="020B0604020202020204"/>
+            </a:endParaRPr>
           </a:p>
           <a:p>
             <a:pPr marL="215900" indent="-215900">
@@ -6400,6 +6519,9 @@
               </a:rPr>
               <a:t>(Application): Là những ứng dụng mong muốn truy cập vào dữ liệu người dùng. Trước khi được phép tương tác với dữ liệu thì ứng dụng này phải qua bước ủy quyền của User, và phải được kiểm tra xác nhận thông qua API. =&gt; Có thể hiểu là các ứng dụng sử dụng Facebook, Twitter, Google API chẳng hạn.</a:t>
             </a:r>
+            <a:endParaRPr lang="en-US" sz="1600" b="0" strike="noStrike" spc="-1">
+              <a:latin typeface="Arial" panose="020B0604020202020204"/>
+            </a:endParaRPr>
           </a:p>
           <a:p>
             <a:pPr marL="215900" indent="-215900">
@@ -6425,6 +6547,9 @@
               </a:rPr>
               <a:t> (API): Nơi lưu trữ thông tin tài khoản của User và được bảo mật.</a:t>
             </a:r>
+            <a:endParaRPr lang="en-US" sz="1600" b="0" strike="noStrike" spc="-1">
+              <a:latin typeface="Arial" panose="020B0604020202020204"/>
+            </a:endParaRPr>
           </a:p>
           <a:p>
             <a:pPr marL="215900" indent="-215900">
@@ -6450,6 +6575,9 @@
               </a:rPr>
               <a:t> (API): làm nhiệm vụ kiểm tra thông tin user (VD: ID), sau đó cấp quyền truy cập cho Application thông qua việc phát sinh "access token".</a:t>
             </a:r>
+            <a:endParaRPr lang="en-US" sz="1600" b="0" strike="noStrike" spc="-1">
+              <a:latin typeface="Arial" panose="020B0604020202020204"/>
+            </a:endParaRPr>
           </a:p>
         </p:txBody>
       </p:sp>
@@ -6458,11 +6586,11 @@
   <p:clrMapOvr>
     <a:masterClrMapping/>
   </p:clrMapOvr>
-  <mc:AlternateContent xmlns:mc="http://schemas.openxmlformats.org/markup-compatibility/2006" xmlns:p14="http://schemas.microsoft.com/office/powerpoint/2010/main">
-    <mc:Choice Requires="p14">
+  <mc:AlternateContent xmlns:mc="http://schemas.openxmlformats.org/markup-compatibility/2006">
+    <mc:Choice xmlns:p14="http://schemas.microsoft.com/office/powerpoint/2010/main" Requires="p14">
       <p:transition spd="slow" p14:dur="2000"/>
     </mc:Choice>
-    <mc:Fallback xmlns="">
+    <mc:Fallback>
       <p:transition spd="slow"/>
     </mc:Fallback>
   </mc:AlternateContent>
@@ -6538,7 +6666,7 @@
           <p:nvPr/>
         </p:nvPicPr>
         <p:blipFill>
-          <a:blip r:embed="rId2"/>
+          <a:blip r:embed="rId1"/>
           <a:stretch>
             <a:fillRect/>
           </a:stretch>
@@ -6561,11 +6689,11 @@
   <p:clrMapOvr>
     <a:masterClrMapping/>
   </p:clrMapOvr>
-  <mc:AlternateContent xmlns:mc="http://schemas.openxmlformats.org/markup-compatibility/2006" xmlns:p14="http://schemas.microsoft.com/office/powerpoint/2010/main">
-    <mc:Choice Requires="p14">
+  <mc:AlternateContent xmlns:mc="http://schemas.openxmlformats.org/markup-compatibility/2006">
+    <mc:Choice xmlns:p14="http://schemas.microsoft.com/office/powerpoint/2010/main" Requires="p14">
       <p:transition spd="slow" p14:dur="2000"/>
     </mc:Choice>
-    <mc:Fallback xmlns="">
+    <mc:Fallback>
       <p:transition spd="slow"/>
     </mc:Fallback>
   </mc:AlternateContent>
@@ -6663,6 +6791,9 @@
               </a:rPr>
               <a:t>Ví dụ ta có roles trong trường hợp như sau:</a:t>
             </a:r>
+            <a:endParaRPr lang="en-US" sz="2000" b="0" strike="noStrike" spc="-1">
+              <a:latin typeface="Arial" panose="020B0604020202020204"/>
+            </a:endParaRPr>
           </a:p>
           <a:p>
             <a:pPr>
@@ -6692,6 +6823,9 @@
               </a:rPr>
               <a:t>Resource Owner: Mình</a:t>
             </a:r>
+            <a:endParaRPr lang="en-US" sz="2000" b="0" strike="noStrike" spc="-1">
+              <a:latin typeface="Arial" panose="020B0604020202020204"/>
+            </a:endParaRPr>
           </a:p>
           <a:p>
             <a:pPr marL="215900" indent="-215900">
@@ -6711,6 +6845,9 @@
               </a:rPr>
               <a:t>Resource Server: Facebook server</a:t>
             </a:r>
+            <a:endParaRPr lang="en-US" sz="2000" b="0" strike="noStrike" spc="-1">
+              <a:latin typeface="Arial" panose="020B0604020202020204"/>
+            </a:endParaRPr>
           </a:p>
           <a:p>
             <a:pPr marL="215900" indent="-215900">
@@ -6730,6 +6867,9 @@
               </a:rPr>
               <a:t>Client: Website Viblo</a:t>
             </a:r>
+            <a:endParaRPr lang="en-US" sz="2000" b="0" strike="noStrike" spc="-1">
+              <a:latin typeface="Arial" panose="020B0604020202020204"/>
+            </a:endParaRPr>
           </a:p>
           <a:p>
             <a:pPr marL="215900" indent="-215900">
@@ -6749,6 +6889,9 @@
               </a:rPr>
               <a:t>Authorization Server: Facebook server</a:t>
             </a:r>
+            <a:endParaRPr lang="en-US" sz="2000" b="0" strike="noStrike" spc="-1">
+              <a:latin typeface="Arial" panose="020B0604020202020204"/>
+            </a:endParaRPr>
           </a:p>
         </p:txBody>
       </p:sp>
@@ -6820,6 +6963,9 @@
               </a:rPr>
               <a:t>The OAuth 2.0 Authorization Framework</a:t>
             </a:r>
+            <a:endParaRPr lang="en-US" sz="1800" b="0" strike="noStrike" spc="-1">
+              <a:latin typeface="Arial" panose="020B0604020202020204"/>
+            </a:endParaRPr>
           </a:p>
         </p:txBody>
       </p:sp>
@@ -6865,11 +7011,11 @@
   <p:clrMapOvr>
     <a:masterClrMapping/>
   </p:clrMapOvr>
-  <mc:AlternateContent xmlns:mc="http://schemas.openxmlformats.org/markup-compatibility/2006" xmlns:p14="http://schemas.microsoft.com/office/powerpoint/2010/main">
-    <mc:Choice Requires="p14">
+  <mc:AlternateContent xmlns:mc="http://schemas.openxmlformats.org/markup-compatibility/2006">
+    <mc:Choice xmlns:p14="http://schemas.microsoft.com/office/powerpoint/2010/main" Requires="p14">
       <p:transition spd="slow" p14:dur="2000"/>
     </mc:Choice>
-    <mc:Fallback xmlns="">
+    <mc:Fallback>
       <p:transition spd="slow"/>
     </mc:Fallback>
   </mc:AlternateContent>
@@ -6967,6 +7113,9 @@
               </a:rPr>
               <a:t>Ví dụ ta có roles trong trường hợp như sau:</a:t>
             </a:r>
+            <a:endParaRPr lang="en-US" sz="2000" b="0" strike="noStrike" spc="-1">
+              <a:latin typeface="Arial" panose="020B0604020202020204"/>
+            </a:endParaRPr>
           </a:p>
           <a:p>
             <a:pPr marL="215900" indent="-215900">
@@ -6986,6 +7135,9 @@
               </a:rPr>
               <a:t>Resource Owner: Mình</a:t>
             </a:r>
+            <a:endParaRPr lang="en-US" sz="2000" b="0" strike="noStrike" spc="-1">
+              <a:latin typeface="Arial" panose="020B0604020202020204"/>
+            </a:endParaRPr>
           </a:p>
           <a:p>
             <a:pPr marL="215900" indent="-215900">
@@ -7005,6 +7157,9 @@
               </a:rPr>
               <a:t>Resource Server: Facebook server</a:t>
             </a:r>
+            <a:endParaRPr lang="en-US" sz="2000" b="0" strike="noStrike" spc="-1">
+              <a:latin typeface="Arial" panose="020B0604020202020204"/>
+            </a:endParaRPr>
           </a:p>
           <a:p>
             <a:pPr marL="215900" indent="-215900">
@@ -7024,6 +7179,9 @@
               </a:rPr>
               <a:t>Client: Website Viblo</a:t>
             </a:r>
+            <a:endParaRPr lang="en-US" sz="2000" b="0" strike="noStrike" spc="-1">
+              <a:latin typeface="Arial" panose="020B0604020202020204"/>
+            </a:endParaRPr>
           </a:p>
           <a:p>
             <a:pPr marL="215900" indent="-215900">
@@ -7043,6 +7201,9 @@
               </a:rPr>
               <a:t>Authorization Server: Facebook server</a:t>
             </a:r>
+            <a:endParaRPr lang="en-US" sz="2000" b="0" strike="noStrike" spc="-1">
+              <a:latin typeface="Arial" panose="020B0604020202020204"/>
+            </a:endParaRPr>
           </a:p>
         </p:txBody>
       </p:sp>
@@ -7077,6 +7238,9 @@
               </a:rPr>
               <a:t>https://viblo.asia/p/introduction-to-oauth2-3OEqGjDpR9bL</a:t>
             </a:r>
+            <a:endParaRPr lang="en-US" sz="1800" b="0" strike="noStrike" spc="-1">
+              <a:latin typeface="Arial" panose="020B0604020202020204"/>
+            </a:endParaRPr>
           </a:p>
         </p:txBody>
       </p:sp>
@@ -7085,11 +7249,11 @@
   <p:clrMapOvr>
     <a:masterClrMapping/>
   </p:clrMapOvr>
-  <mc:AlternateContent xmlns:mc="http://schemas.openxmlformats.org/markup-compatibility/2006" xmlns:p14="http://schemas.microsoft.com/office/powerpoint/2010/main">
-    <mc:Choice Requires="p14">
+  <mc:AlternateContent xmlns:mc="http://schemas.openxmlformats.org/markup-compatibility/2006">
+    <mc:Choice xmlns:p14="http://schemas.microsoft.com/office/powerpoint/2010/main" Requires="p14">
       <p:transition spd="slow" p14:dur="2000"/>
     </mc:Choice>
-    <mc:Fallback xmlns="">
+    <mc:Fallback>
       <p:transition spd="slow"/>
     </mc:Fallback>
   </mc:AlternateContent>
@@ -7209,6 +7373,9 @@
               </a:rPr>
               <a:t>Từ Viblo, ta muốn login thông qua Facebook.</a:t>
             </a:r>
+            <a:endParaRPr lang="en-US" sz="1800" b="0" strike="noStrike" spc="-1">
+              <a:latin typeface="Arial" panose="020B0604020202020204"/>
+            </a:endParaRPr>
           </a:p>
           <a:p>
             <a:pPr marL="215900" indent="-215900">
@@ -7228,6 +7395,9 @@
               </a:rPr>
               <a:t>Browser redirect tới trang chứng thực của Facebook (Authorization Server).</a:t>
             </a:r>
+            <a:endParaRPr lang="en-US" sz="1800" b="0" strike="noStrike" spc="-1">
+              <a:latin typeface="Arial" panose="020B0604020202020204"/>
+            </a:endParaRPr>
           </a:p>
           <a:p>
             <a:pPr marL="215900" indent="-215900">
@@ -7247,6 +7417,9 @@
               </a:rPr>
               <a:t>Nếu ta cho phép truy cập, browser sẽ redirect ta về Viblo cùng với Access Token trên URI. Ví dụ như callback: http://viblo.asia/auth/callback&amp;access_token=MynBTzUGYX8bHTnyLpZ4</a:t>
             </a:r>
+            <a:endParaRPr lang="en-US" sz="1800" b="0" strike="noStrike" spc="-1">
+              <a:latin typeface="Arial" panose="020B0604020202020204"/>
+            </a:endParaRPr>
           </a:p>
           <a:p>
             <a:pPr marL="215900" indent="-215900">
@@ -7266,6 +7439,9 @@
               </a:rPr>
               <a:t>Access token này sẽ được client lấy và sử dụng khi truy cập tới Facebook lấy tài nguyên. Ví dụ: https://graph.facebook.com/me?access_token=MynBTzUGYX8bHTnyLpZ4</a:t>
             </a:r>
+            <a:endParaRPr lang="en-US" sz="1800" b="0" strike="noStrike" spc="-1">
+              <a:latin typeface="Arial" panose="020B0604020202020204"/>
+            </a:endParaRPr>
           </a:p>
           <a:p>
             <a:pPr>
@@ -7279,6 +7455,9 @@
               </a:rPr>
               <a:t>Facebook dựa vào Token, nhận ra là thanh niên đã đăng ký trước đó, cho phép truy cập và trả về dữ liệu.</a:t>
             </a:r>
+            <a:endParaRPr lang="en-US" sz="1800" b="0" strike="noStrike" spc="-1">
+              <a:latin typeface="Arial" panose="020B0604020202020204"/>
+            </a:endParaRPr>
           </a:p>
         </p:txBody>
       </p:sp>
@@ -7287,11 +7466,11 @@
   <p:clrMapOvr>
     <a:masterClrMapping/>
   </p:clrMapOvr>
-  <mc:AlternateContent xmlns:mc="http://schemas.openxmlformats.org/markup-compatibility/2006" xmlns:p14="http://schemas.microsoft.com/office/powerpoint/2010/main">
-    <mc:Choice Requires="p14">
+  <mc:AlternateContent xmlns:mc="http://schemas.openxmlformats.org/markup-compatibility/2006">
+    <mc:Choice xmlns:p14="http://schemas.microsoft.com/office/powerpoint/2010/main" Requires="p14">
       <p:transition spd="slow" p14:dur="2000"/>
     </mc:Choice>
-    <mc:Fallback xmlns="">
+    <mc:Fallback>
       <p:transition spd="slow"/>
     </mc:Fallback>
   </mc:AlternateContent>
@@ -7417,6 +7596,9 @@
               </a:rPr>
               <a:t> used with server-side Applications</a:t>
             </a:r>
+            <a:endParaRPr lang="en-US" sz="1800" b="0" strike="noStrike" spc="-1">
+              <a:latin typeface="Arial" panose="020B0604020202020204"/>
+            </a:endParaRPr>
           </a:p>
           <a:p>
             <a:pPr marL="215900" indent="-215900">
@@ -7442,6 +7624,9 @@
               </a:rPr>
               <a:t>: used with Mobile Apps or Web Applications (applications that run on the user's device)</a:t>
             </a:r>
+            <a:endParaRPr lang="en-US" sz="1800" b="0" strike="noStrike" spc="-1">
+              <a:latin typeface="Arial" panose="020B0604020202020204"/>
+            </a:endParaRPr>
           </a:p>
           <a:p>
             <a:pPr marL="215900" indent="-215900">
@@ -7467,6 +7652,9 @@
               </a:rPr>
               <a:t>: used with trusted Applications, such as those owned by the service itself</a:t>
             </a:r>
+            <a:endParaRPr lang="en-US" sz="1800" b="0" strike="noStrike" spc="-1">
+              <a:latin typeface="Arial" panose="020B0604020202020204"/>
+            </a:endParaRPr>
           </a:p>
           <a:p>
             <a:pPr marL="215900" indent="-215900">
@@ -7492,6 +7680,9 @@
               </a:rPr>
               <a:t> used with Applications API access</a:t>
             </a:r>
+            <a:endParaRPr lang="en-US" sz="1800" b="0" strike="noStrike" spc="-1">
+              <a:latin typeface="Arial" panose="020B0604020202020204"/>
+            </a:endParaRPr>
           </a:p>
           <a:p>
             <a:pPr marL="215900" indent="-215900">
@@ -7538,11 +7729,11 @@
   <p:clrMapOvr>
     <a:masterClrMapping/>
   </p:clrMapOvr>
-  <mc:AlternateContent xmlns:mc="http://schemas.openxmlformats.org/markup-compatibility/2006" xmlns:p14="http://schemas.microsoft.com/office/powerpoint/2010/main">
-    <mc:Choice Requires="p14">
+  <mc:AlternateContent xmlns:mc="http://schemas.openxmlformats.org/markup-compatibility/2006">
+    <mc:Choice xmlns:p14="http://schemas.microsoft.com/office/powerpoint/2010/main" Requires="p14">
       <p:transition spd="slow" p14:dur="2000"/>
     </mc:Choice>
-    <mc:Fallback xmlns="">
+    <mc:Fallback>
       <p:transition spd="slow"/>
     </mc:Fallback>
   </mc:AlternateContent>
@@ -7656,6 +7847,9 @@
               </a:rPr>
               <a:t>Java Message Service (JMS) API là một phần của kỹ thuật Java Enterprice Edition (JEE). JMS là tất cả những gì thuộc về việc gửi và nhận tin giữa hai hay nhiều client.- Nó là một đặc điểm kỹ thuật mô tả một phương thức tạo bởi trương trình Java cho việc tạo, gửi và nhận tin nhắn.- JMS API cho phép lới lỏng việc liên kết thông tin, và gửi tin một cách bất đồng bộ</a:t>
             </a:r>
+            <a:endParaRPr lang="en-US" sz="1800" b="0" strike="noStrike" spc="-1">
+              <a:latin typeface="Arial" panose="020B0604020202020204"/>
+            </a:endParaRPr>
           </a:p>
           <a:p>
             <a:pPr>
@@ -7674,11 +7868,11 @@
   <p:clrMapOvr>
     <a:masterClrMapping/>
   </p:clrMapOvr>
-  <mc:AlternateContent xmlns:mc="http://schemas.openxmlformats.org/markup-compatibility/2006" xmlns:p14="http://schemas.microsoft.com/office/powerpoint/2010/main">
-    <mc:Choice Requires="p14">
+  <mc:AlternateContent xmlns:mc="http://schemas.openxmlformats.org/markup-compatibility/2006">
+    <mc:Choice xmlns:p14="http://schemas.microsoft.com/office/powerpoint/2010/main" Requires="p14">
       <p:transition spd="slow" p14:dur="2000"/>
     </mc:Choice>
-    <mc:Fallback xmlns="">
+    <mc:Fallback>
       <p:transition spd="slow"/>
     </mc:Fallback>
   </mc:AlternateContent>
@@ -7809,7 +8003,7 @@
           <p:nvPr/>
         </p:nvPicPr>
         <p:blipFill>
-          <a:blip r:embed="rId2"/>
+          <a:blip r:embed="rId1"/>
           <a:stretch>
             <a:fillRect/>
           </a:stretch>
@@ -7832,11 +8026,11 @@
   <p:clrMapOvr>
     <a:masterClrMapping/>
   </p:clrMapOvr>
-  <mc:AlternateContent xmlns:mc="http://schemas.openxmlformats.org/markup-compatibility/2006" xmlns:p14="http://schemas.microsoft.com/office/powerpoint/2010/main">
-    <mc:Choice Requires="p14">
+  <mc:AlternateContent xmlns:mc="http://schemas.openxmlformats.org/markup-compatibility/2006">
+    <mc:Choice xmlns:p14="http://schemas.microsoft.com/office/powerpoint/2010/main" Requires="p14">
       <p:transition spd="slow" p14:dur="2000"/>
     </mc:Choice>
-    <mc:Fallback xmlns="">
+    <mc:Fallback>
       <p:transition spd="slow"/>
     </mc:Fallback>
   </mc:AlternateContent>
@@ -7956,6 +8150,9 @@
               </a:rPr>
               <a:t> Thành phần tạo và gửi tin Broker trung gian hay Message Oriented Middleware (MOM)</a:t>
             </a:r>
+            <a:endParaRPr lang="en-US" sz="1800" b="0" strike="noStrike" spc="-1">
+              <a:latin typeface="Arial" panose="020B0604020202020204"/>
+            </a:endParaRPr>
           </a:p>
           <a:p>
             <a:pPr>
@@ -7975,6 +8172,9 @@
               </a:rPr>
               <a:t> Thành phần nhận tinProducer và Consumer là những ứng dụng Java. </a:t>
             </a:r>
+            <a:endParaRPr lang="en-US" sz="1800" b="0" strike="noStrike" spc="-1">
+              <a:latin typeface="Arial" panose="020B0604020202020204"/>
+            </a:endParaRPr>
           </a:p>
           <a:p>
             <a:pPr>
@@ -7988,6 +8188,9 @@
               </a:rPr>
               <a:t>Còn MOM là ứng dụng trung gian.</a:t>
             </a:r>
+            <a:endParaRPr lang="en-US" sz="1800" b="0" strike="noStrike" spc="-1">
+              <a:latin typeface="Arial" panose="020B0604020202020204"/>
+            </a:endParaRPr>
           </a:p>
           <a:p>
             <a:pPr>
@@ -8001,6 +8204,9 @@
               </a:rPr>
               <a:t>Một số MOM tiêu biểu:</a:t>
             </a:r>
+            <a:endParaRPr lang="en-US" sz="1800" b="0" strike="noStrike" spc="-1">
+              <a:latin typeface="Arial" panose="020B0604020202020204"/>
+            </a:endParaRPr>
           </a:p>
           <a:p>
             <a:pPr marL="215900" indent="-215900">
@@ -8020,6 +8226,9 @@
               </a:rPr>
               <a:t>Weblogic -	Oracle</a:t>
             </a:r>
+            <a:endParaRPr lang="en-US" sz="1800" b="0" strike="noStrike" spc="-1">
+              <a:latin typeface="Arial" panose="020B0604020202020204"/>
+            </a:endParaRPr>
           </a:p>
           <a:p>
             <a:pPr marL="215900" indent="-215900">
@@ -8039,6 +8248,9 @@
               </a:rPr>
               <a:t>MQSeries	- IBM</a:t>
             </a:r>
+            <a:endParaRPr lang="en-US" sz="1800" b="0" strike="noStrike" spc="-1">
+              <a:latin typeface="Arial" panose="020B0604020202020204"/>
+            </a:endParaRPr>
           </a:p>
           <a:p>
             <a:pPr marL="215900" indent="-215900">
@@ -8058,6 +8270,9 @@
               </a:rPr>
               <a:t>JBOSSMQ	- JBOSS</a:t>
             </a:r>
+            <a:endParaRPr lang="en-US" sz="1800" b="0" strike="noStrike" spc="-1">
+              <a:latin typeface="Arial" panose="020B0604020202020204"/>
+            </a:endParaRPr>
           </a:p>
           <a:p>
             <a:pPr marL="215900" indent="-215900">
@@ -8077,6 +8292,9 @@
               </a:rPr>
               <a:t>SonigMQ	- Progress</a:t>
             </a:r>
+            <a:endParaRPr lang="en-US" sz="1800" b="0" strike="noStrike" spc="-1">
+              <a:latin typeface="Arial" panose="020B0604020202020204"/>
+            </a:endParaRPr>
           </a:p>
           <a:p>
             <a:pPr marL="215900" indent="-215900">
@@ -8096,6 +8314,9 @@
               </a:rPr>
               <a:t>TIBCO EMS	- TIBCO</a:t>
             </a:r>
+            <a:endParaRPr lang="en-US" sz="1800" b="0" strike="noStrike" spc="-1">
+              <a:latin typeface="Arial" panose="020B0604020202020204"/>
+            </a:endParaRPr>
           </a:p>
           <a:p>
             <a:pPr marL="215900" indent="-215900">
@@ -8115,6 +8336,9 @@
               </a:rPr>
               <a:t>ActiveMQ	- Apache</a:t>
             </a:r>
+            <a:endParaRPr lang="en-US" sz="1800" b="0" strike="noStrike" spc="-1">
+              <a:latin typeface="Arial" panose="020B0604020202020204"/>
+            </a:endParaRPr>
           </a:p>
           <a:p>
             <a:pPr>
@@ -8143,11 +8367,11 @@
   <p:clrMapOvr>
     <a:masterClrMapping/>
   </p:clrMapOvr>
-  <mc:AlternateContent xmlns:mc="http://schemas.openxmlformats.org/markup-compatibility/2006" xmlns:p14="http://schemas.microsoft.com/office/powerpoint/2010/main">
-    <mc:Choice Requires="p14">
+  <mc:AlternateContent xmlns:mc="http://schemas.openxmlformats.org/markup-compatibility/2006">
+    <mc:Choice xmlns:p14="http://schemas.microsoft.com/office/powerpoint/2010/main" Requires="p14">
       <p:transition spd="slow" p14:dur="2000"/>
     </mc:Choice>
-    <mc:Fallback xmlns="">
+    <mc:Fallback>
       <p:transition spd="slow"/>
     </mc:Fallback>
   </mc:AlternateContent>
@@ -8203,6 +8427,9 @@
               </a:rPr>
               <a:t>Overview</a:t>
             </a:r>
+            <a:endParaRPr lang="en-US" sz="4400" b="0" strike="noStrike" spc="-1">
+              <a:latin typeface="Arial" panose="020B0604020202020204"/>
+            </a:endParaRPr>
           </a:p>
         </p:txBody>
       </p:sp>
@@ -8232,12 +8459,14 @@
               <a:rPr lang="en-US" sz="1600" b="1"/>
               <a:t>Spring là gì?</a:t>
             </a:r>
+            <a:endParaRPr lang="en-US" sz="1600" b="1"/>
           </a:p>
           <a:p>
             <a:r>
               <a:rPr lang="en-US" sz="1600"/>
               <a:t>Spring là một open source framework dành cho Java Enterprise. Core feature của Spring có thể dùng để xây dựng bất cứ Java application nào, các extensions của Spring có thể được sử dụng cho việc xây dựng web application trên nền tảng Java EE. Spring framework cũng hướng tới mục tiêu làm cho việc phát triển các ứng dụng trên nền tảng Java EE dễ dàng hơn và thúc đẩy việc lập trình tốt hơn bằng model POJO-based.</a:t>
             </a:r>
+            <a:endParaRPr lang="en-US" sz="1600"/>
           </a:p>
           <a:p>
             <a:endParaRPr lang="en-US" sz="1600"/>
@@ -8247,6 +8476,7 @@
               <a:rPr lang="en-US" sz="1600" b="1"/>
               <a:t>Lợi ích mà Spring framework mang lại</a:t>
             </a:r>
+            <a:endParaRPr lang="en-US" sz="1600" b="1"/>
           </a:p>
           <a:p>
             <a:r>
@@ -8269,6 +8499,7 @@
               <a:rPr lang="en-US" sz="1600"/>
               <a:t>) để giúp loose coupling, sử dụng Aspect oriented programming để tách biệt các thành phần business, có container nới quản lý tất cả life cycle và config của các object trong application, phát triển ứng dụng đơn giản với MVC, có transaction management, cung cấp các API tiện lợi cho việc handling exception.</a:t>
             </a:r>
+            <a:endParaRPr lang="en-US" sz="1600"/>
           </a:p>
           <a:p>
             <a:endParaRPr lang="en-US" sz="1600"/>
@@ -8278,18 +8509,21 @@
               <a:rPr lang="en-US" sz="1600" b="1"/>
               <a:t>SpringBoot là gì?</a:t>
             </a:r>
+            <a:endParaRPr lang="en-US" sz="1600" b="1"/>
           </a:p>
           <a:p>
             <a:r>
               <a:rPr lang="en-US" sz="1600"/>
               <a:t>SpringBoot về cơ bản là một phần mở rộng của Spring framework đã loại bỏ các cấu hình được viết sẵn cần thiết để cài đặt một ứng dụng Spring.</a:t>
             </a:r>
+            <a:endParaRPr lang="en-US" sz="1600"/>
           </a:p>
           <a:p>
             <a:r>
               <a:rPr lang="en-US" sz="1600"/>
               <a:t>Spring Boot Framework được sử dụng rộng rãi để phát triển các REST APIs.</a:t>
             </a:r>
+            <a:endParaRPr lang="en-US" sz="1600"/>
           </a:p>
         </p:txBody>
       </p:sp>
@@ -8298,11 +8532,11 @@
   <p:clrMapOvr>
     <a:masterClrMapping/>
   </p:clrMapOvr>
-  <mc:AlternateContent xmlns:mc="http://schemas.openxmlformats.org/markup-compatibility/2006" xmlns:p14="http://schemas.microsoft.com/office/powerpoint/2010/main">
-    <mc:Choice Requires="p14">
+  <mc:AlternateContent xmlns:mc="http://schemas.openxmlformats.org/markup-compatibility/2006">
+    <mc:Choice xmlns:p14="http://schemas.microsoft.com/office/powerpoint/2010/main" Requires="p14">
       <p:transition spd="slow" p14:dur="2000"/>
     </mc:Choice>
-    <mc:Fallback xmlns="">
+    <mc:Fallback>
       <p:transition spd="slow"/>
     </mc:Fallback>
   </mc:AlternateContent>
@@ -8439,6 +8673,9 @@
               </a:rPr>
               <a:t>ActiveMQ là một MOM mã nguồn mở, phổ biến và mạnh nhất.</a:t>
             </a:r>
+            <a:endParaRPr lang="en-US" sz="1800" b="0" strike="noStrike" spc="-1">
+              <a:latin typeface="Arial" panose="020B0604020202020204"/>
+            </a:endParaRPr>
           </a:p>
           <a:p>
             <a:pPr>
@@ -8468,6 +8705,9 @@
               </a:rPr>
               <a:t>ActiveMQ có thể chạy độc lập, hay bên trong các tiến trình khác, ứng dụng server, hay ứng dụng JEE.</a:t>
             </a:r>
+            <a:endParaRPr lang="en-US" sz="1800" b="0" strike="noStrike" spc="-1">
+              <a:latin typeface="Arial" panose="020B0604020202020204"/>
+            </a:endParaRPr>
           </a:p>
           <a:p>
             <a:pPr>
@@ -8497,6 +8737,9 @@
               </a:rPr>
               <a:t>Hỗ trợ mọi thứ JMS yêu cầu, và có thể mở rộng.- Ngoài Java thì ActiveMQ có thể ứng dụng với .NET, C/C++, Ruby, Delphy.</a:t>
             </a:r>
+            <a:endParaRPr lang="en-US" sz="1800" b="0" strike="noStrike" spc="-1">
+              <a:latin typeface="Arial" panose="020B0604020202020204"/>
+            </a:endParaRPr>
           </a:p>
           <a:p>
             <a:pPr>
@@ -8525,11 +8768,11 @@
   <p:clrMapOvr>
     <a:masterClrMapping/>
   </p:clrMapOvr>
-  <mc:AlternateContent xmlns:mc="http://schemas.openxmlformats.org/markup-compatibility/2006" xmlns:p14="http://schemas.microsoft.com/office/powerpoint/2010/main">
-    <mc:Choice Requires="p14">
+  <mc:AlternateContent xmlns:mc="http://schemas.openxmlformats.org/markup-compatibility/2006">
+    <mc:Choice xmlns:p14="http://schemas.microsoft.com/office/powerpoint/2010/main" Requires="p14">
       <p:transition spd="slow" p14:dur="2000"/>
     </mc:Choice>
-    <mc:Fallback xmlns="">
+    <mc:Fallback>
       <p:transition spd="slow"/>
     </mc:Fallback>
   </mc:AlternateContent>
@@ -8585,6 +8828,9 @@
               </a:rPr>
               <a:t>Overview</a:t>
             </a:r>
+            <a:endParaRPr lang="en-US" sz="4400" b="0" strike="noStrike" spc="-1">
+              <a:latin typeface="Arial" panose="020B0604020202020204"/>
+            </a:endParaRPr>
           </a:p>
         </p:txBody>
       </p:sp>
@@ -8597,7 +8843,7 @@
           <p:nvPr/>
         </p:nvPicPr>
         <p:blipFill>
-          <a:blip r:embed="rId2"/>
+          <a:blip r:embed="rId1"/>
           <a:stretch>
             <a:fillRect/>
           </a:stretch>
@@ -8617,11 +8863,11 @@
   <p:clrMapOvr>
     <a:masterClrMapping/>
   </p:clrMapOvr>
-  <mc:AlternateContent xmlns:mc="http://schemas.openxmlformats.org/markup-compatibility/2006" xmlns:p14="http://schemas.microsoft.com/office/powerpoint/2010/main">
-    <mc:Choice Requires="p14">
+  <mc:AlternateContent xmlns:mc="http://schemas.openxmlformats.org/markup-compatibility/2006">
+    <mc:Choice xmlns:p14="http://schemas.microsoft.com/office/powerpoint/2010/main" Requires="p14">
       <p:transition spd="slow" p14:dur="2000"/>
     </mc:Choice>
-    <mc:Fallback xmlns="">
+    <mc:Fallback>
       <p:transition spd="slow"/>
     </mc:Fallback>
   </mc:AlternateContent>
@@ -8684,6 +8930,9 @@
               </a:rPr>
               <a:t>Overview</a:t>
             </a:r>
+            <a:endParaRPr lang="en-US" sz="4400" b="0" strike="noStrike" spc="-1">
+              <a:latin typeface="Arial" panose="020B0604020202020204"/>
+            </a:endParaRPr>
           </a:p>
         </p:txBody>
       </p:sp>
@@ -8696,7 +8945,7 @@
           <p:nvPr/>
         </p:nvPicPr>
         <p:blipFill>
-          <a:blip r:embed="rId2"/>
+          <a:blip r:embed="rId1"/>
           <a:stretch>
             <a:fillRect/>
           </a:stretch>
@@ -8716,11 +8965,11 @@
   <p:clrMapOvr>
     <a:masterClrMapping/>
   </p:clrMapOvr>
-  <mc:AlternateContent xmlns:mc="http://schemas.openxmlformats.org/markup-compatibility/2006" xmlns:p14="http://schemas.microsoft.com/office/powerpoint/2010/main">
-    <mc:Choice Requires="p14">
+  <mc:AlternateContent xmlns:mc="http://schemas.openxmlformats.org/markup-compatibility/2006">
+    <mc:Choice xmlns:p14="http://schemas.microsoft.com/office/powerpoint/2010/main" Requires="p14">
       <p:transition spd="slow" p14:dur="2000"/>
     </mc:Choice>
-    <mc:Fallback xmlns="">
+    <mc:Fallback>
       <p:transition spd="slow"/>
     </mc:Fallback>
   </mc:AlternateContent>
@@ -8783,6 +9032,9 @@
               </a:rPr>
               <a:t>@Bean</a:t>
             </a:r>
+            <a:endParaRPr lang="en-US" sz="4400" b="0" strike="noStrike" spc="-1">
+              <a:latin typeface="Arial" panose="020B0604020202020204"/>
+            </a:endParaRPr>
           </a:p>
         </p:txBody>
       </p:sp>
@@ -8834,6 +9086,9 @@
               </a:rPr>
               <a:t>chính là những Java Object mà từ đó tạo nên khung sườn của một ứng dụng Spring. Chúng được  quản lý bởi Spring IoC container.</a:t>
             </a:r>
+            <a:endParaRPr lang="en-US" sz="1800" b="0" strike="noStrike" spc="-1">
+              <a:latin typeface="Arial" panose="020B0604020202020204"/>
+            </a:endParaRPr>
           </a:p>
           <a:p>
             <a:pPr>
@@ -8863,6 +9118,9 @@
               </a:rPr>
               <a:t> viết tắt là IoC là một quá trình trong đó một object định nghĩa các dependency (phụ thuộc) mà không cần phải khởi tạo chúng.Việc khởi tạo các dependency này được chuyển giao cho IoC container.</a:t>
             </a:r>
+            <a:endParaRPr lang="en-US" sz="1800" b="0" strike="noStrike" spc="-1">
+              <a:latin typeface="Arial" panose="020B0604020202020204"/>
+            </a:endParaRPr>
           </a:p>
           <a:p>
             <a:pPr>
@@ -8886,6 +9144,9 @@
               </a:rPr>
               <a:t>Scope of Bean</a:t>
             </a:r>
+            <a:endParaRPr lang="en-US" sz="1800" b="1" strike="noStrike" spc="-1">
+              <a:latin typeface="Arial" panose="020B0604020202020204"/>
+            </a:endParaRPr>
           </a:p>
           <a:p>
             <a:pPr>
@@ -8899,6 +9160,9 @@
               </a:rPr>
               <a:t>Việc định nghĩa scope có thể thực hiện thông qua việc sử dụng thuộc tính tên là “scope” khi định nghĩa. Lấy ví dụ, khi bean phải tạo mới mỗi lần cần sử dụng, thuộc tính scope sẽ là “prototype”. Mặt khác, khi bean luôn luôn trả về một instance giống nhau khi sử dụng, thuộc tính scope sẽ là “singleton”.</a:t>
             </a:r>
+            <a:endParaRPr lang="en-US" sz="1800" b="0" strike="noStrike" spc="-1">
+              <a:latin typeface="Arial" panose="020B0604020202020204"/>
+            </a:endParaRPr>
           </a:p>
           <a:p>
             <a:pPr>
@@ -8922,6 +9186,9 @@
               </a:rPr>
               <a:t>Làm sao để cung cấp configuration metadata cho Spring Container?</a:t>
             </a:r>
+            <a:endParaRPr lang="en-US" sz="1800" b="1" strike="noStrike" spc="-1">
+              <a:latin typeface="Arial" panose="020B0604020202020204"/>
+            </a:endParaRPr>
           </a:p>
           <a:p>
             <a:pPr>
@@ -8935,6 +9202,9 @@
               </a:rPr>
               <a:t>Có ba cách để cũng cấp configuration metadata cho Spring container.</a:t>
             </a:r>
+            <a:endParaRPr lang="en-US" sz="1800" b="0" strike="noStrike" spc="-1">
+              <a:latin typeface="Arial" panose="020B0604020202020204"/>
+            </a:endParaRPr>
           </a:p>
           <a:p>
             <a:pPr>
@@ -8998,6 +9268,9 @@
               </a:rPr>
               <a:t>Java-based configuration</a:t>
             </a:r>
+            <a:endParaRPr lang="en-US" sz="1800" b="1" strike="noStrike" spc="-1">
+              <a:latin typeface="Arial" panose="020B0604020202020204"/>
+            </a:endParaRPr>
           </a:p>
         </p:txBody>
       </p:sp>
@@ -9006,11 +9279,11 @@
   <p:clrMapOvr>
     <a:masterClrMapping/>
   </p:clrMapOvr>
-  <mc:AlternateContent xmlns:mc="http://schemas.openxmlformats.org/markup-compatibility/2006" xmlns:p14="http://schemas.microsoft.com/office/powerpoint/2010/main">
-    <mc:Choice Requires="p14">
+  <mc:AlternateContent xmlns:mc="http://schemas.openxmlformats.org/markup-compatibility/2006">
+    <mc:Choice xmlns:p14="http://schemas.microsoft.com/office/powerpoint/2010/main" Requires="p14">
       <p:transition spd="slow" p14:dur="2000"/>
     </mc:Choice>
-    <mc:Fallback xmlns="">
+    <mc:Fallback>
       <p:transition spd="slow"/>
     </mc:Fallback>
   </mc:AlternateContent>
@@ -9073,6 +9346,9 @@
               </a:rPr>
               <a:t>@Bean</a:t>
             </a:r>
+            <a:endParaRPr lang="en-US" sz="4400" b="0" strike="noStrike" spc="-1">
+              <a:latin typeface="Arial" panose="020B0604020202020204"/>
+            </a:endParaRPr>
           </a:p>
         </p:txBody>
       </p:sp>
@@ -9112,6 +9388,9 @@
               </a:rPr>
               <a:t>scope của bean</a:t>
             </a:r>
+            <a:endParaRPr lang="en-US" sz="1800" b="1" strike="noStrike" spc="-1">
+              <a:latin typeface="Arial" panose="020B0604020202020204"/>
+            </a:endParaRPr>
           </a:p>
           <a:p>
             <a:pPr>
@@ -9131,6 +9410,9 @@
               </a:rPr>
               <a:t>: cho biết bean đó có một instance duy nhất trong Sping IoC container.</a:t>
             </a:r>
+            <a:endParaRPr lang="en-US" sz="1800" strike="noStrike" spc="-1">
+              <a:latin typeface="Arial" panose="020B0604020202020204"/>
+            </a:endParaRPr>
           </a:p>
           <a:p>
             <a:pPr>
@@ -9150,6 +9432,9 @@
               </a:rPr>
               <a:t>: cho biết bean đó được định nghĩa là có nhiều object instances, mỗi lần muốn sử dụng sẽ tạo mới.</a:t>
             </a:r>
+            <a:endParaRPr lang="en-US" sz="1800" strike="noStrike" spc="-1">
+              <a:latin typeface="Arial" panose="020B0604020202020204"/>
+            </a:endParaRPr>
           </a:p>
           <a:p>
             <a:pPr>
@@ -9169,6 +9454,9 @@
               </a:rPr>
               <a:t>: cho biết bean được định nghĩa với một HTTP request. Scope này chỉ hợp lệ khi chúng ta sử dụng Web Application Context.</a:t>
             </a:r>
+            <a:endParaRPr lang="en-US" sz="1800" strike="noStrike" spc="-1">
+              <a:latin typeface="Arial" panose="020B0604020202020204"/>
+            </a:endParaRPr>
           </a:p>
           <a:p>
             <a:pPr>
@@ -9188,6 +9476,9 @@
               </a:rPr>
               <a:t>: cho biết bean được định nghĩa với một HTTP session. Scope này cũng chỉ hợp lệ khi chúng ta sử dụng Web Application Context.</a:t>
             </a:r>
+            <a:endParaRPr lang="en-US" sz="1800" strike="noStrike" spc="-1">
+              <a:latin typeface="Arial" panose="020B0604020202020204"/>
+            </a:endParaRPr>
           </a:p>
           <a:p>
             <a:pPr>
@@ -9207,6 +9498,9 @@
               </a:rPr>
               <a:t>: cho biết bean được định nghĩa với một global HTTP session. Scope này cũng chỉ hợp lệ khi chúng ta sử dụng Web Application Context.</a:t>
             </a:r>
+            <a:endParaRPr lang="en-US" sz="1800" strike="noStrike" spc="-1">
+              <a:latin typeface="Arial" panose="020B0604020202020204"/>
+            </a:endParaRPr>
           </a:p>
         </p:txBody>
       </p:sp>
@@ -9215,11 +9509,11 @@
   <p:clrMapOvr>
     <a:masterClrMapping/>
   </p:clrMapOvr>
-  <mc:AlternateContent xmlns:mc="http://schemas.openxmlformats.org/markup-compatibility/2006" xmlns:p14="http://schemas.microsoft.com/office/powerpoint/2010/main">
-    <mc:Choice Requires="p14">
+  <mc:AlternateContent xmlns:mc="http://schemas.openxmlformats.org/markup-compatibility/2006">
+    <mc:Choice xmlns:p14="http://schemas.microsoft.com/office/powerpoint/2010/main" Requires="p14">
       <p:transition spd="slow" p14:dur="2000"/>
     </mc:Choice>
-    <mc:Fallback xmlns="">
+    <mc:Fallback>
       <p:transition spd="slow"/>
     </mc:Fallback>
   </mc:AlternateContent>
@@ -9324,6 +9618,7 @@
               <a:rPr lang="en-US" b="1" dirty="0" smtClean="0"/>
               <a:t>file</a:t>
             </a:r>
+            <a:endParaRPr lang="en-US" b="1" dirty="0" smtClean="0"/>
           </a:p>
           <a:p>
             <a:pPr>
@@ -9381,6 +9676,7 @@
               <a:rPr lang="en-US" b="1" dirty="0" smtClean="0"/>
               <a:t>annotation</a:t>
             </a:r>
+            <a:endParaRPr lang="en-US" b="1" dirty="0" smtClean="0"/>
           </a:p>
           <a:p>
             <a:pPr>
@@ -9422,6 +9718,7 @@
               <a:rPr lang="en-US" b="1" dirty="0" smtClean="0"/>
               <a:t>annotation and @Bean</a:t>
             </a:r>
+            <a:endParaRPr lang="en-US" b="1" dirty="0" smtClean="0"/>
           </a:p>
           <a:p>
             <a:pPr lvl="2" fontAlgn="base"/>
@@ -9429,6 +9726,7 @@
               <a:rPr lang="en-US" dirty="0"/>
               <a:t>@Configuration</a:t>
             </a:r>
+            <a:endParaRPr lang="en-US" dirty="0"/>
           </a:p>
           <a:p>
             <a:pPr lvl="2" fontAlgn="base"/>
@@ -9444,6 +9742,7 @@
               <a:rPr lang="en-US" dirty="0"/>
               <a:t> User {</a:t>
             </a:r>
+            <a:endParaRPr lang="en-US" dirty="0"/>
           </a:p>
           <a:p>
             <a:pPr lvl="3" fontAlgn="base"/>
@@ -9459,6 +9758,7 @@
               <a:rPr lang="en-US" dirty="0"/>
               <a:t>")</a:t>
             </a:r>
+            <a:endParaRPr lang="en-US" dirty="0"/>
           </a:p>
           <a:p>
             <a:pPr lvl="3" fontAlgn="base"/>
@@ -9482,6 +9782,7 @@
               <a:rPr lang="en-US" dirty="0"/>
               <a:t>() {</a:t>
             </a:r>
+            <a:endParaRPr lang="en-US" dirty="0"/>
           </a:p>
           <a:p>
             <a:pPr lvl="3" fontAlgn="base"/>
@@ -9509,6 +9810,7 @@
               <a:rPr lang="en-US" dirty="0"/>
               <a:t>();</a:t>
             </a:r>
+            <a:endParaRPr lang="en-US" dirty="0"/>
           </a:p>
           <a:p>
             <a:pPr lvl="3" fontAlgn="base"/>
@@ -9516,6 +9818,7 @@
               <a:rPr lang="en-US" dirty="0"/>
               <a:t>}</a:t>
             </a:r>
+            <a:endParaRPr lang="en-US" dirty="0"/>
           </a:p>
           <a:p>
             <a:pPr lvl="2" fontAlgn="base"/>
@@ -9523,6 +9826,7 @@
               <a:rPr lang="en-US" dirty="0"/>
               <a:t>}</a:t>
             </a:r>
+            <a:endParaRPr lang="en-US" dirty="0"/>
           </a:p>
           <a:p>
             <a:pPr>
@@ -9537,20 +9841,15 @@
         </p:txBody>
       </p:sp>
     </p:spTree>
-    <p:extLst>
-      <p:ext uri="{BB962C8B-B14F-4D97-AF65-F5344CB8AC3E}">
-        <p14:creationId xmlns:p14="http://schemas.microsoft.com/office/powerpoint/2010/main" val="807459768"/>
-      </p:ext>
-    </p:extLst>
   </p:cSld>
   <p:clrMapOvr>
     <a:masterClrMapping/>
   </p:clrMapOvr>
-  <mc:AlternateContent xmlns:mc="http://schemas.openxmlformats.org/markup-compatibility/2006" xmlns:p14="http://schemas.microsoft.com/office/powerpoint/2010/main">
-    <mc:Choice Requires="p14">
+  <mc:AlternateContent xmlns:mc="http://schemas.openxmlformats.org/markup-compatibility/2006">
+    <mc:Choice xmlns:p14="http://schemas.microsoft.com/office/powerpoint/2010/main" Requires="p14">
       <p:transition spd="slow" p14:dur="2000"/>
     </mc:Choice>
-    <mc:Fallback xmlns="">
+    <mc:Fallback>
       <p:transition spd="slow"/>
     </mc:Fallback>
   </mc:AlternateContent>
@@ -9613,6 +9912,9 @@
               </a:rPr>
               <a:t>@Bean</a:t>
             </a:r>
+            <a:endParaRPr lang="en-US" sz="4400" b="0" strike="noStrike" spc="-1">
+              <a:latin typeface="Arial" panose="020B0604020202020204"/>
+            </a:endParaRPr>
           </a:p>
         </p:txBody>
       </p:sp>
@@ -9625,7 +9927,7 @@
           <p:nvPr/>
         </p:nvPicPr>
         <p:blipFill>
-          <a:blip r:embed="rId2"/>
+          <a:blip r:embed="rId1"/>
           <a:stretch>
             <a:fillRect/>
           </a:stretch>
@@ -9645,11 +9947,11 @@
   <p:clrMapOvr>
     <a:masterClrMapping/>
   </p:clrMapOvr>
-  <mc:AlternateContent xmlns:mc="http://schemas.openxmlformats.org/markup-compatibility/2006" xmlns:p14="http://schemas.microsoft.com/office/powerpoint/2010/main">
-    <mc:Choice Requires="p14">
+  <mc:AlternateContent xmlns:mc="http://schemas.openxmlformats.org/markup-compatibility/2006">
+    <mc:Choice xmlns:p14="http://schemas.microsoft.com/office/powerpoint/2010/main" Requires="p14">
       <p:transition spd="slow" p14:dur="2000"/>
     </mc:Choice>
-    <mc:Fallback xmlns="">
+    <mc:Fallback>
       <p:transition spd="slow"/>
     </mc:Fallback>
   </mc:AlternateContent>
@@ -9883,11 +10185,9 @@
       </a:bgFillStyleLst>
     </a:fmtScheme>
   </a:themeElements>
-  <a:objectDefaults/>
-  <a:extraClrSchemeLst/>
   <a:extLst>
     <a:ext uri="{05A4C25C-085E-4340-85A3-A5531E510DB2}">
-      <thm15:themeFamily xmlns:thm15="http://schemas.microsoft.com/office/thememl/2012/main" xmlns="" name="Office Theme" id="{62F939B6-93AF-4DB8-9C6B-D6C7DFDC589F}" vid="{4A3C46E8-61CC-4603-A589-7422A47A8E4A}"/>
+      <thm15:themeFamily xmlns:thm15="http://schemas.microsoft.com/office/thememl/2012/main" name="Office Theme" id="{62F939B6-93AF-4DB8-9C6B-D6C7DFDC589F}" vid="{4A3C46E8-61CC-4603-A589-7422A47A8E4A}"/>
     </a:ext>
   </a:extLst>
 </a:theme>

--- a/Spring.pptx
+++ b/Spring.pptx
@@ -5,9 +5,10 @@
     <p:sldMasterId id="2147483648" r:id="rId1"/>
   </p:sldMasterIdLst>
   <p:sldIdLst>
-    <p:sldId id="256" r:id="rId3"/>
-    <p:sldId id="298" r:id="rId4"/>
-    <p:sldId id="299" r:id="rId5"/>
+    <p:sldId id="256" r:id="rId2"/>
+    <p:sldId id="298" r:id="rId3"/>
+    <p:sldId id="299" r:id="rId4"/>
+    <p:sldId id="327" r:id="rId5"/>
     <p:sldId id="323" r:id="rId6"/>
     <p:sldId id="324" r:id="rId7"/>
     <p:sldId id="257" r:id="rId8"/>
@@ -1615,9 +1616,6 @@
               </a:rPr>
               <a:t>Click to edit the title text format</a:t>
             </a:r>
-            <a:endParaRPr lang="en-US" sz="4400" b="0" strike="noStrike" spc="-1">
-              <a:latin typeface="Arial" panose="020B0604020202020204"/>
-            </a:endParaRPr>
           </a:p>
         </p:txBody>
       </p:sp>
@@ -1663,9 +1661,6 @@
               </a:rPr>
               <a:t>Click to edit the outline text format</a:t>
             </a:r>
-            <a:endParaRPr lang="en-US" sz="3200" b="0" strike="noStrike" spc="-1">
-              <a:latin typeface="Arial" panose="020B0604020202020204"/>
-            </a:endParaRPr>
           </a:p>
           <a:p>
             <a:pPr marL="864235" lvl="1" indent="-323850">
@@ -1685,9 +1680,6 @@
               </a:rPr>
               <a:t>Second Outline Level</a:t>
             </a:r>
-            <a:endParaRPr lang="en-US" sz="2800" b="0" strike="noStrike" spc="-1">
-              <a:latin typeface="Arial" panose="020B0604020202020204"/>
-            </a:endParaRPr>
           </a:p>
           <a:p>
             <a:pPr marL="1296035" lvl="2" indent="-288290">
@@ -1707,9 +1699,6 @@
               </a:rPr>
               <a:t>Third Outline Level</a:t>
             </a:r>
-            <a:endParaRPr lang="en-US" sz="2400" b="0" strike="noStrike" spc="-1">
-              <a:latin typeface="Arial" panose="020B0604020202020204"/>
-            </a:endParaRPr>
           </a:p>
           <a:p>
             <a:pPr marL="1727835" lvl="3" indent="-215900">
@@ -1729,9 +1718,6 @@
               </a:rPr>
               <a:t>Fourth Outline Level</a:t>
             </a:r>
-            <a:endParaRPr lang="en-US" sz="2000" b="0" strike="noStrike" spc="-1">
-              <a:latin typeface="Arial" panose="020B0604020202020204"/>
-            </a:endParaRPr>
           </a:p>
           <a:p>
             <a:pPr marL="2160270" lvl="4" indent="-215900">
@@ -1751,9 +1737,6 @@
               </a:rPr>
               <a:t>Fifth Outline Level</a:t>
             </a:r>
-            <a:endParaRPr lang="en-US" sz="2000" b="0" strike="noStrike" spc="-1">
-              <a:latin typeface="Arial" panose="020B0604020202020204"/>
-            </a:endParaRPr>
           </a:p>
           <a:p>
             <a:pPr marL="2592070" lvl="5" indent="-215900">
@@ -1773,9 +1756,6 @@
               </a:rPr>
               <a:t>Sixth Outline Level</a:t>
             </a:r>
-            <a:endParaRPr lang="en-US" sz="2000" b="0" strike="noStrike" spc="-1">
-              <a:latin typeface="Arial" panose="020B0604020202020204"/>
-            </a:endParaRPr>
           </a:p>
           <a:p>
             <a:pPr marL="3023870" lvl="6" indent="-215900">
@@ -1795,9 +1775,6 @@
               </a:rPr>
               <a:t>Seventh Outline Level</a:t>
             </a:r>
-            <a:endParaRPr lang="en-US" sz="2000" b="0" strike="noStrike" spc="-1">
-              <a:latin typeface="Arial" panose="020B0604020202020204"/>
-            </a:endParaRPr>
           </a:p>
         </p:txBody>
       </p:sp>
@@ -1832,9 +1809,6 @@
               </a:rPr>
               <a:t>&lt;date/time&gt;</a:t>
             </a:r>
-            <a:endParaRPr lang="en-US" sz="1400" b="0" strike="noStrike" spc="-1">
-              <a:latin typeface="Times New Roman" panose="02020603050405020304"/>
-            </a:endParaRPr>
           </a:p>
         </p:txBody>
       </p:sp>
@@ -1870,9 +1844,6 @@
               </a:rPr>
               <a:t>&lt;footer&gt;</a:t>
             </a:r>
-            <a:endParaRPr lang="en-US" sz="1400" b="0" strike="noStrike" spc="-1">
-              <a:latin typeface="Times New Roman" panose="02020603050405020304"/>
-            </a:endParaRPr>
           </a:p>
         </p:txBody>
       </p:sp>
@@ -1906,6 +1877,7 @@
               <a:rPr lang="en-US" sz="1400" b="0" strike="noStrike" spc="-1">
                 <a:latin typeface="Times New Roman" panose="02020603050405020304"/>
               </a:rPr>
+              <a:t>‹#›</a:t>
             </a:fld>
             <a:endParaRPr lang="en-US" sz="1400" b="0" strike="noStrike" spc="-1">
               <a:latin typeface="Times New Roman" panose="02020603050405020304"/>
@@ -1987,9 +1959,6 @@
               </a:rPr>
               <a:t>Content</a:t>
             </a:r>
-            <a:endParaRPr lang="en-US" sz="4400" b="0" strike="noStrike" spc="-1">
-              <a:latin typeface="Arial" panose="020B0604020202020204"/>
-            </a:endParaRPr>
           </a:p>
         </p:txBody>
       </p:sp>
@@ -2024,14 +1993,11 @@
               </a:lnSpc>
             </a:pPr>
             <a:r>
-              <a:rPr lang="en-US" sz="1800" b="0" strike="noStrike" spc="-1">
+              <a:rPr lang="en-US" sz="1800" b="0" strike="noStrike" spc="-1" dirty="0">
                 <a:latin typeface="Arial" panose="020B0604020202020204"/>
               </a:rPr>
               <a:t>1.Spring Bean</a:t>
             </a:r>
-            <a:endParaRPr lang="en-US" sz="1800" b="0" strike="noStrike" spc="-1">
-              <a:latin typeface="Arial" panose="020B0604020202020204"/>
-            </a:endParaRPr>
           </a:p>
           <a:p>
             <a:pPr>
@@ -2040,14 +2006,11 @@
               </a:lnSpc>
             </a:pPr>
             <a:r>
-              <a:rPr lang="en-US" sz="1800" b="0" strike="noStrike" spc="-1">
+              <a:rPr lang="en-US" sz="1800" b="0" strike="noStrike" spc="-1" dirty="0">
                 <a:latin typeface="Arial" panose="020B0604020202020204"/>
               </a:rPr>
               <a:t>2. Annotation</a:t>
             </a:r>
-            <a:endParaRPr lang="en-US" sz="1800" b="0" strike="noStrike" spc="-1">
-              <a:latin typeface="Arial" panose="020B0604020202020204"/>
-            </a:endParaRPr>
           </a:p>
           <a:p>
             <a:pPr>
@@ -2056,14 +2019,11 @@
               </a:lnSpc>
             </a:pPr>
             <a:r>
-              <a:rPr lang="en-US" sz="1800" b="0" strike="noStrike" spc="-1">
+              <a:rPr lang="en-US" sz="1800" b="0" strike="noStrike" spc="-1" dirty="0">
                 <a:latin typeface="Arial" panose="020B0604020202020204"/>
               </a:rPr>
               <a:t>3. Spring JPA</a:t>
             </a:r>
-            <a:endParaRPr lang="en-US" sz="1800" b="0" strike="noStrike" spc="-1">
-              <a:latin typeface="Arial" panose="020B0604020202020204"/>
-            </a:endParaRPr>
           </a:p>
           <a:p>
             <a:pPr>
@@ -2072,14 +2032,11 @@
               </a:lnSpc>
             </a:pPr>
             <a:r>
-              <a:rPr lang="en-US" sz="1800" b="0" strike="noStrike" spc="-1">
+              <a:rPr lang="en-US" sz="1800" b="0" strike="noStrike" spc="-1" dirty="0">
                 <a:latin typeface="Arial" panose="020B0604020202020204"/>
               </a:rPr>
               <a:t>4. Spring Security (JWT)</a:t>
             </a:r>
-            <a:endParaRPr lang="en-US" sz="1800" b="0" strike="noStrike" spc="-1">
-              <a:latin typeface="Arial" panose="020B0604020202020204"/>
-            </a:endParaRPr>
           </a:p>
           <a:p>
             <a:pPr>
@@ -2088,14 +2045,11 @@
               </a:lnSpc>
             </a:pPr>
             <a:r>
-              <a:rPr lang="en-US" sz="1800" b="0" strike="noStrike" spc="-1">
+              <a:rPr lang="en-US" sz="1800" b="0" strike="noStrike" spc="-1" dirty="0">
                 <a:latin typeface="Arial" panose="020B0604020202020204"/>
               </a:rPr>
               <a:t>5. Oauth2</a:t>
             </a:r>
-            <a:endParaRPr lang="en-US" sz="1800" b="0" strike="noStrike" spc="-1">
-              <a:latin typeface="Arial" panose="020B0604020202020204"/>
-            </a:endParaRPr>
           </a:p>
           <a:p>
             <a:pPr>
@@ -2104,12 +2058,18 @@
               </a:lnSpc>
             </a:pPr>
             <a:r>
-              <a:rPr lang="en-US" sz="1800" b="0" strike="noStrike" spc="-1">
-                <a:latin typeface="Arial" panose="020B0604020202020204"/>
-              </a:rPr>
-              <a:t>6. JMS and ActiveMQ</a:t>
-            </a:r>
-            <a:endParaRPr lang="en-US" sz="1800" b="0" strike="noStrike" spc="-1">
+              <a:rPr lang="en-US" sz="1800" b="0" strike="noStrike" spc="-1" dirty="0">
+                <a:latin typeface="Arial" panose="020B0604020202020204"/>
+              </a:rPr>
+              <a:t>6. JMS and </a:t>
+            </a:r>
+            <a:r>
+              <a:rPr lang="en-US" sz="1800" b="0" strike="noStrike" spc="-1" dirty="0" err="1">
+                <a:latin typeface="Arial" panose="020B0604020202020204"/>
+              </a:rPr>
+              <a:t>ActiveMQ</a:t>
+            </a:r>
+            <a:endParaRPr lang="en-US" sz="1800" b="0" strike="noStrike" spc="-1" dirty="0">
               <a:latin typeface="Arial" panose="020B0604020202020204"/>
             </a:endParaRPr>
           </a:p>
@@ -2120,11 +2080,11 @@
   <p:clrMapOvr>
     <a:masterClrMapping/>
   </p:clrMapOvr>
-  <mc:AlternateContent xmlns:mc="http://schemas.openxmlformats.org/markup-compatibility/2006">
-    <mc:Choice xmlns:p14="http://schemas.microsoft.com/office/powerpoint/2010/main" Requires="p14">
+  <mc:AlternateContent xmlns:mc="http://schemas.openxmlformats.org/markup-compatibility/2006" xmlns:p14="http://schemas.microsoft.com/office/powerpoint/2010/main">
+    <mc:Choice Requires="p14">
       <p:transition spd="slow" p14:dur="2000"/>
     </mc:Choice>
-    <mc:Fallback>
+    <mc:Fallback xmlns="">
       <p:transition spd="slow"/>
     </mc:Fallback>
   </mc:AlternateContent>
@@ -2139,6 +2099,105 @@
 </file>
 
 <file path=ppt/slides/slide10.xml><?xml version="1.0" encoding="utf-8"?>
+<p:sld xmlns:a="http://schemas.openxmlformats.org/drawingml/2006/main" xmlns:r="http://schemas.openxmlformats.org/officeDocument/2006/relationships" xmlns:p="http://schemas.openxmlformats.org/presentationml/2006/main">
+  <p:cSld>
+    <p:spTree>
+      <p:nvGrpSpPr>
+        <p:cNvPr id="1" name=""/>
+        <p:cNvGrpSpPr/>
+        <p:nvPr/>
+      </p:nvGrpSpPr>
+      <p:grpSpPr>
+        <a:xfrm>
+          <a:off x="0" y="0"/>
+          <a:ext cx="0" cy="0"/>
+          <a:chOff x="0" y="0"/>
+          <a:chExt cx="0" cy="0"/>
+        </a:xfrm>
+      </p:grpSpPr>
+      <p:sp>
+        <p:nvSpPr>
+          <p:cNvPr id="43" name="TextShape 1"/>
+          <p:cNvSpPr txBox="1"/>
+          <p:nvPr/>
+        </p:nvSpPr>
+        <p:spPr>
+          <a:xfrm>
+            <a:off x="504000" y="467580"/>
+            <a:ext cx="9071640" cy="676910"/>
+          </a:xfrm>
+          <a:prstGeom prst="rect">
+            <a:avLst/>
+          </a:prstGeom>
+          <a:noFill/>
+          <a:ln>
+            <a:noFill/>
+          </a:ln>
+        </p:spPr>
+        <p:txBody>
+          <a:bodyPr lIns="0" tIns="0" rIns="0" bIns="0" anchor="ctr">
+            <a:spAutoFit/>
+          </a:bodyPr>
+          <a:lstStyle/>
+          <a:p>
+            <a:pPr algn="ctr"/>
+            <a:r>
+              <a:rPr lang="en-US" sz="4400" b="0" strike="noStrike" spc="-1">
+                <a:latin typeface="Arial" panose="020B0604020202020204"/>
+              </a:rPr>
+              <a:t>@Bean</a:t>
+            </a:r>
+          </a:p>
+        </p:txBody>
+      </p:sp>
+      <p:pic>
+        <p:nvPicPr>
+          <p:cNvPr id="2" name="Picture 1"/>
+          <p:cNvPicPr>
+            <a:picLocks noChangeAspect="1"/>
+          </p:cNvPicPr>
+          <p:nvPr/>
+        </p:nvPicPr>
+        <p:blipFill>
+          <a:blip r:embed="rId2"/>
+          <a:stretch>
+            <a:fillRect/>
+          </a:stretch>
+        </p:blipFill>
+        <p:spPr>
+          <a:xfrm>
+            <a:off x="720725" y="1403350"/>
+            <a:ext cx="8684895" cy="5337810"/>
+          </a:xfrm>
+          <a:prstGeom prst="rect">
+            <a:avLst/>
+          </a:prstGeom>
+        </p:spPr>
+      </p:pic>
+    </p:spTree>
+  </p:cSld>
+  <p:clrMapOvr>
+    <a:masterClrMapping/>
+  </p:clrMapOvr>
+  <mc:AlternateContent xmlns:mc="http://schemas.openxmlformats.org/markup-compatibility/2006" xmlns:p14="http://schemas.microsoft.com/office/powerpoint/2010/main">
+    <mc:Choice Requires="p14">
+      <p:transition spd="slow" p14:dur="2000"/>
+    </mc:Choice>
+    <mc:Fallback xmlns="">
+      <p:transition spd="slow"/>
+    </mc:Fallback>
+  </mc:AlternateContent>
+  <p:timing>
+    <p:tnLst>
+      <p:par>
+        <p:cTn id="1" dur="indefinite" restart="never" nodeType="tmRoot"/>
+      </p:par>
+    </p:tnLst>
+  </p:timing>
+</p:sld>
+</file>
+
+<file path=ppt/slides/slide11.xml><?xml version="1.0" encoding="utf-8"?>
 <p:sld xmlns:a="http://schemas.openxmlformats.org/drawingml/2006/main" xmlns:r="http://schemas.openxmlformats.org/officeDocument/2006/relationships" xmlns:p="http://schemas.openxmlformats.org/presentationml/2006/main">
   <p:cSld>
     <p:spTree>
@@ -2187,9 +2246,6 @@
               </a:rPr>
               <a:t>@Component </a:t>
             </a:r>
-            <a:endParaRPr lang="en-US" sz="4400" b="0" strike="noStrike" spc="-1">
-              <a:latin typeface="Arial" panose="020B0604020202020204"/>
-            </a:endParaRPr>
           </a:p>
         </p:txBody>
       </p:sp>
@@ -2229,9 +2285,6 @@
               </a:rPr>
               <a:t>Spring Boot khi chạy sẽ dò tìm toàn bộ các Class cùng cấp hoặc ở trong các package thấp hơn so với class App mà bạn cung cấp cho Spring (Chúng ta có thể cấu hình việc tìm kiếm này, sẽ đề cập sau). Trong quá trình dò tìm này, khi gặp một class được đánh dấu @Component thì nó sẽ tạo ra một instance và đưa vào ApplicationContext để quản lý.</a:t>
             </a:r>
-            <a:endParaRPr lang="en-US" sz="1800" b="0" strike="noStrike" spc="-1">
-              <a:latin typeface="Arial" panose="020B0604020202020204"/>
-            </a:endParaRPr>
           </a:p>
           <a:p>
             <a:pPr>
@@ -2255,9 +2308,6 @@
               </a:rPr>
               <a:t>Sau khi tìm thấy một class đánh dấu @Component. thì quá trình inject Bean xảy ra theo cách như sau:</a:t>
             </a:r>
-            <a:endParaRPr lang="en-US" sz="1800" b="0" strike="noStrike" spc="-1">
-              <a:latin typeface="Arial" panose="020B0604020202020204"/>
-            </a:endParaRPr>
           </a:p>
           <a:p>
             <a:pPr>
@@ -2287,9 +2337,6 @@
               </a:rPr>
               <a:t>Nếu Class không có hàm Constructor hay Setter. Thì sẽ sử dụng Java Reflection để đưa đối tượng vào thuộc tính có đánh dấu @Autowired.</a:t>
             </a:r>
-            <a:endParaRPr lang="en-US" sz="1800" b="0" strike="noStrike" spc="-1">
-              <a:latin typeface="Arial" panose="020B0604020202020204"/>
-            </a:endParaRPr>
           </a:p>
           <a:p>
             <a:pPr marL="215900" indent="-215900">
@@ -2309,9 +2356,6 @@
               </a:rPr>
               <a:t>Nếu có hàm Constructor thì sẽ inject Bean vào bởi tham số của hàm</a:t>
             </a:r>
-            <a:endParaRPr lang="en-US" sz="1800" b="0" strike="noStrike" spc="-1">
-              <a:latin typeface="Arial" panose="020B0604020202020204"/>
-            </a:endParaRPr>
           </a:p>
           <a:p>
             <a:pPr marL="215900" indent="-215900">
@@ -2331,9 +2375,6 @@
               </a:rPr>
               <a:t>Nếu có hàm Setter thì sẽ inject Bean vào bởi tham số của hàm</a:t>
             </a:r>
-            <a:endParaRPr lang="en-US" sz="1800" b="0" strike="noStrike" spc="-1">
-              <a:latin typeface="Arial" panose="020B0604020202020204"/>
-            </a:endParaRPr>
           </a:p>
         </p:txBody>
       </p:sp>
@@ -2342,11 +2383,11 @@
   <p:clrMapOvr>
     <a:masterClrMapping/>
   </p:clrMapOvr>
-  <mc:AlternateContent xmlns:mc="http://schemas.openxmlformats.org/markup-compatibility/2006">
-    <mc:Choice xmlns:p14="http://schemas.microsoft.com/office/powerpoint/2010/main" Requires="p14">
+  <mc:AlternateContent xmlns:mc="http://schemas.openxmlformats.org/markup-compatibility/2006" xmlns:p14="http://schemas.microsoft.com/office/powerpoint/2010/main">
+    <mc:Choice Requires="p14">
       <p:transition spd="slow" p14:dur="2000"/>
     </mc:Choice>
-    <mc:Fallback>
+    <mc:Fallback xmlns="">
       <p:transition spd="slow"/>
     </mc:Fallback>
   </mc:AlternateContent>
@@ -2360,7 +2401,7 @@
 </p:sld>
 </file>
 
-<file path=ppt/slides/slide11.xml><?xml version="1.0" encoding="utf-8"?>
+<file path=ppt/slides/slide12.xml><?xml version="1.0" encoding="utf-8"?>
 <p:sld xmlns:a="http://schemas.openxmlformats.org/drawingml/2006/main" xmlns:r="http://schemas.openxmlformats.org/officeDocument/2006/relationships" xmlns:p="http://schemas.openxmlformats.org/presentationml/2006/main">
   <p:cSld>
     <p:spTree>
@@ -2409,9 +2450,6 @@
               </a:rPr>
               <a:t>@Component </a:t>
             </a:r>
-            <a:endParaRPr lang="en-US" sz="4400" b="0" strike="noStrike" spc="-1">
-              <a:latin typeface="Arial" panose="020B0604020202020204"/>
-            </a:endParaRPr>
           </a:p>
         </p:txBody>
       </p:sp>
@@ -2422,7 +2460,7 @@
           <p:nvPr/>
         </p:nvPicPr>
         <p:blipFill>
-          <a:blip r:embed="rId1"/>
+          <a:blip r:embed="rId2"/>
           <a:stretch>
             <a:fillRect/>
           </a:stretch>
@@ -2447,7 +2485,7 @@
           <p:nvPr/>
         </p:nvPicPr>
         <p:blipFill>
-          <a:blip r:embed="rId2"/>
+          <a:blip r:embed="rId3"/>
           <a:stretch>
             <a:fillRect/>
           </a:stretch>
@@ -2470,11 +2508,11 @@
   <p:clrMapOvr>
     <a:masterClrMapping/>
   </p:clrMapOvr>
-  <mc:AlternateContent xmlns:mc="http://schemas.openxmlformats.org/markup-compatibility/2006">
-    <mc:Choice xmlns:p14="http://schemas.microsoft.com/office/powerpoint/2010/main" Requires="p14">
+  <mc:AlternateContent xmlns:mc="http://schemas.openxmlformats.org/markup-compatibility/2006" xmlns:p14="http://schemas.microsoft.com/office/powerpoint/2010/main">
+    <mc:Choice Requires="p14">
       <p:transition spd="slow" p14:dur="2000"/>
     </mc:Choice>
-    <mc:Fallback>
+    <mc:Fallback xmlns="">
       <p:transition spd="slow"/>
     </mc:Fallback>
   </mc:AlternateContent>
@@ -2488,7 +2526,7 @@
 </p:sld>
 </file>
 
-<file path=ppt/slides/slide12.xml><?xml version="1.0" encoding="utf-8"?>
+<file path=ppt/slides/slide13.xml><?xml version="1.0" encoding="utf-8"?>
 <p:sld xmlns:a="http://schemas.openxmlformats.org/drawingml/2006/main" xmlns:r="http://schemas.openxmlformats.org/officeDocument/2006/relationships" xmlns:p="http://schemas.openxmlformats.org/presentationml/2006/main">
   <p:cSld>
     <p:spTree>
@@ -2537,9 +2575,6 @@
               </a:rPr>
               <a:t>@Service vs @Repository </a:t>
             </a:r>
-            <a:endParaRPr lang="en-US" sz="4400" b="0" strike="noStrike" spc="-1">
-              <a:latin typeface="Arial" panose="020B0604020202020204"/>
-            </a:endParaRPr>
           </a:p>
         </p:txBody>
       </p:sp>
@@ -2574,11 +2609,21 @@
               </a:rPr>
               <a:t>Về bản chất @Service và @Repository cũng chính là @Component. Nhưng đặt tên khác nhau để giúp chúng ta phân biệt các tầng với nhau.</a:t>
             </a:r>
+          </a:p>
+          <a:p>
             <a:endParaRPr lang="en-US" sz="1800" b="0" strike="noStrike" spc="-1">
               <a:latin typeface="Arial" panose="020B0604020202020204"/>
             </a:endParaRPr>
           </a:p>
           <a:p>
+            <a:r>
+              <a:rPr lang="en-US" sz="1800" b="0" strike="noStrike" spc="-1">
+                <a:latin typeface="Arial" panose="020B0604020202020204"/>
+              </a:rPr>
+              <a:t>Trong các bài đầu tiên chúng ta đã biết @Component đánh dấu cho Spring Boot biết Class đó là Bean</a:t>
+            </a:r>
+          </a:p>
+          <a:p>
             <a:endParaRPr lang="en-US" sz="1800" b="0" strike="noStrike" spc="-1">
               <a:latin typeface="Arial" panose="020B0604020202020204"/>
             </a:endParaRPr>
@@ -2588,13 +2633,59 @@
               <a:rPr lang="en-US" sz="1800" b="0" strike="noStrike" spc="-1">
                 <a:latin typeface="Arial" panose="020B0604020202020204"/>
               </a:rPr>
-              <a:t>Trong các bài đầu tiên chúng ta đã biết @Component đánh dấu cho Spring Boot biết Class đó là Bean</a:t>
-            </a:r>
+              <a:t>Về bản chất thì bạn có thể sử dụng thay thế 3 Annotation @</a:t>
+            </a:r>
+            <a:r>
+              <a:rPr lang="en-US" sz="1800" b="1" strike="noStrike" spc="-1">
+                <a:latin typeface="Arial" panose="020B0604020202020204"/>
+              </a:rPr>
+              <a:t>Component</a:t>
+            </a:r>
+            <a:r>
+              <a:rPr lang="en-US" sz="1800" b="0" strike="noStrike" spc="-1">
+                <a:latin typeface="Arial" panose="020B0604020202020204"/>
+              </a:rPr>
+              <a:t>, @</a:t>
+            </a:r>
+            <a:r>
+              <a:rPr lang="en-US" sz="1800" b="1" strike="noStrike" spc="-1">
+                <a:latin typeface="Arial" panose="020B0604020202020204"/>
+              </a:rPr>
+              <a:t>Service</a:t>
+            </a:r>
+            <a:r>
+              <a:rPr lang="en-US" sz="1800" b="0" strike="noStrike" spc="-1">
+                <a:latin typeface="Arial" panose="020B0604020202020204"/>
+              </a:rPr>
+              <a:t> và @</a:t>
+            </a:r>
+            <a:r>
+              <a:rPr lang="en-US" sz="1800" b="1" strike="noStrike" spc="-1">
+                <a:latin typeface="Arial" panose="020B0604020202020204"/>
+              </a:rPr>
+              <a:t>Repository</a:t>
+            </a:r>
+            <a:r>
+              <a:rPr lang="en-US" sz="1800" b="0" strike="noStrike" spc="-1">
+                <a:latin typeface="Arial" panose="020B0604020202020204"/>
+              </a:rPr>
+              <a:t> cho nhau mà không ảnh hưởng gì tới code của bạn cả. Nó vẫn sẽ hoạt động.</a:t>
+            </a:r>
+          </a:p>
+          <a:p>
             <a:endParaRPr lang="en-US" sz="1800" b="0" strike="noStrike" spc="-1">
               <a:latin typeface="Arial" panose="020B0604020202020204"/>
             </a:endParaRPr>
           </a:p>
           <a:p>
+            <a:r>
+              <a:rPr lang="en-US" sz="1800" b="0" strike="noStrike" spc="-1">
+                <a:latin typeface="Arial" panose="020B0604020202020204"/>
+              </a:rPr>
+              <a:t>Tuy nhiên từ góc độ thiết kế thì chúng ta cần phân rõ 3 Annotation này cho các Class đảm nhiệm đúng nhiệm vụ của nó.</a:t>
+            </a:r>
+          </a:p>
+          <a:p>
             <a:endParaRPr lang="en-US" sz="1800" b="0" strike="noStrike" spc="-1">
               <a:latin typeface="Arial" panose="020B0604020202020204"/>
             </a:endParaRPr>
@@ -2604,137 +2695,60 @@
               <a:rPr lang="en-US" sz="1800" b="0" strike="noStrike" spc="-1">
                 <a:latin typeface="Arial" panose="020B0604020202020204"/>
               </a:rPr>
-              <a:t>Về bản chất thì bạn có thể sử dụng thay thế 3 Annotation @</a:t>
+              <a:t>@</a:t>
             </a:r>
             <a:r>
               <a:rPr lang="en-US" sz="1800" b="1" strike="noStrike" spc="-1">
                 <a:latin typeface="Arial" panose="020B0604020202020204"/>
               </a:rPr>
+              <a:t>Service</a:t>
+            </a:r>
+            <a:r>
+              <a:rPr lang="en-US" sz="1800" b="0" strike="noStrike" spc="-1">
+                <a:latin typeface="Arial" panose="020B0604020202020204"/>
+              </a:rPr>
+              <a:t> gắn cho các Bean đảm nhiệm xử lý logic</a:t>
+            </a:r>
+          </a:p>
+          <a:p>
+            <a:r>
+              <a:rPr lang="en-US" sz="1800" b="0" strike="noStrike" spc="-1">
+                <a:latin typeface="Arial" panose="020B0604020202020204"/>
+              </a:rPr>
+              <a:t>@</a:t>
+            </a:r>
+            <a:r>
+              <a:rPr lang="en-US" sz="1800" b="1" strike="noStrike" spc="-1">
+                <a:latin typeface="Arial" panose="020B0604020202020204"/>
+              </a:rPr>
+              <a:t>Repository</a:t>
+            </a:r>
+            <a:r>
+              <a:rPr lang="en-US" sz="1800" b="0" strike="noStrike" spc="-1">
+                <a:latin typeface="Arial" panose="020B0604020202020204"/>
+              </a:rPr>
+              <a:t> gắn cho các Bean đảm nhiệm giao tiếp với DB</a:t>
+            </a:r>
+          </a:p>
+          <a:p>
+            <a:r>
+              <a:rPr lang="en-US" sz="1800" b="0" strike="noStrike" spc="-1">
+                <a:latin typeface="Arial" panose="020B0604020202020204"/>
+              </a:rPr>
+              <a:t>@</a:t>
+            </a:r>
+            <a:r>
+              <a:rPr lang="en-US" sz="1800" b="1" strike="noStrike" spc="-1">
+                <a:latin typeface="Arial" panose="020B0604020202020204"/>
+              </a:rPr>
               <a:t>Component</a:t>
             </a:r>
             <a:r>
               <a:rPr lang="en-US" sz="1800" b="0" strike="noStrike" spc="-1">
                 <a:latin typeface="Arial" panose="020B0604020202020204"/>
               </a:rPr>
-              <a:t>, @</a:t>
-            </a:r>
-            <a:r>
-              <a:rPr lang="en-US" sz="1800" b="1" strike="noStrike" spc="-1">
-                <a:latin typeface="Arial" panose="020B0604020202020204"/>
-              </a:rPr>
-              <a:t>Service</a:t>
-            </a:r>
-            <a:r>
-              <a:rPr lang="en-US" sz="1800" b="0" strike="noStrike" spc="-1">
-                <a:latin typeface="Arial" panose="020B0604020202020204"/>
-              </a:rPr>
-              <a:t> và @</a:t>
-            </a:r>
-            <a:r>
-              <a:rPr lang="en-US" sz="1800" b="1" strike="noStrike" spc="-1">
-                <a:latin typeface="Arial" panose="020B0604020202020204"/>
-              </a:rPr>
-              <a:t>Repository</a:t>
-            </a:r>
-            <a:r>
-              <a:rPr lang="en-US" sz="1800" b="0" strike="noStrike" spc="-1">
-                <a:latin typeface="Arial" panose="020B0604020202020204"/>
-              </a:rPr>
-              <a:t> cho nhau mà không ảnh hưởng gì tới code của bạn cả. Nó vẫn sẽ hoạt động.</a:t>
-            </a:r>
-            <a:endParaRPr lang="en-US" sz="1800" b="0" strike="noStrike" spc="-1">
-              <a:latin typeface="Arial" panose="020B0604020202020204"/>
-            </a:endParaRPr>
-          </a:p>
-          <a:p>
-            <a:endParaRPr lang="en-US" sz="1800" b="0" strike="noStrike" spc="-1">
-              <a:latin typeface="Arial" panose="020B0604020202020204"/>
-            </a:endParaRPr>
-          </a:p>
-          <a:p>
-            <a:r>
-              <a:rPr lang="en-US" sz="1800" b="0" strike="noStrike" spc="-1">
-                <a:latin typeface="Arial" panose="020B0604020202020204"/>
-              </a:rPr>
-              <a:t>Tuy nhiên từ góc độ thiết kế thì chúng ta cần phân rõ 3 Annotation này cho các Class đảm nhiệm đúng nhiệm vụ của nó.</a:t>
-            </a:r>
-            <a:endParaRPr lang="en-US" sz="1800" b="0" strike="noStrike" spc="-1">
-              <a:latin typeface="Arial" panose="020B0604020202020204"/>
-            </a:endParaRPr>
-          </a:p>
-          <a:p>
-            <a:endParaRPr lang="en-US" sz="1800" b="0" strike="noStrike" spc="-1">
-              <a:latin typeface="Arial" panose="020B0604020202020204"/>
-            </a:endParaRPr>
-          </a:p>
-          <a:p>
-            <a:r>
-              <a:rPr lang="en-US" sz="1800" b="0" strike="noStrike" spc="-1">
-                <a:latin typeface="Arial" panose="020B0604020202020204"/>
-              </a:rPr>
-              <a:t>@</a:t>
-            </a:r>
-            <a:r>
-              <a:rPr lang="en-US" sz="1800" b="1" strike="noStrike" spc="-1">
-                <a:latin typeface="Arial" panose="020B0604020202020204"/>
-              </a:rPr>
-              <a:t>Service</a:t>
-            </a:r>
-            <a:r>
-              <a:rPr lang="en-US" sz="1800" b="0" strike="noStrike" spc="-1">
-                <a:latin typeface="Arial" panose="020B0604020202020204"/>
-              </a:rPr>
-              <a:t> gắn cho các Bean đảm nhiệm xử lý logic</a:t>
-            </a:r>
-            <a:endParaRPr lang="en-US" sz="1800" b="0" strike="noStrike" spc="-1">
-              <a:latin typeface="Arial" panose="020B0604020202020204"/>
-            </a:endParaRPr>
-          </a:p>
-          <a:p>
-            <a:r>
-              <a:rPr lang="en-US" sz="1800" b="0" strike="noStrike" spc="-1">
-                <a:latin typeface="Arial" panose="020B0604020202020204"/>
-              </a:rPr>
-              <a:t>@</a:t>
-            </a:r>
-            <a:r>
-              <a:rPr lang="en-US" sz="1800" b="1" strike="noStrike" spc="-1">
-                <a:latin typeface="Arial" panose="020B0604020202020204"/>
-              </a:rPr>
-              <a:t>Repository</a:t>
-            </a:r>
-            <a:r>
-              <a:rPr lang="en-US" sz="1800" b="0" strike="noStrike" spc="-1">
-                <a:latin typeface="Arial" panose="020B0604020202020204"/>
-              </a:rPr>
-              <a:t> gắn cho các Bean đảm nhiệm giao tiếp với DB</a:t>
-            </a:r>
-            <a:endParaRPr lang="en-US" sz="1800" b="0" strike="noStrike" spc="-1">
-              <a:latin typeface="Arial" panose="020B0604020202020204"/>
-            </a:endParaRPr>
-          </a:p>
-          <a:p>
-            <a:r>
-              <a:rPr lang="en-US" sz="1800" b="0" strike="noStrike" spc="-1">
-                <a:latin typeface="Arial" panose="020B0604020202020204"/>
-              </a:rPr>
-              <a:t>@</a:t>
-            </a:r>
-            <a:r>
-              <a:rPr lang="en-US" sz="1800" b="1" strike="noStrike" spc="-1">
-                <a:latin typeface="Arial" panose="020B0604020202020204"/>
-              </a:rPr>
-              <a:t>Component</a:t>
-            </a:r>
-            <a:r>
-              <a:rPr lang="en-US" sz="1800" b="0" strike="noStrike" spc="-1">
-                <a:latin typeface="Arial" panose="020B0604020202020204"/>
-              </a:rPr>
               <a:t> gắn cho các Bean khác.</a:t>
             </a:r>
-            <a:endParaRPr lang="en-US" sz="1800" b="0" strike="noStrike" spc="-1">
-              <a:latin typeface="Arial" panose="020B0604020202020204"/>
-            </a:endParaRPr>
           </a:p>
         </p:txBody>
       </p:sp>
@@ -2743,11 +2757,11 @@
   <p:clrMapOvr>
     <a:masterClrMapping/>
   </p:clrMapOvr>
-  <mc:AlternateContent xmlns:mc="http://schemas.openxmlformats.org/markup-compatibility/2006">
-    <mc:Choice xmlns:p14="http://schemas.microsoft.com/office/powerpoint/2010/main" Requires="p14">
+  <mc:AlternateContent xmlns:mc="http://schemas.openxmlformats.org/markup-compatibility/2006" xmlns:p14="http://schemas.microsoft.com/office/powerpoint/2010/main">
+    <mc:Choice Requires="p14">
       <p:transition spd="slow" p14:dur="2000"/>
     </mc:Choice>
-    <mc:Fallback>
+    <mc:Fallback xmlns="">
       <p:transition spd="slow"/>
     </mc:Fallback>
   </mc:AlternateContent>
@@ -2761,7 +2775,7 @@
 </p:sld>
 </file>
 
-<file path=ppt/slides/slide13.xml><?xml version="1.0" encoding="utf-8"?>
+<file path=ppt/slides/slide14.xml><?xml version="1.0" encoding="utf-8"?>
 <p:sld xmlns:a="http://schemas.openxmlformats.org/drawingml/2006/main" xmlns:r="http://schemas.openxmlformats.org/officeDocument/2006/relationships" xmlns:p="http://schemas.openxmlformats.org/presentationml/2006/main">
   <p:cSld>
     <p:spTree>
@@ -2810,9 +2824,6 @@
               </a:rPr>
               <a:t>@Autowired </a:t>
             </a:r>
-            <a:endParaRPr lang="en-US" sz="4400" b="0" strike="noStrike" spc="-1">
-              <a:latin typeface="Arial" panose="020B0604020202020204"/>
-            </a:endParaRPr>
           </a:p>
         </p:txBody>
       </p:sp>
@@ -2823,7 +2834,7 @@
           <p:nvPr/>
         </p:nvPicPr>
         <p:blipFill>
-          <a:blip r:embed="rId1"/>
+          <a:blip r:embed="rId2"/>
           <a:stretch>
             <a:fillRect/>
           </a:stretch>
@@ -2877,9 +2888,6 @@
               </a:rPr>
               <a:t>Tôi đánh dấu thuộc tính Outfit của Girl bởi Annotation @Autowired. Điều này nói với Spring Boot hãy tự inject (tiêm) một instance của Outfit vào thuộc tính này khi khởi tạo Girl.</a:t>
             </a:r>
-            <a:endParaRPr lang="en-US" sz="1800" b="0" strike="noStrike" spc="-1">
-              <a:latin typeface="Arial" panose="020B0604020202020204"/>
-            </a:endParaRPr>
           </a:p>
         </p:txBody>
       </p:sp>
@@ -2888,11 +2896,11 @@
   <p:clrMapOvr>
     <a:masterClrMapping/>
   </p:clrMapOvr>
-  <mc:AlternateContent xmlns:mc="http://schemas.openxmlformats.org/markup-compatibility/2006">
-    <mc:Choice xmlns:p14="http://schemas.microsoft.com/office/powerpoint/2010/main" Requires="p14">
+  <mc:AlternateContent xmlns:mc="http://schemas.openxmlformats.org/markup-compatibility/2006" xmlns:p14="http://schemas.microsoft.com/office/powerpoint/2010/main">
+    <mc:Choice Requires="p14">
       <p:transition spd="slow" p14:dur="2000"/>
     </mc:Choice>
-    <mc:Fallback>
+    <mc:Fallback xmlns="">
       <p:transition spd="slow"/>
     </mc:Fallback>
   </mc:AlternateContent>
@@ -2906,7 +2914,7 @@
 </p:sld>
 </file>
 
-<file path=ppt/slides/slide14.xml><?xml version="1.0" encoding="utf-8"?>
+<file path=ppt/slides/slide15.xml><?xml version="1.0" encoding="utf-8"?>
 <p:sld xmlns:a="http://schemas.openxmlformats.org/drawingml/2006/main" xmlns:r="http://schemas.openxmlformats.org/officeDocument/2006/relationships" xmlns:p="http://schemas.openxmlformats.org/presentationml/2006/main">
   <p:cSld>
     <p:spTree>
@@ -4293,16 +4301,6 @@
               </a:rPr>
               <a:t> </a:t>
             </a:r>
-            <a:endParaRPr kumimoji="0" lang="en-US" sz="1600" i="0" u="none" strike="noStrike" cap="none" normalizeH="0" baseline="0" dirty="0" smtClean="0">
-              <a:ln>
-                <a:noFill/>
-              </a:ln>
-              <a:solidFill>
-                <a:schemeClr val="tx1"/>
-              </a:solidFill>
-              <a:effectLst/>
-              <a:cs typeface="+mn-lt"/>
-            </a:endParaRPr>
           </a:p>
           <a:p>
             <a:pPr marL="0" marR="0" lvl="0" indent="0" algn="l" defTabSz="914400" rtl="0" eaLnBrk="1" fontAlgn="base" latinLnBrk="0" hangingPunct="1">
@@ -4443,13 +4441,7 @@
               <a:rPr lang="vi-VN" sz="1600" dirty="0">
                 <a:cs typeface="+mn-lt"/>
               </a:rPr>
-              <a:t>Default các method của @Controller</a:t>
-            </a:r>
-            <a:r>
-              <a:rPr lang="vi-VN" sz="1600" dirty="0">
-                <a:cs typeface="+mn-lt"/>
-              </a:rPr>
-              <a:t> sẽ return về một view resolver và bắt buộc view đó phải tồn tại và được đặt trong folder resources/templates</a:t>
+              <a:t>Default các method của @Controller sẽ return về một view resolver và bắt buộc view đó phải tồn tại và được đặt trong folder resources/templates</a:t>
             </a:r>
             <a:r>
               <a:rPr lang="vi-VN" sz="1600" dirty="0" smtClean="0">
@@ -4560,9 +4552,6 @@
               </a:rPr>
               <a:t>Khi sử dụng @RestController thì chúng ta không cần phải cài đặt template engine</a:t>
             </a:r>
-            <a:endParaRPr lang="vi-VN" sz="1600" dirty="0">
-              <a:cs typeface="+mn-lt"/>
-            </a:endParaRPr>
           </a:p>
           <a:p>
             <a:pPr marL="0" marR="0" lvl="0" indent="0" algn="l" defTabSz="914400" rtl="0" eaLnBrk="1" fontAlgn="base" latinLnBrk="0" hangingPunct="1">
@@ -4598,11 +4587,11 @@
   <p:clrMapOvr>
     <a:masterClrMapping/>
   </p:clrMapOvr>
-  <mc:AlternateContent xmlns:mc="http://schemas.openxmlformats.org/markup-compatibility/2006">
-    <mc:Choice xmlns:p14="http://schemas.microsoft.com/office/powerpoint/2010/main" Requires="p14">
+  <mc:AlternateContent xmlns:mc="http://schemas.openxmlformats.org/markup-compatibility/2006" xmlns:p14="http://schemas.microsoft.com/office/powerpoint/2010/main">
+    <mc:Choice Requires="p14">
       <p:transition spd="slow" p14:dur="2000"/>
     </mc:Choice>
-    <mc:Fallback>
+    <mc:Fallback xmlns="">
       <p:transition spd="slow"/>
     </mc:Fallback>
   </mc:AlternateContent>
@@ -4616,7 +4605,7 @@
 </p:sld>
 </file>
 
-<file path=ppt/slides/slide15.xml><?xml version="1.0" encoding="utf-8"?>
+<file path=ppt/slides/slide16.xml><?xml version="1.0" encoding="utf-8"?>
 <p:sld xmlns:a="http://schemas.openxmlformats.org/drawingml/2006/main" xmlns:r="http://schemas.openxmlformats.org/officeDocument/2006/relationships" xmlns:p="http://schemas.openxmlformats.org/presentationml/2006/main">
   <p:cSld>
     <p:spTree>
@@ -4641,8 +4630,8 @@
         </p:nvSpPr>
         <p:spPr>
           <a:xfrm>
-            <a:off x="504000" y="593945"/>
-            <a:ext cx="9071640" cy="676910"/>
+            <a:off x="504000" y="716957"/>
+            <a:ext cx="9071640" cy="430887"/>
           </a:xfrm>
           <a:prstGeom prst="rect">
             <a:avLst/>
@@ -4660,14 +4649,46 @@
           <a:p>
             <a:pPr algn="ctr"/>
             <a:r>
-              <a:rPr lang="en-US" sz="4400" b="0" strike="noStrike" spc="-1" dirty="0">
-                <a:latin typeface="Arial" panose="020B0604020202020204"/>
-              </a:rPr>
-              <a:t>@Qualifier</a:t>
-            </a:r>
-            <a:endParaRPr lang="en-US" sz="4400" b="0" strike="noStrike" spc="-1" dirty="0">
-              <a:latin typeface="Arial" panose="020B0604020202020204"/>
-            </a:endParaRPr>
+              <a:rPr lang="en-US" sz="2800" b="1" dirty="0" err="1"/>
+              <a:t>Khi</a:t>
+            </a:r>
+            <a:r>
+              <a:rPr lang="en-US" sz="2800" b="1" dirty="0"/>
+              <a:t> Spring Boot </a:t>
+            </a:r>
+            <a:r>
+              <a:rPr lang="en-US" sz="2800" b="1" dirty="0" err="1"/>
+              <a:t>không</a:t>
+            </a:r>
+            <a:r>
+              <a:rPr lang="en-US" sz="2800" b="1" dirty="0"/>
+              <a:t> </a:t>
+            </a:r>
+            <a:r>
+              <a:rPr lang="en-US" sz="2800" b="1" dirty="0" err="1"/>
+              <a:t>biết</a:t>
+            </a:r>
+            <a:r>
+              <a:rPr lang="en-US" sz="2800" b="1" dirty="0"/>
+              <a:t> </a:t>
+            </a:r>
+            <a:r>
+              <a:rPr lang="en-US" sz="2800" b="1" dirty="0" err="1"/>
+              <a:t>chọn</a:t>
+            </a:r>
+            <a:r>
+              <a:rPr lang="en-US" sz="2800" b="1" dirty="0"/>
+              <a:t> bean </a:t>
+            </a:r>
+            <a:r>
+              <a:rPr lang="en-US" sz="2800" b="1" dirty="0" err="1"/>
+              <a:t>nào</a:t>
+            </a:r>
+            <a:r>
+              <a:rPr lang="en-US" sz="2800" b="1" dirty="0" smtClean="0"/>
+              <a:t>?</a:t>
+            </a:r>
+            <a:endParaRPr lang="en-US" sz="2800" b="1" dirty="0"/>
           </a:p>
         </p:txBody>
       </p:sp>
@@ -4680,7 +4701,7 @@
         <p:spPr>
           <a:xfrm>
             <a:off x="431800" y="1691530"/>
-            <a:ext cx="9509760" cy="1042670"/>
+            <a:ext cx="9509760" cy="5506208"/>
           </a:xfrm>
           <a:prstGeom prst="rect">
             <a:avLst/>
@@ -4954,273 +4975,315 @@
               <a:t> </a:t>
             </a:r>
             <a:r>
-              <a:rPr lang="en-US" sz="1800" b="0" strike="noStrike" spc="-1" dirty="0" err="1">
+              <a:rPr lang="en-US" sz="1800" b="0" strike="noStrike" spc="-1" dirty="0" err="1" smtClean="0">
                 <a:latin typeface="Arial" panose="020B0604020202020204"/>
               </a:rPr>
               <a:t>đó</a:t>
             </a:r>
-            <a:r>
-              <a:rPr lang="en-US" sz="1800" b="0" strike="noStrike" spc="-1" dirty="0">
-                <a:latin typeface="Arial" panose="020B0604020202020204"/>
-              </a:rPr>
-              <a:t>, @Qualifier </a:t>
-            </a:r>
-            <a:r>
-              <a:rPr lang="en-US" sz="1800" b="0" strike="noStrike" spc="-1" dirty="0" err="1">
-                <a:latin typeface="Arial" panose="020B0604020202020204"/>
-              </a:rPr>
-              <a:t>sẽ</a:t>
-            </a:r>
-            <a:r>
-              <a:rPr lang="en-US" sz="1800" b="0" strike="noStrike" spc="-1" dirty="0">
-                <a:latin typeface="Arial" panose="020B0604020202020204"/>
-              </a:rPr>
-              <a:t> </a:t>
-            </a:r>
-            <a:r>
-              <a:rPr lang="en-US" sz="1800" b="0" strike="noStrike" spc="-1" dirty="0" err="1">
-                <a:latin typeface="Arial" panose="020B0604020202020204"/>
-              </a:rPr>
-              <a:t>được</a:t>
-            </a:r>
-            <a:r>
-              <a:rPr lang="en-US" sz="1800" b="0" strike="noStrike" spc="-1" dirty="0">
-                <a:latin typeface="Arial" panose="020B0604020202020204"/>
-              </a:rPr>
-              <a:t> </a:t>
-            </a:r>
-            <a:r>
-              <a:rPr lang="en-US" sz="1800" b="0" strike="noStrike" spc="-1" dirty="0" err="1">
-                <a:latin typeface="Arial" panose="020B0604020202020204"/>
-              </a:rPr>
-              <a:t>sử</a:t>
-            </a:r>
-            <a:r>
-              <a:rPr lang="en-US" sz="1800" b="0" strike="noStrike" spc="-1" dirty="0">
-                <a:latin typeface="Arial" panose="020B0604020202020204"/>
-              </a:rPr>
-              <a:t> </a:t>
-            </a:r>
-            <a:r>
-              <a:rPr lang="en-US" sz="1800" b="0" strike="noStrike" spc="-1" dirty="0" err="1">
-                <a:latin typeface="Arial" panose="020B0604020202020204"/>
-              </a:rPr>
-              <a:t>dụng</a:t>
-            </a:r>
-            <a:r>
-              <a:rPr lang="en-US" sz="1800" b="0" strike="noStrike" spc="-1" dirty="0">
-                <a:latin typeface="Arial" panose="020B0604020202020204"/>
-              </a:rPr>
-              <a:t> </a:t>
-            </a:r>
-            <a:r>
-              <a:rPr lang="en-US" sz="1800" b="0" strike="noStrike" spc="-1" dirty="0" err="1">
-                <a:latin typeface="Arial" panose="020B0604020202020204"/>
-              </a:rPr>
-              <a:t>với</a:t>
-            </a:r>
-            <a:r>
-              <a:rPr lang="en-US" sz="1800" b="0" strike="noStrike" spc="-1" dirty="0">
-                <a:latin typeface="Arial" panose="020B0604020202020204"/>
-              </a:rPr>
-              <a:t> @</a:t>
-            </a:r>
-            <a:r>
-              <a:rPr lang="en-US" sz="1800" b="0" strike="noStrike" spc="-1" dirty="0" err="1">
-                <a:latin typeface="Arial" panose="020B0604020202020204"/>
-              </a:rPr>
-              <a:t>Autowired</a:t>
-            </a:r>
-            <a:r>
-              <a:rPr lang="en-US" sz="1800" b="0" strike="noStrike" spc="-1" dirty="0">
-                <a:latin typeface="Arial" panose="020B0604020202020204"/>
-              </a:rPr>
-              <a:t> </a:t>
-            </a:r>
-            <a:r>
-              <a:rPr lang="en-US" sz="1800" b="0" strike="noStrike" spc="-1" dirty="0" err="1">
-                <a:latin typeface="Arial" panose="020B0604020202020204"/>
-              </a:rPr>
-              <a:t>để</a:t>
-            </a:r>
-            <a:r>
-              <a:rPr lang="en-US" sz="1800" b="0" strike="noStrike" spc="-1" dirty="0">
-                <a:latin typeface="Arial" panose="020B0604020202020204"/>
-              </a:rPr>
-              <a:t> </a:t>
-            </a:r>
-            <a:r>
-              <a:rPr lang="en-US" sz="1800" b="0" strike="noStrike" spc="-1" dirty="0" err="1">
-                <a:latin typeface="Arial" panose="020B0604020202020204"/>
-              </a:rPr>
-              <a:t>giảm</a:t>
-            </a:r>
-            <a:r>
-              <a:rPr lang="en-US" sz="1800" b="0" strike="noStrike" spc="-1" dirty="0">
-                <a:latin typeface="Arial" panose="020B0604020202020204"/>
-              </a:rPr>
-              <a:t> </a:t>
-            </a:r>
-            <a:r>
-              <a:rPr lang="en-US" sz="1800" b="0" strike="noStrike" spc="-1" dirty="0" err="1">
-                <a:latin typeface="Arial" panose="020B0604020202020204"/>
-              </a:rPr>
-              <a:t>thiểu</a:t>
-            </a:r>
-            <a:r>
-              <a:rPr lang="en-US" sz="1800" b="0" strike="noStrike" spc="-1" dirty="0">
-                <a:latin typeface="Arial" panose="020B0604020202020204"/>
-              </a:rPr>
-              <a:t> </a:t>
-            </a:r>
-            <a:r>
-              <a:rPr lang="en-US" sz="1800" b="0" strike="noStrike" spc="-1" dirty="0" err="1">
-                <a:latin typeface="Arial" panose="020B0604020202020204"/>
-              </a:rPr>
-              <a:t>sự</a:t>
-            </a:r>
-            <a:r>
-              <a:rPr lang="en-US" sz="1800" b="0" strike="noStrike" spc="-1" dirty="0">
-                <a:latin typeface="Arial" panose="020B0604020202020204"/>
-              </a:rPr>
-              <a:t> </a:t>
-            </a:r>
-            <a:r>
-              <a:rPr lang="en-US" sz="1800" b="0" strike="noStrike" spc="-1" dirty="0" err="1">
-                <a:latin typeface="Arial" panose="020B0604020202020204"/>
-              </a:rPr>
-              <a:t>nhầm</a:t>
-            </a:r>
-            <a:r>
-              <a:rPr lang="en-US" sz="1800" b="0" strike="noStrike" spc="-1" dirty="0">
-                <a:latin typeface="Arial" panose="020B0604020202020204"/>
-              </a:rPr>
-              <a:t> </a:t>
-            </a:r>
-            <a:r>
-              <a:rPr lang="en-US" sz="1800" b="0" strike="noStrike" spc="-1" dirty="0" err="1">
-                <a:latin typeface="Arial" panose="020B0604020202020204"/>
-              </a:rPr>
-              <a:t>lẫn</a:t>
-            </a:r>
-            <a:r>
-              <a:rPr lang="en-US" sz="1800" b="0" strike="noStrike" spc="-1" dirty="0">
-                <a:latin typeface="Arial" panose="020B0604020202020204"/>
-              </a:rPr>
-              <a:t> </a:t>
-            </a:r>
-            <a:r>
-              <a:rPr lang="en-US" sz="1800" b="0" strike="noStrike" spc="-1" dirty="0" err="1">
-                <a:latin typeface="Arial" panose="020B0604020202020204"/>
-              </a:rPr>
-              <a:t>bằng</a:t>
-            </a:r>
-            <a:r>
-              <a:rPr lang="en-US" sz="1800" b="0" strike="noStrike" spc="-1" dirty="0">
-                <a:latin typeface="Arial" panose="020B0604020202020204"/>
-              </a:rPr>
-              <a:t> </a:t>
-            </a:r>
-            <a:r>
-              <a:rPr lang="en-US" sz="1800" b="0" strike="noStrike" spc="-1" dirty="0" err="1">
-                <a:latin typeface="Arial" panose="020B0604020202020204"/>
-              </a:rPr>
-              <a:t>cách</a:t>
-            </a:r>
-            <a:r>
-              <a:rPr lang="en-US" sz="1800" b="0" strike="noStrike" spc="-1" dirty="0">
-                <a:latin typeface="Arial" panose="020B0604020202020204"/>
-              </a:rPr>
-              <a:t> </a:t>
-            </a:r>
-            <a:r>
-              <a:rPr lang="en-US" sz="1800" b="0" strike="noStrike" spc="-1" dirty="0" err="1">
-                <a:latin typeface="Arial" panose="020B0604020202020204"/>
-              </a:rPr>
-              <a:t>định</a:t>
-            </a:r>
-            <a:r>
-              <a:rPr lang="en-US" sz="1800" b="0" strike="noStrike" spc="-1" dirty="0">
-                <a:latin typeface="Arial" panose="020B0604020202020204"/>
-              </a:rPr>
-              <a:t> </a:t>
-            </a:r>
-            <a:r>
-              <a:rPr lang="en-US" sz="1800" b="0" strike="noStrike" spc="-1" dirty="0" err="1">
-                <a:latin typeface="Arial" panose="020B0604020202020204"/>
-              </a:rPr>
-              <a:t>danh</a:t>
-            </a:r>
-            <a:r>
-              <a:rPr lang="en-US" sz="1800" b="0" strike="noStrike" spc="-1" dirty="0">
-                <a:latin typeface="Arial" panose="020B0604020202020204"/>
-              </a:rPr>
-              <a:t> </a:t>
-            </a:r>
-            <a:r>
-              <a:rPr lang="en-US" sz="1800" b="0" strike="noStrike" spc="-1" dirty="0" err="1">
-                <a:latin typeface="Arial" panose="020B0604020202020204"/>
-              </a:rPr>
-              <a:t>chính</a:t>
-            </a:r>
-            <a:r>
-              <a:rPr lang="en-US" sz="1800" b="0" strike="noStrike" spc="-1" dirty="0">
-                <a:latin typeface="Arial" panose="020B0604020202020204"/>
-              </a:rPr>
-              <a:t> </a:t>
-            </a:r>
-            <a:r>
-              <a:rPr lang="en-US" sz="1800" b="0" strike="noStrike" spc="-1" dirty="0" err="1">
-                <a:latin typeface="Arial" panose="020B0604020202020204"/>
-              </a:rPr>
-              <a:t>xác</a:t>
-            </a:r>
-            <a:r>
-              <a:rPr lang="en-US" sz="1800" b="0" strike="noStrike" spc="-1" dirty="0">
-                <a:latin typeface="Arial" panose="020B0604020202020204"/>
-              </a:rPr>
-              <a:t> bean </a:t>
-            </a:r>
-            <a:r>
-              <a:rPr lang="en-US" sz="1800" b="0" strike="noStrike" spc="-1" dirty="0" err="1">
-                <a:latin typeface="Arial" panose="020B0604020202020204"/>
-              </a:rPr>
-              <a:t>nào</a:t>
-            </a:r>
-            <a:r>
-              <a:rPr lang="en-US" sz="1800" b="0" strike="noStrike" spc="-1" dirty="0">
-                <a:latin typeface="Arial" panose="020B0604020202020204"/>
-              </a:rPr>
-              <a:t> </a:t>
-            </a:r>
-            <a:r>
-              <a:rPr lang="en-US" sz="1800" b="0" strike="noStrike" spc="-1" dirty="0" err="1">
-                <a:latin typeface="Arial" panose="020B0604020202020204"/>
-              </a:rPr>
-              <a:t>được</a:t>
-            </a:r>
-            <a:r>
-              <a:rPr lang="en-US" sz="1800" b="0" strike="noStrike" spc="-1" dirty="0">
-                <a:latin typeface="Arial" panose="020B0604020202020204"/>
-              </a:rPr>
-              <a:t> wire.</a:t>
-            </a:r>
+            <a:endParaRPr lang="en-US" sz="1800" b="0" strike="noStrike" spc="-1" dirty="0" smtClean="0">
+              <a:latin typeface="Arial" panose="020B0604020202020204"/>
+            </a:endParaRPr>
+          </a:p>
+          <a:p>
+            <a:pPr>
+              <a:lnSpc>
+                <a:spcPct val="115000"/>
+              </a:lnSpc>
+            </a:pPr>
+            <a:r>
+              <a:rPr lang="vi-VN" dirty="0"/>
+              <a:t>Có hai cách giải quyết vấn đề này. Thứ nhất là dùng </a:t>
+            </a:r>
+            <a:r>
+              <a:rPr lang="vi-VN" dirty="0"/>
+              <a:t>@</a:t>
+            </a:r>
+            <a:r>
+              <a:rPr lang="vi-VN" b="1" dirty="0"/>
+              <a:t>Primary</a:t>
+            </a:r>
+            <a:r>
+              <a:rPr lang="vi-VN" dirty="0"/>
+              <a:t> đánh dấu lên một bean. Khi đó bean này sẽ được ưu tiên chọn hơn, trong trường hợp có nhiều bean phù hợp trong </a:t>
+            </a:r>
+            <a:r>
+              <a:rPr lang="vi-VN" dirty="0" smtClean="0"/>
+              <a:t>context</a:t>
+            </a:r>
+            <a:endParaRPr lang="en-US" dirty="0" smtClean="0"/>
+          </a:p>
+          <a:p>
+            <a:pPr>
+              <a:lnSpc>
+                <a:spcPct val="115000"/>
+              </a:lnSpc>
+            </a:pPr>
             <a:endParaRPr lang="en-US" sz="1800" b="0" strike="noStrike" spc="-1" dirty="0">
               <a:latin typeface="Arial" panose="020B0604020202020204"/>
             </a:endParaRPr>
           </a:p>
+          <a:p>
+            <a:pPr>
+              <a:lnSpc>
+                <a:spcPct val="115000"/>
+              </a:lnSpc>
+            </a:pPr>
+            <a:endParaRPr lang="en-US" spc="-1" dirty="0" smtClean="0">
+              <a:latin typeface="Arial" panose="020B0604020202020204"/>
+            </a:endParaRPr>
+          </a:p>
+          <a:p>
+            <a:pPr>
+              <a:lnSpc>
+                <a:spcPct val="115000"/>
+              </a:lnSpc>
+            </a:pPr>
+            <a:endParaRPr lang="en-US" sz="1800" b="0" strike="noStrike" spc="-1" dirty="0">
+              <a:latin typeface="Arial" panose="020B0604020202020204"/>
+            </a:endParaRPr>
+          </a:p>
+          <a:p>
+            <a:pPr>
+              <a:lnSpc>
+                <a:spcPct val="115000"/>
+              </a:lnSpc>
+            </a:pPr>
+            <a:endParaRPr lang="en-US" spc="-1" dirty="0" smtClean="0">
+              <a:latin typeface="Arial" panose="020B0604020202020204"/>
+            </a:endParaRPr>
+          </a:p>
+          <a:p>
+            <a:pPr>
+              <a:lnSpc>
+                <a:spcPct val="115000"/>
+              </a:lnSpc>
+            </a:pPr>
+            <a:endParaRPr lang="en-US" sz="1800" b="0" strike="noStrike" spc="-1" dirty="0">
+              <a:latin typeface="Arial" panose="020B0604020202020204"/>
+            </a:endParaRPr>
+          </a:p>
+          <a:p>
+            <a:pPr>
+              <a:lnSpc>
+                <a:spcPct val="115000"/>
+              </a:lnSpc>
+            </a:pPr>
+            <a:endParaRPr lang="en-US" spc="-1" dirty="0" smtClean="0">
+              <a:latin typeface="Arial" panose="020B0604020202020204"/>
+            </a:endParaRPr>
+          </a:p>
+          <a:p>
+            <a:pPr>
+              <a:lnSpc>
+                <a:spcPct val="115000"/>
+              </a:lnSpc>
+            </a:pPr>
+            <a:r>
+              <a:rPr lang="vi-VN" dirty="0"/>
+              <a:t>Cách 2 là chỉ định rõ tên bean (tên class) cụ thể được inject bằng </a:t>
+            </a:r>
+            <a:r>
+              <a:rPr lang="vi-VN" dirty="0"/>
+              <a:t>@Qualifier</a:t>
+            </a:r>
+            <a:r>
+              <a:rPr lang="vi-VN" dirty="0"/>
+              <a:t>.</a:t>
+            </a:r>
+            <a:endParaRPr lang="en-US" sz="1800" b="0" strike="noStrike" spc="-1" dirty="0">
+              <a:latin typeface="Arial" panose="020B0604020202020204"/>
+            </a:endParaRPr>
+          </a:p>
+          <a:p>
+            <a:pPr>
+              <a:lnSpc>
+                <a:spcPct val="115000"/>
+              </a:lnSpc>
+            </a:pPr>
+            <a:endParaRPr lang="en-US" spc="-1" dirty="0" smtClean="0">
+              <a:latin typeface="Arial" panose="020B0604020202020204"/>
+            </a:endParaRPr>
+          </a:p>
+          <a:p>
+            <a:pPr>
+              <a:lnSpc>
+                <a:spcPct val="115000"/>
+              </a:lnSpc>
+            </a:pPr>
+            <a:endParaRPr lang="en-US" sz="1800" b="0" strike="noStrike" spc="-1" dirty="0">
+              <a:latin typeface="Arial" panose="020B0604020202020204"/>
+            </a:endParaRPr>
+          </a:p>
+          <a:p>
+            <a:pPr>
+              <a:lnSpc>
+                <a:spcPct val="115000"/>
+              </a:lnSpc>
+            </a:pPr>
+            <a:endParaRPr lang="en-US" spc="-1" dirty="0" smtClean="0">
+              <a:latin typeface="Arial" panose="020B0604020202020204"/>
+            </a:endParaRPr>
+          </a:p>
+          <a:p>
+            <a:pPr>
+              <a:lnSpc>
+                <a:spcPct val="115000"/>
+              </a:lnSpc>
+            </a:pPr>
+            <a:endParaRPr lang="en-US" sz="1800" b="0" strike="noStrike" spc="-1" dirty="0">
+              <a:latin typeface="Arial" panose="020B0604020202020204"/>
+            </a:endParaRPr>
+          </a:p>
+          <a:p>
+            <a:pPr>
+              <a:lnSpc>
+                <a:spcPct val="115000"/>
+              </a:lnSpc>
+            </a:pPr>
+            <a:endParaRPr lang="en-US" sz="1800" b="0" strike="noStrike" spc="-1" dirty="0">
+              <a:latin typeface="Arial" panose="020B0604020202020204"/>
+            </a:endParaRPr>
+          </a:p>
         </p:txBody>
       </p:sp>
+      <p:pic>
+        <p:nvPicPr>
+          <p:cNvPr id="1026" name="Picture 2"/>
+          <p:cNvPicPr>
+            <a:picLocks noChangeAspect="1" noChangeArrowheads="1"/>
+          </p:cNvPicPr>
+          <p:nvPr/>
+        </p:nvPicPr>
+        <p:blipFill>
+          <a:blip r:embed="rId2">
+            <a:extLst>
+              <a:ext uri="{28A0092B-C50C-407E-A947-70E740481C1C}">
+                <a14:useLocalDpi xmlns:a14="http://schemas.microsoft.com/office/drawing/2010/main" val="0"/>
+              </a:ext>
+            </a:extLst>
+          </a:blip>
+          <a:srcRect/>
+          <a:stretch>
+            <a:fillRect/>
+          </a:stretch>
+        </p:blipFill>
+        <p:spPr bwMode="auto">
+          <a:xfrm>
+            <a:off x="2304008" y="3347789"/>
+            <a:ext cx="4657725" cy="1819275"/>
+          </a:xfrm>
+          <a:prstGeom prst="rect">
+            <a:avLst/>
+          </a:prstGeom>
+          <a:noFill/>
+          <a:ln>
+            <a:noFill/>
+          </a:ln>
+          <a:effectLst/>
+          <a:extLst>
+            <a:ext uri="{909E8E84-426E-40DD-AFC4-6F175D3DCCD1}">
+              <a14:hiddenFill xmlns:a14="http://schemas.microsoft.com/office/drawing/2010/main">
+                <a:solidFill>
+                  <a:schemeClr val="accent1"/>
+                </a:solidFill>
+              </a14:hiddenFill>
+            </a:ext>
+            <a:ext uri="{91240B29-F687-4F45-9708-019B960494DF}">
+              <a14:hiddenLine xmlns:a14="http://schemas.microsoft.com/office/drawing/2010/main" w="9525">
+                <a:solidFill>
+                  <a:schemeClr val="tx1"/>
+                </a:solidFill>
+                <a:miter lim="800000"/>
+                <a:headEnd/>
+                <a:tailEnd/>
+              </a14:hiddenLine>
+            </a:ext>
+            <a:ext uri="{AF507438-7753-43E0-B8FC-AC1667EBCBE1}">
+              <a14:hiddenEffects xmlns:a14="http://schemas.microsoft.com/office/drawing/2010/main">
+                <a:effectLst>
+                  <a:outerShdw dist="35921" dir="2700000" algn="ctr" rotWithShape="0">
+                    <a:schemeClr val="bg2"/>
+                  </a:outerShdw>
+                </a:effectLst>
+              </a14:hiddenEffects>
+            </a:ext>
+          </a:extLst>
+        </p:spPr>
+      </p:pic>
+      <p:pic>
+        <p:nvPicPr>
+          <p:cNvPr id="1027" name="Picture 3"/>
+          <p:cNvPicPr>
+            <a:picLocks noChangeAspect="1" noChangeArrowheads="1"/>
+          </p:cNvPicPr>
+          <p:nvPr/>
+        </p:nvPicPr>
+        <p:blipFill>
+          <a:blip r:embed="rId3">
+            <a:extLst>
+              <a:ext uri="{28A0092B-C50C-407E-A947-70E740481C1C}">
+                <a14:useLocalDpi xmlns:a14="http://schemas.microsoft.com/office/drawing/2010/main" val="0"/>
+              </a:ext>
+            </a:extLst>
+          </a:blip>
+          <a:srcRect/>
+          <a:stretch>
+            <a:fillRect/>
+          </a:stretch>
+        </p:blipFill>
+        <p:spPr bwMode="auto">
+          <a:xfrm>
+            <a:off x="2091055" y="5578082"/>
+            <a:ext cx="6191250" cy="1581150"/>
+          </a:xfrm>
+          <a:prstGeom prst="rect">
+            <a:avLst/>
+          </a:prstGeom>
+          <a:noFill/>
+          <a:ln>
+            <a:noFill/>
+          </a:ln>
+          <a:effectLst/>
+          <a:extLst>
+            <a:ext uri="{909E8E84-426E-40DD-AFC4-6F175D3DCCD1}">
+              <a14:hiddenFill xmlns:a14="http://schemas.microsoft.com/office/drawing/2010/main">
+                <a:solidFill>
+                  <a:schemeClr val="accent1"/>
+                </a:solidFill>
+              </a14:hiddenFill>
+            </a:ext>
+            <a:ext uri="{91240B29-F687-4F45-9708-019B960494DF}">
+              <a14:hiddenLine xmlns:a14="http://schemas.microsoft.com/office/drawing/2010/main" w="9525">
+                <a:solidFill>
+                  <a:schemeClr val="tx1"/>
+                </a:solidFill>
+                <a:miter lim="800000"/>
+                <a:headEnd/>
+                <a:tailEnd/>
+              </a14:hiddenLine>
+            </a:ext>
+            <a:ext uri="{AF507438-7753-43E0-B8FC-AC1667EBCBE1}">
+              <a14:hiddenEffects xmlns:a14="http://schemas.microsoft.com/office/drawing/2010/main">
+                <a:effectLst>
+                  <a:outerShdw dist="35921" dir="2700000" algn="ctr" rotWithShape="0">
+                    <a:schemeClr val="bg2"/>
+                  </a:outerShdw>
+                </a:effectLst>
+              </a14:hiddenEffects>
+            </a:ext>
+          </a:extLst>
+        </p:spPr>
+      </p:pic>
     </p:spTree>
   </p:cSld>
   <p:clrMapOvr>
     <a:masterClrMapping/>
   </p:clrMapOvr>
-  <mc:AlternateContent xmlns:mc="http://schemas.openxmlformats.org/markup-compatibility/2006">
-    <mc:Choice xmlns:p14="http://schemas.microsoft.com/office/powerpoint/2010/main" Requires="p14">
+  <mc:AlternateContent xmlns:mc="http://schemas.openxmlformats.org/markup-compatibility/2006" xmlns:p14="http://schemas.microsoft.com/office/powerpoint/2010/main">
+    <mc:Choice Requires="p14">
       <p:transition spd="slow" p14:dur="2000"/>
     </mc:Choice>
-    <mc:Fallback>
+    <mc:Fallback xmlns="">
       <p:transition spd="slow"/>
     </mc:Fallback>
   </mc:AlternateContent>
@@ -5234,7 +5297,7 @@
 </p:sld>
 </file>
 
-<file path=ppt/slides/slide16.xml><?xml version="1.0" encoding="utf-8"?>
+<file path=ppt/slides/slide17.xml><?xml version="1.0" encoding="utf-8"?>
 <p:sld xmlns:a="http://schemas.openxmlformats.org/drawingml/2006/main" xmlns:r="http://schemas.openxmlformats.org/officeDocument/2006/relationships" xmlns:p="http://schemas.openxmlformats.org/presentationml/2006/main">
   <p:cSld>
     <p:spTree>
@@ -5283,9 +5346,6 @@
               </a:rPr>
               <a:t>@Value </a:t>
             </a:r>
-            <a:endParaRPr lang="en-US" sz="4400" b="0" strike="noStrike" spc="-1">
-              <a:latin typeface="Arial" panose="020B0604020202020204"/>
-            </a:endParaRPr>
           </a:p>
         </p:txBody>
       </p:sp>
@@ -5332,9 +5392,6 @@
               </a:rPr>
               <a:t> và gán vào biến.</a:t>
             </a:r>
-            <a:endParaRPr lang="en-US" sz="1800" b="0" strike="noStrike" spc="-1">
-              <a:latin typeface="Arial" panose="020B0604020202020204"/>
-            </a:endParaRPr>
           </a:p>
         </p:txBody>
       </p:sp>
@@ -5385,9 +5442,6 @@
               </a:rPr>
               <a:t>loda.mysql.url=jdbc:mysql://host1:33060/loda</a:t>
             </a:r>
-            <a:endParaRPr lang="en-US" sz="1800" b="0" strike="noStrike" spc="-1">
-              <a:latin typeface="Arial" panose="020B0604020202020204"/>
-            </a:endParaRPr>
           </a:p>
         </p:txBody>
       </p:sp>
@@ -5422,25 +5476,19 @@
               </a:rPr>
               <a:t>@Value được sử dụng trên thuộc tính của class, Có nhiệm vụ lấy thông tin từ file properties và gán vào biến.</a:t>
             </a:r>
+          </a:p>
+          <a:p>
             <a:endParaRPr lang="en-US" sz="1800" b="0" strike="noStrike" spc="-1">
               <a:latin typeface="Arial" panose="020B0604020202020204"/>
             </a:endParaRPr>
           </a:p>
           <a:p>
-            <a:endParaRPr lang="en-US" sz="1800" b="0" strike="noStrike" spc="-1">
-              <a:latin typeface="Arial" panose="020B0604020202020204"/>
-            </a:endParaRPr>
-          </a:p>
-          <a:p>
             <a:r>
               <a:rPr lang="en-US" sz="1800" b="0" strike="noStrike" spc="-1">
                 <a:latin typeface="Arial" panose="020B0604020202020204"/>
               </a:rPr>
               <a:t>public class AppConfig {</a:t>
             </a:r>
-            <a:endParaRPr lang="en-US" sz="1800" b="0" strike="noStrike" spc="-1">
-              <a:latin typeface="Arial" panose="020B0604020202020204"/>
-            </a:endParaRPr>
           </a:p>
           <a:p>
             <a:r>
@@ -5449,9 +5497,6 @@
               </a:rPr>
               <a:t>    // Lấy giá trị config từ file application.properties</a:t>
             </a:r>
-            <a:endParaRPr lang="en-US" sz="1800" b="0" strike="noStrike" spc="-1">
-              <a:latin typeface="Arial" panose="020B0604020202020204"/>
-            </a:endParaRPr>
           </a:p>
           <a:p>
             <a:r>
@@ -5460,9 +5505,6 @@
               </a:rPr>
               <a:t>    @Value("${loda.mysql.url}")</a:t>
             </a:r>
-            <a:endParaRPr lang="en-US" sz="1800" b="0" strike="noStrike" spc="-1">
-              <a:latin typeface="Arial" panose="020B0604020202020204"/>
-            </a:endParaRPr>
           </a:p>
           <a:p>
             <a:r>
@@ -5471,9 +5513,6 @@
               </a:rPr>
               <a:t>    String mysqlUrl;</a:t>
             </a:r>
-            <a:endParaRPr lang="en-US" sz="1800" b="0" strike="noStrike" spc="-1">
-              <a:latin typeface="Arial" panose="020B0604020202020204"/>
-            </a:endParaRPr>
           </a:p>
           <a:p>
             <a:r>
@@ -5482,9 +5521,6 @@
               </a:rPr>
               <a:t>}</a:t>
             </a:r>
-            <a:endParaRPr lang="en-US" sz="1800" b="0" strike="noStrike" spc="-1">
-              <a:latin typeface="Arial" panose="020B0604020202020204"/>
-            </a:endParaRPr>
           </a:p>
         </p:txBody>
       </p:sp>
@@ -5493,11 +5529,11 @@
   <p:clrMapOvr>
     <a:masterClrMapping/>
   </p:clrMapOvr>
-  <mc:AlternateContent xmlns:mc="http://schemas.openxmlformats.org/markup-compatibility/2006">
-    <mc:Choice xmlns:p14="http://schemas.microsoft.com/office/powerpoint/2010/main" Requires="p14">
+  <mc:AlternateContent xmlns:mc="http://schemas.openxmlformats.org/markup-compatibility/2006" xmlns:p14="http://schemas.microsoft.com/office/powerpoint/2010/main">
+    <mc:Choice Requires="p14">
       <p:transition spd="slow" p14:dur="2000"/>
     </mc:Choice>
-    <mc:Fallback>
+    <mc:Fallback xmlns="">
       <p:transition spd="slow"/>
     </mc:Fallback>
   </mc:AlternateContent>
@@ -5511,7 +5547,7 @@
 </p:sld>
 </file>
 
-<file path=ppt/slides/slide17.xml><?xml version="1.0" encoding="utf-8"?>
+<file path=ppt/slides/slide18.xml><?xml version="1.0" encoding="utf-8"?>
 <p:sld xmlns:a="http://schemas.openxmlformats.org/drawingml/2006/main" xmlns:r="http://schemas.openxmlformats.org/officeDocument/2006/relationships" xmlns:p="http://schemas.openxmlformats.org/presentationml/2006/main">
   <p:cSld>
     <p:spTree>
@@ -5602,9 +5638,6 @@
               </a:rPr>
               <a:t>@PostMapping có nhiệm vụ đánh dấu hàm xử lý POST request trong Controller.</a:t>
             </a:r>
-            <a:endParaRPr lang="en-US" sz="1800" b="0" strike="noStrike" spc="-1">
-              <a:latin typeface="Arial" panose="020B0604020202020204"/>
-            </a:endParaRPr>
           </a:p>
           <a:p>
             <a:pPr>
@@ -5618,9 +5651,6 @@
               </a:rPr>
               <a:t>@GetMapping có nhiệm vụ đánh dấu hàm xử lý GET request trong Controller.</a:t>
             </a:r>
-            <a:endParaRPr lang="en-US" sz="1800" b="0" strike="noStrike" spc="-1">
-              <a:latin typeface="Arial" panose="020B0604020202020204"/>
-            </a:endParaRPr>
           </a:p>
           <a:p>
             <a:pPr>
@@ -5634,9 +5664,6 @@
               </a:rPr>
               <a:t>@PutMapping </a:t>
             </a:r>
-            <a:endParaRPr lang="en-US" sz="1800" b="0" strike="noStrike" spc="-1">
-              <a:latin typeface="Arial" panose="020B0604020202020204"/>
-            </a:endParaRPr>
           </a:p>
           <a:p>
             <a:pPr>
@@ -5650,9 +5677,6 @@
               </a:rPr>
               <a:t>@DeleteMapping</a:t>
             </a:r>
-            <a:endParaRPr lang="en-US" sz="1800" b="0" strike="noStrike" spc="-1">
-              <a:latin typeface="Arial" panose="020B0604020202020204"/>
-            </a:endParaRPr>
           </a:p>
           <a:p>
             <a:pPr>
@@ -5666,9 +5690,6 @@
               </a:rPr>
               <a:t>@RequestMapping là một annotation có ý nghĩa và mục đích sử dụng rộng hơn các loại @GetMapping, @PostMapping,v.v..</a:t>
             </a:r>
-            <a:endParaRPr lang="en-US" sz="1800" b="0" strike="noStrike" spc="-1">
-              <a:latin typeface="Arial" panose="020B0604020202020204"/>
-            </a:endParaRPr>
           </a:p>
         </p:txBody>
       </p:sp>
@@ -5679,7 +5700,7 @@
           <p:nvPr/>
         </p:nvPicPr>
         <p:blipFill>
-          <a:blip r:embed="rId1"/>
+          <a:blip r:embed="rId2"/>
           <a:stretch>
             <a:fillRect/>
           </a:stretch>
@@ -5702,11 +5723,11 @@
   <p:clrMapOvr>
     <a:masterClrMapping/>
   </p:clrMapOvr>
-  <mc:AlternateContent xmlns:mc="http://schemas.openxmlformats.org/markup-compatibility/2006">
-    <mc:Choice xmlns:p14="http://schemas.microsoft.com/office/powerpoint/2010/main" Requires="p14">
+  <mc:AlternateContent xmlns:mc="http://schemas.openxmlformats.org/markup-compatibility/2006" xmlns:p14="http://schemas.microsoft.com/office/powerpoint/2010/main">
+    <mc:Choice Requires="p14">
       <p:transition spd="slow" p14:dur="2000"/>
     </mc:Choice>
-    <mc:Fallback>
+    <mc:Fallback xmlns="">
       <p:transition spd="slow"/>
     </mc:Fallback>
   </mc:AlternateContent>
@@ -5720,7 +5741,7 @@
 </p:sld>
 </file>
 
-<file path=ppt/slides/slide18.xml><?xml version="1.0" encoding="utf-8"?>
+<file path=ppt/slides/slide19.xml><?xml version="1.0" encoding="utf-8"?>
 <p:sld xmlns:a="http://schemas.openxmlformats.org/drawingml/2006/main" xmlns:r="http://schemas.openxmlformats.org/officeDocument/2006/relationships" xmlns:p="http://schemas.openxmlformats.org/presentationml/2006/main">
   <p:cSld>
     <p:spTree>
@@ -5769,9 +5790,6 @@
               </a:rPr>
               <a:t>Spring Data JPA </a:t>
             </a:r>
-            <a:endParaRPr lang="en-US" sz="4400" b="0" strike="noStrike" spc="-1">
-              <a:latin typeface="Arial" panose="020B0604020202020204"/>
-            </a:endParaRPr>
           </a:p>
         </p:txBody>
       </p:sp>
@@ -5782,7 +5800,7 @@
           <p:nvPr/>
         </p:nvPicPr>
         <p:blipFill>
-          <a:blip r:embed="rId1"/>
+          <a:blip r:embed="rId2"/>
           <a:stretch>
             <a:fillRect/>
           </a:stretch>
@@ -5805,262 +5823,11 @@
   <p:clrMapOvr>
     <a:masterClrMapping/>
   </p:clrMapOvr>
-  <mc:AlternateContent xmlns:mc="http://schemas.openxmlformats.org/markup-compatibility/2006">
-    <mc:Choice xmlns:p14="http://schemas.microsoft.com/office/powerpoint/2010/main" Requires="p14">
+  <mc:AlternateContent xmlns:mc="http://schemas.openxmlformats.org/markup-compatibility/2006" xmlns:p14="http://schemas.microsoft.com/office/powerpoint/2010/main">
+    <mc:Choice Requires="p14">
       <p:transition spd="slow" p14:dur="2000"/>
     </mc:Choice>
-    <mc:Fallback>
-      <p:transition spd="slow"/>
-    </mc:Fallback>
-  </mc:AlternateContent>
-  <p:timing>
-    <p:tnLst>
-      <p:par>
-        <p:cTn id="1" dur="indefinite" restart="never" nodeType="tmRoot"/>
-      </p:par>
-    </p:tnLst>
-  </p:timing>
-</p:sld>
-</file>
-
-<file path=ppt/slides/slide19.xml><?xml version="1.0" encoding="utf-8"?>
-<p:sld xmlns:a="http://schemas.openxmlformats.org/drawingml/2006/main" xmlns:r="http://schemas.openxmlformats.org/officeDocument/2006/relationships" xmlns:p="http://schemas.openxmlformats.org/presentationml/2006/main">
-  <p:cSld>
-    <p:spTree>
-      <p:nvGrpSpPr>
-        <p:cNvPr id="1" name=""/>
-        <p:cNvGrpSpPr/>
-        <p:nvPr/>
-      </p:nvGrpSpPr>
-      <p:grpSpPr>
-        <a:xfrm>
-          <a:off x="0" y="0"/>
-          <a:ext cx="0" cy="0"/>
-          <a:chOff x="0" y="0"/>
-          <a:chExt cx="0" cy="0"/>
-        </a:xfrm>
-      </p:grpSpPr>
-      <p:sp>
-        <p:nvSpPr>
-          <p:cNvPr id="62" name="TextShape 1"/>
-          <p:cNvSpPr txBox="1"/>
-          <p:nvPr/>
-        </p:nvSpPr>
-        <p:spPr>
-          <a:xfrm>
-            <a:off x="504000" y="301320"/>
-            <a:ext cx="9071640" cy="1262160"/>
-          </a:xfrm>
-          <a:prstGeom prst="rect">
-            <a:avLst/>
-          </a:prstGeom>
-          <a:noFill/>
-          <a:ln>
-            <a:noFill/>
-          </a:ln>
-        </p:spPr>
-        <p:txBody>
-          <a:bodyPr lIns="0" tIns="0" rIns="0" bIns="0" anchor="ctr">
-            <a:spAutoFit/>
-          </a:bodyPr>
-          <a:lstStyle/>
-          <a:p>
-            <a:pPr algn="ctr"/>
-            <a:r>
-              <a:rPr lang="en-US" sz="4400" b="0" strike="noStrike" spc="-1">
-                <a:latin typeface="Arial" panose="020B0604020202020204"/>
-              </a:rPr>
-              <a:t>Spring Data JPA </a:t>
-            </a:r>
-            <a:endParaRPr lang="en-US" sz="4400" b="0" strike="noStrike" spc="-1">
-              <a:latin typeface="Arial" panose="020B0604020202020204"/>
-            </a:endParaRPr>
-          </a:p>
-        </p:txBody>
-      </p:sp>
-      <p:sp>
-        <p:nvSpPr>
-          <p:cNvPr id="63" name="TextShape 2"/>
-          <p:cNvSpPr txBox="1"/>
-          <p:nvPr/>
-        </p:nvSpPr>
-        <p:spPr>
-          <a:xfrm>
-            <a:off x="7560" y="2058480"/>
-            <a:ext cx="10051560" cy="3422880"/>
-          </a:xfrm>
-          <a:prstGeom prst="rect">
-            <a:avLst/>
-          </a:prstGeom>
-          <a:noFill/>
-          <a:ln>
-            <a:noFill/>
-          </a:ln>
-        </p:spPr>
-        <p:txBody>
-          <a:bodyPr lIns="90000" tIns="45000" rIns="90000" bIns="45000">
-            <a:spAutoFit/>
-          </a:bodyPr>
-          <a:lstStyle/>
-          <a:p>
-            <a:r>
-              <a:rPr lang="en-US" sz="1400" b="0" strike="noStrike" spc="-1">
-                <a:latin typeface="Arial" panose="020B0604020202020204"/>
-              </a:rPr>
-              <a:t>Generate database script in Spring boot:</a:t>
-            </a:r>
-            <a:endParaRPr lang="en-US" sz="1400" b="0" strike="noStrike" spc="-1">
-              <a:latin typeface="Arial" panose="020B0604020202020204"/>
-            </a:endParaRPr>
-          </a:p>
-          <a:p>
-            <a:endParaRPr lang="en-US" sz="1400" b="0" strike="noStrike" spc="-1">
-              <a:latin typeface="Arial" panose="020B0604020202020204"/>
-            </a:endParaRPr>
-          </a:p>
-          <a:p>
-            <a:r>
-              <a:rPr lang="en-US" sz="1400" b="0" strike="noStrike" spc="-1">
-                <a:latin typeface="Arial" panose="020B0604020202020204"/>
-              </a:rPr>
-              <a:t>Add config into application.properties</a:t>
-            </a:r>
-            <a:endParaRPr lang="en-US" sz="1400" b="0" strike="noStrike" spc="-1">
-              <a:latin typeface="Arial" panose="020B0604020202020204"/>
-            </a:endParaRPr>
-          </a:p>
-          <a:p>
-            <a:endParaRPr lang="en-US" sz="1400" b="0" strike="noStrike" spc="-1">
-              <a:latin typeface="Arial" panose="020B0604020202020204"/>
-            </a:endParaRPr>
-          </a:p>
-          <a:p>
-            <a:r>
-              <a:rPr lang="en-US" sz="1400" b="0" strike="noStrike" spc="-1">
-                <a:solidFill>
-                  <a:srgbClr val="000000"/>
-                </a:solidFill>
-                <a:latin typeface="Consolas" panose="020B0609020204030204"/>
-                <a:ea typeface="Consolas" panose="020B0609020204030204"/>
-              </a:rPr>
-              <a:t>spring.jpa.properties.javax.persistence.schema-generation.create-source=</a:t>
-            </a:r>
-            <a:r>
-              <a:rPr lang="en-US" sz="1400" b="0" strike="noStrike" spc="-1">
-                <a:solidFill>
-                  <a:srgbClr val="2AA198"/>
-                </a:solidFill>
-                <a:latin typeface="Consolas" panose="020B0609020204030204"/>
-                <a:ea typeface="Consolas" panose="020B0609020204030204"/>
-              </a:rPr>
-              <a:t>metadata</a:t>
-            </a:r>
-            <a:endParaRPr lang="en-US" sz="1400" b="0" strike="noStrike" spc="-1">
-              <a:latin typeface="Arial" panose="020B0604020202020204"/>
-            </a:endParaRPr>
-          </a:p>
-          <a:p>
-            <a:r>
-              <a:rPr lang="en-US" sz="1400" b="0" strike="noStrike" spc="-1">
-                <a:solidFill>
-                  <a:srgbClr val="000000"/>
-                </a:solidFill>
-                <a:latin typeface="Consolas" panose="020B0609020204030204"/>
-                <a:ea typeface="Consolas" panose="020B0609020204030204"/>
-              </a:rPr>
-              <a:t>spring.jpa.properties.javax.persistence.schema-generation.scripts.action=</a:t>
-            </a:r>
-            <a:r>
-              <a:rPr lang="en-US" sz="1400" b="0" strike="noStrike" spc="-1">
-                <a:solidFill>
-                  <a:srgbClr val="2AA198"/>
-                </a:solidFill>
-                <a:latin typeface="Consolas" panose="020B0609020204030204"/>
-                <a:ea typeface="Consolas" panose="020B0609020204030204"/>
-              </a:rPr>
-              <a:t>create</a:t>
-            </a:r>
-            <a:endParaRPr lang="en-US" sz="1400" b="0" strike="noStrike" spc="-1">
-              <a:latin typeface="Arial" panose="020B0604020202020204"/>
-            </a:endParaRPr>
-          </a:p>
-          <a:p>
-            <a:r>
-              <a:rPr lang="en-US" sz="1400" b="0" strike="noStrike" spc="-1">
-                <a:solidFill>
-                  <a:srgbClr val="000000"/>
-                </a:solidFill>
-                <a:latin typeface="Consolas" panose="020B0609020204030204"/>
-                <a:ea typeface="Consolas" panose="020B0609020204030204"/>
-              </a:rPr>
-              <a:t>spring.jpa.properties.javax.persistence.schema-generation.scripts.create-target=</a:t>
-            </a:r>
-            <a:r>
-              <a:rPr lang="en-US" sz="1400" b="0" strike="noStrike" spc="-1">
-                <a:solidFill>
-                  <a:srgbClr val="2AA198"/>
-                </a:solidFill>
-                <a:latin typeface="Consolas" panose="020B0609020204030204"/>
-                <a:ea typeface="Consolas" panose="020B0609020204030204"/>
-              </a:rPr>
-              <a:t>create.sql</a:t>
-            </a:r>
-            <a:endParaRPr lang="en-US" sz="1400" b="0" strike="noStrike" spc="-1">
-              <a:latin typeface="Arial" panose="020B0604020202020204"/>
-            </a:endParaRPr>
-          </a:p>
-          <a:p>
-            <a:endParaRPr lang="en-US" sz="1400" b="0" strike="noStrike" spc="-1">
-              <a:latin typeface="Arial" panose="020B0604020202020204"/>
-            </a:endParaRPr>
-          </a:p>
-          <a:p>
-            <a:endParaRPr lang="en-US" sz="1400" b="0" strike="noStrike" spc="-1">
-              <a:latin typeface="Arial" panose="020B0604020202020204"/>
-            </a:endParaRPr>
-          </a:p>
-          <a:p>
-            <a:endParaRPr lang="en-US" sz="1400" b="0" strike="noStrike" spc="-1">
-              <a:latin typeface="Arial" panose="020B0604020202020204"/>
-            </a:endParaRPr>
-          </a:p>
-          <a:p>
-            <a:endParaRPr lang="en-US" sz="1400" b="0" strike="noStrike" spc="-1">
-              <a:latin typeface="Arial" panose="020B0604020202020204"/>
-            </a:endParaRPr>
-          </a:p>
-          <a:p>
-            <a:endParaRPr lang="en-US" sz="1400" b="0" strike="noStrike" spc="-1">
-              <a:latin typeface="Arial" panose="020B0604020202020204"/>
-            </a:endParaRPr>
-          </a:p>
-          <a:p>
-            <a:r>
-              <a:rPr lang="en-US" sz="1400" b="0" strike="noStrike" spc="-1">
-                <a:solidFill>
-                  <a:srgbClr val="2AA198"/>
-                </a:solidFill>
-                <a:latin typeface="Consolas" panose="020B0609020204030204"/>
-                <a:ea typeface="Consolas" panose="020B0609020204030204"/>
-              </a:rPr>
-              <a:t>And RUN: mvn clean install</a:t>
-            </a:r>
-            <a:endParaRPr lang="en-US" sz="1400" b="0" strike="noStrike" spc="-1">
-              <a:latin typeface="Arial" panose="020B0604020202020204"/>
-            </a:endParaRPr>
-          </a:p>
-        </p:txBody>
-      </p:sp>
-    </p:spTree>
-  </p:cSld>
-  <p:clrMapOvr>
-    <a:masterClrMapping/>
-  </p:clrMapOvr>
-  <mc:AlternateContent xmlns:mc="http://schemas.openxmlformats.org/markup-compatibility/2006">
-    <mc:Choice xmlns:p14="http://schemas.microsoft.com/office/powerpoint/2010/main" Requires="p14">
-      <p:transition spd="slow" p14:dur="2000"/>
-    </mc:Choice>
-    <mc:Fallback>
+    <mc:Fallback xmlns="">
       <p:transition spd="slow"/>
     </mc:Fallback>
   </mc:AlternateContent>
@@ -6123,9 +5890,6 @@
               </a:rPr>
               <a:t>Overview</a:t>
             </a:r>
-            <a:endParaRPr lang="en-US" sz="4400" b="0" strike="noStrike" spc="-1">
-              <a:latin typeface="Arial" panose="020B0604020202020204"/>
-            </a:endParaRPr>
           </a:p>
         </p:txBody>
       </p:sp>
@@ -6138,7 +5902,7 @@
           <p:nvPr/>
         </p:nvPicPr>
         <p:blipFill>
-          <a:blip r:embed="rId1"/>
+          <a:blip r:embed="rId2"/>
           <a:stretch>
             <a:fillRect/>
           </a:stretch>
@@ -6158,11 +5922,11 @@
   <p:clrMapOvr>
     <a:masterClrMapping/>
   </p:clrMapOvr>
-  <mc:AlternateContent xmlns:mc="http://schemas.openxmlformats.org/markup-compatibility/2006">
-    <mc:Choice xmlns:p14="http://schemas.microsoft.com/office/powerpoint/2010/main" Requires="p14">
+  <mc:AlternateContent xmlns:mc="http://schemas.openxmlformats.org/markup-compatibility/2006" xmlns:p14="http://schemas.microsoft.com/office/powerpoint/2010/main">
+    <mc:Choice Requires="p14">
       <p:transition spd="slow" p14:dur="2000"/>
     </mc:Choice>
-    <mc:Fallback>
+    <mc:Fallback xmlns="">
       <p:transition spd="slow"/>
     </mc:Fallback>
   </mc:AlternateContent>
@@ -6177,6 +5941,248 @@
 </file>
 
 <file path=ppt/slides/slide20.xml><?xml version="1.0" encoding="utf-8"?>
+<p:sld xmlns:a="http://schemas.openxmlformats.org/drawingml/2006/main" xmlns:r="http://schemas.openxmlformats.org/officeDocument/2006/relationships" xmlns:p="http://schemas.openxmlformats.org/presentationml/2006/main">
+  <p:cSld>
+    <p:spTree>
+      <p:nvGrpSpPr>
+        <p:cNvPr id="1" name=""/>
+        <p:cNvGrpSpPr/>
+        <p:nvPr/>
+      </p:nvGrpSpPr>
+      <p:grpSpPr>
+        <a:xfrm>
+          <a:off x="0" y="0"/>
+          <a:ext cx="0" cy="0"/>
+          <a:chOff x="0" y="0"/>
+          <a:chExt cx="0" cy="0"/>
+        </a:xfrm>
+      </p:grpSpPr>
+      <p:sp>
+        <p:nvSpPr>
+          <p:cNvPr id="62" name="TextShape 1"/>
+          <p:cNvSpPr txBox="1"/>
+          <p:nvPr/>
+        </p:nvSpPr>
+        <p:spPr>
+          <a:xfrm>
+            <a:off x="504000" y="301320"/>
+            <a:ext cx="9071640" cy="1262160"/>
+          </a:xfrm>
+          <a:prstGeom prst="rect">
+            <a:avLst/>
+          </a:prstGeom>
+          <a:noFill/>
+          <a:ln>
+            <a:noFill/>
+          </a:ln>
+        </p:spPr>
+        <p:txBody>
+          <a:bodyPr lIns="0" tIns="0" rIns="0" bIns="0" anchor="ctr">
+            <a:spAutoFit/>
+          </a:bodyPr>
+          <a:lstStyle/>
+          <a:p>
+            <a:pPr algn="ctr"/>
+            <a:r>
+              <a:rPr lang="en-US" sz="4400" b="0" strike="noStrike" spc="-1">
+                <a:latin typeface="Arial" panose="020B0604020202020204"/>
+              </a:rPr>
+              <a:t>Spring Data JPA </a:t>
+            </a:r>
+          </a:p>
+        </p:txBody>
+      </p:sp>
+      <p:sp>
+        <p:nvSpPr>
+          <p:cNvPr id="63" name="TextShape 2"/>
+          <p:cNvSpPr txBox="1"/>
+          <p:nvPr/>
+        </p:nvSpPr>
+        <p:spPr>
+          <a:xfrm>
+            <a:off x="7560" y="2058480"/>
+            <a:ext cx="10051560" cy="3422880"/>
+          </a:xfrm>
+          <a:prstGeom prst="rect">
+            <a:avLst/>
+          </a:prstGeom>
+          <a:noFill/>
+          <a:ln>
+            <a:noFill/>
+          </a:ln>
+        </p:spPr>
+        <p:txBody>
+          <a:bodyPr lIns="90000" tIns="45000" rIns="90000" bIns="45000">
+            <a:spAutoFit/>
+          </a:bodyPr>
+          <a:lstStyle/>
+          <a:p>
+            <a:r>
+              <a:rPr lang="en-US" sz="1400" b="0" strike="noStrike" spc="-1">
+                <a:latin typeface="Arial" panose="020B0604020202020204"/>
+              </a:rPr>
+              <a:t>Generate database script in Spring boot:</a:t>
+            </a:r>
+          </a:p>
+          <a:p>
+            <a:endParaRPr lang="en-US" sz="1400" b="0" strike="noStrike" spc="-1">
+              <a:latin typeface="Arial" panose="020B0604020202020204"/>
+            </a:endParaRPr>
+          </a:p>
+          <a:p>
+            <a:r>
+              <a:rPr lang="en-US" sz="1400" b="0" strike="noStrike" spc="-1">
+                <a:latin typeface="Arial" panose="020B0604020202020204"/>
+              </a:rPr>
+              <a:t>Add config into application.properties</a:t>
+            </a:r>
+          </a:p>
+          <a:p>
+            <a:endParaRPr lang="en-US" sz="1400" b="0" strike="noStrike" spc="-1">
+              <a:latin typeface="Arial" panose="020B0604020202020204"/>
+            </a:endParaRPr>
+          </a:p>
+          <a:p>
+            <a:r>
+              <a:rPr lang="en-US" sz="1400" b="0" strike="noStrike" spc="-1">
+                <a:solidFill>
+                  <a:srgbClr val="000000"/>
+                </a:solidFill>
+                <a:latin typeface="Consolas" panose="020B0609020204030204"/>
+                <a:ea typeface="Consolas" panose="020B0609020204030204"/>
+              </a:rPr>
+              <a:t>spring.jpa.properties.javax.persistence.schema-generation.create-source=</a:t>
+            </a:r>
+            <a:r>
+              <a:rPr lang="en-US" sz="1400" b="0" strike="noStrike" spc="-1">
+                <a:solidFill>
+                  <a:srgbClr val="2AA198"/>
+                </a:solidFill>
+                <a:latin typeface="Consolas" panose="020B0609020204030204"/>
+                <a:ea typeface="Consolas" panose="020B0609020204030204"/>
+              </a:rPr>
+              <a:t>metadata</a:t>
+            </a:r>
+            <a:endParaRPr lang="en-US" sz="1400" b="0" strike="noStrike" spc="-1">
+              <a:latin typeface="Arial" panose="020B0604020202020204"/>
+            </a:endParaRPr>
+          </a:p>
+          <a:p>
+            <a:r>
+              <a:rPr lang="en-US" sz="1400" b="0" strike="noStrike" spc="-1">
+                <a:solidFill>
+                  <a:srgbClr val="000000"/>
+                </a:solidFill>
+                <a:latin typeface="Consolas" panose="020B0609020204030204"/>
+                <a:ea typeface="Consolas" panose="020B0609020204030204"/>
+              </a:rPr>
+              <a:t>spring.jpa.properties.javax.persistence.schema-generation.scripts.action=</a:t>
+            </a:r>
+            <a:r>
+              <a:rPr lang="en-US" sz="1400" b="0" strike="noStrike" spc="-1">
+                <a:solidFill>
+                  <a:srgbClr val="2AA198"/>
+                </a:solidFill>
+                <a:latin typeface="Consolas" panose="020B0609020204030204"/>
+                <a:ea typeface="Consolas" panose="020B0609020204030204"/>
+              </a:rPr>
+              <a:t>create</a:t>
+            </a:r>
+            <a:endParaRPr lang="en-US" sz="1400" b="0" strike="noStrike" spc="-1">
+              <a:latin typeface="Arial" panose="020B0604020202020204"/>
+            </a:endParaRPr>
+          </a:p>
+          <a:p>
+            <a:r>
+              <a:rPr lang="en-US" sz="1400" b="0" strike="noStrike" spc="-1">
+                <a:solidFill>
+                  <a:srgbClr val="000000"/>
+                </a:solidFill>
+                <a:latin typeface="Consolas" panose="020B0609020204030204"/>
+                <a:ea typeface="Consolas" panose="020B0609020204030204"/>
+              </a:rPr>
+              <a:t>spring.jpa.properties.javax.persistence.schema-generation.scripts.create-target=</a:t>
+            </a:r>
+            <a:r>
+              <a:rPr lang="en-US" sz="1400" b="0" strike="noStrike" spc="-1">
+                <a:solidFill>
+                  <a:srgbClr val="2AA198"/>
+                </a:solidFill>
+                <a:latin typeface="Consolas" panose="020B0609020204030204"/>
+                <a:ea typeface="Consolas" panose="020B0609020204030204"/>
+              </a:rPr>
+              <a:t>create.sql</a:t>
+            </a:r>
+            <a:endParaRPr lang="en-US" sz="1400" b="0" strike="noStrike" spc="-1">
+              <a:latin typeface="Arial" panose="020B0604020202020204"/>
+            </a:endParaRPr>
+          </a:p>
+          <a:p>
+            <a:endParaRPr lang="en-US" sz="1400" b="0" strike="noStrike" spc="-1">
+              <a:latin typeface="Arial" panose="020B0604020202020204"/>
+            </a:endParaRPr>
+          </a:p>
+          <a:p>
+            <a:endParaRPr lang="en-US" sz="1400" b="0" strike="noStrike" spc="-1">
+              <a:latin typeface="Arial" panose="020B0604020202020204"/>
+            </a:endParaRPr>
+          </a:p>
+          <a:p>
+            <a:endParaRPr lang="en-US" sz="1400" b="0" strike="noStrike" spc="-1">
+              <a:latin typeface="Arial" panose="020B0604020202020204"/>
+            </a:endParaRPr>
+          </a:p>
+          <a:p>
+            <a:endParaRPr lang="en-US" sz="1400" b="0" strike="noStrike" spc="-1">
+              <a:latin typeface="Arial" panose="020B0604020202020204"/>
+            </a:endParaRPr>
+          </a:p>
+          <a:p>
+            <a:endParaRPr lang="en-US" sz="1400" b="0" strike="noStrike" spc="-1">
+              <a:latin typeface="Arial" panose="020B0604020202020204"/>
+            </a:endParaRPr>
+          </a:p>
+          <a:p>
+            <a:r>
+              <a:rPr lang="en-US" sz="1400" b="0" strike="noStrike" spc="-1">
+                <a:solidFill>
+                  <a:srgbClr val="2AA198"/>
+                </a:solidFill>
+                <a:latin typeface="Consolas" panose="020B0609020204030204"/>
+                <a:ea typeface="Consolas" panose="020B0609020204030204"/>
+              </a:rPr>
+              <a:t>And RUN: mvn clean install</a:t>
+            </a:r>
+            <a:endParaRPr lang="en-US" sz="1400" b="0" strike="noStrike" spc="-1">
+              <a:latin typeface="Arial" panose="020B0604020202020204"/>
+            </a:endParaRPr>
+          </a:p>
+        </p:txBody>
+      </p:sp>
+    </p:spTree>
+  </p:cSld>
+  <p:clrMapOvr>
+    <a:masterClrMapping/>
+  </p:clrMapOvr>
+  <mc:AlternateContent xmlns:mc="http://schemas.openxmlformats.org/markup-compatibility/2006" xmlns:p14="http://schemas.microsoft.com/office/powerpoint/2010/main">
+    <mc:Choice Requires="p14">
+      <p:transition spd="slow" p14:dur="2000"/>
+    </mc:Choice>
+    <mc:Fallback xmlns="">
+      <p:transition spd="slow"/>
+    </mc:Fallback>
+  </mc:AlternateContent>
+  <p:timing>
+    <p:tnLst>
+      <p:par>
+        <p:cTn id="1" dur="indefinite" restart="never" nodeType="tmRoot"/>
+      </p:par>
+    </p:tnLst>
+  </p:timing>
+</p:sld>
+</file>
+
+<file path=ppt/slides/slide21.xml><?xml version="1.0" encoding="utf-8"?>
 <p:sld xmlns:a="http://schemas.openxmlformats.org/drawingml/2006/main" xmlns:r="http://schemas.openxmlformats.org/officeDocument/2006/relationships" xmlns:p="http://schemas.openxmlformats.org/presentationml/2006/main">
   <p:cSld>
     <p:spTree>
@@ -6225,9 +6231,6 @@
               </a:rPr>
               <a:t>Spring Security JWT</a:t>
             </a:r>
-            <a:endParaRPr lang="en-US" sz="4400" b="0" strike="noStrike" spc="-1">
-              <a:latin typeface="Arial" panose="020B0604020202020204"/>
-            </a:endParaRPr>
           </a:p>
         </p:txBody>
       </p:sp>
@@ -6238,7 +6241,7 @@
           <p:nvPr/>
         </p:nvPicPr>
         <p:blipFill>
-          <a:blip r:embed="rId1"/>
+          <a:blip r:embed="rId2"/>
           <a:stretch>
             <a:fillRect/>
           </a:stretch>
@@ -6261,11 +6264,11 @@
   <p:clrMapOvr>
     <a:masterClrMapping/>
   </p:clrMapOvr>
-  <mc:AlternateContent xmlns:mc="http://schemas.openxmlformats.org/markup-compatibility/2006">
-    <mc:Choice xmlns:p14="http://schemas.microsoft.com/office/powerpoint/2010/main" Requires="p14">
+  <mc:AlternateContent xmlns:mc="http://schemas.openxmlformats.org/markup-compatibility/2006" xmlns:p14="http://schemas.microsoft.com/office/powerpoint/2010/main">
+    <mc:Choice Requires="p14">
       <p:transition spd="slow" p14:dur="2000"/>
     </mc:Choice>
-    <mc:Fallback>
+    <mc:Fallback xmlns="">
       <p:transition spd="slow"/>
     </mc:Fallback>
   </mc:AlternateContent>
@@ -6279,7 +6282,7 @@
 </p:sld>
 </file>
 
-<file path=ppt/slides/slide21.xml><?xml version="1.0" encoding="utf-8"?>
+<file path=ppt/slides/slide22.xml><?xml version="1.0" encoding="utf-8"?>
 <p:sld xmlns:a="http://schemas.openxmlformats.org/drawingml/2006/main" xmlns:r="http://schemas.openxmlformats.org/officeDocument/2006/relationships" xmlns:p="http://schemas.openxmlformats.org/presentationml/2006/main">
   <p:cSld>
     <p:spTree>
@@ -6370,9 +6373,6 @@
               </a:rPr>
               <a:t>OAuth là một phương thức chứng thực giúp các ứng dụng có thể chia sẻ tài nguyên với nhau mà không cần chia sẻ thông tin username và password. Từ Auth ở đây mang 2 nghĩa:</a:t>
             </a:r>
-            <a:endParaRPr lang="en-US" sz="1600" b="0" strike="noStrike" spc="-1">
-              <a:latin typeface="Arial" panose="020B0604020202020204"/>
-            </a:endParaRPr>
           </a:p>
           <a:p>
             <a:pPr marL="215900" indent="-215900">
@@ -6398,9 +6398,6 @@
               </a:rPr>
               <a:t>: xác thực người dùng thông qua việc đăng nhập.</a:t>
             </a:r>
-            <a:endParaRPr lang="en-US" sz="1600" b="0" strike="noStrike" spc="-1">
-              <a:latin typeface="Arial" panose="020B0604020202020204"/>
-            </a:endParaRPr>
           </a:p>
           <a:p>
             <a:pPr marL="215900" indent="-215900">
@@ -6426,9 +6423,6 @@
               </a:rPr>
               <a:t>: cấp quyền truy cập vào các Resource.</a:t>
             </a:r>
-            <a:endParaRPr lang="en-US" sz="1600" b="0" strike="noStrike" spc="-1">
-              <a:latin typeface="Arial" panose="020B0604020202020204"/>
-            </a:endParaRPr>
           </a:p>
         </p:txBody>
       </p:sp>
@@ -6463,9 +6457,6 @@
               </a:rPr>
               <a:t>OAuth2 làm việc với 4 đối tượng mang những vai trò riêng:</a:t>
             </a:r>
-            <a:endParaRPr lang="en-US" sz="1600" b="0" strike="noStrike" spc="-1">
-              <a:latin typeface="Arial" panose="020B0604020202020204"/>
-            </a:endParaRPr>
           </a:p>
           <a:p>
             <a:pPr marL="215900" indent="-215900">
@@ -6491,9 +6482,6 @@
               </a:rPr>
               <a:t> (User): Là những người dùng ủy quyền cho ứng dụng cho phép truy cập tài khoản của họ. Sau đó ứng dụng được phép truy cập vào những dữ liệu người dùng nhưng bị giới hạn bởi những phạm vi (scope) được cấp phép. (VD: chỉ đọc hay được quyền ghi dữ liệu) =&gt; chính là bạn.</a:t>
             </a:r>
-            <a:endParaRPr lang="en-US" sz="1600" b="0" strike="noStrike" spc="-1">
-              <a:latin typeface="Arial" panose="020B0604020202020204"/>
-            </a:endParaRPr>
           </a:p>
           <a:p>
             <a:pPr marL="215900" indent="-215900">
@@ -6519,9 +6507,6 @@
               </a:rPr>
               <a:t>(Application): Là những ứng dụng mong muốn truy cập vào dữ liệu người dùng. Trước khi được phép tương tác với dữ liệu thì ứng dụng này phải qua bước ủy quyền của User, và phải được kiểm tra xác nhận thông qua API. =&gt; Có thể hiểu là các ứng dụng sử dụng Facebook, Twitter, Google API chẳng hạn.</a:t>
             </a:r>
-            <a:endParaRPr lang="en-US" sz="1600" b="0" strike="noStrike" spc="-1">
-              <a:latin typeface="Arial" panose="020B0604020202020204"/>
-            </a:endParaRPr>
           </a:p>
           <a:p>
             <a:pPr marL="215900" indent="-215900">
@@ -6547,9 +6532,6 @@
               </a:rPr>
               <a:t> (API): Nơi lưu trữ thông tin tài khoản của User và được bảo mật.</a:t>
             </a:r>
-            <a:endParaRPr lang="en-US" sz="1600" b="0" strike="noStrike" spc="-1">
-              <a:latin typeface="Arial" panose="020B0604020202020204"/>
-            </a:endParaRPr>
           </a:p>
           <a:p>
             <a:pPr marL="215900" indent="-215900">
@@ -6575,9 +6557,6 @@
               </a:rPr>
               <a:t> (API): làm nhiệm vụ kiểm tra thông tin user (VD: ID), sau đó cấp quyền truy cập cho Application thông qua việc phát sinh "access token".</a:t>
             </a:r>
-            <a:endParaRPr lang="en-US" sz="1600" b="0" strike="noStrike" spc="-1">
-              <a:latin typeface="Arial" panose="020B0604020202020204"/>
-            </a:endParaRPr>
           </a:p>
         </p:txBody>
       </p:sp>
@@ -6586,11 +6565,11 @@
   <p:clrMapOvr>
     <a:masterClrMapping/>
   </p:clrMapOvr>
-  <mc:AlternateContent xmlns:mc="http://schemas.openxmlformats.org/markup-compatibility/2006">
-    <mc:Choice xmlns:p14="http://schemas.microsoft.com/office/powerpoint/2010/main" Requires="p14">
+  <mc:AlternateContent xmlns:mc="http://schemas.openxmlformats.org/markup-compatibility/2006" xmlns:p14="http://schemas.microsoft.com/office/powerpoint/2010/main">
+    <mc:Choice Requires="p14">
       <p:transition spd="slow" p14:dur="2000"/>
     </mc:Choice>
-    <mc:Fallback>
+    <mc:Fallback xmlns="">
       <p:transition spd="slow"/>
     </mc:Fallback>
   </mc:AlternateContent>
@@ -6604,7 +6583,7 @@
 </p:sld>
 </file>
 
-<file path=ppt/slides/slide22.xml><?xml version="1.0" encoding="utf-8"?>
+<file path=ppt/slides/slide23.xml><?xml version="1.0" encoding="utf-8"?>
 <p:sld xmlns:a="http://schemas.openxmlformats.org/drawingml/2006/main" xmlns:r="http://schemas.openxmlformats.org/officeDocument/2006/relationships" xmlns:p="http://schemas.openxmlformats.org/presentationml/2006/main">
   <p:cSld>
     <p:spTree>
@@ -6666,7 +6645,7 @@
           <p:nvPr/>
         </p:nvPicPr>
         <p:blipFill>
-          <a:blip r:embed="rId1"/>
+          <a:blip r:embed="rId2"/>
           <a:stretch>
             <a:fillRect/>
           </a:stretch>
@@ -6689,18 +6668,18 @@
   <p:clrMapOvr>
     <a:masterClrMapping/>
   </p:clrMapOvr>
-  <mc:AlternateContent xmlns:mc="http://schemas.openxmlformats.org/markup-compatibility/2006">
-    <mc:Choice xmlns:p14="http://schemas.microsoft.com/office/powerpoint/2010/main" Requires="p14">
+  <mc:AlternateContent xmlns:mc="http://schemas.openxmlformats.org/markup-compatibility/2006" xmlns:p14="http://schemas.microsoft.com/office/powerpoint/2010/main">
+    <mc:Choice Requires="p14">
       <p:transition spd="slow" p14:dur="2000"/>
     </mc:Choice>
-    <mc:Fallback>
+    <mc:Fallback xmlns="">
       <p:transition spd="slow"/>
     </mc:Fallback>
   </mc:AlternateContent>
 </p:sld>
 </file>
 
-<file path=ppt/slides/slide23.xml><?xml version="1.0" encoding="utf-8"?>
+<file path=ppt/slides/slide24.xml><?xml version="1.0" encoding="utf-8"?>
 <p:sld xmlns:a="http://schemas.openxmlformats.org/drawingml/2006/main" xmlns:r="http://schemas.openxmlformats.org/officeDocument/2006/relationships" xmlns:p="http://schemas.openxmlformats.org/presentationml/2006/main">
   <p:cSld>
     <p:spTree>
@@ -6791,9 +6770,6 @@
               </a:rPr>
               <a:t>Ví dụ ta có roles trong trường hợp như sau:</a:t>
             </a:r>
-            <a:endParaRPr lang="en-US" sz="2000" b="0" strike="noStrike" spc="-1">
-              <a:latin typeface="Arial" panose="020B0604020202020204"/>
-            </a:endParaRPr>
           </a:p>
           <a:p>
             <a:pPr>
@@ -6823,9 +6799,6 @@
               </a:rPr>
               <a:t>Resource Owner: Mình</a:t>
             </a:r>
-            <a:endParaRPr lang="en-US" sz="2000" b="0" strike="noStrike" spc="-1">
-              <a:latin typeface="Arial" panose="020B0604020202020204"/>
-            </a:endParaRPr>
           </a:p>
           <a:p>
             <a:pPr marL="215900" indent="-215900">
@@ -6845,9 +6818,6 @@
               </a:rPr>
               <a:t>Resource Server: Facebook server</a:t>
             </a:r>
-            <a:endParaRPr lang="en-US" sz="2000" b="0" strike="noStrike" spc="-1">
-              <a:latin typeface="Arial" panose="020B0604020202020204"/>
-            </a:endParaRPr>
           </a:p>
           <a:p>
             <a:pPr marL="215900" indent="-215900">
@@ -6867,9 +6837,6 @@
               </a:rPr>
               <a:t>Client: Website Viblo</a:t>
             </a:r>
-            <a:endParaRPr lang="en-US" sz="2000" b="0" strike="noStrike" spc="-1">
-              <a:latin typeface="Arial" panose="020B0604020202020204"/>
-            </a:endParaRPr>
           </a:p>
           <a:p>
             <a:pPr marL="215900" indent="-215900">
@@ -6889,9 +6856,6 @@
               </a:rPr>
               <a:t>Authorization Server: Facebook server</a:t>
             </a:r>
-            <a:endParaRPr lang="en-US" sz="2000" b="0" strike="noStrike" spc="-1">
-              <a:latin typeface="Arial" panose="020B0604020202020204"/>
-            </a:endParaRPr>
           </a:p>
         </p:txBody>
       </p:sp>
@@ -6963,9 +6927,6 @@
               </a:rPr>
               <a:t>The OAuth 2.0 Authorization Framework</a:t>
             </a:r>
-            <a:endParaRPr lang="en-US" sz="1800" b="0" strike="noStrike" spc="-1">
-              <a:latin typeface="Arial" panose="020B0604020202020204"/>
-            </a:endParaRPr>
           </a:p>
         </p:txBody>
       </p:sp>
@@ -7011,18 +6972,18 @@
   <p:clrMapOvr>
     <a:masterClrMapping/>
   </p:clrMapOvr>
-  <mc:AlternateContent xmlns:mc="http://schemas.openxmlformats.org/markup-compatibility/2006">
-    <mc:Choice xmlns:p14="http://schemas.microsoft.com/office/powerpoint/2010/main" Requires="p14">
+  <mc:AlternateContent xmlns:mc="http://schemas.openxmlformats.org/markup-compatibility/2006" xmlns:p14="http://schemas.microsoft.com/office/powerpoint/2010/main">
+    <mc:Choice Requires="p14">
       <p:transition spd="slow" p14:dur="2000"/>
     </mc:Choice>
-    <mc:Fallback>
+    <mc:Fallback xmlns="">
       <p:transition spd="slow"/>
     </mc:Fallback>
   </mc:AlternateContent>
 </p:sld>
 </file>
 
-<file path=ppt/slides/slide24.xml><?xml version="1.0" encoding="utf-8"?>
+<file path=ppt/slides/slide25.xml><?xml version="1.0" encoding="utf-8"?>
 <p:sld xmlns:a="http://schemas.openxmlformats.org/drawingml/2006/main" xmlns:r="http://schemas.openxmlformats.org/officeDocument/2006/relationships" xmlns:p="http://schemas.openxmlformats.org/presentationml/2006/main">
   <p:cSld>
     <p:spTree>
@@ -7113,9 +7074,6 @@
               </a:rPr>
               <a:t>Ví dụ ta có roles trong trường hợp như sau:</a:t>
             </a:r>
-            <a:endParaRPr lang="en-US" sz="2000" b="0" strike="noStrike" spc="-1">
-              <a:latin typeface="Arial" panose="020B0604020202020204"/>
-            </a:endParaRPr>
           </a:p>
           <a:p>
             <a:pPr marL="215900" indent="-215900">
@@ -7135,9 +7093,6 @@
               </a:rPr>
               <a:t>Resource Owner: Mình</a:t>
             </a:r>
-            <a:endParaRPr lang="en-US" sz="2000" b="0" strike="noStrike" spc="-1">
-              <a:latin typeface="Arial" panose="020B0604020202020204"/>
-            </a:endParaRPr>
           </a:p>
           <a:p>
             <a:pPr marL="215900" indent="-215900">
@@ -7157,9 +7112,6 @@
               </a:rPr>
               <a:t>Resource Server: Facebook server</a:t>
             </a:r>
-            <a:endParaRPr lang="en-US" sz="2000" b="0" strike="noStrike" spc="-1">
-              <a:latin typeface="Arial" panose="020B0604020202020204"/>
-            </a:endParaRPr>
           </a:p>
           <a:p>
             <a:pPr marL="215900" indent="-215900">
@@ -7179,9 +7131,6 @@
               </a:rPr>
               <a:t>Client: Website Viblo</a:t>
             </a:r>
-            <a:endParaRPr lang="en-US" sz="2000" b="0" strike="noStrike" spc="-1">
-              <a:latin typeface="Arial" panose="020B0604020202020204"/>
-            </a:endParaRPr>
           </a:p>
           <a:p>
             <a:pPr marL="215900" indent="-215900">
@@ -7201,9 +7150,6 @@
               </a:rPr>
               <a:t>Authorization Server: Facebook server</a:t>
             </a:r>
-            <a:endParaRPr lang="en-US" sz="2000" b="0" strike="noStrike" spc="-1">
-              <a:latin typeface="Arial" panose="020B0604020202020204"/>
-            </a:endParaRPr>
           </a:p>
         </p:txBody>
       </p:sp>
@@ -7238,9 +7184,6 @@
               </a:rPr>
               <a:t>https://viblo.asia/p/introduction-to-oauth2-3OEqGjDpR9bL</a:t>
             </a:r>
-            <a:endParaRPr lang="en-US" sz="1800" b="0" strike="noStrike" spc="-1">
-              <a:latin typeface="Arial" panose="020B0604020202020204"/>
-            </a:endParaRPr>
           </a:p>
         </p:txBody>
       </p:sp>
@@ -7249,18 +7192,18 @@
   <p:clrMapOvr>
     <a:masterClrMapping/>
   </p:clrMapOvr>
-  <mc:AlternateContent xmlns:mc="http://schemas.openxmlformats.org/markup-compatibility/2006">
-    <mc:Choice xmlns:p14="http://schemas.microsoft.com/office/powerpoint/2010/main" Requires="p14">
+  <mc:AlternateContent xmlns:mc="http://schemas.openxmlformats.org/markup-compatibility/2006" xmlns:p14="http://schemas.microsoft.com/office/powerpoint/2010/main">
+    <mc:Choice Requires="p14">
       <p:transition spd="slow" p14:dur="2000"/>
     </mc:Choice>
-    <mc:Fallback>
+    <mc:Fallback xmlns="">
       <p:transition spd="slow"/>
     </mc:Fallback>
   </mc:AlternateContent>
 </p:sld>
 </file>
 
-<file path=ppt/slides/slide25.xml><?xml version="1.0" encoding="utf-8"?>
+<file path=ppt/slides/slide26.xml><?xml version="1.0" encoding="utf-8"?>
 <p:sld xmlns:a="http://schemas.openxmlformats.org/drawingml/2006/main" xmlns:r="http://schemas.openxmlformats.org/officeDocument/2006/relationships" xmlns:p="http://schemas.openxmlformats.org/presentationml/2006/main">
   <p:cSld>
     <p:spTree>
@@ -7373,9 +7316,6 @@
               </a:rPr>
               <a:t>Từ Viblo, ta muốn login thông qua Facebook.</a:t>
             </a:r>
-            <a:endParaRPr lang="en-US" sz="1800" b="0" strike="noStrike" spc="-1">
-              <a:latin typeface="Arial" panose="020B0604020202020204"/>
-            </a:endParaRPr>
           </a:p>
           <a:p>
             <a:pPr marL="215900" indent="-215900">
@@ -7395,9 +7335,6 @@
               </a:rPr>
               <a:t>Browser redirect tới trang chứng thực của Facebook (Authorization Server).</a:t>
             </a:r>
-            <a:endParaRPr lang="en-US" sz="1800" b="0" strike="noStrike" spc="-1">
-              <a:latin typeface="Arial" panose="020B0604020202020204"/>
-            </a:endParaRPr>
           </a:p>
           <a:p>
             <a:pPr marL="215900" indent="-215900">
@@ -7417,9 +7354,6 @@
               </a:rPr>
               <a:t>Nếu ta cho phép truy cập, browser sẽ redirect ta về Viblo cùng với Access Token trên URI. Ví dụ như callback: http://viblo.asia/auth/callback&amp;access_token=MynBTzUGYX8bHTnyLpZ4</a:t>
             </a:r>
-            <a:endParaRPr lang="en-US" sz="1800" b="0" strike="noStrike" spc="-1">
-              <a:latin typeface="Arial" panose="020B0604020202020204"/>
-            </a:endParaRPr>
           </a:p>
           <a:p>
             <a:pPr marL="215900" indent="-215900">
@@ -7439,9 +7373,6 @@
               </a:rPr>
               <a:t>Access token này sẽ được client lấy và sử dụng khi truy cập tới Facebook lấy tài nguyên. Ví dụ: https://graph.facebook.com/me?access_token=MynBTzUGYX8bHTnyLpZ4</a:t>
             </a:r>
-            <a:endParaRPr lang="en-US" sz="1800" b="0" strike="noStrike" spc="-1">
-              <a:latin typeface="Arial" panose="020B0604020202020204"/>
-            </a:endParaRPr>
           </a:p>
           <a:p>
             <a:pPr>
@@ -7455,9 +7386,6 @@
               </a:rPr>
               <a:t>Facebook dựa vào Token, nhận ra là thanh niên đã đăng ký trước đó, cho phép truy cập và trả về dữ liệu.</a:t>
             </a:r>
-            <a:endParaRPr lang="en-US" sz="1800" b="0" strike="noStrike" spc="-1">
-              <a:latin typeface="Arial" panose="020B0604020202020204"/>
-            </a:endParaRPr>
           </a:p>
         </p:txBody>
       </p:sp>
@@ -7466,18 +7394,18 @@
   <p:clrMapOvr>
     <a:masterClrMapping/>
   </p:clrMapOvr>
-  <mc:AlternateContent xmlns:mc="http://schemas.openxmlformats.org/markup-compatibility/2006">
-    <mc:Choice xmlns:p14="http://schemas.microsoft.com/office/powerpoint/2010/main" Requires="p14">
+  <mc:AlternateContent xmlns:mc="http://schemas.openxmlformats.org/markup-compatibility/2006" xmlns:p14="http://schemas.microsoft.com/office/powerpoint/2010/main">
+    <mc:Choice Requires="p14">
       <p:transition spd="slow" p14:dur="2000"/>
     </mc:Choice>
-    <mc:Fallback>
+    <mc:Fallback xmlns="">
       <p:transition spd="slow"/>
     </mc:Fallback>
   </mc:AlternateContent>
 </p:sld>
 </file>
 
-<file path=ppt/slides/slide26.xml><?xml version="1.0" encoding="utf-8"?>
+<file path=ppt/slides/slide27.xml><?xml version="1.0" encoding="utf-8"?>
 <p:sld xmlns:a="http://schemas.openxmlformats.org/drawingml/2006/main" xmlns:r="http://schemas.openxmlformats.org/officeDocument/2006/relationships" xmlns:p="http://schemas.openxmlformats.org/presentationml/2006/main">
   <p:cSld>
     <p:spTree>
@@ -7596,9 +7524,6 @@
               </a:rPr>
               <a:t> used with server-side Applications</a:t>
             </a:r>
-            <a:endParaRPr lang="en-US" sz="1800" b="0" strike="noStrike" spc="-1">
-              <a:latin typeface="Arial" panose="020B0604020202020204"/>
-            </a:endParaRPr>
           </a:p>
           <a:p>
             <a:pPr marL="215900" indent="-215900">
@@ -7624,9 +7549,6 @@
               </a:rPr>
               <a:t>: used with Mobile Apps or Web Applications (applications that run on the user's device)</a:t>
             </a:r>
-            <a:endParaRPr lang="en-US" sz="1800" b="0" strike="noStrike" spc="-1">
-              <a:latin typeface="Arial" panose="020B0604020202020204"/>
-            </a:endParaRPr>
           </a:p>
           <a:p>
             <a:pPr marL="215900" indent="-215900">
@@ -7652,9 +7574,6 @@
               </a:rPr>
               <a:t>: used with trusted Applications, such as those owned by the service itself</a:t>
             </a:r>
-            <a:endParaRPr lang="en-US" sz="1800" b="0" strike="noStrike" spc="-1">
-              <a:latin typeface="Arial" panose="020B0604020202020204"/>
-            </a:endParaRPr>
           </a:p>
           <a:p>
             <a:pPr marL="215900" indent="-215900">
@@ -7680,9 +7599,6 @@
               </a:rPr>
               <a:t> used with Applications API access</a:t>
             </a:r>
-            <a:endParaRPr lang="en-US" sz="1800" b="0" strike="noStrike" spc="-1">
-              <a:latin typeface="Arial" panose="020B0604020202020204"/>
-            </a:endParaRPr>
           </a:p>
           <a:p>
             <a:pPr marL="215900" indent="-215900">
@@ -7729,18 +7645,18 @@
   <p:clrMapOvr>
     <a:masterClrMapping/>
   </p:clrMapOvr>
-  <mc:AlternateContent xmlns:mc="http://schemas.openxmlformats.org/markup-compatibility/2006">
-    <mc:Choice xmlns:p14="http://schemas.microsoft.com/office/powerpoint/2010/main" Requires="p14">
+  <mc:AlternateContent xmlns:mc="http://schemas.openxmlformats.org/markup-compatibility/2006" xmlns:p14="http://schemas.microsoft.com/office/powerpoint/2010/main">
+    <mc:Choice Requires="p14">
       <p:transition spd="slow" p14:dur="2000"/>
     </mc:Choice>
-    <mc:Fallback>
+    <mc:Fallback xmlns="">
       <p:transition spd="slow"/>
     </mc:Fallback>
   </mc:AlternateContent>
 </p:sld>
 </file>
 
-<file path=ppt/slides/slide27.xml><?xml version="1.0" encoding="utf-8"?>
+<file path=ppt/slides/slide28.xml><?xml version="1.0" encoding="utf-8"?>
 <p:sld xmlns:a="http://schemas.openxmlformats.org/drawingml/2006/main" xmlns:r="http://schemas.openxmlformats.org/officeDocument/2006/relationships" xmlns:p="http://schemas.openxmlformats.org/presentationml/2006/main">
   <p:cSld>
     <p:spTree>
@@ -7847,9 +7763,6 @@
               </a:rPr>
               <a:t>Java Message Service (JMS) API là một phần của kỹ thuật Java Enterprice Edition (JEE). JMS là tất cả những gì thuộc về việc gửi và nhận tin giữa hai hay nhiều client.- Nó là một đặc điểm kỹ thuật mô tả một phương thức tạo bởi trương trình Java cho việc tạo, gửi và nhận tin nhắn.- JMS API cho phép lới lỏng việc liên kết thông tin, và gửi tin một cách bất đồng bộ</a:t>
             </a:r>
-            <a:endParaRPr lang="en-US" sz="1800" b="0" strike="noStrike" spc="-1">
-              <a:latin typeface="Arial" panose="020B0604020202020204"/>
-            </a:endParaRPr>
           </a:p>
           <a:p>
             <a:pPr>
@@ -7868,18 +7781,18 @@
   <p:clrMapOvr>
     <a:masterClrMapping/>
   </p:clrMapOvr>
-  <mc:AlternateContent xmlns:mc="http://schemas.openxmlformats.org/markup-compatibility/2006">
-    <mc:Choice xmlns:p14="http://schemas.microsoft.com/office/powerpoint/2010/main" Requires="p14">
+  <mc:AlternateContent xmlns:mc="http://schemas.openxmlformats.org/markup-compatibility/2006" xmlns:p14="http://schemas.microsoft.com/office/powerpoint/2010/main">
+    <mc:Choice Requires="p14">
       <p:transition spd="slow" p14:dur="2000"/>
     </mc:Choice>
-    <mc:Fallback>
+    <mc:Fallback xmlns="">
       <p:transition spd="slow"/>
     </mc:Fallback>
   </mc:AlternateContent>
 </p:sld>
 </file>
 
-<file path=ppt/slides/slide28.xml><?xml version="1.0" encoding="utf-8"?>
+<file path=ppt/slides/slide29.xml><?xml version="1.0" encoding="utf-8"?>
 <p:sld xmlns:a="http://schemas.openxmlformats.org/drawingml/2006/main" xmlns:r="http://schemas.openxmlformats.org/officeDocument/2006/relationships" xmlns:p="http://schemas.openxmlformats.org/presentationml/2006/main">
   <p:cSld>
     <p:spTree>
@@ -8003,7 +7916,7 @@
           <p:nvPr/>
         </p:nvPicPr>
         <p:blipFill>
-          <a:blip r:embed="rId1"/>
+          <a:blip r:embed="rId2"/>
           <a:stretch>
             <a:fillRect/>
           </a:stretch>
@@ -8026,352 +7939,11 @@
   <p:clrMapOvr>
     <a:masterClrMapping/>
   </p:clrMapOvr>
-  <mc:AlternateContent xmlns:mc="http://schemas.openxmlformats.org/markup-compatibility/2006">
-    <mc:Choice xmlns:p14="http://schemas.microsoft.com/office/powerpoint/2010/main" Requires="p14">
+  <mc:AlternateContent xmlns:mc="http://schemas.openxmlformats.org/markup-compatibility/2006" xmlns:p14="http://schemas.microsoft.com/office/powerpoint/2010/main">
+    <mc:Choice Requires="p14">
       <p:transition spd="slow" p14:dur="2000"/>
     </mc:Choice>
-    <mc:Fallback>
-      <p:transition spd="slow"/>
-    </mc:Fallback>
-  </mc:AlternateContent>
-</p:sld>
-</file>
-
-<file path=ppt/slides/slide29.xml><?xml version="1.0" encoding="utf-8"?>
-<p:sld xmlns:a="http://schemas.openxmlformats.org/drawingml/2006/main" xmlns:r="http://schemas.openxmlformats.org/officeDocument/2006/relationships" xmlns:p="http://schemas.openxmlformats.org/presentationml/2006/main">
-  <p:cSld>
-    <p:spTree>
-      <p:nvGrpSpPr>
-        <p:cNvPr id="1" name=""/>
-        <p:cNvGrpSpPr/>
-        <p:nvPr/>
-      </p:nvGrpSpPr>
-      <p:grpSpPr>
-        <a:xfrm>
-          <a:off x="0" y="0"/>
-          <a:ext cx="0" cy="0"/>
-          <a:chOff x="0" y="0"/>
-          <a:chExt cx="0" cy="0"/>
-        </a:xfrm>
-      </p:grpSpPr>
-      <p:sp>
-        <p:nvSpPr>
-          <p:cNvPr id="88" name="TextShape 1"/>
-          <p:cNvSpPr txBox="1"/>
-          <p:nvPr/>
-        </p:nvSpPr>
-        <p:spPr>
-          <a:xfrm>
-            <a:off x="504000" y="301320"/>
-            <a:ext cx="9071640" cy="1262160"/>
-          </a:xfrm>
-          <a:prstGeom prst="rect">
-            <a:avLst/>
-          </a:prstGeom>
-          <a:noFill/>
-          <a:ln>
-            <a:noFill/>
-          </a:ln>
-        </p:spPr>
-        <p:txBody>
-          <a:bodyPr lIns="0" tIns="0" rIns="0" bIns="0" anchor="ctr">
-            <a:spAutoFit/>
-          </a:bodyPr>
-          <a:lstStyle/>
-          <a:p>
-            <a:pPr algn="ctr"/>
-            <a:r>
-              <a:rPr lang="en-US" sz="4400" b="1" strike="noStrike" spc="-1">
-                <a:latin typeface="Arial" panose="020B0604020202020204"/>
-              </a:rPr>
-              <a:t>JMS - ActiveMQ</a:t>
-            </a:r>
-            <a:endParaRPr lang="en-US" sz="4400" b="0" strike="noStrike" spc="-1">
-              <a:latin typeface="Arial" panose="020B0604020202020204"/>
-            </a:endParaRPr>
-          </a:p>
-        </p:txBody>
-      </p:sp>
-      <p:sp>
-        <p:nvSpPr>
-          <p:cNvPr id="89" name="TextShape 2"/>
-          <p:cNvSpPr txBox="1"/>
-          <p:nvPr/>
-        </p:nvSpPr>
-        <p:spPr>
-          <a:xfrm>
-            <a:off x="594720" y="1645920"/>
-            <a:ext cx="9006480" cy="5846760"/>
-          </a:xfrm>
-          <a:prstGeom prst="rect">
-            <a:avLst/>
-          </a:prstGeom>
-          <a:noFill/>
-          <a:ln>
-            <a:noFill/>
-          </a:ln>
-        </p:spPr>
-        <p:txBody>
-          <a:bodyPr lIns="90000" tIns="45000" rIns="90000" bIns="45000">
-            <a:spAutoFit/>
-          </a:bodyPr>
-          <a:lstStyle/>
-          <a:p>
-            <a:pPr>
-              <a:lnSpc>
-                <a:spcPct val="150000"/>
-              </a:lnSpc>
-            </a:pPr>
-            <a:r>
-              <a:rPr lang="en-US" sz="1800" b="1" strike="noStrike" spc="-1">
-                <a:latin typeface="Arial" panose="020B0604020202020204"/>
-              </a:rPr>
-              <a:t>Bao gồm các thành phần:</a:t>
-            </a:r>
-            <a:endParaRPr lang="en-US" sz="1800" b="0" strike="noStrike" spc="-1">
-              <a:latin typeface="Arial" panose="020B0604020202020204"/>
-            </a:endParaRPr>
-          </a:p>
-          <a:p>
-            <a:pPr>
-              <a:lnSpc>
-                <a:spcPct val="150000"/>
-              </a:lnSpc>
-            </a:pPr>
-            <a:r>
-              <a:rPr lang="en-US" sz="1800" b="1" strike="noStrike" spc="-1">
-                <a:latin typeface="Arial" panose="020B0604020202020204"/>
-              </a:rPr>
-              <a:t>Producer/Publisher:</a:t>
-            </a:r>
-            <a:r>
-              <a:rPr lang="en-US" sz="1800" b="0" strike="noStrike" spc="-1">
-                <a:latin typeface="Arial" panose="020B0604020202020204"/>
-              </a:rPr>
-              <a:t> Thành phần tạo và gửi tin Broker trung gian hay Message Oriented Middleware (MOM)</a:t>
-            </a:r>
-            <a:endParaRPr lang="en-US" sz="1800" b="0" strike="noStrike" spc="-1">
-              <a:latin typeface="Arial" panose="020B0604020202020204"/>
-            </a:endParaRPr>
-          </a:p>
-          <a:p>
-            <a:pPr>
-              <a:lnSpc>
-                <a:spcPct val="150000"/>
-              </a:lnSpc>
-            </a:pPr>
-            <a:r>
-              <a:rPr lang="en-US" sz="1800" b="1" strike="noStrike" spc="-1">
-                <a:latin typeface="Arial" panose="020B0604020202020204"/>
-              </a:rPr>
-              <a:t>Consumer/Subcriber:</a:t>
-            </a:r>
-            <a:r>
-              <a:rPr lang="en-US" sz="1800" b="0" strike="noStrike" spc="-1">
-                <a:latin typeface="Arial" panose="020B0604020202020204"/>
-              </a:rPr>
-              <a:t> Thành phần nhận tinProducer và Consumer là những ứng dụng Java. </a:t>
-            </a:r>
-            <a:endParaRPr lang="en-US" sz="1800" b="0" strike="noStrike" spc="-1">
-              <a:latin typeface="Arial" panose="020B0604020202020204"/>
-            </a:endParaRPr>
-          </a:p>
-          <a:p>
-            <a:pPr>
-              <a:lnSpc>
-                <a:spcPct val="150000"/>
-              </a:lnSpc>
-            </a:pPr>
-            <a:r>
-              <a:rPr lang="en-US" sz="1800" b="0" strike="noStrike" spc="-1">
-                <a:latin typeface="Arial" panose="020B0604020202020204"/>
-              </a:rPr>
-              <a:t>Còn MOM là ứng dụng trung gian.</a:t>
-            </a:r>
-            <a:endParaRPr lang="en-US" sz="1800" b="0" strike="noStrike" spc="-1">
-              <a:latin typeface="Arial" panose="020B0604020202020204"/>
-            </a:endParaRPr>
-          </a:p>
-          <a:p>
-            <a:pPr>
-              <a:lnSpc>
-                <a:spcPct val="150000"/>
-              </a:lnSpc>
-            </a:pPr>
-            <a:r>
-              <a:rPr lang="en-US" sz="1800" b="0" strike="noStrike" spc="-1">
-                <a:latin typeface="Arial" panose="020B0604020202020204"/>
-              </a:rPr>
-              <a:t>Một số MOM tiêu biểu:</a:t>
-            </a:r>
-            <a:endParaRPr lang="en-US" sz="1800" b="0" strike="noStrike" spc="-1">
-              <a:latin typeface="Arial" panose="020B0604020202020204"/>
-            </a:endParaRPr>
-          </a:p>
-          <a:p>
-            <a:pPr marL="215900" indent="-215900">
-              <a:lnSpc>
-                <a:spcPct val="150000"/>
-              </a:lnSpc>
-              <a:buClr>
-                <a:srgbClr val="000000"/>
-              </a:buClr>
-              <a:buSzPct val="45000"/>
-              <a:buFont typeface="Wingdings" panose="05000000000000000000" pitchFamily="2" charset="2"/>
-              <a:buChar char=""/>
-            </a:pPr>
-            <a:r>
-              <a:rPr lang="en-US" sz="1800" b="0" strike="noStrike" spc="-1">
-                <a:latin typeface="Arial" panose="020B0604020202020204"/>
-              </a:rPr>
-              <a:t>Weblogic -	Oracle</a:t>
-            </a:r>
-            <a:endParaRPr lang="en-US" sz="1800" b="0" strike="noStrike" spc="-1">
-              <a:latin typeface="Arial" panose="020B0604020202020204"/>
-            </a:endParaRPr>
-          </a:p>
-          <a:p>
-            <a:pPr marL="215900" indent="-215900">
-              <a:lnSpc>
-                <a:spcPct val="150000"/>
-              </a:lnSpc>
-              <a:buClr>
-                <a:srgbClr val="000000"/>
-              </a:buClr>
-              <a:buSzPct val="45000"/>
-              <a:buFont typeface="Wingdings" panose="05000000000000000000" pitchFamily="2" charset="2"/>
-              <a:buChar char=""/>
-            </a:pPr>
-            <a:r>
-              <a:rPr lang="en-US" sz="1800" b="0" strike="noStrike" spc="-1">
-                <a:latin typeface="Arial" panose="020B0604020202020204"/>
-              </a:rPr>
-              <a:t>MQSeries	- IBM</a:t>
-            </a:r>
-            <a:endParaRPr lang="en-US" sz="1800" b="0" strike="noStrike" spc="-1">
-              <a:latin typeface="Arial" panose="020B0604020202020204"/>
-            </a:endParaRPr>
-          </a:p>
-          <a:p>
-            <a:pPr marL="215900" indent="-215900">
-              <a:lnSpc>
-                <a:spcPct val="150000"/>
-              </a:lnSpc>
-              <a:buClr>
-                <a:srgbClr val="000000"/>
-              </a:buClr>
-              <a:buSzPct val="45000"/>
-              <a:buFont typeface="Wingdings" panose="05000000000000000000" pitchFamily="2" charset="2"/>
-              <a:buChar char=""/>
-            </a:pPr>
-            <a:r>
-              <a:rPr lang="en-US" sz="1800" b="0" strike="noStrike" spc="-1">
-                <a:latin typeface="Arial" panose="020B0604020202020204"/>
-              </a:rPr>
-              <a:t>JBOSSMQ	- JBOSS</a:t>
-            </a:r>
-            <a:endParaRPr lang="en-US" sz="1800" b="0" strike="noStrike" spc="-1">
-              <a:latin typeface="Arial" panose="020B0604020202020204"/>
-            </a:endParaRPr>
-          </a:p>
-          <a:p>
-            <a:pPr marL="215900" indent="-215900">
-              <a:lnSpc>
-                <a:spcPct val="150000"/>
-              </a:lnSpc>
-              <a:buClr>
-                <a:srgbClr val="000000"/>
-              </a:buClr>
-              <a:buSzPct val="45000"/>
-              <a:buFont typeface="Wingdings" panose="05000000000000000000" pitchFamily="2" charset="2"/>
-              <a:buChar char=""/>
-            </a:pPr>
-            <a:r>
-              <a:rPr lang="en-US" sz="1800" b="0" strike="noStrike" spc="-1">
-                <a:latin typeface="Arial" panose="020B0604020202020204"/>
-              </a:rPr>
-              <a:t>SonigMQ	- Progress</a:t>
-            </a:r>
-            <a:endParaRPr lang="en-US" sz="1800" b="0" strike="noStrike" spc="-1">
-              <a:latin typeface="Arial" panose="020B0604020202020204"/>
-            </a:endParaRPr>
-          </a:p>
-          <a:p>
-            <a:pPr marL="215900" indent="-215900">
-              <a:lnSpc>
-                <a:spcPct val="150000"/>
-              </a:lnSpc>
-              <a:buClr>
-                <a:srgbClr val="000000"/>
-              </a:buClr>
-              <a:buSzPct val="45000"/>
-              <a:buFont typeface="Wingdings" panose="05000000000000000000" pitchFamily="2" charset="2"/>
-              <a:buChar char=""/>
-            </a:pPr>
-            <a:r>
-              <a:rPr lang="en-US" sz="1800" b="0" strike="noStrike" spc="-1">
-                <a:latin typeface="Arial" panose="020B0604020202020204"/>
-              </a:rPr>
-              <a:t>TIBCO EMS	- TIBCO</a:t>
-            </a:r>
-            <a:endParaRPr lang="en-US" sz="1800" b="0" strike="noStrike" spc="-1">
-              <a:latin typeface="Arial" panose="020B0604020202020204"/>
-            </a:endParaRPr>
-          </a:p>
-          <a:p>
-            <a:pPr marL="215900" indent="-215900">
-              <a:lnSpc>
-                <a:spcPct val="150000"/>
-              </a:lnSpc>
-              <a:buClr>
-                <a:srgbClr val="000000"/>
-              </a:buClr>
-              <a:buSzPct val="45000"/>
-              <a:buFont typeface="Wingdings" panose="05000000000000000000" pitchFamily="2" charset="2"/>
-              <a:buChar char=""/>
-            </a:pPr>
-            <a:r>
-              <a:rPr lang="en-US" sz="1800" b="0" strike="noStrike" spc="-1">
-                <a:latin typeface="Arial" panose="020B0604020202020204"/>
-              </a:rPr>
-              <a:t>ActiveMQ	- Apache</a:t>
-            </a:r>
-            <a:endParaRPr lang="en-US" sz="1800" b="0" strike="noStrike" spc="-1">
-              <a:latin typeface="Arial" panose="020B0604020202020204"/>
-            </a:endParaRPr>
-          </a:p>
-          <a:p>
-            <a:pPr>
-              <a:lnSpc>
-                <a:spcPct val="150000"/>
-              </a:lnSpc>
-            </a:pPr>
-            <a:endParaRPr lang="en-US" sz="1800" b="0" strike="noStrike" spc="-1">
-              <a:latin typeface="Arial" panose="020B0604020202020204"/>
-            </a:endParaRPr>
-          </a:p>
-          <a:p>
-            <a:pPr>
-              <a:lnSpc>
-                <a:spcPct val="150000"/>
-              </a:lnSpc>
-            </a:pPr>
-            <a:endParaRPr lang="en-US" sz="1800" b="0" strike="noStrike" spc="-1">
-              <a:latin typeface="Arial" panose="020B0604020202020204"/>
-            </a:endParaRPr>
-          </a:p>
-        </p:txBody>
-      </p:sp>
-    </p:spTree>
-  </p:cSld>
-  <p:clrMapOvr>
-    <a:masterClrMapping/>
-  </p:clrMapOvr>
-  <mc:AlternateContent xmlns:mc="http://schemas.openxmlformats.org/markup-compatibility/2006">
-    <mc:Choice xmlns:p14="http://schemas.microsoft.com/office/powerpoint/2010/main" Requires="p14">
-      <p:transition spd="slow" p14:dur="2000"/>
-    </mc:Choice>
-    <mc:Fallback>
+    <mc:Fallback xmlns="">
       <p:transition spd="slow"/>
     </mc:Fallback>
   </mc:AlternateContent>
@@ -8422,14 +7994,11 @@
           <a:p>
             <a:pPr algn="ctr"/>
             <a:r>
-              <a:rPr lang="en-US" sz="4400" b="0" strike="noStrike" spc="-1">
+              <a:rPr lang="en-US" sz="4400" b="0" strike="noStrike" spc="-1" dirty="0">
                 <a:latin typeface="Arial" panose="020B0604020202020204"/>
               </a:rPr>
               <a:t>Overview</a:t>
             </a:r>
-            <a:endParaRPr lang="en-US" sz="4400" b="0" strike="noStrike" spc="-1">
-              <a:latin typeface="Arial" panose="020B0604020202020204"/>
-            </a:endParaRPr>
           </a:p>
         </p:txBody>
       </p:sp>
@@ -8456,74 +8025,1236 @@
           <a:lstStyle/>
           <a:p>
             <a:r>
-              <a:rPr lang="en-US" sz="1600" b="1"/>
-              <a:t>Spring là gì?</a:t>
-            </a:r>
-            <a:endParaRPr lang="en-US" sz="1600" b="1"/>
-          </a:p>
-          <a:p>
-            <a:r>
-              <a:rPr lang="en-US" sz="1600"/>
-              <a:t>Spring là một open source framework dành cho Java Enterprise. Core feature của Spring có thể dùng để xây dựng bất cứ Java application nào, các extensions của Spring có thể được sử dụng cho việc xây dựng web application trên nền tảng Java EE. Spring framework cũng hướng tới mục tiêu làm cho việc phát triển các ứng dụng trên nền tảng Java EE dễ dàng hơn và thúc đẩy việc lập trình tốt hơn bằng model POJO-based.</a:t>
-            </a:r>
-            <a:endParaRPr lang="en-US" sz="1600"/>
-          </a:p>
-          <a:p>
-            <a:endParaRPr lang="en-US" sz="1600"/>
-          </a:p>
-          <a:p>
-            <a:r>
-              <a:rPr lang="en-US" sz="1600" b="1"/>
-              <a:t>Lợi ích mà Spring framework mang lại</a:t>
-            </a:r>
-            <a:endParaRPr lang="en-US" sz="1600" b="1"/>
-          </a:p>
-          <a:p>
-            <a:r>
-              <a:rPr lang="en-US" sz="1600"/>
-              <a:t>Spring framwork mang lại cho chúng ta sự gọn nhẹ (</a:t>
-            </a:r>
-            <a:r>
-              <a:rPr lang="en-US" sz="1600" b="1"/>
+              <a:rPr lang="en-US" sz="1600" b="1" dirty="0"/>
+              <a:t>Spring </a:t>
+            </a:r>
+            <a:r>
+              <a:rPr lang="en-US" sz="1600" b="1" dirty="0" err="1"/>
+              <a:t>là</a:t>
+            </a:r>
+            <a:r>
+              <a:rPr lang="en-US" sz="1600" b="1" dirty="0"/>
+              <a:t> </a:t>
+            </a:r>
+            <a:r>
+              <a:rPr lang="en-US" sz="1600" b="1" dirty="0" err="1"/>
+              <a:t>gì</a:t>
+            </a:r>
+            <a:r>
+              <a:rPr lang="en-US" sz="1600" b="1" dirty="0"/>
+              <a:t>?</a:t>
+            </a:r>
+          </a:p>
+          <a:p>
+            <a:r>
+              <a:rPr lang="en-US" sz="1600" dirty="0"/>
+              <a:t>Spring </a:t>
+            </a:r>
+            <a:r>
+              <a:rPr lang="en-US" sz="1600" dirty="0" err="1"/>
+              <a:t>là</a:t>
+            </a:r>
+            <a:r>
+              <a:rPr lang="en-US" sz="1600" dirty="0"/>
+              <a:t> </a:t>
+            </a:r>
+            <a:r>
+              <a:rPr lang="en-US" sz="1600" dirty="0" err="1"/>
+              <a:t>một</a:t>
+            </a:r>
+            <a:r>
+              <a:rPr lang="en-US" sz="1600" dirty="0"/>
+              <a:t> open source framework </a:t>
+            </a:r>
+            <a:r>
+              <a:rPr lang="en-US" sz="1600" dirty="0" err="1"/>
+              <a:t>dành</a:t>
+            </a:r>
+            <a:r>
+              <a:rPr lang="en-US" sz="1600" dirty="0"/>
+              <a:t> </a:t>
+            </a:r>
+            <a:r>
+              <a:rPr lang="en-US" sz="1600" dirty="0" err="1"/>
+              <a:t>cho</a:t>
+            </a:r>
+            <a:r>
+              <a:rPr lang="en-US" sz="1600" dirty="0"/>
+              <a:t> Java Enterprise. Core feature </a:t>
+            </a:r>
+            <a:r>
+              <a:rPr lang="en-US" sz="1600" dirty="0" err="1"/>
+              <a:t>của</a:t>
+            </a:r>
+            <a:r>
+              <a:rPr lang="en-US" sz="1600" dirty="0"/>
+              <a:t> Spring </a:t>
+            </a:r>
+            <a:r>
+              <a:rPr lang="en-US" sz="1600" dirty="0" err="1"/>
+              <a:t>có</a:t>
+            </a:r>
+            <a:r>
+              <a:rPr lang="en-US" sz="1600" dirty="0"/>
+              <a:t> </a:t>
+            </a:r>
+            <a:r>
+              <a:rPr lang="en-US" sz="1600" dirty="0" err="1"/>
+              <a:t>thể</a:t>
+            </a:r>
+            <a:r>
+              <a:rPr lang="en-US" sz="1600" dirty="0"/>
+              <a:t> </a:t>
+            </a:r>
+            <a:r>
+              <a:rPr lang="en-US" sz="1600" dirty="0" err="1"/>
+              <a:t>dùng</a:t>
+            </a:r>
+            <a:r>
+              <a:rPr lang="en-US" sz="1600" dirty="0"/>
+              <a:t> </a:t>
+            </a:r>
+            <a:r>
+              <a:rPr lang="en-US" sz="1600" dirty="0" err="1"/>
+              <a:t>để</a:t>
+            </a:r>
+            <a:r>
+              <a:rPr lang="en-US" sz="1600" dirty="0"/>
+              <a:t> </a:t>
+            </a:r>
+            <a:r>
+              <a:rPr lang="en-US" sz="1600" dirty="0" err="1"/>
+              <a:t>xây</a:t>
+            </a:r>
+            <a:r>
+              <a:rPr lang="en-US" sz="1600" dirty="0"/>
+              <a:t> </a:t>
+            </a:r>
+            <a:r>
+              <a:rPr lang="en-US" sz="1600" dirty="0" err="1"/>
+              <a:t>dựng</a:t>
+            </a:r>
+            <a:r>
+              <a:rPr lang="en-US" sz="1600" dirty="0"/>
+              <a:t> </a:t>
+            </a:r>
+            <a:r>
+              <a:rPr lang="en-US" sz="1600" dirty="0" err="1"/>
+              <a:t>bất</a:t>
+            </a:r>
+            <a:r>
+              <a:rPr lang="en-US" sz="1600" dirty="0"/>
+              <a:t> </a:t>
+            </a:r>
+            <a:r>
+              <a:rPr lang="en-US" sz="1600" dirty="0" err="1"/>
+              <a:t>cứ</a:t>
+            </a:r>
+            <a:r>
+              <a:rPr lang="en-US" sz="1600" dirty="0"/>
+              <a:t> Java application </a:t>
+            </a:r>
+            <a:r>
+              <a:rPr lang="en-US" sz="1600" dirty="0" err="1"/>
+              <a:t>nào</a:t>
+            </a:r>
+            <a:r>
+              <a:rPr lang="en-US" sz="1600" dirty="0"/>
+              <a:t>, </a:t>
+            </a:r>
+            <a:r>
+              <a:rPr lang="en-US" sz="1600" dirty="0" err="1"/>
+              <a:t>các</a:t>
+            </a:r>
+            <a:r>
+              <a:rPr lang="en-US" sz="1600" dirty="0"/>
+              <a:t> extensions </a:t>
+            </a:r>
+            <a:r>
+              <a:rPr lang="en-US" sz="1600" dirty="0" err="1"/>
+              <a:t>của</a:t>
+            </a:r>
+            <a:r>
+              <a:rPr lang="en-US" sz="1600" dirty="0"/>
+              <a:t> Spring </a:t>
+            </a:r>
+            <a:r>
+              <a:rPr lang="en-US" sz="1600" dirty="0" err="1"/>
+              <a:t>có</a:t>
+            </a:r>
+            <a:r>
+              <a:rPr lang="en-US" sz="1600" dirty="0"/>
+              <a:t> </a:t>
+            </a:r>
+            <a:r>
+              <a:rPr lang="en-US" sz="1600" dirty="0" err="1"/>
+              <a:t>thể</a:t>
+            </a:r>
+            <a:r>
+              <a:rPr lang="en-US" sz="1600" dirty="0"/>
+              <a:t> </a:t>
+            </a:r>
+            <a:r>
+              <a:rPr lang="en-US" sz="1600" dirty="0" err="1"/>
+              <a:t>được</a:t>
+            </a:r>
+            <a:r>
+              <a:rPr lang="en-US" sz="1600" dirty="0"/>
+              <a:t> </a:t>
+            </a:r>
+            <a:r>
+              <a:rPr lang="en-US" sz="1600" dirty="0" err="1"/>
+              <a:t>sử</a:t>
+            </a:r>
+            <a:r>
+              <a:rPr lang="en-US" sz="1600" dirty="0"/>
+              <a:t> </a:t>
+            </a:r>
+            <a:r>
+              <a:rPr lang="en-US" sz="1600" dirty="0" err="1"/>
+              <a:t>dụng</a:t>
+            </a:r>
+            <a:r>
+              <a:rPr lang="en-US" sz="1600" dirty="0"/>
+              <a:t> </a:t>
+            </a:r>
+            <a:r>
+              <a:rPr lang="en-US" sz="1600" dirty="0" err="1"/>
+              <a:t>cho</a:t>
+            </a:r>
+            <a:r>
+              <a:rPr lang="en-US" sz="1600" dirty="0"/>
+              <a:t> </a:t>
+            </a:r>
+            <a:r>
+              <a:rPr lang="en-US" sz="1600" dirty="0" err="1"/>
+              <a:t>việc</a:t>
+            </a:r>
+            <a:r>
+              <a:rPr lang="en-US" sz="1600" dirty="0"/>
+              <a:t> </a:t>
+            </a:r>
+            <a:r>
+              <a:rPr lang="en-US" sz="1600" dirty="0" err="1"/>
+              <a:t>xây</a:t>
+            </a:r>
+            <a:r>
+              <a:rPr lang="en-US" sz="1600" dirty="0"/>
+              <a:t> </a:t>
+            </a:r>
+            <a:r>
+              <a:rPr lang="en-US" sz="1600" dirty="0" err="1"/>
+              <a:t>dựng</a:t>
+            </a:r>
+            <a:r>
+              <a:rPr lang="en-US" sz="1600" dirty="0"/>
+              <a:t> web application </a:t>
+            </a:r>
+            <a:r>
+              <a:rPr lang="en-US" sz="1600" dirty="0" err="1"/>
+              <a:t>trên</a:t>
+            </a:r>
+            <a:r>
+              <a:rPr lang="en-US" sz="1600" dirty="0"/>
+              <a:t> </a:t>
+            </a:r>
+            <a:r>
+              <a:rPr lang="en-US" sz="1600" dirty="0" err="1"/>
+              <a:t>nền</a:t>
+            </a:r>
+            <a:r>
+              <a:rPr lang="en-US" sz="1600" dirty="0"/>
+              <a:t> </a:t>
+            </a:r>
+            <a:r>
+              <a:rPr lang="en-US" sz="1600" dirty="0" err="1"/>
+              <a:t>tảng</a:t>
+            </a:r>
+            <a:r>
+              <a:rPr lang="en-US" sz="1600" dirty="0"/>
+              <a:t> Java EE. Spring framework </a:t>
+            </a:r>
+            <a:r>
+              <a:rPr lang="en-US" sz="1600" dirty="0" err="1"/>
+              <a:t>cũng</a:t>
+            </a:r>
+            <a:r>
+              <a:rPr lang="en-US" sz="1600" dirty="0"/>
+              <a:t> </a:t>
+            </a:r>
+            <a:r>
+              <a:rPr lang="en-US" sz="1600" dirty="0" err="1"/>
+              <a:t>hướng</a:t>
+            </a:r>
+            <a:r>
+              <a:rPr lang="en-US" sz="1600" dirty="0"/>
+              <a:t> </a:t>
+            </a:r>
+            <a:r>
+              <a:rPr lang="en-US" sz="1600" dirty="0" err="1"/>
+              <a:t>tới</a:t>
+            </a:r>
+            <a:r>
+              <a:rPr lang="en-US" sz="1600" dirty="0"/>
+              <a:t> </a:t>
+            </a:r>
+            <a:r>
+              <a:rPr lang="en-US" sz="1600" dirty="0" err="1"/>
+              <a:t>mục</a:t>
+            </a:r>
+            <a:r>
+              <a:rPr lang="en-US" sz="1600" dirty="0"/>
+              <a:t> </a:t>
+            </a:r>
+            <a:r>
+              <a:rPr lang="en-US" sz="1600" dirty="0" err="1"/>
+              <a:t>tiêu</a:t>
+            </a:r>
+            <a:r>
+              <a:rPr lang="en-US" sz="1600" dirty="0"/>
+              <a:t> </a:t>
+            </a:r>
+            <a:r>
+              <a:rPr lang="en-US" sz="1600" dirty="0" err="1"/>
+              <a:t>làm</a:t>
+            </a:r>
+            <a:r>
+              <a:rPr lang="en-US" sz="1600" dirty="0"/>
+              <a:t> </a:t>
+            </a:r>
+            <a:r>
+              <a:rPr lang="en-US" sz="1600" dirty="0" err="1"/>
+              <a:t>cho</a:t>
+            </a:r>
+            <a:r>
+              <a:rPr lang="en-US" sz="1600" dirty="0"/>
+              <a:t> </a:t>
+            </a:r>
+            <a:r>
+              <a:rPr lang="en-US" sz="1600" dirty="0" err="1"/>
+              <a:t>việc</a:t>
+            </a:r>
+            <a:r>
+              <a:rPr lang="en-US" sz="1600" dirty="0"/>
+              <a:t> </a:t>
+            </a:r>
+            <a:r>
+              <a:rPr lang="en-US" sz="1600" dirty="0" err="1"/>
+              <a:t>phát</a:t>
+            </a:r>
+            <a:r>
+              <a:rPr lang="en-US" sz="1600" dirty="0"/>
+              <a:t> </a:t>
+            </a:r>
+            <a:r>
+              <a:rPr lang="en-US" sz="1600" dirty="0" err="1"/>
+              <a:t>triển</a:t>
+            </a:r>
+            <a:r>
+              <a:rPr lang="en-US" sz="1600" dirty="0"/>
+              <a:t> </a:t>
+            </a:r>
+            <a:r>
+              <a:rPr lang="en-US" sz="1600" dirty="0" err="1"/>
+              <a:t>các</a:t>
+            </a:r>
+            <a:r>
+              <a:rPr lang="en-US" sz="1600" dirty="0"/>
+              <a:t> </a:t>
+            </a:r>
+            <a:r>
+              <a:rPr lang="en-US" sz="1600" dirty="0" err="1"/>
+              <a:t>ứng</a:t>
+            </a:r>
+            <a:r>
+              <a:rPr lang="en-US" sz="1600" dirty="0"/>
+              <a:t> </a:t>
+            </a:r>
+            <a:r>
+              <a:rPr lang="en-US" sz="1600" dirty="0" err="1"/>
+              <a:t>dụng</a:t>
+            </a:r>
+            <a:r>
+              <a:rPr lang="en-US" sz="1600" dirty="0"/>
+              <a:t> </a:t>
+            </a:r>
+            <a:r>
+              <a:rPr lang="en-US" sz="1600" dirty="0" err="1"/>
+              <a:t>trên</a:t>
+            </a:r>
+            <a:r>
+              <a:rPr lang="en-US" sz="1600" dirty="0"/>
+              <a:t> </a:t>
+            </a:r>
+            <a:r>
+              <a:rPr lang="en-US" sz="1600" dirty="0" err="1"/>
+              <a:t>nền</a:t>
+            </a:r>
+            <a:r>
+              <a:rPr lang="en-US" sz="1600" dirty="0"/>
+              <a:t> </a:t>
+            </a:r>
+            <a:r>
+              <a:rPr lang="en-US" sz="1600" dirty="0" err="1"/>
+              <a:t>tảng</a:t>
+            </a:r>
+            <a:r>
+              <a:rPr lang="en-US" sz="1600" dirty="0"/>
+              <a:t> Java EE </a:t>
+            </a:r>
+            <a:r>
+              <a:rPr lang="en-US" sz="1600" dirty="0" err="1"/>
+              <a:t>dễ</a:t>
+            </a:r>
+            <a:r>
+              <a:rPr lang="en-US" sz="1600" dirty="0"/>
+              <a:t> </a:t>
+            </a:r>
+            <a:r>
+              <a:rPr lang="en-US" sz="1600" dirty="0" err="1"/>
+              <a:t>dàng</a:t>
+            </a:r>
+            <a:r>
+              <a:rPr lang="en-US" sz="1600" dirty="0"/>
+              <a:t> </a:t>
+            </a:r>
+            <a:r>
+              <a:rPr lang="en-US" sz="1600" dirty="0" err="1"/>
+              <a:t>hơn</a:t>
+            </a:r>
+            <a:r>
+              <a:rPr lang="en-US" sz="1600" dirty="0"/>
+              <a:t> </a:t>
+            </a:r>
+            <a:r>
+              <a:rPr lang="en-US" sz="1600" dirty="0" err="1"/>
+              <a:t>và</a:t>
+            </a:r>
+            <a:r>
+              <a:rPr lang="en-US" sz="1600" dirty="0"/>
+              <a:t> </a:t>
+            </a:r>
+            <a:r>
+              <a:rPr lang="en-US" sz="1600" dirty="0" err="1"/>
+              <a:t>thúc</a:t>
+            </a:r>
+            <a:r>
+              <a:rPr lang="en-US" sz="1600" dirty="0"/>
+              <a:t> </a:t>
+            </a:r>
+            <a:r>
+              <a:rPr lang="en-US" sz="1600" dirty="0" err="1"/>
+              <a:t>đẩy</a:t>
+            </a:r>
+            <a:r>
+              <a:rPr lang="en-US" sz="1600" dirty="0"/>
+              <a:t> </a:t>
+            </a:r>
+            <a:r>
+              <a:rPr lang="en-US" sz="1600" dirty="0" err="1"/>
+              <a:t>việc</a:t>
+            </a:r>
+            <a:r>
+              <a:rPr lang="en-US" sz="1600" dirty="0"/>
+              <a:t> </a:t>
+            </a:r>
+            <a:r>
+              <a:rPr lang="en-US" sz="1600" dirty="0" err="1"/>
+              <a:t>lập</a:t>
+            </a:r>
+            <a:r>
+              <a:rPr lang="en-US" sz="1600" dirty="0"/>
+              <a:t> </a:t>
+            </a:r>
+            <a:r>
+              <a:rPr lang="en-US" sz="1600" dirty="0" err="1"/>
+              <a:t>trình</a:t>
+            </a:r>
+            <a:r>
+              <a:rPr lang="en-US" sz="1600" dirty="0"/>
+              <a:t> </a:t>
+            </a:r>
+            <a:r>
+              <a:rPr lang="en-US" sz="1600" dirty="0" err="1"/>
+              <a:t>tốt</a:t>
+            </a:r>
+            <a:r>
+              <a:rPr lang="en-US" sz="1600" dirty="0"/>
+              <a:t> </a:t>
+            </a:r>
+            <a:r>
+              <a:rPr lang="en-US" sz="1600" dirty="0" err="1"/>
+              <a:t>hơn</a:t>
+            </a:r>
+            <a:r>
+              <a:rPr lang="en-US" sz="1600" dirty="0"/>
+              <a:t> </a:t>
+            </a:r>
+            <a:r>
+              <a:rPr lang="en-US" sz="1600" dirty="0" err="1"/>
+              <a:t>bằng</a:t>
+            </a:r>
+            <a:r>
+              <a:rPr lang="en-US" sz="1600" dirty="0"/>
+              <a:t> model POJO-based.</a:t>
+            </a:r>
+          </a:p>
+          <a:p>
+            <a:endParaRPr lang="en-US" sz="1600" dirty="0"/>
+          </a:p>
+          <a:p>
+            <a:r>
+              <a:rPr lang="en-US" sz="1600" b="1" dirty="0" err="1"/>
+              <a:t>Lợi</a:t>
+            </a:r>
+            <a:r>
+              <a:rPr lang="en-US" sz="1600" b="1" dirty="0"/>
+              <a:t> </a:t>
+            </a:r>
+            <a:r>
+              <a:rPr lang="en-US" sz="1600" b="1" dirty="0" err="1"/>
+              <a:t>ích</a:t>
+            </a:r>
+            <a:r>
+              <a:rPr lang="en-US" sz="1600" b="1" dirty="0"/>
+              <a:t> </a:t>
+            </a:r>
+            <a:r>
+              <a:rPr lang="en-US" sz="1600" b="1" dirty="0" err="1"/>
+              <a:t>mà</a:t>
+            </a:r>
+            <a:r>
+              <a:rPr lang="en-US" sz="1600" b="1" dirty="0"/>
+              <a:t> Spring framework </a:t>
+            </a:r>
+            <a:r>
+              <a:rPr lang="en-US" sz="1600" b="1" dirty="0" err="1"/>
+              <a:t>mang</a:t>
+            </a:r>
+            <a:r>
+              <a:rPr lang="en-US" sz="1600" b="1" dirty="0"/>
+              <a:t> </a:t>
+            </a:r>
+            <a:r>
+              <a:rPr lang="en-US" sz="1600" b="1" dirty="0" err="1"/>
+              <a:t>lại</a:t>
+            </a:r>
+            <a:endParaRPr lang="en-US" sz="1600" b="1" dirty="0"/>
+          </a:p>
+          <a:p>
+            <a:r>
+              <a:rPr lang="en-US" sz="1600" dirty="0"/>
+              <a:t>Spring </a:t>
+            </a:r>
+            <a:r>
+              <a:rPr lang="en-US" sz="1600" dirty="0" err="1"/>
+              <a:t>framwork</a:t>
+            </a:r>
+            <a:r>
+              <a:rPr lang="en-US" sz="1600" dirty="0"/>
+              <a:t> </a:t>
+            </a:r>
+            <a:r>
+              <a:rPr lang="en-US" sz="1600" dirty="0" err="1"/>
+              <a:t>mang</a:t>
+            </a:r>
+            <a:r>
+              <a:rPr lang="en-US" sz="1600" dirty="0"/>
+              <a:t> </a:t>
+            </a:r>
+            <a:r>
+              <a:rPr lang="en-US" sz="1600" dirty="0" err="1"/>
+              <a:t>lại</a:t>
+            </a:r>
+            <a:r>
+              <a:rPr lang="en-US" sz="1600" dirty="0"/>
+              <a:t> </a:t>
+            </a:r>
+            <a:r>
+              <a:rPr lang="en-US" sz="1600" dirty="0" err="1"/>
+              <a:t>cho</a:t>
+            </a:r>
+            <a:r>
+              <a:rPr lang="en-US" sz="1600" dirty="0"/>
+              <a:t> </a:t>
+            </a:r>
+            <a:r>
+              <a:rPr lang="en-US" sz="1600" dirty="0" err="1"/>
+              <a:t>chúng</a:t>
+            </a:r>
+            <a:r>
+              <a:rPr lang="en-US" sz="1600" dirty="0"/>
+              <a:t> ta </a:t>
+            </a:r>
+            <a:r>
+              <a:rPr lang="en-US" sz="1600" dirty="0" err="1"/>
+              <a:t>sự</a:t>
+            </a:r>
+            <a:r>
+              <a:rPr lang="en-US" sz="1600" dirty="0"/>
+              <a:t> </a:t>
+            </a:r>
+            <a:r>
+              <a:rPr lang="en-US" sz="1600" dirty="0" err="1"/>
+              <a:t>gọn</a:t>
+            </a:r>
+            <a:r>
+              <a:rPr lang="en-US" sz="1600" dirty="0"/>
+              <a:t> </a:t>
+            </a:r>
+            <a:r>
+              <a:rPr lang="en-US" sz="1600" dirty="0" err="1"/>
+              <a:t>nhẹ</a:t>
+            </a:r>
+            <a:r>
+              <a:rPr lang="en-US" sz="1600" dirty="0"/>
+              <a:t> (</a:t>
+            </a:r>
+            <a:r>
+              <a:rPr lang="en-US" sz="1600" b="1" dirty="0"/>
               <a:t>lightweight</a:t>
             </a:r>
             <a:r>
-              <a:rPr lang="en-US" sz="1600"/>
-              <a:t>), sử dụng Inversion of control (</a:t>
-            </a:r>
-            <a:r>
-              <a:rPr lang="en-US" sz="1600" b="1"/>
+              <a:rPr lang="en-US" sz="1600" dirty="0"/>
+              <a:t>), </a:t>
+            </a:r>
+            <a:r>
+              <a:rPr lang="en-US" sz="1600" dirty="0" err="1"/>
+              <a:t>sử</a:t>
+            </a:r>
+            <a:r>
+              <a:rPr lang="en-US" sz="1600" dirty="0"/>
+              <a:t> </a:t>
+            </a:r>
+            <a:r>
+              <a:rPr lang="en-US" sz="1600" dirty="0" err="1"/>
+              <a:t>dụng</a:t>
+            </a:r>
+            <a:r>
+              <a:rPr lang="en-US" sz="1600" dirty="0"/>
+              <a:t> Inversion of control (</a:t>
+            </a:r>
+            <a:r>
+              <a:rPr lang="en-US" sz="1600" b="1" dirty="0" err="1"/>
               <a:t>IoC</a:t>
             </a:r>
             <a:r>
-              <a:rPr lang="en-US" sz="1600"/>
-              <a:t>) để giúp loose coupling, sử dụng Aspect oriented programming để tách biệt các thành phần business, có container nới quản lý tất cả life cycle và config của các object trong application, phát triển ứng dụng đơn giản với MVC, có transaction management, cung cấp các API tiện lợi cho việc handling exception.</a:t>
-            </a:r>
-            <a:endParaRPr lang="en-US" sz="1600"/>
-          </a:p>
-          <a:p>
-            <a:endParaRPr lang="en-US" sz="1600"/>
-          </a:p>
-          <a:p>
-            <a:r>
-              <a:rPr lang="en-US" sz="1600" b="1"/>
-              <a:t>SpringBoot là gì?</a:t>
-            </a:r>
-            <a:endParaRPr lang="en-US" sz="1600" b="1"/>
-          </a:p>
-          <a:p>
-            <a:r>
-              <a:rPr lang="en-US" sz="1600"/>
-              <a:t>SpringBoot về cơ bản là một phần mở rộng của Spring framework đã loại bỏ các cấu hình được viết sẵn cần thiết để cài đặt một ứng dụng Spring.</a:t>
-            </a:r>
-            <a:endParaRPr lang="en-US" sz="1600"/>
-          </a:p>
-          <a:p>
-            <a:r>
-              <a:rPr lang="en-US" sz="1600"/>
-              <a:t>Spring Boot Framework được sử dụng rộng rãi để phát triển các REST APIs.</a:t>
-            </a:r>
-            <a:endParaRPr lang="en-US" sz="1600"/>
+              <a:rPr lang="en-US" sz="1600" dirty="0"/>
+              <a:t>) </a:t>
+            </a:r>
+            <a:r>
+              <a:rPr lang="en-US" sz="1600" dirty="0" err="1"/>
+              <a:t>để</a:t>
+            </a:r>
+            <a:r>
+              <a:rPr lang="en-US" sz="1600" dirty="0"/>
+              <a:t> </a:t>
+            </a:r>
+            <a:r>
+              <a:rPr lang="en-US" sz="1600" dirty="0" err="1"/>
+              <a:t>giúp</a:t>
+            </a:r>
+            <a:r>
+              <a:rPr lang="en-US" sz="1600" dirty="0"/>
+              <a:t> loose coupling, </a:t>
+            </a:r>
+            <a:r>
+              <a:rPr lang="en-US" sz="1600" dirty="0" err="1"/>
+              <a:t>sử</a:t>
+            </a:r>
+            <a:r>
+              <a:rPr lang="en-US" sz="1600" dirty="0"/>
+              <a:t> </a:t>
+            </a:r>
+            <a:r>
+              <a:rPr lang="en-US" sz="1600" dirty="0" err="1"/>
+              <a:t>dụng</a:t>
+            </a:r>
+            <a:r>
+              <a:rPr lang="en-US" sz="1600" dirty="0"/>
+              <a:t> Aspect oriented programming </a:t>
+            </a:r>
+            <a:r>
+              <a:rPr lang="en-US" sz="1600" dirty="0" err="1"/>
+              <a:t>để</a:t>
+            </a:r>
+            <a:r>
+              <a:rPr lang="en-US" sz="1600" dirty="0"/>
+              <a:t> </a:t>
+            </a:r>
+            <a:r>
+              <a:rPr lang="en-US" sz="1600" dirty="0" err="1"/>
+              <a:t>tách</a:t>
+            </a:r>
+            <a:r>
+              <a:rPr lang="en-US" sz="1600" dirty="0"/>
+              <a:t> </a:t>
+            </a:r>
+            <a:r>
+              <a:rPr lang="en-US" sz="1600" dirty="0" err="1"/>
+              <a:t>biệt</a:t>
+            </a:r>
+            <a:r>
+              <a:rPr lang="en-US" sz="1600" dirty="0"/>
+              <a:t> </a:t>
+            </a:r>
+            <a:r>
+              <a:rPr lang="en-US" sz="1600" dirty="0" err="1"/>
+              <a:t>các</a:t>
+            </a:r>
+            <a:r>
+              <a:rPr lang="en-US" sz="1600" dirty="0"/>
+              <a:t> </a:t>
+            </a:r>
+            <a:r>
+              <a:rPr lang="en-US" sz="1600" dirty="0" err="1"/>
+              <a:t>thành</a:t>
+            </a:r>
+            <a:r>
+              <a:rPr lang="en-US" sz="1600" dirty="0"/>
+              <a:t> </a:t>
+            </a:r>
+            <a:r>
+              <a:rPr lang="en-US" sz="1600" dirty="0" err="1"/>
+              <a:t>phần</a:t>
+            </a:r>
+            <a:r>
+              <a:rPr lang="en-US" sz="1600" dirty="0"/>
+              <a:t> business, </a:t>
+            </a:r>
+            <a:r>
+              <a:rPr lang="en-US" sz="1600" dirty="0" err="1"/>
+              <a:t>có</a:t>
+            </a:r>
+            <a:r>
+              <a:rPr lang="en-US" sz="1600" dirty="0"/>
+              <a:t> container </a:t>
+            </a:r>
+            <a:r>
+              <a:rPr lang="en-US" sz="1600" dirty="0" err="1"/>
+              <a:t>nới</a:t>
+            </a:r>
+            <a:r>
+              <a:rPr lang="en-US" sz="1600" dirty="0"/>
+              <a:t> </a:t>
+            </a:r>
+            <a:r>
+              <a:rPr lang="en-US" sz="1600" dirty="0" err="1"/>
+              <a:t>quản</a:t>
+            </a:r>
+            <a:r>
+              <a:rPr lang="en-US" sz="1600" dirty="0"/>
+              <a:t> </a:t>
+            </a:r>
+            <a:r>
+              <a:rPr lang="en-US" sz="1600" dirty="0" err="1"/>
+              <a:t>lý</a:t>
+            </a:r>
+            <a:r>
+              <a:rPr lang="en-US" sz="1600" dirty="0"/>
+              <a:t> </a:t>
+            </a:r>
+            <a:r>
+              <a:rPr lang="en-US" sz="1600" dirty="0" err="1"/>
+              <a:t>tất</a:t>
+            </a:r>
+            <a:r>
+              <a:rPr lang="en-US" sz="1600" dirty="0"/>
+              <a:t> </a:t>
+            </a:r>
+            <a:r>
+              <a:rPr lang="en-US" sz="1600" dirty="0" err="1"/>
+              <a:t>cả</a:t>
+            </a:r>
+            <a:r>
+              <a:rPr lang="en-US" sz="1600" dirty="0"/>
+              <a:t> life cycle </a:t>
+            </a:r>
+            <a:r>
+              <a:rPr lang="en-US" sz="1600" dirty="0" err="1"/>
+              <a:t>và</a:t>
+            </a:r>
+            <a:r>
+              <a:rPr lang="en-US" sz="1600" dirty="0"/>
+              <a:t> </a:t>
+            </a:r>
+            <a:r>
+              <a:rPr lang="en-US" sz="1600" dirty="0" err="1"/>
+              <a:t>config</a:t>
+            </a:r>
+            <a:r>
+              <a:rPr lang="en-US" sz="1600" dirty="0"/>
+              <a:t> </a:t>
+            </a:r>
+            <a:r>
+              <a:rPr lang="en-US" sz="1600" dirty="0" err="1"/>
+              <a:t>của</a:t>
+            </a:r>
+            <a:r>
+              <a:rPr lang="en-US" sz="1600" dirty="0"/>
+              <a:t> </a:t>
+            </a:r>
+            <a:r>
+              <a:rPr lang="en-US" sz="1600" dirty="0" err="1"/>
+              <a:t>các</a:t>
+            </a:r>
+            <a:r>
+              <a:rPr lang="en-US" sz="1600" dirty="0"/>
+              <a:t> object </a:t>
+            </a:r>
+            <a:r>
+              <a:rPr lang="en-US" sz="1600" dirty="0" err="1"/>
+              <a:t>trong</a:t>
+            </a:r>
+            <a:r>
+              <a:rPr lang="en-US" sz="1600" dirty="0"/>
+              <a:t> application, </a:t>
+            </a:r>
+            <a:r>
+              <a:rPr lang="en-US" sz="1600" dirty="0" err="1"/>
+              <a:t>phát</a:t>
+            </a:r>
+            <a:r>
+              <a:rPr lang="en-US" sz="1600" dirty="0"/>
+              <a:t> </a:t>
+            </a:r>
+            <a:r>
+              <a:rPr lang="en-US" sz="1600" dirty="0" err="1"/>
+              <a:t>triển</a:t>
+            </a:r>
+            <a:r>
+              <a:rPr lang="en-US" sz="1600" dirty="0"/>
+              <a:t> </a:t>
+            </a:r>
+            <a:r>
+              <a:rPr lang="en-US" sz="1600" dirty="0" err="1"/>
+              <a:t>ứng</a:t>
+            </a:r>
+            <a:r>
+              <a:rPr lang="en-US" sz="1600" dirty="0"/>
+              <a:t> </a:t>
+            </a:r>
+            <a:r>
+              <a:rPr lang="en-US" sz="1600" dirty="0" err="1"/>
+              <a:t>dụng</a:t>
+            </a:r>
+            <a:r>
+              <a:rPr lang="en-US" sz="1600" dirty="0"/>
+              <a:t> </a:t>
+            </a:r>
+            <a:r>
+              <a:rPr lang="en-US" sz="1600" dirty="0" err="1"/>
+              <a:t>đơn</a:t>
+            </a:r>
+            <a:r>
+              <a:rPr lang="en-US" sz="1600" dirty="0"/>
+              <a:t> </a:t>
+            </a:r>
+            <a:r>
+              <a:rPr lang="en-US" sz="1600" dirty="0" err="1"/>
+              <a:t>giản</a:t>
+            </a:r>
+            <a:r>
+              <a:rPr lang="en-US" sz="1600" dirty="0"/>
+              <a:t> </a:t>
+            </a:r>
+            <a:r>
+              <a:rPr lang="en-US" sz="1600" dirty="0" err="1"/>
+              <a:t>với</a:t>
+            </a:r>
+            <a:r>
+              <a:rPr lang="en-US" sz="1600" dirty="0"/>
+              <a:t> MVC, </a:t>
+            </a:r>
+            <a:r>
+              <a:rPr lang="en-US" sz="1600" dirty="0" err="1"/>
+              <a:t>có</a:t>
+            </a:r>
+            <a:r>
+              <a:rPr lang="en-US" sz="1600" dirty="0"/>
+              <a:t> transaction management, </a:t>
+            </a:r>
+            <a:r>
+              <a:rPr lang="en-US" sz="1600" dirty="0" err="1"/>
+              <a:t>cung</a:t>
+            </a:r>
+            <a:r>
+              <a:rPr lang="en-US" sz="1600" dirty="0"/>
+              <a:t> </a:t>
+            </a:r>
+            <a:r>
+              <a:rPr lang="en-US" sz="1600" dirty="0" err="1"/>
+              <a:t>cấp</a:t>
+            </a:r>
+            <a:r>
+              <a:rPr lang="en-US" sz="1600" dirty="0"/>
+              <a:t> </a:t>
+            </a:r>
+            <a:r>
+              <a:rPr lang="en-US" sz="1600" dirty="0" err="1"/>
+              <a:t>các</a:t>
+            </a:r>
+            <a:r>
+              <a:rPr lang="en-US" sz="1600" dirty="0"/>
+              <a:t> API </a:t>
+            </a:r>
+            <a:r>
+              <a:rPr lang="en-US" sz="1600" dirty="0" err="1"/>
+              <a:t>tiện</a:t>
+            </a:r>
+            <a:r>
+              <a:rPr lang="en-US" sz="1600" dirty="0"/>
+              <a:t> </a:t>
+            </a:r>
+            <a:r>
+              <a:rPr lang="en-US" sz="1600" dirty="0" err="1"/>
+              <a:t>lợi</a:t>
+            </a:r>
+            <a:r>
+              <a:rPr lang="en-US" sz="1600" dirty="0"/>
+              <a:t> </a:t>
+            </a:r>
+            <a:r>
+              <a:rPr lang="en-US" sz="1600" dirty="0" err="1"/>
+              <a:t>cho</a:t>
+            </a:r>
+            <a:r>
+              <a:rPr lang="en-US" sz="1600" dirty="0"/>
+              <a:t> </a:t>
+            </a:r>
+            <a:r>
+              <a:rPr lang="en-US" sz="1600" dirty="0" err="1"/>
+              <a:t>việc</a:t>
+            </a:r>
+            <a:r>
+              <a:rPr lang="en-US" sz="1600" dirty="0"/>
+              <a:t> handling exception.</a:t>
+            </a:r>
+          </a:p>
+          <a:p>
+            <a:endParaRPr lang="en-US" sz="1600" dirty="0"/>
+          </a:p>
+          <a:p>
+            <a:r>
+              <a:rPr lang="en-US" sz="1600" b="1" dirty="0" err="1"/>
+              <a:t>SpringBoot</a:t>
+            </a:r>
+            <a:r>
+              <a:rPr lang="en-US" sz="1600" b="1" dirty="0"/>
+              <a:t> </a:t>
+            </a:r>
+            <a:r>
+              <a:rPr lang="en-US" sz="1600" b="1" dirty="0" err="1"/>
+              <a:t>là</a:t>
+            </a:r>
+            <a:r>
+              <a:rPr lang="en-US" sz="1600" b="1" dirty="0"/>
+              <a:t> </a:t>
+            </a:r>
+            <a:r>
+              <a:rPr lang="en-US" sz="1600" b="1" dirty="0" err="1"/>
+              <a:t>gì</a:t>
+            </a:r>
+            <a:r>
+              <a:rPr lang="en-US" sz="1600" b="1" dirty="0"/>
+              <a:t>?</a:t>
+            </a:r>
+          </a:p>
+          <a:p>
+            <a:r>
+              <a:rPr lang="en-US" sz="1600" dirty="0" err="1"/>
+              <a:t>SpringBoot</a:t>
+            </a:r>
+            <a:r>
+              <a:rPr lang="en-US" sz="1600" dirty="0"/>
+              <a:t> </a:t>
+            </a:r>
+            <a:r>
+              <a:rPr lang="en-US" sz="1600" dirty="0" err="1"/>
+              <a:t>về</a:t>
+            </a:r>
+            <a:r>
+              <a:rPr lang="en-US" sz="1600" dirty="0"/>
+              <a:t> </a:t>
+            </a:r>
+            <a:r>
+              <a:rPr lang="en-US" sz="1600" dirty="0" err="1"/>
+              <a:t>cơ</a:t>
+            </a:r>
+            <a:r>
+              <a:rPr lang="en-US" sz="1600" dirty="0"/>
+              <a:t> </a:t>
+            </a:r>
+            <a:r>
+              <a:rPr lang="en-US" sz="1600" dirty="0" err="1"/>
+              <a:t>bản</a:t>
+            </a:r>
+            <a:r>
+              <a:rPr lang="en-US" sz="1600" dirty="0"/>
+              <a:t> </a:t>
+            </a:r>
+            <a:r>
+              <a:rPr lang="en-US" sz="1600" dirty="0" err="1"/>
+              <a:t>là</a:t>
+            </a:r>
+            <a:r>
+              <a:rPr lang="en-US" sz="1600" dirty="0"/>
+              <a:t> </a:t>
+            </a:r>
+            <a:r>
+              <a:rPr lang="en-US" sz="1600" dirty="0" err="1"/>
+              <a:t>một</a:t>
+            </a:r>
+            <a:r>
+              <a:rPr lang="en-US" sz="1600" dirty="0"/>
+              <a:t> </a:t>
+            </a:r>
+            <a:r>
+              <a:rPr lang="en-US" sz="1600" dirty="0" err="1"/>
+              <a:t>phần</a:t>
+            </a:r>
+            <a:r>
+              <a:rPr lang="en-US" sz="1600" dirty="0"/>
+              <a:t> </a:t>
+            </a:r>
+            <a:r>
+              <a:rPr lang="en-US" sz="1600" dirty="0" err="1"/>
+              <a:t>mở</a:t>
+            </a:r>
+            <a:r>
+              <a:rPr lang="en-US" sz="1600" dirty="0"/>
+              <a:t> </a:t>
+            </a:r>
+            <a:r>
+              <a:rPr lang="en-US" sz="1600" dirty="0" err="1"/>
+              <a:t>rộng</a:t>
+            </a:r>
+            <a:r>
+              <a:rPr lang="en-US" sz="1600" dirty="0"/>
+              <a:t> </a:t>
+            </a:r>
+            <a:r>
+              <a:rPr lang="en-US" sz="1600" dirty="0" err="1"/>
+              <a:t>của</a:t>
+            </a:r>
+            <a:r>
+              <a:rPr lang="en-US" sz="1600" dirty="0"/>
+              <a:t> Spring framework </a:t>
+            </a:r>
+            <a:r>
+              <a:rPr lang="en-US" sz="1600" dirty="0" err="1"/>
+              <a:t>đã</a:t>
+            </a:r>
+            <a:r>
+              <a:rPr lang="en-US" sz="1600" dirty="0"/>
+              <a:t> </a:t>
+            </a:r>
+            <a:r>
+              <a:rPr lang="en-US" sz="1600" dirty="0" err="1"/>
+              <a:t>loại</a:t>
+            </a:r>
+            <a:r>
+              <a:rPr lang="en-US" sz="1600" dirty="0"/>
+              <a:t> </a:t>
+            </a:r>
+            <a:r>
+              <a:rPr lang="en-US" sz="1600" dirty="0" err="1"/>
+              <a:t>bỏ</a:t>
+            </a:r>
+            <a:r>
+              <a:rPr lang="en-US" sz="1600" dirty="0"/>
+              <a:t> </a:t>
+            </a:r>
+            <a:r>
+              <a:rPr lang="en-US" sz="1600" dirty="0" err="1"/>
+              <a:t>các</a:t>
+            </a:r>
+            <a:r>
+              <a:rPr lang="en-US" sz="1600" dirty="0"/>
+              <a:t> </a:t>
+            </a:r>
+            <a:r>
+              <a:rPr lang="en-US" sz="1600" dirty="0" err="1"/>
+              <a:t>cấu</a:t>
+            </a:r>
+            <a:r>
+              <a:rPr lang="en-US" sz="1600" dirty="0"/>
+              <a:t> </a:t>
+            </a:r>
+            <a:r>
+              <a:rPr lang="en-US" sz="1600" dirty="0" err="1"/>
+              <a:t>hình</a:t>
+            </a:r>
+            <a:r>
+              <a:rPr lang="en-US" sz="1600" dirty="0"/>
+              <a:t> </a:t>
+            </a:r>
+            <a:r>
+              <a:rPr lang="en-US" sz="1600" dirty="0" err="1"/>
+              <a:t>được</a:t>
+            </a:r>
+            <a:r>
+              <a:rPr lang="en-US" sz="1600" dirty="0"/>
+              <a:t> </a:t>
+            </a:r>
+            <a:r>
+              <a:rPr lang="en-US" sz="1600" dirty="0" err="1"/>
+              <a:t>viết</a:t>
+            </a:r>
+            <a:r>
+              <a:rPr lang="en-US" sz="1600" dirty="0"/>
+              <a:t> </a:t>
+            </a:r>
+            <a:r>
+              <a:rPr lang="en-US" sz="1600" dirty="0" err="1"/>
+              <a:t>sẵn</a:t>
+            </a:r>
+            <a:r>
+              <a:rPr lang="en-US" sz="1600" dirty="0"/>
+              <a:t> </a:t>
+            </a:r>
+            <a:r>
+              <a:rPr lang="en-US" sz="1600" dirty="0" err="1"/>
+              <a:t>cần</a:t>
+            </a:r>
+            <a:r>
+              <a:rPr lang="en-US" sz="1600" dirty="0"/>
+              <a:t> </a:t>
+            </a:r>
+            <a:r>
+              <a:rPr lang="en-US" sz="1600" dirty="0" err="1"/>
+              <a:t>thiết</a:t>
+            </a:r>
+            <a:r>
+              <a:rPr lang="en-US" sz="1600" dirty="0"/>
+              <a:t> </a:t>
+            </a:r>
+            <a:r>
+              <a:rPr lang="en-US" sz="1600" dirty="0" err="1"/>
+              <a:t>để</a:t>
+            </a:r>
+            <a:r>
+              <a:rPr lang="en-US" sz="1600" dirty="0"/>
+              <a:t> </a:t>
+            </a:r>
+            <a:r>
+              <a:rPr lang="en-US" sz="1600" dirty="0" err="1"/>
+              <a:t>cài</a:t>
+            </a:r>
+            <a:r>
+              <a:rPr lang="en-US" sz="1600" dirty="0"/>
+              <a:t> </a:t>
+            </a:r>
+            <a:r>
+              <a:rPr lang="en-US" sz="1600" dirty="0" err="1"/>
+              <a:t>đặt</a:t>
+            </a:r>
+            <a:r>
+              <a:rPr lang="en-US" sz="1600" dirty="0"/>
+              <a:t> </a:t>
+            </a:r>
+            <a:r>
+              <a:rPr lang="en-US" sz="1600" dirty="0" err="1"/>
+              <a:t>một</a:t>
+            </a:r>
+            <a:r>
+              <a:rPr lang="en-US" sz="1600" dirty="0"/>
+              <a:t> </a:t>
+            </a:r>
+            <a:r>
+              <a:rPr lang="en-US" sz="1600" dirty="0" err="1"/>
+              <a:t>ứng</a:t>
+            </a:r>
+            <a:r>
+              <a:rPr lang="en-US" sz="1600" dirty="0"/>
+              <a:t> </a:t>
+            </a:r>
+            <a:r>
+              <a:rPr lang="en-US" sz="1600" dirty="0" err="1"/>
+              <a:t>dụng</a:t>
+            </a:r>
+            <a:r>
+              <a:rPr lang="en-US" sz="1600" dirty="0"/>
+              <a:t> Spring.</a:t>
+            </a:r>
+          </a:p>
+          <a:p>
+            <a:r>
+              <a:rPr lang="en-US" sz="1600" dirty="0"/>
+              <a:t>Spring Boot Framework </a:t>
+            </a:r>
+            <a:r>
+              <a:rPr lang="en-US" sz="1600" dirty="0" err="1"/>
+              <a:t>được</a:t>
+            </a:r>
+            <a:r>
+              <a:rPr lang="en-US" sz="1600" dirty="0"/>
+              <a:t> </a:t>
+            </a:r>
+            <a:r>
+              <a:rPr lang="en-US" sz="1600" dirty="0" err="1"/>
+              <a:t>sử</a:t>
+            </a:r>
+            <a:r>
+              <a:rPr lang="en-US" sz="1600" dirty="0"/>
+              <a:t> </a:t>
+            </a:r>
+            <a:r>
+              <a:rPr lang="en-US" sz="1600" dirty="0" err="1"/>
+              <a:t>dụng</a:t>
+            </a:r>
+            <a:r>
+              <a:rPr lang="en-US" sz="1600" dirty="0"/>
+              <a:t> </a:t>
+            </a:r>
+            <a:r>
+              <a:rPr lang="en-US" sz="1600" dirty="0" err="1"/>
+              <a:t>rộng</a:t>
+            </a:r>
+            <a:r>
+              <a:rPr lang="en-US" sz="1600" dirty="0"/>
+              <a:t> </a:t>
+            </a:r>
+            <a:r>
+              <a:rPr lang="en-US" sz="1600" dirty="0" err="1"/>
+              <a:t>rãi</a:t>
+            </a:r>
+            <a:r>
+              <a:rPr lang="en-US" sz="1600" dirty="0"/>
+              <a:t> </a:t>
+            </a:r>
+            <a:r>
+              <a:rPr lang="en-US" sz="1600" dirty="0" err="1"/>
+              <a:t>để</a:t>
+            </a:r>
+            <a:r>
+              <a:rPr lang="en-US" sz="1600" dirty="0"/>
+              <a:t> </a:t>
+            </a:r>
+            <a:r>
+              <a:rPr lang="en-US" sz="1600" dirty="0" err="1"/>
+              <a:t>phát</a:t>
+            </a:r>
+            <a:r>
+              <a:rPr lang="en-US" sz="1600" dirty="0"/>
+              <a:t> </a:t>
+            </a:r>
+            <a:r>
+              <a:rPr lang="en-US" sz="1600" dirty="0" err="1"/>
+              <a:t>triển</a:t>
+            </a:r>
+            <a:r>
+              <a:rPr lang="en-US" sz="1600" dirty="0"/>
+              <a:t> </a:t>
+            </a:r>
+            <a:r>
+              <a:rPr lang="en-US" sz="1600" dirty="0" err="1"/>
+              <a:t>các</a:t>
+            </a:r>
+            <a:r>
+              <a:rPr lang="en-US" sz="1600" dirty="0"/>
+              <a:t> REST APIs.</a:t>
+            </a:r>
           </a:p>
         </p:txBody>
       </p:sp>
@@ -8532,11 +9263,11 @@
   <p:clrMapOvr>
     <a:masterClrMapping/>
   </p:clrMapOvr>
-  <mc:AlternateContent xmlns:mc="http://schemas.openxmlformats.org/markup-compatibility/2006">
-    <mc:Choice xmlns:p14="http://schemas.microsoft.com/office/powerpoint/2010/main" Requires="p14">
+  <mc:AlternateContent xmlns:mc="http://schemas.openxmlformats.org/markup-compatibility/2006" xmlns:p14="http://schemas.microsoft.com/office/powerpoint/2010/main">
+    <mc:Choice Requires="p14">
       <p:transition spd="slow" p14:dur="2000"/>
     </mc:Choice>
-    <mc:Fallback>
+    <mc:Fallback xmlns="">
       <p:transition spd="slow"/>
     </mc:Fallback>
   </mc:AlternateContent>
@@ -8551,6 +9282,317 @@
 </file>
 
 <file path=ppt/slides/slide30.xml><?xml version="1.0" encoding="utf-8"?>
+<p:sld xmlns:a="http://schemas.openxmlformats.org/drawingml/2006/main" xmlns:r="http://schemas.openxmlformats.org/officeDocument/2006/relationships" xmlns:p="http://schemas.openxmlformats.org/presentationml/2006/main">
+  <p:cSld>
+    <p:spTree>
+      <p:nvGrpSpPr>
+        <p:cNvPr id="1" name=""/>
+        <p:cNvGrpSpPr/>
+        <p:nvPr/>
+      </p:nvGrpSpPr>
+      <p:grpSpPr>
+        <a:xfrm>
+          <a:off x="0" y="0"/>
+          <a:ext cx="0" cy="0"/>
+          <a:chOff x="0" y="0"/>
+          <a:chExt cx="0" cy="0"/>
+        </a:xfrm>
+      </p:grpSpPr>
+      <p:sp>
+        <p:nvSpPr>
+          <p:cNvPr id="88" name="TextShape 1"/>
+          <p:cNvSpPr txBox="1"/>
+          <p:nvPr/>
+        </p:nvSpPr>
+        <p:spPr>
+          <a:xfrm>
+            <a:off x="504000" y="301320"/>
+            <a:ext cx="9071640" cy="1262160"/>
+          </a:xfrm>
+          <a:prstGeom prst="rect">
+            <a:avLst/>
+          </a:prstGeom>
+          <a:noFill/>
+          <a:ln>
+            <a:noFill/>
+          </a:ln>
+        </p:spPr>
+        <p:txBody>
+          <a:bodyPr lIns="0" tIns="0" rIns="0" bIns="0" anchor="ctr">
+            <a:spAutoFit/>
+          </a:bodyPr>
+          <a:lstStyle/>
+          <a:p>
+            <a:pPr algn="ctr"/>
+            <a:r>
+              <a:rPr lang="en-US" sz="4400" b="1" strike="noStrike" spc="-1">
+                <a:latin typeface="Arial" panose="020B0604020202020204"/>
+              </a:rPr>
+              <a:t>JMS - ActiveMQ</a:t>
+            </a:r>
+            <a:endParaRPr lang="en-US" sz="4400" b="0" strike="noStrike" spc="-1">
+              <a:latin typeface="Arial" panose="020B0604020202020204"/>
+            </a:endParaRPr>
+          </a:p>
+        </p:txBody>
+      </p:sp>
+      <p:sp>
+        <p:nvSpPr>
+          <p:cNvPr id="89" name="TextShape 2"/>
+          <p:cNvSpPr txBox="1"/>
+          <p:nvPr/>
+        </p:nvSpPr>
+        <p:spPr>
+          <a:xfrm>
+            <a:off x="594720" y="1645920"/>
+            <a:ext cx="9006480" cy="5846760"/>
+          </a:xfrm>
+          <a:prstGeom prst="rect">
+            <a:avLst/>
+          </a:prstGeom>
+          <a:noFill/>
+          <a:ln>
+            <a:noFill/>
+          </a:ln>
+        </p:spPr>
+        <p:txBody>
+          <a:bodyPr lIns="90000" tIns="45000" rIns="90000" bIns="45000">
+            <a:spAutoFit/>
+          </a:bodyPr>
+          <a:lstStyle/>
+          <a:p>
+            <a:pPr>
+              <a:lnSpc>
+                <a:spcPct val="150000"/>
+              </a:lnSpc>
+            </a:pPr>
+            <a:r>
+              <a:rPr lang="en-US" sz="1800" b="1" strike="noStrike" spc="-1">
+                <a:latin typeface="Arial" panose="020B0604020202020204"/>
+              </a:rPr>
+              <a:t>Bao gồm các thành phần:</a:t>
+            </a:r>
+            <a:endParaRPr lang="en-US" sz="1800" b="0" strike="noStrike" spc="-1">
+              <a:latin typeface="Arial" panose="020B0604020202020204"/>
+            </a:endParaRPr>
+          </a:p>
+          <a:p>
+            <a:pPr>
+              <a:lnSpc>
+                <a:spcPct val="150000"/>
+              </a:lnSpc>
+            </a:pPr>
+            <a:r>
+              <a:rPr lang="en-US" sz="1800" b="1" strike="noStrike" spc="-1">
+                <a:latin typeface="Arial" panose="020B0604020202020204"/>
+              </a:rPr>
+              <a:t>Producer/Publisher:</a:t>
+            </a:r>
+            <a:r>
+              <a:rPr lang="en-US" sz="1800" b="0" strike="noStrike" spc="-1">
+                <a:latin typeface="Arial" panose="020B0604020202020204"/>
+              </a:rPr>
+              <a:t> Thành phần tạo và gửi tin Broker trung gian hay Message Oriented Middleware (MOM)</a:t>
+            </a:r>
+          </a:p>
+          <a:p>
+            <a:pPr>
+              <a:lnSpc>
+                <a:spcPct val="150000"/>
+              </a:lnSpc>
+            </a:pPr>
+            <a:r>
+              <a:rPr lang="en-US" sz="1800" b="1" strike="noStrike" spc="-1">
+                <a:latin typeface="Arial" panose="020B0604020202020204"/>
+              </a:rPr>
+              <a:t>Consumer/Subcriber:</a:t>
+            </a:r>
+            <a:r>
+              <a:rPr lang="en-US" sz="1800" b="0" strike="noStrike" spc="-1">
+                <a:latin typeface="Arial" panose="020B0604020202020204"/>
+              </a:rPr>
+              <a:t> Thành phần nhận tinProducer và Consumer là những ứng dụng Java. </a:t>
+            </a:r>
+          </a:p>
+          <a:p>
+            <a:pPr>
+              <a:lnSpc>
+                <a:spcPct val="150000"/>
+              </a:lnSpc>
+            </a:pPr>
+            <a:r>
+              <a:rPr lang="en-US" sz="1800" b="0" strike="noStrike" spc="-1">
+                <a:latin typeface="Arial" panose="020B0604020202020204"/>
+              </a:rPr>
+              <a:t>Còn MOM là ứng dụng trung gian.</a:t>
+            </a:r>
+          </a:p>
+          <a:p>
+            <a:pPr>
+              <a:lnSpc>
+                <a:spcPct val="150000"/>
+              </a:lnSpc>
+            </a:pPr>
+            <a:r>
+              <a:rPr lang="en-US" sz="1800" b="0" strike="noStrike" spc="-1">
+                <a:latin typeface="Arial" panose="020B0604020202020204"/>
+              </a:rPr>
+              <a:t>Một số MOM tiêu biểu:</a:t>
+            </a:r>
+          </a:p>
+          <a:p>
+            <a:pPr marL="215900" indent="-215900">
+              <a:lnSpc>
+                <a:spcPct val="150000"/>
+              </a:lnSpc>
+              <a:buClr>
+                <a:srgbClr val="000000"/>
+              </a:buClr>
+              <a:buSzPct val="45000"/>
+              <a:buFont typeface="Wingdings" panose="05000000000000000000" pitchFamily="2" charset="2"/>
+              <a:buChar char=""/>
+            </a:pPr>
+            <a:r>
+              <a:rPr lang="en-US" sz="1800" b="0" strike="noStrike" spc="-1">
+                <a:latin typeface="Arial" panose="020B0604020202020204"/>
+              </a:rPr>
+              <a:t>Weblogic -	Oracle</a:t>
+            </a:r>
+          </a:p>
+          <a:p>
+            <a:pPr marL="215900" indent="-215900">
+              <a:lnSpc>
+                <a:spcPct val="150000"/>
+              </a:lnSpc>
+              <a:buClr>
+                <a:srgbClr val="000000"/>
+              </a:buClr>
+              <a:buSzPct val="45000"/>
+              <a:buFont typeface="Wingdings" panose="05000000000000000000" pitchFamily="2" charset="2"/>
+              <a:buChar char=""/>
+            </a:pPr>
+            <a:r>
+              <a:rPr lang="en-US" sz="1800" b="0" strike="noStrike" spc="-1">
+                <a:latin typeface="Arial" panose="020B0604020202020204"/>
+              </a:rPr>
+              <a:t>MQSeries	- IBM</a:t>
+            </a:r>
+          </a:p>
+          <a:p>
+            <a:pPr marL="215900" indent="-215900">
+              <a:lnSpc>
+                <a:spcPct val="150000"/>
+              </a:lnSpc>
+              <a:buClr>
+                <a:srgbClr val="000000"/>
+              </a:buClr>
+              <a:buSzPct val="45000"/>
+              <a:buFont typeface="Wingdings" panose="05000000000000000000" pitchFamily="2" charset="2"/>
+              <a:buChar char=""/>
+            </a:pPr>
+            <a:r>
+              <a:rPr lang="en-US" sz="1800" b="0" strike="noStrike" spc="-1">
+                <a:latin typeface="Arial" panose="020B0604020202020204"/>
+              </a:rPr>
+              <a:t>JBOSSMQ	- JBOSS</a:t>
+            </a:r>
+          </a:p>
+          <a:p>
+            <a:pPr marL="215900" indent="-215900">
+              <a:lnSpc>
+                <a:spcPct val="150000"/>
+              </a:lnSpc>
+              <a:buClr>
+                <a:srgbClr val="000000"/>
+              </a:buClr>
+              <a:buSzPct val="45000"/>
+              <a:buFont typeface="Wingdings" panose="05000000000000000000" pitchFamily="2" charset="2"/>
+              <a:buChar char=""/>
+            </a:pPr>
+            <a:r>
+              <a:rPr lang="en-US" sz="1800" b="0" strike="noStrike" spc="-1">
+                <a:latin typeface="Arial" panose="020B0604020202020204"/>
+              </a:rPr>
+              <a:t>SonigMQ	- Progress</a:t>
+            </a:r>
+          </a:p>
+          <a:p>
+            <a:pPr marL="215900" indent="-215900">
+              <a:lnSpc>
+                <a:spcPct val="150000"/>
+              </a:lnSpc>
+              <a:buClr>
+                <a:srgbClr val="000000"/>
+              </a:buClr>
+              <a:buSzPct val="45000"/>
+              <a:buFont typeface="Wingdings" panose="05000000000000000000" pitchFamily="2" charset="2"/>
+              <a:buChar char=""/>
+            </a:pPr>
+            <a:r>
+              <a:rPr lang="en-US" sz="1800" b="0" strike="noStrike" spc="-1">
+                <a:latin typeface="Arial" panose="020B0604020202020204"/>
+              </a:rPr>
+              <a:t>TIBCO EMS	- TIBCO</a:t>
+            </a:r>
+          </a:p>
+          <a:p>
+            <a:pPr marL="215900" indent="-215900">
+              <a:lnSpc>
+                <a:spcPct val="150000"/>
+              </a:lnSpc>
+              <a:buClr>
+                <a:srgbClr val="000000"/>
+              </a:buClr>
+              <a:buSzPct val="45000"/>
+              <a:buFont typeface="Wingdings" panose="05000000000000000000" pitchFamily="2" charset="2"/>
+              <a:buChar char=""/>
+            </a:pPr>
+            <a:r>
+              <a:rPr lang="en-US" sz="1800" b="0" strike="noStrike" spc="-1">
+                <a:latin typeface="Arial" panose="020B0604020202020204"/>
+              </a:rPr>
+              <a:t>ActiveMQ	- Apache</a:t>
+            </a:r>
+          </a:p>
+          <a:p>
+            <a:pPr>
+              <a:lnSpc>
+                <a:spcPct val="150000"/>
+              </a:lnSpc>
+            </a:pPr>
+            <a:endParaRPr lang="en-US" sz="1800" b="0" strike="noStrike" spc="-1">
+              <a:latin typeface="Arial" panose="020B0604020202020204"/>
+            </a:endParaRPr>
+          </a:p>
+          <a:p>
+            <a:pPr>
+              <a:lnSpc>
+                <a:spcPct val="150000"/>
+              </a:lnSpc>
+            </a:pPr>
+            <a:endParaRPr lang="en-US" sz="1800" b="0" strike="noStrike" spc="-1">
+              <a:latin typeface="Arial" panose="020B0604020202020204"/>
+            </a:endParaRPr>
+          </a:p>
+        </p:txBody>
+      </p:sp>
+    </p:spTree>
+  </p:cSld>
+  <p:clrMapOvr>
+    <a:masterClrMapping/>
+  </p:clrMapOvr>
+  <mc:AlternateContent xmlns:mc="http://schemas.openxmlformats.org/markup-compatibility/2006" xmlns:p14="http://schemas.microsoft.com/office/powerpoint/2010/main">
+    <mc:Choice Requires="p14">
+      <p:transition spd="slow" p14:dur="2000"/>
+    </mc:Choice>
+    <mc:Fallback xmlns="">
+      <p:transition spd="slow"/>
+    </mc:Fallback>
+  </mc:AlternateContent>
+</p:sld>
+</file>
+
+<file path=ppt/slides/slide31.xml><?xml version="1.0" encoding="utf-8"?>
 <p:sld xmlns:a="http://schemas.openxmlformats.org/drawingml/2006/main" xmlns:r="http://schemas.openxmlformats.org/officeDocument/2006/relationships" xmlns:p="http://schemas.openxmlformats.org/presentationml/2006/main">
   <p:cSld>
     <p:spTree>
@@ -8673,9 +9715,6 @@
               </a:rPr>
               <a:t>ActiveMQ là một MOM mã nguồn mở, phổ biến và mạnh nhất.</a:t>
             </a:r>
-            <a:endParaRPr lang="en-US" sz="1800" b="0" strike="noStrike" spc="-1">
-              <a:latin typeface="Arial" panose="020B0604020202020204"/>
-            </a:endParaRPr>
           </a:p>
           <a:p>
             <a:pPr>
@@ -8705,9 +9744,6 @@
               </a:rPr>
               <a:t>ActiveMQ có thể chạy độc lập, hay bên trong các tiến trình khác, ứng dụng server, hay ứng dụng JEE.</a:t>
             </a:r>
-            <a:endParaRPr lang="en-US" sz="1800" b="0" strike="noStrike" spc="-1">
-              <a:latin typeface="Arial" panose="020B0604020202020204"/>
-            </a:endParaRPr>
           </a:p>
           <a:p>
             <a:pPr>
@@ -8737,9 +9773,6 @@
               </a:rPr>
               <a:t>Hỗ trợ mọi thứ JMS yêu cầu, và có thể mở rộng.- Ngoài Java thì ActiveMQ có thể ứng dụng với .NET, C/C++, Ruby, Delphy.</a:t>
             </a:r>
-            <a:endParaRPr lang="en-US" sz="1800" b="0" strike="noStrike" spc="-1">
-              <a:latin typeface="Arial" panose="020B0604020202020204"/>
-            </a:endParaRPr>
           </a:p>
           <a:p>
             <a:pPr>
@@ -8768,11 +9801,11 @@
   <p:clrMapOvr>
     <a:masterClrMapping/>
   </p:clrMapOvr>
-  <mc:AlternateContent xmlns:mc="http://schemas.openxmlformats.org/markup-compatibility/2006">
-    <mc:Choice xmlns:p14="http://schemas.microsoft.com/office/powerpoint/2010/main" Requires="p14">
+  <mc:AlternateContent xmlns:mc="http://schemas.openxmlformats.org/markup-compatibility/2006" xmlns:p14="http://schemas.microsoft.com/office/powerpoint/2010/main">
+    <mc:Choice Requires="p14">
       <p:transition spd="slow" p14:dur="2000"/>
     </mc:Choice>
-    <mc:Fallback>
+    <mc:Fallback xmlns="">
       <p:transition spd="slow"/>
     </mc:Fallback>
   </mc:AlternateContent>
@@ -8804,8 +9837,8 @@
         </p:nvSpPr>
         <p:spPr>
           <a:xfrm>
-            <a:off x="503365" y="615535"/>
-            <a:ext cx="9071640" cy="676910"/>
+            <a:off x="504000" y="615436"/>
+            <a:ext cx="9071640" cy="677108"/>
           </a:xfrm>
           <a:prstGeom prst="rect">
             <a:avLst/>
@@ -8823,51 +9856,361 @@
           <a:p>
             <a:pPr algn="ctr"/>
             <a:r>
-              <a:rPr lang="en-US" sz="4400" b="0" strike="noStrike" spc="-1">
-                <a:latin typeface="Arial" panose="020B0604020202020204"/>
-              </a:rPr>
-              <a:t>Overview</a:t>
-            </a:r>
-            <a:endParaRPr lang="en-US" sz="4400" b="0" strike="noStrike" spc="-1">
+              <a:rPr lang="vi-VN" sz="4400" b="1" dirty="0"/>
+              <a:t>ApplicationContext</a:t>
+            </a:r>
+            <a:endParaRPr lang="en-US" sz="4400" b="0" strike="noStrike" spc="-1" dirty="0">
               <a:latin typeface="Arial" panose="020B0604020202020204"/>
             </a:endParaRPr>
+          </a:p>
+        </p:txBody>
+      </p:sp>
+      <p:sp>
+        <p:nvSpPr>
+          <p:cNvPr id="3" name="Text Box 2"/>
+          <p:cNvSpPr txBox="1"/>
+          <p:nvPr/>
+        </p:nvSpPr>
+        <p:spPr>
+          <a:xfrm>
+            <a:off x="1295400" y="1403573"/>
+            <a:ext cx="7921376" cy="5509200"/>
+          </a:xfrm>
+          <a:prstGeom prst="rect">
+            <a:avLst/>
+          </a:prstGeom>
+          <a:noFill/>
+        </p:spPr>
+        <p:txBody>
+          <a:bodyPr wrap="square" rtlCol="0" anchor="t">
+            <a:spAutoFit/>
+          </a:bodyPr>
+          <a:lstStyle/>
+          <a:p>
+            <a:r>
+              <a:rPr lang="en-US" sz="1600" b="1" dirty="0" err="1"/>
+              <a:t>ApplicationContext</a:t>
+            </a:r>
+            <a:r>
+              <a:rPr lang="en-US" sz="1600" b="1" dirty="0"/>
+              <a:t> </a:t>
+            </a:r>
+            <a:r>
+              <a:rPr lang="en-US" sz="1600" b="1" dirty="0" err="1"/>
+              <a:t>là</a:t>
+            </a:r>
+            <a:r>
+              <a:rPr lang="en-US" sz="1600" b="1" dirty="0"/>
+              <a:t> </a:t>
+            </a:r>
+            <a:r>
+              <a:rPr lang="en-US" sz="1600" b="1" dirty="0" err="1"/>
+              <a:t>gì</a:t>
+            </a:r>
+            <a:r>
+              <a:rPr lang="en-US" sz="1600" b="1" dirty="0" smtClean="0"/>
+              <a:t>?</a:t>
+            </a:r>
+          </a:p>
+          <a:p>
+            <a:r>
+              <a:rPr lang="vi-VN" sz="1600" b="1" dirty="0"/>
+              <a:t>ApplicationContext</a:t>
+            </a:r>
+            <a:r>
+              <a:rPr lang="vi-VN" sz="1600" dirty="0"/>
+              <a:t> là khái niệm Spring Boot dùng để chỉ Spring IoC </a:t>
+            </a:r>
+            <a:r>
+              <a:rPr lang="vi-VN" sz="1600" dirty="0" smtClean="0"/>
+              <a:t>containe</a:t>
+            </a:r>
+            <a:r>
+              <a:rPr lang="en-US" sz="1600" dirty="0" smtClean="0"/>
+              <a:t>r.</a:t>
+            </a:r>
+          </a:p>
+          <a:p>
+            <a:r>
+              <a:rPr lang="vi-VN" sz="1600" dirty="0"/>
+              <a:t>Spring IoC container sẽ quét toàn bộ packages, tìm ra các bean và đưa vào ApplicationContext. Cơ chế đó là Component </a:t>
+            </a:r>
+            <a:r>
+              <a:rPr lang="vi-VN" sz="1600" dirty="0" smtClean="0"/>
+              <a:t>scan</a:t>
+            </a:r>
+            <a:endParaRPr lang="en-US" sz="1600" dirty="0" smtClean="0"/>
+          </a:p>
+          <a:p>
+            <a:endParaRPr lang="en-US" sz="1600" b="1" dirty="0"/>
+          </a:p>
+          <a:p>
+            <a:r>
+              <a:rPr lang="en-US" sz="1600" b="1" dirty="0" err="1"/>
+              <a:t>Cách</a:t>
+            </a:r>
+            <a:r>
+              <a:rPr lang="en-US" sz="1600" b="1" dirty="0"/>
+              <a:t> </a:t>
+            </a:r>
+            <a:r>
+              <a:rPr lang="en-US" sz="1600" b="1" dirty="0" err="1"/>
+              <a:t>lấy</a:t>
+            </a:r>
+            <a:r>
+              <a:rPr lang="en-US" sz="1600" b="1" dirty="0"/>
+              <a:t> bean </a:t>
+            </a:r>
+            <a:r>
+              <a:rPr lang="en-US" sz="1600" b="1" dirty="0" err="1"/>
+              <a:t>ra</a:t>
+            </a:r>
+            <a:r>
+              <a:rPr lang="en-US" sz="1600" b="1" dirty="0"/>
+              <a:t> </a:t>
+            </a:r>
+            <a:r>
+              <a:rPr lang="en-US" sz="1600" b="1" dirty="0" err="1"/>
+              <a:t>từ</a:t>
+            </a:r>
+            <a:r>
+              <a:rPr lang="en-US" sz="1600" b="1" dirty="0"/>
+              <a:t> </a:t>
+            </a:r>
+            <a:r>
+              <a:rPr lang="en-US" sz="1600" b="1" dirty="0" smtClean="0"/>
+              <a:t>Context</a:t>
+            </a:r>
+          </a:p>
+          <a:p>
+            <a:endParaRPr lang="en-US" sz="1600" dirty="0" smtClean="0"/>
+          </a:p>
+          <a:p>
+            <a:endParaRPr lang="en-US" sz="1600" dirty="0"/>
+          </a:p>
+          <a:p>
+            <a:endParaRPr lang="en-US" sz="1600" dirty="0" smtClean="0"/>
+          </a:p>
+          <a:p>
+            <a:endParaRPr lang="en-US" sz="1600" dirty="0"/>
+          </a:p>
+          <a:p>
+            <a:endParaRPr lang="en-US" sz="1600" dirty="0" smtClean="0"/>
+          </a:p>
+          <a:p>
+            <a:endParaRPr lang="en-US" sz="1600" dirty="0"/>
+          </a:p>
+          <a:p>
+            <a:endParaRPr lang="en-US" sz="1600" dirty="0" smtClean="0"/>
+          </a:p>
+          <a:p>
+            <a:endParaRPr lang="en-US" sz="1600" dirty="0"/>
+          </a:p>
+          <a:p>
+            <a:endParaRPr lang="en-US" sz="1600" dirty="0" smtClean="0"/>
+          </a:p>
+          <a:p>
+            <a:endParaRPr lang="en-US" sz="1600" dirty="0" smtClean="0"/>
+          </a:p>
+          <a:p>
+            <a:r>
+              <a:rPr lang="vi-VN" sz="1600" dirty="0" smtClean="0"/>
+              <a:t>Dòng </a:t>
+            </a:r>
+            <a:r>
+              <a:rPr lang="vi-VN" sz="1600" dirty="0"/>
+              <a:t>method SpringApplication.run() sẽ return về một object ApplicationContext interface, đại diện cho IoC </a:t>
+            </a:r>
+            <a:r>
+              <a:rPr lang="vi-VN" sz="1600" dirty="0" smtClean="0"/>
+              <a:t>container</a:t>
+            </a:r>
+            <a:endParaRPr lang="en-US" sz="1600" dirty="0" smtClean="0"/>
+          </a:p>
+          <a:p>
+            <a:r>
+              <a:rPr lang="en-US" sz="1600" dirty="0" smtClean="0"/>
+              <a:t>          </a:t>
+            </a:r>
+            <a:r>
+              <a:rPr lang="en-US" sz="1600" dirty="0" err="1" smtClean="0"/>
+              <a:t>ApplicationContext</a:t>
+            </a:r>
+            <a:r>
+              <a:rPr lang="en-US" sz="1600" dirty="0" smtClean="0"/>
+              <a:t> </a:t>
+            </a:r>
+            <a:r>
+              <a:rPr lang="en-US" sz="1600" dirty="0"/>
+              <a:t>context = </a:t>
+            </a:r>
+            <a:r>
+              <a:rPr lang="en-US" sz="1600" dirty="0" err="1"/>
+              <a:t>SpringApplication.run</a:t>
+            </a:r>
+            <a:r>
+              <a:rPr lang="en-US" sz="1600" dirty="0"/>
+              <a:t>(</a:t>
+            </a:r>
+            <a:r>
+              <a:rPr lang="en-US" sz="1600" dirty="0" err="1"/>
+              <a:t>Application.class</a:t>
+            </a:r>
+            <a:r>
+              <a:rPr lang="en-US" sz="1600" dirty="0"/>
+              <a:t>, </a:t>
+            </a:r>
+            <a:r>
+              <a:rPr lang="en-US" sz="1600" dirty="0" err="1"/>
+              <a:t>args</a:t>
+            </a:r>
+            <a:r>
+              <a:rPr lang="en-US" sz="1600" dirty="0"/>
+              <a:t>);</a:t>
+            </a:r>
+            <a:endParaRPr lang="en-US" sz="1600" dirty="0" smtClean="0"/>
+          </a:p>
+          <a:p>
+            <a:r>
+              <a:rPr lang="vi-VN" sz="1600" dirty="0"/>
+              <a:t>Chúng ta có thể lấy ra bean từ đây, dùng method </a:t>
+            </a:r>
+            <a:r>
+              <a:rPr lang="vi-VN" sz="1600" b="1" dirty="0"/>
+              <a:t>getBean</a:t>
+            </a:r>
+            <a:r>
+              <a:rPr lang="vi-VN" sz="1600" dirty="0" smtClean="0"/>
+              <a:t>()</a:t>
+            </a:r>
+            <a:r>
+              <a:rPr lang="en-US" sz="1600" dirty="0" smtClean="0"/>
+              <a:t>:</a:t>
+            </a:r>
+          </a:p>
+          <a:p>
+            <a:r>
+              <a:rPr lang="en-US" sz="1600" b="1" dirty="0"/>
+              <a:t> </a:t>
+            </a:r>
+            <a:r>
+              <a:rPr lang="en-US" sz="1600" b="1" dirty="0" smtClean="0"/>
+              <a:t>         </a:t>
+            </a:r>
+            <a:r>
+              <a:rPr lang="en-US" sz="1600" dirty="0"/>
+              <a:t>Car </a:t>
+            </a:r>
+            <a:r>
+              <a:rPr lang="en-US" sz="1600" dirty="0" err="1"/>
+              <a:t>car</a:t>
+            </a:r>
+            <a:r>
+              <a:rPr lang="en-US" sz="1600" dirty="0"/>
+              <a:t> = </a:t>
+            </a:r>
+            <a:r>
+              <a:rPr lang="en-US" sz="1600" dirty="0" err="1"/>
+              <a:t>context.getBean</a:t>
+            </a:r>
+            <a:r>
+              <a:rPr lang="en-US" sz="1600" dirty="0"/>
+              <a:t>(</a:t>
+            </a:r>
+            <a:r>
+              <a:rPr lang="en-US" sz="1600" dirty="0" err="1"/>
+              <a:t>Car.class</a:t>
+            </a:r>
+            <a:r>
+              <a:rPr lang="en-US" sz="1600" dirty="0"/>
+              <a:t>);</a:t>
+            </a:r>
+            <a:endParaRPr lang="en-US" sz="1600" b="1" dirty="0" smtClean="0"/>
+          </a:p>
+          <a:p>
+            <a:endParaRPr lang="en-US" sz="1600" b="1" dirty="0"/>
           </a:p>
         </p:txBody>
       </p:sp>
       <p:pic>
         <p:nvPicPr>
-          <p:cNvPr id="4" name="Picture 3"/>
+          <p:cNvPr id="1026" name="Picture 2"/>
           <p:cNvPicPr>
-            <a:picLocks noChangeAspect="1"/>
+            <a:picLocks noChangeAspect="1" noChangeArrowheads="1"/>
           </p:cNvPicPr>
           <p:nvPr/>
         </p:nvPicPr>
         <p:blipFill>
-          <a:blip r:embed="rId1"/>
+          <a:blip r:embed="rId2">
+            <a:extLst>
+              <a:ext uri="{28A0092B-C50C-407E-A947-70E740481C1C}">
+                <a14:useLocalDpi xmlns:a14="http://schemas.microsoft.com/office/drawing/2010/main" val="0"/>
+              </a:ext>
+            </a:extLst>
+          </a:blip>
+          <a:srcRect/>
           <a:stretch>
             <a:fillRect/>
           </a:stretch>
         </p:blipFill>
-        <p:spPr>
+        <p:spPr bwMode="auto">
           <a:xfrm>
-            <a:off x="504190" y="1292225"/>
-            <a:ext cx="9315450" cy="6076950"/>
+            <a:off x="1892857" y="3077085"/>
+            <a:ext cx="5781675" cy="2162175"/>
           </a:xfrm>
           <a:prstGeom prst="rect">
             <a:avLst/>
           </a:prstGeom>
+          <a:noFill/>
+          <a:ln>
+            <a:noFill/>
+          </a:ln>
+          <a:effectLst/>
+          <a:extLst>
+            <a:ext uri="{909E8E84-426E-40DD-AFC4-6F175D3DCCD1}">
+              <a14:hiddenFill xmlns:a14="http://schemas.microsoft.com/office/drawing/2010/main">
+                <a:solidFill>
+                  <a:schemeClr val="accent1"/>
+                </a:solidFill>
+              </a14:hiddenFill>
+            </a:ext>
+            <a:ext uri="{91240B29-F687-4F45-9708-019B960494DF}">
+              <a14:hiddenLine xmlns:a14="http://schemas.microsoft.com/office/drawing/2010/main" w="9525">
+                <a:solidFill>
+                  <a:schemeClr val="tx1"/>
+                </a:solidFill>
+                <a:miter lim="800000"/>
+                <a:headEnd/>
+                <a:tailEnd/>
+              </a14:hiddenLine>
+            </a:ext>
+            <a:ext uri="{AF507438-7753-43E0-B8FC-AC1667EBCBE1}">
+              <a14:hiddenEffects xmlns:a14="http://schemas.microsoft.com/office/drawing/2010/main">
+                <a:effectLst>
+                  <a:outerShdw dist="35921" dir="2700000" algn="ctr" rotWithShape="0">
+                    <a:schemeClr val="bg2"/>
+                  </a:outerShdw>
+                </a:effectLst>
+              </a14:hiddenEffects>
+            </a:ext>
+          </a:extLst>
         </p:spPr>
       </p:pic>
     </p:spTree>
+    <p:extLst>
+      <p:ext uri="{BB962C8B-B14F-4D97-AF65-F5344CB8AC3E}">
+        <p14:creationId xmlns:p14="http://schemas.microsoft.com/office/powerpoint/2010/main" val="1561513415"/>
+      </p:ext>
+    </p:extLst>
   </p:cSld>
   <p:clrMapOvr>
     <a:masterClrMapping/>
   </p:clrMapOvr>
-  <mc:AlternateContent xmlns:mc="http://schemas.openxmlformats.org/markup-compatibility/2006">
-    <mc:Choice xmlns:p14="http://schemas.microsoft.com/office/powerpoint/2010/main" Requires="p14">
+  <mc:AlternateContent xmlns:mc="http://schemas.openxmlformats.org/markup-compatibility/2006" xmlns:p14="http://schemas.microsoft.com/office/powerpoint/2010/main">
+    <mc:Choice Requires="p14">
       <p:transition spd="slow" p14:dur="2000"/>
     </mc:Choice>
-    <mc:Fallback>
+    <mc:Fallback xmlns="">
       <p:transition spd="slow"/>
     </mc:Fallback>
   </mc:AlternateContent>
@@ -8930,30 +10273,27 @@
               </a:rPr>
               <a:t>Overview</a:t>
             </a:r>
-            <a:endParaRPr lang="en-US" sz="4400" b="0" strike="noStrike" spc="-1">
-              <a:latin typeface="Arial" panose="020B0604020202020204"/>
-            </a:endParaRPr>
           </a:p>
         </p:txBody>
       </p:sp>
       <p:pic>
         <p:nvPicPr>
-          <p:cNvPr id="2" name="Picture 1"/>
+          <p:cNvPr id="4" name="Picture 3"/>
           <p:cNvPicPr>
             <a:picLocks noChangeAspect="1"/>
           </p:cNvPicPr>
           <p:nvPr/>
         </p:nvPicPr>
         <p:blipFill>
-          <a:blip r:embed="rId1"/>
+          <a:blip r:embed="rId2"/>
           <a:stretch>
             <a:fillRect/>
           </a:stretch>
         </p:blipFill>
         <p:spPr>
           <a:xfrm>
-            <a:off x="480060" y="1683385"/>
-            <a:ext cx="9120505" cy="5599430"/>
+            <a:off x="504190" y="1292225"/>
+            <a:ext cx="9315450" cy="6076950"/>
           </a:xfrm>
           <a:prstGeom prst="rect">
             <a:avLst/>
@@ -8965,11 +10305,11 @@
   <p:clrMapOvr>
     <a:masterClrMapping/>
   </p:clrMapOvr>
-  <mc:AlternateContent xmlns:mc="http://schemas.openxmlformats.org/markup-compatibility/2006">
-    <mc:Choice xmlns:p14="http://schemas.microsoft.com/office/powerpoint/2010/main" Requires="p14">
+  <mc:AlternateContent xmlns:mc="http://schemas.openxmlformats.org/markup-compatibility/2006" xmlns:p14="http://schemas.microsoft.com/office/powerpoint/2010/main">
+    <mc:Choice Requires="p14">
       <p:transition spd="slow" p14:dur="2000"/>
     </mc:Choice>
-    <mc:Fallback>
+    <mc:Fallback xmlns="">
       <p:transition spd="slow"/>
     </mc:Fallback>
   </mc:AlternateContent>
@@ -9002,13 +10342,13 @@
       </p:grpSpPr>
       <p:sp>
         <p:nvSpPr>
-          <p:cNvPr id="43" name="TextShape 1"/>
+          <p:cNvPr id="41" name="TextShape 1"/>
           <p:cNvSpPr txBox="1"/>
           <p:nvPr/>
         </p:nvSpPr>
         <p:spPr>
           <a:xfrm>
-            <a:off x="504000" y="467580"/>
+            <a:off x="503365" y="615535"/>
             <a:ext cx="9071640" cy="676910"/>
           </a:xfrm>
           <a:prstGeom prst="rect">
@@ -9030,260 +10370,45 @@
               <a:rPr lang="en-US" sz="4400" b="0" strike="noStrike" spc="-1">
                 <a:latin typeface="Arial" panose="020B0604020202020204"/>
               </a:rPr>
-              <a:t>@Bean</a:t>
-            </a:r>
-            <a:endParaRPr lang="en-US" sz="4400" b="0" strike="noStrike" spc="-1">
-              <a:latin typeface="Arial" panose="020B0604020202020204"/>
-            </a:endParaRPr>
+              <a:t>Overview</a:t>
+            </a:r>
           </a:p>
         </p:txBody>
       </p:sp>
-      <p:sp>
-        <p:nvSpPr>
-          <p:cNvPr id="44" name="TextShape 2"/>
-          <p:cNvSpPr txBox="1"/>
+      <p:pic>
+        <p:nvPicPr>
+          <p:cNvPr id="2" name="Picture 1"/>
+          <p:cNvPicPr>
+            <a:picLocks noChangeAspect="1"/>
+          </p:cNvPicPr>
           <p:nvPr/>
-        </p:nvSpPr>
+        </p:nvPicPr>
+        <p:blipFill>
+          <a:blip r:embed="rId2"/>
+          <a:stretch>
+            <a:fillRect/>
+          </a:stretch>
+        </p:blipFill>
         <p:spPr>
           <a:xfrm>
-            <a:off x="1007705" y="1270635"/>
-            <a:ext cx="8316000" cy="5813425"/>
+            <a:off x="480060" y="1683385"/>
+            <a:ext cx="9120505" cy="5599430"/>
           </a:xfrm>
           <a:prstGeom prst="rect">
             <a:avLst/>
           </a:prstGeom>
-          <a:noFill/>
-          <a:ln>
-            <a:noFill/>
-          </a:ln>
         </p:spPr>
-        <p:txBody>
-          <a:bodyPr lIns="90000" tIns="45000" rIns="90000" bIns="45000">
-            <a:spAutoFit/>
-          </a:bodyPr>
-          <a:lstStyle/>
-          <a:p>
-            <a:pPr>
-              <a:lnSpc>
-                <a:spcPct val="115000"/>
-              </a:lnSpc>
-            </a:pPr>
-            <a:r>
-              <a:rPr lang="en-US" sz="1800" b="0" strike="noStrike" spc="-1">
-                <a:latin typeface="Arial" panose="020B0604020202020204"/>
-              </a:rPr>
-              <a:t>Spring </a:t>
-            </a:r>
-            <a:r>
-              <a:rPr lang="en-US" sz="1800" b="1" strike="noStrike" spc="-1">
-                <a:latin typeface="Arial" panose="020B0604020202020204"/>
-              </a:rPr>
-              <a:t>Beans </a:t>
-            </a:r>
-            <a:r>
-              <a:rPr lang="en-US" sz="1800" b="0" strike="noStrike" spc="-1">
-                <a:latin typeface="Arial" panose="020B0604020202020204"/>
-              </a:rPr>
-              <a:t>chính là những Java Object mà từ đó tạo nên khung sườn của một ứng dụng Spring. Chúng được  quản lý bởi Spring IoC container.</a:t>
-            </a:r>
-            <a:endParaRPr lang="en-US" sz="1800" b="0" strike="noStrike" spc="-1">
-              <a:latin typeface="Arial" panose="020B0604020202020204"/>
-            </a:endParaRPr>
-          </a:p>
-          <a:p>
-            <a:pPr>
-              <a:lnSpc>
-                <a:spcPct val="115000"/>
-              </a:lnSpc>
-            </a:pPr>
-            <a:endParaRPr lang="en-US" sz="1800" b="0" strike="noStrike" spc="-1">
-              <a:latin typeface="Arial" panose="020B0604020202020204"/>
-            </a:endParaRPr>
-          </a:p>
-          <a:p>
-            <a:pPr>
-              <a:lnSpc>
-                <a:spcPct val="115000"/>
-              </a:lnSpc>
-            </a:pPr>
-            <a:r>
-              <a:rPr lang="en-US" sz="1800" b="1" strike="noStrike" spc="-1">
-                <a:latin typeface="Arial" panose="020B0604020202020204"/>
-              </a:rPr>
-              <a:t>Inversion of Control</a:t>
-            </a:r>
-            <a:r>
-              <a:rPr lang="en-US" sz="1800" b="0" strike="noStrike" spc="-1">
-                <a:latin typeface="Arial" panose="020B0604020202020204"/>
-              </a:rPr>
-              <a:t> viết tắt là IoC là một quá trình trong đó một object định nghĩa các dependency (phụ thuộc) mà không cần phải khởi tạo chúng.Việc khởi tạo các dependency này được chuyển giao cho IoC container.</a:t>
-            </a:r>
-            <a:endParaRPr lang="en-US" sz="1800" b="0" strike="noStrike" spc="-1">
-              <a:latin typeface="Arial" panose="020B0604020202020204"/>
-            </a:endParaRPr>
-          </a:p>
-          <a:p>
-            <a:pPr>
-              <a:lnSpc>
-                <a:spcPct val="115000"/>
-              </a:lnSpc>
-            </a:pPr>
-            <a:endParaRPr lang="en-US" sz="1800" b="0" strike="noStrike" spc="-1">
-              <a:latin typeface="Arial" panose="020B0604020202020204"/>
-            </a:endParaRPr>
-          </a:p>
-          <a:p>
-            <a:pPr>
-              <a:lnSpc>
-                <a:spcPct val="115000"/>
-              </a:lnSpc>
-            </a:pPr>
-            <a:r>
-              <a:rPr lang="en-US" sz="1800" b="1" strike="noStrike" spc="-1">
-                <a:latin typeface="Arial" panose="020B0604020202020204"/>
-              </a:rPr>
-              <a:t>Scope of Bean</a:t>
-            </a:r>
-            <a:endParaRPr lang="en-US" sz="1800" b="1" strike="noStrike" spc="-1">
-              <a:latin typeface="Arial" panose="020B0604020202020204"/>
-            </a:endParaRPr>
-          </a:p>
-          <a:p>
-            <a:pPr>
-              <a:lnSpc>
-                <a:spcPct val="115000"/>
-              </a:lnSpc>
-            </a:pPr>
-            <a:r>
-              <a:rPr lang="en-US" sz="1800" b="0" strike="noStrike" spc="-1">
-                <a:latin typeface="Arial" panose="020B0604020202020204"/>
-              </a:rPr>
-              <a:t>Việc định nghĩa scope có thể thực hiện thông qua việc sử dụng thuộc tính tên là “scope” khi định nghĩa. Lấy ví dụ, khi bean phải tạo mới mỗi lần cần sử dụng, thuộc tính scope sẽ là “prototype”. Mặt khác, khi bean luôn luôn trả về một instance giống nhau khi sử dụng, thuộc tính scope sẽ là “singleton”.</a:t>
-            </a:r>
-            <a:endParaRPr lang="en-US" sz="1800" b="0" strike="noStrike" spc="-1">
-              <a:latin typeface="Arial" panose="020B0604020202020204"/>
-            </a:endParaRPr>
-          </a:p>
-          <a:p>
-            <a:pPr>
-              <a:lnSpc>
-                <a:spcPct val="115000"/>
-              </a:lnSpc>
-            </a:pPr>
-            <a:endParaRPr lang="en-US" sz="1800" b="0" strike="noStrike" spc="-1">
-              <a:latin typeface="Arial" panose="020B0604020202020204"/>
-            </a:endParaRPr>
-          </a:p>
-          <a:p>
-            <a:pPr>
-              <a:lnSpc>
-                <a:spcPct val="115000"/>
-              </a:lnSpc>
-            </a:pPr>
-            <a:r>
-              <a:rPr lang="en-US" sz="1800" b="1" strike="noStrike" spc="-1">
-                <a:latin typeface="Arial" panose="020B0604020202020204"/>
-              </a:rPr>
-              <a:t>Làm sao để cung cấp configuration metadata cho Spring Container?</a:t>
-            </a:r>
-            <a:endParaRPr lang="en-US" sz="1800" b="1" strike="noStrike" spc="-1">
-              <a:latin typeface="Arial" panose="020B0604020202020204"/>
-            </a:endParaRPr>
-          </a:p>
-          <a:p>
-            <a:pPr>
-              <a:lnSpc>
-                <a:spcPct val="115000"/>
-              </a:lnSpc>
-            </a:pPr>
-            <a:r>
-              <a:rPr lang="en-US" sz="1800" b="0" strike="noStrike" spc="-1">
-                <a:latin typeface="Arial" panose="020B0604020202020204"/>
-              </a:rPr>
-              <a:t>Có ba cách để cũng cấp configuration metadata cho Spring container.</a:t>
-            </a:r>
-            <a:endParaRPr lang="en-US" sz="1800" b="0" strike="noStrike" spc="-1">
-              <a:latin typeface="Arial" panose="020B0604020202020204"/>
-            </a:endParaRPr>
-          </a:p>
-          <a:p>
-            <a:pPr>
-              <a:lnSpc>
-                <a:spcPct val="115000"/>
-              </a:lnSpc>
-            </a:pPr>
-            <a:r>
-              <a:rPr lang="en-US" sz="1800" b="0" strike="noStrike" spc="-1">
-                <a:latin typeface="Arial" panose="020B0604020202020204"/>
-              </a:rPr>
-              <a:t>Thông qua </a:t>
-            </a:r>
-            <a:r>
-              <a:rPr lang="en-US" sz="1800" b="1" strike="noStrike" spc="-1">
-                <a:latin typeface="Arial" panose="020B0604020202020204"/>
-              </a:rPr>
-              <a:t>XML configuration file</a:t>
-            </a:r>
-            <a:endParaRPr lang="en-US" sz="1800" b="0" strike="noStrike" spc="-1">
-              <a:latin typeface="Arial" panose="020B0604020202020204"/>
-            </a:endParaRPr>
-          </a:p>
-          <a:p>
-            <a:pPr>
-              <a:lnSpc>
-                <a:spcPct val="115000"/>
-              </a:lnSpc>
-            </a:pPr>
-            <a:r>
-              <a:rPr lang="en-US" sz="1800" b="0" strike="noStrike" spc="-1">
-                <a:latin typeface="Arial" panose="020B0604020202020204"/>
-              </a:rPr>
-              <a:t>Thông qua </a:t>
-            </a:r>
-            <a:r>
-              <a:rPr lang="en-US" sz="1800" b="1" strike="noStrike" spc="-1">
-                <a:latin typeface="Arial" panose="020B0604020202020204"/>
-              </a:rPr>
-              <a:t>Annotation-based configuration</a:t>
-            </a:r>
-            <a:endParaRPr lang="en-US" sz="1800" b="0" strike="noStrike" spc="-1">
-              <a:latin typeface="Arial" panose="020B0604020202020204"/>
-            </a:endParaRPr>
-          </a:p>
-          <a:p>
-            <a:pPr>
-              <a:lnSpc>
-                <a:spcPct val="115000"/>
-              </a:lnSpc>
-            </a:pPr>
-            <a:r>
-              <a:rPr lang="en-US" sz="1800" b="0" strike="noStrike" spc="-1">
-                <a:latin typeface="Arial" panose="020B0604020202020204"/>
-              </a:rPr>
-              <a:t>Thông qua </a:t>
-            </a:r>
-            <a:r>
-              <a:rPr lang="en-US" sz="1800" b="1" strike="noStrike" spc="-1">
-                <a:latin typeface="Arial" panose="020B0604020202020204"/>
-              </a:rPr>
-              <a:t>Java-based configuration</a:t>
-            </a:r>
-            <a:endParaRPr lang="en-US" sz="1800" b="1" strike="noStrike" spc="-1">
-              <a:latin typeface="Arial" panose="020B0604020202020204"/>
-            </a:endParaRPr>
-          </a:p>
-        </p:txBody>
-      </p:sp>
+      </p:pic>
     </p:spTree>
   </p:cSld>
   <p:clrMapOvr>
     <a:masterClrMapping/>
   </p:clrMapOvr>
-  <mc:AlternateContent xmlns:mc="http://schemas.openxmlformats.org/markup-compatibility/2006">
-    <mc:Choice xmlns:p14="http://schemas.microsoft.com/office/powerpoint/2010/main" Requires="p14">
+  <mc:AlternateContent xmlns:mc="http://schemas.openxmlformats.org/markup-compatibility/2006" xmlns:p14="http://schemas.microsoft.com/office/powerpoint/2010/main">
+    <mc:Choice Requires="p14">
       <p:transition spd="slow" p14:dur="2000"/>
     </mc:Choice>
-    <mc:Fallback>
+    <mc:Fallback xmlns="">
       <p:transition spd="slow"/>
     </mc:Fallback>
   </mc:AlternateContent>
@@ -9346,9 +10471,6 @@
               </a:rPr>
               <a:t>@Bean</a:t>
             </a:r>
-            <a:endParaRPr lang="en-US" sz="4400" b="0" strike="noStrike" spc="-1">
-              <a:latin typeface="Arial" panose="020B0604020202020204"/>
-            </a:endParaRPr>
           </a:p>
         </p:txBody>
       </p:sp>
@@ -9360,8 +10482,8 @@
         </p:nvSpPr>
         <p:spPr>
           <a:xfrm>
-            <a:off x="1007705" y="1259205"/>
-            <a:ext cx="8316000" cy="3268980"/>
+            <a:off x="1007705" y="1270635"/>
+            <a:ext cx="8316000" cy="5813425"/>
           </a:xfrm>
           <a:prstGeom prst="rect">
             <a:avLst/>
@@ -9383,14 +10505,23 @@
               </a:lnSpc>
             </a:pPr>
             <a:r>
+              <a:rPr lang="en-US" sz="1800" b="0" strike="noStrike" spc="-1">
+                <a:latin typeface="Arial" panose="020B0604020202020204"/>
+              </a:rPr>
+              <a:t>Spring </a:t>
+            </a:r>
+            <a:r>
               <a:rPr lang="en-US" sz="1800" b="1" strike="noStrike" spc="-1">
                 <a:latin typeface="Arial" panose="020B0604020202020204"/>
               </a:rPr>
-              <a:t>scope của bean</a:t>
-            </a:r>
-            <a:endParaRPr lang="en-US" sz="1800" b="1" strike="noStrike" spc="-1">
-              <a:latin typeface="Arial" panose="020B0604020202020204"/>
-            </a:endParaRPr>
+              <a:t>Beans </a:t>
+            </a:r>
+            <a:r>
+              <a:rPr lang="en-US" sz="1800" b="0" strike="noStrike" spc="-1">
+                <a:latin typeface="Arial" panose="020B0604020202020204"/>
+              </a:rPr>
+              <a:t>chính là những Java Object mà từ đó tạo nên khung sườn của một ứng dụng Spring. Chúng được  quản lý bởi Spring IoC container.</a:t>
+            </a:r>
           </a:p>
           <a:p>
             <a:pPr>
@@ -9398,19 +10529,7 @@
                 <a:spcPct val="115000"/>
               </a:lnSpc>
             </a:pPr>
-            <a:r>
-              <a:rPr lang="en-US" sz="1800" b="1" strike="noStrike" spc="-1">
-                <a:latin typeface="Arial" panose="020B0604020202020204"/>
-              </a:rPr>
-              <a:t>singleton</a:t>
-            </a:r>
-            <a:r>
-              <a:rPr lang="en-US" sz="1800" strike="noStrike" spc="-1">
-                <a:latin typeface="Arial" panose="020B0604020202020204"/>
-              </a:rPr>
-              <a:t>: cho biết bean đó có một instance duy nhất trong Sping IoC container.</a:t>
-            </a:r>
-            <a:endParaRPr lang="en-US" sz="1800" strike="noStrike" spc="-1">
+            <a:endParaRPr lang="en-US" sz="1800" b="0" strike="noStrike" spc="-1">
               <a:latin typeface="Arial" panose="020B0604020202020204"/>
             </a:endParaRPr>
           </a:p>
@@ -9424,17 +10543,14 @@
               <a:rPr lang="en-US" sz="1800" b="1" strike="noStrike" spc="-1">
                 <a:latin typeface="Arial" panose="020B0604020202020204"/>
               </a:rPr>
-              <a:t>prototype</a:t>
-            </a:r>
-            <a:r>
-              <a:rPr lang="en-US" sz="1800" strike="noStrike" spc="-1">
-                <a:latin typeface="Arial" panose="020B0604020202020204"/>
-              </a:rPr>
-              <a:t>: cho biết bean đó được định nghĩa là có nhiều object instances, mỗi lần muốn sử dụng sẽ tạo mới.</a:t>
-            </a:r>
-            <a:endParaRPr lang="en-US" sz="1800" strike="noStrike" spc="-1">
-              <a:latin typeface="Arial" panose="020B0604020202020204"/>
-            </a:endParaRPr>
+              <a:t>Inversion of Control</a:t>
+            </a:r>
+            <a:r>
+              <a:rPr lang="en-US" sz="1800" b="0" strike="noStrike" spc="-1">
+                <a:latin typeface="Arial" panose="020B0604020202020204"/>
+              </a:rPr>
+              <a:t> viết tắt là IoC là một quá trình trong đó một object định nghĩa các dependency (phụ thuộc) mà không cần phải khởi tạo chúng.Việc khởi tạo các dependency này được chuyển giao cho IoC container.</a:t>
+            </a:r>
           </a:p>
           <a:p>
             <a:pPr>
@@ -9442,19 +10558,7 @@
                 <a:spcPct val="115000"/>
               </a:lnSpc>
             </a:pPr>
-            <a:r>
-              <a:rPr lang="en-US" sz="1800" b="1" strike="noStrike" spc="-1">
-                <a:latin typeface="Arial" panose="020B0604020202020204"/>
-              </a:rPr>
-              <a:t>request</a:t>
-            </a:r>
-            <a:r>
-              <a:rPr lang="en-US" sz="1800" strike="noStrike" spc="-1">
-                <a:latin typeface="Arial" panose="020B0604020202020204"/>
-              </a:rPr>
-              <a:t>: cho biết bean được định nghĩa với một HTTP request. Scope này chỉ hợp lệ khi chúng ta sử dụng Web Application Context.</a:t>
-            </a:r>
-            <a:endParaRPr lang="en-US" sz="1800" strike="noStrike" spc="-1">
+            <a:endParaRPr lang="en-US" sz="1800" b="0" strike="noStrike" spc="-1">
               <a:latin typeface="Arial" panose="020B0604020202020204"/>
             </a:endParaRPr>
           </a:p>
@@ -9468,17 +10572,8 @@
               <a:rPr lang="en-US" sz="1800" b="1" strike="noStrike" spc="-1">
                 <a:latin typeface="Arial" panose="020B0604020202020204"/>
               </a:rPr>
-              <a:t>session</a:t>
-            </a:r>
-            <a:r>
-              <a:rPr lang="en-US" sz="1800" strike="noStrike" spc="-1">
-                <a:latin typeface="Arial" panose="020B0604020202020204"/>
-              </a:rPr>
-              <a:t>: cho biết bean được định nghĩa với một HTTP session. Scope này cũng chỉ hợp lệ khi chúng ta sử dụng Web Application Context.</a:t>
-            </a:r>
-            <a:endParaRPr lang="en-US" sz="1800" strike="noStrike" spc="-1">
-              <a:latin typeface="Arial" panose="020B0604020202020204"/>
-            </a:endParaRPr>
+              <a:t>Scope of Bean</a:t>
+            </a:r>
           </a:p>
           <a:p>
             <a:pPr>
@@ -9487,20 +10582,110 @@
               </a:lnSpc>
             </a:pPr>
             <a:r>
-              <a:rPr lang="en-US" sz="1800" b="1" strike="noStrike" spc="-1">
-                <a:latin typeface="Arial" panose="020B0604020202020204"/>
-              </a:rPr>
-              <a:t>global-session</a:t>
-            </a:r>
-            <a:r>
-              <a:rPr lang="en-US" sz="1800" strike="noStrike" spc="-1">
-                <a:latin typeface="Arial" panose="020B0604020202020204"/>
-              </a:rPr>
-              <a:t>: cho biết bean được định nghĩa với một global HTTP session. Scope này cũng chỉ hợp lệ khi chúng ta sử dụng Web Application Context.</a:t>
-            </a:r>
-            <a:endParaRPr lang="en-US" sz="1800" strike="noStrike" spc="-1">
+              <a:rPr lang="en-US" sz="1800" b="0" strike="noStrike" spc="-1">
+                <a:latin typeface="Arial" panose="020B0604020202020204"/>
+              </a:rPr>
+              <a:t>Việc định nghĩa scope có thể thực hiện thông qua việc sử dụng thuộc tính tên là “scope” khi định nghĩa. Lấy ví dụ, khi bean phải tạo mới mỗi lần cần sử dụng, thuộc tính scope sẽ là “prototype”. Mặt khác, khi bean luôn luôn trả về một instance giống nhau khi sử dụng, thuộc tính scope sẽ là “singleton”.</a:t>
+            </a:r>
+          </a:p>
+          <a:p>
+            <a:pPr>
+              <a:lnSpc>
+                <a:spcPct val="115000"/>
+              </a:lnSpc>
+            </a:pPr>
+            <a:endParaRPr lang="en-US" sz="1800" b="0" strike="noStrike" spc="-1">
               <a:latin typeface="Arial" panose="020B0604020202020204"/>
             </a:endParaRPr>
+          </a:p>
+          <a:p>
+            <a:pPr>
+              <a:lnSpc>
+                <a:spcPct val="115000"/>
+              </a:lnSpc>
+            </a:pPr>
+            <a:r>
+              <a:rPr lang="en-US" sz="1800" b="1" strike="noStrike" spc="-1">
+                <a:latin typeface="Arial" panose="020B0604020202020204"/>
+              </a:rPr>
+              <a:t>Làm sao để cung cấp configuration metadata cho Spring Container?</a:t>
+            </a:r>
+          </a:p>
+          <a:p>
+            <a:pPr>
+              <a:lnSpc>
+                <a:spcPct val="115000"/>
+              </a:lnSpc>
+            </a:pPr>
+            <a:r>
+              <a:rPr lang="en-US" sz="1800" b="0" strike="noStrike" spc="-1">
+                <a:latin typeface="Arial" panose="020B0604020202020204"/>
+              </a:rPr>
+              <a:t>Có ba cách để cũng cấp configuration metadata cho Spring container.</a:t>
+            </a:r>
+          </a:p>
+          <a:p>
+            <a:pPr>
+              <a:lnSpc>
+                <a:spcPct val="115000"/>
+              </a:lnSpc>
+            </a:pPr>
+            <a:r>
+              <a:rPr lang="en-US" sz="1800" b="0" strike="noStrike" spc="-1">
+                <a:latin typeface="Arial" panose="020B0604020202020204"/>
+              </a:rPr>
+              <a:t>Thông qua </a:t>
+            </a:r>
+            <a:r>
+              <a:rPr lang="en-US" sz="1800" b="1" strike="noStrike" spc="-1">
+                <a:latin typeface="Arial" panose="020B0604020202020204"/>
+              </a:rPr>
+              <a:t>XML configuration file</a:t>
+            </a:r>
+            <a:endParaRPr lang="en-US" sz="1800" b="0" strike="noStrike" spc="-1">
+              <a:latin typeface="Arial" panose="020B0604020202020204"/>
+            </a:endParaRPr>
+          </a:p>
+          <a:p>
+            <a:pPr>
+              <a:lnSpc>
+                <a:spcPct val="115000"/>
+              </a:lnSpc>
+            </a:pPr>
+            <a:r>
+              <a:rPr lang="en-US" sz="1800" b="0" strike="noStrike" spc="-1">
+                <a:latin typeface="Arial" panose="020B0604020202020204"/>
+              </a:rPr>
+              <a:t>Thông qua </a:t>
+            </a:r>
+            <a:r>
+              <a:rPr lang="en-US" sz="1800" b="1" strike="noStrike" spc="-1">
+                <a:latin typeface="Arial" panose="020B0604020202020204"/>
+              </a:rPr>
+              <a:t>Annotation-based configuration</a:t>
+            </a:r>
+            <a:endParaRPr lang="en-US" sz="1800" b="0" strike="noStrike" spc="-1">
+              <a:latin typeface="Arial" panose="020B0604020202020204"/>
+            </a:endParaRPr>
+          </a:p>
+          <a:p>
+            <a:pPr>
+              <a:lnSpc>
+                <a:spcPct val="115000"/>
+              </a:lnSpc>
+            </a:pPr>
+            <a:r>
+              <a:rPr lang="en-US" sz="1800" b="0" strike="noStrike" spc="-1">
+                <a:latin typeface="Arial" panose="020B0604020202020204"/>
+              </a:rPr>
+              <a:t>Thông qua </a:t>
+            </a:r>
+            <a:r>
+              <a:rPr lang="en-US" sz="1800" b="1" strike="noStrike" spc="-1">
+                <a:latin typeface="Arial" panose="020B0604020202020204"/>
+              </a:rPr>
+              <a:t>Java-based configuration</a:t>
+            </a:r>
           </a:p>
         </p:txBody>
       </p:sp>
@@ -9509,11 +10694,11 @@
   <p:clrMapOvr>
     <a:masterClrMapping/>
   </p:clrMapOvr>
-  <mc:AlternateContent xmlns:mc="http://schemas.openxmlformats.org/markup-compatibility/2006">
-    <mc:Choice xmlns:p14="http://schemas.microsoft.com/office/powerpoint/2010/main" Requires="p14">
+  <mc:AlternateContent xmlns:mc="http://schemas.openxmlformats.org/markup-compatibility/2006" xmlns:p14="http://schemas.microsoft.com/office/powerpoint/2010/main">
+    <mc:Choice Requires="p14">
       <p:transition spd="slow" p14:dur="2000"/>
     </mc:Choice>
-    <mc:Fallback>
+    <mc:Fallback xmlns="">
       <p:transition spd="slow"/>
     </mc:Fallback>
   </mc:AlternateContent>
@@ -9528,6 +10713,1183 @@
 </file>
 
 <file path=ppt/slides/slide8.xml><?xml version="1.0" encoding="utf-8"?>
+<p:sld xmlns:a="http://schemas.openxmlformats.org/drawingml/2006/main" xmlns:r="http://schemas.openxmlformats.org/officeDocument/2006/relationships" xmlns:p="http://schemas.openxmlformats.org/presentationml/2006/main">
+  <p:cSld>
+    <p:spTree>
+      <p:nvGrpSpPr>
+        <p:cNvPr id="1" name=""/>
+        <p:cNvGrpSpPr/>
+        <p:nvPr/>
+      </p:nvGrpSpPr>
+      <p:grpSpPr>
+        <a:xfrm>
+          <a:off x="0" y="0"/>
+          <a:ext cx="0" cy="0"/>
+          <a:chOff x="0" y="0"/>
+          <a:chExt cx="0" cy="0"/>
+        </a:xfrm>
+      </p:grpSpPr>
+      <p:sp>
+        <p:nvSpPr>
+          <p:cNvPr id="43" name="TextShape 1"/>
+          <p:cNvSpPr txBox="1"/>
+          <p:nvPr/>
+        </p:nvSpPr>
+        <p:spPr>
+          <a:xfrm>
+            <a:off x="504000" y="467580"/>
+            <a:ext cx="9071640" cy="676910"/>
+          </a:xfrm>
+          <a:prstGeom prst="rect">
+            <a:avLst/>
+          </a:prstGeom>
+          <a:noFill/>
+          <a:ln>
+            <a:noFill/>
+          </a:ln>
+        </p:spPr>
+        <p:txBody>
+          <a:bodyPr lIns="0" tIns="0" rIns="0" bIns="0" anchor="ctr">
+            <a:spAutoFit/>
+          </a:bodyPr>
+          <a:lstStyle/>
+          <a:p>
+            <a:pPr algn="ctr"/>
+            <a:r>
+              <a:rPr lang="en-US" sz="4400" b="0" strike="noStrike" spc="-1">
+                <a:latin typeface="Arial" panose="020B0604020202020204"/>
+              </a:rPr>
+              <a:t>@Bean</a:t>
+            </a:r>
+          </a:p>
+        </p:txBody>
+      </p:sp>
+      <p:sp>
+        <p:nvSpPr>
+          <p:cNvPr id="44" name="TextShape 2"/>
+          <p:cNvSpPr txBox="1"/>
+          <p:nvPr/>
+        </p:nvSpPr>
+        <p:spPr>
+          <a:xfrm>
+            <a:off x="1007705" y="1259205"/>
+            <a:ext cx="8316000" cy="3913464"/>
+          </a:xfrm>
+          <a:prstGeom prst="rect">
+            <a:avLst/>
+          </a:prstGeom>
+          <a:noFill/>
+          <a:ln>
+            <a:noFill/>
+          </a:ln>
+        </p:spPr>
+        <p:txBody>
+          <a:bodyPr lIns="90000" tIns="45000" rIns="90000" bIns="45000">
+            <a:spAutoFit/>
+          </a:bodyPr>
+          <a:lstStyle/>
+          <a:p>
+            <a:pPr>
+              <a:lnSpc>
+                <a:spcPct val="115000"/>
+              </a:lnSpc>
+            </a:pPr>
+            <a:r>
+              <a:rPr lang="en-US" sz="1800" b="1" strike="noStrike" spc="-1" dirty="0">
+                <a:latin typeface="Arial" panose="020B0604020202020204"/>
+              </a:rPr>
+              <a:t>scope </a:t>
+            </a:r>
+            <a:r>
+              <a:rPr lang="en-US" sz="1800" b="1" strike="noStrike" spc="-1" dirty="0" err="1">
+                <a:latin typeface="Arial" panose="020B0604020202020204"/>
+              </a:rPr>
+              <a:t>của</a:t>
+            </a:r>
+            <a:r>
+              <a:rPr lang="en-US" sz="1800" b="1" strike="noStrike" spc="-1" dirty="0">
+                <a:latin typeface="Arial" panose="020B0604020202020204"/>
+              </a:rPr>
+              <a:t> bean</a:t>
+            </a:r>
+          </a:p>
+          <a:p>
+            <a:pPr>
+              <a:lnSpc>
+                <a:spcPct val="115000"/>
+              </a:lnSpc>
+            </a:pPr>
+            <a:r>
+              <a:rPr lang="en-US" sz="1800" b="1" strike="noStrike" spc="-1" dirty="0">
+                <a:latin typeface="Arial" panose="020B0604020202020204"/>
+              </a:rPr>
+              <a:t>singleton</a:t>
+            </a:r>
+            <a:r>
+              <a:rPr lang="en-US" sz="1800" strike="noStrike" spc="-1" dirty="0">
+                <a:latin typeface="Arial" panose="020B0604020202020204"/>
+              </a:rPr>
+              <a:t>: </a:t>
+            </a:r>
+            <a:r>
+              <a:rPr lang="en-US" sz="1800" strike="noStrike" spc="-1" dirty="0" err="1">
+                <a:latin typeface="Arial" panose="020B0604020202020204"/>
+              </a:rPr>
+              <a:t>cho</a:t>
+            </a:r>
+            <a:r>
+              <a:rPr lang="en-US" sz="1800" strike="noStrike" spc="-1" dirty="0">
+                <a:latin typeface="Arial" panose="020B0604020202020204"/>
+              </a:rPr>
+              <a:t> </a:t>
+            </a:r>
+            <a:r>
+              <a:rPr lang="en-US" sz="1800" strike="noStrike" spc="-1" dirty="0" err="1">
+                <a:latin typeface="Arial" panose="020B0604020202020204"/>
+              </a:rPr>
+              <a:t>biết</a:t>
+            </a:r>
+            <a:r>
+              <a:rPr lang="en-US" sz="1800" strike="noStrike" spc="-1" dirty="0">
+                <a:latin typeface="Arial" panose="020B0604020202020204"/>
+              </a:rPr>
+              <a:t> bean </a:t>
+            </a:r>
+            <a:r>
+              <a:rPr lang="en-US" sz="1800" strike="noStrike" spc="-1" dirty="0" err="1">
+                <a:latin typeface="Arial" panose="020B0604020202020204"/>
+              </a:rPr>
+              <a:t>đó</a:t>
+            </a:r>
+            <a:r>
+              <a:rPr lang="en-US" sz="1800" strike="noStrike" spc="-1" dirty="0">
+                <a:latin typeface="Arial" panose="020B0604020202020204"/>
+              </a:rPr>
+              <a:t> </a:t>
+            </a:r>
+            <a:r>
+              <a:rPr lang="en-US" sz="1800" strike="noStrike" spc="-1" dirty="0" err="1">
+                <a:latin typeface="Arial" panose="020B0604020202020204"/>
+              </a:rPr>
+              <a:t>có</a:t>
+            </a:r>
+            <a:r>
+              <a:rPr lang="en-US" sz="1800" strike="noStrike" spc="-1" dirty="0">
+                <a:latin typeface="Arial" panose="020B0604020202020204"/>
+              </a:rPr>
+              <a:t> </a:t>
+            </a:r>
+            <a:r>
+              <a:rPr lang="en-US" sz="1800" strike="noStrike" spc="-1" dirty="0" err="1">
+                <a:latin typeface="Arial" panose="020B0604020202020204"/>
+              </a:rPr>
+              <a:t>một</a:t>
+            </a:r>
+            <a:r>
+              <a:rPr lang="en-US" sz="1800" strike="noStrike" spc="-1" dirty="0">
+                <a:latin typeface="Arial" panose="020B0604020202020204"/>
+              </a:rPr>
+              <a:t> instance </a:t>
+            </a:r>
+            <a:r>
+              <a:rPr lang="en-US" sz="1800" strike="noStrike" spc="-1" dirty="0" err="1">
+                <a:latin typeface="Arial" panose="020B0604020202020204"/>
+              </a:rPr>
+              <a:t>duy</a:t>
+            </a:r>
+            <a:r>
+              <a:rPr lang="en-US" sz="1800" strike="noStrike" spc="-1" dirty="0">
+                <a:latin typeface="Arial" panose="020B0604020202020204"/>
+              </a:rPr>
+              <a:t> </a:t>
+            </a:r>
+            <a:r>
+              <a:rPr lang="en-US" sz="1800" strike="noStrike" spc="-1" dirty="0" err="1">
+                <a:latin typeface="Arial" panose="020B0604020202020204"/>
+              </a:rPr>
+              <a:t>nhất</a:t>
+            </a:r>
+            <a:r>
+              <a:rPr lang="en-US" sz="1800" strike="noStrike" spc="-1" dirty="0">
+                <a:latin typeface="Arial" panose="020B0604020202020204"/>
+              </a:rPr>
+              <a:t> </a:t>
+            </a:r>
+            <a:r>
+              <a:rPr lang="en-US" sz="1800" strike="noStrike" spc="-1" dirty="0" err="1">
+                <a:latin typeface="Arial" panose="020B0604020202020204"/>
+              </a:rPr>
+              <a:t>trong</a:t>
+            </a:r>
+            <a:r>
+              <a:rPr lang="en-US" sz="1800" strike="noStrike" spc="-1" dirty="0">
+                <a:latin typeface="Arial" panose="020B0604020202020204"/>
+              </a:rPr>
+              <a:t> </a:t>
+            </a:r>
+            <a:r>
+              <a:rPr lang="en-US" sz="1800" strike="noStrike" spc="-1" dirty="0" err="1">
+                <a:latin typeface="Arial" panose="020B0604020202020204"/>
+              </a:rPr>
+              <a:t>Sping</a:t>
+            </a:r>
+            <a:r>
+              <a:rPr lang="en-US" sz="1800" strike="noStrike" spc="-1" dirty="0">
+                <a:latin typeface="Arial" panose="020B0604020202020204"/>
+              </a:rPr>
+              <a:t> </a:t>
+            </a:r>
+            <a:r>
+              <a:rPr lang="en-US" sz="1800" strike="noStrike" spc="-1" dirty="0" err="1">
+                <a:latin typeface="Arial" panose="020B0604020202020204"/>
+              </a:rPr>
+              <a:t>IoC</a:t>
+            </a:r>
+            <a:r>
+              <a:rPr lang="en-US" sz="1800" strike="noStrike" spc="-1" dirty="0">
+                <a:latin typeface="Arial" panose="020B0604020202020204"/>
+              </a:rPr>
+              <a:t> container.</a:t>
+            </a:r>
+          </a:p>
+          <a:p>
+            <a:pPr>
+              <a:lnSpc>
+                <a:spcPct val="115000"/>
+              </a:lnSpc>
+            </a:pPr>
+            <a:r>
+              <a:rPr lang="en-US" sz="1800" b="1" strike="noStrike" spc="-1" dirty="0">
+                <a:latin typeface="Arial" panose="020B0604020202020204"/>
+              </a:rPr>
+              <a:t>prototype</a:t>
+            </a:r>
+            <a:r>
+              <a:rPr lang="en-US" sz="1800" strike="noStrike" spc="-1" dirty="0">
+                <a:latin typeface="Arial" panose="020B0604020202020204"/>
+              </a:rPr>
+              <a:t>: </a:t>
+            </a:r>
+            <a:r>
+              <a:rPr lang="en-US" sz="1800" strike="noStrike" spc="-1" dirty="0" err="1">
+                <a:latin typeface="Arial" panose="020B0604020202020204"/>
+              </a:rPr>
+              <a:t>cho</a:t>
+            </a:r>
+            <a:r>
+              <a:rPr lang="en-US" sz="1800" strike="noStrike" spc="-1" dirty="0">
+                <a:latin typeface="Arial" panose="020B0604020202020204"/>
+              </a:rPr>
+              <a:t> </a:t>
+            </a:r>
+            <a:r>
+              <a:rPr lang="en-US" sz="1800" strike="noStrike" spc="-1" dirty="0" err="1">
+                <a:latin typeface="Arial" panose="020B0604020202020204"/>
+              </a:rPr>
+              <a:t>biết</a:t>
+            </a:r>
+            <a:r>
+              <a:rPr lang="en-US" sz="1800" strike="noStrike" spc="-1" dirty="0">
+                <a:latin typeface="Arial" panose="020B0604020202020204"/>
+              </a:rPr>
+              <a:t> bean </a:t>
+            </a:r>
+            <a:r>
+              <a:rPr lang="en-US" sz="1800" strike="noStrike" spc="-1" dirty="0" err="1">
+                <a:latin typeface="Arial" panose="020B0604020202020204"/>
+              </a:rPr>
+              <a:t>đó</a:t>
+            </a:r>
+            <a:r>
+              <a:rPr lang="en-US" sz="1800" strike="noStrike" spc="-1" dirty="0">
+                <a:latin typeface="Arial" panose="020B0604020202020204"/>
+              </a:rPr>
+              <a:t> </a:t>
+            </a:r>
+            <a:r>
+              <a:rPr lang="en-US" sz="1800" strike="noStrike" spc="-1" dirty="0" err="1">
+                <a:latin typeface="Arial" panose="020B0604020202020204"/>
+              </a:rPr>
+              <a:t>được</a:t>
+            </a:r>
+            <a:r>
+              <a:rPr lang="en-US" sz="1800" strike="noStrike" spc="-1" dirty="0">
+                <a:latin typeface="Arial" panose="020B0604020202020204"/>
+              </a:rPr>
+              <a:t> </a:t>
+            </a:r>
+            <a:r>
+              <a:rPr lang="en-US" sz="1800" strike="noStrike" spc="-1" dirty="0" err="1">
+                <a:latin typeface="Arial" panose="020B0604020202020204"/>
+              </a:rPr>
+              <a:t>định</a:t>
+            </a:r>
+            <a:r>
+              <a:rPr lang="en-US" sz="1800" strike="noStrike" spc="-1" dirty="0">
+                <a:latin typeface="Arial" panose="020B0604020202020204"/>
+              </a:rPr>
+              <a:t> </a:t>
+            </a:r>
+            <a:r>
+              <a:rPr lang="en-US" sz="1800" strike="noStrike" spc="-1" dirty="0" err="1">
+                <a:latin typeface="Arial" panose="020B0604020202020204"/>
+              </a:rPr>
+              <a:t>nghĩa</a:t>
+            </a:r>
+            <a:r>
+              <a:rPr lang="en-US" sz="1800" strike="noStrike" spc="-1" dirty="0">
+                <a:latin typeface="Arial" panose="020B0604020202020204"/>
+              </a:rPr>
+              <a:t> </a:t>
+            </a:r>
+            <a:r>
+              <a:rPr lang="en-US" sz="1800" strike="noStrike" spc="-1" dirty="0" err="1">
+                <a:latin typeface="Arial" panose="020B0604020202020204"/>
+              </a:rPr>
+              <a:t>là</a:t>
+            </a:r>
+            <a:r>
+              <a:rPr lang="en-US" sz="1800" strike="noStrike" spc="-1" dirty="0">
+                <a:latin typeface="Arial" panose="020B0604020202020204"/>
+              </a:rPr>
+              <a:t> </a:t>
+            </a:r>
+            <a:r>
+              <a:rPr lang="en-US" sz="1800" strike="noStrike" spc="-1" dirty="0" err="1">
+                <a:latin typeface="Arial" panose="020B0604020202020204"/>
+              </a:rPr>
+              <a:t>có</a:t>
+            </a:r>
+            <a:r>
+              <a:rPr lang="en-US" sz="1800" strike="noStrike" spc="-1" dirty="0">
+                <a:latin typeface="Arial" panose="020B0604020202020204"/>
+              </a:rPr>
+              <a:t> </a:t>
+            </a:r>
+            <a:r>
+              <a:rPr lang="en-US" sz="1800" strike="noStrike" spc="-1" dirty="0" err="1">
+                <a:latin typeface="Arial" panose="020B0604020202020204"/>
+              </a:rPr>
+              <a:t>nhiều</a:t>
+            </a:r>
+            <a:r>
+              <a:rPr lang="en-US" sz="1800" strike="noStrike" spc="-1" dirty="0">
+                <a:latin typeface="Arial" panose="020B0604020202020204"/>
+              </a:rPr>
+              <a:t> object instances, </a:t>
+            </a:r>
+            <a:r>
+              <a:rPr lang="en-US" sz="1800" strike="noStrike" spc="-1" dirty="0" err="1">
+                <a:latin typeface="Arial" panose="020B0604020202020204"/>
+              </a:rPr>
+              <a:t>mỗi</a:t>
+            </a:r>
+            <a:r>
+              <a:rPr lang="en-US" sz="1800" strike="noStrike" spc="-1" dirty="0">
+                <a:latin typeface="Arial" panose="020B0604020202020204"/>
+              </a:rPr>
+              <a:t> </a:t>
+            </a:r>
+            <a:r>
+              <a:rPr lang="en-US" sz="1800" strike="noStrike" spc="-1" dirty="0" err="1">
+                <a:latin typeface="Arial" panose="020B0604020202020204"/>
+              </a:rPr>
+              <a:t>lần</a:t>
+            </a:r>
+            <a:r>
+              <a:rPr lang="en-US" sz="1800" strike="noStrike" spc="-1" dirty="0">
+                <a:latin typeface="Arial" panose="020B0604020202020204"/>
+              </a:rPr>
+              <a:t> </a:t>
+            </a:r>
+            <a:r>
+              <a:rPr lang="en-US" sz="1800" strike="noStrike" spc="-1" dirty="0" err="1">
+                <a:latin typeface="Arial" panose="020B0604020202020204"/>
+              </a:rPr>
+              <a:t>muốn</a:t>
+            </a:r>
+            <a:r>
+              <a:rPr lang="en-US" sz="1800" strike="noStrike" spc="-1" dirty="0">
+                <a:latin typeface="Arial" panose="020B0604020202020204"/>
+              </a:rPr>
+              <a:t> </a:t>
+            </a:r>
+            <a:r>
+              <a:rPr lang="en-US" sz="1800" strike="noStrike" spc="-1" dirty="0" err="1">
+                <a:latin typeface="Arial" panose="020B0604020202020204"/>
+              </a:rPr>
+              <a:t>sử</a:t>
+            </a:r>
+            <a:r>
+              <a:rPr lang="en-US" sz="1800" strike="noStrike" spc="-1" dirty="0">
+                <a:latin typeface="Arial" panose="020B0604020202020204"/>
+              </a:rPr>
+              <a:t> </a:t>
+            </a:r>
+            <a:r>
+              <a:rPr lang="en-US" sz="1800" strike="noStrike" spc="-1" dirty="0" err="1">
+                <a:latin typeface="Arial" panose="020B0604020202020204"/>
+              </a:rPr>
+              <a:t>dụng</a:t>
+            </a:r>
+            <a:r>
+              <a:rPr lang="en-US" sz="1800" strike="noStrike" spc="-1" dirty="0">
+                <a:latin typeface="Arial" panose="020B0604020202020204"/>
+              </a:rPr>
+              <a:t> </a:t>
+            </a:r>
+            <a:r>
+              <a:rPr lang="en-US" sz="1800" strike="noStrike" spc="-1" dirty="0" err="1">
+                <a:latin typeface="Arial" panose="020B0604020202020204"/>
+              </a:rPr>
+              <a:t>sẽ</a:t>
+            </a:r>
+            <a:r>
+              <a:rPr lang="en-US" sz="1800" strike="noStrike" spc="-1" dirty="0">
+                <a:latin typeface="Arial" panose="020B0604020202020204"/>
+              </a:rPr>
+              <a:t> </a:t>
+            </a:r>
+            <a:r>
+              <a:rPr lang="en-US" sz="1800" strike="noStrike" spc="-1" dirty="0" err="1">
+                <a:latin typeface="Arial" panose="020B0604020202020204"/>
+              </a:rPr>
+              <a:t>tạo</a:t>
+            </a:r>
+            <a:r>
+              <a:rPr lang="en-US" sz="1800" strike="noStrike" spc="-1" dirty="0">
+                <a:latin typeface="Arial" panose="020B0604020202020204"/>
+              </a:rPr>
+              <a:t> </a:t>
+            </a:r>
+            <a:r>
+              <a:rPr lang="en-US" sz="1800" strike="noStrike" spc="-1" dirty="0" err="1">
+                <a:latin typeface="Arial" panose="020B0604020202020204"/>
+              </a:rPr>
+              <a:t>mới</a:t>
+            </a:r>
+            <a:r>
+              <a:rPr lang="en-US" sz="1800" strike="noStrike" spc="-1" dirty="0">
+                <a:latin typeface="Arial" panose="020B0604020202020204"/>
+              </a:rPr>
+              <a:t>.</a:t>
+            </a:r>
+          </a:p>
+          <a:p>
+            <a:pPr>
+              <a:lnSpc>
+                <a:spcPct val="115000"/>
+              </a:lnSpc>
+            </a:pPr>
+            <a:r>
+              <a:rPr lang="en-US" sz="1800" b="1" strike="noStrike" spc="-1" dirty="0">
+                <a:latin typeface="Arial" panose="020B0604020202020204"/>
+              </a:rPr>
+              <a:t>request</a:t>
+            </a:r>
+            <a:r>
+              <a:rPr lang="en-US" sz="1800" strike="noStrike" spc="-1" dirty="0">
+                <a:latin typeface="Arial" panose="020B0604020202020204"/>
+              </a:rPr>
+              <a:t>: </a:t>
+            </a:r>
+            <a:r>
+              <a:rPr lang="en-US" sz="1800" strike="noStrike" spc="-1" dirty="0" err="1">
+                <a:latin typeface="Arial" panose="020B0604020202020204"/>
+              </a:rPr>
+              <a:t>cho</a:t>
+            </a:r>
+            <a:r>
+              <a:rPr lang="en-US" sz="1800" strike="noStrike" spc="-1" dirty="0">
+                <a:latin typeface="Arial" panose="020B0604020202020204"/>
+              </a:rPr>
+              <a:t> </a:t>
+            </a:r>
+            <a:r>
+              <a:rPr lang="en-US" sz="1800" strike="noStrike" spc="-1" dirty="0" err="1">
+                <a:latin typeface="Arial" panose="020B0604020202020204"/>
+              </a:rPr>
+              <a:t>biết</a:t>
+            </a:r>
+            <a:r>
+              <a:rPr lang="en-US" sz="1800" strike="noStrike" spc="-1" dirty="0">
+                <a:latin typeface="Arial" panose="020B0604020202020204"/>
+              </a:rPr>
+              <a:t> bean </a:t>
+            </a:r>
+            <a:r>
+              <a:rPr lang="en-US" sz="1800" strike="noStrike" spc="-1" dirty="0" err="1">
+                <a:latin typeface="Arial" panose="020B0604020202020204"/>
+              </a:rPr>
+              <a:t>được</a:t>
+            </a:r>
+            <a:r>
+              <a:rPr lang="en-US" sz="1800" strike="noStrike" spc="-1" dirty="0">
+                <a:latin typeface="Arial" panose="020B0604020202020204"/>
+              </a:rPr>
+              <a:t> </a:t>
+            </a:r>
+            <a:r>
+              <a:rPr lang="en-US" sz="1800" strike="noStrike" spc="-1" dirty="0" err="1">
+                <a:latin typeface="Arial" panose="020B0604020202020204"/>
+              </a:rPr>
+              <a:t>định</a:t>
+            </a:r>
+            <a:r>
+              <a:rPr lang="en-US" sz="1800" strike="noStrike" spc="-1" dirty="0">
+                <a:latin typeface="Arial" panose="020B0604020202020204"/>
+              </a:rPr>
+              <a:t> </a:t>
+            </a:r>
+            <a:r>
+              <a:rPr lang="en-US" sz="1800" strike="noStrike" spc="-1" dirty="0" err="1">
+                <a:latin typeface="Arial" panose="020B0604020202020204"/>
+              </a:rPr>
+              <a:t>nghĩa</a:t>
+            </a:r>
+            <a:r>
+              <a:rPr lang="en-US" sz="1800" strike="noStrike" spc="-1" dirty="0">
+                <a:latin typeface="Arial" panose="020B0604020202020204"/>
+              </a:rPr>
+              <a:t> </a:t>
+            </a:r>
+            <a:r>
+              <a:rPr lang="en-US" sz="1800" strike="noStrike" spc="-1" dirty="0" err="1">
+                <a:latin typeface="Arial" panose="020B0604020202020204"/>
+              </a:rPr>
+              <a:t>với</a:t>
+            </a:r>
+            <a:r>
+              <a:rPr lang="en-US" sz="1800" strike="noStrike" spc="-1" dirty="0">
+                <a:latin typeface="Arial" panose="020B0604020202020204"/>
+              </a:rPr>
+              <a:t> </a:t>
+            </a:r>
+            <a:r>
+              <a:rPr lang="en-US" sz="1800" strike="noStrike" spc="-1" dirty="0" err="1">
+                <a:latin typeface="Arial" panose="020B0604020202020204"/>
+              </a:rPr>
+              <a:t>một</a:t>
+            </a:r>
+            <a:r>
+              <a:rPr lang="en-US" sz="1800" strike="noStrike" spc="-1" dirty="0">
+                <a:latin typeface="Arial" panose="020B0604020202020204"/>
+              </a:rPr>
+              <a:t> HTTP request. Scope </a:t>
+            </a:r>
+            <a:r>
+              <a:rPr lang="en-US" sz="1800" strike="noStrike" spc="-1" dirty="0" err="1">
+                <a:latin typeface="Arial" panose="020B0604020202020204"/>
+              </a:rPr>
+              <a:t>này</a:t>
+            </a:r>
+            <a:r>
+              <a:rPr lang="en-US" sz="1800" strike="noStrike" spc="-1" dirty="0">
+                <a:latin typeface="Arial" panose="020B0604020202020204"/>
+              </a:rPr>
+              <a:t> </a:t>
+            </a:r>
+            <a:r>
+              <a:rPr lang="en-US" sz="1800" strike="noStrike" spc="-1" dirty="0" err="1">
+                <a:latin typeface="Arial" panose="020B0604020202020204"/>
+              </a:rPr>
+              <a:t>chỉ</a:t>
+            </a:r>
+            <a:r>
+              <a:rPr lang="en-US" sz="1800" strike="noStrike" spc="-1" dirty="0">
+                <a:latin typeface="Arial" panose="020B0604020202020204"/>
+              </a:rPr>
+              <a:t> </a:t>
+            </a:r>
+            <a:r>
+              <a:rPr lang="en-US" sz="1800" strike="noStrike" spc="-1" dirty="0" err="1">
+                <a:latin typeface="Arial" panose="020B0604020202020204"/>
+              </a:rPr>
+              <a:t>hợp</a:t>
+            </a:r>
+            <a:r>
+              <a:rPr lang="en-US" sz="1800" strike="noStrike" spc="-1" dirty="0">
+                <a:latin typeface="Arial" panose="020B0604020202020204"/>
+              </a:rPr>
+              <a:t> </a:t>
+            </a:r>
+            <a:r>
+              <a:rPr lang="en-US" sz="1800" strike="noStrike" spc="-1" dirty="0" err="1">
+                <a:latin typeface="Arial" panose="020B0604020202020204"/>
+              </a:rPr>
+              <a:t>lệ</a:t>
+            </a:r>
+            <a:r>
+              <a:rPr lang="en-US" sz="1800" strike="noStrike" spc="-1" dirty="0">
+                <a:latin typeface="Arial" panose="020B0604020202020204"/>
+              </a:rPr>
+              <a:t> </a:t>
+            </a:r>
+            <a:r>
+              <a:rPr lang="en-US" sz="1800" strike="noStrike" spc="-1" dirty="0" err="1">
+                <a:latin typeface="Arial" panose="020B0604020202020204"/>
+              </a:rPr>
+              <a:t>khi</a:t>
+            </a:r>
+            <a:r>
+              <a:rPr lang="en-US" sz="1800" strike="noStrike" spc="-1" dirty="0">
+                <a:latin typeface="Arial" panose="020B0604020202020204"/>
+              </a:rPr>
+              <a:t> </a:t>
+            </a:r>
+            <a:r>
+              <a:rPr lang="en-US" sz="1800" strike="noStrike" spc="-1" dirty="0" err="1">
+                <a:latin typeface="Arial" panose="020B0604020202020204"/>
+              </a:rPr>
+              <a:t>chúng</a:t>
+            </a:r>
+            <a:r>
+              <a:rPr lang="en-US" sz="1800" strike="noStrike" spc="-1" dirty="0">
+                <a:latin typeface="Arial" panose="020B0604020202020204"/>
+              </a:rPr>
+              <a:t> ta </a:t>
+            </a:r>
+            <a:r>
+              <a:rPr lang="en-US" sz="1800" strike="noStrike" spc="-1" dirty="0" err="1">
+                <a:latin typeface="Arial" panose="020B0604020202020204"/>
+              </a:rPr>
+              <a:t>sử</a:t>
+            </a:r>
+            <a:r>
+              <a:rPr lang="en-US" sz="1800" strike="noStrike" spc="-1" dirty="0">
+                <a:latin typeface="Arial" panose="020B0604020202020204"/>
+              </a:rPr>
+              <a:t> </a:t>
+            </a:r>
+            <a:r>
+              <a:rPr lang="en-US" sz="1800" strike="noStrike" spc="-1" dirty="0" err="1">
+                <a:latin typeface="Arial" panose="020B0604020202020204"/>
+              </a:rPr>
+              <a:t>dụng</a:t>
+            </a:r>
+            <a:r>
+              <a:rPr lang="en-US" sz="1800" strike="noStrike" spc="-1" dirty="0">
+                <a:latin typeface="Arial" panose="020B0604020202020204"/>
+              </a:rPr>
+              <a:t> Web Application Context.</a:t>
+            </a:r>
+          </a:p>
+          <a:p>
+            <a:pPr>
+              <a:lnSpc>
+                <a:spcPct val="115000"/>
+              </a:lnSpc>
+            </a:pPr>
+            <a:r>
+              <a:rPr lang="en-US" sz="1800" b="1" strike="noStrike" spc="-1" dirty="0">
+                <a:latin typeface="Arial" panose="020B0604020202020204"/>
+              </a:rPr>
+              <a:t>session</a:t>
+            </a:r>
+            <a:r>
+              <a:rPr lang="en-US" sz="1800" strike="noStrike" spc="-1" dirty="0">
+                <a:latin typeface="Arial" panose="020B0604020202020204"/>
+              </a:rPr>
+              <a:t>: </a:t>
+            </a:r>
+            <a:r>
+              <a:rPr lang="en-US" sz="1800" strike="noStrike" spc="-1" dirty="0" err="1">
+                <a:latin typeface="Arial" panose="020B0604020202020204"/>
+              </a:rPr>
+              <a:t>cho</a:t>
+            </a:r>
+            <a:r>
+              <a:rPr lang="en-US" sz="1800" strike="noStrike" spc="-1" dirty="0">
+                <a:latin typeface="Arial" panose="020B0604020202020204"/>
+              </a:rPr>
+              <a:t> </a:t>
+            </a:r>
+            <a:r>
+              <a:rPr lang="en-US" sz="1800" strike="noStrike" spc="-1" dirty="0" err="1">
+                <a:latin typeface="Arial" panose="020B0604020202020204"/>
+              </a:rPr>
+              <a:t>biết</a:t>
+            </a:r>
+            <a:r>
+              <a:rPr lang="en-US" sz="1800" strike="noStrike" spc="-1" dirty="0">
+                <a:latin typeface="Arial" panose="020B0604020202020204"/>
+              </a:rPr>
+              <a:t> bean </a:t>
+            </a:r>
+            <a:r>
+              <a:rPr lang="en-US" sz="1800" strike="noStrike" spc="-1" dirty="0" err="1">
+                <a:latin typeface="Arial" panose="020B0604020202020204"/>
+              </a:rPr>
+              <a:t>được</a:t>
+            </a:r>
+            <a:r>
+              <a:rPr lang="en-US" sz="1800" strike="noStrike" spc="-1" dirty="0">
+                <a:latin typeface="Arial" panose="020B0604020202020204"/>
+              </a:rPr>
+              <a:t> </a:t>
+            </a:r>
+            <a:r>
+              <a:rPr lang="en-US" sz="1800" strike="noStrike" spc="-1" dirty="0" err="1">
+                <a:latin typeface="Arial" panose="020B0604020202020204"/>
+              </a:rPr>
+              <a:t>định</a:t>
+            </a:r>
+            <a:r>
+              <a:rPr lang="en-US" sz="1800" strike="noStrike" spc="-1" dirty="0">
+                <a:latin typeface="Arial" panose="020B0604020202020204"/>
+              </a:rPr>
+              <a:t> </a:t>
+            </a:r>
+            <a:r>
+              <a:rPr lang="en-US" sz="1800" strike="noStrike" spc="-1" dirty="0" err="1">
+                <a:latin typeface="Arial" panose="020B0604020202020204"/>
+              </a:rPr>
+              <a:t>nghĩa</a:t>
+            </a:r>
+            <a:r>
+              <a:rPr lang="en-US" sz="1800" strike="noStrike" spc="-1" dirty="0">
+                <a:latin typeface="Arial" panose="020B0604020202020204"/>
+              </a:rPr>
+              <a:t> </a:t>
+            </a:r>
+            <a:r>
+              <a:rPr lang="en-US" sz="1800" strike="noStrike" spc="-1" dirty="0" err="1">
+                <a:latin typeface="Arial" panose="020B0604020202020204"/>
+              </a:rPr>
+              <a:t>với</a:t>
+            </a:r>
+            <a:r>
+              <a:rPr lang="en-US" sz="1800" strike="noStrike" spc="-1" dirty="0">
+                <a:latin typeface="Arial" panose="020B0604020202020204"/>
+              </a:rPr>
+              <a:t> </a:t>
+            </a:r>
+            <a:r>
+              <a:rPr lang="en-US" sz="1800" strike="noStrike" spc="-1" dirty="0" err="1">
+                <a:latin typeface="Arial" panose="020B0604020202020204"/>
+              </a:rPr>
+              <a:t>một</a:t>
+            </a:r>
+            <a:r>
+              <a:rPr lang="en-US" sz="1800" strike="noStrike" spc="-1" dirty="0">
+                <a:latin typeface="Arial" panose="020B0604020202020204"/>
+              </a:rPr>
+              <a:t> HTTP session. Scope </a:t>
+            </a:r>
+            <a:r>
+              <a:rPr lang="en-US" sz="1800" strike="noStrike" spc="-1" dirty="0" err="1">
+                <a:latin typeface="Arial" panose="020B0604020202020204"/>
+              </a:rPr>
+              <a:t>này</a:t>
+            </a:r>
+            <a:r>
+              <a:rPr lang="en-US" sz="1800" strike="noStrike" spc="-1" dirty="0">
+                <a:latin typeface="Arial" panose="020B0604020202020204"/>
+              </a:rPr>
+              <a:t> </a:t>
+            </a:r>
+            <a:r>
+              <a:rPr lang="en-US" sz="1800" strike="noStrike" spc="-1" dirty="0" err="1">
+                <a:latin typeface="Arial" panose="020B0604020202020204"/>
+              </a:rPr>
+              <a:t>cũng</a:t>
+            </a:r>
+            <a:r>
+              <a:rPr lang="en-US" sz="1800" strike="noStrike" spc="-1" dirty="0">
+                <a:latin typeface="Arial" panose="020B0604020202020204"/>
+              </a:rPr>
+              <a:t> </a:t>
+            </a:r>
+            <a:r>
+              <a:rPr lang="en-US" sz="1800" strike="noStrike" spc="-1" dirty="0" err="1">
+                <a:latin typeface="Arial" panose="020B0604020202020204"/>
+              </a:rPr>
+              <a:t>chỉ</a:t>
+            </a:r>
+            <a:r>
+              <a:rPr lang="en-US" sz="1800" strike="noStrike" spc="-1" dirty="0">
+                <a:latin typeface="Arial" panose="020B0604020202020204"/>
+              </a:rPr>
+              <a:t> </a:t>
+            </a:r>
+            <a:r>
+              <a:rPr lang="en-US" sz="1800" strike="noStrike" spc="-1" dirty="0" err="1">
+                <a:latin typeface="Arial" panose="020B0604020202020204"/>
+              </a:rPr>
+              <a:t>hợp</a:t>
+            </a:r>
+            <a:r>
+              <a:rPr lang="en-US" sz="1800" strike="noStrike" spc="-1" dirty="0">
+                <a:latin typeface="Arial" panose="020B0604020202020204"/>
+              </a:rPr>
+              <a:t> </a:t>
+            </a:r>
+            <a:r>
+              <a:rPr lang="en-US" sz="1800" strike="noStrike" spc="-1" dirty="0" err="1">
+                <a:latin typeface="Arial" panose="020B0604020202020204"/>
+              </a:rPr>
+              <a:t>lệ</a:t>
+            </a:r>
+            <a:r>
+              <a:rPr lang="en-US" sz="1800" strike="noStrike" spc="-1" dirty="0">
+                <a:latin typeface="Arial" panose="020B0604020202020204"/>
+              </a:rPr>
+              <a:t> </a:t>
+            </a:r>
+            <a:r>
+              <a:rPr lang="en-US" sz="1800" strike="noStrike" spc="-1" dirty="0" err="1">
+                <a:latin typeface="Arial" panose="020B0604020202020204"/>
+              </a:rPr>
+              <a:t>khi</a:t>
+            </a:r>
+            <a:r>
+              <a:rPr lang="en-US" sz="1800" strike="noStrike" spc="-1" dirty="0">
+                <a:latin typeface="Arial" panose="020B0604020202020204"/>
+              </a:rPr>
+              <a:t> </a:t>
+            </a:r>
+            <a:r>
+              <a:rPr lang="en-US" sz="1800" strike="noStrike" spc="-1" dirty="0" err="1">
+                <a:latin typeface="Arial" panose="020B0604020202020204"/>
+              </a:rPr>
+              <a:t>chúng</a:t>
+            </a:r>
+            <a:r>
+              <a:rPr lang="en-US" sz="1800" strike="noStrike" spc="-1" dirty="0">
+                <a:latin typeface="Arial" panose="020B0604020202020204"/>
+              </a:rPr>
+              <a:t> ta </a:t>
+            </a:r>
+            <a:r>
+              <a:rPr lang="en-US" sz="1800" strike="noStrike" spc="-1" dirty="0" err="1">
+                <a:latin typeface="Arial" panose="020B0604020202020204"/>
+              </a:rPr>
+              <a:t>sử</a:t>
+            </a:r>
+            <a:r>
+              <a:rPr lang="en-US" sz="1800" strike="noStrike" spc="-1" dirty="0">
+                <a:latin typeface="Arial" panose="020B0604020202020204"/>
+              </a:rPr>
+              <a:t> </a:t>
+            </a:r>
+            <a:r>
+              <a:rPr lang="en-US" sz="1800" strike="noStrike" spc="-1" dirty="0" err="1">
+                <a:latin typeface="Arial" panose="020B0604020202020204"/>
+              </a:rPr>
+              <a:t>dụng</a:t>
+            </a:r>
+            <a:r>
+              <a:rPr lang="en-US" sz="1800" strike="noStrike" spc="-1" dirty="0">
+                <a:latin typeface="Arial" panose="020B0604020202020204"/>
+              </a:rPr>
+              <a:t> Web Application Context.</a:t>
+            </a:r>
+          </a:p>
+          <a:p>
+            <a:pPr>
+              <a:lnSpc>
+                <a:spcPct val="115000"/>
+              </a:lnSpc>
+            </a:pPr>
+            <a:r>
+              <a:rPr lang="en-US" sz="1800" b="1" strike="noStrike" spc="-1" dirty="0">
+                <a:latin typeface="Arial" panose="020B0604020202020204"/>
+              </a:rPr>
+              <a:t>global-session</a:t>
+            </a:r>
+            <a:r>
+              <a:rPr lang="en-US" sz="1800" strike="noStrike" spc="-1" dirty="0">
+                <a:latin typeface="Arial" panose="020B0604020202020204"/>
+              </a:rPr>
+              <a:t>: </a:t>
+            </a:r>
+            <a:r>
+              <a:rPr lang="en-US" sz="1800" strike="noStrike" spc="-1" dirty="0" err="1">
+                <a:latin typeface="Arial" panose="020B0604020202020204"/>
+              </a:rPr>
+              <a:t>cho</a:t>
+            </a:r>
+            <a:r>
+              <a:rPr lang="en-US" sz="1800" strike="noStrike" spc="-1" dirty="0">
+                <a:latin typeface="Arial" panose="020B0604020202020204"/>
+              </a:rPr>
+              <a:t> </a:t>
+            </a:r>
+            <a:r>
+              <a:rPr lang="en-US" sz="1800" strike="noStrike" spc="-1" dirty="0" err="1">
+                <a:latin typeface="Arial" panose="020B0604020202020204"/>
+              </a:rPr>
+              <a:t>biết</a:t>
+            </a:r>
+            <a:r>
+              <a:rPr lang="en-US" sz="1800" strike="noStrike" spc="-1" dirty="0">
+                <a:latin typeface="Arial" panose="020B0604020202020204"/>
+              </a:rPr>
+              <a:t> bean </a:t>
+            </a:r>
+            <a:r>
+              <a:rPr lang="en-US" sz="1800" strike="noStrike" spc="-1" dirty="0" err="1">
+                <a:latin typeface="Arial" panose="020B0604020202020204"/>
+              </a:rPr>
+              <a:t>được</a:t>
+            </a:r>
+            <a:r>
+              <a:rPr lang="en-US" sz="1800" strike="noStrike" spc="-1" dirty="0">
+                <a:latin typeface="Arial" panose="020B0604020202020204"/>
+              </a:rPr>
+              <a:t> </a:t>
+            </a:r>
+            <a:r>
+              <a:rPr lang="en-US" sz="1800" strike="noStrike" spc="-1" dirty="0" err="1">
+                <a:latin typeface="Arial" panose="020B0604020202020204"/>
+              </a:rPr>
+              <a:t>định</a:t>
+            </a:r>
+            <a:r>
+              <a:rPr lang="en-US" sz="1800" strike="noStrike" spc="-1" dirty="0">
+                <a:latin typeface="Arial" panose="020B0604020202020204"/>
+              </a:rPr>
+              <a:t> </a:t>
+            </a:r>
+            <a:r>
+              <a:rPr lang="en-US" sz="1800" strike="noStrike" spc="-1" dirty="0" err="1">
+                <a:latin typeface="Arial" panose="020B0604020202020204"/>
+              </a:rPr>
+              <a:t>nghĩa</a:t>
+            </a:r>
+            <a:r>
+              <a:rPr lang="en-US" sz="1800" strike="noStrike" spc="-1" dirty="0">
+                <a:latin typeface="Arial" panose="020B0604020202020204"/>
+              </a:rPr>
+              <a:t> </a:t>
+            </a:r>
+            <a:r>
+              <a:rPr lang="en-US" sz="1800" strike="noStrike" spc="-1" dirty="0" err="1">
+                <a:latin typeface="Arial" panose="020B0604020202020204"/>
+              </a:rPr>
+              <a:t>với</a:t>
+            </a:r>
+            <a:r>
+              <a:rPr lang="en-US" sz="1800" strike="noStrike" spc="-1" dirty="0">
+                <a:latin typeface="Arial" panose="020B0604020202020204"/>
+              </a:rPr>
+              <a:t> </a:t>
+            </a:r>
+            <a:r>
+              <a:rPr lang="en-US" sz="1800" strike="noStrike" spc="-1" dirty="0" err="1">
+                <a:latin typeface="Arial" panose="020B0604020202020204"/>
+              </a:rPr>
+              <a:t>một</a:t>
+            </a:r>
+            <a:r>
+              <a:rPr lang="en-US" sz="1800" strike="noStrike" spc="-1" dirty="0">
+                <a:latin typeface="Arial" panose="020B0604020202020204"/>
+              </a:rPr>
+              <a:t> global HTTP session. Scope </a:t>
+            </a:r>
+            <a:r>
+              <a:rPr lang="en-US" sz="1800" strike="noStrike" spc="-1" dirty="0" err="1">
+                <a:latin typeface="Arial" panose="020B0604020202020204"/>
+              </a:rPr>
+              <a:t>này</a:t>
+            </a:r>
+            <a:r>
+              <a:rPr lang="en-US" sz="1800" strike="noStrike" spc="-1" dirty="0">
+                <a:latin typeface="Arial" panose="020B0604020202020204"/>
+              </a:rPr>
+              <a:t> </a:t>
+            </a:r>
+            <a:r>
+              <a:rPr lang="en-US" sz="1800" strike="noStrike" spc="-1" dirty="0" err="1">
+                <a:latin typeface="Arial" panose="020B0604020202020204"/>
+              </a:rPr>
+              <a:t>cũng</a:t>
+            </a:r>
+            <a:r>
+              <a:rPr lang="en-US" sz="1800" strike="noStrike" spc="-1" dirty="0">
+                <a:latin typeface="Arial" panose="020B0604020202020204"/>
+              </a:rPr>
+              <a:t> </a:t>
+            </a:r>
+            <a:r>
+              <a:rPr lang="en-US" sz="1800" strike="noStrike" spc="-1" dirty="0" err="1">
+                <a:latin typeface="Arial" panose="020B0604020202020204"/>
+              </a:rPr>
+              <a:t>chỉ</a:t>
+            </a:r>
+            <a:r>
+              <a:rPr lang="en-US" sz="1800" strike="noStrike" spc="-1" dirty="0">
+                <a:latin typeface="Arial" panose="020B0604020202020204"/>
+              </a:rPr>
+              <a:t> </a:t>
+            </a:r>
+            <a:r>
+              <a:rPr lang="en-US" sz="1800" strike="noStrike" spc="-1" dirty="0" err="1">
+                <a:latin typeface="Arial" panose="020B0604020202020204"/>
+              </a:rPr>
+              <a:t>hợp</a:t>
+            </a:r>
+            <a:r>
+              <a:rPr lang="en-US" sz="1800" strike="noStrike" spc="-1" dirty="0">
+                <a:latin typeface="Arial" panose="020B0604020202020204"/>
+              </a:rPr>
+              <a:t> </a:t>
+            </a:r>
+            <a:r>
+              <a:rPr lang="en-US" sz="1800" strike="noStrike" spc="-1" dirty="0" err="1">
+                <a:latin typeface="Arial" panose="020B0604020202020204"/>
+              </a:rPr>
+              <a:t>lệ</a:t>
+            </a:r>
+            <a:r>
+              <a:rPr lang="en-US" sz="1800" strike="noStrike" spc="-1" dirty="0">
+                <a:latin typeface="Arial" panose="020B0604020202020204"/>
+              </a:rPr>
+              <a:t> </a:t>
+            </a:r>
+            <a:r>
+              <a:rPr lang="en-US" sz="1800" strike="noStrike" spc="-1" dirty="0" err="1">
+                <a:latin typeface="Arial" panose="020B0604020202020204"/>
+              </a:rPr>
+              <a:t>khi</a:t>
+            </a:r>
+            <a:r>
+              <a:rPr lang="en-US" sz="1800" strike="noStrike" spc="-1" dirty="0">
+                <a:latin typeface="Arial" panose="020B0604020202020204"/>
+              </a:rPr>
+              <a:t> </a:t>
+            </a:r>
+            <a:r>
+              <a:rPr lang="en-US" sz="1800" strike="noStrike" spc="-1" dirty="0" err="1">
+                <a:latin typeface="Arial" panose="020B0604020202020204"/>
+              </a:rPr>
+              <a:t>chúng</a:t>
+            </a:r>
+            <a:r>
+              <a:rPr lang="en-US" sz="1800" strike="noStrike" spc="-1" dirty="0">
+                <a:latin typeface="Arial" panose="020B0604020202020204"/>
+              </a:rPr>
+              <a:t> ta </a:t>
+            </a:r>
+            <a:r>
+              <a:rPr lang="en-US" sz="1800" strike="noStrike" spc="-1" dirty="0" err="1">
+                <a:latin typeface="Arial" panose="020B0604020202020204"/>
+              </a:rPr>
+              <a:t>sử</a:t>
+            </a:r>
+            <a:r>
+              <a:rPr lang="en-US" sz="1800" strike="noStrike" spc="-1" dirty="0">
+                <a:latin typeface="Arial" panose="020B0604020202020204"/>
+              </a:rPr>
+              <a:t> </a:t>
+            </a:r>
+            <a:r>
+              <a:rPr lang="en-US" sz="1800" strike="noStrike" spc="-1" dirty="0" err="1">
+                <a:latin typeface="Arial" panose="020B0604020202020204"/>
+              </a:rPr>
+              <a:t>dụng</a:t>
+            </a:r>
+            <a:r>
+              <a:rPr lang="en-US" sz="1800" strike="noStrike" spc="-1" dirty="0">
+                <a:latin typeface="Arial" panose="020B0604020202020204"/>
+              </a:rPr>
+              <a:t> Web Application Context</a:t>
+            </a:r>
+            <a:r>
+              <a:rPr lang="en-US" sz="1800" strike="noStrike" spc="-1" dirty="0" smtClean="0">
+                <a:latin typeface="Arial" panose="020B0604020202020204"/>
+              </a:rPr>
+              <a:t>.</a:t>
+            </a:r>
+          </a:p>
+          <a:p>
+            <a:pPr>
+              <a:lnSpc>
+                <a:spcPct val="115000"/>
+              </a:lnSpc>
+            </a:pPr>
+            <a:endParaRPr lang="en-US" spc="-1" dirty="0">
+              <a:latin typeface="Arial" panose="020B0604020202020204"/>
+            </a:endParaRPr>
+          </a:p>
+          <a:p>
+            <a:pPr>
+              <a:lnSpc>
+                <a:spcPct val="115000"/>
+              </a:lnSpc>
+            </a:pPr>
+            <a:r>
+              <a:rPr lang="en-US" sz="1800" strike="noStrike" spc="-1" dirty="0" err="1" smtClean="0">
+                <a:latin typeface="Arial" panose="020B0604020202020204"/>
+              </a:rPr>
+              <a:t>Mặc</a:t>
+            </a:r>
+            <a:r>
+              <a:rPr lang="en-US" sz="1800" strike="noStrike" spc="-1" dirty="0" smtClean="0">
+                <a:latin typeface="Arial" panose="020B0604020202020204"/>
+              </a:rPr>
+              <a:t> </a:t>
+            </a:r>
+            <a:r>
+              <a:rPr lang="en-US" sz="1800" strike="noStrike" spc="-1" dirty="0" err="1" smtClean="0">
+                <a:latin typeface="Arial" panose="020B0604020202020204"/>
+              </a:rPr>
+              <a:t>định</a:t>
+            </a:r>
+            <a:r>
+              <a:rPr lang="en-US" sz="1800" strike="noStrike" spc="-1" dirty="0" smtClean="0">
+                <a:latin typeface="Arial" panose="020B0604020202020204"/>
+              </a:rPr>
+              <a:t> </a:t>
+            </a:r>
+            <a:r>
+              <a:rPr lang="en-US" sz="1800" strike="noStrike" spc="-1" dirty="0" err="1" smtClean="0">
+                <a:latin typeface="Arial" panose="020B0604020202020204"/>
+              </a:rPr>
+              <a:t>là</a:t>
+            </a:r>
+            <a:r>
+              <a:rPr lang="en-US" sz="1800" strike="noStrike" spc="-1" dirty="0" smtClean="0">
+                <a:latin typeface="Arial" panose="020B0604020202020204"/>
+              </a:rPr>
+              <a:t> </a:t>
+            </a:r>
+            <a:r>
+              <a:rPr lang="en-US" sz="1800" b="1" strike="noStrike" spc="-1" dirty="0" smtClean="0">
+                <a:latin typeface="Arial" panose="020B0604020202020204"/>
+              </a:rPr>
+              <a:t>singleton</a:t>
+            </a:r>
+            <a:endParaRPr lang="en-US" sz="1800" b="1" strike="noStrike" spc="-1" dirty="0">
+              <a:latin typeface="Arial" panose="020B0604020202020204"/>
+            </a:endParaRPr>
+          </a:p>
+        </p:txBody>
+      </p:sp>
+    </p:spTree>
+  </p:cSld>
+  <p:clrMapOvr>
+    <a:masterClrMapping/>
+  </p:clrMapOvr>
+  <mc:AlternateContent xmlns:mc="http://schemas.openxmlformats.org/markup-compatibility/2006" xmlns:p14="http://schemas.microsoft.com/office/powerpoint/2010/main">
+    <mc:Choice Requires="p14">
+      <p:transition spd="slow" p14:dur="2000"/>
+    </mc:Choice>
+    <mc:Fallback xmlns="">
+      <p:transition spd="slow"/>
+    </mc:Fallback>
+  </mc:AlternateContent>
+  <p:timing>
+    <p:tnLst>
+      <p:par>
+        <p:cTn id="1" dur="indefinite" restart="never" nodeType="tmRoot"/>
+      </p:par>
+    </p:tnLst>
+  </p:timing>
+</p:sld>
+</file>
+
+<file path=ppt/slides/slide9.xml><?xml version="1.0" encoding="utf-8"?>
 <p:sld xmlns:a="http://schemas.openxmlformats.org/drawingml/2006/main" xmlns:r="http://schemas.openxmlformats.org/officeDocument/2006/relationships" xmlns:p="http://schemas.openxmlformats.org/presentationml/2006/main">
   <p:cSld>
     <p:spTree>
@@ -9589,7 +11951,7 @@
         <p:spPr>
           <a:xfrm>
             <a:off x="1007705" y="1259205"/>
-            <a:ext cx="8316000" cy="5215359"/>
+            <a:ext cx="8316000" cy="5533907"/>
           </a:xfrm>
           <a:prstGeom prst="rect">
             <a:avLst/>
@@ -9618,7 +11980,6 @@
               <a:rPr lang="en-US" b="1" dirty="0" smtClean="0"/>
               <a:t>file</a:t>
             </a:r>
-            <a:endParaRPr lang="en-US" b="1" dirty="0" smtClean="0"/>
           </a:p>
           <a:p>
             <a:pPr>
@@ -9676,7 +12037,6 @@
               <a:rPr lang="en-US" b="1" dirty="0" smtClean="0"/>
               <a:t>annotation</a:t>
             </a:r>
-            <a:endParaRPr lang="en-US" b="1" dirty="0" smtClean="0"/>
           </a:p>
           <a:p>
             <a:pPr>
@@ -9686,11 +12046,7 @@
             </a:pPr>
             <a:r>
               <a:rPr lang="en-US" dirty="0"/>
-              <a:t>@Component</a:t>
-            </a:r>
-            <a:r>
-              <a:rPr lang="en-US" dirty="0"/>
-              <a:t> annotation above a class indicates that this class is a component and should be automatically detected and instantiated.</a:t>
+              <a:t>@Component annotation above a class indicates that this class is a component and should be automatically detected and instantiated.</a:t>
             </a:r>
             <a:endParaRPr lang="en-US" b="1" dirty="0" smtClean="0"/>
           </a:p>
@@ -9715,18 +12071,132 @@
               <a:t>Using @Configuration </a:t>
             </a:r>
             <a:r>
+              <a:rPr lang="en-US" dirty="0" smtClean="0"/>
+              <a:t>and</a:t>
+            </a:r>
+            <a:r>
               <a:rPr lang="en-US" b="1" dirty="0" smtClean="0"/>
-              <a:t>annotation and @Bean</a:t>
-            </a:r>
-            <a:endParaRPr lang="en-US" b="1" dirty="0" smtClean="0"/>
-          </a:p>
-          <a:p>
-            <a:pPr lvl="2" fontAlgn="base"/>
+              <a:t> </a:t>
+            </a:r>
+            <a:r>
+              <a:rPr lang="en-US" b="1" dirty="0" smtClean="0"/>
+              <a:t>@</a:t>
+            </a:r>
+            <a:r>
+              <a:rPr lang="en-US" b="1" dirty="0" smtClean="0"/>
+              <a:t>Bean</a:t>
+            </a:r>
+          </a:p>
+          <a:p>
+            <a:pPr>
+              <a:lnSpc>
+                <a:spcPct val="115000"/>
+              </a:lnSpc>
+            </a:pPr>
+            <a:r>
+              <a:rPr lang="en-US" dirty="0" err="1" smtClean="0"/>
+              <a:t>Gom</a:t>
+            </a:r>
+            <a:r>
+              <a:rPr lang="en-US" dirty="0" smtClean="0"/>
+              <a:t> </a:t>
+            </a:r>
+            <a:r>
+              <a:rPr lang="en-US" dirty="0" err="1"/>
+              <a:t>chung</a:t>
+            </a:r>
+            <a:r>
+              <a:rPr lang="en-US" dirty="0"/>
+              <a:t> </a:t>
+            </a:r>
+            <a:r>
+              <a:rPr lang="en-US" dirty="0" err="1"/>
+              <a:t>các</a:t>
+            </a:r>
+            <a:r>
+              <a:rPr lang="en-US" dirty="0"/>
+              <a:t> bean </a:t>
+            </a:r>
+            <a:r>
+              <a:rPr lang="en-US" dirty="0" err="1"/>
+              <a:t>cần</a:t>
+            </a:r>
+            <a:r>
+              <a:rPr lang="en-US" dirty="0"/>
+              <a:t> </a:t>
+            </a:r>
+            <a:r>
+              <a:rPr lang="en-US" dirty="0" err="1"/>
+              <a:t>khởi</a:t>
+            </a:r>
+            <a:r>
+              <a:rPr lang="en-US" dirty="0"/>
+              <a:t> </a:t>
+            </a:r>
+            <a:r>
+              <a:rPr lang="en-US" dirty="0" err="1"/>
+              <a:t>tạo</a:t>
+            </a:r>
+            <a:r>
+              <a:rPr lang="en-US" dirty="0"/>
+              <a:t> </a:t>
+            </a:r>
+            <a:r>
+              <a:rPr lang="en-US" dirty="0" err="1"/>
+              <a:t>lại</a:t>
+            </a:r>
+            <a:r>
+              <a:rPr lang="en-US" dirty="0"/>
+              <a:t> </a:t>
+            </a:r>
+            <a:r>
+              <a:rPr lang="en-US" dirty="0" err="1"/>
+              <a:t>bỏ</a:t>
+            </a:r>
+            <a:r>
+              <a:rPr lang="en-US" dirty="0"/>
+              <a:t> </a:t>
+            </a:r>
+            <a:r>
+              <a:rPr lang="en-US" dirty="0" err="1"/>
+              <a:t>vào</a:t>
+            </a:r>
+            <a:r>
+              <a:rPr lang="en-US" dirty="0"/>
+              <a:t> class </a:t>
+            </a:r>
+            <a:r>
+              <a:rPr lang="en-US" dirty="0" err="1"/>
+              <a:t>chứa</a:t>
+            </a:r>
+            <a:r>
+              <a:rPr lang="en-US" dirty="0"/>
+              <a:t> </a:t>
+            </a:r>
+            <a:r>
+              <a:rPr lang="en-US" dirty="0" err="1"/>
+              <a:t>là</a:t>
+            </a:r>
+            <a:r>
+              <a:rPr lang="en-US" dirty="0"/>
+              <a:t> </a:t>
+            </a:r>
             <a:r>
               <a:rPr lang="en-US" dirty="0"/>
               <a:t>@Configuration</a:t>
             </a:r>
-            <a:endParaRPr lang="en-US" dirty="0"/>
+            <a:r>
+              <a:rPr lang="en-US" dirty="0"/>
+              <a:t>.</a:t>
+            </a:r>
+            <a:endParaRPr lang="en-US" b="1" dirty="0" smtClean="0"/>
+          </a:p>
+          <a:p>
+            <a:pPr lvl="2" fontAlgn="base"/>
+            <a:r>
+              <a:rPr lang="en-US" dirty="0"/>
+              <a:t>@Configuration</a:t>
+            </a:r>
           </a:p>
           <a:p>
             <a:pPr lvl="2" fontAlgn="base"/>
@@ -9742,7 +12212,6 @@
               <a:rPr lang="en-US" dirty="0"/>
               <a:t> User {</a:t>
             </a:r>
-            <a:endParaRPr lang="en-US" dirty="0"/>
           </a:p>
           <a:p>
             <a:pPr lvl="3" fontAlgn="base"/>
@@ -9758,7 +12227,6 @@
               <a:rPr lang="en-US" dirty="0"/>
               <a:t>")</a:t>
             </a:r>
-            <a:endParaRPr lang="en-US" dirty="0"/>
           </a:p>
           <a:p>
             <a:pPr lvl="3" fontAlgn="base"/>
@@ -9782,7 +12250,6 @@
               <a:rPr lang="en-US" dirty="0"/>
               <a:t>() {</a:t>
             </a:r>
-            <a:endParaRPr lang="en-US" dirty="0"/>
           </a:p>
           <a:p>
             <a:pPr lvl="3" fontAlgn="base"/>
@@ -9810,7 +12277,6 @@
               <a:rPr lang="en-US" dirty="0"/>
               <a:t>();</a:t>
             </a:r>
-            <a:endParaRPr lang="en-US" dirty="0"/>
           </a:p>
           <a:p>
             <a:pPr lvl="3" fontAlgn="base"/>
@@ -9818,7 +12284,6 @@
               <a:rPr lang="en-US" dirty="0"/>
               <a:t>}</a:t>
             </a:r>
-            <a:endParaRPr lang="en-US" dirty="0"/>
           </a:p>
           <a:p>
             <a:pPr lvl="2" fontAlgn="base"/>
@@ -9826,7 +12291,6 @@
               <a:rPr lang="en-US" dirty="0"/>
               <a:t>}</a:t>
             </a:r>
-            <a:endParaRPr lang="en-US" dirty="0"/>
           </a:p>
           <a:p>
             <a:pPr>
@@ -9845,113 +12309,11 @@
   <p:clrMapOvr>
     <a:masterClrMapping/>
   </p:clrMapOvr>
-  <mc:AlternateContent xmlns:mc="http://schemas.openxmlformats.org/markup-compatibility/2006">
-    <mc:Choice xmlns:p14="http://schemas.microsoft.com/office/powerpoint/2010/main" Requires="p14">
+  <mc:AlternateContent xmlns:mc="http://schemas.openxmlformats.org/markup-compatibility/2006" xmlns:p14="http://schemas.microsoft.com/office/powerpoint/2010/main">
+    <mc:Choice Requires="p14">
       <p:transition spd="slow" p14:dur="2000"/>
     </mc:Choice>
-    <mc:Fallback>
-      <p:transition spd="slow"/>
-    </mc:Fallback>
-  </mc:AlternateContent>
-  <p:timing>
-    <p:tnLst>
-      <p:par>
-        <p:cTn id="1" dur="indefinite" restart="never" nodeType="tmRoot"/>
-      </p:par>
-    </p:tnLst>
-  </p:timing>
-</p:sld>
-</file>
-
-<file path=ppt/slides/slide9.xml><?xml version="1.0" encoding="utf-8"?>
-<p:sld xmlns:a="http://schemas.openxmlformats.org/drawingml/2006/main" xmlns:r="http://schemas.openxmlformats.org/officeDocument/2006/relationships" xmlns:p="http://schemas.openxmlformats.org/presentationml/2006/main">
-  <p:cSld>
-    <p:spTree>
-      <p:nvGrpSpPr>
-        <p:cNvPr id="1" name=""/>
-        <p:cNvGrpSpPr/>
-        <p:nvPr/>
-      </p:nvGrpSpPr>
-      <p:grpSpPr>
-        <a:xfrm>
-          <a:off x="0" y="0"/>
-          <a:ext cx="0" cy="0"/>
-          <a:chOff x="0" y="0"/>
-          <a:chExt cx="0" cy="0"/>
-        </a:xfrm>
-      </p:grpSpPr>
-      <p:sp>
-        <p:nvSpPr>
-          <p:cNvPr id="43" name="TextShape 1"/>
-          <p:cNvSpPr txBox="1"/>
-          <p:nvPr/>
-        </p:nvSpPr>
-        <p:spPr>
-          <a:xfrm>
-            <a:off x="504000" y="467580"/>
-            <a:ext cx="9071640" cy="676910"/>
-          </a:xfrm>
-          <a:prstGeom prst="rect">
-            <a:avLst/>
-          </a:prstGeom>
-          <a:noFill/>
-          <a:ln>
-            <a:noFill/>
-          </a:ln>
-        </p:spPr>
-        <p:txBody>
-          <a:bodyPr lIns="0" tIns="0" rIns="0" bIns="0" anchor="ctr">
-            <a:spAutoFit/>
-          </a:bodyPr>
-          <a:lstStyle/>
-          <a:p>
-            <a:pPr algn="ctr"/>
-            <a:r>
-              <a:rPr lang="en-US" sz="4400" b="0" strike="noStrike" spc="-1">
-                <a:latin typeface="Arial" panose="020B0604020202020204"/>
-              </a:rPr>
-              <a:t>@Bean</a:t>
-            </a:r>
-            <a:endParaRPr lang="en-US" sz="4400" b="0" strike="noStrike" spc="-1">
-              <a:latin typeface="Arial" panose="020B0604020202020204"/>
-            </a:endParaRPr>
-          </a:p>
-        </p:txBody>
-      </p:sp>
-      <p:pic>
-        <p:nvPicPr>
-          <p:cNvPr id="2" name="Picture 1"/>
-          <p:cNvPicPr>
-            <a:picLocks noChangeAspect="1"/>
-          </p:cNvPicPr>
-          <p:nvPr/>
-        </p:nvPicPr>
-        <p:blipFill>
-          <a:blip r:embed="rId1"/>
-          <a:stretch>
-            <a:fillRect/>
-          </a:stretch>
-        </p:blipFill>
-        <p:spPr>
-          <a:xfrm>
-            <a:off x="720725" y="1403350"/>
-            <a:ext cx="8684895" cy="5337810"/>
-          </a:xfrm>
-          <a:prstGeom prst="rect">
-            <a:avLst/>
-          </a:prstGeom>
-        </p:spPr>
-      </p:pic>
-    </p:spTree>
-  </p:cSld>
-  <p:clrMapOvr>
-    <a:masterClrMapping/>
-  </p:clrMapOvr>
-  <mc:AlternateContent xmlns:mc="http://schemas.openxmlformats.org/markup-compatibility/2006">
-    <mc:Choice xmlns:p14="http://schemas.microsoft.com/office/powerpoint/2010/main" Requires="p14">
-      <p:transition spd="slow" p14:dur="2000"/>
-    </mc:Choice>
-    <mc:Fallback>
+    <mc:Fallback xmlns="">
       <p:transition spd="slow"/>
     </mc:Fallback>
   </mc:AlternateContent>
@@ -10185,9 +12547,11 @@
       </a:bgFillStyleLst>
     </a:fmtScheme>
   </a:themeElements>
+  <a:objectDefaults/>
+  <a:extraClrSchemeLst/>
   <a:extLst>
     <a:ext uri="{05A4C25C-085E-4340-85A3-A5531E510DB2}">
-      <thm15:themeFamily xmlns:thm15="http://schemas.microsoft.com/office/thememl/2012/main" name="Office Theme" id="{62F939B6-93AF-4DB8-9C6B-D6C7DFDC589F}" vid="{4A3C46E8-61CC-4603-A589-7422A47A8E4A}"/>
+      <thm15:themeFamily xmlns="" xmlns:thm15="http://schemas.microsoft.com/office/thememl/2012/main" name="Office Theme" id="{62F939B6-93AF-4DB8-9C6B-D6C7DFDC589F}" vid="{4A3C46E8-61CC-4603-A589-7422A47A8E4A}"/>
     </a:ext>
   </a:extLst>
 </a:theme>

--- a/Spring.pptx
+++ b/Spring.pptx
@@ -36,6 +36,7 @@
     <p:sldId id="273" r:id="rId30"/>
     <p:sldId id="274" r:id="rId31"/>
     <p:sldId id="275" r:id="rId32"/>
+    <p:sldId id="328" r:id="rId33"/>
   </p:sldIdLst>
   <p:sldSz cx="10080625" cy="7559675"/>
   <p:notesSz cx="7772400" cy="10058400"/>
@@ -1971,7 +1972,7 @@
         <p:spPr>
           <a:xfrm>
             <a:off x="915120" y="1573200"/>
-            <a:ext cx="8594640" cy="2581910"/>
+            <a:ext cx="8594640" cy="2999367"/>
           </a:xfrm>
           <a:prstGeom prst="rect">
             <a:avLst/>
@@ -2064,10 +2065,26 @@
               <a:t>6. JMS and </a:t>
             </a:r>
             <a:r>
-              <a:rPr lang="en-US" sz="1800" b="0" strike="noStrike" spc="-1" dirty="0" err="1">
+              <a:rPr lang="en-US" sz="1800" b="0" strike="noStrike" spc="-1" dirty="0" err="1" smtClean="0">
                 <a:latin typeface="Arial" panose="020B0604020202020204"/>
               </a:rPr>
               <a:t>ActiveMQ</a:t>
+            </a:r>
+            <a:endParaRPr lang="en-US" sz="1800" b="0" strike="noStrike" spc="-1" dirty="0" smtClean="0">
+              <a:latin typeface="Arial" panose="020B0604020202020204"/>
+            </a:endParaRPr>
+          </a:p>
+          <a:p>
+            <a:pPr>
+              <a:lnSpc>
+                <a:spcPct val="150000"/>
+              </a:lnSpc>
+            </a:pPr>
+            <a:r>
+              <a:rPr lang="en-US" spc="-1" dirty="0" smtClean="0">
+                <a:latin typeface="Arial" panose="020B0604020202020204"/>
+              </a:rPr>
+              <a:t>7. Spring boot Structure</a:t>
             </a:r>
             <a:endParaRPr lang="en-US" sz="1800" b="0" strike="noStrike" spc="-1" dirty="0">
               <a:latin typeface="Arial" panose="020B0604020202020204"/>
@@ -4992,11 +5009,7 @@
             </a:pPr>
             <a:r>
               <a:rPr lang="vi-VN" dirty="0"/>
-              <a:t>Có hai cách giải quyết vấn đề này. Thứ nhất là dùng </a:t>
-            </a:r>
-            <a:r>
-              <a:rPr lang="vi-VN" dirty="0"/>
-              <a:t>@</a:t>
+              <a:t>Có hai cách giải quyết vấn đề này. Thứ nhất là dùng @</a:t>
             </a:r>
             <a:r>
               <a:rPr lang="vi-VN" b="1" dirty="0"/>
@@ -5080,15 +5093,7 @@
             </a:pPr>
             <a:r>
               <a:rPr lang="vi-VN" dirty="0"/>
-              <a:t>Cách 2 là chỉ định rõ tên bean (tên class) cụ thể được inject bằng </a:t>
-            </a:r>
-            <a:r>
-              <a:rPr lang="vi-VN" dirty="0"/>
-              <a:t>@Qualifier</a:t>
-            </a:r>
-            <a:r>
-              <a:rPr lang="vi-VN" dirty="0"/>
-              <a:t>.</a:t>
+              <a:t>Cách 2 là chỉ định rõ tên bean (tên class) cụ thể được inject bằng @Qualifier.</a:t>
             </a:r>
             <a:endParaRPr lang="en-US" sz="1800" b="0" strike="noStrike" spc="-1" dirty="0">
               <a:latin typeface="Arial" panose="020B0604020202020204"/>
@@ -9809,6 +9814,233 @@
       <p:transition spd="slow"/>
     </mc:Fallback>
   </mc:AlternateContent>
+  <p:timing>
+    <p:tnLst>
+      <p:par>
+        <p:cTn id="1" dur="indefinite" restart="never" nodeType="tmRoot"/>
+      </p:par>
+    </p:tnLst>
+  </p:timing>
+</p:sld>
+</file>
+
+<file path=ppt/slides/slide32.xml><?xml version="1.0" encoding="utf-8"?>
+<p:sld xmlns:a="http://schemas.openxmlformats.org/drawingml/2006/main" xmlns:r="http://schemas.openxmlformats.org/officeDocument/2006/relationships" xmlns:p="http://schemas.openxmlformats.org/presentationml/2006/main">
+  <p:cSld>
+    <p:spTree>
+      <p:nvGrpSpPr>
+        <p:cNvPr id="1" name=""/>
+        <p:cNvGrpSpPr/>
+        <p:nvPr/>
+      </p:nvGrpSpPr>
+      <p:grpSpPr>
+        <a:xfrm>
+          <a:off x="0" y="0"/>
+          <a:ext cx="0" cy="0"/>
+          <a:chOff x="0" y="0"/>
+          <a:chExt cx="0" cy="0"/>
+        </a:xfrm>
+      </p:grpSpPr>
+      <p:sp>
+        <p:nvSpPr>
+          <p:cNvPr id="90" name="TextShape 1"/>
+          <p:cNvSpPr txBox="1"/>
+          <p:nvPr/>
+        </p:nvSpPr>
+        <p:spPr>
+          <a:xfrm>
+            <a:off x="504000" y="593846"/>
+            <a:ext cx="9071640" cy="677108"/>
+          </a:xfrm>
+          <a:prstGeom prst="rect">
+            <a:avLst/>
+          </a:prstGeom>
+          <a:noFill/>
+          <a:ln>
+            <a:noFill/>
+          </a:ln>
+        </p:spPr>
+        <p:txBody>
+          <a:bodyPr lIns="0" tIns="0" rIns="0" bIns="0" anchor="ctr">
+            <a:spAutoFit/>
+          </a:bodyPr>
+          <a:lstStyle/>
+          <a:p>
+            <a:pPr algn="ctr"/>
+            <a:r>
+              <a:rPr lang="en-US" sz="4400" b="1" spc="-1" dirty="0" err="1" smtClean="0">
+                <a:latin typeface="Arial" panose="020B0604020202020204"/>
+              </a:rPr>
+              <a:t>SpringBoot</a:t>
+            </a:r>
+            <a:r>
+              <a:rPr lang="en-US" sz="4400" b="1" spc="-1" dirty="0" smtClean="0">
+                <a:latin typeface="Arial" panose="020B0604020202020204"/>
+              </a:rPr>
+              <a:t> Structure</a:t>
+            </a:r>
+            <a:endParaRPr lang="en-US" sz="4400" b="0" strike="noStrike" spc="-1" dirty="0">
+              <a:latin typeface="Arial" panose="020B0604020202020204"/>
+            </a:endParaRPr>
+          </a:p>
+        </p:txBody>
+      </p:sp>
+      <p:sp>
+        <p:nvSpPr>
+          <p:cNvPr id="91" name="TextShape 2"/>
+          <p:cNvSpPr txBox="1"/>
+          <p:nvPr/>
+        </p:nvSpPr>
+        <p:spPr>
+          <a:xfrm>
+            <a:off x="594720" y="1645920"/>
+            <a:ext cx="9006480" cy="3137867"/>
+          </a:xfrm>
+          <a:prstGeom prst="rect">
+            <a:avLst/>
+          </a:prstGeom>
+          <a:noFill/>
+          <a:ln>
+            <a:noFill/>
+          </a:ln>
+        </p:spPr>
+        <p:txBody>
+          <a:bodyPr lIns="90000" tIns="45000" rIns="90000" bIns="45000">
+            <a:spAutoFit/>
+          </a:bodyPr>
+          <a:lstStyle/>
+          <a:p>
+            <a:pPr fontAlgn="base"/>
+            <a:r>
+              <a:rPr lang="en-US" dirty="0" err="1"/>
+              <a:t>config</a:t>
+            </a:r>
+            <a:r>
+              <a:rPr lang="en-US" dirty="0"/>
+              <a:t> - class which will read from property files</a:t>
+            </a:r>
+          </a:p>
+          <a:p>
+            <a:pPr fontAlgn="base"/>
+            <a:r>
+              <a:rPr lang="en-US" dirty="0"/>
+              <a:t>cache - caching mechanism class files</a:t>
+            </a:r>
+          </a:p>
+          <a:p>
+            <a:pPr fontAlgn="base"/>
+            <a:r>
+              <a:rPr lang="en-US" dirty="0"/>
+              <a:t>constants - constant defined class</a:t>
+            </a:r>
+          </a:p>
+          <a:p>
+            <a:pPr fontAlgn="base"/>
+            <a:r>
+              <a:rPr lang="en-US" dirty="0"/>
+              <a:t>controller - controller class</a:t>
+            </a:r>
+          </a:p>
+          <a:p>
+            <a:pPr fontAlgn="base"/>
+            <a:r>
+              <a:rPr lang="en-US" dirty="0"/>
+              <a:t>exception - exception class</a:t>
+            </a:r>
+          </a:p>
+          <a:p>
+            <a:pPr fontAlgn="base"/>
+            <a:r>
+              <a:rPr lang="en-US" dirty="0"/>
+              <a:t>model - </a:t>
+            </a:r>
+            <a:r>
+              <a:rPr lang="en-US" dirty="0" err="1"/>
+              <a:t>pojos</a:t>
+            </a:r>
+            <a:r>
+              <a:rPr lang="en-US" dirty="0"/>
+              <a:t> classes will be present</a:t>
+            </a:r>
+          </a:p>
+          <a:p>
+            <a:pPr fontAlgn="base"/>
+            <a:r>
+              <a:rPr lang="en-US" dirty="0"/>
+              <a:t>security - security classes</a:t>
+            </a:r>
+          </a:p>
+          <a:p>
+            <a:pPr fontAlgn="base"/>
+            <a:r>
+              <a:rPr lang="en-US" dirty="0"/>
+              <a:t>service - </a:t>
+            </a:r>
+            <a:r>
+              <a:rPr lang="en-US" dirty="0" err="1"/>
+              <a:t>Impl</a:t>
+            </a:r>
+            <a:r>
+              <a:rPr lang="en-US" dirty="0"/>
+              <a:t> classes</a:t>
+            </a:r>
+          </a:p>
+          <a:p>
+            <a:pPr fontAlgn="base"/>
+            <a:r>
+              <a:rPr lang="en-US" dirty="0" err="1"/>
+              <a:t>util</a:t>
+            </a:r>
+            <a:r>
+              <a:rPr lang="en-US" dirty="0"/>
+              <a:t> - utility classes</a:t>
+            </a:r>
+          </a:p>
+          <a:p>
+            <a:pPr fontAlgn="base"/>
+            <a:r>
+              <a:rPr lang="en-US" dirty="0"/>
+              <a:t>validation - validators classes</a:t>
+            </a:r>
+          </a:p>
+          <a:p>
+            <a:pPr fontAlgn="base"/>
+            <a:r>
+              <a:rPr lang="en-US" dirty="0" err="1"/>
+              <a:t>bootloader</a:t>
+            </a:r>
+            <a:r>
+              <a:rPr lang="en-US" dirty="0"/>
+              <a:t> - main class</a:t>
+            </a:r>
+          </a:p>
+        </p:txBody>
+      </p:sp>
+    </p:spTree>
+    <p:extLst>
+      <p:ext uri="{BB962C8B-B14F-4D97-AF65-F5344CB8AC3E}">
+        <p14:creationId xmlns:p14="http://schemas.microsoft.com/office/powerpoint/2010/main" val="3679742996"/>
+      </p:ext>
+    </p:extLst>
+  </p:cSld>
+  <p:clrMapOvr>
+    <a:masterClrMapping/>
+  </p:clrMapOvr>
+  <mc:AlternateContent xmlns:mc="http://schemas.openxmlformats.org/markup-compatibility/2006" xmlns:p14="http://schemas.microsoft.com/office/powerpoint/2010/main">
+    <mc:Choice Requires="p14">
+      <p:transition spd="slow" p14:dur="2000"/>
+    </mc:Choice>
+    <mc:Fallback xmlns="">
+      <p:transition spd="slow"/>
+    </mc:Fallback>
+  </mc:AlternateContent>
+  <p:timing>
+    <p:tnLst>
+      <p:par>
+        <p:cTn id="1" dur="indefinite" restart="never" nodeType="tmRoot"/>
+      </p:par>
+    </p:tnLst>
+  </p:timing>
 </p:sld>
 </file>
 
@@ -12076,15 +12308,7 @@
             </a:r>
             <a:r>
               <a:rPr lang="en-US" b="1" dirty="0" smtClean="0"/>
-              <a:t> </a:t>
-            </a:r>
-            <a:r>
-              <a:rPr lang="en-US" b="1" dirty="0" smtClean="0"/>
-              <a:t>@</a:t>
-            </a:r>
-            <a:r>
-              <a:rPr lang="en-US" b="1" dirty="0" smtClean="0"/>
-              <a:t>Bean</a:t>
+              <a:t> @Bean</a:t>
             </a:r>
           </a:p>
           <a:p>
@@ -12179,15 +12403,7 @@
             </a:r>
             <a:r>
               <a:rPr lang="en-US" dirty="0"/>
-              <a:t> </a:t>
-            </a:r>
-            <a:r>
-              <a:rPr lang="en-US" dirty="0"/>
-              <a:t>@Configuration</a:t>
-            </a:r>
-            <a:r>
-              <a:rPr lang="en-US" dirty="0"/>
-              <a:t>.</a:t>
+              <a:t> @Configuration.</a:t>
             </a:r>
             <a:endParaRPr lang="en-US" b="1" dirty="0" smtClean="0"/>
           </a:p>
@@ -12551,7 +12767,7 @@
   <a:extraClrSchemeLst/>
   <a:extLst>
     <a:ext uri="{05A4C25C-085E-4340-85A3-A5531E510DB2}">
-      <thm15:themeFamily xmlns="" xmlns:thm15="http://schemas.microsoft.com/office/thememl/2012/main" name="Office Theme" id="{62F939B6-93AF-4DB8-9C6B-D6C7DFDC589F}" vid="{4A3C46E8-61CC-4603-A589-7422A47A8E4A}"/>
+      <thm15:themeFamily xmlns:thm15="http://schemas.microsoft.com/office/thememl/2012/main" xmlns="" name="Office Theme" id="{62F939B6-93AF-4DB8-9C6B-D6C7DFDC589F}" vid="{4A3C46E8-61CC-4603-A589-7422A47A8E4A}"/>
     </a:ext>
   </a:extLst>
 </a:theme>
